--- a/presentation.pptx
+++ b/presentation.pptx
@@ -8,15 +8,22 @@
     <p:sldId id="256" r:id="rId2"/>
     <p:sldId id="259" r:id="rId3"/>
     <p:sldId id="257" r:id="rId4"/>
-    <p:sldId id="263" r:id="rId5"/>
-    <p:sldId id="262" r:id="rId6"/>
-    <p:sldId id="264" r:id="rId7"/>
-    <p:sldId id="260" r:id="rId8"/>
-    <p:sldId id="266" r:id="rId9"/>
-    <p:sldId id="268" r:id="rId10"/>
-    <p:sldId id="267" r:id="rId11"/>
-    <p:sldId id="261" r:id="rId12"/>
-    <p:sldId id="265" r:id="rId13"/>
+    <p:sldId id="270" r:id="rId5"/>
+    <p:sldId id="272" r:id="rId6"/>
+    <p:sldId id="276" r:id="rId7"/>
+    <p:sldId id="275" r:id="rId8"/>
+    <p:sldId id="271" r:id="rId9"/>
+    <p:sldId id="273" r:id="rId10"/>
+    <p:sldId id="263" r:id="rId11"/>
+    <p:sldId id="260" r:id="rId12"/>
+    <p:sldId id="269" r:id="rId13"/>
+    <p:sldId id="262" r:id="rId14"/>
+    <p:sldId id="264" r:id="rId15"/>
+    <p:sldId id="266" r:id="rId16"/>
+    <p:sldId id="277" r:id="rId17"/>
+    <p:sldId id="268" r:id="rId18"/>
+    <p:sldId id="274" r:id="rId19"/>
+    <p:sldId id="267" r:id="rId20"/>
   </p:sldIdLst>
   <p:sldSz cx="12192000" cy="6858000"/>
   <p:notesSz cx="6858000" cy="9144000"/>
@@ -115,6 +122,11 @@
       </a:defRPr>
     </a:lvl9pPr>
   </p:defaultTextStyle>
+  <p:extLst>
+    <p:ext uri="{EFAFB233-063F-42B5-8137-9DF3F51BA10A}">
+      <p15:sldGuideLst xmlns:p15="http://schemas.microsoft.com/office/powerpoint/2012/main"/>
+    </p:ext>
+  </p:extLst>
 </p:presentation>
 </file>
 
@@ -265,7 +277,7 @@
           <a:p>
             <a:fld id="{90B9546A-7969-4B1B-92AE-0EBC43C27576}" type="datetimeFigureOut">
               <a:rPr lang="en-US" smtClean="0"/>
-              <a:t>3/7/2020</a:t>
+              <a:t>3/8/2020</a:t>
             </a:fld>
             <a:endParaRPr lang="en-US"/>
           </a:p>
@@ -463,7 +475,7 @@
           <a:p>
             <a:fld id="{90B9546A-7969-4B1B-92AE-0EBC43C27576}" type="datetimeFigureOut">
               <a:rPr lang="en-US" smtClean="0"/>
-              <a:t>3/7/2020</a:t>
+              <a:t>3/8/2020</a:t>
             </a:fld>
             <a:endParaRPr lang="en-US"/>
           </a:p>
@@ -671,7 +683,7 @@
           <a:p>
             <a:fld id="{90B9546A-7969-4B1B-92AE-0EBC43C27576}" type="datetimeFigureOut">
               <a:rPr lang="en-US" smtClean="0"/>
-              <a:t>3/7/2020</a:t>
+              <a:t>3/8/2020</a:t>
             </a:fld>
             <a:endParaRPr lang="en-US"/>
           </a:p>
@@ -869,7 +881,7 @@
           <a:p>
             <a:fld id="{90B9546A-7969-4B1B-92AE-0EBC43C27576}" type="datetimeFigureOut">
               <a:rPr lang="en-US" smtClean="0"/>
-              <a:t>3/7/2020</a:t>
+              <a:t>3/8/2020</a:t>
             </a:fld>
             <a:endParaRPr lang="en-US"/>
           </a:p>
@@ -1144,7 +1156,7 @@
           <a:p>
             <a:fld id="{90B9546A-7969-4B1B-92AE-0EBC43C27576}" type="datetimeFigureOut">
               <a:rPr lang="en-US" smtClean="0"/>
-              <a:t>3/7/2020</a:t>
+              <a:t>3/8/2020</a:t>
             </a:fld>
             <a:endParaRPr lang="en-US"/>
           </a:p>
@@ -1409,7 +1421,7 @@
           <a:p>
             <a:fld id="{90B9546A-7969-4B1B-92AE-0EBC43C27576}" type="datetimeFigureOut">
               <a:rPr lang="en-US" smtClean="0"/>
-              <a:t>3/7/2020</a:t>
+              <a:t>3/8/2020</a:t>
             </a:fld>
             <a:endParaRPr lang="en-US"/>
           </a:p>
@@ -1821,7 +1833,7 @@
           <a:p>
             <a:fld id="{90B9546A-7969-4B1B-92AE-0EBC43C27576}" type="datetimeFigureOut">
               <a:rPr lang="en-US" smtClean="0"/>
-              <a:t>3/7/2020</a:t>
+              <a:t>3/8/2020</a:t>
             </a:fld>
             <a:endParaRPr lang="en-US"/>
           </a:p>
@@ -1962,7 +1974,7 @@
           <a:p>
             <a:fld id="{90B9546A-7969-4B1B-92AE-0EBC43C27576}" type="datetimeFigureOut">
               <a:rPr lang="en-US" smtClean="0"/>
-              <a:t>3/7/2020</a:t>
+              <a:t>3/8/2020</a:t>
             </a:fld>
             <a:endParaRPr lang="en-US"/>
           </a:p>
@@ -2075,7 +2087,7 @@
           <a:p>
             <a:fld id="{90B9546A-7969-4B1B-92AE-0EBC43C27576}" type="datetimeFigureOut">
               <a:rPr lang="en-US" smtClean="0"/>
-              <a:t>3/7/2020</a:t>
+              <a:t>3/8/2020</a:t>
             </a:fld>
             <a:endParaRPr lang="en-US"/>
           </a:p>
@@ -2386,7 +2398,7 @@
           <a:p>
             <a:fld id="{90B9546A-7969-4B1B-92AE-0EBC43C27576}" type="datetimeFigureOut">
               <a:rPr lang="en-US" smtClean="0"/>
-              <a:t>3/7/2020</a:t>
+              <a:t>3/8/2020</a:t>
             </a:fld>
             <a:endParaRPr lang="en-US"/>
           </a:p>
@@ -2674,7 +2686,7 @@
           <a:p>
             <a:fld id="{90B9546A-7969-4B1B-92AE-0EBC43C27576}" type="datetimeFigureOut">
               <a:rPr lang="en-US" smtClean="0"/>
-              <a:t>3/7/2020</a:t>
+              <a:t>3/8/2020</a:t>
             </a:fld>
             <a:endParaRPr lang="en-US"/>
           </a:p>
@@ -2915,7 +2927,7 @@
           <a:p>
             <a:fld id="{90B9546A-7969-4B1B-92AE-0EBC43C27576}" type="datetimeFigureOut">
               <a:rPr lang="en-US" smtClean="0"/>
-              <a:t>3/7/2020</a:t>
+              <a:t>3/8/2020</a:t>
             </a:fld>
             <a:endParaRPr lang="en-US"/>
           </a:p>
@@ -3473,7 +3485,7 @@
           <p:cNvPr id="2" name="Title 1">
             <a:extLst>
               <a:ext uri="{FF2B5EF4-FFF2-40B4-BE49-F238E27FC236}">
-                <a16:creationId xmlns:a16="http://schemas.microsoft.com/office/drawing/2014/main" id="{F9B00A71-D9A5-48EF-B13D-3C64E072E5F9}"/>
+                <a16:creationId xmlns:a16="http://schemas.microsoft.com/office/drawing/2014/main" id="{5F21C3FD-FED2-4865-992B-07094D2C8A0E}"/>
               </a:ext>
             </a:extLst>
           </p:cNvPr>
@@ -3484,77 +3496,14 @@
             <p:ph type="title"/>
           </p:nvPr>
         </p:nvSpPr>
-        <p:spPr>
-          <a:xfrm>
-            <a:off x="4135074" y="2865044"/>
-            <a:ext cx="3465352" cy="1325563"/>
-          </a:xfrm>
-        </p:spPr>
+        <p:spPr/>
         <p:txBody>
           <a:bodyPr/>
           <a:lstStyle/>
           <a:p>
             <a:r>
               <a:rPr lang="en-US" dirty="0"/>
-              <a:t>Thank You</a:t>
-            </a:r>
-          </a:p>
-        </p:txBody>
-      </p:sp>
-    </p:spTree>
-    <p:extLst>
-      <p:ext uri="{BB962C8B-B14F-4D97-AF65-F5344CB8AC3E}">
-        <p14:creationId xmlns:p14="http://schemas.microsoft.com/office/powerpoint/2010/main" val="2844057254"/>
-      </p:ext>
-    </p:extLst>
-  </p:cSld>
-  <p:clrMapOvr>
-    <a:masterClrMapping/>
-  </p:clrMapOvr>
-</p:sld>
-</file>
-
-<file path=ppt/slides/slide11.xml><?xml version="1.0" encoding="utf-8"?>
-<p:sld xmlns:a="http://schemas.openxmlformats.org/drawingml/2006/main" xmlns:r="http://schemas.openxmlformats.org/officeDocument/2006/relationships" xmlns:p="http://schemas.openxmlformats.org/presentationml/2006/main">
-  <p:cSld>
-    <p:spTree>
-      <p:nvGrpSpPr>
-        <p:cNvPr id="1" name=""/>
-        <p:cNvGrpSpPr/>
-        <p:nvPr/>
-      </p:nvGrpSpPr>
-      <p:grpSpPr>
-        <a:xfrm>
-          <a:off x="0" y="0"/>
-          <a:ext cx="0" cy="0"/>
-          <a:chOff x="0" y="0"/>
-          <a:chExt cx="0" cy="0"/>
-        </a:xfrm>
-      </p:grpSpPr>
-      <p:sp>
-        <p:nvSpPr>
-          <p:cNvPr id="2" name="Title 1">
-            <a:extLst>
-              <a:ext uri="{FF2B5EF4-FFF2-40B4-BE49-F238E27FC236}">
-                <a16:creationId xmlns:a16="http://schemas.microsoft.com/office/drawing/2014/main" id="{8E000300-5BAC-46CB-9D19-BB6E9CE37C21}"/>
-              </a:ext>
-            </a:extLst>
-          </p:cNvPr>
-          <p:cNvSpPr>
-            <a:spLocks noGrp="1"/>
-          </p:cNvSpPr>
-          <p:nvPr>
-            <p:ph type="title"/>
-          </p:nvPr>
-        </p:nvSpPr>
-        <p:spPr/>
-        <p:txBody>
-          <a:bodyPr/>
-          <a:lstStyle/>
-          <a:p>
-            <a:r>
-              <a:rPr lang="en-US" dirty="0"/>
-              <a:t>Research...</a:t>
+              <a:t>“Star Chaser”</a:t>
             </a:r>
           </a:p>
         </p:txBody>
@@ -3564,7 +3513,7 @@
           <p:cNvPr id="3" name="Content Placeholder 2">
             <a:extLst>
               <a:ext uri="{FF2B5EF4-FFF2-40B4-BE49-F238E27FC236}">
-                <a16:creationId xmlns:a16="http://schemas.microsoft.com/office/drawing/2014/main" id="{D768AE68-F7CE-4C16-A383-76BB18D08590}"/>
+                <a16:creationId xmlns:a16="http://schemas.microsoft.com/office/drawing/2014/main" id="{FBF3D43E-8342-40CF-97FC-A6E8E496FF7E}"/>
               </a:ext>
             </a:extLst>
           </p:cNvPr>
@@ -3575,537 +3524,6 @@
             <p:ph idx="1"/>
           </p:nvPr>
         </p:nvSpPr>
-        <p:spPr/>
-        <p:txBody>
-          <a:bodyPr/>
-          <a:lstStyle/>
-          <a:p>
-            <a:r>
-              <a:rPr lang="en-US" dirty="0">
-                <a:hlinkClick r:id="rId2"/>
-              </a:rPr>
-              <a:t>https://dev.to/aduranil/53-learnings-from-writing-a-multiplayer-strategy-game-3ijd</a:t>
-            </a:r>
-            <a:endParaRPr lang="en-US" dirty="0"/>
-          </a:p>
-          <a:p>
-            <a:r>
-              <a:rPr lang="en-US" dirty="0">
-                <a:hlinkClick r:id="rId3"/>
-              </a:rPr>
-              <a:t>https://stackoverflow.com/questions/12470633/django-website-basic-2d-python-game</a:t>
-            </a:r>
-            <a:endParaRPr lang="en-US" dirty="0"/>
-          </a:p>
-          <a:p>
-            <a:r>
-              <a:rPr lang="en-US" dirty="0">
-                <a:hlinkClick r:id="rId4"/>
-              </a:rPr>
-              <a:t>https://code.tutsplus.com/tutorials/how-to-build-a-python-bot-that-can-play-web-games--active-11117</a:t>
-            </a:r>
-            <a:endParaRPr lang="en-US" dirty="0"/>
-          </a:p>
-          <a:p>
-            <a:endParaRPr lang="en-US" dirty="0"/>
-          </a:p>
-        </p:txBody>
-      </p:sp>
-    </p:spTree>
-    <p:extLst>
-      <p:ext uri="{BB962C8B-B14F-4D97-AF65-F5344CB8AC3E}">
-        <p14:creationId xmlns:p14="http://schemas.microsoft.com/office/powerpoint/2010/main" val="490813684"/>
-      </p:ext>
-    </p:extLst>
-  </p:cSld>
-  <p:clrMapOvr>
-    <a:masterClrMapping/>
-  </p:clrMapOvr>
-</p:sld>
-</file>
-
-<file path=ppt/slides/slide12.xml><?xml version="1.0" encoding="utf-8"?>
-<p:sld xmlns:a="http://schemas.openxmlformats.org/drawingml/2006/main" xmlns:r="http://schemas.openxmlformats.org/officeDocument/2006/relationships" xmlns:p="http://schemas.openxmlformats.org/presentationml/2006/main">
-  <p:cSld>
-    <p:spTree>
-      <p:nvGrpSpPr>
-        <p:cNvPr id="1" name=""/>
-        <p:cNvGrpSpPr/>
-        <p:nvPr/>
-      </p:nvGrpSpPr>
-      <p:grpSpPr>
-        <a:xfrm>
-          <a:off x="0" y="0"/>
-          <a:ext cx="0" cy="0"/>
-          <a:chOff x="0" y="0"/>
-          <a:chExt cx="0" cy="0"/>
-        </a:xfrm>
-      </p:grpSpPr>
-      <p:sp>
-        <p:nvSpPr>
-          <p:cNvPr id="2" name="Title 1">
-            <a:extLst>
-              <a:ext uri="{FF2B5EF4-FFF2-40B4-BE49-F238E27FC236}">
-                <a16:creationId xmlns:a16="http://schemas.microsoft.com/office/drawing/2014/main" id="{4E7CFBEE-3B41-4281-9EE7-8A2CC2D5771E}"/>
-              </a:ext>
-            </a:extLst>
-          </p:cNvPr>
-          <p:cNvSpPr>
-            <a:spLocks noGrp="1"/>
-          </p:cNvSpPr>
-          <p:nvPr>
-            <p:ph type="title"/>
-          </p:nvPr>
-        </p:nvSpPr>
-        <p:spPr/>
-        <p:txBody>
-          <a:bodyPr/>
-          <a:lstStyle/>
-          <a:p>
-            <a:r>
-              <a:rPr lang="en-US" dirty="0"/>
-              <a:t>Insights</a:t>
-            </a:r>
-          </a:p>
-        </p:txBody>
-      </p:sp>
-      <p:sp>
-        <p:nvSpPr>
-          <p:cNvPr id="3" name="Content Placeholder 2">
-            <a:extLst>
-              <a:ext uri="{FF2B5EF4-FFF2-40B4-BE49-F238E27FC236}">
-                <a16:creationId xmlns:a16="http://schemas.microsoft.com/office/drawing/2014/main" id="{78F7C58A-B2CC-4B2A-B170-9DE8957A1230}"/>
-              </a:ext>
-            </a:extLst>
-          </p:cNvPr>
-          <p:cNvSpPr>
-            <a:spLocks noGrp="1"/>
-          </p:cNvSpPr>
-          <p:nvPr>
-            <p:ph idx="1"/>
-          </p:nvPr>
-        </p:nvSpPr>
-        <p:spPr/>
-        <p:txBody>
-          <a:bodyPr/>
-          <a:lstStyle/>
-          <a:p>
-            <a:r>
-              <a:rPr lang="en-US" dirty="0">
-                <a:hlinkClick r:id="rId2"/>
-              </a:rPr>
-              <a:t>https://app.pluralsight.com/course-player?clipId=5368b7ec-581e-4ecc-9e61-6ec70b233a2a</a:t>
-            </a:r>
-            <a:endParaRPr lang="en-US" dirty="0"/>
-          </a:p>
-        </p:txBody>
-      </p:sp>
-    </p:spTree>
-    <p:extLst>
-      <p:ext uri="{BB962C8B-B14F-4D97-AF65-F5344CB8AC3E}">
-        <p14:creationId xmlns:p14="http://schemas.microsoft.com/office/powerpoint/2010/main" val="3749331583"/>
-      </p:ext>
-    </p:extLst>
-  </p:cSld>
-  <p:clrMapOvr>
-    <a:masterClrMapping/>
-  </p:clrMapOvr>
-</p:sld>
-</file>
-
-<file path=ppt/slides/slide2.xml><?xml version="1.0" encoding="utf-8"?>
-<p:sld xmlns:a="http://schemas.openxmlformats.org/drawingml/2006/main" xmlns:r="http://schemas.openxmlformats.org/officeDocument/2006/relationships" xmlns:p="http://schemas.openxmlformats.org/presentationml/2006/main">
-  <p:cSld>
-    <p:spTree>
-      <p:nvGrpSpPr>
-        <p:cNvPr id="1" name=""/>
-        <p:cNvGrpSpPr/>
-        <p:nvPr/>
-      </p:nvGrpSpPr>
-      <p:grpSpPr>
-        <a:xfrm>
-          <a:off x="0" y="0"/>
-          <a:ext cx="0" cy="0"/>
-          <a:chOff x="0" y="0"/>
-          <a:chExt cx="0" cy="0"/>
-        </a:xfrm>
-      </p:grpSpPr>
-      <p:sp>
-        <p:nvSpPr>
-          <p:cNvPr id="2" name="Title 1">
-            <a:extLst>
-              <a:ext uri="{FF2B5EF4-FFF2-40B4-BE49-F238E27FC236}">
-                <a16:creationId xmlns:a16="http://schemas.microsoft.com/office/drawing/2014/main" id="{884D623C-5ADC-4953-9FA4-4B7DAA9B6BA4}"/>
-              </a:ext>
-            </a:extLst>
-          </p:cNvPr>
-          <p:cNvSpPr>
-            <a:spLocks noGrp="1"/>
-          </p:cNvSpPr>
-          <p:nvPr>
-            <p:ph type="title"/>
-          </p:nvPr>
-        </p:nvSpPr>
-        <p:spPr/>
-        <p:txBody>
-          <a:bodyPr/>
-          <a:lstStyle/>
-          <a:p>
-            <a:r>
-              <a:rPr lang="en-US" dirty="0"/>
-              <a:t>Where we are...</a:t>
-            </a:r>
-          </a:p>
-        </p:txBody>
-      </p:sp>
-      <p:sp>
-        <p:nvSpPr>
-          <p:cNvPr id="3" name="Content Placeholder 2">
-            <a:extLst>
-              <a:ext uri="{FF2B5EF4-FFF2-40B4-BE49-F238E27FC236}">
-                <a16:creationId xmlns:a16="http://schemas.microsoft.com/office/drawing/2014/main" id="{70A408A4-E00C-4B56-B8B7-4D393C00EDEF}"/>
-              </a:ext>
-            </a:extLst>
-          </p:cNvPr>
-          <p:cNvSpPr>
-            <a:spLocks noGrp="1"/>
-          </p:cNvSpPr>
-          <p:nvPr>
-            <p:ph idx="1"/>
-          </p:nvPr>
-        </p:nvSpPr>
-        <p:spPr/>
-        <p:txBody>
-          <a:bodyPr>
-            <a:normAutofit fontScale="92500" lnSpcReduction="20000"/>
-          </a:bodyPr>
-          <a:lstStyle/>
-          <a:p>
-            <a:pPr marL="0" indent="0">
-              <a:buNone/>
-            </a:pPr>
-            <a:r>
-              <a:rPr lang="en-US" sz="3500" dirty="0"/>
-              <a:t>Last Time:</a:t>
-            </a:r>
-          </a:p>
-          <a:p>
-            <a:r>
-              <a:rPr lang="en-US" dirty="0"/>
-              <a:t>Django Overview and Tic-Tac-Toe Application</a:t>
-            </a:r>
-          </a:p>
-          <a:p>
-            <a:pPr marL="0" indent="0">
-              <a:buNone/>
-            </a:pPr>
-            <a:r>
-              <a:rPr lang="en-US" sz="1700" dirty="0">
-                <a:hlinkClick r:id="rId2"/>
-              </a:rPr>
-              <a:t>https://github.com/cwinsor/django_102_pluralsight/blob/master/django_web_app_framework_intro.pdf</a:t>
-            </a:r>
-            <a:endParaRPr lang="en-US" sz="1700" dirty="0"/>
-          </a:p>
-          <a:p>
-            <a:pPr marL="0" indent="0">
-              <a:buNone/>
-            </a:pPr>
-            <a:r>
-              <a:rPr lang="en-US" sz="1700" dirty="0">
-                <a:hlinkClick r:id="rId3"/>
-              </a:rPr>
-              <a:t>https://github.com/cwinsor/django_102_pluralsight </a:t>
-            </a:r>
-            <a:endParaRPr lang="en-US" sz="1700" dirty="0"/>
-          </a:p>
-          <a:p>
-            <a:endParaRPr lang="en-US" dirty="0"/>
-          </a:p>
-          <a:p>
-            <a:pPr marL="0" indent="0">
-              <a:buNone/>
-            </a:pPr>
-            <a:r>
-              <a:rPr lang="en-US" sz="3500" dirty="0"/>
-              <a:t>This time:</a:t>
-            </a:r>
-          </a:p>
-          <a:p>
-            <a:r>
-              <a:rPr lang="en-US" dirty="0"/>
-              <a:t>“Star Chaser”</a:t>
-            </a:r>
-          </a:p>
-          <a:p>
-            <a:pPr lvl="1"/>
-            <a:r>
-              <a:rPr lang="en-US" dirty="0"/>
-              <a:t>Requirements</a:t>
-            </a:r>
-          </a:p>
-          <a:p>
-            <a:pPr lvl="1"/>
-            <a:r>
-              <a:rPr lang="en-US" dirty="0"/>
-              <a:t>Personas</a:t>
-            </a:r>
-          </a:p>
-          <a:p>
-            <a:pPr lvl="1"/>
-            <a:r>
-              <a:rPr lang="en-US" dirty="0"/>
-              <a:t>Wireframes</a:t>
-            </a:r>
-          </a:p>
-          <a:p>
-            <a:pPr lvl="1"/>
-            <a:r>
-              <a:rPr lang="en-US" dirty="0"/>
-              <a:t>Code (Django, Postgres, TensorFlow, Kaggle)</a:t>
-            </a:r>
-          </a:p>
-          <a:p>
-            <a:r>
-              <a:rPr lang="en-US" dirty="0"/>
-              <a:t>&lt;stretch:  front-end </a:t>
-            </a:r>
-            <a:r>
-              <a:rPr lang="en-US" dirty="0" err="1"/>
-              <a:t>Javascript</a:t>
-            </a:r>
-            <a:r>
-              <a:rPr lang="en-US" dirty="0"/>
-              <a:t> for charting&gt;</a:t>
-            </a:r>
-          </a:p>
-        </p:txBody>
-      </p:sp>
-    </p:spTree>
-    <p:extLst>
-      <p:ext uri="{BB962C8B-B14F-4D97-AF65-F5344CB8AC3E}">
-        <p14:creationId xmlns:p14="http://schemas.microsoft.com/office/powerpoint/2010/main" val="1019832778"/>
-      </p:ext>
-    </p:extLst>
-  </p:cSld>
-  <p:clrMapOvr>
-    <a:masterClrMapping/>
-  </p:clrMapOvr>
-</p:sld>
-</file>
-
-<file path=ppt/slides/slide3.xml><?xml version="1.0" encoding="utf-8"?>
-<p:sld xmlns:a="http://schemas.openxmlformats.org/drawingml/2006/main" xmlns:r="http://schemas.openxmlformats.org/officeDocument/2006/relationships" xmlns:p="http://schemas.openxmlformats.org/presentationml/2006/main">
-  <p:cSld>
-    <p:spTree>
-      <p:nvGrpSpPr>
-        <p:cNvPr id="1" name=""/>
-        <p:cNvGrpSpPr/>
-        <p:nvPr/>
-      </p:nvGrpSpPr>
-      <p:grpSpPr>
-        <a:xfrm>
-          <a:off x="0" y="0"/>
-          <a:ext cx="0" cy="0"/>
-          <a:chOff x="0" y="0"/>
-          <a:chExt cx="0" cy="0"/>
-        </a:xfrm>
-      </p:grpSpPr>
-      <p:sp>
-        <p:nvSpPr>
-          <p:cNvPr id="2" name="Title 1">
-            <a:extLst>
-              <a:ext uri="{FF2B5EF4-FFF2-40B4-BE49-F238E27FC236}">
-                <a16:creationId xmlns:a16="http://schemas.microsoft.com/office/drawing/2014/main" id="{27E15484-B78B-4482-98DC-3BFE333C80D0}"/>
-              </a:ext>
-            </a:extLst>
-          </p:cNvPr>
-          <p:cNvSpPr>
-            <a:spLocks noGrp="1"/>
-          </p:cNvSpPr>
-          <p:nvPr>
-            <p:ph type="title"/>
-          </p:nvPr>
-        </p:nvSpPr>
-        <p:spPr/>
-        <p:txBody>
-          <a:bodyPr/>
-          <a:lstStyle/>
-          <a:p>
-            <a:r>
-              <a:rPr lang="en-US" dirty="0"/>
-              <a:t>Goals:</a:t>
-            </a:r>
-          </a:p>
-        </p:txBody>
-      </p:sp>
-      <p:sp>
-        <p:nvSpPr>
-          <p:cNvPr id="3" name="Content Placeholder 2">
-            <a:extLst>
-              <a:ext uri="{FF2B5EF4-FFF2-40B4-BE49-F238E27FC236}">
-                <a16:creationId xmlns:a16="http://schemas.microsoft.com/office/drawing/2014/main" id="{3564A5C7-E2EA-4DB3-B57F-9F460EEC7FD5}"/>
-              </a:ext>
-            </a:extLst>
-          </p:cNvPr>
-          <p:cNvSpPr>
-            <a:spLocks noGrp="1"/>
-          </p:cNvSpPr>
-          <p:nvPr>
-            <p:ph idx="1"/>
-          </p:nvPr>
-        </p:nvSpPr>
-        <p:spPr/>
-        <p:txBody>
-          <a:bodyPr>
-            <a:normAutofit fontScale="85000" lnSpcReduction="20000"/>
-          </a:bodyPr>
-          <a:lstStyle/>
-          <a:p>
-            <a:r>
-              <a:rPr lang="en-US" dirty="0"/>
-              <a:t>Show Machine Learning deployed as Web Application</a:t>
-            </a:r>
-          </a:p>
-          <a:p>
-            <a:r>
-              <a:rPr lang="en-US" dirty="0"/>
-              <a:t>Demonstrate Best-Practice Web App Design</a:t>
-            </a:r>
-          </a:p>
-          <a:p>
-            <a:r>
-              <a:rPr lang="en-US" dirty="0"/>
-              <a:t>Explore Tools</a:t>
-            </a:r>
-          </a:p>
-          <a:p>
-            <a:r>
-              <a:rPr lang="en-US" dirty="0"/>
-              <a:t>Practice, Practice, Practice</a:t>
-            </a:r>
-          </a:p>
-          <a:p>
-            <a:endParaRPr lang="en-US" dirty="0"/>
-          </a:p>
-          <a:p>
-            <a:pPr marL="0" indent="0">
-              <a:buNone/>
-            </a:pPr>
-            <a:r>
-              <a:rPr lang="en-US" sz="3800" dirty="0"/>
-              <a:t>Target Audience:</a:t>
-            </a:r>
-          </a:p>
-          <a:p>
-            <a:r>
-              <a:rPr lang="en-US" dirty="0"/>
-              <a:t>Engineering Manager (Hiring Manager)</a:t>
-            </a:r>
-          </a:p>
-          <a:p>
-            <a:r>
-              <a:rPr lang="en-US" dirty="0"/>
-              <a:t>Machine Learning / Vision Architect</a:t>
-            </a:r>
-          </a:p>
-          <a:p>
-            <a:r>
-              <a:rPr lang="en-US" dirty="0"/>
-              <a:t>General Passers-by (recruiters, friends, networking contacts)</a:t>
-            </a:r>
-          </a:p>
-          <a:p>
-            <a:pPr marL="0" indent="0">
-              <a:buNone/>
-            </a:pPr>
-            <a:endParaRPr lang="en-US" dirty="0"/>
-          </a:p>
-          <a:p>
-            <a:pPr marL="0" indent="0">
-              <a:buNone/>
-            </a:pPr>
-            <a:r>
-              <a:rPr lang="en-US" sz="2000" dirty="0"/>
-              <a:t>(personal goal: platform for future web-based ML applications/projects)</a:t>
-            </a:r>
-          </a:p>
-        </p:txBody>
-      </p:sp>
-    </p:spTree>
-    <p:extLst>
-      <p:ext uri="{BB962C8B-B14F-4D97-AF65-F5344CB8AC3E}">
-        <p14:creationId xmlns:p14="http://schemas.microsoft.com/office/powerpoint/2010/main" val="3689922346"/>
-      </p:ext>
-    </p:extLst>
-  </p:cSld>
-  <p:clrMapOvr>
-    <a:masterClrMapping/>
-  </p:clrMapOvr>
-</p:sld>
-</file>
-
-<file path=ppt/slides/slide4.xml><?xml version="1.0" encoding="utf-8"?>
-<p:sld xmlns:a="http://schemas.openxmlformats.org/drawingml/2006/main" xmlns:r="http://schemas.openxmlformats.org/officeDocument/2006/relationships" xmlns:p="http://schemas.openxmlformats.org/presentationml/2006/main">
-  <p:cSld>
-    <p:spTree>
-      <p:nvGrpSpPr>
-        <p:cNvPr id="1" name=""/>
-        <p:cNvGrpSpPr/>
-        <p:nvPr/>
-      </p:nvGrpSpPr>
-      <p:grpSpPr>
-        <a:xfrm>
-          <a:off x="0" y="0"/>
-          <a:ext cx="0" cy="0"/>
-          <a:chOff x="0" y="0"/>
-          <a:chExt cx="0" cy="0"/>
-        </a:xfrm>
-      </p:grpSpPr>
-      <p:sp>
-        <p:nvSpPr>
-          <p:cNvPr id="2" name="Title 1">
-            <a:extLst>
-              <a:ext uri="{FF2B5EF4-FFF2-40B4-BE49-F238E27FC236}">
-                <a16:creationId xmlns:a16="http://schemas.microsoft.com/office/drawing/2014/main" id="{5F21C3FD-FED2-4865-992B-07094D2C8A0E}"/>
-              </a:ext>
-            </a:extLst>
-          </p:cNvPr>
-          <p:cNvSpPr>
-            <a:spLocks noGrp="1"/>
-          </p:cNvSpPr>
-          <p:nvPr>
-            <p:ph type="title"/>
-          </p:nvPr>
-        </p:nvSpPr>
-        <p:spPr/>
-        <p:txBody>
-          <a:bodyPr/>
-          <a:lstStyle/>
-          <a:p>
-            <a:r>
-              <a:rPr lang="en-US" dirty="0"/>
-              <a:t>“Star Chaser”</a:t>
-            </a:r>
-          </a:p>
-        </p:txBody>
-      </p:sp>
-      <p:sp>
-        <p:nvSpPr>
-          <p:cNvPr id="3" name="Content Placeholder 2">
-            <a:extLst>
-              <a:ext uri="{FF2B5EF4-FFF2-40B4-BE49-F238E27FC236}">
-                <a16:creationId xmlns:a16="http://schemas.microsoft.com/office/drawing/2014/main" id="{FBF3D43E-8342-40CF-97FC-A6E8E496FF7E}"/>
-              </a:ext>
-            </a:extLst>
-          </p:cNvPr>
-          <p:cNvSpPr>
-            <a:spLocks noGrp="1"/>
-          </p:cNvSpPr>
-          <p:nvPr>
-            <p:ph idx="1"/>
-          </p:nvPr>
-        </p:nvSpPr>
         <p:spPr>
           <a:xfrm>
             <a:off x="838200" y="2869035"/>
@@ -4113,7 +3531,9 @@
           </a:xfrm>
         </p:spPr>
         <p:txBody>
-          <a:bodyPr/>
+          <a:bodyPr>
+            <a:normAutofit/>
+          </a:bodyPr>
           <a:lstStyle/>
           <a:p>
             <a:r>
@@ -4129,6 +3549,13 @@
           </a:p>
           <a:p>
             <a:r>
+              <a:rPr lang="en-US" dirty="0"/>
+              <a:t>Python/Django backend with:</a:t>
+            </a:r>
+          </a:p>
+          <a:p>
+            <a:pPr lvl="1"/>
+            <a:r>
               <a:rPr lang="en-US" dirty="0" err="1"/>
               <a:t>Kiras</a:t>
             </a:r>
@@ -4146,15 +3573,10 @@
             </a:r>
           </a:p>
           <a:p>
+            <a:pPr lvl="1"/>
             <a:r>
               <a:rPr lang="en-US" dirty="0"/>
               <a:t>Kaggle dataset, Postgres</a:t>
-            </a:r>
-          </a:p>
-          <a:p>
-            <a:r>
-              <a:rPr lang="en-US" dirty="0"/>
-              <a:t>Python/Django backend</a:t>
             </a:r>
           </a:p>
           <a:p>
@@ -4208,7 +3630,305 @@
 </p:sld>
 </file>
 
-<file path=ppt/slides/slide5.xml><?xml version="1.0" encoding="utf-8"?>
+<file path=ppt/slides/slide11.xml><?xml version="1.0" encoding="utf-8"?>
+<p:sld xmlns:a="http://schemas.openxmlformats.org/drawingml/2006/main" xmlns:r="http://schemas.openxmlformats.org/officeDocument/2006/relationships" xmlns:p="http://schemas.openxmlformats.org/presentationml/2006/main">
+  <p:cSld>
+    <p:spTree>
+      <p:nvGrpSpPr>
+        <p:cNvPr id="1" name=""/>
+        <p:cNvGrpSpPr/>
+        <p:nvPr/>
+      </p:nvGrpSpPr>
+      <p:grpSpPr>
+        <a:xfrm>
+          <a:off x="0" y="0"/>
+          <a:ext cx="0" cy="0"/>
+          <a:chOff x="0" y="0"/>
+          <a:chExt cx="0" cy="0"/>
+        </a:xfrm>
+      </p:grpSpPr>
+      <p:sp>
+        <p:nvSpPr>
+          <p:cNvPr id="2" name="Title 1">
+            <a:extLst>
+              <a:ext uri="{FF2B5EF4-FFF2-40B4-BE49-F238E27FC236}">
+                <a16:creationId xmlns:a16="http://schemas.microsoft.com/office/drawing/2014/main" id="{2064C598-8E4A-4D13-8913-2D10CF68D43D}"/>
+              </a:ext>
+            </a:extLst>
+          </p:cNvPr>
+          <p:cNvSpPr>
+            <a:spLocks noGrp="1"/>
+          </p:cNvSpPr>
+          <p:nvPr>
+            <p:ph type="title"/>
+          </p:nvPr>
+        </p:nvSpPr>
+        <p:spPr/>
+        <p:txBody>
+          <a:bodyPr/>
+          <a:lstStyle/>
+          <a:p>
+            <a:r>
+              <a:rPr lang="en-US" dirty="0"/>
+              <a:t>Best Practices</a:t>
+            </a:r>
+          </a:p>
+        </p:txBody>
+      </p:sp>
+      <p:sp>
+        <p:nvSpPr>
+          <p:cNvPr id="3" name="Content Placeholder 2">
+            <a:extLst>
+              <a:ext uri="{FF2B5EF4-FFF2-40B4-BE49-F238E27FC236}">
+                <a16:creationId xmlns:a16="http://schemas.microsoft.com/office/drawing/2014/main" id="{BE45DEC8-E831-48F9-B9F1-04AAD0B76A5E}"/>
+              </a:ext>
+            </a:extLst>
+          </p:cNvPr>
+          <p:cNvSpPr>
+            <a:spLocks noGrp="1"/>
+          </p:cNvSpPr>
+          <p:nvPr>
+            <p:ph idx="1"/>
+          </p:nvPr>
+        </p:nvSpPr>
+        <p:spPr/>
+        <p:txBody>
+          <a:bodyPr>
+            <a:normAutofit fontScale="70000" lnSpcReduction="20000"/>
+          </a:bodyPr>
+          <a:lstStyle/>
+          <a:p>
+            <a:r>
+              <a:rPr lang="en-US" dirty="0"/>
+              <a:t>Define the Problem</a:t>
+            </a:r>
+          </a:p>
+          <a:p>
+            <a:r>
+              <a:rPr lang="en-US" dirty="0"/>
+              <a:t>Identify Needs of User, Organization</a:t>
+            </a:r>
+          </a:p>
+          <a:p>
+            <a:r>
+              <a:rPr lang="en-US" dirty="0"/>
+              <a:t>Do Some Research</a:t>
+            </a:r>
+          </a:p>
+          <a:p>
+            <a:r>
+              <a:rPr lang="en-US" dirty="0"/>
+              <a:t>Define Your Solution</a:t>
+            </a:r>
+          </a:p>
+          <a:p>
+            <a:r>
+              <a:rPr lang="en-US" dirty="0"/>
+              <a:t>Test Your Design</a:t>
+            </a:r>
+          </a:p>
+          <a:p>
+            <a:endParaRPr lang="en-US" dirty="0"/>
+          </a:p>
+          <a:p>
+            <a:pPr marL="0" indent="0">
+              <a:buNone/>
+            </a:pPr>
+            <a:r>
+              <a:rPr lang="en-US" sz="4500" dirty="0"/>
+              <a:t>To Include:</a:t>
+            </a:r>
+          </a:p>
+          <a:p>
+            <a:r>
+              <a:rPr lang="en-US" dirty="0"/>
+              <a:t>Identify Audience and Key Points</a:t>
+            </a:r>
+          </a:p>
+          <a:p>
+            <a:r>
+              <a:rPr lang="en-US" dirty="0"/>
+              <a:t>Wireframe and Review</a:t>
+            </a:r>
+          </a:p>
+          <a:p>
+            <a:pPr marL="0" indent="0">
+              <a:buNone/>
+            </a:pPr>
+            <a:endParaRPr lang="en-US" dirty="0"/>
+          </a:p>
+          <a:p>
+            <a:pPr marL="0" indent="0">
+              <a:buNone/>
+            </a:pPr>
+            <a:r>
+              <a:rPr lang="en-US" sz="2600" dirty="0"/>
+              <a:t>References:  </a:t>
+            </a:r>
+          </a:p>
+          <a:p>
+            <a:pPr marL="0" indent="0">
+              <a:buNone/>
+            </a:pPr>
+            <a:r>
+              <a:rPr lang="en-US" sz="1600" dirty="0"/>
+              <a:t>Getting Started in UX Design by Kurt </a:t>
+            </a:r>
+            <a:r>
+              <a:rPr lang="en-US" sz="1600" dirty="0" err="1"/>
+              <a:t>Krumme</a:t>
+            </a:r>
+            <a:r>
+              <a:rPr lang="en-US" sz="1600" dirty="0"/>
+              <a:t> </a:t>
+            </a:r>
+            <a:r>
+              <a:rPr lang="en-US" sz="1600" dirty="0">
+                <a:hlinkClick r:id="rId2"/>
+              </a:rPr>
+              <a:t>https://app.pluralsight.com/library/courses/getting-started-ux-design/table-of-contents</a:t>
+            </a:r>
+            <a:endParaRPr lang="en-US" sz="1600" dirty="0"/>
+          </a:p>
+          <a:p>
+            <a:pPr marL="0" indent="0">
+              <a:buNone/>
+            </a:pPr>
+            <a:r>
+              <a:rPr lang="en-US" sz="1600" dirty="0"/>
+              <a:t>UX Design Creating Wireframes by Susan Simkins </a:t>
+            </a:r>
+            <a:r>
+              <a:rPr lang="en-US" sz="1600" dirty="0">
+                <a:hlinkClick r:id="rId3"/>
+              </a:rPr>
+              <a:t>https://app.pluralsight.com/library/courses/ux-design-creating-wireframes/table-of-contents</a:t>
+            </a:r>
+            <a:endParaRPr lang="en-US" sz="1600" dirty="0"/>
+          </a:p>
+          <a:p>
+            <a:pPr marL="0" indent="0">
+              <a:buNone/>
+            </a:pPr>
+            <a:endParaRPr lang="en-US" sz="1200" dirty="0"/>
+          </a:p>
+        </p:txBody>
+      </p:sp>
+    </p:spTree>
+    <p:extLst>
+      <p:ext uri="{BB962C8B-B14F-4D97-AF65-F5344CB8AC3E}">
+        <p14:creationId xmlns:p14="http://schemas.microsoft.com/office/powerpoint/2010/main" val="292067763"/>
+      </p:ext>
+    </p:extLst>
+  </p:cSld>
+  <p:clrMapOvr>
+    <a:masterClrMapping/>
+  </p:clrMapOvr>
+</p:sld>
+</file>
+
+<file path=ppt/slides/slide12.xml><?xml version="1.0" encoding="utf-8"?>
+<p:sld xmlns:a="http://schemas.openxmlformats.org/drawingml/2006/main" xmlns:r="http://schemas.openxmlformats.org/officeDocument/2006/relationships" xmlns:p="http://schemas.openxmlformats.org/presentationml/2006/main">
+  <p:cSld>
+    <p:spTree>
+      <p:nvGrpSpPr>
+        <p:cNvPr id="1" name=""/>
+        <p:cNvGrpSpPr/>
+        <p:nvPr/>
+      </p:nvGrpSpPr>
+      <p:grpSpPr>
+        <a:xfrm>
+          <a:off x="0" y="0"/>
+          <a:ext cx="0" cy="0"/>
+          <a:chOff x="0" y="0"/>
+          <a:chExt cx="0" cy="0"/>
+        </a:xfrm>
+      </p:grpSpPr>
+      <p:sp>
+        <p:nvSpPr>
+          <p:cNvPr id="2" name="Title 1">
+            <a:extLst>
+              <a:ext uri="{FF2B5EF4-FFF2-40B4-BE49-F238E27FC236}">
+                <a16:creationId xmlns:a16="http://schemas.microsoft.com/office/drawing/2014/main" id="{492EDEE1-4027-455F-BAF9-3FBC3D7596C7}"/>
+              </a:ext>
+            </a:extLst>
+          </p:cNvPr>
+          <p:cNvSpPr>
+            <a:spLocks noGrp="1"/>
+          </p:cNvSpPr>
+          <p:nvPr>
+            <p:ph type="title"/>
+          </p:nvPr>
+        </p:nvSpPr>
+        <p:spPr/>
+        <p:txBody>
+          <a:bodyPr/>
+          <a:lstStyle/>
+          <a:p>
+            <a:r>
+              <a:rPr lang="en-US" dirty="0"/>
+              <a:t>Target Audience:</a:t>
+            </a:r>
+          </a:p>
+        </p:txBody>
+      </p:sp>
+      <p:sp>
+        <p:nvSpPr>
+          <p:cNvPr id="3" name="Content Placeholder 2">
+            <a:extLst>
+              <a:ext uri="{FF2B5EF4-FFF2-40B4-BE49-F238E27FC236}">
+                <a16:creationId xmlns:a16="http://schemas.microsoft.com/office/drawing/2014/main" id="{786005DC-85A3-4479-B792-C179DCBD7C83}"/>
+              </a:ext>
+            </a:extLst>
+          </p:cNvPr>
+          <p:cNvSpPr>
+            <a:spLocks noGrp="1"/>
+          </p:cNvSpPr>
+          <p:nvPr>
+            <p:ph idx="1"/>
+          </p:nvPr>
+        </p:nvSpPr>
+        <p:spPr/>
+        <p:txBody>
+          <a:bodyPr/>
+          <a:lstStyle/>
+          <a:p>
+            <a:r>
+              <a:rPr lang="en-US" dirty="0"/>
+              <a:t>Engineering Manager (Hiring Manager)</a:t>
+            </a:r>
+          </a:p>
+          <a:p>
+            <a:r>
+              <a:rPr lang="en-US" dirty="0"/>
+              <a:t>Machine Learning / Vision Architect</a:t>
+            </a:r>
+          </a:p>
+          <a:p>
+            <a:r>
+              <a:rPr lang="en-US" dirty="0"/>
+              <a:t>General Passers-by (recruiters, friends, networking contacts)</a:t>
+            </a:r>
+          </a:p>
+          <a:p>
+            <a:endParaRPr lang="en-US" dirty="0"/>
+          </a:p>
+        </p:txBody>
+      </p:sp>
+    </p:spTree>
+    <p:extLst>
+      <p:ext uri="{BB962C8B-B14F-4D97-AF65-F5344CB8AC3E}">
+        <p14:creationId xmlns:p14="http://schemas.microsoft.com/office/powerpoint/2010/main" val="1939977072"/>
+      </p:ext>
+    </p:extLst>
+  </p:cSld>
+  <p:clrMapOvr>
+    <a:masterClrMapping/>
+  </p:clrMapOvr>
+</p:sld>
+</file>
+
+<file path=ppt/slides/slide13.xml><?xml version="1.0" encoding="utf-8"?>
 <p:sld xmlns:a="http://schemas.openxmlformats.org/drawingml/2006/main" xmlns:r="http://schemas.openxmlformats.org/officeDocument/2006/relationships" xmlns:p="http://schemas.openxmlformats.org/presentationml/2006/main">
   <p:cSld>
     <p:spTree>
@@ -4880,6 +4600,3105 @@
     <p:extLst>
       <p:ext uri="{BB962C8B-B14F-4D97-AF65-F5344CB8AC3E}">
         <p14:creationId xmlns:p14="http://schemas.microsoft.com/office/powerpoint/2010/main" val="3604027358"/>
+      </p:ext>
+    </p:extLst>
+  </p:cSld>
+  <p:clrMapOvr>
+    <a:masterClrMapping/>
+  </p:clrMapOvr>
+</p:sld>
+</file>
+
+<file path=ppt/slides/slide14.xml><?xml version="1.0" encoding="utf-8"?>
+<p:sld xmlns:a="http://schemas.openxmlformats.org/drawingml/2006/main" xmlns:r="http://schemas.openxmlformats.org/officeDocument/2006/relationships" xmlns:p="http://schemas.openxmlformats.org/presentationml/2006/main">
+  <p:cSld>
+    <p:spTree>
+      <p:nvGrpSpPr>
+        <p:cNvPr id="1" name=""/>
+        <p:cNvGrpSpPr/>
+        <p:nvPr/>
+      </p:nvGrpSpPr>
+      <p:grpSpPr>
+        <a:xfrm>
+          <a:off x="0" y="0"/>
+          <a:ext cx="0" cy="0"/>
+          <a:chOff x="0" y="0"/>
+          <a:chExt cx="0" cy="0"/>
+        </a:xfrm>
+      </p:grpSpPr>
+      <p:sp>
+        <p:nvSpPr>
+          <p:cNvPr id="2" name="Title 1">
+            <a:extLst>
+              <a:ext uri="{FF2B5EF4-FFF2-40B4-BE49-F238E27FC236}">
+                <a16:creationId xmlns:a16="http://schemas.microsoft.com/office/drawing/2014/main" id="{6DE6F54D-E928-44DE-963C-D655747854A9}"/>
+              </a:ext>
+            </a:extLst>
+          </p:cNvPr>
+          <p:cNvSpPr>
+            <a:spLocks noGrp="1"/>
+          </p:cNvSpPr>
+          <p:nvPr>
+            <p:ph type="title"/>
+          </p:nvPr>
+        </p:nvSpPr>
+        <p:spPr/>
+        <p:txBody>
+          <a:bodyPr/>
+          <a:lstStyle/>
+          <a:p>
+            <a:r>
+              <a:rPr lang="en-US" dirty="0"/>
+              <a:t>Proposed Site Map</a:t>
+            </a:r>
+          </a:p>
+        </p:txBody>
+      </p:sp>
+      <p:sp>
+        <p:nvSpPr>
+          <p:cNvPr id="4" name="TextBox 3">
+            <a:extLst>
+              <a:ext uri="{FF2B5EF4-FFF2-40B4-BE49-F238E27FC236}">
+                <a16:creationId xmlns:a16="http://schemas.microsoft.com/office/drawing/2014/main" id="{B40D84BE-C8F7-4B2B-881E-88214C9646CD}"/>
+              </a:ext>
+            </a:extLst>
+          </p:cNvPr>
+          <p:cNvSpPr txBox="1"/>
+          <p:nvPr/>
+        </p:nvSpPr>
+        <p:spPr>
+          <a:xfrm>
+            <a:off x="5949893" y="3476799"/>
+            <a:ext cx="1911291" cy="369332"/>
+          </a:xfrm>
+          <a:prstGeom prst="rect">
+            <a:avLst/>
+          </a:prstGeom>
+          <a:noFill/>
+          <a:ln>
+            <a:solidFill>
+              <a:schemeClr val="tx1"/>
+            </a:solidFill>
+          </a:ln>
+        </p:spPr>
+        <p:txBody>
+          <a:bodyPr wrap="square" rtlCol="0">
+            <a:spAutoFit/>
+          </a:bodyPr>
+          <a:lstStyle/>
+          <a:p>
+            <a:pPr algn="ctr"/>
+            <a:r>
+              <a:rPr lang="en-US" dirty="0"/>
+              <a:t>Leaderboard</a:t>
+            </a:r>
+          </a:p>
+        </p:txBody>
+      </p:sp>
+      <p:sp>
+        <p:nvSpPr>
+          <p:cNvPr id="5" name="TextBox 4">
+            <a:extLst>
+              <a:ext uri="{FF2B5EF4-FFF2-40B4-BE49-F238E27FC236}">
+                <a16:creationId xmlns:a16="http://schemas.microsoft.com/office/drawing/2014/main" id="{43881D1D-F294-4E47-8457-E91C07EB98A8}"/>
+              </a:ext>
+            </a:extLst>
+          </p:cNvPr>
+          <p:cNvSpPr txBox="1"/>
+          <p:nvPr/>
+        </p:nvSpPr>
+        <p:spPr>
+          <a:xfrm>
+            <a:off x="5217952" y="1690688"/>
+            <a:ext cx="1459684" cy="369332"/>
+          </a:xfrm>
+          <a:prstGeom prst="rect">
+            <a:avLst/>
+          </a:prstGeom>
+          <a:noFill/>
+          <a:ln>
+            <a:solidFill>
+              <a:schemeClr val="tx1"/>
+            </a:solidFill>
+          </a:ln>
+        </p:spPr>
+        <p:txBody>
+          <a:bodyPr wrap="square" rtlCol="0">
+            <a:spAutoFit/>
+          </a:bodyPr>
+          <a:lstStyle/>
+          <a:p>
+            <a:pPr algn="ctr"/>
+            <a:r>
+              <a:rPr lang="en-US" dirty="0"/>
+              <a:t>Login</a:t>
+            </a:r>
+          </a:p>
+        </p:txBody>
+      </p:sp>
+      <p:sp>
+        <p:nvSpPr>
+          <p:cNvPr id="7" name="TextBox 6">
+            <a:extLst>
+              <a:ext uri="{FF2B5EF4-FFF2-40B4-BE49-F238E27FC236}">
+                <a16:creationId xmlns:a16="http://schemas.microsoft.com/office/drawing/2014/main" id="{E2C353D0-78CA-42F0-98BB-384525491763}"/>
+              </a:ext>
+            </a:extLst>
+          </p:cNvPr>
+          <p:cNvSpPr txBox="1"/>
+          <p:nvPr/>
+        </p:nvSpPr>
+        <p:spPr>
+          <a:xfrm>
+            <a:off x="6175697" y="4379455"/>
+            <a:ext cx="1459684" cy="369332"/>
+          </a:xfrm>
+          <a:prstGeom prst="rect">
+            <a:avLst/>
+          </a:prstGeom>
+          <a:noFill/>
+          <a:ln>
+            <a:solidFill>
+              <a:schemeClr val="tx1"/>
+            </a:solidFill>
+          </a:ln>
+        </p:spPr>
+        <p:txBody>
+          <a:bodyPr wrap="square" rtlCol="0">
+            <a:spAutoFit/>
+          </a:bodyPr>
+          <a:lstStyle/>
+          <a:p>
+            <a:pPr algn="ctr"/>
+            <a:r>
+              <a:rPr lang="en-US" dirty="0"/>
+              <a:t>Choose a Star</a:t>
+            </a:r>
+          </a:p>
+        </p:txBody>
+      </p:sp>
+      <p:sp>
+        <p:nvSpPr>
+          <p:cNvPr id="8" name="TextBox 7">
+            <a:extLst>
+              <a:ext uri="{FF2B5EF4-FFF2-40B4-BE49-F238E27FC236}">
+                <a16:creationId xmlns:a16="http://schemas.microsoft.com/office/drawing/2014/main" id="{4E26735B-D9F6-4DD4-B3BF-A0A56E156A22}"/>
+              </a:ext>
+            </a:extLst>
+          </p:cNvPr>
+          <p:cNvSpPr txBox="1"/>
+          <p:nvPr/>
+        </p:nvSpPr>
+        <p:spPr>
+          <a:xfrm>
+            <a:off x="5947794" y="5097445"/>
+            <a:ext cx="1911291" cy="369332"/>
+          </a:xfrm>
+          <a:prstGeom prst="rect">
+            <a:avLst/>
+          </a:prstGeom>
+          <a:noFill/>
+          <a:ln>
+            <a:solidFill>
+              <a:schemeClr val="tx1"/>
+            </a:solidFill>
+          </a:ln>
+        </p:spPr>
+        <p:txBody>
+          <a:bodyPr wrap="square" rtlCol="0">
+            <a:spAutoFit/>
+          </a:bodyPr>
+          <a:lstStyle/>
+          <a:p>
+            <a:pPr algn="ctr"/>
+            <a:r>
+              <a:rPr lang="en-US" dirty="0"/>
+              <a:t>Analyze / Classify</a:t>
+            </a:r>
+          </a:p>
+        </p:txBody>
+      </p:sp>
+      <p:sp>
+        <p:nvSpPr>
+          <p:cNvPr id="9" name="TextBox 8">
+            <a:extLst>
+              <a:ext uri="{FF2B5EF4-FFF2-40B4-BE49-F238E27FC236}">
+                <a16:creationId xmlns:a16="http://schemas.microsoft.com/office/drawing/2014/main" id="{2A83839C-3730-4E9F-AF9C-E5D31978CD8A}"/>
+              </a:ext>
+            </a:extLst>
+          </p:cNvPr>
+          <p:cNvSpPr txBox="1"/>
+          <p:nvPr/>
+        </p:nvSpPr>
+        <p:spPr>
+          <a:xfrm>
+            <a:off x="2467240" y="2733883"/>
+            <a:ext cx="1459684" cy="369332"/>
+          </a:xfrm>
+          <a:prstGeom prst="rect">
+            <a:avLst/>
+          </a:prstGeom>
+          <a:noFill/>
+          <a:ln>
+            <a:solidFill>
+              <a:schemeClr val="tx1"/>
+            </a:solidFill>
+          </a:ln>
+        </p:spPr>
+        <p:txBody>
+          <a:bodyPr wrap="square" rtlCol="0">
+            <a:spAutoFit/>
+          </a:bodyPr>
+          <a:lstStyle/>
+          <a:p>
+            <a:pPr algn="ctr"/>
+            <a:r>
+              <a:rPr lang="en-US" dirty="0"/>
+              <a:t>Admin</a:t>
+            </a:r>
+          </a:p>
+        </p:txBody>
+      </p:sp>
+      <p:sp>
+        <p:nvSpPr>
+          <p:cNvPr id="10" name="TextBox 9">
+            <a:extLst>
+              <a:ext uri="{FF2B5EF4-FFF2-40B4-BE49-F238E27FC236}">
+                <a16:creationId xmlns:a16="http://schemas.microsoft.com/office/drawing/2014/main" id="{BFA04579-982B-4096-90E8-F8D4106059AF}"/>
+              </a:ext>
+            </a:extLst>
+          </p:cNvPr>
+          <p:cNvSpPr txBox="1"/>
+          <p:nvPr/>
+        </p:nvSpPr>
+        <p:spPr>
+          <a:xfrm>
+            <a:off x="957222" y="3684918"/>
+            <a:ext cx="1979802" cy="369332"/>
+          </a:xfrm>
+          <a:prstGeom prst="rect">
+            <a:avLst/>
+          </a:prstGeom>
+          <a:noFill/>
+          <a:ln>
+            <a:solidFill>
+              <a:schemeClr val="tx1"/>
+            </a:solidFill>
+          </a:ln>
+        </p:spPr>
+        <p:txBody>
+          <a:bodyPr wrap="square" rtlCol="0">
+            <a:spAutoFit/>
+          </a:bodyPr>
+          <a:lstStyle/>
+          <a:p>
+            <a:pPr algn="ctr"/>
+            <a:r>
+              <a:rPr lang="en-US" dirty="0"/>
+              <a:t>Users/Groups</a:t>
+            </a:r>
+          </a:p>
+        </p:txBody>
+      </p:sp>
+      <p:sp>
+        <p:nvSpPr>
+          <p:cNvPr id="11" name="TextBox 10">
+            <a:extLst>
+              <a:ext uri="{FF2B5EF4-FFF2-40B4-BE49-F238E27FC236}">
+                <a16:creationId xmlns:a16="http://schemas.microsoft.com/office/drawing/2014/main" id="{53644665-8842-40DA-B829-57D70D02E186}"/>
+              </a:ext>
+            </a:extLst>
+          </p:cNvPr>
+          <p:cNvSpPr txBox="1"/>
+          <p:nvPr/>
+        </p:nvSpPr>
+        <p:spPr>
+          <a:xfrm>
+            <a:off x="3287962" y="3684918"/>
+            <a:ext cx="1979802" cy="369332"/>
+          </a:xfrm>
+          <a:prstGeom prst="rect">
+            <a:avLst/>
+          </a:prstGeom>
+          <a:noFill/>
+          <a:ln>
+            <a:solidFill>
+              <a:schemeClr val="tx1"/>
+            </a:solidFill>
+          </a:ln>
+        </p:spPr>
+        <p:txBody>
+          <a:bodyPr wrap="square" rtlCol="0">
+            <a:spAutoFit/>
+          </a:bodyPr>
+          <a:lstStyle/>
+          <a:p>
+            <a:pPr algn="ctr"/>
+            <a:r>
+              <a:rPr lang="en-US" dirty="0"/>
+              <a:t>Database</a:t>
+            </a:r>
+          </a:p>
+        </p:txBody>
+      </p:sp>
+      <p:cxnSp>
+        <p:nvCxnSpPr>
+          <p:cNvPr id="13" name="Straight Connector 12">
+            <a:extLst>
+              <a:ext uri="{FF2B5EF4-FFF2-40B4-BE49-F238E27FC236}">
+                <a16:creationId xmlns:a16="http://schemas.microsoft.com/office/drawing/2014/main" id="{2049117A-3189-4D6C-B59E-EFF184DED37B}"/>
+              </a:ext>
+            </a:extLst>
+          </p:cNvPr>
+          <p:cNvCxnSpPr>
+            <a:cxnSpLocks/>
+            <a:stCxn id="5" idx="2"/>
+            <a:endCxn id="41" idx="0"/>
+          </p:cNvCxnSpPr>
+          <p:nvPr/>
+        </p:nvCxnSpPr>
+        <p:spPr>
+          <a:xfrm>
+            <a:off x="5947794" y="2060020"/>
+            <a:ext cx="2866937" cy="616638"/>
+          </a:xfrm>
+          <a:prstGeom prst="line">
+            <a:avLst/>
+          </a:prstGeom>
+        </p:spPr>
+        <p:style>
+          <a:lnRef idx="1">
+            <a:schemeClr val="accent1"/>
+          </a:lnRef>
+          <a:fillRef idx="0">
+            <a:schemeClr val="accent1"/>
+          </a:fillRef>
+          <a:effectRef idx="0">
+            <a:schemeClr val="accent1"/>
+          </a:effectRef>
+          <a:fontRef idx="minor">
+            <a:schemeClr val="tx1"/>
+          </a:fontRef>
+        </p:style>
+      </p:cxnSp>
+      <p:cxnSp>
+        <p:nvCxnSpPr>
+          <p:cNvPr id="15" name="Straight Connector 14">
+            <a:extLst>
+              <a:ext uri="{FF2B5EF4-FFF2-40B4-BE49-F238E27FC236}">
+                <a16:creationId xmlns:a16="http://schemas.microsoft.com/office/drawing/2014/main" id="{0F9A1D4A-7D89-41AD-B5E0-4F8E91EE2AC4}"/>
+              </a:ext>
+            </a:extLst>
+          </p:cNvPr>
+          <p:cNvCxnSpPr>
+            <a:cxnSpLocks/>
+            <a:stCxn id="7" idx="0"/>
+            <a:endCxn id="4" idx="2"/>
+          </p:cNvCxnSpPr>
+          <p:nvPr/>
+        </p:nvCxnSpPr>
+        <p:spPr>
+          <a:xfrm flipV="1">
+            <a:off x="6905539" y="3846131"/>
+            <a:ext cx="0" cy="533324"/>
+          </a:xfrm>
+          <a:prstGeom prst="line">
+            <a:avLst/>
+          </a:prstGeom>
+        </p:spPr>
+        <p:style>
+          <a:lnRef idx="1">
+            <a:schemeClr val="accent1"/>
+          </a:lnRef>
+          <a:fillRef idx="0">
+            <a:schemeClr val="accent1"/>
+          </a:fillRef>
+          <a:effectRef idx="0">
+            <a:schemeClr val="accent1"/>
+          </a:effectRef>
+          <a:fontRef idx="minor">
+            <a:schemeClr val="tx1"/>
+          </a:fontRef>
+        </p:style>
+      </p:cxnSp>
+      <p:cxnSp>
+        <p:nvCxnSpPr>
+          <p:cNvPr id="18" name="Straight Connector 17">
+            <a:extLst>
+              <a:ext uri="{FF2B5EF4-FFF2-40B4-BE49-F238E27FC236}">
+                <a16:creationId xmlns:a16="http://schemas.microsoft.com/office/drawing/2014/main" id="{431CE483-D9FB-47EE-8916-2D56E6117021}"/>
+              </a:ext>
+            </a:extLst>
+          </p:cNvPr>
+          <p:cNvCxnSpPr>
+            <a:cxnSpLocks/>
+            <a:stCxn id="8" idx="0"/>
+            <a:endCxn id="7" idx="2"/>
+          </p:cNvCxnSpPr>
+          <p:nvPr/>
+        </p:nvCxnSpPr>
+        <p:spPr>
+          <a:xfrm flipV="1">
+            <a:off x="6903440" y="4748787"/>
+            <a:ext cx="2099" cy="348658"/>
+          </a:xfrm>
+          <a:prstGeom prst="line">
+            <a:avLst/>
+          </a:prstGeom>
+        </p:spPr>
+        <p:style>
+          <a:lnRef idx="1">
+            <a:schemeClr val="accent1"/>
+          </a:lnRef>
+          <a:fillRef idx="0">
+            <a:schemeClr val="accent1"/>
+          </a:fillRef>
+          <a:effectRef idx="0">
+            <a:schemeClr val="accent1"/>
+          </a:effectRef>
+          <a:fontRef idx="minor">
+            <a:schemeClr val="tx1"/>
+          </a:fontRef>
+        </p:style>
+      </p:cxnSp>
+      <p:cxnSp>
+        <p:nvCxnSpPr>
+          <p:cNvPr id="21" name="Straight Connector 20">
+            <a:extLst>
+              <a:ext uri="{FF2B5EF4-FFF2-40B4-BE49-F238E27FC236}">
+                <a16:creationId xmlns:a16="http://schemas.microsoft.com/office/drawing/2014/main" id="{10B4C6B9-8144-4788-B7CE-0AB403499508}"/>
+              </a:ext>
+            </a:extLst>
+          </p:cNvPr>
+          <p:cNvCxnSpPr>
+            <a:cxnSpLocks/>
+            <a:stCxn id="9" idx="0"/>
+            <a:endCxn id="5" idx="2"/>
+          </p:cNvCxnSpPr>
+          <p:nvPr/>
+        </p:nvCxnSpPr>
+        <p:spPr>
+          <a:xfrm flipV="1">
+            <a:off x="3197082" y="2060020"/>
+            <a:ext cx="2750712" cy="673863"/>
+          </a:xfrm>
+          <a:prstGeom prst="line">
+            <a:avLst/>
+          </a:prstGeom>
+        </p:spPr>
+        <p:style>
+          <a:lnRef idx="1">
+            <a:schemeClr val="accent1"/>
+          </a:lnRef>
+          <a:fillRef idx="0">
+            <a:schemeClr val="accent1"/>
+          </a:fillRef>
+          <a:effectRef idx="0">
+            <a:schemeClr val="accent1"/>
+          </a:effectRef>
+          <a:fontRef idx="minor">
+            <a:schemeClr val="tx1"/>
+          </a:fontRef>
+        </p:style>
+      </p:cxnSp>
+      <p:cxnSp>
+        <p:nvCxnSpPr>
+          <p:cNvPr id="24" name="Straight Connector 23">
+            <a:extLst>
+              <a:ext uri="{FF2B5EF4-FFF2-40B4-BE49-F238E27FC236}">
+                <a16:creationId xmlns:a16="http://schemas.microsoft.com/office/drawing/2014/main" id="{C064B7BD-9E88-47C3-B054-895D5D289738}"/>
+              </a:ext>
+            </a:extLst>
+          </p:cNvPr>
+          <p:cNvCxnSpPr>
+            <a:cxnSpLocks/>
+            <a:stCxn id="11" idx="0"/>
+            <a:endCxn id="9" idx="2"/>
+          </p:cNvCxnSpPr>
+          <p:nvPr/>
+        </p:nvCxnSpPr>
+        <p:spPr>
+          <a:xfrm flipH="1" flipV="1">
+            <a:off x="3197082" y="3103215"/>
+            <a:ext cx="1080781" cy="581703"/>
+          </a:xfrm>
+          <a:prstGeom prst="line">
+            <a:avLst/>
+          </a:prstGeom>
+        </p:spPr>
+        <p:style>
+          <a:lnRef idx="1">
+            <a:schemeClr val="accent1"/>
+          </a:lnRef>
+          <a:fillRef idx="0">
+            <a:schemeClr val="accent1"/>
+          </a:fillRef>
+          <a:effectRef idx="0">
+            <a:schemeClr val="accent1"/>
+          </a:effectRef>
+          <a:fontRef idx="minor">
+            <a:schemeClr val="tx1"/>
+          </a:fontRef>
+        </p:style>
+      </p:cxnSp>
+      <p:cxnSp>
+        <p:nvCxnSpPr>
+          <p:cNvPr id="27" name="Straight Connector 26">
+            <a:extLst>
+              <a:ext uri="{FF2B5EF4-FFF2-40B4-BE49-F238E27FC236}">
+                <a16:creationId xmlns:a16="http://schemas.microsoft.com/office/drawing/2014/main" id="{28D6298D-BF4E-4AB1-A666-335A8DC783F0}"/>
+              </a:ext>
+            </a:extLst>
+          </p:cNvPr>
+          <p:cNvCxnSpPr>
+            <a:cxnSpLocks/>
+            <a:stCxn id="10" idx="0"/>
+            <a:endCxn id="9" idx="2"/>
+          </p:cNvCxnSpPr>
+          <p:nvPr/>
+        </p:nvCxnSpPr>
+        <p:spPr>
+          <a:xfrm flipV="1">
+            <a:off x="1947123" y="3103215"/>
+            <a:ext cx="1249959" cy="581703"/>
+          </a:xfrm>
+          <a:prstGeom prst="line">
+            <a:avLst/>
+          </a:prstGeom>
+        </p:spPr>
+        <p:style>
+          <a:lnRef idx="1">
+            <a:schemeClr val="accent1"/>
+          </a:lnRef>
+          <a:fillRef idx="0">
+            <a:schemeClr val="accent1"/>
+          </a:fillRef>
+          <a:effectRef idx="0">
+            <a:schemeClr val="accent1"/>
+          </a:effectRef>
+          <a:fontRef idx="minor">
+            <a:schemeClr val="tx1"/>
+          </a:fontRef>
+        </p:style>
+      </p:cxnSp>
+      <p:sp>
+        <p:nvSpPr>
+          <p:cNvPr id="39" name="TextBox 38">
+            <a:extLst>
+              <a:ext uri="{FF2B5EF4-FFF2-40B4-BE49-F238E27FC236}">
+                <a16:creationId xmlns:a16="http://schemas.microsoft.com/office/drawing/2014/main" id="{7A0397B8-ED92-4841-B203-66F2C2FEE6C5}"/>
+              </a:ext>
+            </a:extLst>
+          </p:cNvPr>
+          <p:cNvSpPr txBox="1"/>
+          <p:nvPr/>
+        </p:nvSpPr>
+        <p:spPr>
+          <a:xfrm>
+            <a:off x="10109784" y="3476799"/>
+            <a:ext cx="1364258" cy="369332"/>
+          </a:xfrm>
+          <a:prstGeom prst="rect">
+            <a:avLst/>
+          </a:prstGeom>
+          <a:noFill/>
+          <a:ln>
+            <a:solidFill>
+              <a:schemeClr val="tx1"/>
+            </a:solidFill>
+          </a:ln>
+        </p:spPr>
+        <p:txBody>
+          <a:bodyPr wrap="square" rtlCol="0">
+            <a:spAutoFit/>
+          </a:bodyPr>
+          <a:lstStyle/>
+          <a:p>
+            <a:pPr algn="ctr"/>
+            <a:r>
+              <a:rPr lang="en-US" dirty="0"/>
+              <a:t>About</a:t>
+            </a:r>
+          </a:p>
+        </p:txBody>
+      </p:sp>
+      <p:sp>
+        <p:nvSpPr>
+          <p:cNvPr id="40" name="TextBox 39">
+            <a:extLst>
+              <a:ext uri="{FF2B5EF4-FFF2-40B4-BE49-F238E27FC236}">
+                <a16:creationId xmlns:a16="http://schemas.microsoft.com/office/drawing/2014/main" id="{7CD6919F-CC9E-4F8C-ABD0-1976C657D1EB}"/>
+              </a:ext>
+            </a:extLst>
+          </p:cNvPr>
+          <p:cNvSpPr txBox="1"/>
+          <p:nvPr/>
+        </p:nvSpPr>
+        <p:spPr>
+          <a:xfrm>
+            <a:off x="8245684" y="3496001"/>
+            <a:ext cx="1554756" cy="369332"/>
+          </a:xfrm>
+          <a:prstGeom prst="rect">
+            <a:avLst/>
+          </a:prstGeom>
+          <a:noFill/>
+          <a:ln>
+            <a:solidFill>
+              <a:schemeClr val="tx1"/>
+            </a:solidFill>
+          </a:ln>
+        </p:spPr>
+        <p:txBody>
+          <a:bodyPr wrap="square" rtlCol="0">
+            <a:spAutoFit/>
+          </a:bodyPr>
+          <a:lstStyle/>
+          <a:p>
+            <a:pPr algn="ctr"/>
+            <a:r>
+              <a:rPr lang="en-US" dirty="0"/>
+              <a:t>References</a:t>
+            </a:r>
+          </a:p>
+        </p:txBody>
+      </p:sp>
+      <p:sp>
+        <p:nvSpPr>
+          <p:cNvPr id="41" name="TextBox 40">
+            <a:extLst>
+              <a:ext uri="{FF2B5EF4-FFF2-40B4-BE49-F238E27FC236}">
+                <a16:creationId xmlns:a16="http://schemas.microsoft.com/office/drawing/2014/main" id="{9498F8C1-9E26-4E74-808C-0DE12D2A9133}"/>
+              </a:ext>
+            </a:extLst>
+          </p:cNvPr>
+          <p:cNvSpPr txBox="1"/>
+          <p:nvPr/>
+        </p:nvSpPr>
+        <p:spPr>
+          <a:xfrm>
+            <a:off x="7859085" y="2676658"/>
+            <a:ext cx="1911291" cy="369332"/>
+          </a:xfrm>
+          <a:prstGeom prst="rect">
+            <a:avLst/>
+          </a:prstGeom>
+          <a:noFill/>
+          <a:ln>
+            <a:solidFill>
+              <a:schemeClr val="tx1"/>
+            </a:solidFill>
+          </a:ln>
+        </p:spPr>
+        <p:txBody>
+          <a:bodyPr wrap="square" rtlCol="0">
+            <a:spAutoFit/>
+          </a:bodyPr>
+          <a:lstStyle/>
+          <a:p>
+            <a:pPr algn="ctr"/>
+            <a:r>
+              <a:rPr lang="en-US" dirty="0"/>
+              <a:t>Home</a:t>
+            </a:r>
+          </a:p>
+        </p:txBody>
+      </p:sp>
+      <p:cxnSp>
+        <p:nvCxnSpPr>
+          <p:cNvPr id="43" name="Straight Connector 42">
+            <a:extLst>
+              <a:ext uri="{FF2B5EF4-FFF2-40B4-BE49-F238E27FC236}">
+                <a16:creationId xmlns:a16="http://schemas.microsoft.com/office/drawing/2014/main" id="{F2F9CABA-7E97-4E2F-A454-C8F31158D1A8}"/>
+              </a:ext>
+            </a:extLst>
+          </p:cNvPr>
+          <p:cNvCxnSpPr>
+            <a:cxnSpLocks/>
+            <a:stCxn id="4" idx="0"/>
+            <a:endCxn id="41" idx="2"/>
+          </p:cNvCxnSpPr>
+          <p:nvPr/>
+        </p:nvCxnSpPr>
+        <p:spPr>
+          <a:xfrm flipV="1">
+            <a:off x="6905539" y="3045990"/>
+            <a:ext cx="1909192" cy="430809"/>
+          </a:xfrm>
+          <a:prstGeom prst="line">
+            <a:avLst/>
+          </a:prstGeom>
+        </p:spPr>
+        <p:style>
+          <a:lnRef idx="1">
+            <a:schemeClr val="accent1"/>
+          </a:lnRef>
+          <a:fillRef idx="0">
+            <a:schemeClr val="accent1"/>
+          </a:fillRef>
+          <a:effectRef idx="0">
+            <a:schemeClr val="accent1"/>
+          </a:effectRef>
+          <a:fontRef idx="minor">
+            <a:schemeClr val="tx1"/>
+          </a:fontRef>
+        </p:style>
+      </p:cxnSp>
+      <p:cxnSp>
+        <p:nvCxnSpPr>
+          <p:cNvPr id="46" name="Straight Connector 45">
+            <a:extLst>
+              <a:ext uri="{FF2B5EF4-FFF2-40B4-BE49-F238E27FC236}">
+                <a16:creationId xmlns:a16="http://schemas.microsoft.com/office/drawing/2014/main" id="{225A76A6-AF9A-407A-AE7C-46EB14129710}"/>
+              </a:ext>
+            </a:extLst>
+          </p:cNvPr>
+          <p:cNvCxnSpPr>
+            <a:cxnSpLocks/>
+            <a:stCxn id="40" idx="0"/>
+            <a:endCxn id="41" idx="2"/>
+          </p:cNvCxnSpPr>
+          <p:nvPr/>
+        </p:nvCxnSpPr>
+        <p:spPr>
+          <a:xfrm flipH="1" flipV="1">
+            <a:off x="8814731" y="3045990"/>
+            <a:ext cx="208331" cy="450011"/>
+          </a:xfrm>
+          <a:prstGeom prst="line">
+            <a:avLst/>
+          </a:prstGeom>
+        </p:spPr>
+        <p:style>
+          <a:lnRef idx="1">
+            <a:schemeClr val="accent1"/>
+          </a:lnRef>
+          <a:fillRef idx="0">
+            <a:schemeClr val="accent1"/>
+          </a:fillRef>
+          <a:effectRef idx="0">
+            <a:schemeClr val="accent1"/>
+          </a:effectRef>
+          <a:fontRef idx="minor">
+            <a:schemeClr val="tx1"/>
+          </a:fontRef>
+        </p:style>
+      </p:cxnSp>
+      <p:cxnSp>
+        <p:nvCxnSpPr>
+          <p:cNvPr id="49" name="Straight Connector 48">
+            <a:extLst>
+              <a:ext uri="{FF2B5EF4-FFF2-40B4-BE49-F238E27FC236}">
+                <a16:creationId xmlns:a16="http://schemas.microsoft.com/office/drawing/2014/main" id="{6194BE01-A3B4-4379-BEAC-E5FBCEA7799F}"/>
+              </a:ext>
+            </a:extLst>
+          </p:cNvPr>
+          <p:cNvCxnSpPr>
+            <a:cxnSpLocks/>
+            <a:stCxn id="39" idx="0"/>
+            <a:endCxn id="41" idx="2"/>
+          </p:cNvCxnSpPr>
+          <p:nvPr/>
+        </p:nvCxnSpPr>
+        <p:spPr>
+          <a:xfrm flipH="1" flipV="1">
+            <a:off x="8814731" y="3045990"/>
+            <a:ext cx="1977182" cy="430809"/>
+          </a:xfrm>
+          <a:prstGeom prst="line">
+            <a:avLst/>
+          </a:prstGeom>
+        </p:spPr>
+        <p:style>
+          <a:lnRef idx="1">
+            <a:schemeClr val="accent1"/>
+          </a:lnRef>
+          <a:fillRef idx="0">
+            <a:schemeClr val="accent1"/>
+          </a:fillRef>
+          <a:effectRef idx="0">
+            <a:schemeClr val="accent1"/>
+          </a:effectRef>
+          <a:fontRef idx="minor">
+            <a:schemeClr val="tx1"/>
+          </a:fontRef>
+        </p:style>
+      </p:cxnSp>
+    </p:spTree>
+    <p:extLst>
+      <p:ext uri="{BB962C8B-B14F-4D97-AF65-F5344CB8AC3E}">
+        <p14:creationId xmlns:p14="http://schemas.microsoft.com/office/powerpoint/2010/main" val="2402506783"/>
+      </p:ext>
+    </p:extLst>
+  </p:cSld>
+  <p:clrMapOvr>
+    <a:masterClrMapping/>
+  </p:clrMapOvr>
+</p:sld>
+</file>
+
+<file path=ppt/slides/slide15.xml><?xml version="1.0" encoding="utf-8"?>
+<p:sld xmlns:a="http://schemas.openxmlformats.org/drawingml/2006/main" xmlns:r="http://schemas.openxmlformats.org/officeDocument/2006/relationships" xmlns:p="http://schemas.openxmlformats.org/presentationml/2006/main">
+  <p:cSld>
+    <p:spTree>
+      <p:nvGrpSpPr>
+        <p:cNvPr id="1" name=""/>
+        <p:cNvGrpSpPr/>
+        <p:nvPr/>
+      </p:nvGrpSpPr>
+      <p:grpSpPr>
+        <a:xfrm>
+          <a:off x="0" y="0"/>
+          <a:ext cx="0" cy="0"/>
+          <a:chOff x="0" y="0"/>
+          <a:chExt cx="0" cy="0"/>
+        </a:xfrm>
+      </p:grpSpPr>
+      <p:sp>
+        <p:nvSpPr>
+          <p:cNvPr id="2" name="Title 1">
+            <a:extLst>
+              <a:ext uri="{FF2B5EF4-FFF2-40B4-BE49-F238E27FC236}">
+                <a16:creationId xmlns:a16="http://schemas.microsoft.com/office/drawing/2014/main" id="{B3A7D6CB-691C-464E-A917-0E859492EA88}"/>
+              </a:ext>
+            </a:extLst>
+          </p:cNvPr>
+          <p:cNvSpPr>
+            <a:spLocks noGrp="1"/>
+          </p:cNvSpPr>
+          <p:nvPr>
+            <p:ph type="title"/>
+          </p:nvPr>
+        </p:nvSpPr>
+        <p:spPr/>
+        <p:txBody>
+          <a:bodyPr/>
+          <a:lstStyle/>
+          <a:p>
+            <a:r>
+              <a:rPr lang="en-US" dirty="0"/>
+              <a:t>Wireframes</a:t>
+            </a:r>
+          </a:p>
+        </p:txBody>
+      </p:sp>
+      <p:sp>
+        <p:nvSpPr>
+          <p:cNvPr id="3" name="Content Placeholder 2">
+            <a:extLst>
+              <a:ext uri="{FF2B5EF4-FFF2-40B4-BE49-F238E27FC236}">
+                <a16:creationId xmlns:a16="http://schemas.microsoft.com/office/drawing/2014/main" id="{9D5A41D5-9940-4B4B-AF23-B0F5E0A6A931}"/>
+              </a:ext>
+            </a:extLst>
+          </p:cNvPr>
+          <p:cNvSpPr>
+            <a:spLocks noGrp="1"/>
+          </p:cNvSpPr>
+          <p:nvPr>
+            <p:ph idx="1"/>
+          </p:nvPr>
+        </p:nvSpPr>
+        <p:spPr/>
+        <p:txBody>
+          <a:bodyPr/>
+          <a:lstStyle/>
+          <a:p>
+            <a:r>
+              <a:rPr lang="en-US" dirty="0"/>
+              <a:t>&lt;link to .pdf on </a:t>
+            </a:r>
+            <a:r>
+              <a:rPr lang="en-US" dirty="0" err="1"/>
+              <a:t>github</a:t>
+            </a:r>
+            <a:r>
+              <a:rPr lang="en-US" dirty="0"/>
+              <a:t>&gt;</a:t>
+            </a:r>
+          </a:p>
+        </p:txBody>
+      </p:sp>
+    </p:spTree>
+    <p:extLst>
+      <p:ext uri="{BB962C8B-B14F-4D97-AF65-F5344CB8AC3E}">
+        <p14:creationId xmlns:p14="http://schemas.microsoft.com/office/powerpoint/2010/main" val="2391853874"/>
+      </p:ext>
+    </p:extLst>
+  </p:cSld>
+  <p:clrMapOvr>
+    <a:masterClrMapping/>
+  </p:clrMapOvr>
+</p:sld>
+</file>
+
+<file path=ppt/slides/slide16.xml><?xml version="1.0" encoding="utf-8"?>
+<p:sld xmlns:a="http://schemas.openxmlformats.org/drawingml/2006/main" xmlns:r="http://schemas.openxmlformats.org/officeDocument/2006/relationships" xmlns:p="http://schemas.openxmlformats.org/presentationml/2006/main">
+  <p:cSld>
+    <p:spTree>
+      <p:nvGrpSpPr>
+        <p:cNvPr id="1" name=""/>
+        <p:cNvGrpSpPr/>
+        <p:nvPr/>
+      </p:nvGrpSpPr>
+      <p:grpSpPr>
+        <a:xfrm>
+          <a:off x="0" y="0"/>
+          <a:ext cx="0" cy="0"/>
+          <a:chOff x="0" y="0"/>
+          <a:chExt cx="0" cy="0"/>
+        </a:xfrm>
+      </p:grpSpPr>
+      <p:sp>
+        <p:nvSpPr>
+          <p:cNvPr id="2" name="Title 1">
+            <a:extLst>
+              <a:ext uri="{FF2B5EF4-FFF2-40B4-BE49-F238E27FC236}">
+                <a16:creationId xmlns:a16="http://schemas.microsoft.com/office/drawing/2014/main" id="{73235461-01C8-4E07-BF82-8BA3964040AC}"/>
+              </a:ext>
+            </a:extLst>
+          </p:cNvPr>
+          <p:cNvSpPr>
+            <a:spLocks noGrp="1"/>
+          </p:cNvSpPr>
+          <p:nvPr>
+            <p:ph type="title"/>
+          </p:nvPr>
+        </p:nvSpPr>
+        <p:spPr/>
+        <p:txBody>
+          <a:bodyPr/>
+          <a:lstStyle/>
+          <a:p>
+            <a:r>
+              <a:rPr lang="en-US" dirty="0"/>
+              <a:t>Schema</a:t>
+            </a:r>
+          </a:p>
+        </p:txBody>
+      </p:sp>
+      <p:pic>
+        <p:nvPicPr>
+          <p:cNvPr id="4" name="Picture 3">
+            <a:extLst>
+              <a:ext uri="{FF2B5EF4-FFF2-40B4-BE49-F238E27FC236}">
+                <a16:creationId xmlns:a16="http://schemas.microsoft.com/office/drawing/2014/main" id="{5DEC7314-4587-4E6C-8CF0-08DB41DA440E}"/>
+              </a:ext>
+            </a:extLst>
+          </p:cNvPr>
+          <p:cNvPicPr>
+            <a:picLocks noChangeAspect="1"/>
+          </p:cNvPicPr>
+          <p:nvPr/>
+        </p:nvPicPr>
+        <p:blipFill>
+          <a:blip r:embed="rId2"/>
+          <a:stretch>
+            <a:fillRect/>
+          </a:stretch>
+        </p:blipFill>
+        <p:spPr>
+          <a:xfrm>
+            <a:off x="2079755" y="1292679"/>
+            <a:ext cx="8629650" cy="5448300"/>
+          </a:xfrm>
+          <a:prstGeom prst="rect">
+            <a:avLst/>
+          </a:prstGeom>
+        </p:spPr>
+      </p:pic>
+    </p:spTree>
+    <p:extLst>
+      <p:ext uri="{BB962C8B-B14F-4D97-AF65-F5344CB8AC3E}">
+        <p14:creationId xmlns:p14="http://schemas.microsoft.com/office/powerpoint/2010/main" val="49194344"/>
+      </p:ext>
+    </p:extLst>
+  </p:cSld>
+  <p:clrMapOvr>
+    <a:masterClrMapping/>
+  </p:clrMapOvr>
+</p:sld>
+</file>
+
+<file path=ppt/slides/slide17.xml><?xml version="1.0" encoding="utf-8"?>
+<p:sld xmlns:a="http://schemas.openxmlformats.org/drawingml/2006/main" xmlns:r="http://schemas.openxmlformats.org/officeDocument/2006/relationships" xmlns:p="http://schemas.openxmlformats.org/presentationml/2006/main">
+  <p:cSld>
+    <p:spTree>
+      <p:nvGrpSpPr>
+        <p:cNvPr id="1" name=""/>
+        <p:cNvGrpSpPr/>
+        <p:nvPr/>
+      </p:nvGrpSpPr>
+      <p:grpSpPr>
+        <a:xfrm>
+          <a:off x="0" y="0"/>
+          <a:ext cx="0" cy="0"/>
+          <a:chOff x="0" y="0"/>
+          <a:chExt cx="0" cy="0"/>
+        </a:xfrm>
+      </p:grpSpPr>
+      <p:sp>
+        <p:nvSpPr>
+          <p:cNvPr id="2" name="Title 1">
+            <a:extLst>
+              <a:ext uri="{FF2B5EF4-FFF2-40B4-BE49-F238E27FC236}">
+                <a16:creationId xmlns:a16="http://schemas.microsoft.com/office/drawing/2014/main" id="{7F7B68DA-473D-4B51-A38B-93A06DFF7DD5}"/>
+              </a:ext>
+            </a:extLst>
+          </p:cNvPr>
+          <p:cNvSpPr>
+            <a:spLocks noGrp="1"/>
+          </p:cNvSpPr>
+          <p:nvPr>
+            <p:ph type="title"/>
+          </p:nvPr>
+        </p:nvSpPr>
+        <p:spPr/>
+        <p:txBody>
+          <a:bodyPr/>
+          <a:lstStyle/>
+          <a:p>
+            <a:r>
+              <a:rPr lang="en-US" dirty="0"/>
+              <a:t>Go Live!</a:t>
+            </a:r>
+          </a:p>
+        </p:txBody>
+      </p:sp>
+      <p:sp>
+        <p:nvSpPr>
+          <p:cNvPr id="3" name="Content Placeholder 2">
+            <a:extLst>
+              <a:ext uri="{FF2B5EF4-FFF2-40B4-BE49-F238E27FC236}">
+                <a16:creationId xmlns:a16="http://schemas.microsoft.com/office/drawing/2014/main" id="{ACEB8B8B-6AA0-481C-A325-CA7EA058CF39}"/>
+              </a:ext>
+            </a:extLst>
+          </p:cNvPr>
+          <p:cNvSpPr>
+            <a:spLocks noGrp="1"/>
+          </p:cNvSpPr>
+          <p:nvPr>
+            <p:ph idx="1"/>
+          </p:nvPr>
+        </p:nvSpPr>
+        <p:spPr/>
+        <p:txBody>
+          <a:bodyPr/>
+          <a:lstStyle/>
+          <a:p>
+            <a:r>
+              <a:rPr lang="en-US" dirty="0"/>
+              <a:t>&lt;link to URL&gt;</a:t>
+            </a:r>
+          </a:p>
+        </p:txBody>
+      </p:sp>
+    </p:spTree>
+    <p:extLst>
+      <p:ext uri="{BB962C8B-B14F-4D97-AF65-F5344CB8AC3E}">
+        <p14:creationId xmlns:p14="http://schemas.microsoft.com/office/powerpoint/2010/main" val="3008425161"/>
+      </p:ext>
+    </p:extLst>
+  </p:cSld>
+  <p:clrMapOvr>
+    <a:masterClrMapping/>
+  </p:clrMapOvr>
+</p:sld>
+</file>
+
+<file path=ppt/slides/slide18.xml><?xml version="1.0" encoding="utf-8"?>
+<p:sld xmlns:a="http://schemas.openxmlformats.org/drawingml/2006/main" xmlns:r="http://schemas.openxmlformats.org/officeDocument/2006/relationships" xmlns:p="http://schemas.openxmlformats.org/presentationml/2006/main">
+  <p:cSld>
+    <p:spTree>
+      <p:nvGrpSpPr>
+        <p:cNvPr id="1" name=""/>
+        <p:cNvGrpSpPr/>
+        <p:nvPr/>
+      </p:nvGrpSpPr>
+      <p:grpSpPr>
+        <a:xfrm>
+          <a:off x="0" y="0"/>
+          <a:ext cx="0" cy="0"/>
+          <a:chOff x="0" y="0"/>
+          <a:chExt cx="0" cy="0"/>
+        </a:xfrm>
+      </p:grpSpPr>
+      <p:sp>
+        <p:nvSpPr>
+          <p:cNvPr id="2" name="Title 1">
+            <a:extLst>
+              <a:ext uri="{FF2B5EF4-FFF2-40B4-BE49-F238E27FC236}">
+                <a16:creationId xmlns:a16="http://schemas.microsoft.com/office/drawing/2014/main" id="{10B8E23F-5094-466C-A3B1-1F64FD237EA5}"/>
+              </a:ext>
+            </a:extLst>
+          </p:cNvPr>
+          <p:cNvSpPr>
+            <a:spLocks noGrp="1"/>
+          </p:cNvSpPr>
+          <p:nvPr>
+            <p:ph type="title"/>
+          </p:nvPr>
+        </p:nvSpPr>
+        <p:spPr/>
+        <p:txBody>
+          <a:bodyPr/>
+          <a:lstStyle/>
+          <a:p>
+            <a:r>
+              <a:rPr lang="en-US" dirty="0"/>
+              <a:t>Level of Effort</a:t>
+            </a:r>
+          </a:p>
+        </p:txBody>
+      </p:sp>
+      <p:sp>
+        <p:nvSpPr>
+          <p:cNvPr id="3" name="Content Placeholder 2">
+            <a:extLst>
+              <a:ext uri="{FF2B5EF4-FFF2-40B4-BE49-F238E27FC236}">
+                <a16:creationId xmlns:a16="http://schemas.microsoft.com/office/drawing/2014/main" id="{00EB0048-9365-49CB-978F-C6FB3053D5D3}"/>
+              </a:ext>
+            </a:extLst>
+          </p:cNvPr>
+          <p:cNvSpPr>
+            <a:spLocks noGrp="1"/>
+          </p:cNvSpPr>
+          <p:nvPr>
+            <p:ph idx="1"/>
+          </p:nvPr>
+        </p:nvSpPr>
+        <p:spPr/>
+        <p:txBody>
+          <a:bodyPr>
+            <a:normAutofit fontScale="92500" lnSpcReduction="10000"/>
+          </a:bodyPr>
+          <a:lstStyle/>
+          <a:p>
+            <a:r>
+              <a:rPr lang="en-US" dirty="0"/>
+              <a:t>Took about 5 days</a:t>
+            </a:r>
+          </a:p>
+          <a:p>
+            <a:r>
+              <a:rPr lang="en-US" dirty="0"/>
+              <a:t>Detailed steps in the git  &lt;URL&gt;</a:t>
+            </a:r>
+          </a:p>
+          <a:p>
+            <a:endParaRPr lang="en-US" dirty="0"/>
+          </a:p>
+          <a:p>
+            <a:pPr marL="0" indent="0">
+              <a:buNone/>
+            </a:pPr>
+            <a:r>
+              <a:rPr lang="en-US" dirty="0"/>
+              <a:t>Django Background:</a:t>
+            </a:r>
+          </a:p>
+          <a:p>
+            <a:pPr lvl="1"/>
+            <a:r>
+              <a:rPr lang="en-US" dirty="0"/>
+              <a:t>Tic-Tac-Toe at &lt;URL&gt;</a:t>
+            </a:r>
+          </a:p>
+          <a:p>
+            <a:pPr lvl="1"/>
+            <a:r>
+              <a:rPr lang="en-US" dirty="0"/>
+              <a:t>A full featured Web App (admin, login, database, forms)</a:t>
+            </a:r>
+          </a:p>
+          <a:p>
+            <a:pPr lvl="1"/>
+            <a:r>
+              <a:rPr lang="en-US" dirty="0"/>
+              <a:t>Follows the Pluralsight training</a:t>
+            </a:r>
+          </a:p>
+          <a:p>
+            <a:pPr marL="457200" lvl="1" indent="0">
+              <a:buNone/>
+            </a:pPr>
+            <a:endParaRPr lang="en-US" dirty="0"/>
+          </a:p>
+          <a:p>
+            <a:pPr marL="0" indent="0">
+              <a:buNone/>
+            </a:pPr>
+            <a:r>
+              <a:rPr lang="en-US" dirty="0"/>
+              <a:t>Web Application (UX/UI)</a:t>
+            </a:r>
+          </a:p>
+          <a:p>
+            <a:pPr marL="0" indent="0">
+              <a:buNone/>
+            </a:pPr>
+            <a:r>
+              <a:rPr lang="en-US" sz="1600" dirty="0"/>
+              <a:t>Getting Started in UX Design by Kurt </a:t>
+            </a:r>
+            <a:r>
+              <a:rPr lang="en-US" sz="1600" dirty="0" err="1"/>
+              <a:t>Krumme</a:t>
+            </a:r>
+            <a:r>
+              <a:rPr lang="en-US" sz="1600" dirty="0"/>
+              <a:t> </a:t>
+            </a:r>
+            <a:r>
+              <a:rPr lang="en-US" sz="1600" dirty="0">
+                <a:hlinkClick r:id="rId2"/>
+              </a:rPr>
+              <a:t>https://app.pluralsight.com/library/courses/getting-started-ux-design/table-of-contents</a:t>
+            </a:r>
+            <a:endParaRPr lang="en-US" sz="1600" dirty="0"/>
+          </a:p>
+          <a:p>
+            <a:pPr marL="0" indent="0">
+              <a:buNone/>
+            </a:pPr>
+            <a:r>
+              <a:rPr lang="en-US" sz="1600" dirty="0"/>
+              <a:t>UX Design Creating Wireframes by Susan Simkins </a:t>
+            </a:r>
+            <a:r>
+              <a:rPr lang="en-US" sz="1600" dirty="0">
+                <a:hlinkClick r:id="rId3"/>
+              </a:rPr>
+              <a:t>https://app.pluralsight.com/library/courses/ux-design-creating-wireframes/table-of-contents</a:t>
+            </a:r>
+            <a:endParaRPr lang="en-US" sz="1600" dirty="0"/>
+          </a:p>
+          <a:p>
+            <a:pPr lvl="1"/>
+            <a:endParaRPr lang="en-US" dirty="0"/>
+          </a:p>
+        </p:txBody>
+      </p:sp>
+    </p:spTree>
+    <p:extLst>
+      <p:ext uri="{BB962C8B-B14F-4D97-AF65-F5344CB8AC3E}">
+        <p14:creationId xmlns:p14="http://schemas.microsoft.com/office/powerpoint/2010/main" val="3978747642"/>
+      </p:ext>
+    </p:extLst>
+  </p:cSld>
+  <p:clrMapOvr>
+    <a:masterClrMapping/>
+  </p:clrMapOvr>
+</p:sld>
+</file>
+
+<file path=ppt/slides/slide19.xml><?xml version="1.0" encoding="utf-8"?>
+<p:sld xmlns:a="http://schemas.openxmlformats.org/drawingml/2006/main" xmlns:r="http://schemas.openxmlformats.org/officeDocument/2006/relationships" xmlns:p="http://schemas.openxmlformats.org/presentationml/2006/main">
+  <p:cSld>
+    <p:spTree>
+      <p:nvGrpSpPr>
+        <p:cNvPr id="1" name=""/>
+        <p:cNvGrpSpPr/>
+        <p:nvPr/>
+      </p:nvGrpSpPr>
+      <p:grpSpPr>
+        <a:xfrm>
+          <a:off x="0" y="0"/>
+          <a:ext cx="0" cy="0"/>
+          <a:chOff x="0" y="0"/>
+          <a:chExt cx="0" cy="0"/>
+        </a:xfrm>
+      </p:grpSpPr>
+      <p:sp>
+        <p:nvSpPr>
+          <p:cNvPr id="2" name="Title 1">
+            <a:extLst>
+              <a:ext uri="{FF2B5EF4-FFF2-40B4-BE49-F238E27FC236}">
+                <a16:creationId xmlns:a16="http://schemas.microsoft.com/office/drawing/2014/main" id="{F9B00A71-D9A5-48EF-B13D-3C64E072E5F9}"/>
+              </a:ext>
+            </a:extLst>
+          </p:cNvPr>
+          <p:cNvSpPr>
+            <a:spLocks noGrp="1"/>
+          </p:cNvSpPr>
+          <p:nvPr>
+            <p:ph type="title"/>
+          </p:nvPr>
+        </p:nvSpPr>
+        <p:spPr>
+          <a:xfrm>
+            <a:off x="4067962" y="2915378"/>
+            <a:ext cx="3465352" cy="1325563"/>
+          </a:xfrm>
+        </p:spPr>
+        <p:txBody>
+          <a:bodyPr/>
+          <a:lstStyle/>
+          <a:p>
+            <a:pPr algn="ctr"/>
+            <a:r>
+              <a:rPr lang="en-US" dirty="0"/>
+              <a:t>Thank You</a:t>
+            </a:r>
+          </a:p>
+        </p:txBody>
+      </p:sp>
+    </p:spTree>
+    <p:extLst>
+      <p:ext uri="{BB962C8B-B14F-4D97-AF65-F5344CB8AC3E}">
+        <p14:creationId xmlns:p14="http://schemas.microsoft.com/office/powerpoint/2010/main" val="2844057254"/>
+      </p:ext>
+    </p:extLst>
+  </p:cSld>
+  <p:clrMapOvr>
+    <a:masterClrMapping/>
+  </p:clrMapOvr>
+</p:sld>
+</file>
+
+<file path=ppt/slides/slide2.xml><?xml version="1.0" encoding="utf-8"?>
+<p:sld xmlns:a="http://schemas.openxmlformats.org/drawingml/2006/main" xmlns:r="http://schemas.openxmlformats.org/officeDocument/2006/relationships" xmlns:p="http://schemas.openxmlformats.org/presentationml/2006/main">
+  <p:cSld>
+    <p:spTree>
+      <p:nvGrpSpPr>
+        <p:cNvPr id="1" name=""/>
+        <p:cNvGrpSpPr/>
+        <p:nvPr/>
+      </p:nvGrpSpPr>
+      <p:grpSpPr>
+        <a:xfrm>
+          <a:off x="0" y="0"/>
+          <a:ext cx="0" cy="0"/>
+          <a:chOff x="0" y="0"/>
+          <a:chExt cx="0" cy="0"/>
+        </a:xfrm>
+      </p:grpSpPr>
+      <p:sp>
+        <p:nvSpPr>
+          <p:cNvPr id="2" name="Title 1">
+            <a:extLst>
+              <a:ext uri="{FF2B5EF4-FFF2-40B4-BE49-F238E27FC236}">
+                <a16:creationId xmlns:a16="http://schemas.microsoft.com/office/drawing/2014/main" id="{884D623C-5ADC-4953-9FA4-4B7DAA9B6BA4}"/>
+              </a:ext>
+            </a:extLst>
+          </p:cNvPr>
+          <p:cNvSpPr>
+            <a:spLocks noGrp="1"/>
+          </p:cNvSpPr>
+          <p:nvPr>
+            <p:ph type="title"/>
+          </p:nvPr>
+        </p:nvSpPr>
+        <p:spPr/>
+        <p:txBody>
+          <a:bodyPr/>
+          <a:lstStyle/>
+          <a:p>
+            <a:r>
+              <a:rPr lang="en-US" dirty="0"/>
+              <a:t>Where we are...</a:t>
+            </a:r>
+          </a:p>
+        </p:txBody>
+      </p:sp>
+      <p:sp>
+        <p:nvSpPr>
+          <p:cNvPr id="3" name="Content Placeholder 2">
+            <a:extLst>
+              <a:ext uri="{FF2B5EF4-FFF2-40B4-BE49-F238E27FC236}">
+                <a16:creationId xmlns:a16="http://schemas.microsoft.com/office/drawing/2014/main" id="{70A408A4-E00C-4B56-B8B7-4D393C00EDEF}"/>
+              </a:ext>
+            </a:extLst>
+          </p:cNvPr>
+          <p:cNvSpPr>
+            <a:spLocks noGrp="1"/>
+          </p:cNvSpPr>
+          <p:nvPr>
+            <p:ph idx="1"/>
+          </p:nvPr>
+        </p:nvSpPr>
+        <p:spPr/>
+        <p:txBody>
+          <a:bodyPr>
+            <a:normAutofit fontScale="92500" lnSpcReduction="20000"/>
+          </a:bodyPr>
+          <a:lstStyle/>
+          <a:p>
+            <a:pPr marL="0" indent="0">
+              <a:buNone/>
+            </a:pPr>
+            <a:r>
+              <a:rPr lang="en-US" sz="3500" dirty="0"/>
+              <a:t>Last Time:</a:t>
+            </a:r>
+          </a:p>
+          <a:p>
+            <a:r>
+              <a:rPr lang="en-US" dirty="0"/>
+              <a:t>Django Overview and Tic-Tac-Toe Application</a:t>
+            </a:r>
+          </a:p>
+          <a:p>
+            <a:pPr marL="0" indent="0">
+              <a:buNone/>
+            </a:pPr>
+            <a:r>
+              <a:rPr lang="en-US" sz="1700" dirty="0">
+                <a:hlinkClick r:id="rId2"/>
+              </a:rPr>
+              <a:t>https://github.com/cwinsor/django_102_pluralsight/blob/master/django_web_app_framework_intro.pdf</a:t>
+            </a:r>
+            <a:endParaRPr lang="en-US" sz="1700" dirty="0"/>
+          </a:p>
+          <a:p>
+            <a:pPr marL="0" indent="0">
+              <a:buNone/>
+            </a:pPr>
+            <a:r>
+              <a:rPr lang="en-US" sz="1700" dirty="0">
+                <a:hlinkClick r:id="rId3"/>
+              </a:rPr>
+              <a:t>https://github.com/cwinsor/django_102_pluralsight </a:t>
+            </a:r>
+            <a:endParaRPr lang="en-US" sz="1700" dirty="0"/>
+          </a:p>
+          <a:p>
+            <a:endParaRPr lang="en-US" dirty="0"/>
+          </a:p>
+          <a:p>
+            <a:pPr marL="0" indent="0">
+              <a:buNone/>
+            </a:pPr>
+            <a:r>
+              <a:rPr lang="en-US" sz="3500" dirty="0"/>
+              <a:t>This time:</a:t>
+            </a:r>
+          </a:p>
+          <a:p>
+            <a:r>
+              <a:rPr lang="en-US" dirty="0"/>
+              <a:t>“Star Chaser”</a:t>
+            </a:r>
+          </a:p>
+          <a:p>
+            <a:pPr lvl="1"/>
+            <a:r>
+              <a:rPr lang="en-US" dirty="0"/>
+              <a:t>Requirements</a:t>
+            </a:r>
+          </a:p>
+          <a:p>
+            <a:pPr lvl="1"/>
+            <a:r>
+              <a:rPr lang="en-US" dirty="0"/>
+              <a:t>Personas</a:t>
+            </a:r>
+          </a:p>
+          <a:p>
+            <a:pPr lvl="1"/>
+            <a:r>
+              <a:rPr lang="en-US" dirty="0"/>
+              <a:t>Wireframes</a:t>
+            </a:r>
+          </a:p>
+          <a:p>
+            <a:pPr lvl="1"/>
+            <a:r>
+              <a:rPr lang="en-US" dirty="0"/>
+              <a:t>Code (Django, Postgres, TensorFlow, Kaggle)</a:t>
+            </a:r>
+          </a:p>
+          <a:p>
+            <a:r>
+              <a:rPr lang="en-US" dirty="0"/>
+              <a:t>&lt;stretch:  front-end </a:t>
+            </a:r>
+            <a:r>
+              <a:rPr lang="en-US" dirty="0" err="1"/>
+              <a:t>Javascript</a:t>
+            </a:r>
+            <a:r>
+              <a:rPr lang="en-US" dirty="0"/>
+              <a:t> for charting&gt;</a:t>
+            </a:r>
+          </a:p>
+        </p:txBody>
+      </p:sp>
+    </p:spTree>
+    <p:extLst>
+      <p:ext uri="{BB962C8B-B14F-4D97-AF65-F5344CB8AC3E}">
+        <p14:creationId xmlns:p14="http://schemas.microsoft.com/office/powerpoint/2010/main" val="1019832778"/>
+      </p:ext>
+    </p:extLst>
+  </p:cSld>
+  <p:clrMapOvr>
+    <a:masterClrMapping/>
+  </p:clrMapOvr>
+</p:sld>
+</file>
+
+<file path=ppt/slides/slide3.xml><?xml version="1.0" encoding="utf-8"?>
+<p:sld xmlns:a="http://schemas.openxmlformats.org/drawingml/2006/main" xmlns:r="http://schemas.openxmlformats.org/officeDocument/2006/relationships" xmlns:p="http://schemas.openxmlformats.org/presentationml/2006/main">
+  <p:cSld>
+    <p:spTree>
+      <p:nvGrpSpPr>
+        <p:cNvPr id="1" name=""/>
+        <p:cNvGrpSpPr/>
+        <p:nvPr/>
+      </p:nvGrpSpPr>
+      <p:grpSpPr>
+        <a:xfrm>
+          <a:off x="0" y="0"/>
+          <a:ext cx="0" cy="0"/>
+          <a:chOff x="0" y="0"/>
+          <a:chExt cx="0" cy="0"/>
+        </a:xfrm>
+      </p:grpSpPr>
+      <p:sp>
+        <p:nvSpPr>
+          <p:cNvPr id="2" name="Title 1">
+            <a:extLst>
+              <a:ext uri="{FF2B5EF4-FFF2-40B4-BE49-F238E27FC236}">
+                <a16:creationId xmlns:a16="http://schemas.microsoft.com/office/drawing/2014/main" id="{27E15484-B78B-4482-98DC-3BFE333C80D0}"/>
+              </a:ext>
+            </a:extLst>
+          </p:cNvPr>
+          <p:cNvSpPr>
+            <a:spLocks noGrp="1"/>
+          </p:cNvSpPr>
+          <p:nvPr>
+            <p:ph type="title"/>
+          </p:nvPr>
+        </p:nvSpPr>
+        <p:spPr/>
+        <p:txBody>
+          <a:bodyPr/>
+          <a:lstStyle/>
+          <a:p>
+            <a:r>
+              <a:rPr lang="en-US" dirty="0"/>
+              <a:t>Goals:</a:t>
+            </a:r>
+          </a:p>
+        </p:txBody>
+      </p:sp>
+      <p:sp>
+        <p:nvSpPr>
+          <p:cNvPr id="3" name="Content Placeholder 2">
+            <a:extLst>
+              <a:ext uri="{FF2B5EF4-FFF2-40B4-BE49-F238E27FC236}">
+                <a16:creationId xmlns:a16="http://schemas.microsoft.com/office/drawing/2014/main" id="{3564A5C7-E2EA-4DB3-B57F-9F460EEC7FD5}"/>
+              </a:ext>
+            </a:extLst>
+          </p:cNvPr>
+          <p:cNvSpPr>
+            <a:spLocks noGrp="1"/>
+          </p:cNvSpPr>
+          <p:nvPr>
+            <p:ph idx="1"/>
+          </p:nvPr>
+        </p:nvSpPr>
+        <p:spPr/>
+        <p:txBody>
+          <a:bodyPr>
+            <a:normAutofit/>
+          </a:bodyPr>
+          <a:lstStyle/>
+          <a:p>
+            <a:r>
+              <a:rPr lang="en-US" dirty="0"/>
+              <a:t>Show Machine Learning deployed as Web Application</a:t>
+            </a:r>
+          </a:p>
+          <a:p>
+            <a:r>
+              <a:rPr lang="en-US" dirty="0"/>
+              <a:t>Demonstrate Best-Practice Web App Design</a:t>
+            </a:r>
+          </a:p>
+          <a:p>
+            <a:r>
+              <a:rPr lang="en-US" dirty="0"/>
+              <a:t>Make it available for Anyone (with access to the web)</a:t>
+            </a:r>
+          </a:p>
+          <a:p>
+            <a:r>
+              <a:rPr lang="en-US" dirty="0"/>
+              <a:t>Practice, Practice, Practice</a:t>
+            </a:r>
+          </a:p>
+        </p:txBody>
+      </p:sp>
+    </p:spTree>
+    <p:extLst>
+      <p:ext uri="{BB962C8B-B14F-4D97-AF65-F5344CB8AC3E}">
+        <p14:creationId xmlns:p14="http://schemas.microsoft.com/office/powerpoint/2010/main" val="3689922346"/>
+      </p:ext>
+    </p:extLst>
+  </p:cSld>
+  <p:clrMapOvr>
+    <a:masterClrMapping/>
+  </p:clrMapOvr>
+</p:sld>
+</file>
+
+<file path=ppt/slides/slide4.xml><?xml version="1.0" encoding="utf-8"?>
+<p:sld xmlns:a="http://schemas.openxmlformats.org/drawingml/2006/main" xmlns:r="http://schemas.openxmlformats.org/officeDocument/2006/relationships" xmlns:p="http://schemas.openxmlformats.org/presentationml/2006/main">
+  <p:cSld>
+    <p:spTree>
+      <p:nvGrpSpPr>
+        <p:cNvPr id="1" name=""/>
+        <p:cNvGrpSpPr/>
+        <p:nvPr/>
+      </p:nvGrpSpPr>
+      <p:grpSpPr>
+        <a:xfrm>
+          <a:off x="0" y="0"/>
+          <a:ext cx="0" cy="0"/>
+          <a:chOff x="0" y="0"/>
+          <a:chExt cx="0" cy="0"/>
+        </a:xfrm>
+      </p:grpSpPr>
+      <p:sp>
+        <p:nvSpPr>
+          <p:cNvPr id="2" name="Title 1">
+            <a:extLst>
+              <a:ext uri="{FF2B5EF4-FFF2-40B4-BE49-F238E27FC236}">
+                <a16:creationId xmlns:a16="http://schemas.microsoft.com/office/drawing/2014/main" id="{3303612B-0F44-4A40-8AEC-866A6AAE733C}"/>
+              </a:ext>
+            </a:extLst>
+          </p:cNvPr>
+          <p:cNvSpPr>
+            <a:spLocks noGrp="1"/>
+          </p:cNvSpPr>
+          <p:nvPr>
+            <p:ph type="title"/>
+          </p:nvPr>
+        </p:nvSpPr>
+        <p:spPr/>
+        <p:txBody>
+          <a:bodyPr>
+            <a:normAutofit/>
+          </a:bodyPr>
+          <a:lstStyle/>
+          <a:p>
+            <a:r>
+              <a:rPr lang="en-US" dirty="0"/>
+              <a:t>But there’s more...</a:t>
+            </a:r>
+          </a:p>
+        </p:txBody>
+      </p:sp>
+      <p:sp>
+        <p:nvSpPr>
+          <p:cNvPr id="3" name="Content Placeholder 2">
+            <a:extLst>
+              <a:ext uri="{FF2B5EF4-FFF2-40B4-BE49-F238E27FC236}">
+                <a16:creationId xmlns:a16="http://schemas.microsoft.com/office/drawing/2014/main" id="{F29C73BA-0151-47CD-A862-A3B53C6F207E}"/>
+              </a:ext>
+            </a:extLst>
+          </p:cNvPr>
+          <p:cNvSpPr>
+            <a:spLocks noGrp="1"/>
+          </p:cNvSpPr>
+          <p:nvPr>
+            <p:ph idx="1"/>
+          </p:nvPr>
+        </p:nvSpPr>
+        <p:spPr>
+          <a:xfrm>
+            <a:off x="729143" y="1690688"/>
+            <a:ext cx="10624657" cy="4852012"/>
+          </a:xfrm>
+        </p:spPr>
+        <p:txBody>
+          <a:bodyPr>
+            <a:normAutofit/>
+          </a:bodyPr>
+          <a:lstStyle/>
+          <a:p>
+            <a:r>
+              <a:rPr lang="en-US" sz="1600" dirty="0"/>
+              <a:t>Platform for future ML-based web-apps (</a:t>
+            </a:r>
+            <a:r>
+              <a:rPr lang="en-US" sz="1600" dirty="0">
+                <a:highlight>
+                  <a:srgbClr val="FFFF00"/>
+                </a:highlight>
+              </a:rPr>
+              <a:t>browser-based</a:t>
+            </a:r>
+            <a:r>
+              <a:rPr lang="en-US" sz="1600" dirty="0"/>
+              <a:t>)</a:t>
+            </a:r>
+          </a:p>
+          <a:p>
+            <a:r>
+              <a:rPr lang="en-US" sz="1600" dirty="0"/>
+              <a:t>Platform for Internet-of-Things applications (</a:t>
+            </a:r>
+            <a:r>
+              <a:rPr lang="en-US" sz="1600" dirty="0">
+                <a:highlight>
+                  <a:srgbClr val="FFFF00"/>
+                </a:highlight>
+              </a:rPr>
+              <a:t>device-based</a:t>
+            </a:r>
+            <a:r>
+              <a:rPr lang="en-US" sz="1600" dirty="0"/>
+              <a:t>)</a:t>
+            </a:r>
+          </a:p>
+          <a:p>
+            <a:pPr lvl="1"/>
+            <a:r>
+              <a:rPr lang="en-US" sz="1400" dirty="0"/>
+              <a:t>Front-end is device (Raspberry Pi running Python)</a:t>
+            </a:r>
+          </a:p>
+          <a:p>
+            <a:pPr lvl="1"/>
+            <a:r>
+              <a:rPr lang="en-US" sz="1400" dirty="0"/>
+              <a:t>Back-end is “smarts” (database, ML algorithm)</a:t>
+            </a:r>
+          </a:p>
+          <a:p>
+            <a:pPr marL="457200" lvl="1" indent="0">
+              <a:buNone/>
+            </a:pPr>
+            <a:endParaRPr lang="en-US" sz="1600" dirty="0"/>
+          </a:p>
+          <a:p>
+            <a:pPr marL="0" indent="0">
+              <a:buNone/>
+            </a:pPr>
+            <a:r>
+              <a:rPr lang="en-US" sz="1600" dirty="0"/>
+              <a:t>To do this:</a:t>
+            </a:r>
+          </a:p>
+          <a:p>
+            <a:pPr lvl="1"/>
+            <a:r>
+              <a:rPr lang="en-US" sz="1400" dirty="0"/>
+              <a:t>Back-end exposes non-browser POST and GETs as “API”</a:t>
+            </a:r>
+          </a:p>
+          <a:p>
+            <a:pPr lvl="1"/>
+            <a:r>
+              <a:rPr lang="en-US" sz="1400" dirty="0"/>
+              <a:t>Device running Python does POST and GET to the “API” </a:t>
+            </a:r>
+            <a:r>
+              <a:rPr lang="en-US" sz="1400" dirty="0" err="1"/>
+              <a:t>urls</a:t>
+            </a:r>
+            <a:endParaRPr lang="en-US" sz="1400" dirty="0"/>
+          </a:p>
+          <a:p>
+            <a:pPr marL="457200" lvl="1" indent="0">
+              <a:buNone/>
+            </a:pPr>
+            <a:endParaRPr lang="en-US" sz="1400" dirty="0"/>
+          </a:p>
+          <a:p>
+            <a:pPr marL="0" indent="0">
+              <a:buNone/>
+            </a:pPr>
+            <a:r>
+              <a:rPr lang="en-US" sz="1600" dirty="0"/>
+              <a:t>We can even:</a:t>
+            </a:r>
+            <a:endParaRPr lang="en-US" sz="1400" dirty="0"/>
+          </a:p>
+          <a:p>
+            <a:pPr lvl="1"/>
+            <a:r>
+              <a:rPr lang="en-US" sz="1400" dirty="0"/>
+              <a:t>Access OTHER web APIs</a:t>
+            </a:r>
+          </a:p>
+          <a:p>
+            <a:pPr lvl="2"/>
+            <a:r>
+              <a:rPr lang="en-US" sz="1000" dirty="0"/>
+              <a:t>Google Maps</a:t>
+            </a:r>
+          </a:p>
+          <a:p>
+            <a:pPr lvl="2"/>
+            <a:r>
+              <a:rPr lang="en-US" sz="1000" dirty="0"/>
+              <a:t>Geolocation</a:t>
+            </a:r>
+          </a:p>
+          <a:p>
+            <a:pPr lvl="2"/>
+            <a:r>
+              <a:rPr lang="en-US" sz="1000" dirty="0"/>
+              <a:t>NASA</a:t>
+            </a:r>
+          </a:p>
+          <a:p>
+            <a:pPr lvl="2"/>
+            <a:r>
+              <a:rPr lang="en-US" sz="1000" dirty="0"/>
+              <a:t>Chuck Norris Jokes</a:t>
+            </a:r>
+          </a:p>
+          <a:p>
+            <a:pPr lvl="2"/>
+            <a:r>
+              <a:rPr lang="en-US" sz="1000" dirty="0"/>
+              <a:t>Speech-to-Text</a:t>
+            </a:r>
+          </a:p>
+          <a:p>
+            <a:pPr lvl="2"/>
+            <a:r>
+              <a:rPr lang="en-US" sz="1000" dirty="0"/>
+              <a:t>Lots of Amazing Stuff</a:t>
+            </a:r>
+          </a:p>
+        </p:txBody>
+      </p:sp>
+    </p:spTree>
+    <p:extLst>
+      <p:ext uri="{BB962C8B-B14F-4D97-AF65-F5344CB8AC3E}">
+        <p14:creationId xmlns:p14="http://schemas.microsoft.com/office/powerpoint/2010/main" val="1850254339"/>
+      </p:ext>
+    </p:extLst>
+  </p:cSld>
+  <p:clrMapOvr>
+    <a:masterClrMapping/>
+  </p:clrMapOvr>
+</p:sld>
+</file>
+
+<file path=ppt/slides/slide5.xml><?xml version="1.0" encoding="utf-8"?>
+<p:sld xmlns:a="http://schemas.openxmlformats.org/drawingml/2006/main" xmlns:r="http://schemas.openxmlformats.org/officeDocument/2006/relationships" xmlns:p="http://schemas.openxmlformats.org/presentationml/2006/main">
+  <p:cSld>
+    <p:spTree>
+      <p:nvGrpSpPr>
+        <p:cNvPr id="1" name=""/>
+        <p:cNvGrpSpPr/>
+        <p:nvPr/>
+      </p:nvGrpSpPr>
+      <p:grpSpPr>
+        <a:xfrm>
+          <a:off x="0" y="0"/>
+          <a:ext cx="0" cy="0"/>
+          <a:chOff x="0" y="0"/>
+          <a:chExt cx="0" cy="0"/>
+        </a:xfrm>
+      </p:grpSpPr>
+      <p:sp>
+        <p:nvSpPr>
+          <p:cNvPr id="2" name="Title 1">
+            <a:extLst>
+              <a:ext uri="{FF2B5EF4-FFF2-40B4-BE49-F238E27FC236}">
+                <a16:creationId xmlns:a16="http://schemas.microsoft.com/office/drawing/2014/main" id="{3303612B-0F44-4A40-8AEC-866A6AAE733C}"/>
+              </a:ext>
+            </a:extLst>
+          </p:cNvPr>
+          <p:cNvSpPr>
+            <a:spLocks noGrp="1"/>
+          </p:cNvSpPr>
+          <p:nvPr>
+            <p:ph type="title"/>
+          </p:nvPr>
+        </p:nvSpPr>
+        <p:spPr>
+          <a:xfrm>
+            <a:off x="838200" y="365125"/>
+            <a:ext cx="10515600" cy="1325563"/>
+          </a:xfrm>
+        </p:spPr>
+        <p:txBody>
+          <a:bodyPr>
+            <a:normAutofit/>
+          </a:bodyPr>
+          <a:lstStyle/>
+          <a:p>
+            <a:r>
+              <a:rPr lang="en-US" dirty="0"/>
+              <a:t>What does that mean...</a:t>
+            </a:r>
+            <a:br>
+              <a:rPr lang="en-US" dirty="0"/>
+            </a:br>
+            <a:r>
+              <a:rPr lang="en-US" sz="3200" dirty="0"/>
+              <a:t>Today...</a:t>
+            </a:r>
+            <a:endParaRPr lang="en-US" dirty="0"/>
+          </a:p>
+        </p:txBody>
+      </p:sp>
+      <p:sp>
+        <p:nvSpPr>
+          <p:cNvPr id="4" name="Rectangle 3">
+            <a:extLst>
+              <a:ext uri="{FF2B5EF4-FFF2-40B4-BE49-F238E27FC236}">
+                <a16:creationId xmlns:a16="http://schemas.microsoft.com/office/drawing/2014/main" id="{88C51B17-841A-46E2-872F-172068315415}"/>
+              </a:ext>
+            </a:extLst>
+          </p:cNvPr>
+          <p:cNvSpPr/>
+          <p:nvPr/>
+        </p:nvSpPr>
+        <p:spPr>
+          <a:xfrm>
+            <a:off x="3163553" y="2078200"/>
+            <a:ext cx="1694577" cy="914400"/>
+          </a:xfrm>
+          <a:prstGeom prst="rect">
+            <a:avLst/>
+          </a:prstGeom>
+        </p:spPr>
+        <p:style>
+          <a:lnRef idx="2">
+            <a:schemeClr val="accent1">
+              <a:shade val="50000"/>
+            </a:schemeClr>
+          </a:lnRef>
+          <a:fillRef idx="1">
+            <a:schemeClr val="accent1"/>
+          </a:fillRef>
+          <a:effectRef idx="0">
+            <a:schemeClr val="accent1"/>
+          </a:effectRef>
+          <a:fontRef idx="minor">
+            <a:schemeClr val="lt1"/>
+          </a:fontRef>
+        </p:style>
+        <p:txBody>
+          <a:bodyPr rtlCol="0" anchor="ctr"/>
+          <a:lstStyle/>
+          <a:p>
+            <a:pPr algn="ctr"/>
+            <a:r>
+              <a:rPr lang="en-US" dirty="0"/>
+              <a:t>Browser</a:t>
+            </a:r>
+          </a:p>
+        </p:txBody>
+      </p:sp>
+      <p:sp>
+        <p:nvSpPr>
+          <p:cNvPr id="5" name="Rectangle 4">
+            <a:extLst>
+              <a:ext uri="{FF2B5EF4-FFF2-40B4-BE49-F238E27FC236}">
+                <a16:creationId xmlns:a16="http://schemas.microsoft.com/office/drawing/2014/main" id="{FA8F3540-D742-42BE-9EAA-4C02A82CB697}"/>
+              </a:ext>
+            </a:extLst>
+          </p:cNvPr>
+          <p:cNvSpPr/>
+          <p:nvPr/>
+        </p:nvSpPr>
+        <p:spPr>
+          <a:xfrm>
+            <a:off x="9543554" y="1620410"/>
+            <a:ext cx="1284046" cy="418052"/>
+          </a:xfrm>
+          <a:prstGeom prst="rect">
+            <a:avLst/>
+          </a:prstGeom>
+        </p:spPr>
+        <p:style>
+          <a:lnRef idx="2">
+            <a:schemeClr val="accent1">
+              <a:shade val="50000"/>
+            </a:schemeClr>
+          </a:lnRef>
+          <a:fillRef idx="1">
+            <a:schemeClr val="accent1"/>
+          </a:fillRef>
+          <a:effectRef idx="0">
+            <a:schemeClr val="accent1"/>
+          </a:effectRef>
+          <a:fontRef idx="minor">
+            <a:schemeClr val="lt1"/>
+          </a:fontRef>
+        </p:style>
+        <p:txBody>
+          <a:bodyPr rtlCol="0" anchor="ctr"/>
+          <a:lstStyle/>
+          <a:p>
+            <a:pPr algn="ctr"/>
+            <a:r>
+              <a:rPr lang="en-US" dirty="0"/>
+              <a:t>Database</a:t>
+            </a:r>
+          </a:p>
+        </p:txBody>
+      </p:sp>
+      <p:sp>
+        <p:nvSpPr>
+          <p:cNvPr id="6" name="Rectangle 5">
+            <a:extLst>
+              <a:ext uri="{FF2B5EF4-FFF2-40B4-BE49-F238E27FC236}">
+                <a16:creationId xmlns:a16="http://schemas.microsoft.com/office/drawing/2014/main" id="{B6F45C07-DEF9-411F-94E7-0FAE33F5C591}"/>
+              </a:ext>
+            </a:extLst>
+          </p:cNvPr>
+          <p:cNvSpPr/>
+          <p:nvPr/>
+        </p:nvSpPr>
+        <p:spPr>
+          <a:xfrm>
+            <a:off x="9543553" y="2189462"/>
+            <a:ext cx="1284046" cy="418052"/>
+          </a:xfrm>
+          <a:prstGeom prst="rect">
+            <a:avLst/>
+          </a:prstGeom>
+        </p:spPr>
+        <p:style>
+          <a:lnRef idx="2">
+            <a:schemeClr val="accent1">
+              <a:shade val="50000"/>
+            </a:schemeClr>
+          </a:lnRef>
+          <a:fillRef idx="1">
+            <a:schemeClr val="accent1"/>
+          </a:fillRef>
+          <a:effectRef idx="0">
+            <a:schemeClr val="accent1"/>
+          </a:effectRef>
+          <a:fontRef idx="minor">
+            <a:schemeClr val="lt1"/>
+          </a:fontRef>
+        </p:style>
+        <p:txBody>
+          <a:bodyPr rtlCol="0" anchor="ctr"/>
+          <a:lstStyle/>
+          <a:p>
+            <a:pPr algn="ctr"/>
+            <a:r>
+              <a:rPr lang="en-US" dirty="0"/>
+              <a:t>ML Model</a:t>
+            </a:r>
+          </a:p>
+        </p:txBody>
+      </p:sp>
+      <p:sp>
+        <p:nvSpPr>
+          <p:cNvPr id="7" name="Rectangle 6">
+            <a:extLst>
+              <a:ext uri="{FF2B5EF4-FFF2-40B4-BE49-F238E27FC236}">
+                <a16:creationId xmlns:a16="http://schemas.microsoft.com/office/drawing/2014/main" id="{CC1A0E22-1A4F-4207-A04B-1F2885DD92EE}"/>
+              </a:ext>
+            </a:extLst>
+          </p:cNvPr>
+          <p:cNvSpPr/>
+          <p:nvPr/>
+        </p:nvSpPr>
+        <p:spPr>
+          <a:xfrm>
+            <a:off x="9543553" y="2749003"/>
+            <a:ext cx="1284046" cy="378171"/>
+          </a:xfrm>
+          <a:prstGeom prst="rect">
+            <a:avLst/>
+          </a:prstGeom>
+        </p:spPr>
+        <p:style>
+          <a:lnRef idx="2">
+            <a:schemeClr val="accent1">
+              <a:shade val="50000"/>
+            </a:schemeClr>
+          </a:lnRef>
+          <a:fillRef idx="1">
+            <a:schemeClr val="accent1"/>
+          </a:fillRef>
+          <a:effectRef idx="0">
+            <a:schemeClr val="accent1"/>
+          </a:effectRef>
+          <a:fontRef idx="minor">
+            <a:schemeClr val="lt1"/>
+          </a:fontRef>
+        </p:style>
+        <p:txBody>
+          <a:bodyPr rtlCol="0" anchor="ctr"/>
+          <a:lstStyle/>
+          <a:p>
+            <a:pPr algn="ctr"/>
+            <a:r>
+              <a:rPr lang="en-US" dirty="0"/>
+              <a:t>HTML Form</a:t>
+            </a:r>
+          </a:p>
+        </p:txBody>
+      </p:sp>
+      <p:sp>
+        <p:nvSpPr>
+          <p:cNvPr id="8" name="Oval 7">
+            <a:extLst>
+              <a:ext uri="{FF2B5EF4-FFF2-40B4-BE49-F238E27FC236}">
+                <a16:creationId xmlns:a16="http://schemas.microsoft.com/office/drawing/2014/main" id="{93A6ABAA-E1E1-447E-A3F9-AAB9E17D9795}"/>
+              </a:ext>
+            </a:extLst>
+          </p:cNvPr>
+          <p:cNvSpPr/>
+          <p:nvPr/>
+        </p:nvSpPr>
+        <p:spPr>
+          <a:xfrm>
+            <a:off x="5609008" y="2633090"/>
+            <a:ext cx="1501755" cy="585116"/>
+          </a:xfrm>
+          <a:prstGeom prst="ellipse">
+            <a:avLst/>
+          </a:prstGeom>
+        </p:spPr>
+        <p:style>
+          <a:lnRef idx="2">
+            <a:schemeClr val="accent1">
+              <a:shade val="50000"/>
+            </a:schemeClr>
+          </a:lnRef>
+          <a:fillRef idx="1">
+            <a:schemeClr val="accent1"/>
+          </a:fillRef>
+          <a:effectRef idx="0">
+            <a:schemeClr val="accent1"/>
+          </a:effectRef>
+          <a:fontRef idx="minor">
+            <a:schemeClr val="lt1"/>
+          </a:fontRef>
+        </p:style>
+        <p:txBody>
+          <a:bodyPr rtlCol="0" anchor="ctr"/>
+          <a:lstStyle/>
+          <a:p>
+            <a:pPr algn="ctr"/>
+            <a:r>
+              <a:rPr lang="en-US" dirty="0"/>
+              <a:t>Internet</a:t>
+            </a:r>
+          </a:p>
+        </p:txBody>
+      </p:sp>
+      <p:sp>
+        <p:nvSpPr>
+          <p:cNvPr id="9" name="Rectangle 8">
+            <a:extLst>
+              <a:ext uri="{FF2B5EF4-FFF2-40B4-BE49-F238E27FC236}">
+                <a16:creationId xmlns:a16="http://schemas.microsoft.com/office/drawing/2014/main" id="{3ADBF561-EC48-467F-8245-C363E6E6DA86}"/>
+              </a:ext>
+            </a:extLst>
+          </p:cNvPr>
+          <p:cNvSpPr/>
+          <p:nvPr/>
+        </p:nvSpPr>
+        <p:spPr>
+          <a:xfrm>
+            <a:off x="8139984" y="843272"/>
+            <a:ext cx="2894202" cy="2595360"/>
+          </a:xfrm>
+          <a:prstGeom prst="rect">
+            <a:avLst/>
+          </a:prstGeom>
+          <a:noFill/>
+        </p:spPr>
+        <p:style>
+          <a:lnRef idx="2">
+            <a:schemeClr val="accent1">
+              <a:shade val="50000"/>
+            </a:schemeClr>
+          </a:lnRef>
+          <a:fillRef idx="1">
+            <a:schemeClr val="accent1"/>
+          </a:fillRef>
+          <a:effectRef idx="0">
+            <a:schemeClr val="accent1"/>
+          </a:effectRef>
+          <a:fontRef idx="minor">
+            <a:schemeClr val="lt1"/>
+          </a:fontRef>
+        </p:style>
+        <p:txBody>
+          <a:bodyPr rtlCol="0" anchor="ctr"/>
+          <a:lstStyle/>
+          <a:p>
+            <a:pPr algn="ctr"/>
+            <a:endParaRPr lang="en-US"/>
+          </a:p>
+        </p:txBody>
+      </p:sp>
+      <p:sp>
+        <p:nvSpPr>
+          <p:cNvPr id="10" name="Content Placeholder 2">
+            <a:extLst>
+              <a:ext uri="{FF2B5EF4-FFF2-40B4-BE49-F238E27FC236}">
+                <a16:creationId xmlns:a16="http://schemas.microsoft.com/office/drawing/2014/main" id="{01FF1304-DECA-4F55-B6A1-076218B5F0C7}"/>
+              </a:ext>
+            </a:extLst>
+          </p:cNvPr>
+          <p:cNvSpPr txBox="1">
+            <a:spLocks/>
+          </p:cNvSpPr>
+          <p:nvPr/>
+        </p:nvSpPr>
+        <p:spPr>
+          <a:xfrm>
+            <a:off x="295391" y="2319861"/>
+            <a:ext cx="3102529" cy="568683"/>
+          </a:xfrm>
+          <a:prstGeom prst="rect">
+            <a:avLst/>
+          </a:prstGeom>
+        </p:spPr>
+        <p:txBody>
+          <a:bodyPr vert="horz" lIns="91440" tIns="45720" rIns="91440" bIns="45720" rtlCol="0">
+            <a:normAutofit/>
+          </a:bodyPr>
+          <a:lstStyle>
+            <a:lvl1pPr marL="228600" indent="-228600" algn="l" defTabSz="914400" rtl="0" eaLnBrk="1" latinLnBrk="0" hangingPunct="1">
+              <a:lnSpc>
+                <a:spcPct val="90000"/>
+              </a:lnSpc>
+              <a:spcBef>
+                <a:spcPts val="1000"/>
+              </a:spcBef>
+              <a:buFont typeface="Arial" panose="020B0604020202020204" pitchFamily="34" charset="0"/>
+              <a:buChar char="•"/>
+              <a:defRPr sz="2800" kern="1200">
+                <a:solidFill>
+                  <a:schemeClr val="tx1"/>
+                </a:solidFill>
+                <a:latin typeface="+mn-lt"/>
+                <a:ea typeface="+mn-ea"/>
+                <a:cs typeface="+mn-cs"/>
+              </a:defRPr>
+            </a:lvl1pPr>
+            <a:lvl2pPr marL="685800" indent="-228600" algn="l" defTabSz="914400" rtl="0" eaLnBrk="1" latinLnBrk="0" hangingPunct="1">
+              <a:lnSpc>
+                <a:spcPct val="90000"/>
+              </a:lnSpc>
+              <a:spcBef>
+                <a:spcPts val="500"/>
+              </a:spcBef>
+              <a:buFont typeface="Arial" panose="020B0604020202020204" pitchFamily="34" charset="0"/>
+              <a:buChar char="•"/>
+              <a:defRPr sz="2400" kern="1200">
+                <a:solidFill>
+                  <a:schemeClr val="tx1"/>
+                </a:solidFill>
+                <a:latin typeface="+mn-lt"/>
+                <a:ea typeface="+mn-ea"/>
+                <a:cs typeface="+mn-cs"/>
+              </a:defRPr>
+            </a:lvl2pPr>
+            <a:lvl3pPr marL="1143000" indent="-228600" algn="l" defTabSz="914400" rtl="0" eaLnBrk="1" latinLnBrk="0" hangingPunct="1">
+              <a:lnSpc>
+                <a:spcPct val="90000"/>
+              </a:lnSpc>
+              <a:spcBef>
+                <a:spcPts val="500"/>
+              </a:spcBef>
+              <a:buFont typeface="Arial" panose="020B0604020202020204" pitchFamily="34" charset="0"/>
+              <a:buChar char="•"/>
+              <a:defRPr sz="2000" kern="1200">
+                <a:solidFill>
+                  <a:schemeClr val="tx1"/>
+                </a:solidFill>
+                <a:latin typeface="+mn-lt"/>
+                <a:ea typeface="+mn-ea"/>
+                <a:cs typeface="+mn-cs"/>
+              </a:defRPr>
+            </a:lvl3pPr>
+            <a:lvl4pPr marL="1600200" indent="-228600" algn="l" defTabSz="914400" rtl="0" eaLnBrk="1" latinLnBrk="0" hangingPunct="1">
+              <a:lnSpc>
+                <a:spcPct val="90000"/>
+              </a:lnSpc>
+              <a:spcBef>
+                <a:spcPts val="500"/>
+              </a:spcBef>
+              <a:buFont typeface="Arial" panose="020B0604020202020204" pitchFamily="34" charset="0"/>
+              <a:buChar char="•"/>
+              <a:defRPr sz="1800" kern="1200">
+                <a:solidFill>
+                  <a:schemeClr val="tx1"/>
+                </a:solidFill>
+                <a:latin typeface="+mn-lt"/>
+                <a:ea typeface="+mn-ea"/>
+                <a:cs typeface="+mn-cs"/>
+              </a:defRPr>
+            </a:lvl4pPr>
+            <a:lvl5pPr marL="2057400" indent="-228600" algn="l" defTabSz="914400" rtl="0" eaLnBrk="1" latinLnBrk="0" hangingPunct="1">
+              <a:lnSpc>
+                <a:spcPct val="90000"/>
+              </a:lnSpc>
+              <a:spcBef>
+                <a:spcPts val="500"/>
+              </a:spcBef>
+              <a:buFont typeface="Arial" panose="020B0604020202020204" pitchFamily="34" charset="0"/>
+              <a:buChar char="•"/>
+              <a:defRPr sz="1800" kern="1200">
+                <a:solidFill>
+                  <a:schemeClr val="tx1"/>
+                </a:solidFill>
+                <a:latin typeface="+mn-lt"/>
+                <a:ea typeface="+mn-ea"/>
+                <a:cs typeface="+mn-cs"/>
+              </a:defRPr>
+            </a:lvl5pPr>
+            <a:lvl6pPr marL="2514600" indent="-228600" algn="l" defTabSz="914400" rtl="0" eaLnBrk="1" latinLnBrk="0" hangingPunct="1">
+              <a:lnSpc>
+                <a:spcPct val="90000"/>
+              </a:lnSpc>
+              <a:spcBef>
+                <a:spcPts val="500"/>
+              </a:spcBef>
+              <a:buFont typeface="Arial" panose="020B0604020202020204" pitchFamily="34" charset="0"/>
+              <a:buChar char="•"/>
+              <a:defRPr sz="1800" kern="1200">
+                <a:solidFill>
+                  <a:schemeClr val="tx1"/>
+                </a:solidFill>
+                <a:latin typeface="+mn-lt"/>
+                <a:ea typeface="+mn-ea"/>
+                <a:cs typeface="+mn-cs"/>
+              </a:defRPr>
+            </a:lvl6pPr>
+            <a:lvl7pPr marL="2971800" indent="-228600" algn="l" defTabSz="914400" rtl="0" eaLnBrk="1" latinLnBrk="0" hangingPunct="1">
+              <a:lnSpc>
+                <a:spcPct val="90000"/>
+              </a:lnSpc>
+              <a:spcBef>
+                <a:spcPts val="500"/>
+              </a:spcBef>
+              <a:buFont typeface="Arial" panose="020B0604020202020204" pitchFamily="34" charset="0"/>
+              <a:buChar char="•"/>
+              <a:defRPr sz="1800" kern="1200">
+                <a:solidFill>
+                  <a:schemeClr val="tx1"/>
+                </a:solidFill>
+                <a:latin typeface="+mn-lt"/>
+                <a:ea typeface="+mn-ea"/>
+                <a:cs typeface="+mn-cs"/>
+              </a:defRPr>
+            </a:lvl7pPr>
+            <a:lvl8pPr marL="3429000" indent="-228600" algn="l" defTabSz="914400" rtl="0" eaLnBrk="1" latinLnBrk="0" hangingPunct="1">
+              <a:lnSpc>
+                <a:spcPct val="90000"/>
+              </a:lnSpc>
+              <a:spcBef>
+                <a:spcPts val="500"/>
+              </a:spcBef>
+              <a:buFont typeface="Arial" panose="020B0604020202020204" pitchFamily="34" charset="0"/>
+              <a:buChar char="•"/>
+              <a:defRPr sz="1800" kern="1200">
+                <a:solidFill>
+                  <a:schemeClr val="tx1"/>
+                </a:solidFill>
+                <a:latin typeface="+mn-lt"/>
+                <a:ea typeface="+mn-ea"/>
+                <a:cs typeface="+mn-cs"/>
+              </a:defRPr>
+            </a:lvl8pPr>
+            <a:lvl9pPr marL="3886200" indent="-228600" algn="l" defTabSz="914400" rtl="0" eaLnBrk="1" latinLnBrk="0" hangingPunct="1">
+              <a:lnSpc>
+                <a:spcPct val="90000"/>
+              </a:lnSpc>
+              <a:spcBef>
+                <a:spcPts val="500"/>
+              </a:spcBef>
+              <a:buFont typeface="Arial" panose="020B0604020202020204" pitchFamily="34" charset="0"/>
+              <a:buChar char="•"/>
+              <a:defRPr sz="1800" kern="1200">
+                <a:solidFill>
+                  <a:schemeClr val="tx1"/>
+                </a:solidFill>
+                <a:latin typeface="+mn-lt"/>
+                <a:ea typeface="+mn-ea"/>
+                <a:cs typeface="+mn-cs"/>
+              </a:defRPr>
+            </a:lvl9pPr>
+          </a:lstStyle>
+          <a:p>
+            <a:pPr marL="0" indent="0">
+              <a:buFont typeface="Arial" panose="020B0604020202020204" pitchFamily="34" charset="0"/>
+              <a:buNone/>
+            </a:pPr>
+            <a:r>
+              <a:rPr lang="en-US" dirty="0"/>
+              <a:t>Game Application</a:t>
+            </a:r>
+          </a:p>
+        </p:txBody>
+      </p:sp>
+      <p:sp>
+        <p:nvSpPr>
+          <p:cNvPr id="13" name="Content Placeholder 2">
+            <a:extLst>
+              <a:ext uri="{FF2B5EF4-FFF2-40B4-BE49-F238E27FC236}">
+                <a16:creationId xmlns:a16="http://schemas.microsoft.com/office/drawing/2014/main" id="{A285C4B5-ADAC-4F21-B077-BB4EC8362122}"/>
+              </a:ext>
+            </a:extLst>
+          </p:cNvPr>
+          <p:cNvSpPr txBox="1">
+            <a:spLocks/>
+          </p:cNvSpPr>
+          <p:nvPr/>
+        </p:nvSpPr>
+        <p:spPr>
+          <a:xfrm>
+            <a:off x="5046695" y="2291824"/>
+            <a:ext cx="2827435" cy="568683"/>
+          </a:xfrm>
+          <a:prstGeom prst="rect">
+            <a:avLst/>
+          </a:prstGeom>
+        </p:spPr>
+        <p:txBody>
+          <a:bodyPr vert="horz" lIns="91440" tIns="45720" rIns="91440" bIns="45720" rtlCol="0">
+            <a:normAutofit/>
+          </a:bodyPr>
+          <a:lstStyle>
+            <a:lvl1pPr marL="228600" indent="-228600" algn="l" defTabSz="914400" rtl="0" eaLnBrk="1" latinLnBrk="0" hangingPunct="1">
+              <a:lnSpc>
+                <a:spcPct val="90000"/>
+              </a:lnSpc>
+              <a:spcBef>
+                <a:spcPts val="1000"/>
+              </a:spcBef>
+              <a:buFont typeface="Arial" panose="020B0604020202020204" pitchFamily="34" charset="0"/>
+              <a:buChar char="•"/>
+              <a:defRPr sz="2800" kern="1200">
+                <a:solidFill>
+                  <a:schemeClr val="tx1"/>
+                </a:solidFill>
+                <a:latin typeface="+mn-lt"/>
+                <a:ea typeface="+mn-ea"/>
+                <a:cs typeface="+mn-cs"/>
+              </a:defRPr>
+            </a:lvl1pPr>
+            <a:lvl2pPr marL="685800" indent="-228600" algn="l" defTabSz="914400" rtl="0" eaLnBrk="1" latinLnBrk="0" hangingPunct="1">
+              <a:lnSpc>
+                <a:spcPct val="90000"/>
+              </a:lnSpc>
+              <a:spcBef>
+                <a:spcPts val="500"/>
+              </a:spcBef>
+              <a:buFont typeface="Arial" panose="020B0604020202020204" pitchFamily="34" charset="0"/>
+              <a:buChar char="•"/>
+              <a:defRPr sz="2400" kern="1200">
+                <a:solidFill>
+                  <a:schemeClr val="tx1"/>
+                </a:solidFill>
+                <a:latin typeface="+mn-lt"/>
+                <a:ea typeface="+mn-ea"/>
+                <a:cs typeface="+mn-cs"/>
+              </a:defRPr>
+            </a:lvl2pPr>
+            <a:lvl3pPr marL="1143000" indent="-228600" algn="l" defTabSz="914400" rtl="0" eaLnBrk="1" latinLnBrk="0" hangingPunct="1">
+              <a:lnSpc>
+                <a:spcPct val="90000"/>
+              </a:lnSpc>
+              <a:spcBef>
+                <a:spcPts val="500"/>
+              </a:spcBef>
+              <a:buFont typeface="Arial" panose="020B0604020202020204" pitchFamily="34" charset="0"/>
+              <a:buChar char="•"/>
+              <a:defRPr sz="2000" kern="1200">
+                <a:solidFill>
+                  <a:schemeClr val="tx1"/>
+                </a:solidFill>
+                <a:latin typeface="+mn-lt"/>
+                <a:ea typeface="+mn-ea"/>
+                <a:cs typeface="+mn-cs"/>
+              </a:defRPr>
+            </a:lvl3pPr>
+            <a:lvl4pPr marL="1600200" indent="-228600" algn="l" defTabSz="914400" rtl="0" eaLnBrk="1" latinLnBrk="0" hangingPunct="1">
+              <a:lnSpc>
+                <a:spcPct val="90000"/>
+              </a:lnSpc>
+              <a:spcBef>
+                <a:spcPts val="500"/>
+              </a:spcBef>
+              <a:buFont typeface="Arial" panose="020B0604020202020204" pitchFamily="34" charset="0"/>
+              <a:buChar char="•"/>
+              <a:defRPr sz="1800" kern="1200">
+                <a:solidFill>
+                  <a:schemeClr val="tx1"/>
+                </a:solidFill>
+                <a:latin typeface="+mn-lt"/>
+                <a:ea typeface="+mn-ea"/>
+                <a:cs typeface="+mn-cs"/>
+              </a:defRPr>
+            </a:lvl4pPr>
+            <a:lvl5pPr marL="2057400" indent="-228600" algn="l" defTabSz="914400" rtl="0" eaLnBrk="1" latinLnBrk="0" hangingPunct="1">
+              <a:lnSpc>
+                <a:spcPct val="90000"/>
+              </a:lnSpc>
+              <a:spcBef>
+                <a:spcPts val="500"/>
+              </a:spcBef>
+              <a:buFont typeface="Arial" panose="020B0604020202020204" pitchFamily="34" charset="0"/>
+              <a:buChar char="•"/>
+              <a:defRPr sz="1800" kern="1200">
+                <a:solidFill>
+                  <a:schemeClr val="tx1"/>
+                </a:solidFill>
+                <a:latin typeface="+mn-lt"/>
+                <a:ea typeface="+mn-ea"/>
+                <a:cs typeface="+mn-cs"/>
+              </a:defRPr>
+            </a:lvl5pPr>
+            <a:lvl6pPr marL="2514600" indent="-228600" algn="l" defTabSz="914400" rtl="0" eaLnBrk="1" latinLnBrk="0" hangingPunct="1">
+              <a:lnSpc>
+                <a:spcPct val="90000"/>
+              </a:lnSpc>
+              <a:spcBef>
+                <a:spcPts val="500"/>
+              </a:spcBef>
+              <a:buFont typeface="Arial" panose="020B0604020202020204" pitchFamily="34" charset="0"/>
+              <a:buChar char="•"/>
+              <a:defRPr sz="1800" kern="1200">
+                <a:solidFill>
+                  <a:schemeClr val="tx1"/>
+                </a:solidFill>
+                <a:latin typeface="+mn-lt"/>
+                <a:ea typeface="+mn-ea"/>
+                <a:cs typeface="+mn-cs"/>
+              </a:defRPr>
+            </a:lvl6pPr>
+            <a:lvl7pPr marL="2971800" indent="-228600" algn="l" defTabSz="914400" rtl="0" eaLnBrk="1" latinLnBrk="0" hangingPunct="1">
+              <a:lnSpc>
+                <a:spcPct val="90000"/>
+              </a:lnSpc>
+              <a:spcBef>
+                <a:spcPts val="500"/>
+              </a:spcBef>
+              <a:buFont typeface="Arial" panose="020B0604020202020204" pitchFamily="34" charset="0"/>
+              <a:buChar char="•"/>
+              <a:defRPr sz="1800" kern="1200">
+                <a:solidFill>
+                  <a:schemeClr val="tx1"/>
+                </a:solidFill>
+                <a:latin typeface="+mn-lt"/>
+                <a:ea typeface="+mn-ea"/>
+                <a:cs typeface="+mn-cs"/>
+              </a:defRPr>
+            </a:lvl7pPr>
+            <a:lvl8pPr marL="3429000" indent="-228600" algn="l" defTabSz="914400" rtl="0" eaLnBrk="1" latinLnBrk="0" hangingPunct="1">
+              <a:lnSpc>
+                <a:spcPct val="90000"/>
+              </a:lnSpc>
+              <a:spcBef>
+                <a:spcPts val="500"/>
+              </a:spcBef>
+              <a:buFont typeface="Arial" panose="020B0604020202020204" pitchFamily="34" charset="0"/>
+              <a:buChar char="•"/>
+              <a:defRPr sz="1800" kern="1200">
+                <a:solidFill>
+                  <a:schemeClr val="tx1"/>
+                </a:solidFill>
+                <a:latin typeface="+mn-lt"/>
+                <a:ea typeface="+mn-ea"/>
+                <a:cs typeface="+mn-cs"/>
+              </a:defRPr>
+            </a:lvl8pPr>
+            <a:lvl9pPr marL="3886200" indent="-228600" algn="l" defTabSz="914400" rtl="0" eaLnBrk="1" latinLnBrk="0" hangingPunct="1">
+              <a:lnSpc>
+                <a:spcPct val="90000"/>
+              </a:lnSpc>
+              <a:spcBef>
+                <a:spcPts val="500"/>
+              </a:spcBef>
+              <a:buFont typeface="Arial" panose="020B0604020202020204" pitchFamily="34" charset="0"/>
+              <a:buChar char="•"/>
+              <a:defRPr sz="1800" kern="1200">
+                <a:solidFill>
+                  <a:schemeClr val="tx1"/>
+                </a:solidFill>
+                <a:latin typeface="+mn-lt"/>
+                <a:ea typeface="+mn-ea"/>
+                <a:cs typeface="+mn-cs"/>
+              </a:defRPr>
+            </a:lvl9pPr>
+          </a:lstStyle>
+          <a:p>
+            <a:pPr marL="0" indent="0">
+              <a:buFont typeface="Arial" panose="020B0604020202020204" pitchFamily="34" charset="0"/>
+              <a:buNone/>
+            </a:pPr>
+            <a:r>
+              <a:rPr lang="en-US" sz="1800" dirty="0"/>
+              <a:t>GET, POST  site.com/home</a:t>
+            </a:r>
+          </a:p>
+        </p:txBody>
+      </p:sp>
+      <p:sp>
+        <p:nvSpPr>
+          <p:cNvPr id="14" name="Rectangle 13">
+            <a:extLst>
+              <a:ext uri="{FF2B5EF4-FFF2-40B4-BE49-F238E27FC236}">
+                <a16:creationId xmlns:a16="http://schemas.microsoft.com/office/drawing/2014/main" id="{18D70788-A511-4004-BEFE-1E11426D4662}"/>
+              </a:ext>
+            </a:extLst>
+          </p:cNvPr>
+          <p:cNvSpPr/>
+          <p:nvPr/>
+        </p:nvSpPr>
+        <p:spPr>
+          <a:xfrm>
+            <a:off x="8335006" y="1620410"/>
+            <a:ext cx="591429" cy="824506"/>
+          </a:xfrm>
+          <a:prstGeom prst="rect">
+            <a:avLst/>
+          </a:prstGeom>
+        </p:spPr>
+        <p:style>
+          <a:lnRef idx="2">
+            <a:schemeClr val="accent1">
+              <a:shade val="50000"/>
+            </a:schemeClr>
+          </a:lnRef>
+          <a:fillRef idx="1">
+            <a:schemeClr val="accent1"/>
+          </a:fillRef>
+          <a:effectRef idx="0">
+            <a:schemeClr val="accent1"/>
+          </a:effectRef>
+          <a:fontRef idx="minor">
+            <a:schemeClr val="lt1"/>
+          </a:fontRef>
+        </p:style>
+        <p:txBody>
+          <a:bodyPr rtlCol="0" anchor="ctr"/>
+          <a:lstStyle/>
+          <a:p>
+            <a:pPr algn="ctr"/>
+            <a:r>
+              <a:rPr lang="en-US" sz="1400" dirty="0"/>
+              <a:t>http </a:t>
+            </a:r>
+            <a:r>
+              <a:rPr lang="en-US" sz="1400" dirty="0" err="1"/>
+              <a:t>urls</a:t>
+            </a:r>
+            <a:endParaRPr lang="en-US" sz="1400" dirty="0"/>
+          </a:p>
+        </p:txBody>
+      </p:sp>
+      <p:cxnSp>
+        <p:nvCxnSpPr>
+          <p:cNvPr id="18" name="Straight Connector 17">
+            <a:extLst>
+              <a:ext uri="{FF2B5EF4-FFF2-40B4-BE49-F238E27FC236}">
+                <a16:creationId xmlns:a16="http://schemas.microsoft.com/office/drawing/2014/main" id="{79A3F22A-CDC0-4ED5-BEAA-941F86C0ABD3}"/>
+              </a:ext>
+            </a:extLst>
+          </p:cNvPr>
+          <p:cNvCxnSpPr>
+            <a:cxnSpLocks/>
+            <a:stCxn id="4" idx="3"/>
+            <a:endCxn id="8" idx="2"/>
+          </p:cNvCxnSpPr>
+          <p:nvPr/>
+        </p:nvCxnSpPr>
+        <p:spPr>
+          <a:xfrm>
+            <a:off x="4858130" y="2535400"/>
+            <a:ext cx="750878" cy="390248"/>
+          </a:xfrm>
+          <a:prstGeom prst="line">
+            <a:avLst/>
+          </a:prstGeom>
+        </p:spPr>
+        <p:style>
+          <a:lnRef idx="1">
+            <a:schemeClr val="accent1"/>
+          </a:lnRef>
+          <a:fillRef idx="0">
+            <a:schemeClr val="accent1"/>
+          </a:fillRef>
+          <a:effectRef idx="0">
+            <a:schemeClr val="accent1"/>
+          </a:effectRef>
+          <a:fontRef idx="minor">
+            <a:schemeClr val="tx1"/>
+          </a:fontRef>
+        </p:style>
+      </p:cxnSp>
+      <p:cxnSp>
+        <p:nvCxnSpPr>
+          <p:cNvPr id="22" name="Straight Connector 21">
+            <a:extLst>
+              <a:ext uri="{FF2B5EF4-FFF2-40B4-BE49-F238E27FC236}">
+                <a16:creationId xmlns:a16="http://schemas.microsoft.com/office/drawing/2014/main" id="{B2C6BC92-B088-4A57-8CD8-378B7B875C5B}"/>
+              </a:ext>
+            </a:extLst>
+          </p:cNvPr>
+          <p:cNvCxnSpPr>
+            <a:cxnSpLocks/>
+            <a:stCxn id="14" idx="1"/>
+            <a:endCxn id="8" idx="6"/>
+          </p:cNvCxnSpPr>
+          <p:nvPr/>
+        </p:nvCxnSpPr>
+        <p:spPr>
+          <a:xfrm flipH="1">
+            <a:off x="7110763" y="2032663"/>
+            <a:ext cx="1224243" cy="892985"/>
+          </a:xfrm>
+          <a:prstGeom prst="line">
+            <a:avLst/>
+          </a:prstGeom>
+        </p:spPr>
+        <p:style>
+          <a:lnRef idx="1">
+            <a:schemeClr val="accent1"/>
+          </a:lnRef>
+          <a:fillRef idx="0">
+            <a:schemeClr val="accent1"/>
+          </a:fillRef>
+          <a:effectRef idx="0">
+            <a:schemeClr val="accent1"/>
+          </a:effectRef>
+          <a:fontRef idx="minor">
+            <a:schemeClr val="tx1"/>
+          </a:fontRef>
+        </p:style>
+      </p:cxnSp>
+      <p:cxnSp>
+        <p:nvCxnSpPr>
+          <p:cNvPr id="23" name="Straight Connector 22">
+            <a:extLst>
+              <a:ext uri="{FF2B5EF4-FFF2-40B4-BE49-F238E27FC236}">
+                <a16:creationId xmlns:a16="http://schemas.microsoft.com/office/drawing/2014/main" id="{0806B4DF-ECC8-4DD1-A3FB-D64807D022FC}"/>
+              </a:ext>
+            </a:extLst>
+          </p:cNvPr>
+          <p:cNvCxnSpPr>
+            <a:cxnSpLocks/>
+            <a:stCxn id="5" idx="1"/>
+            <a:endCxn id="14" idx="3"/>
+          </p:cNvCxnSpPr>
+          <p:nvPr/>
+        </p:nvCxnSpPr>
+        <p:spPr>
+          <a:xfrm flipH="1">
+            <a:off x="8926435" y="1829436"/>
+            <a:ext cx="617119" cy="203227"/>
+          </a:xfrm>
+          <a:prstGeom prst="line">
+            <a:avLst/>
+          </a:prstGeom>
+        </p:spPr>
+        <p:style>
+          <a:lnRef idx="1">
+            <a:schemeClr val="accent1"/>
+          </a:lnRef>
+          <a:fillRef idx="0">
+            <a:schemeClr val="accent1"/>
+          </a:fillRef>
+          <a:effectRef idx="0">
+            <a:schemeClr val="accent1"/>
+          </a:effectRef>
+          <a:fontRef idx="minor">
+            <a:schemeClr val="tx1"/>
+          </a:fontRef>
+        </p:style>
+      </p:cxnSp>
+      <p:cxnSp>
+        <p:nvCxnSpPr>
+          <p:cNvPr id="25" name="Straight Connector 24">
+            <a:extLst>
+              <a:ext uri="{FF2B5EF4-FFF2-40B4-BE49-F238E27FC236}">
+                <a16:creationId xmlns:a16="http://schemas.microsoft.com/office/drawing/2014/main" id="{4DDF0419-07C2-4433-924A-43DCB8870581}"/>
+              </a:ext>
+            </a:extLst>
+          </p:cNvPr>
+          <p:cNvCxnSpPr>
+            <a:cxnSpLocks/>
+            <a:stCxn id="6" idx="1"/>
+            <a:endCxn id="14" idx="3"/>
+          </p:cNvCxnSpPr>
+          <p:nvPr/>
+        </p:nvCxnSpPr>
+        <p:spPr>
+          <a:xfrm flipH="1" flipV="1">
+            <a:off x="8926435" y="2032663"/>
+            <a:ext cx="617118" cy="365825"/>
+          </a:xfrm>
+          <a:prstGeom prst="line">
+            <a:avLst/>
+          </a:prstGeom>
+        </p:spPr>
+        <p:style>
+          <a:lnRef idx="1">
+            <a:schemeClr val="accent1"/>
+          </a:lnRef>
+          <a:fillRef idx="0">
+            <a:schemeClr val="accent1"/>
+          </a:fillRef>
+          <a:effectRef idx="0">
+            <a:schemeClr val="accent1"/>
+          </a:effectRef>
+          <a:fontRef idx="minor">
+            <a:schemeClr val="tx1"/>
+          </a:fontRef>
+        </p:style>
+      </p:cxnSp>
+      <p:sp>
+        <p:nvSpPr>
+          <p:cNvPr id="28" name="Content Placeholder 2">
+            <a:extLst>
+              <a:ext uri="{FF2B5EF4-FFF2-40B4-BE49-F238E27FC236}">
+                <a16:creationId xmlns:a16="http://schemas.microsoft.com/office/drawing/2014/main" id="{B4AC751D-38C1-44B8-9F11-9155EACEF493}"/>
+              </a:ext>
+            </a:extLst>
+          </p:cNvPr>
+          <p:cNvSpPr txBox="1">
+            <a:spLocks/>
+          </p:cNvSpPr>
+          <p:nvPr/>
+        </p:nvSpPr>
+        <p:spPr>
+          <a:xfrm>
+            <a:off x="8297001" y="943706"/>
+            <a:ext cx="2737185" cy="568683"/>
+          </a:xfrm>
+          <a:prstGeom prst="rect">
+            <a:avLst/>
+          </a:prstGeom>
+        </p:spPr>
+        <p:txBody>
+          <a:bodyPr vert="horz" lIns="91440" tIns="45720" rIns="91440" bIns="45720" rtlCol="0">
+            <a:normAutofit/>
+          </a:bodyPr>
+          <a:lstStyle>
+            <a:lvl1pPr marL="228600" indent="-228600" algn="l" defTabSz="914400" rtl="0" eaLnBrk="1" latinLnBrk="0" hangingPunct="1">
+              <a:lnSpc>
+                <a:spcPct val="90000"/>
+              </a:lnSpc>
+              <a:spcBef>
+                <a:spcPts val="1000"/>
+              </a:spcBef>
+              <a:buFont typeface="Arial" panose="020B0604020202020204" pitchFamily="34" charset="0"/>
+              <a:buChar char="•"/>
+              <a:defRPr sz="2800" kern="1200">
+                <a:solidFill>
+                  <a:schemeClr val="tx1"/>
+                </a:solidFill>
+                <a:latin typeface="+mn-lt"/>
+                <a:ea typeface="+mn-ea"/>
+                <a:cs typeface="+mn-cs"/>
+              </a:defRPr>
+            </a:lvl1pPr>
+            <a:lvl2pPr marL="685800" indent="-228600" algn="l" defTabSz="914400" rtl="0" eaLnBrk="1" latinLnBrk="0" hangingPunct="1">
+              <a:lnSpc>
+                <a:spcPct val="90000"/>
+              </a:lnSpc>
+              <a:spcBef>
+                <a:spcPts val="500"/>
+              </a:spcBef>
+              <a:buFont typeface="Arial" panose="020B0604020202020204" pitchFamily="34" charset="0"/>
+              <a:buChar char="•"/>
+              <a:defRPr sz="2400" kern="1200">
+                <a:solidFill>
+                  <a:schemeClr val="tx1"/>
+                </a:solidFill>
+                <a:latin typeface="+mn-lt"/>
+                <a:ea typeface="+mn-ea"/>
+                <a:cs typeface="+mn-cs"/>
+              </a:defRPr>
+            </a:lvl2pPr>
+            <a:lvl3pPr marL="1143000" indent="-228600" algn="l" defTabSz="914400" rtl="0" eaLnBrk="1" latinLnBrk="0" hangingPunct="1">
+              <a:lnSpc>
+                <a:spcPct val="90000"/>
+              </a:lnSpc>
+              <a:spcBef>
+                <a:spcPts val="500"/>
+              </a:spcBef>
+              <a:buFont typeface="Arial" panose="020B0604020202020204" pitchFamily="34" charset="0"/>
+              <a:buChar char="•"/>
+              <a:defRPr sz="2000" kern="1200">
+                <a:solidFill>
+                  <a:schemeClr val="tx1"/>
+                </a:solidFill>
+                <a:latin typeface="+mn-lt"/>
+                <a:ea typeface="+mn-ea"/>
+                <a:cs typeface="+mn-cs"/>
+              </a:defRPr>
+            </a:lvl3pPr>
+            <a:lvl4pPr marL="1600200" indent="-228600" algn="l" defTabSz="914400" rtl="0" eaLnBrk="1" latinLnBrk="0" hangingPunct="1">
+              <a:lnSpc>
+                <a:spcPct val="90000"/>
+              </a:lnSpc>
+              <a:spcBef>
+                <a:spcPts val="500"/>
+              </a:spcBef>
+              <a:buFont typeface="Arial" panose="020B0604020202020204" pitchFamily="34" charset="0"/>
+              <a:buChar char="•"/>
+              <a:defRPr sz="1800" kern="1200">
+                <a:solidFill>
+                  <a:schemeClr val="tx1"/>
+                </a:solidFill>
+                <a:latin typeface="+mn-lt"/>
+                <a:ea typeface="+mn-ea"/>
+                <a:cs typeface="+mn-cs"/>
+              </a:defRPr>
+            </a:lvl4pPr>
+            <a:lvl5pPr marL="2057400" indent="-228600" algn="l" defTabSz="914400" rtl="0" eaLnBrk="1" latinLnBrk="0" hangingPunct="1">
+              <a:lnSpc>
+                <a:spcPct val="90000"/>
+              </a:lnSpc>
+              <a:spcBef>
+                <a:spcPts val="500"/>
+              </a:spcBef>
+              <a:buFont typeface="Arial" panose="020B0604020202020204" pitchFamily="34" charset="0"/>
+              <a:buChar char="•"/>
+              <a:defRPr sz="1800" kern="1200">
+                <a:solidFill>
+                  <a:schemeClr val="tx1"/>
+                </a:solidFill>
+                <a:latin typeface="+mn-lt"/>
+                <a:ea typeface="+mn-ea"/>
+                <a:cs typeface="+mn-cs"/>
+              </a:defRPr>
+            </a:lvl5pPr>
+            <a:lvl6pPr marL="2514600" indent="-228600" algn="l" defTabSz="914400" rtl="0" eaLnBrk="1" latinLnBrk="0" hangingPunct="1">
+              <a:lnSpc>
+                <a:spcPct val="90000"/>
+              </a:lnSpc>
+              <a:spcBef>
+                <a:spcPts val="500"/>
+              </a:spcBef>
+              <a:buFont typeface="Arial" panose="020B0604020202020204" pitchFamily="34" charset="0"/>
+              <a:buChar char="•"/>
+              <a:defRPr sz="1800" kern="1200">
+                <a:solidFill>
+                  <a:schemeClr val="tx1"/>
+                </a:solidFill>
+                <a:latin typeface="+mn-lt"/>
+                <a:ea typeface="+mn-ea"/>
+                <a:cs typeface="+mn-cs"/>
+              </a:defRPr>
+            </a:lvl6pPr>
+            <a:lvl7pPr marL="2971800" indent="-228600" algn="l" defTabSz="914400" rtl="0" eaLnBrk="1" latinLnBrk="0" hangingPunct="1">
+              <a:lnSpc>
+                <a:spcPct val="90000"/>
+              </a:lnSpc>
+              <a:spcBef>
+                <a:spcPts val="500"/>
+              </a:spcBef>
+              <a:buFont typeface="Arial" panose="020B0604020202020204" pitchFamily="34" charset="0"/>
+              <a:buChar char="•"/>
+              <a:defRPr sz="1800" kern="1200">
+                <a:solidFill>
+                  <a:schemeClr val="tx1"/>
+                </a:solidFill>
+                <a:latin typeface="+mn-lt"/>
+                <a:ea typeface="+mn-ea"/>
+                <a:cs typeface="+mn-cs"/>
+              </a:defRPr>
+            </a:lvl7pPr>
+            <a:lvl8pPr marL="3429000" indent="-228600" algn="l" defTabSz="914400" rtl="0" eaLnBrk="1" latinLnBrk="0" hangingPunct="1">
+              <a:lnSpc>
+                <a:spcPct val="90000"/>
+              </a:lnSpc>
+              <a:spcBef>
+                <a:spcPts val="500"/>
+              </a:spcBef>
+              <a:buFont typeface="Arial" panose="020B0604020202020204" pitchFamily="34" charset="0"/>
+              <a:buChar char="•"/>
+              <a:defRPr sz="1800" kern="1200">
+                <a:solidFill>
+                  <a:schemeClr val="tx1"/>
+                </a:solidFill>
+                <a:latin typeface="+mn-lt"/>
+                <a:ea typeface="+mn-ea"/>
+                <a:cs typeface="+mn-cs"/>
+              </a:defRPr>
+            </a:lvl8pPr>
+            <a:lvl9pPr marL="3886200" indent="-228600" algn="l" defTabSz="914400" rtl="0" eaLnBrk="1" latinLnBrk="0" hangingPunct="1">
+              <a:lnSpc>
+                <a:spcPct val="90000"/>
+              </a:lnSpc>
+              <a:spcBef>
+                <a:spcPts val="500"/>
+              </a:spcBef>
+              <a:buFont typeface="Arial" panose="020B0604020202020204" pitchFamily="34" charset="0"/>
+              <a:buChar char="•"/>
+              <a:defRPr sz="1800" kern="1200">
+                <a:solidFill>
+                  <a:schemeClr val="tx1"/>
+                </a:solidFill>
+                <a:latin typeface="+mn-lt"/>
+                <a:ea typeface="+mn-ea"/>
+                <a:cs typeface="+mn-cs"/>
+              </a:defRPr>
+            </a:lvl9pPr>
+          </a:lstStyle>
+          <a:p>
+            <a:pPr marL="0" indent="0">
+              <a:buFont typeface="Arial" panose="020B0604020202020204" pitchFamily="34" charset="0"/>
+              <a:buNone/>
+            </a:pPr>
+            <a:r>
+              <a:rPr lang="en-US" dirty="0"/>
+              <a:t>Our DB, App, ML</a:t>
+            </a:r>
+          </a:p>
+        </p:txBody>
+      </p:sp>
+      <p:cxnSp>
+        <p:nvCxnSpPr>
+          <p:cNvPr id="95" name="Straight Connector 94">
+            <a:extLst>
+              <a:ext uri="{FF2B5EF4-FFF2-40B4-BE49-F238E27FC236}">
+                <a16:creationId xmlns:a16="http://schemas.microsoft.com/office/drawing/2014/main" id="{25A67F01-22D8-43DC-868C-AD8173DC2CCB}"/>
+              </a:ext>
+            </a:extLst>
+          </p:cNvPr>
+          <p:cNvCxnSpPr>
+            <a:cxnSpLocks/>
+            <a:stCxn id="7" idx="1"/>
+            <a:endCxn id="14" idx="3"/>
+          </p:cNvCxnSpPr>
+          <p:nvPr/>
+        </p:nvCxnSpPr>
+        <p:spPr>
+          <a:xfrm flipH="1" flipV="1">
+            <a:off x="8926435" y="2032663"/>
+            <a:ext cx="617118" cy="905426"/>
+          </a:xfrm>
+          <a:prstGeom prst="line">
+            <a:avLst/>
+          </a:prstGeom>
+        </p:spPr>
+        <p:style>
+          <a:lnRef idx="1">
+            <a:schemeClr val="accent1"/>
+          </a:lnRef>
+          <a:fillRef idx="0">
+            <a:schemeClr val="accent1"/>
+          </a:fillRef>
+          <a:effectRef idx="0">
+            <a:schemeClr val="accent1"/>
+          </a:effectRef>
+          <a:fontRef idx="minor">
+            <a:schemeClr val="tx1"/>
+          </a:fontRef>
+        </p:style>
+      </p:cxnSp>
+    </p:spTree>
+    <p:extLst>
+      <p:ext uri="{BB962C8B-B14F-4D97-AF65-F5344CB8AC3E}">
+        <p14:creationId xmlns:p14="http://schemas.microsoft.com/office/powerpoint/2010/main" val="2899820502"/>
       </p:ext>
     </p:extLst>
   </p:cSld>
@@ -4911,7 +7730,7 @@
           <p:cNvPr id="2" name="Title 1">
             <a:extLst>
               <a:ext uri="{FF2B5EF4-FFF2-40B4-BE49-F238E27FC236}">
-                <a16:creationId xmlns:a16="http://schemas.microsoft.com/office/drawing/2014/main" id="{6DE6F54D-E928-44DE-963C-D655747854A9}"/>
+                <a16:creationId xmlns:a16="http://schemas.microsoft.com/office/drawing/2014/main" id="{3303612B-0F44-4A40-8AEC-866A6AAE733C}"/>
               </a:ext>
             </a:extLst>
           </p:cNvPr>
@@ -4922,325 +7741,1073 @@
             <p:ph type="title"/>
           </p:nvPr>
         </p:nvSpPr>
-        <p:spPr/>
-        <p:txBody>
-          <a:bodyPr/>
-          <a:lstStyle/>
-          <a:p>
-            <a:r>
-              <a:rPr lang="en-US" dirty="0"/>
-              <a:t>Proposed Site Map</a:t>
-            </a:r>
-          </a:p>
-        </p:txBody>
-      </p:sp>
-      <p:sp>
-        <p:nvSpPr>
-          <p:cNvPr id="4" name="TextBox 3">
-            <a:extLst>
-              <a:ext uri="{FF2B5EF4-FFF2-40B4-BE49-F238E27FC236}">
-                <a16:creationId xmlns:a16="http://schemas.microsoft.com/office/drawing/2014/main" id="{B40D84BE-C8F7-4B2B-881E-88214C9646CD}"/>
-              </a:ext>
-            </a:extLst>
-          </p:cNvPr>
-          <p:cNvSpPr txBox="1"/>
-          <p:nvPr/>
-        </p:nvSpPr>
         <p:spPr>
           <a:xfrm>
-            <a:off x="5949893" y="3476799"/>
-            <a:ext cx="1911291" cy="369332"/>
+            <a:off x="838200" y="365125"/>
+            <a:ext cx="10515600" cy="1325563"/>
+          </a:xfrm>
+        </p:spPr>
+        <p:txBody>
+          <a:bodyPr>
+            <a:normAutofit/>
+          </a:bodyPr>
+          <a:lstStyle/>
+          <a:p>
+            <a:r>
+              <a:rPr lang="en-US" dirty="0"/>
+              <a:t>What does that mean...</a:t>
+            </a:r>
+            <a:br>
+              <a:rPr lang="en-US" dirty="0"/>
+            </a:br>
+            <a:r>
+              <a:rPr lang="en-US" sz="3200" dirty="0"/>
+              <a:t>Tomorrow...</a:t>
+            </a:r>
+            <a:endParaRPr lang="en-US" dirty="0"/>
+          </a:p>
+        </p:txBody>
+      </p:sp>
+      <p:sp>
+        <p:nvSpPr>
+          <p:cNvPr id="4" name="Rectangle 3">
+            <a:extLst>
+              <a:ext uri="{FF2B5EF4-FFF2-40B4-BE49-F238E27FC236}">
+                <a16:creationId xmlns:a16="http://schemas.microsoft.com/office/drawing/2014/main" id="{88C51B17-841A-46E2-872F-172068315415}"/>
+              </a:ext>
+            </a:extLst>
+          </p:cNvPr>
+          <p:cNvSpPr/>
+          <p:nvPr/>
+        </p:nvSpPr>
+        <p:spPr>
+          <a:xfrm>
+            <a:off x="3163553" y="2078200"/>
+            <a:ext cx="1694577" cy="914400"/>
+          </a:xfrm>
+          <a:prstGeom prst="rect">
+            <a:avLst/>
+          </a:prstGeom>
+        </p:spPr>
+        <p:style>
+          <a:lnRef idx="2">
+            <a:schemeClr val="accent1">
+              <a:shade val="50000"/>
+            </a:schemeClr>
+          </a:lnRef>
+          <a:fillRef idx="1">
+            <a:schemeClr val="accent1"/>
+          </a:fillRef>
+          <a:effectRef idx="0">
+            <a:schemeClr val="accent1"/>
+          </a:effectRef>
+          <a:fontRef idx="minor">
+            <a:schemeClr val="lt1"/>
+          </a:fontRef>
+        </p:style>
+        <p:txBody>
+          <a:bodyPr rtlCol="0" anchor="ctr"/>
+          <a:lstStyle/>
+          <a:p>
+            <a:pPr algn="ctr"/>
+            <a:r>
+              <a:rPr lang="en-US" dirty="0"/>
+              <a:t>Browser</a:t>
+            </a:r>
+          </a:p>
+        </p:txBody>
+      </p:sp>
+      <p:sp>
+        <p:nvSpPr>
+          <p:cNvPr id="5" name="Rectangle 4">
+            <a:extLst>
+              <a:ext uri="{FF2B5EF4-FFF2-40B4-BE49-F238E27FC236}">
+                <a16:creationId xmlns:a16="http://schemas.microsoft.com/office/drawing/2014/main" id="{FA8F3540-D742-42BE-9EAA-4C02A82CB697}"/>
+              </a:ext>
+            </a:extLst>
+          </p:cNvPr>
+          <p:cNvSpPr/>
+          <p:nvPr/>
+        </p:nvSpPr>
+        <p:spPr>
+          <a:xfrm>
+            <a:off x="9543554" y="1620410"/>
+            <a:ext cx="1284046" cy="418052"/>
+          </a:xfrm>
+          <a:prstGeom prst="rect">
+            <a:avLst/>
+          </a:prstGeom>
+        </p:spPr>
+        <p:style>
+          <a:lnRef idx="2">
+            <a:schemeClr val="accent1">
+              <a:shade val="50000"/>
+            </a:schemeClr>
+          </a:lnRef>
+          <a:fillRef idx="1">
+            <a:schemeClr val="accent1"/>
+          </a:fillRef>
+          <a:effectRef idx="0">
+            <a:schemeClr val="accent1"/>
+          </a:effectRef>
+          <a:fontRef idx="minor">
+            <a:schemeClr val="lt1"/>
+          </a:fontRef>
+        </p:style>
+        <p:txBody>
+          <a:bodyPr rtlCol="0" anchor="ctr"/>
+          <a:lstStyle/>
+          <a:p>
+            <a:pPr algn="ctr"/>
+            <a:r>
+              <a:rPr lang="en-US" dirty="0"/>
+              <a:t>Database</a:t>
+            </a:r>
+          </a:p>
+        </p:txBody>
+      </p:sp>
+      <p:sp>
+        <p:nvSpPr>
+          <p:cNvPr id="6" name="Rectangle 5">
+            <a:extLst>
+              <a:ext uri="{FF2B5EF4-FFF2-40B4-BE49-F238E27FC236}">
+                <a16:creationId xmlns:a16="http://schemas.microsoft.com/office/drawing/2014/main" id="{B6F45C07-DEF9-411F-94E7-0FAE33F5C591}"/>
+              </a:ext>
+            </a:extLst>
+          </p:cNvPr>
+          <p:cNvSpPr/>
+          <p:nvPr/>
+        </p:nvSpPr>
+        <p:spPr>
+          <a:xfrm>
+            <a:off x="9543553" y="2189462"/>
+            <a:ext cx="1284046" cy="418052"/>
+          </a:xfrm>
+          <a:prstGeom prst="rect">
+            <a:avLst/>
+          </a:prstGeom>
+        </p:spPr>
+        <p:style>
+          <a:lnRef idx="2">
+            <a:schemeClr val="accent1">
+              <a:shade val="50000"/>
+            </a:schemeClr>
+          </a:lnRef>
+          <a:fillRef idx="1">
+            <a:schemeClr val="accent1"/>
+          </a:fillRef>
+          <a:effectRef idx="0">
+            <a:schemeClr val="accent1"/>
+          </a:effectRef>
+          <a:fontRef idx="minor">
+            <a:schemeClr val="lt1"/>
+          </a:fontRef>
+        </p:style>
+        <p:txBody>
+          <a:bodyPr rtlCol="0" anchor="ctr"/>
+          <a:lstStyle/>
+          <a:p>
+            <a:pPr algn="ctr"/>
+            <a:r>
+              <a:rPr lang="en-US" dirty="0"/>
+              <a:t>ML Model</a:t>
+            </a:r>
+          </a:p>
+        </p:txBody>
+      </p:sp>
+      <p:sp>
+        <p:nvSpPr>
+          <p:cNvPr id="7" name="Rectangle 6">
+            <a:extLst>
+              <a:ext uri="{FF2B5EF4-FFF2-40B4-BE49-F238E27FC236}">
+                <a16:creationId xmlns:a16="http://schemas.microsoft.com/office/drawing/2014/main" id="{CC1A0E22-1A4F-4207-A04B-1F2885DD92EE}"/>
+              </a:ext>
+            </a:extLst>
+          </p:cNvPr>
+          <p:cNvSpPr/>
+          <p:nvPr/>
+        </p:nvSpPr>
+        <p:spPr>
+          <a:xfrm>
+            <a:off x="9543553" y="2749003"/>
+            <a:ext cx="1284046" cy="378171"/>
+          </a:xfrm>
+          <a:prstGeom prst="rect">
+            <a:avLst/>
+          </a:prstGeom>
+        </p:spPr>
+        <p:style>
+          <a:lnRef idx="2">
+            <a:schemeClr val="accent1">
+              <a:shade val="50000"/>
+            </a:schemeClr>
+          </a:lnRef>
+          <a:fillRef idx="1">
+            <a:schemeClr val="accent1"/>
+          </a:fillRef>
+          <a:effectRef idx="0">
+            <a:schemeClr val="accent1"/>
+          </a:effectRef>
+          <a:fontRef idx="minor">
+            <a:schemeClr val="lt1"/>
+          </a:fontRef>
+        </p:style>
+        <p:txBody>
+          <a:bodyPr rtlCol="0" anchor="ctr"/>
+          <a:lstStyle/>
+          <a:p>
+            <a:pPr algn="ctr"/>
+            <a:r>
+              <a:rPr lang="en-US" dirty="0"/>
+              <a:t>HTML Form</a:t>
+            </a:r>
+          </a:p>
+        </p:txBody>
+      </p:sp>
+      <p:sp>
+        <p:nvSpPr>
+          <p:cNvPr id="8" name="Oval 7">
+            <a:extLst>
+              <a:ext uri="{FF2B5EF4-FFF2-40B4-BE49-F238E27FC236}">
+                <a16:creationId xmlns:a16="http://schemas.microsoft.com/office/drawing/2014/main" id="{93A6ABAA-E1E1-447E-A3F9-AAB9E17D9795}"/>
+              </a:ext>
+            </a:extLst>
+          </p:cNvPr>
+          <p:cNvSpPr/>
+          <p:nvPr/>
+        </p:nvSpPr>
+        <p:spPr>
+          <a:xfrm>
+            <a:off x="5609008" y="2633090"/>
+            <a:ext cx="1501755" cy="585116"/>
+          </a:xfrm>
+          <a:prstGeom prst="ellipse">
+            <a:avLst/>
+          </a:prstGeom>
+        </p:spPr>
+        <p:style>
+          <a:lnRef idx="2">
+            <a:schemeClr val="accent1">
+              <a:shade val="50000"/>
+            </a:schemeClr>
+          </a:lnRef>
+          <a:fillRef idx="1">
+            <a:schemeClr val="accent1"/>
+          </a:fillRef>
+          <a:effectRef idx="0">
+            <a:schemeClr val="accent1"/>
+          </a:effectRef>
+          <a:fontRef idx="minor">
+            <a:schemeClr val="lt1"/>
+          </a:fontRef>
+        </p:style>
+        <p:txBody>
+          <a:bodyPr rtlCol="0" anchor="ctr"/>
+          <a:lstStyle/>
+          <a:p>
+            <a:pPr algn="ctr"/>
+            <a:r>
+              <a:rPr lang="en-US" dirty="0"/>
+              <a:t>Internet</a:t>
+            </a:r>
+          </a:p>
+        </p:txBody>
+      </p:sp>
+      <p:sp>
+        <p:nvSpPr>
+          <p:cNvPr id="9" name="Rectangle 8">
+            <a:extLst>
+              <a:ext uri="{FF2B5EF4-FFF2-40B4-BE49-F238E27FC236}">
+                <a16:creationId xmlns:a16="http://schemas.microsoft.com/office/drawing/2014/main" id="{3ADBF561-EC48-467F-8245-C363E6E6DA86}"/>
+              </a:ext>
+            </a:extLst>
+          </p:cNvPr>
+          <p:cNvSpPr/>
+          <p:nvPr/>
+        </p:nvSpPr>
+        <p:spPr>
+          <a:xfrm>
+            <a:off x="8139984" y="843272"/>
+            <a:ext cx="2894202" cy="2595360"/>
           </a:xfrm>
           <a:prstGeom prst="rect">
             <a:avLst/>
           </a:prstGeom>
           <a:noFill/>
-          <a:ln>
-            <a:solidFill>
-              <a:schemeClr val="tx1"/>
-            </a:solidFill>
-          </a:ln>
         </p:spPr>
-        <p:txBody>
-          <a:bodyPr wrap="square" rtlCol="0">
-            <a:spAutoFit/>
-          </a:bodyPr>
+        <p:style>
+          <a:lnRef idx="2">
+            <a:schemeClr val="accent1">
+              <a:shade val="50000"/>
+            </a:schemeClr>
+          </a:lnRef>
+          <a:fillRef idx="1">
+            <a:schemeClr val="accent1"/>
+          </a:fillRef>
+          <a:effectRef idx="0">
+            <a:schemeClr val="accent1"/>
+          </a:effectRef>
+          <a:fontRef idx="minor">
+            <a:schemeClr val="lt1"/>
+          </a:fontRef>
+        </p:style>
+        <p:txBody>
+          <a:bodyPr rtlCol="0" anchor="ctr"/>
           <a:lstStyle/>
           <a:p>
             <a:pPr algn="ctr"/>
-            <a:r>
-              <a:rPr lang="en-US" dirty="0"/>
-              <a:t>Leaderboard</a:t>
-            </a:r>
-          </a:p>
-        </p:txBody>
-      </p:sp>
-      <p:sp>
-        <p:nvSpPr>
-          <p:cNvPr id="5" name="TextBox 4">
-            <a:extLst>
-              <a:ext uri="{FF2B5EF4-FFF2-40B4-BE49-F238E27FC236}">
-                <a16:creationId xmlns:a16="http://schemas.microsoft.com/office/drawing/2014/main" id="{43881D1D-F294-4E47-8457-E91C07EB98A8}"/>
-              </a:ext>
-            </a:extLst>
-          </p:cNvPr>
-          <p:cNvSpPr txBox="1"/>
+            <a:endParaRPr lang="en-US"/>
+          </a:p>
+        </p:txBody>
+      </p:sp>
+      <p:sp>
+        <p:nvSpPr>
+          <p:cNvPr id="10" name="Content Placeholder 2">
+            <a:extLst>
+              <a:ext uri="{FF2B5EF4-FFF2-40B4-BE49-F238E27FC236}">
+                <a16:creationId xmlns:a16="http://schemas.microsoft.com/office/drawing/2014/main" id="{01FF1304-DECA-4F55-B6A1-076218B5F0C7}"/>
+              </a:ext>
+            </a:extLst>
+          </p:cNvPr>
+          <p:cNvSpPr txBox="1">
+            <a:spLocks/>
+          </p:cNvSpPr>
           <p:nvPr/>
         </p:nvSpPr>
         <p:spPr>
           <a:xfrm>
-            <a:off x="5217952" y="1690688"/>
-            <a:ext cx="1459684" cy="369332"/>
+            <a:off x="295391" y="2319861"/>
+            <a:ext cx="3102529" cy="568683"/>
           </a:xfrm>
           <a:prstGeom prst="rect">
             <a:avLst/>
           </a:prstGeom>
-          <a:noFill/>
-          <a:ln>
-            <a:solidFill>
-              <a:schemeClr val="tx1"/>
-            </a:solidFill>
-          </a:ln>
         </p:spPr>
         <p:txBody>
-          <a:bodyPr wrap="square" rtlCol="0">
-            <a:spAutoFit/>
+          <a:bodyPr vert="horz" lIns="91440" tIns="45720" rIns="91440" bIns="45720" rtlCol="0">
+            <a:normAutofit/>
           </a:bodyPr>
-          <a:lstStyle/>
-          <a:p>
-            <a:pPr algn="ctr"/>
+          <a:lstStyle>
+            <a:lvl1pPr marL="228600" indent="-228600" algn="l" defTabSz="914400" rtl="0" eaLnBrk="1" latinLnBrk="0" hangingPunct="1">
+              <a:lnSpc>
+                <a:spcPct val="90000"/>
+              </a:lnSpc>
+              <a:spcBef>
+                <a:spcPts val="1000"/>
+              </a:spcBef>
+              <a:buFont typeface="Arial" panose="020B0604020202020204" pitchFamily="34" charset="0"/>
+              <a:buChar char="•"/>
+              <a:defRPr sz="2800" kern="1200">
+                <a:solidFill>
+                  <a:schemeClr val="tx1"/>
+                </a:solidFill>
+                <a:latin typeface="+mn-lt"/>
+                <a:ea typeface="+mn-ea"/>
+                <a:cs typeface="+mn-cs"/>
+              </a:defRPr>
+            </a:lvl1pPr>
+            <a:lvl2pPr marL="685800" indent="-228600" algn="l" defTabSz="914400" rtl="0" eaLnBrk="1" latinLnBrk="0" hangingPunct="1">
+              <a:lnSpc>
+                <a:spcPct val="90000"/>
+              </a:lnSpc>
+              <a:spcBef>
+                <a:spcPts val="500"/>
+              </a:spcBef>
+              <a:buFont typeface="Arial" panose="020B0604020202020204" pitchFamily="34" charset="0"/>
+              <a:buChar char="•"/>
+              <a:defRPr sz="2400" kern="1200">
+                <a:solidFill>
+                  <a:schemeClr val="tx1"/>
+                </a:solidFill>
+                <a:latin typeface="+mn-lt"/>
+                <a:ea typeface="+mn-ea"/>
+                <a:cs typeface="+mn-cs"/>
+              </a:defRPr>
+            </a:lvl2pPr>
+            <a:lvl3pPr marL="1143000" indent="-228600" algn="l" defTabSz="914400" rtl="0" eaLnBrk="1" latinLnBrk="0" hangingPunct="1">
+              <a:lnSpc>
+                <a:spcPct val="90000"/>
+              </a:lnSpc>
+              <a:spcBef>
+                <a:spcPts val="500"/>
+              </a:spcBef>
+              <a:buFont typeface="Arial" panose="020B0604020202020204" pitchFamily="34" charset="0"/>
+              <a:buChar char="•"/>
+              <a:defRPr sz="2000" kern="1200">
+                <a:solidFill>
+                  <a:schemeClr val="tx1"/>
+                </a:solidFill>
+                <a:latin typeface="+mn-lt"/>
+                <a:ea typeface="+mn-ea"/>
+                <a:cs typeface="+mn-cs"/>
+              </a:defRPr>
+            </a:lvl3pPr>
+            <a:lvl4pPr marL="1600200" indent="-228600" algn="l" defTabSz="914400" rtl="0" eaLnBrk="1" latinLnBrk="0" hangingPunct="1">
+              <a:lnSpc>
+                <a:spcPct val="90000"/>
+              </a:lnSpc>
+              <a:spcBef>
+                <a:spcPts val="500"/>
+              </a:spcBef>
+              <a:buFont typeface="Arial" panose="020B0604020202020204" pitchFamily="34" charset="0"/>
+              <a:buChar char="•"/>
+              <a:defRPr sz="1800" kern="1200">
+                <a:solidFill>
+                  <a:schemeClr val="tx1"/>
+                </a:solidFill>
+                <a:latin typeface="+mn-lt"/>
+                <a:ea typeface="+mn-ea"/>
+                <a:cs typeface="+mn-cs"/>
+              </a:defRPr>
+            </a:lvl4pPr>
+            <a:lvl5pPr marL="2057400" indent="-228600" algn="l" defTabSz="914400" rtl="0" eaLnBrk="1" latinLnBrk="0" hangingPunct="1">
+              <a:lnSpc>
+                <a:spcPct val="90000"/>
+              </a:lnSpc>
+              <a:spcBef>
+                <a:spcPts val="500"/>
+              </a:spcBef>
+              <a:buFont typeface="Arial" panose="020B0604020202020204" pitchFamily="34" charset="0"/>
+              <a:buChar char="•"/>
+              <a:defRPr sz="1800" kern="1200">
+                <a:solidFill>
+                  <a:schemeClr val="tx1"/>
+                </a:solidFill>
+                <a:latin typeface="+mn-lt"/>
+                <a:ea typeface="+mn-ea"/>
+                <a:cs typeface="+mn-cs"/>
+              </a:defRPr>
+            </a:lvl5pPr>
+            <a:lvl6pPr marL="2514600" indent="-228600" algn="l" defTabSz="914400" rtl="0" eaLnBrk="1" latinLnBrk="0" hangingPunct="1">
+              <a:lnSpc>
+                <a:spcPct val="90000"/>
+              </a:lnSpc>
+              <a:spcBef>
+                <a:spcPts val="500"/>
+              </a:spcBef>
+              <a:buFont typeface="Arial" panose="020B0604020202020204" pitchFamily="34" charset="0"/>
+              <a:buChar char="•"/>
+              <a:defRPr sz="1800" kern="1200">
+                <a:solidFill>
+                  <a:schemeClr val="tx1"/>
+                </a:solidFill>
+                <a:latin typeface="+mn-lt"/>
+                <a:ea typeface="+mn-ea"/>
+                <a:cs typeface="+mn-cs"/>
+              </a:defRPr>
+            </a:lvl6pPr>
+            <a:lvl7pPr marL="2971800" indent="-228600" algn="l" defTabSz="914400" rtl="0" eaLnBrk="1" latinLnBrk="0" hangingPunct="1">
+              <a:lnSpc>
+                <a:spcPct val="90000"/>
+              </a:lnSpc>
+              <a:spcBef>
+                <a:spcPts val="500"/>
+              </a:spcBef>
+              <a:buFont typeface="Arial" panose="020B0604020202020204" pitchFamily="34" charset="0"/>
+              <a:buChar char="•"/>
+              <a:defRPr sz="1800" kern="1200">
+                <a:solidFill>
+                  <a:schemeClr val="tx1"/>
+                </a:solidFill>
+                <a:latin typeface="+mn-lt"/>
+                <a:ea typeface="+mn-ea"/>
+                <a:cs typeface="+mn-cs"/>
+              </a:defRPr>
+            </a:lvl7pPr>
+            <a:lvl8pPr marL="3429000" indent="-228600" algn="l" defTabSz="914400" rtl="0" eaLnBrk="1" latinLnBrk="0" hangingPunct="1">
+              <a:lnSpc>
+                <a:spcPct val="90000"/>
+              </a:lnSpc>
+              <a:spcBef>
+                <a:spcPts val="500"/>
+              </a:spcBef>
+              <a:buFont typeface="Arial" panose="020B0604020202020204" pitchFamily="34" charset="0"/>
+              <a:buChar char="•"/>
+              <a:defRPr sz="1800" kern="1200">
+                <a:solidFill>
+                  <a:schemeClr val="tx1"/>
+                </a:solidFill>
+                <a:latin typeface="+mn-lt"/>
+                <a:ea typeface="+mn-ea"/>
+                <a:cs typeface="+mn-cs"/>
+              </a:defRPr>
+            </a:lvl8pPr>
+            <a:lvl9pPr marL="3886200" indent="-228600" algn="l" defTabSz="914400" rtl="0" eaLnBrk="1" latinLnBrk="0" hangingPunct="1">
+              <a:lnSpc>
+                <a:spcPct val="90000"/>
+              </a:lnSpc>
+              <a:spcBef>
+                <a:spcPts val="500"/>
+              </a:spcBef>
+              <a:buFont typeface="Arial" panose="020B0604020202020204" pitchFamily="34" charset="0"/>
+              <a:buChar char="•"/>
+              <a:defRPr sz="1800" kern="1200">
+                <a:solidFill>
+                  <a:schemeClr val="tx1"/>
+                </a:solidFill>
+                <a:latin typeface="+mn-lt"/>
+                <a:ea typeface="+mn-ea"/>
+                <a:cs typeface="+mn-cs"/>
+              </a:defRPr>
+            </a:lvl9pPr>
+          </a:lstStyle>
+          <a:p>
+            <a:pPr marL="0" indent="0">
+              <a:buFont typeface="Arial" panose="020B0604020202020204" pitchFamily="34" charset="0"/>
+              <a:buNone/>
+            </a:pPr>
             <a:r>
               <a:rPr lang="en-US" dirty="0"/>
-              <a:t>Login</a:t>
-            </a:r>
-          </a:p>
-        </p:txBody>
-      </p:sp>
-      <p:sp>
-        <p:nvSpPr>
-          <p:cNvPr id="7" name="TextBox 6">
-            <a:extLst>
-              <a:ext uri="{FF2B5EF4-FFF2-40B4-BE49-F238E27FC236}">
-                <a16:creationId xmlns:a16="http://schemas.microsoft.com/office/drawing/2014/main" id="{E2C353D0-78CA-42F0-98BB-384525491763}"/>
-              </a:ext>
-            </a:extLst>
-          </p:cNvPr>
-          <p:cNvSpPr txBox="1"/>
+              <a:t>Game Application</a:t>
+            </a:r>
+          </a:p>
+        </p:txBody>
+      </p:sp>
+      <p:sp>
+        <p:nvSpPr>
+          <p:cNvPr id="13" name="Content Placeholder 2">
+            <a:extLst>
+              <a:ext uri="{FF2B5EF4-FFF2-40B4-BE49-F238E27FC236}">
+                <a16:creationId xmlns:a16="http://schemas.microsoft.com/office/drawing/2014/main" id="{A285C4B5-ADAC-4F21-B077-BB4EC8362122}"/>
+              </a:ext>
+            </a:extLst>
+          </p:cNvPr>
+          <p:cNvSpPr txBox="1">
+            <a:spLocks/>
+          </p:cNvSpPr>
           <p:nvPr/>
         </p:nvSpPr>
         <p:spPr>
           <a:xfrm>
-            <a:off x="6175697" y="4379455"/>
-            <a:ext cx="1459684" cy="369332"/>
+            <a:off x="5046695" y="2291824"/>
+            <a:ext cx="2827435" cy="568683"/>
           </a:xfrm>
           <a:prstGeom prst="rect">
             <a:avLst/>
           </a:prstGeom>
-          <a:noFill/>
-          <a:ln>
-            <a:solidFill>
-              <a:schemeClr val="tx1"/>
-            </a:solidFill>
-          </a:ln>
         </p:spPr>
         <p:txBody>
-          <a:bodyPr wrap="square" rtlCol="0">
-            <a:spAutoFit/>
+          <a:bodyPr vert="horz" lIns="91440" tIns="45720" rIns="91440" bIns="45720" rtlCol="0">
+            <a:normAutofit/>
           </a:bodyPr>
-          <a:lstStyle/>
-          <a:p>
-            <a:pPr algn="ctr"/>
-            <a:r>
-              <a:rPr lang="en-US" dirty="0"/>
-              <a:t>Choose a Star</a:t>
-            </a:r>
-          </a:p>
-        </p:txBody>
-      </p:sp>
-      <p:sp>
-        <p:nvSpPr>
-          <p:cNvPr id="8" name="TextBox 7">
-            <a:extLst>
-              <a:ext uri="{FF2B5EF4-FFF2-40B4-BE49-F238E27FC236}">
-                <a16:creationId xmlns:a16="http://schemas.microsoft.com/office/drawing/2014/main" id="{4E26735B-D9F6-4DD4-B3BF-A0A56E156A22}"/>
-              </a:ext>
-            </a:extLst>
-          </p:cNvPr>
-          <p:cNvSpPr txBox="1"/>
+          <a:lstStyle>
+            <a:lvl1pPr marL="228600" indent="-228600" algn="l" defTabSz="914400" rtl="0" eaLnBrk="1" latinLnBrk="0" hangingPunct="1">
+              <a:lnSpc>
+                <a:spcPct val="90000"/>
+              </a:lnSpc>
+              <a:spcBef>
+                <a:spcPts val="1000"/>
+              </a:spcBef>
+              <a:buFont typeface="Arial" panose="020B0604020202020204" pitchFamily="34" charset="0"/>
+              <a:buChar char="•"/>
+              <a:defRPr sz="2800" kern="1200">
+                <a:solidFill>
+                  <a:schemeClr val="tx1"/>
+                </a:solidFill>
+                <a:latin typeface="+mn-lt"/>
+                <a:ea typeface="+mn-ea"/>
+                <a:cs typeface="+mn-cs"/>
+              </a:defRPr>
+            </a:lvl1pPr>
+            <a:lvl2pPr marL="685800" indent="-228600" algn="l" defTabSz="914400" rtl="0" eaLnBrk="1" latinLnBrk="0" hangingPunct="1">
+              <a:lnSpc>
+                <a:spcPct val="90000"/>
+              </a:lnSpc>
+              <a:spcBef>
+                <a:spcPts val="500"/>
+              </a:spcBef>
+              <a:buFont typeface="Arial" panose="020B0604020202020204" pitchFamily="34" charset="0"/>
+              <a:buChar char="•"/>
+              <a:defRPr sz="2400" kern="1200">
+                <a:solidFill>
+                  <a:schemeClr val="tx1"/>
+                </a:solidFill>
+                <a:latin typeface="+mn-lt"/>
+                <a:ea typeface="+mn-ea"/>
+                <a:cs typeface="+mn-cs"/>
+              </a:defRPr>
+            </a:lvl2pPr>
+            <a:lvl3pPr marL="1143000" indent="-228600" algn="l" defTabSz="914400" rtl="0" eaLnBrk="1" latinLnBrk="0" hangingPunct="1">
+              <a:lnSpc>
+                <a:spcPct val="90000"/>
+              </a:lnSpc>
+              <a:spcBef>
+                <a:spcPts val="500"/>
+              </a:spcBef>
+              <a:buFont typeface="Arial" panose="020B0604020202020204" pitchFamily="34" charset="0"/>
+              <a:buChar char="•"/>
+              <a:defRPr sz="2000" kern="1200">
+                <a:solidFill>
+                  <a:schemeClr val="tx1"/>
+                </a:solidFill>
+                <a:latin typeface="+mn-lt"/>
+                <a:ea typeface="+mn-ea"/>
+                <a:cs typeface="+mn-cs"/>
+              </a:defRPr>
+            </a:lvl3pPr>
+            <a:lvl4pPr marL="1600200" indent="-228600" algn="l" defTabSz="914400" rtl="0" eaLnBrk="1" latinLnBrk="0" hangingPunct="1">
+              <a:lnSpc>
+                <a:spcPct val="90000"/>
+              </a:lnSpc>
+              <a:spcBef>
+                <a:spcPts val="500"/>
+              </a:spcBef>
+              <a:buFont typeface="Arial" panose="020B0604020202020204" pitchFamily="34" charset="0"/>
+              <a:buChar char="•"/>
+              <a:defRPr sz="1800" kern="1200">
+                <a:solidFill>
+                  <a:schemeClr val="tx1"/>
+                </a:solidFill>
+                <a:latin typeface="+mn-lt"/>
+                <a:ea typeface="+mn-ea"/>
+                <a:cs typeface="+mn-cs"/>
+              </a:defRPr>
+            </a:lvl4pPr>
+            <a:lvl5pPr marL="2057400" indent="-228600" algn="l" defTabSz="914400" rtl="0" eaLnBrk="1" latinLnBrk="0" hangingPunct="1">
+              <a:lnSpc>
+                <a:spcPct val="90000"/>
+              </a:lnSpc>
+              <a:spcBef>
+                <a:spcPts val="500"/>
+              </a:spcBef>
+              <a:buFont typeface="Arial" panose="020B0604020202020204" pitchFamily="34" charset="0"/>
+              <a:buChar char="•"/>
+              <a:defRPr sz="1800" kern="1200">
+                <a:solidFill>
+                  <a:schemeClr val="tx1"/>
+                </a:solidFill>
+                <a:latin typeface="+mn-lt"/>
+                <a:ea typeface="+mn-ea"/>
+                <a:cs typeface="+mn-cs"/>
+              </a:defRPr>
+            </a:lvl5pPr>
+            <a:lvl6pPr marL="2514600" indent="-228600" algn="l" defTabSz="914400" rtl="0" eaLnBrk="1" latinLnBrk="0" hangingPunct="1">
+              <a:lnSpc>
+                <a:spcPct val="90000"/>
+              </a:lnSpc>
+              <a:spcBef>
+                <a:spcPts val="500"/>
+              </a:spcBef>
+              <a:buFont typeface="Arial" panose="020B0604020202020204" pitchFamily="34" charset="0"/>
+              <a:buChar char="•"/>
+              <a:defRPr sz="1800" kern="1200">
+                <a:solidFill>
+                  <a:schemeClr val="tx1"/>
+                </a:solidFill>
+                <a:latin typeface="+mn-lt"/>
+                <a:ea typeface="+mn-ea"/>
+                <a:cs typeface="+mn-cs"/>
+              </a:defRPr>
+            </a:lvl6pPr>
+            <a:lvl7pPr marL="2971800" indent="-228600" algn="l" defTabSz="914400" rtl="0" eaLnBrk="1" latinLnBrk="0" hangingPunct="1">
+              <a:lnSpc>
+                <a:spcPct val="90000"/>
+              </a:lnSpc>
+              <a:spcBef>
+                <a:spcPts val="500"/>
+              </a:spcBef>
+              <a:buFont typeface="Arial" panose="020B0604020202020204" pitchFamily="34" charset="0"/>
+              <a:buChar char="•"/>
+              <a:defRPr sz="1800" kern="1200">
+                <a:solidFill>
+                  <a:schemeClr val="tx1"/>
+                </a:solidFill>
+                <a:latin typeface="+mn-lt"/>
+                <a:ea typeface="+mn-ea"/>
+                <a:cs typeface="+mn-cs"/>
+              </a:defRPr>
+            </a:lvl7pPr>
+            <a:lvl8pPr marL="3429000" indent="-228600" algn="l" defTabSz="914400" rtl="0" eaLnBrk="1" latinLnBrk="0" hangingPunct="1">
+              <a:lnSpc>
+                <a:spcPct val="90000"/>
+              </a:lnSpc>
+              <a:spcBef>
+                <a:spcPts val="500"/>
+              </a:spcBef>
+              <a:buFont typeface="Arial" panose="020B0604020202020204" pitchFamily="34" charset="0"/>
+              <a:buChar char="•"/>
+              <a:defRPr sz="1800" kern="1200">
+                <a:solidFill>
+                  <a:schemeClr val="tx1"/>
+                </a:solidFill>
+                <a:latin typeface="+mn-lt"/>
+                <a:ea typeface="+mn-ea"/>
+                <a:cs typeface="+mn-cs"/>
+              </a:defRPr>
+            </a:lvl8pPr>
+            <a:lvl9pPr marL="3886200" indent="-228600" algn="l" defTabSz="914400" rtl="0" eaLnBrk="1" latinLnBrk="0" hangingPunct="1">
+              <a:lnSpc>
+                <a:spcPct val="90000"/>
+              </a:lnSpc>
+              <a:spcBef>
+                <a:spcPts val="500"/>
+              </a:spcBef>
+              <a:buFont typeface="Arial" panose="020B0604020202020204" pitchFamily="34" charset="0"/>
+              <a:buChar char="•"/>
+              <a:defRPr sz="1800" kern="1200">
+                <a:solidFill>
+                  <a:schemeClr val="tx1"/>
+                </a:solidFill>
+                <a:latin typeface="+mn-lt"/>
+                <a:ea typeface="+mn-ea"/>
+                <a:cs typeface="+mn-cs"/>
+              </a:defRPr>
+            </a:lvl9pPr>
+          </a:lstStyle>
+          <a:p>
+            <a:pPr marL="0" indent="0">
+              <a:buFont typeface="Arial" panose="020B0604020202020204" pitchFamily="34" charset="0"/>
+              <a:buNone/>
+            </a:pPr>
+            <a:r>
+              <a:rPr lang="en-US" sz="1800" dirty="0"/>
+              <a:t>GET, POST  site.com/home</a:t>
+            </a:r>
+          </a:p>
+        </p:txBody>
+      </p:sp>
+      <p:sp>
+        <p:nvSpPr>
+          <p:cNvPr id="14" name="Rectangle 13">
+            <a:extLst>
+              <a:ext uri="{FF2B5EF4-FFF2-40B4-BE49-F238E27FC236}">
+                <a16:creationId xmlns:a16="http://schemas.microsoft.com/office/drawing/2014/main" id="{18D70788-A511-4004-BEFE-1E11426D4662}"/>
+              </a:ext>
+            </a:extLst>
+          </p:cNvPr>
+          <p:cNvSpPr/>
           <p:nvPr/>
         </p:nvSpPr>
         <p:spPr>
           <a:xfrm>
-            <a:off x="5947794" y="5097445"/>
-            <a:ext cx="1911291" cy="369332"/>
+            <a:off x="8335006" y="1620410"/>
+            <a:ext cx="591429" cy="824506"/>
           </a:xfrm>
           <a:prstGeom prst="rect">
             <a:avLst/>
           </a:prstGeom>
-          <a:noFill/>
-          <a:ln>
-            <a:solidFill>
-              <a:schemeClr val="tx1"/>
-            </a:solidFill>
-          </a:ln>
         </p:spPr>
-        <p:txBody>
-          <a:bodyPr wrap="square" rtlCol="0">
-            <a:spAutoFit/>
-          </a:bodyPr>
+        <p:style>
+          <a:lnRef idx="2">
+            <a:schemeClr val="accent1">
+              <a:shade val="50000"/>
+            </a:schemeClr>
+          </a:lnRef>
+          <a:fillRef idx="1">
+            <a:schemeClr val="accent1"/>
+          </a:fillRef>
+          <a:effectRef idx="0">
+            <a:schemeClr val="accent1"/>
+          </a:effectRef>
+          <a:fontRef idx="minor">
+            <a:schemeClr val="lt1"/>
+          </a:fontRef>
+        </p:style>
+        <p:txBody>
+          <a:bodyPr rtlCol="0" anchor="ctr"/>
           <a:lstStyle/>
           <a:p>
             <a:pPr algn="ctr"/>
             <a:r>
-              <a:rPr lang="en-US" dirty="0"/>
-              <a:t>Analyze / Classify</a:t>
-            </a:r>
-          </a:p>
-        </p:txBody>
-      </p:sp>
-      <p:sp>
-        <p:nvSpPr>
-          <p:cNvPr id="9" name="TextBox 8">
-            <a:extLst>
-              <a:ext uri="{FF2B5EF4-FFF2-40B4-BE49-F238E27FC236}">
-                <a16:creationId xmlns:a16="http://schemas.microsoft.com/office/drawing/2014/main" id="{2A83839C-3730-4E9F-AF9C-E5D31978CD8A}"/>
-              </a:ext>
-            </a:extLst>
-          </p:cNvPr>
-          <p:cNvSpPr txBox="1"/>
+              <a:rPr lang="en-US" sz="1400" dirty="0"/>
+              <a:t>http </a:t>
+            </a:r>
+            <a:r>
+              <a:rPr lang="en-US" sz="1400" dirty="0" err="1"/>
+              <a:t>urls</a:t>
+            </a:r>
+            <a:endParaRPr lang="en-US" sz="1400" dirty="0"/>
+          </a:p>
+        </p:txBody>
+      </p:sp>
+      <p:sp>
+        <p:nvSpPr>
+          <p:cNvPr id="15" name="Rectangle 14">
+            <a:extLst>
+              <a:ext uri="{FF2B5EF4-FFF2-40B4-BE49-F238E27FC236}">
+                <a16:creationId xmlns:a16="http://schemas.microsoft.com/office/drawing/2014/main" id="{2A63D263-9BBB-40A3-BEDF-006A53F2B6D3}"/>
+              </a:ext>
+            </a:extLst>
+          </p:cNvPr>
+          <p:cNvSpPr/>
           <p:nvPr/>
         </p:nvSpPr>
         <p:spPr>
           <a:xfrm>
-            <a:off x="2467240" y="2733883"/>
-            <a:ext cx="1459684" cy="369332"/>
+            <a:off x="3177887" y="3144177"/>
+            <a:ext cx="1694577" cy="914400"/>
           </a:xfrm>
           <a:prstGeom prst="rect">
             <a:avLst/>
           </a:prstGeom>
-          <a:noFill/>
-          <a:ln>
-            <a:solidFill>
-              <a:schemeClr val="tx1"/>
-            </a:solidFill>
-          </a:ln>
+          <a:solidFill>
+            <a:schemeClr val="accent6"/>
+          </a:solidFill>
         </p:spPr>
-        <p:txBody>
-          <a:bodyPr wrap="square" rtlCol="0">
-            <a:spAutoFit/>
-          </a:bodyPr>
+        <p:style>
+          <a:lnRef idx="2">
+            <a:schemeClr val="accent1">
+              <a:shade val="50000"/>
+            </a:schemeClr>
+          </a:lnRef>
+          <a:fillRef idx="1">
+            <a:schemeClr val="accent1"/>
+          </a:fillRef>
+          <a:effectRef idx="0">
+            <a:schemeClr val="accent1"/>
+          </a:effectRef>
+          <a:fontRef idx="minor">
+            <a:schemeClr val="lt1"/>
+          </a:fontRef>
+        </p:style>
+        <p:txBody>
+          <a:bodyPr rtlCol="0" anchor="ctr"/>
           <a:lstStyle/>
           <a:p>
             <a:pPr algn="ctr"/>
             <a:r>
               <a:rPr lang="en-US" dirty="0"/>
-              <a:t>Admin</a:t>
-            </a:r>
-          </a:p>
-        </p:txBody>
-      </p:sp>
-      <p:sp>
-        <p:nvSpPr>
-          <p:cNvPr id="10" name="TextBox 9">
-            <a:extLst>
-              <a:ext uri="{FF2B5EF4-FFF2-40B4-BE49-F238E27FC236}">
-                <a16:creationId xmlns:a16="http://schemas.microsoft.com/office/drawing/2014/main" id="{BFA04579-982B-4096-90E8-F8D4106059AF}"/>
-              </a:ext>
-            </a:extLst>
-          </p:cNvPr>
-          <p:cNvSpPr txBox="1"/>
+              <a:t>Raspberry Pi + Python</a:t>
+            </a:r>
+          </a:p>
+        </p:txBody>
+      </p:sp>
+      <p:sp>
+        <p:nvSpPr>
+          <p:cNvPr id="16" name="Content Placeholder 2">
+            <a:extLst>
+              <a:ext uri="{FF2B5EF4-FFF2-40B4-BE49-F238E27FC236}">
+                <a16:creationId xmlns:a16="http://schemas.microsoft.com/office/drawing/2014/main" id="{5F523BA2-49F9-425B-ACD0-9C9479C41BDB}"/>
+              </a:ext>
+            </a:extLst>
+          </p:cNvPr>
+          <p:cNvSpPr txBox="1">
+            <a:spLocks/>
+          </p:cNvSpPr>
           <p:nvPr/>
         </p:nvSpPr>
         <p:spPr>
           <a:xfrm>
-            <a:off x="957222" y="3684918"/>
-            <a:ext cx="1979802" cy="369332"/>
+            <a:off x="5169276" y="3400246"/>
+            <a:ext cx="2827435" cy="568683"/>
           </a:xfrm>
           <a:prstGeom prst="rect">
             <a:avLst/>
           </a:prstGeom>
-          <a:noFill/>
-          <a:ln>
-            <a:solidFill>
-              <a:schemeClr val="tx1"/>
-            </a:solidFill>
-          </a:ln>
         </p:spPr>
         <p:txBody>
-          <a:bodyPr wrap="square" rtlCol="0">
-            <a:spAutoFit/>
+          <a:bodyPr vert="horz" lIns="91440" tIns="45720" rIns="91440" bIns="45720" rtlCol="0">
+            <a:normAutofit/>
           </a:bodyPr>
-          <a:lstStyle/>
-          <a:p>
-            <a:pPr algn="ctr"/>
-            <a:r>
-              <a:rPr lang="en-US" dirty="0"/>
-              <a:t>Users/Groups</a:t>
-            </a:r>
-          </a:p>
-        </p:txBody>
-      </p:sp>
-      <p:sp>
-        <p:nvSpPr>
-          <p:cNvPr id="11" name="TextBox 10">
-            <a:extLst>
-              <a:ext uri="{FF2B5EF4-FFF2-40B4-BE49-F238E27FC236}">
-                <a16:creationId xmlns:a16="http://schemas.microsoft.com/office/drawing/2014/main" id="{53644665-8842-40DA-B829-57D70D02E186}"/>
-              </a:ext>
-            </a:extLst>
-          </p:cNvPr>
-          <p:cNvSpPr txBox="1"/>
-          <p:nvPr/>
-        </p:nvSpPr>
-        <p:spPr>
-          <a:xfrm>
-            <a:off x="3287962" y="3684918"/>
-            <a:ext cx="1979802" cy="369332"/>
-          </a:xfrm>
-          <a:prstGeom prst="rect">
-            <a:avLst/>
-          </a:prstGeom>
-          <a:noFill/>
-          <a:ln>
-            <a:solidFill>
-              <a:schemeClr val="tx1"/>
-            </a:solidFill>
-          </a:ln>
-        </p:spPr>
-        <p:txBody>
-          <a:bodyPr wrap="square" rtlCol="0">
-            <a:spAutoFit/>
-          </a:bodyPr>
-          <a:lstStyle/>
-          <a:p>
-            <a:pPr algn="ctr"/>
-            <a:r>
-              <a:rPr lang="en-US" dirty="0"/>
-              <a:t>Database</a:t>
-            </a:r>
+          <a:lstStyle>
+            <a:lvl1pPr marL="228600" indent="-228600" algn="l" defTabSz="914400" rtl="0" eaLnBrk="1" latinLnBrk="0" hangingPunct="1">
+              <a:lnSpc>
+                <a:spcPct val="90000"/>
+              </a:lnSpc>
+              <a:spcBef>
+                <a:spcPts val="1000"/>
+              </a:spcBef>
+              <a:buFont typeface="Arial" panose="020B0604020202020204" pitchFamily="34" charset="0"/>
+              <a:buChar char="•"/>
+              <a:defRPr sz="2800" kern="1200">
+                <a:solidFill>
+                  <a:schemeClr val="tx1"/>
+                </a:solidFill>
+                <a:latin typeface="+mn-lt"/>
+                <a:ea typeface="+mn-ea"/>
+                <a:cs typeface="+mn-cs"/>
+              </a:defRPr>
+            </a:lvl1pPr>
+            <a:lvl2pPr marL="685800" indent="-228600" algn="l" defTabSz="914400" rtl="0" eaLnBrk="1" latinLnBrk="0" hangingPunct="1">
+              <a:lnSpc>
+                <a:spcPct val="90000"/>
+              </a:lnSpc>
+              <a:spcBef>
+                <a:spcPts val="500"/>
+              </a:spcBef>
+              <a:buFont typeface="Arial" panose="020B0604020202020204" pitchFamily="34" charset="0"/>
+              <a:buChar char="•"/>
+              <a:defRPr sz="2400" kern="1200">
+                <a:solidFill>
+                  <a:schemeClr val="tx1"/>
+                </a:solidFill>
+                <a:latin typeface="+mn-lt"/>
+                <a:ea typeface="+mn-ea"/>
+                <a:cs typeface="+mn-cs"/>
+              </a:defRPr>
+            </a:lvl2pPr>
+            <a:lvl3pPr marL="1143000" indent="-228600" algn="l" defTabSz="914400" rtl="0" eaLnBrk="1" latinLnBrk="0" hangingPunct="1">
+              <a:lnSpc>
+                <a:spcPct val="90000"/>
+              </a:lnSpc>
+              <a:spcBef>
+                <a:spcPts val="500"/>
+              </a:spcBef>
+              <a:buFont typeface="Arial" panose="020B0604020202020204" pitchFamily="34" charset="0"/>
+              <a:buChar char="•"/>
+              <a:defRPr sz="2000" kern="1200">
+                <a:solidFill>
+                  <a:schemeClr val="tx1"/>
+                </a:solidFill>
+                <a:latin typeface="+mn-lt"/>
+                <a:ea typeface="+mn-ea"/>
+                <a:cs typeface="+mn-cs"/>
+              </a:defRPr>
+            </a:lvl3pPr>
+            <a:lvl4pPr marL="1600200" indent="-228600" algn="l" defTabSz="914400" rtl="0" eaLnBrk="1" latinLnBrk="0" hangingPunct="1">
+              <a:lnSpc>
+                <a:spcPct val="90000"/>
+              </a:lnSpc>
+              <a:spcBef>
+                <a:spcPts val="500"/>
+              </a:spcBef>
+              <a:buFont typeface="Arial" panose="020B0604020202020204" pitchFamily="34" charset="0"/>
+              <a:buChar char="•"/>
+              <a:defRPr sz="1800" kern="1200">
+                <a:solidFill>
+                  <a:schemeClr val="tx1"/>
+                </a:solidFill>
+                <a:latin typeface="+mn-lt"/>
+                <a:ea typeface="+mn-ea"/>
+                <a:cs typeface="+mn-cs"/>
+              </a:defRPr>
+            </a:lvl4pPr>
+            <a:lvl5pPr marL="2057400" indent="-228600" algn="l" defTabSz="914400" rtl="0" eaLnBrk="1" latinLnBrk="0" hangingPunct="1">
+              <a:lnSpc>
+                <a:spcPct val="90000"/>
+              </a:lnSpc>
+              <a:spcBef>
+                <a:spcPts val="500"/>
+              </a:spcBef>
+              <a:buFont typeface="Arial" panose="020B0604020202020204" pitchFamily="34" charset="0"/>
+              <a:buChar char="•"/>
+              <a:defRPr sz="1800" kern="1200">
+                <a:solidFill>
+                  <a:schemeClr val="tx1"/>
+                </a:solidFill>
+                <a:latin typeface="+mn-lt"/>
+                <a:ea typeface="+mn-ea"/>
+                <a:cs typeface="+mn-cs"/>
+              </a:defRPr>
+            </a:lvl5pPr>
+            <a:lvl6pPr marL="2514600" indent="-228600" algn="l" defTabSz="914400" rtl="0" eaLnBrk="1" latinLnBrk="0" hangingPunct="1">
+              <a:lnSpc>
+                <a:spcPct val="90000"/>
+              </a:lnSpc>
+              <a:spcBef>
+                <a:spcPts val="500"/>
+              </a:spcBef>
+              <a:buFont typeface="Arial" panose="020B0604020202020204" pitchFamily="34" charset="0"/>
+              <a:buChar char="•"/>
+              <a:defRPr sz="1800" kern="1200">
+                <a:solidFill>
+                  <a:schemeClr val="tx1"/>
+                </a:solidFill>
+                <a:latin typeface="+mn-lt"/>
+                <a:ea typeface="+mn-ea"/>
+                <a:cs typeface="+mn-cs"/>
+              </a:defRPr>
+            </a:lvl6pPr>
+            <a:lvl7pPr marL="2971800" indent="-228600" algn="l" defTabSz="914400" rtl="0" eaLnBrk="1" latinLnBrk="0" hangingPunct="1">
+              <a:lnSpc>
+                <a:spcPct val="90000"/>
+              </a:lnSpc>
+              <a:spcBef>
+                <a:spcPts val="500"/>
+              </a:spcBef>
+              <a:buFont typeface="Arial" panose="020B0604020202020204" pitchFamily="34" charset="0"/>
+              <a:buChar char="•"/>
+              <a:defRPr sz="1800" kern="1200">
+                <a:solidFill>
+                  <a:schemeClr val="tx1"/>
+                </a:solidFill>
+                <a:latin typeface="+mn-lt"/>
+                <a:ea typeface="+mn-ea"/>
+                <a:cs typeface="+mn-cs"/>
+              </a:defRPr>
+            </a:lvl7pPr>
+            <a:lvl8pPr marL="3429000" indent="-228600" algn="l" defTabSz="914400" rtl="0" eaLnBrk="1" latinLnBrk="0" hangingPunct="1">
+              <a:lnSpc>
+                <a:spcPct val="90000"/>
+              </a:lnSpc>
+              <a:spcBef>
+                <a:spcPts val="500"/>
+              </a:spcBef>
+              <a:buFont typeface="Arial" panose="020B0604020202020204" pitchFamily="34" charset="0"/>
+              <a:buChar char="•"/>
+              <a:defRPr sz="1800" kern="1200">
+                <a:solidFill>
+                  <a:schemeClr val="tx1"/>
+                </a:solidFill>
+                <a:latin typeface="+mn-lt"/>
+                <a:ea typeface="+mn-ea"/>
+                <a:cs typeface="+mn-cs"/>
+              </a:defRPr>
+            </a:lvl8pPr>
+            <a:lvl9pPr marL="3886200" indent="-228600" algn="l" defTabSz="914400" rtl="0" eaLnBrk="1" latinLnBrk="0" hangingPunct="1">
+              <a:lnSpc>
+                <a:spcPct val="90000"/>
+              </a:lnSpc>
+              <a:spcBef>
+                <a:spcPts val="500"/>
+              </a:spcBef>
+              <a:buFont typeface="Arial" panose="020B0604020202020204" pitchFamily="34" charset="0"/>
+              <a:buChar char="•"/>
+              <a:defRPr sz="1800" kern="1200">
+                <a:solidFill>
+                  <a:schemeClr val="tx1"/>
+                </a:solidFill>
+                <a:latin typeface="+mn-lt"/>
+                <a:ea typeface="+mn-ea"/>
+                <a:cs typeface="+mn-cs"/>
+              </a:defRPr>
+            </a:lvl9pPr>
+          </a:lstStyle>
+          <a:p>
+            <a:pPr marL="0" indent="0">
+              <a:buFont typeface="Arial" panose="020B0604020202020204" pitchFamily="34" charset="0"/>
+              <a:buNone/>
+            </a:pPr>
+            <a:r>
+              <a:rPr lang="en-US" sz="1800" dirty="0"/>
+              <a:t>GET, POST  site.com/</a:t>
+            </a:r>
+            <a:r>
+              <a:rPr lang="en-US" sz="1800" dirty="0" err="1">
+                <a:highlight>
+                  <a:srgbClr val="00FF00"/>
+                </a:highlight>
+              </a:rPr>
+              <a:t>api</a:t>
+            </a:r>
+            <a:endParaRPr lang="en-US" sz="1800" dirty="0">
+              <a:highlight>
+                <a:srgbClr val="00FF00"/>
+              </a:highlight>
+            </a:endParaRPr>
           </a:p>
         </p:txBody>
       </p:sp>
       <p:cxnSp>
         <p:nvCxnSpPr>
-          <p:cNvPr id="13" name="Straight Connector 12">
-            <a:extLst>
-              <a:ext uri="{FF2B5EF4-FFF2-40B4-BE49-F238E27FC236}">
-                <a16:creationId xmlns:a16="http://schemas.microsoft.com/office/drawing/2014/main" id="{2049117A-3189-4D6C-B59E-EFF184DED37B}"/>
+          <p:cNvPr id="18" name="Straight Connector 17">
+            <a:extLst>
+              <a:ext uri="{FF2B5EF4-FFF2-40B4-BE49-F238E27FC236}">
+                <a16:creationId xmlns:a16="http://schemas.microsoft.com/office/drawing/2014/main" id="{79A3F22A-CDC0-4ED5-BEAA-941F86C0ABD3}"/>
               </a:ext>
             </a:extLst>
           </p:cNvPr>
           <p:cNvCxnSpPr>
             <a:cxnSpLocks/>
-            <a:stCxn id="5" idx="2"/>
-            <a:endCxn id="41" idx="0"/>
+            <a:stCxn id="4" idx="3"/>
+            <a:endCxn id="8" idx="2"/>
           </p:cNvCxnSpPr>
           <p:nvPr/>
         </p:nvCxnSpPr>
         <p:spPr>
           <a:xfrm>
-            <a:off x="5947794" y="2060020"/>
-            <a:ext cx="2866937" cy="616638"/>
+            <a:off x="4858130" y="2535400"/>
+            <a:ext cx="750878" cy="390248"/>
           </a:xfrm>
           <a:prstGeom prst="line">
             <a:avLst/>
@@ -5263,24 +8830,24 @@
       </p:cxnSp>
       <p:cxnSp>
         <p:nvCxnSpPr>
-          <p:cNvPr id="15" name="Straight Connector 14">
-            <a:extLst>
-              <a:ext uri="{FF2B5EF4-FFF2-40B4-BE49-F238E27FC236}">
-                <a16:creationId xmlns:a16="http://schemas.microsoft.com/office/drawing/2014/main" id="{0F9A1D4A-7D89-41AD-B5E0-4F8E91EE2AC4}"/>
+          <p:cNvPr id="19" name="Straight Connector 18">
+            <a:extLst>
+              <a:ext uri="{FF2B5EF4-FFF2-40B4-BE49-F238E27FC236}">
+                <a16:creationId xmlns:a16="http://schemas.microsoft.com/office/drawing/2014/main" id="{464D9C67-8C5E-4338-8816-6D9C343901FD}"/>
               </a:ext>
             </a:extLst>
           </p:cNvPr>
           <p:cNvCxnSpPr>
             <a:cxnSpLocks/>
-            <a:stCxn id="7" idx="0"/>
-            <a:endCxn id="4" idx="2"/>
+            <a:stCxn id="15" idx="3"/>
+            <a:endCxn id="8" idx="2"/>
           </p:cNvCxnSpPr>
           <p:nvPr/>
         </p:nvCxnSpPr>
         <p:spPr>
           <a:xfrm flipV="1">
-            <a:off x="6905539" y="3846131"/>
-            <a:ext cx="0" cy="533324"/>
+            <a:off x="4872464" y="2925648"/>
+            <a:ext cx="736544" cy="675729"/>
           </a:xfrm>
           <a:prstGeom prst="line">
             <a:avLst/>
@@ -5303,24 +8870,122 @@
       </p:cxnSp>
       <p:cxnSp>
         <p:nvCxnSpPr>
-          <p:cNvPr id="18" name="Straight Connector 17">
-            <a:extLst>
-              <a:ext uri="{FF2B5EF4-FFF2-40B4-BE49-F238E27FC236}">
-                <a16:creationId xmlns:a16="http://schemas.microsoft.com/office/drawing/2014/main" id="{431CE483-D9FB-47EE-8916-2D56E6117021}"/>
+          <p:cNvPr id="22" name="Straight Connector 21">
+            <a:extLst>
+              <a:ext uri="{FF2B5EF4-FFF2-40B4-BE49-F238E27FC236}">
+                <a16:creationId xmlns:a16="http://schemas.microsoft.com/office/drawing/2014/main" id="{B2C6BC92-B088-4A57-8CD8-378B7B875C5B}"/>
               </a:ext>
             </a:extLst>
           </p:cNvPr>
           <p:cNvCxnSpPr>
             <a:cxnSpLocks/>
-            <a:stCxn id="8" idx="0"/>
-            <a:endCxn id="7" idx="2"/>
+            <a:stCxn id="14" idx="1"/>
+            <a:endCxn id="8" idx="6"/>
           </p:cNvCxnSpPr>
           <p:nvPr/>
         </p:nvCxnSpPr>
         <p:spPr>
-          <a:xfrm flipV="1">
-            <a:off x="6903440" y="4748787"/>
-            <a:ext cx="2099" cy="348658"/>
+          <a:xfrm flipH="1">
+            <a:off x="7110763" y="2032663"/>
+            <a:ext cx="1224243" cy="892985"/>
+          </a:xfrm>
+          <a:prstGeom prst="line">
+            <a:avLst/>
+          </a:prstGeom>
+        </p:spPr>
+        <p:style>
+          <a:lnRef idx="1">
+            <a:schemeClr val="accent1"/>
+          </a:lnRef>
+          <a:fillRef idx="0">
+            <a:schemeClr val="accent1"/>
+          </a:fillRef>
+          <a:effectRef idx="0">
+            <a:schemeClr val="accent1"/>
+          </a:effectRef>
+          <a:fontRef idx="minor">
+            <a:schemeClr val="tx1"/>
+          </a:fontRef>
+        </p:style>
+      </p:cxnSp>
+      <p:sp>
+        <p:nvSpPr>
+          <p:cNvPr id="26" name="Rectangle 25">
+            <a:extLst>
+              <a:ext uri="{FF2B5EF4-FFF2-40B4-BE49-F238E27FC236}">
+                <a16:creationId xmlns:a16="http://schemas.microsoft.com/office/drawing/2014/main" id="{1E45162A-97F2-4EC2-9D2D-EFFEE5DC827D}"/>
+              </a:ext>
+            </a:extLst>
+          </p:cNvPr>
+          <p:cNvSpPr/>
+          <p:nvPr/>
+        </p:nvSpPr>
+        <p:spPr>
+          <a:xfrm>
+            <a:off x="8335006" y="2444916"/>
+            <a:ext cx="591429" cy="824507"/>
+          </a:xfrm>
+          <a:prstGeom prst="rect">
+            <a:avLst/>
+          </a:prstGeom>
+        </p:spPr>
+        <p:style>
+          <a:lnRef idx="2">
+            <a:schemeClr val="accent1">
+              <a:shade val="50000"/>
+            </a:schemeClr>
+          </a:lnRef>
+          <a:fillRef idx="1">
+            <a:schemeClr val="accent1"/>
+          </a:fillRef>
+          <a:effectRef idx="0">
+            <a:schemeClr val="accent1"/>
+          </a:effectRef>
+          <a:fontRef idx="minor">
+            <a:schemeClr val="lt1"/>
+          </a:fontRef>
+        </p:style>
+        <p:txBody>
+          <a:bodyPr rtlCol="0" anchor="ctr"/>
+          <a:lstStyle/>
+          <a:p>
+            <a:pPr algn="ctr"/>
+            <a:r>
+              <a:rPr lang="en-US" sz="1400" dirty="0" err="1"/>
+              <a:t>api</a:t>
+            </a:r>
+            <a:r>
+              <a:rPr lang="en-US" sz="1400" dirty="0"/>
+              <a:t> </a:t>
+            </a:r>
+            <a:r>
+              <a:rPr lang="en-US" sz="1400" dirty="0" err="1"/>
+              <a:t>urls</a:t>
+            </a:r>
+            <a:endParaRPr lang="en-US" sz="1400" dirty="0"/>
+          </a:p>
+        </p:txBody>
+      </p:sp>
+      <p:cxnSp>
+        <p:nvCxnSpPr>
+          <p:cNvPr id="27" name="Straight Connector 26">
+            <a:extLst>
+              <a:ext uri="{FF2B5EF4-FFF2-40B4-BE49-F238E27FC236}">
+                <a16:creationId xmlns:a16="http://schemas.microsoft.com/office/drawing/2014/main" id="{33F33A00-8F5C-4113-8B66-DCE248BD0388}"/>
+              </a:ext>
+            </a:extLst>
+          </p:cNvPr>
+          <p:cNvCxnSpPr>
+            <a:cxnSpLocks/>
+            <a:stCxn id="26" idx="1"/>
+            <a:endCxn id="8" idx="6"/>
+          </p:cNvCxnSpPr>
+          <p:nvPr/>
+        </p:nvCxnSpPr>
+        <p:spPr>
+          <a:xfrm flipH="1">
+            <a:off x="7110763" y="2857170"/>
+            <a:ext cx="1224243" cy="68478"/>
           </a:xfrm>
           <a:prstGeom prst="line">
             <a:avLst/>
@@ -5343,24 +9008,24 @@
       </p:cxnSp>
       <p:cxnSp>
         <p:nvCxnSpPr>
-          <p:cNvPr id="21" name="Straight Connector 20">
-            <a:extLst>
-              <a:ext uri="{FF2B5EF4-FFF2-40B4-BE49-F238E27FC236}">
-                <a16:creationId xmlns:a16="http://schemas.microsoft.com/office/drawing/2014/main" id="{10B4C6B9-8144-4788-B7CE-0AB403499508}"/>
+          <p:cNvPr id="23" name="Straight Connector 22">
+            <a:extLst>
+              <a:ext uri="{FF2B5EF4-FFF2-40B4-BE49-F238E27FC236}">
+                <a16:creationId xmlns:a16="http://schemas.microsoft.com/office/drawing/2014/main" id="{0806B4DF-ECC8-4DD1-A3FB-D64807D022FC}"/>
               </a:ext>
             </a:extLst>
           </p:cNvPr>
           <p:cNvCxnSpPr>
             <a:cxnSpLocks/>
-            <a:stCxn id="9" idx="0"/>
-            <a:endCxn id="5" idx="2"/>
+            <a:stCxn id="5" idx="1"/>
+            <a:endCxn id="26" idx="3"/>
           </p:cNvCxnSpPr>
           <p:nvPr/>
         </p:nvCxnSpPr>
         <p:spPr>
-          <a:xfrm flipV="1">
-            <a:off x="3197082" y="2060020"/>
-            <a:ext cx="2750712" cy="673863"/>
+          <a:xfrm flipH="1">
+            <a:off x="8926435" y="1829436"/>
+            <a:ext cx="617119" cy="1027734"/>
           </a:xfrm>
           <a:prstGeom prst="line">
             <a:avLst/>
@@ -5383,24 +9048,24 @@
       </p:cxnSp>
       <p:cxnSp>
         <p:nvCxnSpPr>
-          <p:cNvPr id="24" name="Straight Connector 23">
-            <a:extLst>
-              <a:ext uri="{FF2B5EF4-FFF2-40B4-BE49-F238E27FC236}">
-                <a16:creationId xmlns:a16="http://schemas.microsoft.com/office/drawing/2014/main" id="{C064B7BD-9E88-47C3-B054-895D5D289738}"/>
+          <p:cNvPr id="25" name="Straight Connector 24">
+            <a:extLst>
+              <a:ext uri="{FF2B5EF4-FFF2-40B4-BE49-F238E27FC236}">
+                <a16:creationId xmlns:a16="http://schemas.microsoft.com/office/drawing/2014/main" id="{4DDF0419-07C2-4433-924A-43DCB8870581}"/>
               </a:ext>
             </a:extLst>
           </p:cNvPr>
           <p:cNvCxnSpPr>
             <a:cxnSpLocks/>
-            <a:stCxn id="11" idx="0"/>
-            <a:endCxn id="9" idx="2"/>
+            <a:stCxn id="6" idx="1"/>
+            <a:endCxn id="26" idx="3"/>
           </p:cNvCxnSpPr>
           <p:nvPr/>
         </p:nvCxnSpPr>
         <p:spPr>
-          <a:xfrm flipH="1" flipV="1">
-            <a:off x="3197082" y="3103215"/>
-            <a:ext cx="1080781" cy="581703"/>
+          <a:xfrm flipH="1">
+            <a:off x="8926435" y="2398488"/>
+            <a:ext cx="617118" cy="458682"/>
           </a:xfrm>
           <a:prstGeom prst="line">
             <a:avLst/>
@@ -5421,293 +9086,416 @@
           </a:fontRef>
         </p:style>
       </p:cxnSp>
-      <p:cxnSp>
-        <p:nvCxnSpPr>
-          <p:cNvPr id="27" name="Straight Connector 26">
-            <a:extLst>
-              <a:ext uri="{FF2B5EF4-FFF2-40B4-BE49-F238E27FC236}">
-                <a16:creationId xmlns:a16="http://schemas.microsoft.com/office/drawing/2014/main" id="{28D6298D-BF4E-4AB1-A666-335A8DC783F0}"/>
-              </a:ext>
-            </a:extLst>
-          </p:cNvPr>
-          <p:cNvCxnSpPr>
-            <a:cxnSpLocks/>
-            <a:stCxn id="10" idx="0"/>
-            <a:endCxn id="9" idx="2"/>
-          </p:cNvCxnSpPr>
-          <p:nvPr/>
-        </p:nvCxnSpPr>
-        <p:spPr>
-          <a:xfrm flipV="1">
-            <a:off x="1947123" y="3103215"/>
-            <a:ext cx="1249959" cy="581703"/>
-          </a:xfrm>
-          <a:prstGeom prst="line">
-            <a:avLst/>
-          </a:prstGeom>
-        </p:spPr>
-        <p:style>
-          <a:lnRef idx="1">
-            <a:schemeClr val="accent1"/>
-          </a:lnRef>
-          <a:fillRef idx="0">
-            <a:schemeClr val="accent1"/>
-          </a:fillRef>
-          <a:effectRef idx="0">
-            <a:schemeClr val="accent1"/>
-          </a:effectRef>
-          <a:fontRef idx="minor">
-            <a:schemeClr val="tx1"/>
-          </a:fontRef>
-        </p:style>
-      </p:cxnSp>
-      <p:sp>
-        <p:nvSpPr>
-          <p:cNvPr id="39" name="TextBox 38">
-            <a:extLst>
-              <a:ext uri="{FF2B5EF4-FFF2-40B4-BE49-F238E27FC236}">
-                <a16:creationId xmlns:a16="http://schemas.microsoft.com/office/drawing/2014/main" id="{7A0397B8-ED92-4841-B203-66F2C2FEE6C5}"/>
-              </a:ext>
-            </a:extLst>
-          </p:cNvPr>
-          <p:cNvSpPr txBox="1"/>
+      <p:sp>
+        <p:nvSpPr>
+          <p:cNvPr id="28" name="Content Placeholder 2">
+            <a:extLst>
+              <a:ext uri="{FF2B5EF4-FFF2-40B4-BE49-F238E27FC236}">
+                <a16:creationId xmlns:a16="http://schemas.microsoft.com/office/drawing/2014/main" id="{B4AC751D-38C1-44B8-9F11-9155EACEF493}"/>
+              </a:ext>
+            </a:extLst>
+          </p:cNvPr>
+          <p:cNvSpPr txBox="1">
+            <a:spLocks/>
+          </p:cNvSpPr>
           <p:nvPr/>
         </p:nvSpPr>
         <p:spPr>
           <a:xfrm>
-            <a:off x="10109784" y="3476799"/>
-            <a:ext cx="1364258" cy="369332"/>
+            <a:off x="8297001" y="943706"/>
+            <a:ext cx="2737185" cy="568683"/>
           </a:xfrm>
           <a:prstGeom prst="rect">
             <a:avLst/>
           </a:prstGeom>
-          <a:noFill/>
-          <a:ln>
-            <a:solidFill>
-              <a:schemeClr val="tx1"/>
-            </a:solidFill>
-          </a:ln>
         </p:spPr>
         <p:txBody>
-          <a:bodyPr wrap="square" rtlCol="0">
-            <a:spAutoFit/>
+          <a:bodyPr vert="horz" lIns="91440" tIns="45720" rIns="91440" bIns="45720" rtlCol="0">
+            <a:normAutofit/>
           </a:bodyPr>
-          <a:lstStyle/>
-          <a:p>
-            <a:pPr algn="ctr"/>
+          <a:lstStyle>
+            <a:lvl1pPr marL="228600" indent="-228600" algn="l" defTabSz="914400" rtl="0" eaLnBrk="1" latinLnBrk="0" hangingPunct="1">
+              <a:lnSpc>
+                <a:spcPct val="90000"/>
+              </a:lnSpc>
+              <a:spcBef>
+                <a:spcPts val="1000"/>
+              </a:spcBef>
+              <a:buFont typeface="Arial" panose="020B0604020202020204" pitchFamily="34" charset="0"/>
+              <a:buChar char="•"/>
+              <a:defRPr sz="2800" kern="1200">
+                <a:solidFill>
+                  <a:schemeClr val="tx1"/>
+                </a:solidFill>
+                <a:latin typeface="+mn-lt"/>
+                <a:ea typeface="+mn-ea"/>
+                <a:cs typeface="+mn-cs"/>
+              </a:defRPr>
+            </a:lvl1pPr>
+            <a:lvl2pPr marL="685800" indent="-228600" algn="l" defTabSz="914400" rtl="0" eaLnBrk="1" latinLnBrk="0" hangingPunct="1">
+              <a:lnSpc>
+                <a:spcPct val="90000"/>
+              </a:lnSpc>
+              <a:spcBef>
+                <a:spcPts val="500"/>
+              </a:spcBef>
+              <a:buFont typeface="Arial" panose="020B0604020202020204" pitchFamily="34" charset="0"/>
+              <a:buChar char="•"/>
+              <a:defRPr sz="2400" kern="1200">
+                <a:solidFill>
+                  <a:schemeClr val="tx1"/>
+                </a:solidFill>
+                <a:latin typeface="+mn-lt"/>
+                <a:ea typeface="+mn-ea"/>
+                <a:cs typeface="+mn-cs"/>
+              </a:defRPr>
+            </a:lvl2pPr>
+            <a:lvl3pPr marL="1143000" indent="-228600" algn="l" defTabSz="914400" rtl="0" eaLnBrk="1" latinLnBrk="0" hangingPunct="1">
+              <a:lnSpc>
+                <a:spcPct val="90000"/>
+              </a:lnSpc>
+              <a:spcBef>
+                <a:spcPts val="500"/>
+              </a:spcBef>
+              <a:buFont typeface="Arial" panose="020B0604020202020204" pitchFamily="34" charset="0"/>
+              <a:buChar char="•"/>
+              <a:defRPr sz="2000" kern="1200">
+                <a:solidFill>
+                  <a:schemeClr val="tx1"/>
+                </a:solidFill>
+                <a:latin typeface="+mn-lt"/>
+                <a:ea typeface="+mn-ea"/>
+                <a:cs typeface="+mn-cs"/>
+              </a:defRPr>
+            </a:lvl3pPr>
+            <a:lvl4pPr marL="1600200" indent="-228600" algn="l" defTabSz="914400" rtl="0" eaLnBrk="1" latinLnBrk="0" hangingPunct="1">
+              <a:lnSpc>
+                <a:spcPct val="90000"/>
+              </a:lnSpc>
+              <a:spcBef>
+                <a:spcPts val="500"/>
+              </a:spcBef>
+              <a:buFont typeface="Arial" panose="020B0604020202020204" pitchFamily="34" charset="0"/>
+              <a:buChar char="•"/>
+              <a:defRPr sz="1800" kern="1200">
+                <a:solidFill>
+                  <a:schemeClr val="tx1"/>
+                </a:solidFill>
+                <a:latin typeface="+mn-lt"/>
+                <a:ea typeface="+mn-ea"/>
+                <a:cs typeface="+mn-cs"/>
+              </a:defRPr>
+            </a:lvl4pPr>
+            <a:lvl5pPr marL="2057400" indent="-228600" algn="l" defTabSz="914400" rtl="0" eaLnBrk="1" latinLnBrk="0" hangingPunct="1">
+              <a:lnSpc>
+                <a:spcPct val="90000"/>
+              </a:lnSpc>
+              <a:spcBef>
+                <a:spcPts val="500"/>
+              </a:spcBef>
+              <a:buFont typeface="Arial" panose="020B0604020202020204" pitchFamily="34" charset="0"/>
+              <a:buChar char="•"/>
+              <a:defRPr sz="1800" kern="1200">
+                <a:solidFill>
+                  <a:schemeClr val="tx1"/>
+                </a:solidFill>
+                <a:latin typeface="+mn-lt"/>
+                <a:ea typeface="+mn-ea"/>
+                <a:cs typeface="+mn-cs"/>
+              </a:defRPr>
+            </a:lvl5pPr>
+            <a:lvl6pPr marL="2514600" indent="-228600" algn="l" defTabSz="914400" rtl="0" eaLnBrk="1" latinLnBrk="0" hangingPunct="1">
+              <a:lnSpc>
+                <a:spcPct val="90000"/>
+              </a:lnSpc>
+              <a:spcBef>
+                <a:spcPts val="500"/>
+              </a:spcBef>
+              <a:buFont typeface="Arial" panose="020B0604020202020204" pitchFamily="34" charset="0"/>
+              <a:buChar char="•"/>
+              <a:defRPr sz="1800" kern="1200">
+                <a:solidFill>
+                  <a:schemeClr val="tx1"/>
+                </a:solidFill>
+                <a:latin typeface="+mn-lt"/>
+                <a:ea typeface="+mn-ea"/>
+                <a:cs typeface="+mn-cs"/>
+              </a:defRPr>
+            </a:lvl6pPr>
+            <a:lvl7pPr marL="2971800" indent="-228600" algn="l" defTabSz="914400" rtl="0" eaLnBrk="1" latinLnBrk="0" hangingPunct="1">
+              <a:lnSpc>
+                <a:spcPct val="90000"/>
+              </a:lnSpc>
+              <a:spcBef>
+                <a:spcPts val="500"/>
+              </a:spcBef>
+              <a:buFont typeface="Arial" panose="020B0604020202020204" pitchFamily="34" charset="0"/>
+              <a:buChar char="•"/>
+              <a:defRPr sz="1800" kern="1200">
+                <a:solidFill>
+                  <a:schemeClr val="tx1"/>
+                </a:solidFill>
+                <a:latin typeface="+mn-lt"/>
+                <a:ea typeface="+mn-ea"/>
+                <a:cs typeface="+mn-cs"/>
+              </a:defRPr>
+            </a:lvl7pPr>
+            <a:lvl8pPr marL="3429000" indent="-228600" algn="l" defTabSz="914400" rtl="0" eaLnBrk="1" latinLnBrk="0" hangingPunct="1">
+              <a:lnSpc>
+                <a:spcPct val="90000"/>
+              </a:lnSpc>
+              <a:spcBef>
+                <a:spcPts val="500"/>
+              </a:spcBef>
+              <a:buFont typeface="Arial" panose="020B0604020202020204" pitchFamily="34" charset="0"/>
+              <a:buChar char="•"/>
+              <a:defRPr sz="1800" kern="1200">
+                <a:solidFill>
+                  <a:schemeClr val="tx1"/>
+                </a:solidFill>
+                <a:latin typeface="+mn-lt"/>
+                <a:ea typeface="+mn-ea"/>
+                <a:cs typeface="+mn-cs"/>
+              </a:defRPr>
+            </a:lvl8pPr>
+            <a:lvl9pPr marL="3886200" indent="-228600" algn="l" defTabSz="914400" rtl="0" eaLnBrk="1" latinLnBrk="0" hangingPunct="1">
+              <a:lnSpc>
+                <a:spcPct val="90000"/>
+              </a:lnSpc>
+              <a:spcBef>
+                <a:spcPts val="500"/>
+              </a:spcBef>
+              <a:buFont typeface="Arial" panose="020B0604020202020204" pitchFamily="34" charset="0"/>
+              <a:buChar char="•"/>
+              <a:defRPr sz="1800" kern="1200">
+                <a:solidFill>
+                  <a:schemeClr val="tx1"/>
+                </a:solidFill>
+                <a:latin typeface="+mn-lt"/>
+                <a:ea typeface="+mn-ea"/>
+                <a:cs typeface="+mn-cs"/>
+              </a:defRPr>
+            </a:lvl9pPr>
+          </a:lstStyle>
+          <a:p>
+            <a:pPr marL="0" indent="0">
+              <a:buFont typeface="Arial" panose="020B0604020202020204" pitchFamily="34" charset="0"/>
+              <a:buNone/>
+            </a:pPr>
             <a:r>
               <a:rPr lang="en-US" dirty="0"/>
-              <a:t>About</a:t>
-            </a:r>
-          </a:p>
-        </p:txBody>
-      </p:sp>
-      <p:sp>
-        <p:nvSpPr>
-          <p:cNvPr id="40" name="TextBox 39">
-            <a:extLst>
-              <a:ext uri="{FF2B5EF4-FFF2-40B4-BE49-F238E27FC236}">
-                <a16:creationId xmlns:a16="http://schemas.microsoft.com/office/drawing/2014/main" id="{7CD6919F-CC9E-4F8C-ABD0-1976C657D1EB}"/>
-              </a:ext>
-            </a:extLst>
-          </p:cNvPr>
-          <p:cNvSpPr txBox="1"/>
+              <a:t>Our DB, App, ML</a:t>
+            </a:r>
+          </a:p>
+        </p:txBody>
+      </p:sp>
+      <p:sp>
+        <p:nvSpPr>
+          <p:cNvPr id="40" name="Content Placeholder 2">
+            <a:extLst>
+              <a:ext uri="{FF2B5EF4-FFF2-40B4-BE49-F238E27FC236}">
+                <a16:creationId xmlns:a16="http://schemas.microsoft.com/office/drawing/2014/main" id="{5EA38B3B-DE41-4DA7-A03C-9458B4948D1D}"/>
+              </a:ext>
+            </a:extLst>
+          </p:cNvPr>
+          <p:cNvSpPr txBox="1">
+            <a:spLocks/>
+          </p:cNvSpPr>
           <p:nvPr/>
         </p:nvSpPr>
         <p:spPr>
           <a:xfrm>
-            <a:off x="8245684" y="3496001"/>
-            <a:ext cx="1554756" cy="369332"/>
+            <a:off x="871863" y="3301916"/>
+            <a:ext cx="1785073" cy="568683"/>
           </a:xfrm>
           <a:prstGeom prst="rect">
             <a:avLst/>
           </a:prstGeom>
-          <a:noFill/>
-          <a:ln>
-            <a:solidFill>
-              <a:schemeClr val="tx1"/>
-            </a:solidFill>
-          </a:ln>
         </p:spPr>
         <p:txBody>
-          <a:bodyPr wrap="square" rtlCol="0">
-            <a:spAutoFit/>
+          <a:bodyPr vert="horz" lIns="91440" tIns="45720" rIns="91440" bIns="45720" rtlCol="0">
+            <a:normAutofit/>
           </a:bodyPr>
-          <a:lstStyle/>
-          <a:p>
-            <a:pPr algn="ctr"/>
+          <a:lstStyle>
+            <a:lvl1pPr marL="228600" indent="-228600" algn="l" defTabSz="914400" rtl="0" eaLnBrk="1" latinLnBrk="0" hangingPunct="1">
+              <a:lnSpc>
+                <a:spcPct val="90000"/>
+              </a:lnSpc>
+              <a:spcBef>
+                <a:spcPts val="1000"/>
+              </a:spcBef>
+              <a:buFont typeface="Arial" panose="020B0604020202020204" pitchFamily="34" charset="0"/>
+              <a:buChar char="•"/>
+              <a:defRPr sz="2800" kern="1200">
+                <a:solidFill>
+                  <a:schemeClr val="tx1"/>
+                </a:solidFill>
+                <a:latin typeface="+mn-lt"/>
+                <a:ea typeface="+mn-ea"/>
+                <a:cs typeface="+mn-cs"/>
+              </a:defRPr>
+            </a:lvl1pPr>
+            <a:lvl2pPr marL="685800" indent="-228600" algn="l" defTabSz="914400" rtl="0" eaLnBrk="1" latinLnBrk="0" hangingPunct="1">
+              <a:lnSpc>
+                <a:spcPct val="90000"/>
+              </a:lnSpc>
+              <a:spcBef>
+                <a:spcPts val="500"/>
+              </a:spcBef>
+              <a:buFont typeface="Arial" panose="020B0604020202020204" pitchFamily="34" charset="0"/>
+              <a:buChar char="•"/>
+              <a:defRPr sz="2400" kern="1200">
+                <a:solidFill>
+                  <a:schemeClr val="tx1"/>
+                </a:solidFill>
+                <a:latin typeface="+mn-lt"/>
+                <a:ea typeface="+mn-ea"/>
+                <a:cs typeface="+mn-cs"/>
+              </a:defRPr>
+            </a:lvl2pPr>
+            <a:lvl3pPr marL="1143000" indent="-228600" algn="l" defTabSz="914400" rtl="0" eaLnBrk="1" latinLnBrk="0" hangingPunct="1">
+              <a:lnSpc>
+                <a:spcPct val="90000"/>
+              </a:lnSpc>
+              <a:spcBef>
+                <a:spcPts val="500"/>
+              </a:spcBef>
+              <a:buFont typeface="Arial" panose="020B0604020202020204" pitchFamily="34" charset="0"/>
+              <a:buChar char="•"/>
+              <a:defRPr sz="2000" kern="1200">
+                <a:solidFill>
+                  <a:schemeClr val="tx1"/>
+                </a:solidFill>
+                <a:latin typeface="+mn-lt"/>
+                <a:ea typeface="+mn-ea"/>
+                <a:cs typeface="+mn-cs"/>
+              </a:defRPr>
+            </a:lvl3pPr>
+            <a:lvl4pPr marL="1600200" indent="-228600" algn="l" defTabSz="914400" rtl="0" eaLnBrk="1" latinLnBrk="0" hangingPunct="1">
+              <a:lnSpc>
+                <a:spcPct val="90000"/>
+              </a:lnSpc>
+              <a:spcBef>
+                <a:spcPts val="500"/>
+              </a:spcBef>
+              <a:buFont typeface="Arial" panose="020B0604020202020204" pitchFamily="34" charset="0"/>
+              <a:buChar char="•"/>
+              <a:defRPr sz="1800" kern="1200">
+                <a:solidFill>
+                  <a:schemeClr val="tx1"/>
+                </a:solidFill>
+                <a:latin typeface="+mn-lt"/>
+                <a:ea typeface="+mn-ea"/>
+                <a:cs typeface="+mn-cs"/>
+              </a:defRPr>
+            </a:lvl4pPr>
+            <a:lvl5pPr marL="2057400" indent="-228600" algn="l" defTabSz="914400" rtl="0" eaLnBrk="1" latinLnBrk="0" hangingPunct="1">
+              <a:lnSpc>
+                <a:spcPct val="90000"/>
+              </a:lnSpc>
+              <a:spcBef>
+                <a:spcPts val="500"/>
+              </a:spcBef>
+              <a:buFont typeface="Arial" panose="020B0604020202020204" pitchFamily="34" charset="0"/>
+              <a:buChar char="•"/>
+              <a:defRPr sz="1800" kern="1200">
+                <a:solidFill>
+                  <a:schemeClr val="tx1"/>
+                </a:solidFill>
+                <a:latin typeface="+mn-lt"/>
+                <a:ea typeface="+mn-ea"/>
+                <a:cs typeface="+mn-cs"/>
+              </a:defRPr>
+            </a:lvl5pPr>
+            <a:lvl6pPr marL="2514600" indent="-228600" algn="l" defTabSz="914400" rtl="0" eaLnBrk="1" latinLnBrk="0" hangingPunct="1">
+              <a:lnSpc>
+                <a:spcPct val="90000"/>
+              </a:lnSpc>
+              <a:spcBef>
+                <a:spcPts val="500"/>
+              </a:spcBef>
+              <a:buFont typeface="Arial" panose="020B0604020202020204" pitchFamily="34" charset="0"/>
+              <a:buChar char="•"/>
+              <a:defRPr sz="1800" kern="1200">
+                <a:solidFill>
+                  <a:schemeClr val="tx1"/>
+                </a:solidFill>
+                <a:latin typeface="+mn-lt"/>
+                <a:ea typeface="+mn-ea"/>
+                <a:cs typeface="+mn-cs"/>
+              </a:defRPr>
+            </a:lvl6pPr>
+            <a:lvl7pPr marL="2971800" indent="-228600" algn="l" defTabSz="914400" rtl="0" eaLnBrk="1" latinLnBrk="0" hangingPunct="1">
+              <a:lnSpc>
+                <a:spcPct val="90000"/>
+              </a:lnSpc>
+              <a:spcBef>
+                <a:spcPts val="500"/>
+              </a:spcBef>
+              <a:buFont typeface="Arial" panose="020B0604020202020204" pitchFamily="34" charset="0"/>
+              <a:buChar char="•"/>
+              <a:defRPr sz="1800" kern="1200">
+                <a:solidFill>
+                  <a:schemeClr val="tx1"/>
+                </a:solidFill>
+                <a:latin typeface="+mn-lt"/>
+                <a:ea typeface="+mn-ea"/>
+                <a:cs typeface="+mn-cs"/>
+              </a:defRPr>
+            </a:lvl7pPr>
+            <a:lvl8pPr marL="3429000" indent="-228600" algn="l" defTabSz="914400" rtl="0" eaLnBrk="1" latinLnBrk="0" hangingPunct="1">
+              <a:lnSpc>
+                <a:spcPct val="90000"/>
+              </a:lnSpc>
+              <a:spcBef>
+                <a:spcPts val="500"/>
+              </a:spcBef>
+              <a:buFont typeface="Arial" panose="020B0604020202020204" pitchFamily="34" charset="0"/>
+              <a:buChar char="•"/>
+              <a:defRPr sz="1800" kern="1200">
+                <a:solidFill>
+                  <a:schemeClr val="tx1"/>
+                </a:solidFill>
+                <a:latin typeface="+mn-lt"/>
+                <a:ea typeface="+mn-ea"/>
+                <a:cs typeface="+mn-cs"/>
+              </a:defRPr>
+            </a:lvl8pPr>
+            <a:lvl9pPr marL="3886200" indent="-228600" algn="l" defTabSz="914400" rtl="0" eaLnBrk="1" latinLnBrk="0" hangingPunct="1">
+              <a:lnSpc>
+                <a:spcPct val="90000"/>
+              </a:lnSpc>
+              <a:spcBef>
+                <a:spcPts val="500"/>
+              </a:spcBef>
+              <a:buFont typeface="Arial" panose="020B0604020202020204" pitchFamily="34" charset="0"/>
+              <a:buChar char="•"/>
+              <a:defRPr sz="1800" kern="1200">
+                <a:solidFill>
+                  <a:schemeClr val="tx1"/>
+                </a:solidFill>
+                <a:latin typeface="+mn-lt"/>
+                <a:ea typeface="+mn-ea"/>
+                <a:cs typeface="+mn-cs"/>
+              </a:defRPr>
+            </a:lvl9pPr>
+          </a:lstStyle>
+          <a:p>
+            <a:pPr marL="0" indent="0">
+              <a:buFont typeface="Arial" panose="020B0604020202020204" pitchFamily="34" charset="0"/>
+              <a:buNone/>
+            </a:pPr>
             <a:r>
               <a:rPr lang="en-US" dirty="0"/>
-              <a:t>References</a:t>
-            </a:r>
-          </a:p>
-        </p:txBody>
-      </p:sp>
-      <p:sp>
-        <p:nvSpPr>
-          <p:cNvPr id="41" name="TextBox 40">
-            <a:extLst>
-              <a:ext uri="{FF2B5EF4-FFF2-40B4-BE49-F238E27FC236}">
-                <a16:creationId xmlns:a16="http://schemas.microsoft.com/office/drawing/2014/main" id="{9498F8C1-9E26-4E74-808C-0DE12D2A9133}"/>
-              </a:ext>
-            </a:extLst>
-          </p:cNvPr>
-          <p:cNvSpPr txBox="1"/>
-          <p:nvPr/>
-        </p:nvSpPr>
-        <p:spPr>
-          <a:xfrm>
-            <a:off x="7859085" y="2676658"/>
-            <a:ext cx="1911291" cy="369332"/>
-          </a:xfrm>
-          <a:prstGeom prst="rect">
-            <a:avLst/>
-          </a:prstGeom>
-          <a:noFill/>
-          <a:ln>
-            <a:solidFill>
-              <a:schemeClr val="tx1"/>
-            </a:solidFill>
-          </a:ln>
-        </p:spPr>
-        <p:txBody>
-          <a:bodyPr wrap="square" rtlCol="0">
-            <a:spAutoFit/>
-          </a:bodyPr>
-          <a:lstStyle/>
-          <a:p>
-            <a:pPr algn="ctr"/>
-            <a:r>
-              <a:rPr lang="en-US" dirty="0"/>
-              <a:t>Home</a:t>
-            </a:r>
-          </a:p>
-        </p:txBody>
-      </p:sp>
-      <p:cxnSp>
-        <p:nvCxnSpPr>
-          <p:cNvPr id="43" name="Straight Connector 42">
-            <a:extLst>
-              <a:ext uri="{FF2B5EF4-FFF2-40B4-BE49-F238E27FC236}">
-                <a16:creationId xmlns:a16="http://schemas.microsoft.com/office/drawing/2014/main" id="{F2F9CABA-7E97-4E2F-A454-C8F31158D1A8}"/>
-              </a:ext>
-            </a:extLst>
-          </p:cNvPr>
-          <p:cNvCxnSpPr>
-            <a:cxnSpLocks/>
-            <a:stCxn id="4" idx="0"/>
-            <a:endCxn id="41" idx="2"/>
-          </p:cNvCxnSpPr>
-          <p:nvPr/>
-        </p:nvCxnSpPr>
-        <p:spPr>
-          <a:xfrm flipV="1">
-            <a:off x="6905539" y="3045990"/>
-            <a:ext cx="1909192" cy="430809"/>
-          </a:xfrm>
-          <a:prstGeom prst="line">
-            <a:avLst/>
-          </a:prstGeom>
-        </p:spPr>
-        <p:style>
-          <a:lnRef idx="1">
-            <a:schemeClr val="accent1"/>
-          </a:lnRef>
-          <a:fillRef idx="0">
-            <a:schemeClr val="accent1"/>
-          </a:fillRef>
-          <a:effectRef idx="0">
-            <a:schemeClr val="accent1"/>
-          </a:effectRef>
-          <a:fontRef idx="minor">
-            <a:schemeClr val="tx1"/>
-          </a:fontRef>
-        </p:style>
-      </p:cxnSp>
-      <p:cxnSp>
-        <p:nvCxnSpPr>
-          <p:cNvPr id="46" name="Straight Connector 45">
-            <a:extLst>
-              <a:ext uri="{FF2B5EF4-FFF2-40B4-BE49-F238E27FC236}">
-                <a16:creationId xmlns:a16="http://schemas.microsoft.com/office/drawing/2014/main" id="{225A76A6-AF9A-407A-AE7C-46EB14129710}"/>
-              </a:ext>
-            </a:extLst>
-          </p:cNvPr>
-          <p:cNvCxnSpPr>
-            <a:cxnSpLocks/>
-            <a:stCxn id="40" idx="0"/>
-            <a:endCxn id="41" idx="2"/>
-          </p:cNvCxnSpPr>
-          <p:nvPr/>
-        </p:nvCxnSpPr>
-        <p:spPr>
-          <a:xfrm flipH="1" flipV="1">
-            <a:off x="8814731" y="3045990"/>
-            <a:ext cx="208331" cy="450011"/>
-          </a:xfrm>
-          <a:prstGeom prst="line">
-            <a:avLst/>
-          </a:prstGeom>
-        </p:spPr>
-        <p:style>
-          <a:lnRef idx="1">
-            <a:schemeClr val="accent1"/>
-          </a:lnRef>
-          <a:fillRef idx="0">
-            <a:schemeClr val="accent1"/>
-          </a:fillRef>
-          <a:effectRef idx="0">
-            <a:schemeClr val="accent1"/>
-          </a:effectRef>
-          <a:fontRef idx="minor">
-            <a:schemeClr val="tx1"/>
-          </a:fontRef>
-        </p:style>
-      </p:cxnSp>
-      <p:cxnSp>
-        <p:nvCxnSpPr>
-          <p:cNvPr id="49" name="Straight Connector 48">
-            <a:extLst>
-              <a:ext uri="{FF2B5EF4-FFF2-40B4-BE49-F238E27FC236}">
-                <a16:creationId xmlns:a16="http://schemas.microsoft.com/office/drawing/2014/main" id="{6194BE01-A3B4-4379-BEAC-E5FBCEA7799F}"/>
-              </a:ext>
-            </a:extLst>
-          </p:cNvPr>
-          <p:cNvCxnSpPr>
-            <a:cxnSpLocks/>
-            <a:stCxn id="39" idx="0"/>
-            <a:endCxn id="41" idx="2"/>
-          </p:cNvCxnSpPr>
-          <p:nvPr/>
-        </p:nvCxnSpPr>
-        <p:spPr>
-          <a:xfrm flipH="1" flipV="1">
-            <a:off x="8814731" y="3045990"/>
-            <a:ext cx="1977182" cy="430809"/>
-          </a:xfrm>
-          <a:prstGeom prst="line">
-            <a:avLst/>
-          </a:prstGeom>
-        </p:spPr>
-        <p:style>
-          <a:lnRef idx="1">
-            <a:schemeClr val="accent1"/>
-          </a:lnRef>
-          <a:fillRef idx="0">
-            <a:schemeClr val="accent1"/>
-          </a:fillRef>
-          <a:effectRef idx="0">
-            <a:schemeClr val="accent1"/>
-          </a:effectRef>
-          <a:fontRef idx="minor">
-            <a:schemeClr val="tx1"/>
-          </a:fontRef>
-        </p:style>
-      </p:cxnSp>
+              <a:t>Device</a:t>
+            </a:r>
+          </a:p>
+        </p:txBody>
+      </p:sp>
     </p:spTree>
     <p:extLst>
       <p:ext uri="{BB962C8B-B14F-4D97-AF65-F5344CB8AC3E}">
-        <p14:creationId xmlns:p14="http://schemas.microsoft.com/office/powerpoint/2010/main" val="2402506783"/>
+        <p14:creationId xmlns:p14="http://schemas.microsoft.com/office/powerpoint/2010/main" val="3864510876"/>
       </p:ext>
     </p:extLst>
   </p:cSld>
@@ -5739,7 +9527,7 @@
           <p:cNvPr id="2" name="Title 1">
             <a:extLst>
               <a:ext uri="{FF2B5EF4-FFF2-40B4-BE49-F238E27FC236}">
-                <a16:creationId xmlns:a16="http://schemas.microsoft.com/office/drawing/2014/main" id="{2064C598-8E4A-4D13-8913-2D10CF68D43D}"/>
+                <a16:creationId xmlns:a16="http://schemas.microsoft.com/office/drawing/2014/main" id="{3303612B-0F44-4A40-8AEC-866A6AAE733C}"/>
               </a:ext>
             </a:extLst>
           </p:cNvPr>
@@ -5750,161 +9538,2426 @@
             <p:ph type="title"/>
           </p:nvPr>
         </p:nvSpPr>
-        <p:spPr/>
-        <p:txBody>
-          <a:bodyPr/>
-          <a:lstStyle/>
-          <a:p>
-            <a:r>
-              <a:rPr lang="en-US" dirty="0"/>
-              <a:t>Best Practices</a:t>
-            </a:r>
-          </a:p>
-        </p:txBody>
-      </p:sp>
-      <p:sp>
-        <p:nvSpPr>
-          <p:cNvPr id="3" name="Content Placeholder 2">
-            <a:extLst>
-              <a:ext uri="{FF2B5EF4-FFF2-40B4-BE49-F238E27FC236}">
-                <a16:creationId xmlns:a16="http://schemas.microsoft.com/office/drawing/2014/main" id="{BE45DEC8-E831-48F9-B9F1-04AAD0B76A5E}"/>
-              </a:ext>
-            </a:extLst>
-          </p:cNvPr>
-          <p:cNvSpPr>
-            <a:spLocks noGrp="1"/>
-          </p:cNvSpPr>
-          <p:nvPr>
-            <p:ph idx="1"/>
-          </p:nvPr>
-        </p:nvSpPr>
-        <p:spPr/>
+        <p:spPr>
+          <a:xfrm>
+            <a:off x="838200" y="365125"/>
+            <a:ext cx="10515600" cy="1325563"/>
+          </a:xfrm>
+        </p:spPr>
         <p:txBody>
           <a:bodyPr>
-            <a:normAutofit fontScale="70000" lnSpcReduction="20000"/>
+            <a:normAutofit/>
           </a:bodyPr>
           <a:lstStyle/>
           <a:p>
             <a:r>
               <a:rPr lang="en-US" dirty="0"/>
-              <a:t>Define the Problem</a:t>
-            </a:r>
-          </a:p>
-          <a:p>
-            <a:r>
+              <a:t>What does that mean...</a:t>
+            </a:r>
+            <a:br>
               <a:rPr lang="en-US" dirty="0"/>
-              <a:t>Identify Needs of User, Organization</a:t>
-            </a:r>
-          </a:p>
-          <a:p>
+            </a:br>
+            <a:r>
+              <a:rPr lang="en-US" sz="3200" dirty="0"/>
+              <a:t>Day 3</a:t>
+            </a:r>
+            <a:endParaRPr lang="en-US" dirty="0"/>
+          </a:p>
+        </p:txBody>
+      </p:sp>
+      <p:sp>
+        <p:nvSpPr>
+          <p:cNvPr id="4" name="Rectangle 3">
+            <a:extLst>
+              <a:ext uri="{FF2B5EF4-FFF2-40B4-BE49-F238E27FC236}">
+                <a16:creationId xmlns:a16="http://schemas.microsoft.com/office/drawing/2014/main" id="{88C51B17-841A-46E2-872F-172068315415}"/>
+              </a:ext>
+            </a:extLst>
+          </p:cNvPr>
+          <p:cNvSpPr/>
+          <p:nvPr/>
+        </p:nvSpPr>
+        <p:spPr>
+          <a:xfrm>
+            <a:off x="3163553" y="2078200"/>
+            <a:ext cx="1694577" cy="914400"/>
+          </a:xfrm>
+          <a:prstGeom prst="rect">
+            <a:avLst/>
+          </a:prstGeom>
+        </p:spPr>
+        <p:style>
+          <a:lnRef idx="2">
+            <a:schemeClr val="accent1">
+              <a:shade val="50000"/>
+            </a:schemeClr>
+          </a:lnRef>
+          <a:fillRef idx="1">
+            <a:schemeClr val="accent1"/>
+          </a:fillRef>
+          <a:effectRef idx="0">
+            <a:schemeClr val="accent1"/>
+          </a:effectRef>
+          <a:fontRef idx="minor">
+            <a:schemeClr val="lt1"/>
+          </a:fontRef>
+        </p:style>
+        <p:txBody>
+          <a:bodyPr rtlCol="0" anchor="ctr"/>
+          <a:lstStyle/>
+          <a:p>
+            <a:pPr algn="ctr"/>
             <a:r>
               <a:rPr lang="en-US" dirty="0"/>
-              <a:t>Do Some Research</a:t>
-            </a:r>
-          </a:p>
-          <a:p>
+              <a:t>Browser</a:t>
+            </a:r>
+          </a:p>
+        </p:txBody>
+      </p:sp>
+      <p:sp>
+        <p:nvSpPr>
+          <p:cNvPr id="5" name="Rectangle 4">
+            <a:extLst>
+              <a:ext uri="{FF2B5EF4-FFF2-40B4-BE49-F238E27FC236}">
+                <a16:creationId xmlns:a16="http://schemas.microsoft.com/office/drawing/2014/main" id="{FA8F3540-D742-42BE-9EAA-4C02A82CB697}"/>
+              </a:ext>
+            </a:extLst>
+          </p:cNvPr>
+          <p:cNvSpPr/>
+          <p:nvPr/>
+        </p:nvSpPr>
+        <p:spPr>
+          <a:xfrm>
+            <a:off x="9543554" y="1620410"/>
+            <a:ext cx="1284046" cy="418052"/>
+          </a:xfrm>
+          <a:prstGeom prst="rect">
+            <a:avLst/>
+          </a:prstGeom>
+        </p:spPr>
+        <p:style>
+          <a:lnRef idx="2">
+            <a:schemeClr val="accent1">
+              <a:shade val="50000"/>
+            </a:schemeClr>
+          </a:lnRef>
+          <a:fillRef idx="1">
+            <a:schemeClr val="accent1"/>
+          </a:fillRef>
+          <a:effectRef idx="0">
+            <a:schemeClr val="accent1"/>
+          </a:effectRef>
+          <a:fontRef idx="minor">
+            <a:schemeClr val="lt1"/>
+          </a:fontRef>
+        </p:style>
+        <p:txBody>
+          <a:bodyPr rtlCol="0" anchor="ctr"/>
+          <a:lstStyle/>
+          <a:p>
+            <a:pPr algn="ctr"/>
             <a:r>
               <a:rPr lang="en-US" dirty="0"/>
-              <a:t>Define Your Solution</a:t>
-            </a:r>
-          </a:p>
-          <a:p>
+              <a:t>Database</a:t>
+            </a:r>
+          </a:p>
+        </p:txBody>
+      </p:sp>
+      <p:sp>
+        <p:nvSpPr>
+          <p:cNvPr id="6" name="Rectangle 5">
+            <a:extLst>
+              <a:ext uri="{FF2B5EF4-FFF2-40B4-BE49-F238E27FC236}">
+                <a16:creationId xmlns:a16="http://schemas.microsoft.com/office/drawing/2014/main" id="{B6F45C07-DEF9-411F-94E7-0FAE33F5C591}"/>
+              </a:ext>
+            </a:extLst>
+          </p:cNvPr>
+          <p:cNvSpPr/>
+          <p:nvPr/>
+        </p:nvSpPr>
+        <p:spPr>
+          <a:xfrm>
+            <a:off x="9543553" y="2189462"/>
+            <a:ext cx="1284046" cy="418052"/>
+          </a:xfrm>
+          <a:prstGeom prst="rect">
+            <a:avLst/>
+          </a:prstGeom>
+        </p:spPr>
+        <p:style>
+          <a:lnRef idx="2">
+            <a:schemeClr val="accent1">
+              <a:shade val="50000"/>
+            </a:schemeClr>
+          </a:lnRef>
+          <a:fillRef idx="1">
+            <a:schemeClr val="accent1"/>
+          </a:fillRef>
+          <a:effectRef idx="0">
+            <a:schemeClr val="accent1"/>
+          </a:effectRef>
+          <a:fontRef idx="minor">
+            <a:schemeClr val="lt1"/>
+          </a:fontRef>
+        </p:style>
+        <p:txBody>
+          <a:bodyPr rtlCol="0" anchor="ctr"/>
+          <a:lstStyle/>
+          <a:p>
+            <a:pPr algn="ctr"/>
             <a:r>
               <a:rPr lang="en-US" dirty="0"/>
-              <a:t>Test Your Design</a:t>
-            </a:r>
-          </a:p>
-          <a:p>
-            <a:endParaRPr lang="en-US" dirty="0"/>
-          </a:p>
+              <a:t>ML Model</a:t>
+            </a:r>
+          </a:p>
+        </p:txBody>
+      </p:sp>
+      <p:sp>
+        <p:nvSpPr>
+          <p:cNvPr id="7" name="Rectangle 6">
+            <a:extLst>
+              <a:ext uri="{FF2B5EF4-FFF2-40B4-BE49-F238E27FC236}">
+                <a16:creationId xmlns:a16="http://schemas.microsoft.com/office/drawing/2014/main" id="{CC1A0E22-1A4F-4207-A04B-1F2885DD92EE}"/>
+              </a:ext>
+            </a:extLst>
+          </p:cNvPr>
+          <p:cNvSpPr/>
+          <p:nvPr/>
+        </p:nvSpPr>
+        <p:spPr>
+          <a:xfrm>
+            <a:off x="9543553" y="2749003"/>
+            <a:ext cx="1284046" cy="378171"/>
+          </a:xfrm>
+          <a:prstGeom prst="rect">
+            <a:avLst/>
+          </a:prstGeom>
+        </p:spPr>
+        <p:style>
+          <a:lnRef idx="2">
+            <a:schemeClr val="accent1">
+              <a:shade val="50000"/>
+            </a:schemeClr>
+          </a:lnRef>
+          <a:fillRef idx="1">
+            <a:schemeClr val="accent1"/>
+          </a:fillRef>
+          <a:effectRef idx="0">
+            <a:schemeClr val="accent1"/>
+          </a:effectRef>
+          <a:fontRef idx="minor">
+            <a:schemeClr val="lt1"/>
+          </a:fontRef>
+        </p:style>
+        <p:txBody>
+          <a:bodyPr rtlCol="0" anchor="ctr"/>
+          <a:lstStyle/>
+          <a:p>
+            <a:pPr algn="ctr"/>
+            <a:r>
+              <a:rPr lang="en-US" dirty="0"/>
+              <a:t>HTML Form</a:t>
+            </a:r>
+          </a:p>
+        </p:txBody>
+      </p:sp>
+      <p:sp>
+        <p:nvSpPr>
+          <p:cNvPr id="8" name="Oval 7">
+            <a:extLst>
+              <a:ext uri="{FF2B5EF4-FFF2-40B4-BE49-F238E27FC236}">
+                <a16:creationId xmlns:a16="http://schemas.microsoft.com/office/drawing/2014/main" id="{93A6ABAA-E1E1-447E-A3F9-AAB9E17D9795}"/>
+              </a:ext>
+            </a:extLst>
+          </p:cNvPr>
+          <p:cNvSpPr/>
+          <p:nvPr/>
+        </p:nvSpPr>
+        <p:spPr>
+          <a:xfrm>
+            <a:off x="5609008" y="2633090"/>
+            <a:ext cx="1501755" cy="585116"/>
+          </a:xfrm>
+          <a:prstGeom prst="ellipse">
+            <a:avLst/>
+          </a:prstGeom>
+        </p:spPr>
+        <p:style>
+          <a:lnRef idx="2">
+            <a:schemeClr val="accent1">
+              <a:shade val="50000"/>
+            </a:schemeClr>
+          </a:lnRef>
+          <a:fillRef idx="1">
+            <a:schemeClr val="accent1"/>
+          </a:fillRef>
+          <a:effectRef idx="0">
+            <a:schemeClr val="accent1"/>
+          </a:effectRef>
+          <a:fontRef idx="minor">
+            <a:schemeClr val="lt1"/>
+          </a:fontRef>
+        </p:style>
+        <p:txBody>
+          <a:bodyPr rtlCol="0" anchor="ctr"/>
+          <a:lstStyle/>
+          <a:p>
+            <a:pPr algn="ctr"/>
+            <a:r>
+              <a:rPr lang="en-US" dirty="0"/>
+              <a:t>Internet</a:t>
+            </a:r>
+          </a:p>
+        </p:txBody>
+      </p:sp>
+      <p:sp>
+        <p:nvSpPr>
+          <p:cNvPr id="9" name="Rectangle 8">
+            <a:extLst>
+              <a:ext uri="{FF2B5EF4-FFF2-40B4-BE49-F238E27FC236}">
+                <a16:creationId xmlns:a16="http://schemas.microsoft.com/office/drawing/2014/main" id="{3ADBF561-EC48-467F-8245-C363E6E6DA86}"/>
+              </a:ext>
+            </a:extLst>
+          </p:cNvPr>
+          <p:cNvSpPr/>
+          <p:nvPr/>
+        </p:nvSpPr>
+        <p:spPr>
+          <a:xfrm>
+            <a:off x="8139984" y="843272"/>
+            <a:ext cx="2894202" cy="2595360"/>
+          </a:xfrm>
+          <a:prstGeom prst="rect">
+            <a:avLst/>
+          </a:prstGeom>
+          <a:noFill/>
+        </p:spPr>
+        <p:style>
+          <a:lnRef idx="2">
+            <a:schemeClr val="accent1">
+              <a:shade val="50000"/>
+            </a:schemeClr>
+          </a:lnRef>
+          <a:fillRef idx="1">
+            <a:schemeClr val="accent1"/>
+          </a:fillRef>
+          <a:effectRef idx="0">
+            <a:schemeClr val="accent1"/>
+          </a:effectRef>
+          <a:fontRef idx="minor">
+            <a:schemeClr val="lt1"/>
+          </a:fontRef>
+        </p:style>
+        <p:txBody>
+          <a:bodyPr rtlCol="0" anchor="ctr"/>
+          <a:lstStyle/>
+          <a:p>
+            <a:pPr algn="ctr"/>
+            <a:endParaRPr lang="en-US"/>
+          </a:p>
+        </p:txBody>
+      </p:sp>
+      <p:sp>
+        <p:nvSpPr>
+          <p:cNvPr id="10" name="Content Placeholder 2">
+            <a:extLst>
+              <a:ext uri="{FF2B5EF4-FFF2-40B4-BE49-F238E27FC236}">
+                <a16:creationId xmlns:a16="http://schemas.microsoft.com/office/drawing/2014/main" id="{01FF1304-DECA-4F55-B6A1-076218B5F0C7}"/>
+              </a:ext>
+            </a:extLst>
+          </p:cNvPr>
+          <p:cNvSpPr txBox="1">
+            <a:spLocks/>
+          </p:cNvSpPr>
+          <p:nvPr/>
+        </p:nvSpPr>
+        <p:spPr>
+          <a:xfrm>
+            <a:off x="295391" y="2319861"/>
+            <a:ext cx="3102529" cy="568683"/>
+          </a:xfrm>
+          <a:prstGeom prst="rect">
+            <a:avLst/>
+          </a:prstGeom>
+        </p:spPr>
+        <p:txBody>
+          <a:bodyPr vert="horz" lIns="91440" tIns="45720" rIns="91440" bIns="45720" rtlCol="0">
+            <a:normAutofit/>
+          </a:bodyPr>
+          <a:lstStyle>
+            <a:lvl1pPr marL="228600" indent="-228600" algn="l" defTabSz="914400" rtl="0" eaLnBrk="1" latinLnBrk="0" hangingPunct="1">
+              <a:lnSpc>
+                <a:spcPct val="90000"/>
+              </a:lnSpc>
+              <a:spcBef>
+                <a:spcPts val="1000"/>
+              </a:spcBef>
+              <a:buFont typeface="Arial" panose="020B0604020202020204" pitchFamily="34" charset="0"/>
+              <a:buChar char="•"/>
+              <a:defRPr sz="2800" kern="1200">
+                <a:solidFill>
+                  <a:schemeClr val="tx1"/>
+                </a:solidFill>
+                <a:latin typeface="+mn-lt"/>
+                <a:ea typeface="+mn-ea"/>
+                <a:cs typeface="+mn-cs"/>
+              </a:defRPr>
+            </a:lvl1pPr>
+            <a:lvl2pPr marL="685800" indent="-228600" algn="l" defTabSz="914400" rtl="0" eaLnBrk="1" latinLnBrk="0" hangingPunct="1">
+              <a:lnSpc>
+                <a:spcPct val="90000"/>
+              </a:lnSpc>
+              <a:spcBef>
+                <a:spcPts val="500"/>
+              </a:spcBef>
+              <a:buFont typeface="Arial" panose="020B0604020202020204" pitchFamily="34" charset="0"/>
+              <a:buChar char="•"/>
+              <a:defRPr sz="2400" kern="1200">
+                <a:solidFill>
+                  <a:schemeClr val="tx1"/>
+                </a:solidFill>
+                <a:latin typeface="+mn-lt"/>
+                <a:ea typeface="+mn-ea"/>
+                <a:cs typeface="+mn-cs"/>
+              </a:defRPr>
+            </a:lvl2pPr>
+            <a:lvl3pPr marL="1143000" indent="-228600" algn="l" defTabSz="914400" rtl="0" eaLnBrk="1" latinLnBrk="0" hangingPunct="1">
+              <a:lnSpc>
+                <a:spcPct val="90000"/>
+              </a:lnSpc>
+              <a:spcBef>
+                <a:spcPts val="500"/>
+              </a:spcBef>
+              <a:buFont typeface="Arial" panose="020B0604020202020204" pitchFamily="34" charset="0"/>
+              <a:buChar char="•"/>
+              <a:defRPr sz="2000" kern="1200">
+                <a:solidFill>
+                  <a:schemeClr val="tx1"/>
+                </a:solidFill>
+                <a:latin typeface="+mn-lt"/>
+                <a:ea typeface="+mn-ea"/>
+                <a:cs typeface="+mn-cs"/>
+              </a:defRPr>
+            </a:lvl3pPr>
+            <a:lvl4pPr marL="1600200" indent="-228600" algn="l" defTabSz="914400" rtl="0" eaLnBrk="1" latinLnBrk="0" hangingPunct="1">
+              <a:lnSpc>
+                <a:spcPct val="90000"/>
+              </a:lnSpc>
+              <a:spcBef>
+                <a:spcPts val="500"/>
+              </a:spcBef>
+              <a:buFont typeface="Arial" panose="020B0604020202020204" pitchFamily="34" charset="0"/>
+              <a:buChar char="•"/>
+              <a:defRPr sz="1800" kern="1200">
+                <a:solidFill>
+                  <a:schemeClr val="tx1"/>
+                </a:solidFill>
+                <a:latin typeface="+mn-lt"/>
+                <a:ea typeface="+mn-ea"/>
+                <a:cs typeface="+mn-cs"/>
+              </a:defRPr>
+            </a:lvl4pPr>
+            <a:lvl5pPr marL="2057400" indent="-228600" algn="l" defTabSz="914400" rtl="0" eaLnBrk="1" latinLnBrk="0" hangingPunct="1">
+              <a:lnSpc>
+                <a:spcPct val="90000"/>
+              </a:lnSpc>
+              <a:spcBef>
+                <a:spcPts val="500"/>
+              </a:spcBef>
+              <a:buFont typeface="Arial" panose="020B0604020202020204" pitchFamily="34" charset="0"/>
+              <a:buChar char="•"/>
+              <a:defRPr sz="1800" kern="1200">
+                <a:solidFill>
+                  <a:schemeClr val="tx1"/>
+                </a:solidFill>
+                <a:latin typeface="+mn-lt"/>
+                <a:ea typeface="+mn-ea"/>
+                <a:cs typeface="+mn-cs"/>
+              </a:defRPr>
+            </a:lvl5pPr>
+            <a:lvl6pPr marL="2514600" indent="-228600" algn="l" defTabSz="914400" rtl="0" eaLnBrk="1" latinLnBrk="0" hangingPunct="1">
+              <a:lnSpc>
+                <a:spcPct val="90000"/>
+              </a:lnSpc>
+              <a:spcBef>
+                <a:spcPts val="500"/>
+              </a:spcBef>
+              <a:buFont typeface="Arial" panose="020B0604020202020204" pitchFamily="34" charset="0"/>
+              <a:buChar char="•"/>
+              <a:defRPr sz="1800" kern="1200">
+                <a:solidFill>
+                  <a:schemeClr val="tx1"/>
+                </a:solidFill>
+                <a:latin typeface="+mn-lt"/>
+                <a:ea typeface="+mn-ea"/>
+                <a:cs typeface="+mn-cs"/>
+              </a:defRPr>
+            </a:lvl6pPr>
+            <a:lvl7pPr marL="2971800" indent="-228600" algn="l" defTabSz="914400" rtl="0" eaLnBrk="1" latinLnBrk="0" hangingPunct="1">
+              <a:lnSpc>
+                <a:spcPct val="90000"/>
+              </a:lnSpc>
+              <a:spcBef>
+                <a:spcPts val="500"/>
+              </a:spcBef>
+              <a:buFont typeface="Arial" panose="020B0604020202020204" pitchFamily="34" charset="0"/>
+              <a:buChar char="•"/>
+              <a:defRPr sz="1800" kern="1200">
+                <a:solidFill>
+                  <a:schemeClr val="tx1"/>
+                </a:solidFill>
+                <a:latin typeface="+mn-lt"/>
+                <a:ea typeface="+mn-ea"/>
+                <a:cs typeface="+mn-cs"/>
+              </a:defRPr>
+            </a:lvl7pPr>
+            <a:lvl8pPr marL="3429000" indent="-228600" algn="l" defTabSz="914400" rtl="0" eaLnBrk="1" latinLnBrk="0" hangingPunct="1">
+              <a:lnSpc>
+                <a:spcPct val="90000"/>
+              </a:lnSpc>
+              <a:spcBef>
+                <a:spcPts val="500"/>
+              </a:spcBef>
+              <a:buFont typeface="Arial" panose="020B0604020202020204" pitchFamily="34" charset="0"/>
+              <a:buChar char="•"/>
+              <a:defRPr sz="1800" kern="1200">
+                <a:solidFill>
+                  <a:schemeClr val="tx1"/>
+                </a:solidFill>
+                <a:latin typeface="+mn-lt"/>
+                <a:ea typeface="+mn-ea"/>
+                <a:cs typeface="+mn-cs"/>
+              </a:defRPr>
+            </a:lvl8pPr>
+            <a:lvl9pPr marL="3886200" indent="-228600" algn="l" defTabSz="914400" rtl="0" eaLnBrk="1" latinLnBrk="0" hangingPunct="1">
+              <a:lnSpc>
+                <a:spcPct val="90000"/>
+              </a:lnSpc>
+              <a:spcBef>
+                <a:spcPts val="500"/>
+              </a:spcBef>
+              <a:buFont typeface="Arial" panose="020B0604020202020204" pitchFamily="34" charset="0"/>
+              <a:buChar char="•"/>
+              <a:defRPr sz="1800" kern="1200">
+                <a:solidFill>
+                  <a:schemeClr val="tx1"/>
+                </a:solidFill>
+                <a:latin typeface="+mn-lt"/>
+                <a:ea typeface="+mn-ea"/>
+                <a:cs typeface="+mn-cs"/>
+              </a:defRPr>
+            </a:lvl9pPr>
+          </a:lstStyle>
           <a:p>
             <a:pPr marL="0" indent="0">
+              <a:buFont typeface="Arial" panose="020B0604020202020204" pitchFamily="34" charset="0"/>
               <a:buNone/>
             </a:pPr>
             <a:r>
-              <a:rPr lang="en-US" sz="4500" dirty="0"/>
-              <a:t>To Include:</a:t>
-            </a:r>
-          </a:p>
-          <a:p>
-            <a:r>
               <a:rPr lang="en-US" dirty="0"/>
-              <a:t>Identify Audience and Key Points</a:t>
-            </a:r>
-          </a:p>
-          <a:p>
-            <a:r>
-              <a:rPr lang="en-US" dirty="0"/>
-              <a:t>Wireframe and Review</a:t>
-            </a:r>
-          </a:p>
+              <a:t>Game Application</a:t>
+            </a:r>
+          </a:p>
+        </p:txBody>
+      </p:sp>
+      <p:sp>
+        <p:nvSpPr>
+          <p:cNvPr id="13" name="Content Placeholder 2">
+            <a:extLst>
+              <a:ext uri="{FF2B5EF4-FFF2-40B4-BE49-F238E27FC236}">
+                <a16:creationId xmlns:a16="http://schemas.microsoft.com/office/drawing/2014/main" id="{A285C4B5-ADAC-4F21-B077-BB4EC8362122}"/>
+              </a:ext>
+            </a:extLst>
+          </p:cNvPr>
+          <p:cNvSpPr txBox="1">
+            <a:spLocks/>
+          </p:cNvSpPr>
+          <p:nvPr/>
+        </p:nvSpPr>
+        <p:spPr>
+          <a:xfrm>
+            <a:off x="5046695" y="2291824"/>
+            <a:ext cx="2827435" cy="568683"/>
+          </a:xfrm>
+          <a:prstGeom prst="rect">
+            <a:avLst/>
+          </a:prstGeom>
+        </p:spPr>
+        <p:txBody>
+          <a:bodyPr vert="horz" lIns="91440" tIns="45720" rIns="91440" bIns="45720" rtlCol="0">
+            <a:normAutofit/>
+          </a:bodyPr>
+          <a:lstStyle>
+            <a:lvl1pPr marL="228600" indent="-228600" algn="l" defTabSz="914400" rtl="0" eaLnBrk="1" latinLnBrk="0" hangingPunct="1">
+              <a:lnSpc>
+                <a:spcPct val="90000"/>
+              </a:lnSpc>
+              <a:spcBef>
+                <a:spcPts val="1000"/>
+              </a:spcBef>
+              <a:buFont typeface="Arial" panose="020B0604020202020204" pitchFamily="34" charset="0"/>
+              <a:buChar char="•"/>
+              <a:defRPr sz="2800" kern="1200">
+                <a:solidFill>
+                  <a:schemeClr val="tx1"/>
+                </a:solidFill>
+                <a:latin typeface="+mn-lt"/>
+                <a:ea typeface="+mn-ea"/>
+                <a:cs typeface="+mn-cs"/>
+              </a:defRPr>
+            </a:lvl1pPr>
+            <a:lvl2pPr marL="685800" indent="-228600" algn="l" defTabSz="914400" rtl="0" eaLnBrk="1" latinLnBrk="0" hangingPunct="1">
+              <a:lnSpc>
+                <a:spcPct val="90000"/>
+              </a:lnSpc>
+              <a:spcBef>
+                <a:spcPts val="500"/>
+              </a:spcBef>
+              <a:buFont typeface="Arial" panose="020B0604020202020204" pitchFamily="34" charset="0"/>
+              <a:buChar char="•"/>
+              <a:defRPr sz="2400" kern="1200">
+                <a:solidFill>
+                  <a:schemeClr val="tx1"/>
+                </a:solidFill>
+                <a:latin typeface="+mn-lt"/>
+                <a:ea typeface="+mn-ea"/>
+                <a:cs typeface="+mn-cs"/>
+              </a:defRPr>
+            </a:lvl2pPr>
+            <a:lvl3pPr marL="1143000" indent="-228600" algn="l" defTabSz="914400" rtl="0" eaLnBrk="1" latinLnBrk="0" hangingPunct="1">
+              <a:lnSpc>
+                <a:spcPct val="90000"/>
+              </a:lnSpc>
+              <a:spcBef>
+                <a:spcPts val="500"/>
+              </a:spcBef>
+              <a:buFont typeface="Arial" panose="020B0604020202020204" pitchFamily="34" charset="0"/>
+              <a:buChar char="•"/>
+              <a:defRPr sz="2000" kern="1200">
+                <a:solidFill>
+                  <a:schemeClr val="tx1"/>
+                </a:solidFill>
+                <a:latin typeface="+mn-lt"/>
+                <a:ea typeface="+mn-ea"/>
+                <a:cs typeface="+mn-cs"/>
+              </a:defRPr>
+            </a:lvl3pPr>
+            <a:lvl4pPr marL="1600200" indent="-228600" algn="l" defTabSz="914400" rtl="0" eaLnBrk="1" latinLnBrk="0" hangingPunct="1">
+              <a:lnSpc>
+                <a:spcPct val="90000"/>
+              </a:lnSpc>
+              <a:spcBef>
+                <a:spcPts val="500"/>
+              </a:spcBef>
+              <a:buFont typeface="Arial" panose="020B0604020202020204" pitchFamily="34" charset="0"/>
+              <a:buChar char="•"/>
+              <a:defRPr sz="1800" kern="1200">
+                <a:solidFill>
+                  <a:schemeClr val="tx1"/>
+                </a:solidFill>
+                <a:latin typeface="+mn-lt"/>
+                <a:ea typeface="+mn-ea"/>
+                <a:cs typeface="+mn-cs"/>
+              </a:defRPr>
+            </a:lvl4pPr>
+            <a:lvl5pPr marL="2057400" indent="-228600" algn="l" defTabSz="914400" rtl="0" eaLnBrk="1" latinLnBrk="0" hangingPunct="1">
+              <a:lnSpc>
+                <a:spcPct val="90000"/>
+              </a:lnSpc>
+              <a:spcBef>
+                <a:spcPts val="500"/>
+              </a:spcBef>
+              <a:buFont typeface="Arial" panose="020B0604020202020204" pitchFamily="34" charset="0"/>
+              <a:buChar char="•"/>
+              <a:defRPr sz="1800" kern="1200">
+                <a:solidFill>
+                  <a:schemeClr val="tx1"/>
+                </a:solidFill>
+                <a:latin typeface="+mn-lt"/>
+                <a:ea typeface="+mn-ea"/>
+                <a:cs typeface="+mn-cs"/>
+              </a:defRPr>
+            </a:lvl5pPr>
+            <a:lvl6pPr marL="2514600" indent="-228600" algn="l" defTabSz="914400" rtl="0" eaLnBrk="1" latinLnBrk="0" hangingPunct="1">
+              <a:lnSpc>
+                <a:spcPct val="90000"/>
+              </a:lnSpc>
+              <a:spcBef>
+                <a:spcPts val="500"/>
+              </a:spcBef>
+              <a:buFont typeface="Arial" panose="020B0604020202020204" pitchFamily="34" charset="0"/>
+              <a:buChar char="•"/>
+              <a:defRPr sz="1800" kern="1200">
+                <a:solidFill>
+                  <a:schemeClr val="tx1"/>
+                </a:solidFill>
+                <a:latin typeface="+mn-lt"/>
+                <a:ea typeface="+mn-ea"/>
+                <a:cs typeface="+mn-cs"/>
+              </a:defRPr>
+            </a:lvl6pPr>
+            <a:lvl7pPr marL="2971800" indent="-228600" algn="l" defTabSz="914400" rtl="0" eaLnBrk="1" latinLnBrk="0" hangingPunct="1">
+              <a:lnSpc>
+                <a:spcPct val="90000"/>
+              </a:lnSpc>
+              <a:spcBef>
+                <a:spcPts val="500"/>
+              </a:spcBef>
+              <a:buFont typeface="Arial" panose="020B0604020202020204" pitchFamily="34" charset="0"/>
+              <a:buChar char="•"/>
+              <a:defRPr sz="1800" kern="1200">
+                <a:solidFill>
+                  <a:schemeClr val="tx1"/>
+                </a:solidFill>
+                <a:latin typeface="+mn-lt"/>
+                <a:ea typeface="+mn-ea"/>
+                <a:cs typeface="+mn-cs"/>
+              </a:defRPr>
+            </a:lvl7pPr>
+            <a:lvl8pPr marL="3429000" indent="-228600" algn="l" defTabSz="914400" rtl="0" eaLnBrk="1" latinLnBrk="0" hangingPunct="1">
+              <a:lnSpc>
+                <a:spcPct val="90000"/>
+              </a:lnSpc>
+              <a:spcBef>
+                <a:spcPts val="500"/>
+              </a:spcBef>
+              <a:buFont typeface="Arial" panose="020B0604020202020204" pitchFamily="34" charset="0"/>
+              <a:buChar char="•"/>
+              <a:defRPr sz="1800" kern="1200">
+                <a:solidFill>
+                  <a:schemeClr val="tx1"/>
+                </a:solidFill>
+                <a:latin typeface="+mn-lt"/>
+                <a:ea typeface="+mn-ea"/>
+                <a:cs typeface="+mn-cs"/>
+              </a:defRPr>
+            </a:lvl8pPr>
+            <a:lvl9pPr marL="3886200" indent="-228600" algn="l" defTabSz="914400" rtl="0" eaLnBrk="1" latinLnBrk="0" hangingPunct="1">
+              <a:lnSpc>
+                <a:spcPct val="90000"/>
+              </a:lnSpc>
+              <a:spcBef>
+                <a:spcPts val="500"/>
+              </a:spcBef>
+              <a:buFont typeface="Arial" panose="020B0604020202020204" pitchFamily="34" charset="0"/>
+              <a:buChar char="•"/>
+              <a:defRPr sz="1800" kern="1200">
+                <a:solidFill>
+                  <a:schemeClr val="tx1"/>
+                </a:solidFill>
+                <a:latin typeface="+mn-lt"/>
+                <a:ea typeface="+mn-ea"/>
+                <a:cs typeface="+mn-cs"/>
+              </a:defRPr>
+            </a:lvl9pPr>
+          </a:lstStyle>
           <a:p>
             <a:pPr marL="0" indent="0">
+              <a:buFont typeface="Arial" panose="020B0604020202020204" pitchFamily="34" charset="0"/>
               <a:buNone/>
             </a:pPr>
-            <a:endParaRPr lang="en-US" dirty="0"/>
-          </a:p>
+            <a:r>
+              <a:rPr lang="en-US" sz="1800" dirty="0"/>
+              <a:t>GET, POST  site.com/home</a:t>
+            </a:r>
+          </a:p>
+        </p:txBody>
+      </p:sp>
+      <p:sp>
+        <p:nvSpPr>
+          <p:cNvPr id="14" name="Rectangle 13">
+            <a:extLst>
+              <a:ext uri="{FF2B5EF4-FFF2-40B4-BE49-F238E27FC236}">
+                <a16:creationId xmlns:a16="http://schemas.microsoft.com/office/drawing/2014/main" id="{18D70788-A511-4004-BEFE-1E11426D4662}"/>
+              </a:ext>
+            </a:extLst>
+          </p:cNvPr>
+          <p:cNvSpPr/>
+          <p:nvPr/>
+        </p:nvSpPr>
+        <p:spPr>
+          <a:xfrm>
+            <a:off x="8335006" y="1620410"/>
+            <a:ext cx="591429" cy="824506"/>
+          </a:xfrm>
+          <a:prstGeom prst="rect">
+            <a:avLst/>
+          </a:prstGeom>
+        </p:spPr>
+        <p:style>
+          <a:lnRef idx="2">
+            <a:schemeClr val="accent1">
+              <a:shade val="50000"/>
+            </a:schemeClr>
+          </a:lnRef>
+          <a:fillRef idx="1">
+            <a:schemeClr val="accent1"/>
+          </a:fillRef>
+          <a:effectRef idx="0">
+            <a:schemeClr val="accent1"/>
+          </a:effectRef>
+          <a:fontRef idx="minor">
+            <a:schemeClr val="lt1"/>
+          </a:fontRef>
+        </p:style>
+        <p:txBody>
+          <a:bodyPr rtlCol="0" anchor="ctr"/>
+          <a:lstStyle/>
+          <a:p>
+            <a:pPr algn="ctr"/>
+            <a:r>
+              <a:rPr lang="en-US" sz="1400" dirty="0"/>
+              <a:t>http </a:t>
+            </a:r>
+            <a:r>
+              <a:rPr lang="en-US" sz="1400" dirty="0" err="1"/>
+              <a:t>urls</a:t>
+            </a:r>
+            <a:endParaRPr lang="en-US" sz="1400" dirty="0"/>
+          </a:p>
+        </p:txBody>
+      </p:sp>
+      <p:sp>
+        <p:nvSpPr>
+          <p:cNvPr id="15" name="Rectangle 14">
+            <a:extLst>
+              <a:ext uri="{FF2B5EF4-FFF2-40B4-BE49-F238E27FC236}">
+                <a16:creationId xmlns:a16="http://schemas.microsoft.com/office/drawing/2014/main" id="{2A63D263-9BBB-40A3-BEDF-006A53F2B6D3}"/>
+              </a:ext>
+            </a:extLst>
+          </p:cNvPr>
+          <p:cNvSpPr/>
+          <p:nvPr/>
+        </p:nvSpPr>
+        <p:spPr>
+          <a:xfrm>
+            <a:off x="3177887" y="3144177"/>
+            <a:ext cx="1694577" cy="914400"/>
+          </a:xfrm>
+          <a:prstGeom prst="rect">
+            <a:avLst/>
+          </a:prstGeom>
+          <a:solidFill>
+            <a:schemeClr val="accent6"/>
+          </a:solidFill>
+        </p:spPr>
+        <p:style>
+          <a:lnRef idx="2">
+            <a:schemeClr val="accent1">
+              <a:shade val="50000"/>
+            </a:schemeClr>
+          </a:lnRef>
+          <a:fillRef idx="1">
+            <a:schemeClr val="accent1"/>
+          </a:fillRef>
+          <a:effectRef idx="0">
+            <a:schemeClr val="accent1"/>
+          </a:effectRef>
+          <a:fontRef idx="minor">
+            <a:schemeClr val="lt1"/>
+          </a:fontRef>
+        </p:style>
+        <p:txBody>
+          <a:bodyPr rtlCol="0" anchor="ctr"/>
+          <a:lstStyle/>
+          <a:p>
+            <a:pPr algn="ctr"/>
+            <a:r>
+              <a:rPr lang="en-US" dirty="0"/>
+              <a:t>Raspberry Pi + Python</a:t>
+            </a:r>
+          </a:p>
+        </p:txBody>
+      </p:sp>
+      <p:sp>
+        <p:nvSpPr>
+          <p:cNvPr id="16" name="Content Placeholder 2">
+            <a:extLst>
+              <a:ext uri="{FF2B5EF4-FFF2-40B4-BE49-F238E27FC236}">
+                <a16:creationId xmlns:a16="http://schemas.microsoft.com/office/drawing/2014/main" id="{5F523BA2-49F9-425B-ACD0-9C9479C41BDB}"/>
+              </a:ext>
+            </a:extLst>
+          </p:cNvPr>
+          <p:cNvSpPr txBox="1">
+            <a:spLocks/>
+          </p:cNvSpPr>
+          <p:nvPr/>
+        </p:nvSpPr>
+        <p:spPr>
+          <a:xfrm>
+            <a:off x="5169276" y="3400246"/>
+            <a:ext cx="2827435" cy="568683"/>
+          </a:xfrm>
+          <a:prstGeom prst="rect">
+            <a:avLst/>
+          </a:prstGeom>
+        </p:spPr>
+        <p:txBody>
+          <a:bodyPr vert="horz" lIns="91440" tIns="45720" rIns="91440" bIns="45720" rtlCol="0">
+            <a:normAutofit/>
+          </a:bodyPr>
+          <a:lstStyle>
+            <a:lvl1pPr marL="228600" indent="-228600" algn="l" defTabSz="914400" rtl="0" eaLnBrk="1" latinLnBrk="0" hangingPunct="1">
+              <a:lnSpc>
+                <a:spcPct val="90000"/>
+              </a:lnSpc>
+              <a:spcBef>
+                <a:spcPts val="1000"/>
+              </a:spcBef>
+              <a:buFont typeface="Arial" panose="020B0604020202020204" pitchFamily="34" charset="0"/>
+              <a:buChar char="•"/>
+              <a:defRPr sz="2800" kern="1200">
+                <a:solidFill>
+                  <a:schemeClr val="tx1"/>
+                </a:solidFill>
+                <a:latin typeface="+mn-lt"/>
+                <a:ea typeface="+mn-ea"/>
+                <a:cs typeface="+mn-cs"/>
+              </a:defRPr>
+            </a:lvl1pPr>
+            <a:lvl2pPr marL="685800" indent="-228600" algn="l" defTabSz="914400" rtl="0" eaLnBrk="1" latinLnBrk="0" hangingPunct="1">
+              <a:lnSpc>
+                <a:spcPct val="90000"/>
+              </a:lnSpc>
+              <a:spcBef>
+                <a:spcPts val="500"/>
+              </a:spcBef>
+              <a:buFont typeface="Arial" panose="020B0604020202020204" pitchFamily="34" charset="0"/>
+              <a:buChar char="•"/>
+              <a:defRPr sz="2400" kern="1200">
+                <a:solidFill>
+                  <a:schemeClr val="tx1"/>
+                </a:solidFill>
+                <a:latin typeface="+mn-lt"/>
+                <a:ea typeface="+mn-ea"/>
+                <a:cs typeface="+mn-cs"/>
+              </a:defRPr>
+            </a:lvl2pPr>
+            <a:lvl3pPr marL="1143000" indent="-228600" algn="l" defTabSz="914400" rtl="0" eaLnBrk="1" latinLnBrk="0" hangingPunct="1">
+              <a:lnSpc>
+                <a:spcPct val="90000"/>
+              </a:lnSpc>
+              <a:spcBef>
+                <a:spcPts val="500"/>
+              </a:spcBef>
+              <a:buFont typeface="Arial" panose="020B0604020202020204" pitchFamily="34" charset="0"/>
+              <a:buChar char="•"/>
+              <a:defRPr sz="2000" kern="1200">
+                <a:solidFill>
+                  <a:schemeClr val="tx1"/>
+                </a:solidFill>
+                <a:latin typeface="+mn-lt"/>
+                <a:ea typeface="+mn-ea"/>
+                <a:cs typeface="+mn-cs"/>
+              </a:defRPr>
+            </a:lvl3pPr>
+            <a:lvl4pPr marL="1600200" indent="-228600" algn="l" defTabSz="914400" rtl="0" eaLnBrk="1" latinLnBrk="0" hangingPunct="1">
+              <a:lnSpc>
+                <a:spcPct val="90000"/>
+              </a:lnSpc>
+              <a:spcBef>
+                <a:spcPts val="500"/>
+              </a:spcBef>
+              <a:buFont typeface="Arial" panose="020B0604020202020204" pitchFamily="34" charset="0"/>
+              <a:buChar char="•"/>
+              <a:defRPr sz="1800" kern="1200">
+                <a:solidFill>
+                  <a:schemeClr val="tx1"/>
+                </a:solidFill>
+                <a:latin typeface="+mn-lt"/>
+                <a:ea typeface="+mn-ea"/>
+                <a:cs typeface="+mn-cs"/>
+              </a:defRPr>
+            </a:lvl4pPr>
+            <a:lvl5pPr marL="2057400" indent="-228600" algn="l" defTabSz="914400" rtl="0" eaLnBrk="1" latinLnBrk="0" hangingPunct="1">
+              <a:lnSpc>
+                <a:spcPct val="90000"/>
+              </a:lnSpc>
+              <a:spcBef>
+                <a:spcPts val="500"/>
+              </a:spcBef>
+              <a:buFont typeface="Arial" panose="020B0604020202020204" pitchFamily="34" charset="0"/>
+              <a:buChar char="•"/>
+              <a:defRPr sz="1800" kern="1200">
+                <a:solidFill>
+                  <a:schemeClr val="tx1"/>
+                </a:solidFill>
+                <a:latin typeface="+mn-lt"/>
+                <a:ea typeface="+mn-ea"/>
+                <a:cs typeface="+mn-cs"/>
+              </a:defRPr>
+            </a:lvl5pPr>
+            <a:lvl6pPr marL="2514600" indent="-228600" algn="l" defTabSz="914400" rtl="0" eaLnBrk="1" latinLnBrk="0" hangingPunct="1">
+              <a:lnSpc>
+                <a:spcPct val="90000"/>
+              </a:lnSpc>
+              <a:spcBef>
+                <a:spcPts val="500"/>
+              </a:spcBef>
+              <a:buFont typeface="Arial" panose="020B0604020202020204" pitchFamily="34" charset="0"/>
+              <a:buChar char="•"/>
+              <a:defRPr sz="1800" kern="1200">
+                <a:solidFill>
+                  <a:schemeClr val="tx1"/>
+                </a:solidFill>
+                <a:latin typeface="+mn-lt"/>
+                <a:ea typeface="+mn-ea"/>
+                <a:cs typeface="+mn-cs"/>
+              </a:defRPr>
+            </a:lvl6pPr>
+            <a:lvl7pPr marL="2971800" indent="-228600" algn="l" defTabSz="914400" rtl="0" eaLnBrk="1" latinLnBrk="0" hangingPunct="1">
+              <a:lnSpc>
+                <a:spcPct val="90000"/>
+              </a:lnSpc>
+              <a:spcBef>
+                <a:spcPts val="500"/>
+              </a:spcBef>
+              <a:buFont typeface="Arial" panose="020B0604020202020204" pitchFamily="34" charset="0"/>
+              <a:buChar char="•"/>
+              <a:defRPr sz="1800" kern="1200">
+                <a:solidFill>
+                  <a:schemeClr val="tx1"/>
+                </a:solidFill>
+                <a:latin typeface="+mn-lt"/>
+                <a:ea typeface="+mn-ea"/>
+                <a:cs typeface="+mn-cs"/>
+              </a:defRPr>
+            </a:lvl7pPr>
+            <a:lvl8pPr marL="3429000" indent="-228600" algn="l" defTabSz="914400" rtl="0" eaLnBrk="1" latinLnBrk="0" hangingPunct="1">
+              <a:lnSpc>
+                <a:spcPct val="90000"/>
+              </a:lnSpc>
+              <a:spcBef>
+                <a:spcPts val="500"/>
+              </a:spcBef>
+              <a:buFont typeface="Arial" panose="020B0604020202020204" pitchFamily="34" charset="0"/>
+              <a:buChar char="•"/>
+              <a:defRPr sz="1800" kern="1200">
+                <a:solidFill>
+                  <a:schemeClr val="tx1"/>
+                </a:solidFill>
+                <a:latin typeface="+mn-lt"/>
+                <a:ea typeface="+mn-ea"/>
+                <a:cs typeface="+mn-cs"/>
+              </a:defRPr>
+            </a:lvl8pPr>
+            <a:lvl9pPr marL="3886200" indent="-228600" algn="l" defTabSz="914400" rtl="0" eaLnBrk="1" latinLnBrk="0" hangingPunct="1">
+              <a:lnSpc>
+                <a:spcPct val="90000"/>
+              </a:lnSpc>
+              <a:spcBef>
+                <a:spcPts val="500"/>
+              </a:spcBef>
+              <a:buFont typeface="Arial" panose="020B0604020202020204" pitchFamily="34" charset="0"/>
+              <a:buChar char="•"/>
+              <a:defRPr sz="1800" kern="1200">
+                <a:solidFill>
+                  <a:schemeClr val="tx1"/>
+                </a:solidFill>
+                <a:latin typeface="+mn-lt"/>
+                <a:ea typeface="+mn-ea"/>
+                <a:cs typeface="+mn-cs"/>
+              </a:defRPr>
+            </a:lvl9pPr>
+          </a:lstStyle>
           <a:p>
             <a:pPr marL="0" indent="0">
+              <a:buFont typeface="Arial" panose="020B0604020202020204" pitchFamily="34" charset="0"/>
               <a:buNone/>
             </a:pPr>
             <a:r>
-              <a:rPr lang="en-US" sz="2600" dirty="0"/>
-              <a:t>References:  </a:t>
-            </a:r>
-          </a:p>
+              <a:rPr lang="en-US" sz="1800" dirty="0"/>
+              <a:t>GET, POST  site.com/</a:t>
+            </a:r>
+            <a:r>
+              <a:rPr lang="en-US" sz="1800" dirty="0" err="1">
+                <a:highlight>
+                  <a:srgbClr val="00FF00"/>
+                </a:highlight>
+              </a:rPr>
+              <a:t>api</a:t>
+            </a:r>
+            <a:endParaRPr lang="en-US" sz="1800" dirty="0">
+              <a:highlight>
+                <a:srgbClr val="00FF00"/>
+              </a:highlight>
+            </a:endParaRPr>
+          </a:p>
+        </p:txBody>
+      </p:sp>
+      <p:cxnSp>
+        <p:nvCxnSpPr>
+          <p:cNvPr id="18" name="Straight Connector 17">
+            <a:extLst>
+              <a:ext uri="{FF2B5EF4-FFF2-40B4-BE49-F238E27FC236}">
+                <a16:creationId xmlns:a16="http://schemas.microsoft.com/office/drawing/2014/main" id="{79A3F22A-CDC0-4ED5-BEAA-941F86C0ABD3}"/>
+              </a:ext>
+            </a:extLst>
+          </p:cNvPr>
+          <p:cNvCxnSpPr>
+            <a:cxnSpLocks/>
+            <a:stCxn id="4" idx="3"/>
+            <a:endCxn id="8" idx="2"/>
+          </p:cNvCxnSpPr>
+          <p:nvPr/>
+        </p:nvCxnSpPr>
+        <p:spPr>
+          <a:xfrm>
+            <a:off x="4858130" y="2535400"/>
+            <a:ext cx="750878" cy="390248"/>
+          </a:xfrm>
+          <a:prstGeom prst="line">
+            <a:avLst/>
+          </a:prstGeom>
+        </p:spPr>
+        <p:style>
+          <a:lnRef idx="1">
+            <a:schemeClr val="accent1"/>
+          </a:lnRef>
+          <a:fillRef idx="0">
+            <a:schemeClr val="accent1"/>
+          </a:fillRef>
+          <a:effectRef idx="0">
+            <a:schemeClr val="accent1"/>
+          </a:effectRef>
+          <a:fontRef idx="minor">
+            <a:schemeClr val="tx1"/>
+          </a:fontRef>
+        </p:style>
+      </p:cxnSp>
+      <p:cxnSp>
+        <p:nvCxnSpPr>
+          <p:cNvPr id="19" name="Straight Connector 18">
+            <a:extLst>
+              <a:ext uri="{FF2B5EF4-FFF2-40B4-BE49-F238E27FC236}">
+                <a16:creationId xmlns:a16="http://schemas.microsoft.com/office/drawing/2014/main" id="{464D9C67-8C5E-4338-8816-6D9C343901FD}"/>
+              </a:ext>
+            </a:extLst>
+          </p:cNvPr>
+          <p:cNvCxnSpPr>
+            <a:cxnSpLocks/>
+            <a:stCxn id="15" idx="3"/>
+            <a:endCxn id="8" idx="2"/>
+          </p:cNvCxnSpPr>
+          <p:nvPr/>
+        </p:nvCxnSpPr>
+        <p:spPr>
+          <a:xfrm flipV="1">
+            <a:off x="4872464" y="2925648"/>
+            <a:ext cx="736544" cy="675729"/>
+          </a:xfrm>
+          <a:prstGeom prst="line">
+            <a:avLst/>
+          </a:prstGeom>
+        </p:spPr>
+        <p:style>
+          <a:lnRef idx="1">
+            <a:schemeClr val="accent1"/>
+          </a:lnRef>
+          <a:fillRef idx="0">
+            <a:schemeClr val="accent1"/>
+          </a:fillRef>
+          <a:effectRef idx="0">
+            <a:schemeClr val="accent1"/>
+          </a:effectRef>
+          <a:fontRef idx="minor">
+            <a:schemeClr val="tx1"/>
+          </a:fontRef>
+        </p:style>
+      </p:cxnSp>
+      <p:cxnSp>
+        <p:nvCxnSpPr>
+          <p:cNvPr id="22" name="Straight Connector 21">
+            <a:extLst>
+              <a:ext uri="{FF2B5EF4-FFF2-40B4-BE49-F238E27FC236}">
+                <a16:creationId xmlns:a16="http://schemas.microsoft.com/office/drawing/2014/main" id="{B2C6BC92-B088-4A57-8CD8-378B7B875C5B}"/>
+              </a:ext>
+            </a:extLst>
+          </p:cNvPr>
+          <p:cNvCxnSpPr>
+            <a:cxnSpLocks/>
+            <a:stCxn id="14" idx="1"/>
+            <a:endCxn id="8" idx="6"/>
+          </p:cNvCxnSpPr>
+          <p:nvPr/>
+        </p:nvCxnSpPr>
+        <p:spPr>
+          <a:xfrm flipH="1">
+            <a:off x="7110763" y="2032663"/>
+            <a:ext cx="1224243" cy="892985"/>
+          </a:xfrm>
+          <a:prstGeom prst="line">
+            <a:avLst/>
+          </a:prstGeom>
+        </p:spPr>
+        <p:style>
+          <a:lnRef idx="1">
+            <a:schemeClr val="accent1"/>
+          </a:lnRef>
+          <a:fillRef idx="0">
+            <a:schemeClr val="accent1"/>
+          </a:fillRef>
+          <a:effectRef idx="0">
+            <a:schemeClr val="accent1"/>
+          </a:effectRef>
+          <a:fontRef idx="minor">
+            <a:schemeClr val="tx1"/>
+          </a:fontRef>
+        </p:style>
+      </p:cxnSp>
+      <p:sp>
+        <p:nvSpPr>
+          <p:cNvPr id="26" name="Rectangle 25">
+            <a:extLst>
+              <a:ext uri="{FF2B5EF4-FFF2-40B4-BE49-F238E27FC236}">
+                <a16:creationId xmlns:a16="http://schemas.microsoft.com/office/drawing/2014/main" id="{1E45162A-97F2-4EC2-9D2D-EFFEE5DC827D}"/>
+              </a:ext>
+            </a:extLst>
+          </p:cNvPr>
+          <p:cNvSpPr/>
+          <p:nvPr/>
+        </p:nvSpPr>
+        <p:spPr>
+          <a:xfrm>
+            <a:off x="8335006" y="2444916"/>
+            <a:ext cx="591429" cy="824507"/>
+          </a:xfrm>
+          <a:prstGeom prst="rect">
+            <a:avLst/>
+          </a:prstGeom>
+        </p:spPr>
+        <p:style>
+          <a:lnRef idx="2">
+            <a:schemeClr val="accent1">
+              <a:shade val="50000"/>
+            </a:schemeClr>
+          </a:lnRef>
+          <a:fillRef idx="1">
+            <a:schemeClr val="accent1"/>
+          </a:fillRef>
+          <a:effectRef idx="0">
+            <a:schemeClr val="accent1"/>
+          </a:effectRef>
+          <a:fontRef idx="minor">
+            <a:schemeClr val="lt1"/>
+          </a:fontRef>
+        </p:style>
+        <p:txBody>
+          <a:bodyPr rtlCol="0" anchor="ctr"/>
+          <a:lstStyle/>
+          <a:p>
+            <a:pPr algn="ctr"/>
+            <a:r>
+              <a:rPr lang="en-US" sz="1400" dirty="0" err="1"/>
+              <a:t>api</a:t>
+            </a:r>
+            <a:r>
+              <a:rPr lang="en-US" sz="1400" dirty="0"/>
+              <a:t> </a:t>
+            </a:r>
+            <a:r>
+              <a:rPr lang="en-US" sz="1400" dirty="0" err="1"/>
+              <a:t>urls</a:t>
+            </a:r>
+            <a:endParaRPr lang="en-US" sz="1400" dirty="0"/>
+          </a:p>
+        </p:txBody>
+      </p:sp>
+      <p:cxnSp>
+        <p:nvCxnSpPr>
+          <p:cNvPr id="27" name="Straight Connector 26">
+            <a:extLst>
+              <a:ext uri="{FF2B5EF4-FFF2-40B4-BE49-F238E27FC236}">
+                <a16:creationId xmlns:a16="http://schemas.microsoft.com/office/drawing/2014/main" id="{33F33A00-8F5C-4113-8B66-DCE248BD0388}"/>
+              </a:ext>
+            </a:extLst>
+          </p:cNvPr>
+          <p:cNvCxnSpPr>
+            <a:cxnSpLocks/>
+            <a:stCxn id="26" idx="1"/>
+            <a:endCxn id="8" idx="6"/>
+          </p:cNvCxnSpPr>
+          <p:nvPr/>
+        </p:nvCxnSpPr>
+        <p:spPr>
+          <a:xfrm flipH="1">
+            <a:off x="7110763" y="2857170"/>
+            <a:ext cx="1224243" cy="68478"/>
+          </a:xfrm>
+          <a:prstGeom prst="line">
+            <a:avLst/>
+          </a:prstGeom>
+        </p:spPr>
+        <p:style>
+          <a:lnRef idx="1">
+            <a:schemeClr val="accent1"/>
+          </a:lnRef>
+          <a:fillRef idx="0">
+            <a:schemeClr val="accent1"/>
+          </a:fillRef>
+          <a:effectRef idx="0">
+            <a:schemeClr val="accent1"/>
+          </a:effectRef>
+          <a:fontRef idx="minor">
+            <a:schemeClr val="tx1"/>
+          </a:fontRef>
+        </p:style>
+      </p:cxnSp>
+      <p:cxnSp>
+        <p:nvCxnSpPr>
+          <p:cNvPr id="23" name="Straight Connector 22">
+            <a:extLst>
+              <a:ext uri="{FF2B5EF4-FFF2-40B4-BE49-F238E27FC236}">
+                <a16:creationId xmlns:a16="http://schemas.microsoft.com/office/drawing/2014/main" id="{0806B4DF-ECC8-4DD1-A3FB-D64807D022FC}"/>
+              </a:ext>
+            </a:extLst>
+          </p:cNvPr>
+          <p:cNvCxnSpPr>
+            <a:cxnSpLocks/>
+            <a:stCxn id="5" idx="1"/>
+            <a:endCxn id="26" idx="3"/>
+          </p:cNvCxnSpPr>
+          <p:nvPr/>
+        </p:nvCxnSpPr>
+        <p:spPr>
+          <a:xfrm flipH="1">
+            <a:off x="8926435" y="1829436"/>
+            <a:ext cx="617119" cy="1027734"/>
+          </a:xfrm>
+          <a:prstGeom prst="line">
+            <a:avLst/>
+          </a:prstGeom>
+        </p:spPr>
+        <p:style>
+          <a:lnRef idx="1">
+            <a:schemeClr val="accent1"/>
+          </a:lnRef>
+          <a:fillRef idx="0">
+            <a:schemeClr val="accent1"/>
+          </a:fillRef>
+          <a:effectRef idx="0">
+            <a:schemeClr val="accent1"/>
+          </a:effectRef>
+          <a:fontRef idx="minor">
+            <a:schemeClr val="tx1"/>
+          </a:fontRef>
+        </p:style>
+      </p:cxnSp>
+      <p:cxnSp>
+        <p:nvCxnSpPr>
+          <p:cNvPr id="25" name="Straight Connector 24">
+            <a:extLst>
+              <a:ext uri="{FF2B5EF4-FFF2-40B4-BE49-F238E27FC236}">
+                <a16:creationId xmlns:a16="http://schemas.microsoft.com/office/drawing/2014/main" id="{4DDF0419-07C2-4433-924A-43DCB8870581}"/>
+              </a:ext>
+            </a:extLst>
+          </p:cNvPr>
+          <p:cNvCxnSpPr>
+            <a:cxnSpLocks/>
+            <a:stCxn id="6" idx="1"/>
+            <a:endCxn id="26" idx="3"/>
+          </p:cNvCxnSpPr>
+          <p:nvPr/>
+        </p:nvCxnSpPr>
+        <p:spPr>
+          <a:xfrm flipH="1">
+            <a:off x="8926435" y="2398488"/>
+            <a:ext cx="617118" cy="458682"/>
+          </a:xfrm>
+          <a:prstGeom prst="line">
+            <a:avLst/>
+          </a:prstGeom>
+        </p:spPr>
+        <p:style>
+          <a:lnRef idx="1">
+            <a:schemeClr val="accent1"/>
+          </a:lnRef>
+          <a:fillRef idx="0">
+            <a:schemeClr val="accent1"/>
+          </a:fillRef>
+          <a:effectRef idx="0">
+            <a:schemeClr val="accent1"/>
+          </a:effectRef>
+          <a:fontRef idx="minor">
+            <a:schemeClr val="tx1"/>
+          </a:fontRef>
+        </p:style>
+      </p:cxnSp>
+      <p:sp>
+        <p:nvSpPr>
+          <p:cNvPr id="28" name="Content Placeholder 2">
+            <a:extLst>
+              <a:ext uri="{FF2B5EF4-FFF2-40B4-BE49-F238E27FC236}">
+                <a16:creationId xmlns:a16="http://schemas.microsoft.com/office/drawing/2014/main" id="{B4AC751D-38C1-44B8-9F11-9155EACEF493}"/>
+              </a:ext>
+            </a:extLst>
+          </p:cNvPr>
+          <p:cNvSpPr txBox="1">
+            <a:spLocks/>
+          </p:cNvSpPr>
+          <p:nvPr/>
+        </p:nvSpPr>
+        <p:spPr>
+          <a:xfrm>
+            <a:off x="8297001" y="943706"/>
+            <a:ext cx="2737185" cy="568683"/>
+          </a:xfrm>
+          <a:prstGeom prst="rect">
+            <a:avLst/>
+          </a:prstGeom>
+        </p:spPr>
+        <p:txBody>
+          <a:bodyPr vert="horz" lIns="91440" tIns="45720" rIns="91440" bIns="45720" rtlCol="0">
+            <a:normAutofit/>
+          </a:bodyPr>
+          <a:lstStyle>
+            <a:lvl1pPr marL="228600" indent="-228600" algn="l" defTabSz="914400" rtl="0" eaLnBrk="1" latinLnBrk="0" hangingPunct="1">
+              <a:lnSpc>
+                <a:spcPct val="90000"/>
+              </a:lnSpc>
+              <a:spcBef>
+                <a:spcPts val="1000"/>
+              </a:spcBef>
+              <a:buFont typeface="Arial" panose="020B0604020202020204" pitchFamily="34" charset="0"/>
+              <a:buChar char="•"/>
+              <a:defRPr sz="2800" kern="1200">
+                <a:solidFill>
+                  <a:schemeClr val="tx1"/>
+                </a:solidFill>
+                <a:latin typeface="+mn-lt"/>
+                <a:ea typeface="+mn-ea"/>
+                <a:cs typeface="+mn-cs"/>
+              </a:defRPr>
+            </a:lvl1pPr>
+            <a:lvl2pPr marL="685800" indent="-228600" algn="l" defTabSz="914400" rtl="0" eaLnBrk="1" latinLnBrk="0" hangingPunct="1">
+              <a:lnSpc>
+                <a:spcPct val="90000"/>
+              </a:lnSpc>
+              <a:spcBef>
+                <a:spcPts val="500"/>
+              </a:spcBef>
+              <a:buFont typeface="Arial" panose="020B0604020202020204" pitchFamily="34" charset="0"/>
+              <a:buChar char="•"/>
+              <a:defRPr sz="2400" kern="1200">
+                <a:solidFill>
+                  <a:schemeClr val="tx1"/>
+                </a:solidFill>
+                <a:latin typeface="+mn-lt"/>
+                <a:ea typeface="+mn-ea"/>
+                <a:cs typeface="+mn-cs"/>
+              </a:defRPr>
+            </a:lvl2pPr>
+            <a:lvl3pPr marL="1143000" indent="-228600" algn="l" defTabSz="914400" rtl="0" eaLnBrk="1" latinLnBrk="0" hangingPunct="1">
+              <a:lnSpc>
+                <a:spcPct val="90000"/>
+              </a:lnSpc>
+              <a:spcBef>
+                <a:spcPts val="500"/>
+              </a:spcBef>
+              <a:buFont typeface="Arial" panose="020B0604020202020204" pitchFamily="34" charset="0"/>
+              <a:buChar char="•"/>
+              <a:defRPr sz="2000" kern="1200">
+                <a:solidFill>
+                  <a:schemeClr val="tx1"/>
+                </a:solidFill>
+                <a:latin typeface="+mn-lt"/>
+                <a:ea typeface="+mn-ea"/>
+                <a:cs typeface="+mn-cs"/>
+              </a:defRPr>
+            </a:lvl3pPr>
+            <a:lvl4pPr marL="1600200" indent="-228600" algn="l" defTabSz="914400" rtl="0" eaLnBrk="1" latinLnBrk="0" hangingPunct="1">
+              <a:lnSpc>
+                <a:spcPct val="90000"/>
+              </a:lnSpc>
+              <a:spcBef>
+                <a:spcPts val="500"/>
+              </a:spcBef>
+              <a:buFont typeface="Arial" panose="020B0604020202020204" pitchFamily="34" charset="0"/>
+              <a:buChar char="•"/>
+              <a:defRPr sz="1800" kern="1200">
+                <a:solidFill>
+                  <a:schemeClr val="tx1"/>
+                </a:solidFill>
+                <a:latin typeface="+mn-lt"/>
+                <a:ea typeface="+mn-ea"/>
+                <a:cs typeface="+mn-cs"/>
+              </a:defRPr>
+            </a:lvl4pPr>
+            <a:lvl5pPr marL="2057400" indent="-228600" algn="l" defTabSz="914400" rtl="0" eaLnBrk="1" latinLnBrk="0" hangingPunct="1">
+              <a:lnSpc>
+                <a:spcPct val="90000"/>
+              </a:lnSpc>
+              <a:spcBef>
+                <a:spcPts val="500"/>
+              </a:spcBef>
+              <a:buFont typeface="Arial" panose="020B0604020202020204" pitchFamily="34" charset="0"/>
+              <a:buChar char="•"/>
+              <a:defRPr sz="1800" kern="1200">
+                <a:solidFill>
+                  <a:schemeClr val="tx1"/>
+                </a:solidFill>
+                <a:latin typeface="+mn-lt"/>
+                <a:ea typeface="+mn-ea"/>
+                <a:cs typeface="+mn-cs"/>
+              </a:defRPr>
+            </a:lvl5pPr>
+            <a:lvl6pPr marL="2514600" indent="-228600" algn="l" defTabSz="914400" rtl="0" eaLnBrk="1" latinLnBrk="0" hangingPunct="1">
+              <a:lnSpc>
+                <a:spcPct val="90000"/>
+              </a:lnSpc>
+              <a:spcBef>
+                <a:spcPts val="500"/>
+              </a:spcBef>
+              <a:buFont typeface="Arial" panose="020B0604020202020204" pitchFamily="34" charset="0"/>
+              <a:buChar char="•"/>
+              <a:defRPr sz="1800" kern="1200">
+                <a:solidFill>
+                  <a:schemeClr val="tx1"/>
+                </a:solidFill>
+                <a:latin typeface="+mn-lt"/>
+                <a:ea typeface="+mn-ea"/>
+                <a:cs typeface="+mn-cs"/>
+              </a:defRPr>
+            </a:lvl6pPr>
+            <a:lvl7pPr marL="2971800" indent="-228600" algn="l" defTabSz="914400" rtl="0" eaLnBrk="1" latinLnBrk="0" hangingPunct="1">
+              <a:lnSpc>
+                <a:spcPct val="90000"/>
+              </a:lnSpc>
+              <a:spcBef>
+                <a:spcPts val="500"/>
+              </a:spcBef>
+              <a:buFont typeface="Arial" panose="020B0604020202020204" pitchFamily="34" charset="0"/>
+              <a:buChar char="•"/>
+              <a:defRPr sz="1800" kern="1200">
+                <a:solidFill>
+                  <a:schemeClr val="tx1"/>
+                </a:solidFill>
+                <a:latin typeface="+mn-lt"/>
+                <a:ea typeface="+mn-ea"/>
+                <a:cs typeface="+mn-cs"/>
+              </a:defRPr>
+            </a:lvl7pPr>
+            <a:lvl8pPr marL="3429000" indent="-228600" algn="l" defTabSz="914400" rtl="0" eaLnBrk="1" latinLnBrk="0" hangingPunct="1">
+              <a:lnSpc>
+                <a:spcPct val="90000"/>
+              </a:lnSpc>
+              <a:spcBef>
+                <a:spcPts val="500"/>
+              </a:spcBef>
+              <a:buFont typeface="Arial" panose="020B0604020202020204" pitchFamily="34" charset="0"/>
+              <a:buChar char="•"/>
+              <a:defRPr sz="1800" kern="1200">
+                <a:solidFill>
+                  <a:schemeClr val="tx1"/>
+                </a:solidFill>
+                <a:latin typeface="+mn-lt"/>
+                <a:ea typeface="+mn-ea"/>
+                <a:cs typeface="+mn-cs"/>
+              </a:defRPr>
+            </a:lvl8pPr>
+            <a:lvl9pPr marL="3886200" indent="-228600" algn="l" defTabSz="914400" rtl="0" eaLnBrk="1" latinLnBrk="0" hangingPunct="1">
+              <a:lnSpc>
+                <a:spcPct val="90000"/>
+              </a:lnSpc>
+              <a:spcBef>
+                <a:spcPts val="500"/>
+              </a:spcBef>
+              <a:buFont typeface="Arial" panose="020B0604020202020204" pitchFamily="34" charset="0"/>
+              <a:buChar char="•"/>
+              <a:defRPr sz="1800" kern="1200">
+                <a:solidFill>
+                  <a:schemeClr val="tx1"/>
+                </a:solidFill>
+                <a:latin typeface="+mn-lt"/>
+                <a:ea typeface="+mn-ea"/>
+                <a:cs typeface="+mn-cs"/>
+              </a:defRPr>
+            </a:lvl9pPr>
+          </a:lstStyle>
           <a:p>
             <a:pPr marL="0" indent="0">
+              <a:buFont typeface="Arial" panose="020B0604020202020204" pitchFamily="34" charset="0"/>
               <a:buNone/>
             </a:pPr>
             <a:r>
-              <a:rPr lang="en-US" sz="1600" dirty="0"/>
-              <a:t>Getting Started in UX Design by Kurt </a:t>
-            </a:r>
-            <a:r>
-              <a:rPr lang="en-US" sz="1600" dirty="0" err="1"/>
-              <a:t>Krumme</a:t>
-            </a:r>
-            <a:r>
-              <a:rPr lang="en-US" sz="1600" dirty="0"/>
-              <a:t> </a:t>
-            </a:r>
-            <a:r>
-              <a:rPr lang="en-US" sz="1600" dirty="0">
-                <a:hlinkClick r:id="rId2"/>
-              </a:rPr>
-              <a:t>https://app.pluralsight.com/library/courses/getting-started-ux-design/table-of-contents</a:t>
-            </a:r>
-            <a:endParaRPr lang="en-US" sz="1600" dirty="0"/>
-          </a:p>
+              <a:rPr lang="en-US" dirty="0"/>
+              <a:t>Our DB, App, ML</a:t>
+            </a:r>
+          </a:p>
+        </p:txBody>
+      </p:sp>
+      <p:sp>
+        <p:nvSpPr>
+          <p:cNvPr id="31" name="Rectangle 30">
+            <a:extLst>
+              <a:ext uri="{FF2B5EF4-FFF2-40B4-BE49-F238E27FC236}">
+                <a16:creationId xmlns:a16="http://schemas.microsoft.com/office/drawing/2014/main" id="{22D2C435-2712-438D-9E89-FD7369D2A2DF}"/>
+              </a:ext>
+            </a:extLst>
+          </p:cNvPr>
+          <p:cNvSpPr/>
+          <p:nvPr/>
+        </p:nvSpPr>
+        <p:spPr>
+          <a:xfrm>
+            <a:off x="8129835" y="3726451"/>
+            <a:ext cx="2827436" cy="1074441"/>
+          </a:xfrm>
+          <a:prstGeom prst="rect">
+            <a:avLst/>
+          </a:prstGeom>
+          <a:noFill/>
+        </p:spPr>
+        <p:style>
+          <a:lnRef idx="2">
+            <a:schemeClr val="accent1">
+              <a:shade val="50000"/>
+            </a:schemeClr>
+          </a:lnRef>
+          <a:fillRef idx="1">
+            <a:schemeClr val="accent1"/>
+          </a:fillRef>
+          <a:effectRef idx="0">
+            <a:schemeClr val="accent1"/>
+          </a:effectRef>
+          <a:fontRef idx="minor">
+            <a:schemeClr val="lt1"/>
+          </a:fontRef>
+        </p:style>
+        <p:txBody>
+          <a:bodyPr rtlCol="0" anchor="ctr"/>
+          <a:lstStyle/>
+          <a:p>
+            <a:pPr algn="ctr"/>
+            <a:endParaRPr lang="en-US" dirty="0"/>
+          </a:p>
+        </p:txBody>
+      </p:sp>
+      <p:sp>
+        <p:nvSpPr>
+          <p:cNvPr id="32" name="Content Placeholder 2">
+            <a:extLst>
+              <a:ext uri="{FF2B5EF4-FFF2-40B4-BE49-F238E27FC236}">
+                <a16:creationId xmlns:a16="http://schemas.microsoft.com/office/drawing/2014/main" id="{9F6733A6-D90B-46AD-8DE1-748F3C3A6898}"/>
+              </a:ext>
+            </a:extLst>
+          </p:cNvPr>
+          <p:cNvSpPr txBox="1">
+            <a:spLocks/>
+          </p:cNvSpPr>
+          <p:nvPr/>
+        </p:nvSpPr>
+        <p:spPr>
+          <a:xfrm>
+            <a:off x="8206750" y="3850885"/>
+            <a:ext cx="2827436" cy="1074441"/>
+          </a:xfrm>
+          <a:prstGeom prst="rect">
+            <a:avLst/>
+          </a:prstGeom>
+        </p:spPr>
+        <p:txBody>
+          <a:bodyPr vert="horz" lIns="91440" tIns="45720" rIns="91440" bIns="45720" rtlCol="0">
+            <a:normAutofit fontScale="62500" lnSpcReduction="20000"/>
+          </a:bodyPr>
+          <a:lstStyle>
+            <a:lvl1pPr marL="228600" indent="-228600" algn="l" defTabSz="914400" rtl="0" eaLnBrk="1" latinLnBrk="0" hangingPunct="1">
+              <a:lnSpc>
+                <a:spcPct val="90000"/>
+              </a:lnSpc>
+              <a:spcBef>
+                <a:spcPts val="1000"/>
+              </a:spcBef>
+              <a:buFont typeface="Arial" panose="020B0604020202020204" pitchFamily="34" charset="0"/>
+              <a:buChar char="•"/>
+              <a:defRPr sz="2800" kern="1200">
+                <a:solidFill>
+                  <a:schemeClr val="tx1"/>
+                </a:solidFill>
+                <a:latin typeface="+mn-lt"/>
+                <a:ea typeface="+mn-ea"/>
+                <a:cs typeface="+mn-cs"/>
+              </a:defRPr>
+            </a:lvl1pPr>
+            <a:lvl2pPr marL="685800" indent="-228600" algn="l" defTabSz="914400" rtl="0" eaLnBrk="1" latinLnBrk="0" hangingPunct="1">
+              <a:lnSpc>
+                <a:spcPct val="90000"/>
+              </a:lnSpc>
+              <a:spcBef>
+                <a:spcPts val="500"/>
+              </a:spcBef>
+              <a:buFont typeface="Arial" panose="020B0604020202020204" pitchFamily="34" charset="0"/>
+              <a:buChar char="•"/>
+              <a:defRPr sz="2400" kern="1200">
+                <a:solidFill>
+                  <a:schemeClr val="tx1"/>
+                </a:solidFill>
+                <a:latin typeface="+mn-lt"/>
+                <a:ea typeface="+mn-ea"/>
+                <a:cs typeface="+mn-cs"/>
+              </a:defRPr>
+            </a:lvl2pPr>
+            <a:lvl3pPr marL="1143000" indent="-228600" algn="l" defTabSz="914400" rtl="0" eaLnBrk="1" latinLnBrk="0" hangingPunct="1">
+              <a:lnSpc>
+                <a:spcPct val="90000"/>
+              </a:lnSpc>
+              <a:spcBef>
+                <a:spcPts val="500"/>
+              </a:spcBef>
+              <a:buFont typeface="Arial" panose="020B0604020202020204" pitchFamily="34" charset="0"/>
+              <a:buChar char="•"/>
+              <a:defRPr sz="2000" kern="1200">
+                <a:solidFill>
+                  <a:schemeClr val="tx1"/>
+                </a:solidFill>
+                <a:latin typeface="+mn-lt"/>
+                <a:ea typeface="+mn-ea"/>
+                <a:cs typeface="+mn-cs"/>
+              </a:defRPr>
+            </a:lvl3pPr>
+            <a:lvl4pPr marL="1600200" indent="-228600" algn="l" defTabSz="914400" rtl="0" eaLnBrk="1" latinLnBrk="0" hangingPunct="1">
+              <a:lnSpc>
+                <a:spcPct val="90000"/>
+              </a:lnSpc>
+              <a:spcBef>
+                <a:spcPts val="500"/>
+              </a:spcBef>
+              <a:buFont typeface="Arial" panose="020B0604020202020204" pitchFamily="34" charset="0"/>
+              <a:buChar char="•"/>
+              <a:defRPr sz="1800" kern="1200">
+                <a:solidFill>
+                  <a:schemeClr val="tx1"/>
+                </a:solidFill>
+                <a:latin typeface="+mn-lt"/>
+                <a:ea typeface="+mn-ea"/>
+                <a:cs typeface="+mn-cs"/>
+              </a:defRPr>
+            </a:lvl4pPr>
+            <a:lvl5pPr marL="2057400" indent="-228600" algn="l" defTabSz="914400" rtl="0" eaLnBrk="1" latinLnBrk="0" hangingPunct="1">
+              <a:lnSpc>
+                <a:spcPct val="90000"/>
+              </a:lnSpc>
+              <a:spcBef>
+                <a:spcPts val="500"/>
+              </a:spcBef>
+              <a:buFont typeface="Arial" panose="020B0604020202020204" pitchFamily="34" charset="0"/>
+              <a:buChar char="•"/>
+              <a:defRPr sz="1800" kern="1200">
+                <a:solidFill>
+                  <a:schemeClr val="tx1"/>
+                </a:solidFill>
+                <a:latin typeface="+mn-lt"/>
+                <a:ea typeface="+mn-ea"/>
+                <a:cs typeface="+mn-cs"/>
+              </a:defRPr>
+            </a:lvl5pPr>
+            <a:lvl6pPr marL="2514600" indent="-228600" algn="l" defTabSz="914400" rtl="0" eaLnBrk="1" latinLnBrk="0" hangingPunct="1">
+              <a:lnSpc>
+                <a:spcPct val="90000"/>
+              </a:lnSpc>
+              <a:spcBef>
+                <a:spcPts val="500"/>
+              </a:spcBef>
+              <a:buFont typeface="Arial" panose="020B0604020202020204" pitchFamily="34" charset="0"/>
+              <a:buChar char="•"/>
+              <a:defRPr sz="1800" kern="1200">
+                <a:solidFill>
+                  <a:schemeClr val="tx1"/>
+                </a:solidFill>
+                <a:latin typeface="+mn-lt"/>
+                <a:ea typeface="+mn-ea"/>
+                <a:cs typeface="+mn-cs"/>
+              </a:defRPr>
+            </a:lvl6pPr>
+            <a:lvl7pPr marL="2971800" indent="-228600" algn="l" defTabSz="914400" rtl="0" eaLnBrk="1" latinLnBrk="0" hangingPunct="1">
+              <a:lnSpc>
+                <a:spcPct val="90000"/>
+              </a:lnSpc>
+              <a:spcBef>
+                <a:spcPts val="500"/>
+              </a:spcBef>
+              <a:buFont typeface="Arial" panose="020B0604020202020204" pitchFamily="34" charset="0"/>
+              <a:buChar char="•"/>
+              <a:defRPr sz="1800" kern="1200">
+                <a:solidFill>
+                  <a:schemeClr val="tx1"/>
+                </a:solidFill>
+                <a:latin typeface="+mn-lt"/>
+                <a:ea typeface="+mn-ea"/>
+                <a:cs typeface="+mn-cs"/>
+              </a:defRPr>
+            </a:lvl7pPr>
+            <a:lvl8pPr marL="3429000" indent="-228600" algn="l" defTabSz="914400" rtl="0" eaLnBrk="1" latinLnBrk="0" hangingPunct="1">
+              <a:lnSpc>
+                <a:spcPct val="90000"/>
+              </a:lnSpc>
+              <a:spcBef>
+                <a:spcPts val="500"/>
+              </a:spcBef>
+              <a:buFont typeface="Arial" panose="020B0604020202020204" pitchFamily="34" charset="0"/>
+              <a:buChar char="•"/>
+              <a:defRPr sz="1800" kern="1200">
+                <a:solidFill>
+                  <a:schemeClr val="tx1"/>
+                </a:solidFill>
+                <a:latin typeface="+mn-lt"/>
+                <a:ea typeface="+mn-ea"/>
+                <a:cs typeface="+mn-cs"/>
+              </a:defRPr>
+            </a:lvl8pPr>
+            <a:lvl9pPr marL="3886200" indent="-228600" algn="l" defTabSz="914400" rtl="0" eaLnBrk="1" latinLnBrk="0" hangingPunct="1">
+              <a:lnSpc>
+                <a:spcPct val="90000"/>
+              </a:lnSpc>
+              <a:spcBef>
+                <a:spcPts val="500"/>
+              </a:spcBef>
+              <a:buFont typeface="Arial" panose="020B0604020202020204" pitchFamily="34" charset="0"/>
+              <a:buChar char="•"/>
+              <a:defRPr sz="1800" kern="1200">
+                <a:solidFill>
+                  <a:schemeClr val="tx1"/>
+                </a:solidFill>
+                <a:latin typeface="+mn-lt"/>
+                <a:ea typeface="+mn-ea"/>
+                <a:cs typeface="+mn-cs"/>
+              </a:defRPr>
+            </a:lvl9pPr>
+          </a:lstStyle>
           <a:p>
             <a:pPr marL="0" indent="0">
+              <a:buFont typeface="Arial" panose="020B0604020202020204" pitchFamily="34" charset="0"/>
               <a:buNone/>
             </a:pPr>
             <a:r>
-              <a:rPr lang="en-US" sz="1600" dirty="0"/>
-              <a:t>UX Design Creating Wireframes by Susan Simkins </a:t>
-            </a:r>
-            <a:r>
-              <a:rPr lang="en-US" sz="1600" dirty="0">
-                <a:hlinkClick r:id="rId3"/>
-              </a:rPr>
-              <a:t>https://app.pluralsight.com/library/courses/ux-design-creating-wireframes/table-of-contents</a:t>
-            </a:r>
-            <a:endParaRPr lang="en-US" sz="1600" dirty="0"/>
-          </a:p>
+              <a:rPr lang="en-US" sz="2400" dirty="0"/>
+              <a:t>IBM Watson/Alchemy</a:t>
+            </a:r>
+          </a:p>
+          <a:p>
+            <a:r>
+              <a:rPr lang="en-US" sz="2400" dirty="0"/>
+              <a:t>Face Recognition</a:t>
+            </a:r>
+          </a:p>
+          <a:p>
+            <a:r>
+              <a:rPr lang="en-US" sz="2400" dirty="0"/>
+              <a:t>Natural Language Processing</a:t>
+            </a:r>
+          </a:p>
+        </p:txBody>
+      </p:sp>
+      <p:cxnSp>
+        <p:nvCxnSpPr>
+          <p:cNvPr id="34" name="Straight Connector 33">
+            <a:extLst>
+              <a:ext uri="{FF2B5EF4-FFF2-40B4-BE49-F238E27FC236}">
+                <a16:creationId xmlns:a16="http://schemas.microsoft.com/office/drawing/2014/main" id="{615456A7-9F13-4715-A746-34F90EDFD939}"/>
+              </a:ext>
+            </a:extLst>
+          </p:cNvPr>
+          <p:cNvCxnSpPr>
+            <a:cxnSpLocks/>
+            <a:stCxn id="8" idx="6"/>
+            <a:endCxn id="31" idx="1"/>
+          </p:cNvCxnSpPr>
+          <p:nvPr/>
+        </p:nvCxnSpPr>
+        <p:spPr>
+          <a:xfrm>
+            <a:off x="7110763" y="2925648"/>
+            <a:ext cx="1019072" cy="1338024"/>
+          </a:xfrm>
+          <a:prstGeom prst="line">
+            <a:avLst/>
+          </a:prstGeom>
+        </p:spPr>
+        <p:style>
+          <a:lnRef idx="1">
+            <a:schemeClr val="accent1"/>
+          </a:lnRef>
+          <a:fillRef idx="0">
+            <a:schemeClr val="accent1"/>
+          </a:fillRef>
+          <a:effectRef idx="0">
+            <a:schemeClr val="accent1"/>
+          </a:effectRef>
+          <a:fontRef idx="minor">
+            <a:schemeClr val="tx1"/>
+          </a:fontRef>
+        </p:style>
+      </p:cxnSp>
+      <p:sp>
+        <p:nvSpPr>
+          <p:cNvPr id="40" name="Content Placeholder 2">
+            <a:extLst>
+              <a:ext uri="{FF2B5EF4-FFF2-40B4-BE49-F238E27FC236}">
+                <a16:creationId xmlns:a16="http://schemas.microsoft.com/office/drawing/2014/main" id="{5EA38B3B-DE41-4DA7-A03C-9458B4948D1D}"/>
+              </a:ext>
+            </a:extLst>
+          </p:cNvPr>
+          <p:cNvSpPr txBox="1">
+            <a:spLocks/>
+          </p:cNvSpPr>
+          <p:nvPr/>
+        </p:nvSpPr>
+        <p:spPr>
+          <a:xfrm>
+            <a:off x="871863" y="3301916"/>
+            <a:ext cx="1785073" cy="568683"/>
+          </a:xfrm>
+          <a:prstGeom prst="rect">
+            <a:avLst/>
+          </a:prstGeom>
+        </p:spPr>
+        <p:txBody>
+          <a:bodyPr vert="horz" lIns="91440" tIns="45720" rIns="91440" bIns="45720" rtlCol="0">
+            <a:normAutofit/>
+          </a:bodyPr>
+          <a:lstStyle>
+            <a:lvl1pPr marL="228600" indent="-228600" algn="l" defTabSz="914400" rtl="0" eaLnBrk="1" latinLnBrk="0" hangingPunct="1">
+              <a:lnSpc>
+                <a:spcPct val="90000"/>
+              </a:lnSpc>
+              <a:spcBef>
+                <a:spcPts val="1000"/>
+              </a:spcBef>
+              <a:buFont typeface="Arial" panose="020B0604020202020204" pitchFamily="34" charset="0"/>
+              <a:buChar char="•"/>
+              <a:defRPr sz="2800" kern="1200">
+                <a:solidFill>
+                  <a:schemeClr val="tx1"/>
+                </a:solidFill>
+                <a:latin typeface="+mn-lt"/>
+                <a:ea typeface="+mn-ea"/>
+                <a:cs typeface="+mn-cs"/>
+              </a:defRPr>
+            </a:lvl1pPr>
+            <a:lvl2pPr marL="685800" indent="-228600" algn="l" defTabSz="914400" rtl="0" eaLnBrk="1" latinLnBrk="0" hangingPunct="1">
+              <a:lnSpc>
+                <a:spcPct val="90000"/>
+              </a:lnSpc>
+              <a:spcBef>
+                <a:spcPts val="500"/>
+              </a:spcBef>
+              <a:buFont typeface="Arial" panose="020B0604020202020204" pitchFamily="34" charset="0"/>
+              <a:buChar char="•"/>
+              <a:defRPr sz="2400" kern="1200">
+                <a:solidFill>
+                  <a:schemeClr val="tx1"/>
+                </a:solidFill>
+                <a:latin typeface="+mn-lt"/>
+                <a:ea typeface="+mn-ea"/>
+                <a:cs typeface="+mn-cs"/>
+              </a:defRPr>
+            </a:lvl2pPr>
+            <a:lvl3pPr marL="1143000" indent="-228600" algn="l" defTabSz="914400" rtl="0" eaLnBrk="1" latinLnBrk="0" hangingPunct="1">
+              <a:lnSpc>
+                <a:spcPct val="90000"/>
+              </a:lnSpc>
+              <a:spcBef>
+                <a:spcPts val="500"/>
+              </a:spcBef>
+              <a:buFont typeface="Arial" panose="020B0604020202020204" pitchFamily="34" charset="0"/>
+              <a:buChar char="•"/>
+              <a:defRPr sz="2000" kern="1200">
+                <a:solidFill>
+                  <a:schemeClr val="tx1"/>
+                </a:solidFill>
+                <a:latin typeface="+mn-lt"/>
+                <a:ea typeface="+mn-ea"/>
+                <a:cs typeface="+mn-cs"/>
+              </a:defRPr>
+            </a:lvl3pPr>
+            <a:lvl4pPr marL="1600200" indent="-228600" algn="l" defTabSz="914400" rtl="0" eaLnBrk="1" latinLnBrk="0" hangingPunct="1">
+              <a:lnSpc>
+                <a:spcPct val="90000"/>
+              </a:lnSpc>
+              <a:spcBef>
+                <a:spcPts val="500"/>
+              </a:spcBef>
+              <a:buFont typeface="Arial" panose="020B0604020202020204" pitchFamily="34" charset="0"/>
+              <a:buChar char="•"/>
+              <a:defRPr sz="1800" kern="1200">
+                <a:solidFill>
+                  <a:schemeClr val="tx1"/>
+                </a:solidFill>
+                <a:latin typeface="+mn-lt"/>
+                <a:ea typeface="+mn-ea"/>
+                <a:cs typeface="+mn-cs"/>
+              </a:defRPr>
+            </a:lvl4pPr>
+            <a:lvl5pPr marL="2057400" indent="-228600" algn="l" defTabSz="914400" rtl="0" eaLnBrk="1" latinLnBrk="0" hangingPunct="1">
+              <a:lnSpc>
+                <a:spcPct val="90000"/>
+              </a:lnSpc>
+              <a:spcBef>
+                <a:spcPts val="500"/>
+              </a:spcBef>
+              <a:buFont typeface="Arial" panose="020B0604020202020204" pitchFamily="34" charset="0"/>
+              <a:buChar char="•"/>
+              <a:defRPr sz="1800" kern="1200">
+                <a:solidFill>
+                  <a:schemeClr val="tx1"/>
+                </a:solidFill>
+                <a:latin typeface="+mn-lt"/>
+                <a:ea typeface="+mn-ea"/>
+                <a:cs typeface="+mn-cs"/>
+              </a:defRPr>
+            </a:lvl5pPr>
+            <a:lvl6pPr marL="2514600" indent="-228600" algn="l" defTabSz="914400" rtl="0" eaLnBrk="1" latinLnBrk="0" hangingPunct="1">
+              <a:lnSpc>
+                <a:spcPct val="90000"/>
+              </a:lnSpc>
+              <a:spcBef>
+                <a:spcPts val="500"/>
+              </a:spcBef>
+              <a:buFont typeface="Arial" panose="020B0604020202020204" pitchFamily="34" charset="0"/>
+              <a:buChar char="•"/>
+              <a:defRPr sz="1800" kern="1200">
+                <a:solidFill>
+                  <a:schemeClr val="tx1"/>
+                </a:solidFill>
+                <a:latin typeface="+mn-lt"/>
+                <a:ea typeface="+mn-ea"/>
+                <a:cs typeface="+mn-cs"/>
+              </a:defRPr>
+            </a:lvl6pPr>
+            <a:lvl7pPr marL="2971800" indent="-228600" algn="l" defTabSz="914400" rtl="0" eaLnBrk="1" latinLnBrk="0" hangingPunct="1">
+              <a:lnSpc>
+                <a:spcPct val="90000"/>
+              </a:lnSpc>
+              <a:spcBef>
+                <a:spcPts val="500"/>
+              </a:spcBef>
+              <a:buFont typeface="Arial" panose="020B0604020202020204" pitchFamily="34" charset="0"/>
+              <a:buChar char="•"/>
+              <a:defRPr sz="1800" kern="1200">
+                <a:solidFill>
+                  <a:schemeClr val="tx1"/>
+                </a:solidFill>
+                <a:latin typeface="+mn-lt"/>
+                <a:ea typeface="+mn-ea"/>
+                <a:cs typeface="+mn-cs"/>
+              </a:defRPr>
+            </a:lvl7pPr>
+            <a:lvl8pPr marL="3429000" indent="-228600" algn="l" defTabSz="914400" rtl="0" eaLnBrk="1" latinLnBrk="0" hangingPunct="1">
+              <a:lnSpc>
+                <a:spcPct val="90000"/>
+              </a:lnSpc>
+              <a:spcBef>
+                <a:spcPts val="500"/>
+              </a:spcBef>
+              <a:buFont typeface="Arial" panose="020B0604020202020204" pitchFamily="34" charset="0"/>
+              <a:buChar char="•"/>
+              <a:defRPr sz="1800" kern="1200">
+                <a:solidFill>
+                  <a:schemeClr val="tx1"/>
+                </a:solidFill>
+                <a:latin typeface="+mn-lt"/>
+                <a:ea typeface="+mn-ea"/>
+                <a:cs typeface="+mn-cs"/>
+              </a:defRPr>
+            </a:lvl8pPr>
+            <a:lvl9pPr marL="3886200" indent="-228600" algn="l" defTabSz="914400" rtl="0" eaLnBrk="1" latinLnBrk="0" hangingPunct="1">
+              <a:lnSpc>
+                <a:spcPct val="90000"/>
+              </a:lnSpc>
+              <a:spcBef>
+                <a:spcPts val="500"/>
+              </a:spcBef>
+              <a:buFont typeface="Arial" panose="020B0604020202020204" pitchFamily="34" charset="0"/>
+              <a:buChar char="•"/>
+              <a:defRPr sz="1800" kern="1200">
+                <a:solidFill>
+                  <a:schemeClr val="tx1"/>
+                </a:solidFill>
+                <a:latin typeface="+mn-lt"/>
+                <a:ea typeface="+mn-ea"/>
+                <a:cs typeface="+mn-cs"/>
+              </a:defRPr>
+            </a:lvl9pPr>
+          </a:lstStyle>
           <a:p>
             <a:pPr marL="0" indent="0">
+              <a:buFont typeface="Arial" panose="020B0604020202020204" pitchFamily="34" charset="0"/>
               <a:buNone/>
             </a:pPr>
-            <a:endParaRPr lang="en-US" sz="1200" dirty="0"/>
-          </a:p>
-        </p:txBody>
-      </p:sp>
+            <a:r>
+              <a:rPr lang="en-US" dirty="0"/>
+              <a:t>Device</a:t>
+            </a:r>
+          </a:p>
+        </p:txBody>
+      </p:sp>
+      <p:sp>
+        <p:nvSpPr>
+          <p:cNvPr id="74" name="Rectangle 73">
+            <a:extLst>
+              <a:ext uri="{FF2B5EF4-FFF2-40B4-BE49-F238E27FC236}">
+                <a16:creationId xmlns:a16="http://schemas.microsoft.com/office/drawing/2014/main" id="{7F76A805-2796-490B-B5B6-11973474A1DA}"/>
+              </a:ext>
+            </a:extLst>
+          </p:cNvPr>
+          <p:cNvSpPr/>
+          <p:nvPr/>
+        </p:nvSpPr>
+        <p:spPr>
+          <a:xfrm>
+            <a:off x="8279443" y="4968247"/>
+            <a:ext cx="1930913" cy="369332"/>
+          </a:xfrm>
+          <a:prstGeom prst="rect">
+            <a:avLst/>
+          </a:prstGeom>
+        </p:spPr>
+        <p:txBody>
+          <a:bodyPr wrap="none">
+            <a:spAutoFit/>
+          </a:bodyPr>
+          <a:lstStyle/>
+          <a:p>
+            <a:r>
+              <a:rPr lang="en-US" dirty="0"/>
+              <a:t>Chuck Norris Jokes</a:t>
+            </a:r>
+          </a:p>
+        </p:txBody>
+      </p:sp>
+      <p:sp>
+        <p:nvSpPr>
+          <p:cNvPr id="75" name="Rectangle 74">
+            <a:extLst>
+              <a:ext uri="{FF2B5EF4-FFF2-40B4-BE49-F238E27FC236}">
+                <a16:creationId xmlns:a16="http://schemas.microsoft.com/office/drawing/2014/main" id="{45D54779-8333-4310-9A05-33AD49316788}"/>
+              </a:ext>
+            </a:extLst>
+          </p:cNvPr>
+          <p:cNvSpPr/>
+          <p:nvPr/>
+        </p:nvSpPr>
+        <p:spPr>
+          <a:xfrm>
+            <a:off x="8129835" y="5430004"/>
+            <a:ext cx="2827436" cy="485223"/>
+          </a:xfrm>
+          <a:prstGeom prst="rect">
+            <a:avLst/>
+          </a:prstGeom>
+          <a:noFill/>
+        </p:spPr>
+        <p:style>
+          <a:lnRef idx="2">
+            <a:schemeClr val="accent1">
+              <a:shade val="50000"/>
+            </a:schemeClr>
+          </a:lnRef>
+          <a:fillRef idx="1">
+            <a:schemeClr val="accent1"/>
+          </a:fillRef>
+          <a:effectRef idx="0">
+            <a:schemeClr val="accent1"/>
+          </a:effectRef>
+          <a:fontRef idx="minor">
+            <a:schemeClr val="lt1"/>
+          </a:fontRef>
+        </p:style>
+        <p:txBody>
+          <a:bodyPr rtlCol="0" anchor="ctr"/>
+          <a:lstStyle/>
+          <a:p>
+            <a:pPr algn="ctr"/>
+            <a:endParaRPr lang="en-US" dirty="0"/>
+          </a:p>
+        </p:txBody>
+      </p:sp>
+      <p:sp>
+        <p:nvSpPr>
+          <p:cNvPr id="76" name="Rectangle 75">
+            <a:extLst>
+              <a:ext uri="{FF2B5EF4-FFF2-40B4-BE49-F238E27FC236}">
+                <a16:creationId xmlns:a16="http://schemas.microsoft.com/office/drawing/2014/main" id="{A67F99C8-DC35-44D9-B483-0FC75F2B8ACE}"/>
+              </a:ext>
+            </a:extLst>
+          </p:cNvPr>
+          <p:cNvSpPr/>
+          <p:nvPr/>
+        </p:nvSpPr>
+        <p:spPr>
+          <a:xfrm>
+            <a:off x="8279443" y="5485507"/>
+            <a:ext cx="1831720" cy="369332"/>
+          </a:xfrm>
+          <a:prstGeom prst="rect">
+            <a:avLst/>
+          </a:prstGeom>
+        </p:spPr>
+        <p:txBody>
+          <a:bodyPr wrap="none">
+            <a:spAutoFit/>
+          </a:bodyPr>
+          <a:lstStyle/>
+          <a:p>
+            <a:r>
+              <a:rPr lang="en-US" dirty="0"/>
+              <a:t>Facebook/Twitter</a:t>
+            </a:r>
+          </a:p>
+        </p:txBody>
+      </p:sp>
+      <p:sp>
+        <p:nvSpPr>
+          <p:cNvPr id="77" name="Rectangle 76">
+            <a:extLst>
+              <a:ext uri="{FF2B5EF4-FFF2-40B4-BE49-F238E27FC236}">
+                <a16:creationId xmlns:a16="http://schemas.microsoft.com/office/drawing/2014/main" id="{7A1F0EAE-53CD-449C-A9FC-791C0BCDEF75}"/>
+              </a:ext>
+            </a:extLst>
+          </p:cNvPr>
+          <p:cNvSpPr/>
+          <p:nvPr/>
+        </p:nvSpPr>
+        <p:spPr>
+          <a:xfrm>
+            <a:off x="8129835" y="4948287"/>
+            <a:ext cx="2827436" cy="357284"/>
+          </a:xfrm>
+          <a:prstGeom prst="rect">
+            <a:avLst/>
+          </a:prstGeom>
+          <a:noFill/>
+        </p:spPr>
+        <p:style>
+          <a:lnRef idx="2">
+            <a:schemeClr val="accent1">
+              <a:shade val="50000"/>
+            </a:schemeClr>
+          </a:lnRef>
+          <a:fillRef idx="1">
+            <a:schemeClr val="accent1"/>
+          </a:fillRef>
+          <a:effectRef idx="0">
+            <a:schemeClr val="accent1"/>
+          </a:effectRef>
+          <a:fontRef idx="minor">
+            <a:schemeClr val="lt1"/>
+          </a:fontRef>
+        </p:style>
+        <p:txBody>
+          <a:bodyPr rtlCol="0" anchor="ctr"/>
+          <a:lstStyle/>
+          <a:p>
+            <a:pPr algn="ctr"/>
+            <a:endParaRPr lang="en-US" dirty="0"/>
+          </a:p>
+        </p:txBody>
+      </p:sp>
+      <p:sp>
+        <p:nvSpPr>
+          <p:cNvPr id="78" name="Rectangle 77">
+            <a:extLst>
+              <a:ext uri="{FF2B5EF4-FFF2-40B4-BE49-F238E27FC236}">
+                <a16:creationId xmlns:a16="http://schemas.microsoft.com/office/drawing/2014/main" id="{CAB4A41A-8577-4172-A211-D5E58247BB00}"/>
+              </a:ext>
+            </a:extLst>
+          </p:cNvPr>
+          <p:cNvSpPr/>
+          <p:nvPr/>
+        </p:nvSpPr>
+        <p:spPr>
+          <a:xfrm>
+            <a:off x="8297001" y="6007652"/>
+            <a:ext cx="2181175" cy="369332"/>
+          </a:xfrm>
+          <a:prstGeom prst="rect">
+            <a:avLst/>
+          </a:prstGeom>
+        </p:spPr>
+        <p:txBody>
+          <a:bodyPr wrap="none">
+            <a:spAutoFit/>
+          </a:bodyPr>
+          <a:lstStyle/>
+          <a:p>
+            <a:r>
+              <a:rPr lang="en-US" dirty="0"/>
+              <a:t>Geolocation (Google)</a:t>
+            </a:r>
+          </a:p>
+        </p:txBody>
+      </p:sp>
+      <p:sp>
+        <p:nvSpPr>
+          <p:cNvPr id="79" name="Rectangle 78">
+            <a:extLst>
+              <a:ext uri="{FF2B5EF4-FFF2-40B4-BE49-F238E27FC236}">
+                <a16:creationId xmlns:a16="http://schemas.microsoft.com/office/drawing/2014/main" id="{2C8EF210-6692-400F-B894-8394D13C84C4}"/>
+              </a:ext>
+            </a:extLst>
+          </p:cNvPr>
+          <p:cNvSpPr/>
+          <p:nvPr/>
+        </p:nvSpPr>
+        <p:spPr>
+          <a:xfrm>
+            <a:off x="8147901" y="6007652"/>
+            <a:ext cx="2827436" cy="485223"/>
+          </a:xfrm>
+          <a:prstGeom prst="rect">
+            <a:avLst/>
+          </a:prstGeom>
+          <a:noFill/>
+        </p:spPr>
+        <p:style>
+          <a:lnRef idx="2">
+            <a:schemeClr val="accent1">
+              <a:shade val="50000"/>
+            </a:schemeClr>
+          </a:lnRef>
+          <a:fillRef idx="1">
+            <a:schemeClr val="accent1"/>
+          </a:fillRef>
+          <a:effectRef idx="0">
+            <a:schemeClr val="accent1"/>
+          </a:effectRef>
+          <a:fontRef idx="minor">
+            <a:schemeClr val="lt1"/>
+          </a:fontRef>
+        </p:style>
+        <p:txBody>
+          <a:bodyPr rtlCol="0" anchor="ctr"/>
+          <a:lstStyle/>
+          <a:p>
+            <a:pPr algn="ctr"/>
+            <a:endParaRPr lang="en-US" dirty="0"/>
+          </a:p>
+        </p:txBody>
+      </p:sp>
+      <p:cxnSp>
+        <p:nvCxnSpPr>
+          <p:cNvPr id="84" name="Straight Connector 83">
+            <a:extLst>
+              <a:ext uri="{FF2B5EF4-FFF2-40B4-BE49-F238E27FC236}">
+                <a16:creationId xmlns:a16="http://schemas.microsoft.com/office/drawing/2014/main" id="{9DB988D1-B25D-4BC5-A7FE-B22FA5366E83}"/>
+              </a:ext>
+            </a:extLst>
+          </p:cNvPr>
+          <p:cNvCxnSpPr>
+            <a:cxnSpLocks/>
+            <a:stCxn id="8" idx="6"/>
+            <a:endCxn id="77" idx="1"/>
+          </p:cNvCxnSpPr>
+          <p:nvPr/>
+        </p:nvCxnSpPr>
+        <p:spPr>
+          <a:xfrm>
+            <a:off x="7110763" y="2925648"/>
+            <a:ext cx="1019072" cy="2201281"/>
+          </a:xfrm>
+          <a:prstGeom prst="line">
+            <a:avLst/>
+          </a:prstGeom>
+        </p:spPr>
+        <p:style>
+          <a:lnRef idx="1">
+            <a:schemeClr val="accent1"/>
+          </a:lnRef>
+          <a:fillRef idx="0">
+            <a:schemeClr val="accent1"/>
+          </a:fillRef>
+          <a:effectRef idx="0">
+            <a:schemeClr val="accent1"/>
+          </a:effectRef>
+          <a:fontRef idx="minor">
+            <a:schemeClr val="tx1"/>
+          </a:fontRef>
+        </p:style>
+      </p:cxnSp>
+      <p:cxnSp>
+        <p:nvCxnSpPr>
+          <p:cNvPr id="87" name="Straight Connector 86">
+            <a:extLst>
+              <a:ext uri="{FF2B5EF4-FFF2-40B4-BE49-F238E27FC236}">
+                <a16:creationId xmlns:a16="http://schemas.microsoft.com/office/drawing/2014/main" id="{A7F99DAC-71AB-438B-8C96-434757319F08}"/>
+              </a:ext>
+            </a:extLst>
+          </p:cNvPr>
+          <p:cNvCxnSpPr>
+            <a:cxnSpLocks/>
+            <a:stCxn id="8" idx="6"/>
+            <a:endCxn id="75" idx="1"/>
+          </p:cNvCxnSpPr>
+          <p:nvPr/>
+        </p:nvCxnSpPr>
+        <p:spPr>
+          <a:xfrm>
+            <a:off x="7110763" y="2925648"/>
+            <a:ext cx="1019072" cy="2746968"/>
+          </a:xfrm>
+          <a:prstGeom prst="line">
+            <a:avLst/>
+          </a:prstGeom>
+        </p:spPr>
+        <p:style>
+          <a:lnRef idx="1">
+            <a:schemeClr val="accent1"/>
+          </a:lnRef>
+          <a:fillRef idx="0">
+            <a:schemeClr val="accent1"/>
+          </a:fillRef>
+          <a:effectRef idx="0">
+            <a:schemeClr val="accent1"/>
+          </a:effectRef>
+          <a:fontRef idx="minor">
+            <a:schemeClr val="tx1"/>
+          </a:fontRef>
+        </p:style>
+      </p:cxnSp>
+      <p:cxnSp>
+        <p:nvCxnSpPr>
+          <p:cNvPr id="90" name="Straight Connector 89">
+            <a:extLst>
+              <a:ext uri="{FF2B5EF4-FFF2-40B4-BE49-F238E27FC236}">
+                <a16:creationId xmlns:a16="http://schemas.microsoft.com/office/drawing/2014/main" id="{E76ABBB7-D1DD-4070-A895-192F174EBCCE}"/>
+              </a:ext>
+            </a:extLst>
+          </p:cNvPr>
+          <p:cNvCxnSpPr>
+            <a:cxnSpLocks/>
+            <a:stCxn id="8" idx="6"/>
+            <a:endCxn id="79" idx="1"/>
+          </p:cNvCxnSpPr>
+          <p:nvPr/>
+        </p:nvCxnSpPr>
+        <p:spPr>
+          <a:xfrm>
+            <a:off x="7110763" y="2925648"/>
+            <a:ext cx="1037138" cy="3324616"/>
+          </a:xfrm>
+          <a:prstGeom prst="line">
+            <a:avLst/>
+          </a:prstGeom>
+        </p:spPr>
+        <p:style>
+          <a:lnRef idx="1">
+            <a:schemeClr val="accent1"/>
+          </a:lnRef>
+          <a:fillRef idx="0">
+            <a:schemeClr val="accent1"/>
+          </a:fillRef>
+          <a:effectRef idx="0">
+            <a:schemeClr val="accent1"/>
+          </a:effectRef>
+          <a:fontRef idx="minor">
+            <a:schemeClr val="tx1"/>
+          </a:fontRef>
+        </p:style>
+      </p:cxnSp>
     </p:spTree>
     <p:extLst>
       <p:ext uri="{BB962C8B-B14F-4D97-AF65-F5344CB8AC3E}">
-        <p14:creationId xmlns:p14="http://schemas.microsoft.com/office/powerpoint/2010/main" val="292067763"/>
+        <p14:creationId xmlns:p14="http://schemas.microsoft.com/office/powerpoint/2010/main" val="3601745222"/>
       </p:ext>
     </p:extLst>
   </p:cSld>
@@ -5936,7 +11989,7 @@
           <p:cNvPr id="2" name="Title 1">
             <a:extLst>
               <a:ext uri="{FF2B5EF4-FFF2-40B4-BE49-F238E27FC236}">
-                <a16:creationId xmlns:a16="http://schemas.microsoft.com/office/drawing/2014/main" id="{B3A7D6CB-691C-464E-A917-0E859492EA88}"/>
+                <a16:creationId xmlns:a16="http://schemas.microsoft.com/office/drawing/2014/main" id="{A0A31B23-34A5-4809-A750-D4CBBCF46A36}"/>
               </a:ext>
             </a:extLst>
           </p:cNvPr>
@@ -5954,8 +12007,16 @@
           <a:p>
             <a:r>
               <a:rPr lang="en-US" dirty="0"/>
-              <a:t>Wireframes</a:t>
-            </a:r>
+              <a:t>There’s so much out there...</a:t>
+            </a:r>
+            <a:br>
+              <a:rPr lang="en-US" dirty="0"/>
+            </a:br>
+            <a:r>
+              <a:rPr lang="en-US" sz="3200" dirty="0"/>
+              <a:t>For your Application, for your Device</a:t>
+            </a:r>
+            <a:endParaRPr lang="en-US" dirty="0"/>
           </a:p>
         </p:txBody>
       </p:sp>
@@ -5964,7 +12025,7 @@
           <p:cNvPr id="3" name="Content Placeholder 2">
             <a:extLst>
               <a:ext uri="{FF2B5EF4-FFF2-40B4-BE49-F238E27FC236}">
-                <a16:creationId xmlns:a16="http://schemas.microsoft.com/office/drawing/2014/main" id="{9D5A41D5-9940-4B4B-AF23-B0F5E0A6A931}"/>
+                <a16:creationId xmlns:a16="http://schemas.microsoft.com/office/drawing/2014/main" id="{0F22AB29-E12B-4A65-B22C-82A9AEE04C20}"/>
               </a:ext>
             </a:extLst>
           </p:cNvPr>
@@ -5977,28 +12038,83 @@
         </p:nvSpPr>
         <p:spPr/>
         <p:txBody>
-          <a:bodyPr/>
+          <a:bodyPr>
+            <a:normAutofit/>
+          </a:bodyPr>
           <a:lstStyle/>
           <a:p>
             <a:r>
+              <a:rPr lang="en-US" sz="2400" dirty="0"/>
+              <a:t>18 Fun APIs For Your Next Project </a:t>
+            </a:r>
+            <a:r>
+              <a:rPr lang="en-US" sz="1200" dirty="0">
+                <a:hlinkClick r:id="rId2"/>
+              </a:rPr>
+              <a:t>https://medium.com/@vicbergquist/18-fun-apis-for-your-next-project-8008841c7be9</a:t>
+            </a:r>
+            <a:endParaRPr lang="en-US" sz="1200" dirty="0"/>
+          </a:p>
+          <a:p>
+            <a:r>
+              <a:rPr lang="en-US" sz="2400" dirty="0"/>
+              <a:t>15 APIs developers need to know </a:t>
+            </a:r>
+            <a:r>
+              <a:rPr lang="en-US" sz="1200" dirty="0">
+                <a:hlinkClick r:id="rId3"/>
+              </a:rPr>
+              <a:t>https://www.creativebloq.com/web-design/apis-developers-need-know-121518469</a:t>
+            </a:r>
+            <a:endParaRPr lang="en-US" sz="1200" dirty="0"/>
+          </a:p>
+          <a:p>
+            <a:r>
+              <a:rPr lang="en-US" sz="2400" dirty="0"/>
+              <a:t>9 free/cool web APIs to use in your next project </a:t>
+            </a:r>
+            <a:r>
+              <a:rPr lang="en-US" sz="1600" dirty="0">
+                <a:hlinkClick r:id="rId4"/>
+              </a:rPr>
+              <a:t>https://rapidapi.com/collection/cool-apis</a:t>
+            </a:r>
+            <a:endParaRPr lang="en-US" sz="1600" dirty="0"/>
+          </a:p>
+          <a:p>
+            <a:r>
+              <a:rPr lang="en-US" sz="2400" dirty="0"/>
+              <a:t>...the list goes on</a:t>
+            </a:r>
+          </a:p>
+          <a:p>
+            <a:endParaRPr lang="en-US" sz="2400" dirty="0"/>
+          </a:p>
+          <a:p>
+            <a:pPr marL="0" indent="0">
+              <a:buNone/>
+            </a:pPr>
+            <a:r>
               <a:rPr lang="en-US" dirty="0"/>
-              <a:t>&lt;link to .pdf on </a:t>
-            </a:r>
-            <a:r>
-              <a:rPr lang="en-US" dirty="0" err="1"/>
-              <a:t>github</a:t>
-            </a:r>
-            <a:r>
-              <a:rPr lang="en-US" dirty="0"/>
-              <a:t>&gt;</a:t>
-            </a:r>
+              <a:t>“If you need some intelligence in your app, you'd be silly to build the NLP and other technology on your own. Instead, focus on what your app will do with that intelligence.” </a:t>
+            </a:r>
+            <a:r>
+              <a:rPr lang="en-US" sz="1600" dirty="0">
+                <a:hlinkClick r:id="rId3"/>
+              </a:rPr>
+              <a:t>https://www.creativebloq.com/web-design/apis-developers-need-know-121518469</a:t>
+            </a:r>
+            <a:endParaRPr lang="en-US" sz="1600" dirty="0"/>
+          </a:p>
+          <a:p>
+            <a:endParaRPr lang="en-US" sz="2400" dirty="0"/>
           </a:p>
         </p:txBody>
       </p:sp>
     </p:spTree>
     <p:extLst>
       <p:ext uri="{BB962C8B-B14F-4D97-AF65-F5344CB8AC3E}">
-        <p14:creationId xmlns:p14="http://schemas.microsoft.com/office/powerpoint/2010/main" val="2391853874"/>
+        <p14:creationId xmlns:p14="http://schemas.microsoft.com/office/powerpoint/2010/main" val="1748467439"/>
       </p:ext>
     </p:extLst>
   </p:cSld>
@@ -6030,7 +12146,7 @@
           <p:cNvPr id="2" name="Title 1">
             <a:extLst>
               <a:ext uri="{FF2B5EF4-FFF2-40B4-BE49-F238E27FC236}">
-                <a16:creationId xmlns:a16="http://schemas.microsoft.com/office/drawing/2014/main" id="{7F7B68DA-473D-4B51-A38B-93A06DFF7DD5}"/>
+                <a16:creationId xmlns:a16="http://schemas.microsoft.com/office/drawing/2014/main" id="{4E971754-80A7-4B9F-883B-3AAF9F54CCC9}"/>
               </a:ext>
             </a:extLst>
           </p:cNvPr>
@@ -6048,7 +12164,7 @@
           <a:p>
             <a:r>
               <a:rPr lang="en-US" dirty="0"/>
-              <a:t>Go Live!</a:t>
+              <a:t>But we digress</a:t>
             </a:r>
           </a:p>
         </p:txBody>
@@ -6058,7 +12174,7 @@
           <p:cNvPr id="3" name="Content Placeholder 2">
             <a:extLst>
               <a:ext uri="{FF2B5EF4-FFF2-40B4-BE49-F238E27FC236}">
-                <a16:creationId xmlns:a16="http://schemas.microsoft.com/office/drawing/2014/main" id="{ACEB8B8B-6AA0-481C-A325-CA7EA058CF39}"/>
+                <a16:creationId xmlns:a16="http://schemas.microsoft.com/office/drawing/2014/main" id="{CF6781B9-C056-496F-B85D-7C26916C51E8}"/>
               </a:ext>
             </a:extLst>
           </p:cNvPr>
@@ -6076,7 +12192,7 @@
           <a:p>
             <a:r>
               <a:rPr lang="en-US" dirty="0"/>
-              <a:t>&lt;link to URL&gt;</a:t>
+              <a:t>One step at a time...</a:t>
             </a:r>
           </a:p>
         </p:txBody>
@@ -6084,7 +12200,7 @@
     </p:spTree>
     <p:extLst>
       <p:ext uri="{BB962C8B-B14F-4D97-AF65-F5344CB8AC3E}">
-        <p14:creationId xmlns:p14="http://schemas.microsoft.com/office/powerpoint/2010/main" val="3008425161"/>
+        <p14:creationId xmlns:p14="http://schemas.microsoft.com/office/powerpoint/2010/main" val="1365713164"/>
       </p:ext>
     </p:extLst>
   </p:cSld>

--- a/presentation.pptx
+++ b/presentation.pptx
@@ -8,22 +8,25 @@
     <p:sldId id="256" r:id="rId2"/>
     <p:sldId id="259" r:id="rId3"/>
     <p:sldId id="257" r:id="rId4"/>
-    <p:sldId id="270" r:id="rId5"/>
-    <p:sldId id="272" r:id="rId6"/>
-    <p:sldId id="276" r:id="rId7"/>
-    <p:sldId id="275" r:id="rId8"/>
-    <p:sldId id="271" r:id="rId9"/>
-    <p:sldId id="273" r:id="rId10"/>
-    <p:sldId id="263" r:id="rId11"/>
-    <p:sldId id="260" r:id="rId12"/>
-    <p:sldId id="269" r:id="rId13"/>
-    <p:sldId id="262" r:id="rId14"/>
-    <p:sldId id="264" r:id="rId15"/>
-    <p:sldId id="266" r:id="rId16"/>
-    <p:sldId id="277" r:id="rId17"/>
-    <p:sldId id="268" r:id="rId18"/>
-    <p:sldId id="274" r:id="rId19"/>
-    <p:sldId id="267" r:id="rId20"/>
+    <p:sldId id="278" r:id="rId5"/>
+    <p:sldId id="270" r:id="rId6"/>
+    <p:sldId id="272" r:id="rId7"/>
+    <p:sldId id="276" r:id="rId8"/>
+    <p:sldId id="275" r:id="rId9"/>
+    <p:sldId id="271" r:id="rId10"/>
+    <p:sldId id="273" r:id="rId11"/>
+    <p:sldId id="263" r:id="rId12"/>
+    <p:sldId id="260" r:id="rId13"/>
+    <p:sldId id="269" r:id="rId14"/>
+    <p:sldId id="262" r:id="rId15"/>
+    <p:sldId id="264" r:id="rId16"/>
+    <p:sldId id="266" r:id="rId17"/>
+    <p:sldId id="277" r:id="rId18"/>
+    <p:sldId id="279" r:id="rId19"/>
+    <p:sldId id="268" r:id="rId20"/>
+    <p:sldId id="274" r:id="rId21"/>
+    <p:sldId id="280" r:id="rId22"/>
+    <p:sldId id="267" r:id="rId23"/>
   </p:sldIdLst>
   <p:sldSz cx="12192000" cy="6858000"/>
   <p:notesSz cx="6858000" cy="9144000"/>
@@ -277,7 +280,7 @@
           <a:p>
             <a:fld id="{90B9546A-7969-4B1B-92AE-0EBC43C27576}" type="datetimeFigureOut">
               <a:rPr lang="en-US" smtClean="0"/>
-              <a:t>3/8/2020</a:t>
+              <a:t>3/15/2020</a:t>
             </a:fld>
             <a:endParaRPr lang="en-US"/>
           </a:p>
@@ -475,7 +478,7 @@
           <a:p>
             <a:fld id="{90B9546A-7969-4B1B-92AE-0EBC43C27576}" type="datetimeFigureOut">
               <a:rPr lang="en-US" smtClean="0"/>
-              <a:t>3/8/2020</a:t>
+              <a:t>3/15/2020</a:t>
             </a:fld>
             <a:endParaRPr lang="en-US"/>
           </a:p>
@@ -683,7 +686,7 @@
           <a:p>
             <a:fld id="{90B9546A-7969-4B1B-92AE-0EBC43C27576}" type="datetimeFigureOut">
               <a:rPr lang="en-US" smtClean="0"/>
-              <a:t>3/8/2020</a:t>
+              <a:t>3/15/2020</a:t>
             </a:fld>
             <a:endParaRPr lang="en-US"/>
           </a:p>
@@ -881,7 +884,7 @@
           <a:p>
             <a:fld id="{90B9546A-7969-4B1B-92AE-0EBC43C27576}" type="datetimeFigureOut">
               <a:rPr lang="en-US" smtClean="0"/>
-              <a:t>3/8/2020</a:t>
+              <a:t>3/15/2020</a:t>
             </a:fld>
             <a:endParaRPr lang="en-US"/>
           </a:p>
@@ -1156,7 +1159,7 @@
           <a:p>
             <a:fld id="{90B9546A-7969-4B1B-92AE-0EBC43C27576}" type="datetimeFigureOut">
               <a:rPr lang="en-US" smtClean="0"/>
-              <a:t>3/8/2020</a:t>
+              <a:t>3/15/2020</a:t>
             </a:fld>
             <a:endParaRPr lang="en-US"/>
           </a:p>
@@ -1421,7 +1424,7 @@
           <a:p>
             <a:fld id="{90B9546A-7969-4B1B-92AE-0EBC43C27576}" type="datetimeFigureOut">
               <a:rPr lang="en-US" smtClean="0"/>
-              <a:t>3/8/2020</a:t>
+              <a:t>3/15/2020</a:t>
             </a:fld>
             <a:endParaRPr lang="en-US"/>
           </a:p>
@@ -1833,7 +1836,7 @@
           <a:p>
             <a:fld id="{90B9546A-7969-4B1B-92AE-0EBC43C27576}" type="datetimeFigureOut">
               <a:rPr lang="en-US" smtClean="0"/>
-              <a:t>3/8/2020</a:t>
+              <a:t>3/15/2020</a:t>
             </a:fld>
             <a:endParaRPr lang="en-US"/>
           </a:p>
@@ -1974,7 +1977,7 @@
           <a:p>
             <a:fld id="{90B9546A-7969-4B1B-92AE-0EBC43C27576}" type="datetimeFigureOut">
               <a:rPr lang="en-US" smtClean="0"/>
-              <a:t>3/8/2020</a:t>
+              <a:t>3/15/2020</a:t>
             </a:fld>
             <a:endParaRPr lang="en-US"/>
           </a:p>
@@ -2087,7 +2090,7 @@
           <a:p>
             <a:fld id="{90B9546A-7969-4B1B-92AE-0EBC43C27576}" type="datetimeFigureOut">
               <a:rPr lang="en-US" smtClean="0"/>
-              <a:t>3/8/2020</a:t>
+              <a:t>3/15/2020</a:t>
             </a:fld>
             <a:endParaRPr lang="en-US"/>
           </a:p>
@@ -2398,7 +2401,7 @@
           <a:p>
             <a:fld id="{90B9546A-7969-4B1B-92AE-0EBC43C27576}" type="datetimeFigureOut">
               <a:rPr lang="en-US" smtClean="0"/>
-              <a:t>3/8/2020</a:t>
+              <a:t>3/15/2020</a:t>
             </a:fld>
             <a:endParaRPr lang="en-US"/>
           </a:p>
@@ -2686,7 +2689,7 @@
           <a:p>
             <a:fld id="{90B9546A-7969-4B1B-92AE-0EBC43C27576}" type="datetimeFigureOut">
               <a:rPr lang="en-US" smtClean="0"/>
-              <a:t>3/8/2020</a:t>
+              <a:t>3/15/2020</a:t>
             </a:fld>
             <a:endParaRPr lang="en-US"/>
           </a:p>
@@ -2927,7 +2930,7 @@
           <a:p>
             <a:fld id="{90B9546A-7969-4B1B-92AE-0EBC43C27576}" type="datetimeFigureOut">
               <a:rPr lang="en-US" smtClean="0"/>
-              <a:t>3/8/2020</a:t>
+              <a:t>3/15/2020</a:t>
             </a:fld>
             <a:endParaRPr lang="en-US"/>
           </a:p>
@@ -3381,7 +3384,7 @@
             </a:br>
             <a:r>
               <a:rPr lang="en-US" sz="3600" dirty="0"/>
-              <a:t>Web Application (#2)</a:t>
+              <a:t>Web Application (Presentation #2)</a:t>
             </a:r>
             <a:endParaRPr lang="en-US" dirty="0"/>
           </a:p>
@@ -3464,6 +3467,92 @@
 </file>
 
 <file path=ppt/slides/slide10.xml><?xml version="1.0" encoding="utf-8"?>
+<p:sld xmlns:a="http://schemas.openxmlformats.org/drawingml/2006/main" xmlns:r="http://schemas.openxmlformats.org/officeDocument/2006/relationships" xmlns:p="http://schemas.openxmlformats.org/presentationml/2006/main">
+  <p:cSld>
+    <p:spTree>
+      <p:nvGrpSpPr>
+        <p:cNvPr id="1" name=""/>
+        <p:cNvGrpSpPr/>
+        <p:nvPr/>
+      </p:nvGrpSpPr>
+      <p:grpSpPr>
+        <a:xfrm>
+          <a:off x="0" y="0"/>
+          <a:ext cx="0" cy="0"/>
+          <a:chOff x="0" y="0"/>
+          <a:chExt cx="0" cy="0"/>
+        </a:xfrm>
+      </p:grpSpPr>
+      <p:sp>
+        <p:nvSpPr>
+          <p:cNvPr id="2" name="Title 1">
+            <a:extLst>
+              <a:ext uri="{FF2B5EF4-FFF2-40B4-BE49-F238E27FC236}">
+                <a16:creationId xmlns:a16="http://schemas.microsoft.com/office/drawing/2014/main" id="{4E971754-80A7-4B9F-883B-3AAF9F54CCC9}"/>
+              </a:ext>
+            </a:extLst>
+          </p:cNvPr>
+          <p:cNvSpPr>
+            <a:spLocks noGrp="1"/>
+          </p:cNvSpPr>
+          <p:nvPr>
+            <p:ph type="title"/>
+          </p:nvPr>
+        </p:nvSpPr>
+        <p:spPr/>
+        <p:txBody>
+          <a:bodyPr/>
+          <a:lstStyle/>
+          <a:p>
+            <a:r>
+              <a:rPr lang="en-US" dirty="0"/>
+              <a:t>But we digress</a:t>
+            </a:r>
+          </a:p>
+        </p:txBody>
+      </p:sp>
+      <p:sp>
+        <p:nvSpPr>
+          <p:cNvPr id="3" name="Content Placeholder 2">
+            <a:extLst>
+              <a:ext uri="{FF2B5EF4-FFF2-40B4-BE49-F238E27FC236}">
+                <a16:creationId xmlns:a16="http://schemas.microsoft.com/office/drawing/2014/main" id="{CF6781B9-C056-496F-B85D-7C26916C51E8}"/>
+              </a:ext>
+            </a:extLst>
+          </p:cNvPr>
+          <p:cNvSpPr>
+            <a:spLocks noGrp="1"/>
+          </p:cNvSpPr>
+          <p:nvPr>
+            <p:ph idx="1"/>
+          </p:nvPr>
+        </p:nvSpPr>
+        <p:spPr/>
+        <p:txBody>
+          <a:bodyPr/>
+          <a:lstStyle/>
+          <a:p>
+            <a:r>
+              <a:rPr lang="en-US" dirty="0"/>
+              <a:t>One step at a time...</a:t>
+            </a:r>
+          </a:p>
+        </p:txBody>
+      </p:sp>
+    </p:spTree>
+    <p:extLst>
+      <p:ext uri="{BB962C8B-B14F-4D97-AF65-F5344CB8AC3E}">
+        <p14:creationId xmlns:p14="http://schemas.microsoft.com/office/powerpoint/2010/main" val="1365713164"/>
+      </p:ext>
+    </p:extLst>
+  </p:cSld>
+  <p:clrMapOvr>
+    <a:masterClrMapping/>
+  </p:clrMapOvr>
+</p:sld>
+</file>
+
+<file path=ppt/slides/slide11.xml><?xml version="1.0" encoding="utf-8"?>
 <p:sld xmlns:a="http://schemas.openxmlformats.org/drawingml/2006/main" xmlns:r="http://schemas.openxmlformats.org/officeDocument/2006/relationships" xmlns:p="http://schemas.openxmlformats.org/presentationml/2006/main">
   <p:cSld>
     <p:spTree>
@@ -3630,203 +3719,6 @@
 </p:sld>
 </file>
 
-<file path=ppt/slides/slide11.xml><?xml version="1.0" encoding="utf-8"?>
-<p:sld xmlns:a="http://schemas.openxmlformats.org/drawingml/2006/main" xmlns:r="http://schemas.openxmlformats.org/officeDocument/2006/relationships" xmlns:p="http://schemas.openxmlformats.org/presentationml/2006/main">
-  <p:cSld>
-    <p:spTree>
-      <p:nvGrpSpPr>
-        <p:cNvPr id="1" name=""/>
-        <p:cNvGrpSpPr/>
-        <p:nvPr/>
-      </p:nvGrpSpPr>
-      <p:grpSpPr>
-        <a:xfrm>
-          <a:off x="0" y="0"/>
-          <a:ext cx="0" cy="0"/>
-          <a:chOff x="0" y="0"/>
-          <a:chExt cx="0" cy="0"/>
-        </a:xfrm>
-      </p:grpSpPr>
-      <p:sp>
-        <p:nvSpPr>
-          <p:cNvPr id="2" name="Title 1">
-            <a:extLst>
-              <a:ext uri="{FF2B5EF4-FFF2-40B4-BE49-F238E27FC236}">
-                <a16:creationId xmlns:a16="http://schemas.microsoft.com/office/drawing/2014/main" id="{2064C598-8E4A-4D13-8913-2D10CF68D43D}"/>
-              </a:ext>
-            </a:extLst>
-          </p:cNvPr>
-          <p:cNvSpPr>
-            <a:spLocks noGrp="1"/>
-          </p:cNvSpPr>
-          <p:nvPr>
-            <p:ph type="title"/>
-          </p:nvPr>
-        </p:nvSpPr>
-        <p:spPr/>
-        <p:txBody>
-          <a:bodyPr/>
-          <a:lstStyle/>
-          <a:p>
-            <a:r>
-              <a:rPr lang="en-US" dirty="0"/>
-              <a:t>Best Practices</a:t>
-            </a:r>
-          </a:p>
-        </p:txBody>
-      </p:sp>
-      <p:sp>
-        <p:nvSpPr>
-          <p:cNvPr id="3" name="Content Placeholder 2">
-            <a:extLst>
-              <a:ext uri="{FF2B5EF4-FFF2-40B4-BE49-F238E27FC236}">
-                <a16:creationId xmlns:a16="http://schemas.microsoft.com/office/drawing/2014/main" id="{BE45DEC8-E831-48F9-B9F1-04AAD0B76A5E}"/>
-              </a:ext>
-            </a:extLst>
-          </p:cNvPr>
-          <p:cNvSpPr>
-            <a:spLocks noGrp="1"/>
-          </p:cNvSpPr>
-          <p:nvPr>
-            <p:ph idx="1"/>
-          </p:nvPr>
-        </p:nvSpPr>
-        <p:spPr/>
-        <p:txBody>
-          <a:bodyPr>
-            <a:normAutofit fontScale="70000" lnSpcReduction="20000"/>
-          </a:bodyPr>
-          <a:lstStyle/>
-          <a:p>
-            <a:r>
-              <a:rPr lang="en-US" dirty="0"/>
-              <a:t>Define the Problem</a:t>
-            </a:r>
-          </a:p>
-          <a:p>
-            <a:r>
-              <a:rPr lang="en-US" dirty="0"/>
-              <a:t>Identify Needs of User, Organization</a:t>
-            </a:r>
-          </a:p>
-          <a:p>
-            <a:r>
-              <a:rPr lang="en-US" dirty="0"/>
-              <a:t>Do Some Research</a:t>
-            </a:r>
-          </a:p>
-          <a:p>
-            <a:r>
-              <a:rPr lang="en-US" dirty="0"/>
-              <a:t>Define Your Solution</a:t>
-            </a:r>
-          </a:p>
-          <a:p>
-            <a:r>
-              <a:rPr lang="en-US" dirty="0"/>
-              <a:t>Test Your Design</a:t>
-            </a:r>
-          </a:p>
-          <a:p>
-            <a:endParaRPr lang="en-US" dirty="0"/>
-          </a:p>
-          <a:p>
-            <a:pPr marL="0" indent="0">
-              <a:buNone/>
-            </a:pPr>
-            <a:r>
-              <a:rPr lang="en-US" sz="4500" dirty="0"/>
-              <a:t>To Include:</a:t>
-            </a:r>
-          </a:p>
-          <a:p>
-            <a:r>
-              <a:rPr lang="en-US" dirty="0"/>
-              <a:t>Identify Audience and Key Points</a:t>
-            </a:r>
-          </a:p>
-          <a:p>
-            <a:r>
-              <a:rPr lang="en-US" dirty="0"/>
-              <a:t>Wireframe and Review</a:t>
-            </a:r>
-          </a:p>
-          <a:p>
-            <a:pPr marL="0" indent="0">
-              <a:buNone/>
-            </a:pPr>
-            <a:endParaRPr lang="en-US" dirty="0"/>
-          </a:p>
-          <a:p>
-            <a:pPr marL="0" indent="0">
-              <a:buNone/>
-            </a:pPr>
-            <a:r>
-              <a:rPr lang="en-US" sz="2600" dirty="0"/>
-              <a:t>References:  </a:t>
-            </a:r>
-          </a:p>
-          <a:p>
-            <a:pPr marL="0" indent="0">
-              <a:buNone/>
-            </a:pPr>
-            <a:r>
-              <a:rPr lang="en-US" sz="1600" dirty="0"/>
-              <a:t>Getting Started in UX Design by Kurt </a:t>
-            </a:r>
-            <a:r>
-              <a:rPr lang="en-US" sz="1600" dirty="0" err="1"/>
-              <a:t>Krumme</a:t>
-            </a:r>
-            <a:r>
-              <a:rPr lang="en-US" sz="1600" dirty="0"/>
-              <a:t> </a:t>
-            </a:r>
-            <a:r>
-              <a:rPr lang="en-US" sz="1600" dirty="0">
-                <a:hlinkClick r:id="rId2"/>
-              </a:rPr>
-              <a:t>https://app.pluralsight.com/library/courses/getting-started-ux-design/table-of-contents</a:t>
-            </a:r>
-            <a:endParaRPr lang="en-US" sz="1600" dirty="0"/>
-          </a:p>
-          <a:p>
-            <a:pPr marL="0" indent="0">
-              <a:buNone/>
-            </a:pPr>
-            <a:r>
-              <a:rPr lang="en-US" sz="1600" dirty="0"/>
-              <a:t>UX Design Creating Wireframes by Susan Simkins </a:t>
-            </a:r>
-            <a:r>
-              <a:rPr lang="en-US" sz="1600" dirty="0">
-                <a:hlinkClick r:id="rId3"/>
-              </a:rPr>
-              <a:t>https://app.pluralsight.com/library/courses/ux-design-creating-wireframes/table-of-contents</a:t>
-            </a:r>
-            <a:endParaRPr lang="en-US" sz="1600" dirty="0"/>
-          </a:p>
-          <a:p>
-            <a:pPr marL="0" indent="0">
-              <a:buNone/>
-            </a:pPr>
-            <a:endParaRPr lang="en-US" sz="1200" dirty="0"/>
-          </a:p>
-        </p:txBody>
-      </p:sp>
-    </p:spTree>
-    <p:extLst>
-      <p:ext uri="{BB962C8B-B14F-4D97-AF65-F5344CB8AC3E}">
-        <p14:creationId xmlns:p14="http://schemas.microsoft.com/office/powerpoint/2010/main" val="292067763"/>
-      </p:ext>
-    </p:extLst>
-  </p:cSld>
-  <p:clrMapOvr>
-    <a:masterClrMapping/>
-  </p:clrMapOvr>
-</p:sld>
-</file>
-
 <file path=ppt/slides/slide12.xml><?xml version="1.0" encoding="utf-8"?>
 <p:sld xmlns:a="http://schemas.openxmlformats.org/drawingml/2006/main" xmlns:r="http://schemas.openxmlformats.org/officeDocument/2006/relationships" xmlns:p="http://schemas.openxmlformats.org/presentationml/2006/main">
   <p:cSld>
@@ -3849,7 +3741,7 @@
           <p:cNvPr id="2" name="Title 1">
             <a:extLst>
               <a:ext uri="{FF2B5EF4-FFF2-40B4-BE49-F238E27FC236}">
-                <a16:creationId xmlns:a16="http://schemas.microsoft.com/office/drawing/2014/main" id="{492EDEE1-4027-455F-BAF9-3FBC3D7596C7}"/>
+                <a16:creationId xmlns:a16="http://schemas.microsoft.com/office/drawing/2014/main" id="{2064C598-8E4A-4D13-8913-2D10CF68D43D}"/>
               </a:ext>
             </a:extLst>
           </p:cNvPr>
@@ -3867,7 +3759,7 @@
           <a:p>
             <a:r>
               <a:rPr lang="en-US" dirty="0"/>
-              <a:t>Target Audience:</a:t>
+              <a:t>Best Practices</a:t>
             </a:r>
           </a:p>
         </p:txBody>
@@ -3877,7 +3769,7 @@
           <p:cNvPr id="3" name="Content Placeholder 2">
             <a:extLst>
               <a:ext uri="{FF2B5EF4-FFF2-40B4-BE49-F238E27FC236}">
-                <a16:creationId xmlns:a16="http://schemas.microsoft.com/office/drawing/2014/main" id="{786005DC-85A3-4479-B792-C179DCBD7C83}"/>
+                <a16:creationId xmlns:a16="http://schemas.microsoft.com/office/drawing/2014/main" id="{BE45DEC8-E831-48F9-B9F1-04AAD0B76A5E}"/>
               </a:ext>
             </a:extLst>
           </p:cNvPr>
@@ -3890,35 +3782,131 @@
         </p:nvSpPr>
         <p:spPr/>
         <p:txBody>
-          <a:bodyPr/>
+          <a:bodyPr>
+            <a:normAutofit fontScale="70000" lnSpcReduction="20000"/>
+          </a:bodyPr>
           <a:lstStyle/>
           <a:p>
             <a:r>
               <a:rPr lang="en-US" dirty="0"/>
-              <a:t>Engineering Manager (Hiring Manager)</a:t>
-            </a:r>
-          </a:p>
-          <a:p>
-            <a:r>
-              <a:rPr lang="en-US" dirty="0"/>
-              <a:t>Machine Learning / Vision Architect</a:t>
-            </a:r>
-          </a:p>
-          <a:p>
-            <a:r>
-              <a:rPr lang="en-US" dirty="0"/>
-              <a:t>General Passers-by (recruiters, friends, networking contacts)</a:t>
+              <a:t>Define the Problem</a:t>
+            </a:r>
+          </a:p>
+          <a:p>
+            <a:r>
+              <a:rPr lang="en-US" dirty="0"/>
+              <a:t>Identify Needs of User, Organization</a:t>
+            </a:r>
+          </a:p>
+          <a:p>
+            <a:r>
+              <a:rPr lang="en-US" dirty="0"/>
+              <a:t>Do Some Research</a:t>
+            </a:r>
+          </a:p>
+          <a:p>
+            <a:r>
+              <a:rPr lang="en-US" dirty="0"/>
+              <a:t>Define Your Solution</a:t>
+            </a:r>
+          </a:p>
+          <a:p>
+            <a:r>
+              <a:rPr lang="en-US" dirty="0"/>
+              <a:t>Test Your Design</a:t>
             </a:r>
           </a:p>
           <a:p>
             <a:endParaRPr lang="en-US" dirty="0"/>
+          </a:p>
+          <a:p>
+            <a:pPr marL="0" indent="0">
+              <a:buNone/>
+            </a:pPr>
+            <a:r>
+              <a:rPr lang="en-US" sz="4500" dirty="0"/>
+              <a:t>To Include:</a:t>
+            </a:r>
+          </a:p>
+          <a:p>
+            <a:r>
+              <a:rPr lang="en-US" dirty="0"/>
+              <a:t>Identify Audience and Key Points</a:t>
+            </a:r>
+          </a:p>
+          <a:p>
+            <a:r>
+              <a:rPr lang="en-US" dirty="0"/>
+              <a:t>Wireframe and Review</a:t>
+            </a:r>
+          </a:p>
+          <a:p>
+            <a:pPr marL="0" indent="0">
+              <a:buNone/>
+            </a:pPr>
+            <a:endParaRPr lang="en-US" dirty="0"/>
+          </a:p>
+          <a:p>
+            <a:pPr marL="0" indent="0">
+              <a:buNone/>
+            </a:pPr>
+            <a:r>
+              <a:rPr lang="en-US" sz="2600" dirty="0"/>
+              <a:t>References:  </a:t>
+            </a:r>
+          </a:p>
+          <a:p>
+            <a:pPr marL="0" indent="0">
+              <a:buNone/>
+            </a:pPr>
+            <a:r>
+              <a:rPr lang="en-US" sz="1600" dirty="0"/>
+              <a:t>Getting Started in UX Design by Kurt </a:t>
+            </a:r>
+            <a:r>
+              <a:rPr lang="en-US" sz="1600" dirty="0" err="1"/>
+              <a:t>Krumme</a:t>
+            </a:r>
+            <a:r>
+              <a:rPr lang="en-US" sz="1600" dirty="0"/>
+              <a:t> </a:t>
+            </a:r>
+            <a:r>
+              <a:rPr lang="en-US" sz="1600" dirty="0">
+                <a:hlinkClick r:id="rId2"/>
+              </a:rPr>
+              <a:t>https://app.pluralsight.com/library/courses/getting-started-ux-design/table-of-contents</a:t>
+            </a:r>
+            <a:endParaRPr lang="en-US" sz="1600" dirty="0"/>
+          </a:p>
+          <a:p>
+            <a:pPr marL="0" indent="0">
+              <a:buNone/>
+            </a:pPr>
+            <a:r>
+              <a:rPr lang="en-US" sz="1600" dirty="0"/>
+              <a:t>UX Design Creating Wireframes by Susan Simkins </a:t>
+            </a:r>
+            <a:r>
+              <a:rPr lang="en-US" sz="1600" dirty="0">
+                <a:hlinkClick r:id="rId3"/>
+              </a:rPr>
+              <a:t>https://app.pluralsight.com/library/courses/ux-design-creating-wireframes/table-of-contents</a:t>
+            </a:r>
+            <a:endParaRPr lang="en-US" sz="1600" dirty="0"/>
+          </a:p>
+          <a:p>
+            <a:pPr marL="0" indent="0">
+              <a:buNone/>
+            </a:pPr>
+            <a:endParaRPr lang="en-US" sz="1200" dirty="0"/>
           </a:p>
         </p:txBody>
       </p:sp>
     </p:spTree>
     <p:extLst>
       <p:ext uri="{BB962C8B-B14F-4D97-AF65-F5344CB8AC3E}">
-        <p14:creationId xmlns:p14="http://schemas.microsoft.com/office/powerpoint/2010/main" val="1939977072"/>
+        <p14:creationId xmlns:p14="http://schemas.microsoft.com/office/powerpoint/2010/main" val="292067763"/>
       </p:ext>
     </p:extLst>
   </p:cSld>
@@ -3950,7 +3938,7 @@
           <p:cNvPr id="2" name="Title 1">
             <a:extLst>
               <a:ext uri="{FF2B5EF4-FFF2-40B4-BE49-F238E27FC236}">
-                <a16:creationId xmlns:a16="http://schemas.microsoft.com/office/drawing/2014/main" id="{AF08A29D-0C84-441E-8E3C-576E9D3C9AAD}"/>
+                <a16:creationId xmlns:a16="http://schemas.microsoft.com/office/drawing/2014/main" id="{492EDEE1-4027-455F-BAF9-3FBC3D7596C7}"/>
               </a:ext>
             </a:extLst>
           </p:cNvPr>
@@ -3968,7 +3956,7 @@
           <a:p>
             <a:r>
               <a:rPr lang="en-US" dirty="0"/>
-              <a:t>Personas</a:t>
+              <a:t>Target Audience:</a:t>
             </a:r>
           </a:p>
         </p:txBody>
@@ -3978,7 +3966,7 @@
           <p:cNvPr id="3" name="Content Placeholder 2">
             <a:extLst>
               <a:ext uri="{FF2B5EF4-FFF2-40B4-BE49-F238E27FC236}">
-                <a16:creationId xmlns:a16="http://schemas.microsoft.com/office/drawing/2014/main" id="{2880ED6C-6A8A-4D1E-9414-391C00A15FC2}"/>
+                <a16:creationId xmlns:a16="http://schemas.microsoft.com/office/drawing/2014/main" id="{786005DC-85A3-4479-B792-C179DCBD7C83}"/>
               </a:ext>
             </a:extLst>
           </p:cNvPr>
@@ -3989,617 +3977,37 @@
             <p:ph idx="1"/>
           </p:nvPr>
         </p:nvSpPr>
-        <p:spPr>
-          <a:xfrm>
-            <a:off x="362807" y="3983807"/>
-            <a:ext cx="3719835" cy="1529462"/>
-          </a:xfrm>
-        </p:spPr>
-        <p:txBody>
-          <a:bodyPr>
-            <a:noAutofit/>
-          </a:bodyPr>
+        <p:spPr/>
+        <p:txBody>
+          <a:bodyPr/>
           <a:lstStyle/>
           <a:p>
-            <a:pPr marL="0" indent="0">
-              <a:buNone/>
-            </a:pPr>
-            <a:r>
-              <a:rPr lang="en-US" sz="1600" b="1" dirty="0"/>
-              <a:t>Data / ML Architect</a:t>
-            </a:r>
-          </a:p>
-          <a:p>
-            <a:r>
-              <a:rPr lang="en-US" sz="1600" dirty="0"/>
-              <a:t>Expanding team to develop and deploy new algorithms</a:t>
-            </a:r>
-          </a:p>
-          <a:p>
-            <a:r>
-              <a:rPr lang="en-US" sz="1600" dirty="0"/>
-              <a:t>Needs to preserve current tools and process</a:t>
-            </a:r>
-          </a:p>
-          <a:p>
-            <a:r>
-              <a:rPr lang="en-US" sz="1600" dirty="0"/>
-              <a:t>Needs to define metrics/success</a:t>
-            </a:r>
-          </a:p>
-          <a:p>
-            <a:r>
-              <a:rPr lang="en-US" sz="1600" dirty="0"/>
-              <a:t>Needs infrastructure/tool roadmap</a:t>
-            </a:r>
-          </a:p>
-          <a:p>
-            <a:r>
-              <a:rPr lang="en-US" sz="1600" dirty="0"/>
-              <a:t>Needs trained/skilled hands</a:t>
-            </a:r>
-          </a:p>
-        </p:txBody>
-      </p:sp>
-      <p:pic>
-        <p:nvPicPr>
-          <p:cNvPr id="4" name="Picture 3">
-            <a:extLst>
-              <a:ext uri="{FF2B5EF4-FFF2-40B4-BE49-F238E27FC236}">
-                <a16:creationId xmlns:a16="http://schemas.microsoft.com/office/drawing/2014/main" id="{A102B342-1A5F-45A4-AB08-EB3BB72C6411}"/>
-              </a:ext>
-            </a:extLst>
-          </p:cNvPr>
-          <p:cNvPicPr>
-            <a:picLocks noChangeAspect="1"/>
-          </p:cNvPicPr>
-          <p:nvPr/>
-        </p:nvPicPr>
-        <p:blipFill>
-          <a:blip r:embed="rId2"/>
-          <a:stretch>
-            <a:fillRect/>
-          </a:stretch>
-        </p:blipFill>
-        <p:spPr>
-          <a:xfrm>
-            <a:off x="274613" y="1467155"/>
-            <a:ext cx="3358221" cy="2238814"/>
-          </a:xfrm>
-          <a:prstGeom prst="rect">
-            <a:avLst/>
-          </a:prstGeom>
-        </p:spPr>
-      </p:pic>
-      <p:pic>
-        <p:nvPicPr>
-          <p:cNvPr id="5" name="Picture 4">
-            <a:extLst>
-              <a:ext uri="{FF2B5EF4-FFF2-40B4-BE49-F238E27FC236}">
-                <a16:creationId xmlns:a16="http://schemas.microsoft.com/office/drawing/2014/main" id="{4F9EEA14-DC48-475E-B769-0E7F015BD801}"/>
-              </a:ext>
-            </a:extLst>
-          </p:cNvPr>
-          <p:cNvPicPr>
-            <a:picLocks noChangeAspect="1"/>
-          </p:cNvPicPr>
-          <p:nvPr/>
-        </p:nvPicPr>
-        <p:blipFill>
-          <a:blip r:embed="rId3"/>
-          <a:stretch>
-            <a:fillRect/>
-          </a:stretch>
-        </p:blipFill>
-        <p:spPr>
-          <a:xfrm>
-            <a:off x="4275789" y="1441556"/>
-            <a:ext cx="3349804" cy="2238814"/>
-          </a:xfrm>
-          <a:prstGeom prst="rect">
-            <a:avLst/>
-          </a:prstGeom>
-        </p:spPr>
-      </p:pic>
-      <p:pic>
-        <p:nvPicPr>
-          <p:cNvPr id="6" name="Picture 5">
-            <a:extLst>
-              <a:ext uri="{FF2B5EF4-FFF2-40B4-BE49-F238E27FC236}">
-                <a16:creationId xmlns:a16="http://schemas.microsoft.com/office/drawing/2014/main" id="{7274CEBB-09FF-42D6-BAD0-DFCF13BB7526}"/>
-              </a:ext>
-            </a:extLst>
-          </p:cNvPr>
-          <p:cNvPicPr>
-            <a:picLocks noChangeAspect="1"/>
-          </p:cNvPicPr>
-          <p:nvPr/>
-        </p:nvPicPr>
-        <p:blipFill>
-          <a:blip r:embed="rId4"/>
-          <a:stretch>
-            <a:fillRect/>
-          </a:stretch>
-        </p:blipFill>
-        <p:spPr>
-          <a:xfrm>
-            <a:off x="8346038" y="1932491"/>
-            <a:ext cx="3007762" cy="1783914"/>
-          </a:xfrm>
-          <a:prstGeom prst="rect">
-            <a:avLst/>
-          </a:prstGeom>
-        </p:spPr>
-      </p:pic>
-      <p:sp>
-        <p:nvSpPr>
-          <p:cNvPr id="7" name="Content Placeholder 2">
-            <a:extLst>
-              <a:ext uri="{FF2B5EF4-FFF2-40B4-BE49-F238E27FC236}">
-                <a16:creationId xmlns:a16="http://schemas.microsoft.com/office/drawing/2014/main" id="{4688581D-77C5-4037-9948-4A0DE7F1976C}"/>
-              </a:ext>
-            </a:extLst>
-          </p:cNvPr>
-          <p:cNvSpPr txBox="1">
-            <a:spLocks/>
-          </p:cNvSpPr>
-          <p:nvPr/>
-        </p:nvSpPr>
-        <p:spPr>
-          <a:xfrm>
-            <a:off x="4082641" y="3958208"/>
-            <a:ext cx="4172125" cy="1529462"/>
-          </a:xfrm>
-          <a:prstGeom prst="rect">
-            <a:avLst/>
-          </a:prstGeom>
-        </p:spPr>
-        <p:txBody>
-          <a:bodyPr vert="horz" lIns="91440" tIns="45720" rIns="91440" bIns="45720" rtlCol="0">
-            <a:noAutofit/>
-          </a:bodyPr>
-          <a:lstStyle>
-            <a:lvl1pPr marL="228600" indent="-228600" algn="l" defTabSz="914400" rtl="0" eaLnBrk="1" latinLnBrk="0" hangingPunct="1">
-              <a:lnSpc>
-                <a:spcPct val="90000"/>
-              </a:lnSpc>
-              <a:spcBef>
-                <a:spcPts val="1000"/>
-              </a:spcBef>
-              <a:buFont typeface="Arial" panose="020B0604020202020204" pitchFamily="34" charset="0"/>
-              <a:buChar char="•"/>
-              <a:defRPr sz="2800" kern="1200">
-                <a:solidFill>
-                  <a:schemeClr val="tx1"/>
-                </a:solidFill>
-                <a:latin typeface="+mn-lt"/>
-                <a:ea typeface="+mn-ea"/>
-                <a:cs typeface="+mn-cs"/>
-              </a:defRPr>
-            </a:lvl1pPr>
-            <a:lvl2pPr marL="685800" indent="-228600" algn="l" defTabSz="914400" rtl="0" eaLnBrk="1" latinLnBrk="0" hangingPunct="1">
-              <a:lnSpc>
-                <a:spcPct val="90000"/>
-              </a:lnSpc>
-              <a:spcBef>
-                <a:spcPts val="500"/>
-              </a:spcBef>
-              <a:buFont typeface="Arial" panose="020B0604020202020204" pitchFamily="34" charset="0"/>
-              <a:buChar char="•"/>
-              <a:defRPr sz="2400" kern="1200">
-                <a:solidFill>
-                  <a:schemeClr val="tx1"/>
-                </a:solidFill>
-                <a:latin typeface="+mn-lt"/>
-                <a:ea typeface="+mn-ea"/>
-                <a:cs typeface="+mn-cs"/>
-              </a:defRPr>
-            </a:lvl2pPr>
-            <a:lvl3pPr marL="1143000" indent="-228600" algn="l" defTabSz="914400" rtl="0" eaLnBrk="1" latinLnBrk="0" hangingPunct="1">
-              <a:lnSpc>
-                <a:spcPct val="90000"/>
-              </a:lnSpc>
-              <a:spcBef>
-                <a:spcPts val="500"/>
-              </a:spcBef>
-              <a:buFont typeface="Arial" panose="020B0604020202020204" pitchFamily="34" charset="0"/>
-              <a:buChar char="•"/>
-              <a:defRPr sz="2000" kern="1200">
-                <a:solidFill>
-                  <a:schemeClr val="tx1"/>
-                </a:solidFill>
-                <a:latin typeface="+mn-lt"/>
-                <a:ea typeface="+mn-ea"/>
-                <a:cs typeface="+mn-cs"/>
-              </a:defRPr>
-            </a:lvl3pPr>
-            <a:lvl4pPr marL="1600200" indent="-228600" algn="l" defTabSz="914400" rtl="0" eaLnBrk="1" latinLnBrk="0" hangingPunct="1">
-              <a:lnSpc>
-                <a:spcPct val="90000"/>
-              </a:lnSpc>
-              <a:spcBef>
-                <a:spcPts val="500"/>
-              </a:spcBef>
-              <a:buFont typeface="Arial" panose="020B0604020202020204" pitchFamily="34" charset="0"/>
-              <a:buChar char="•"/>
-              <a:defRPr sz="1800" kern="1200">
-                <a:solidFill>
-                  <a:schemeClr val="tx1"/>
-                </a:solidFill>
-                <a:latin typeface="+mn-lt"/>
-                <a:ea typeface="+mn-ea"/>
-                <a:cs typeface="+mn-cs"/>
-              </a:defRPr>
-            </a:lvl4pPr>
-            <a:lvl5pPr marL="2057400" indent="-228600" algn="l" defTabSz="914400" rtl="0" eaLnBrk="1" latinLnBrk="0" hangingPunct="1">
-              <a:lnSpc>
-                <a:spcPct val="90000"/>
-              </a:lnSpc>
-              <a:spcBef>
-                <a:spcPts val="500"/>
-              </a:spcBef>
-              <a:buFont typeface="Arial" panose="020B0604020202020204" pitchFamily="34" charset="0"/>
-              <a:buChar char="•"/>
-              <a:defRPr sz="1800" kern="1200">
-                <a:solidFill>
-                  <a:schemeClr val="tx1"/>
-                </a:solidFill>
-                <a:latin typeface="+mn-lt"/>
-                <a:ea typeface="+mn-ea"/>
-                <a:cs typeface="+mn-cs"/>
-              </a:defRPr>
-            </a:lvl5pPr>
-            <a:lvl6pPr marL="2514600" indent="-228600" algn="l" defTabSz="914400" rtl="0" eaLnBrk="1" latinLnBrk="0" hangingPunct="1">
-              <a:lnSpc>
-                <a:spcPct val="90000"/>
-              </a:lnSpc>
-              <a:spcBef>
-                <a:spcPts val="500"/>
-              </a:spcBef>
-              <a:buFont typeface="Arial" panose="020B0604020202020204" pitchFamily="34" charset="0"/>
-              <a:buChar char="•"/>
-              <a:defRPr sz="1800" kern="1200">
-                <a:solidFill>
-                  <a:schemeClr val="tx1"/>
-                </a:solidFill>
-                <a:latin typeface="+mn-lt"/>
-                <a:ea typeface="+mn-ea"/>
-                <a:cs typeface="+mn-cs"/>
-              </a:defRPr>
-            </a:lvl6pPr>
-            <a:lvl7pPr marL="2971800" indent="-228600" algn="l" defTabSz="914400" rtl="0" eaLnBrk="1" latinLnBrk="0" hangingPunct="1">
-              <a:lnSpc>
-                <a:spcPct val="90000"/>
-              </a:lnSpc>
-              <a:spcBef>
-                <a:spcPts val="500"/>
-              </a:spcBef>
-              <a:buFont typeface="Arial" panose="020B0604020202020204" pitchFamily="34" charset="0"/>
-              <a:buChar char="•"/>
-              <a:defRPr sz="1800" kern="1200">
-                <a:solidFill>
-                  <a:schemeClr val="tx1"/>
-                </a:solidFill>
-                <a:latin typeface="+mn-lt"/>
-                <a:ea typeface="+mn-ea"/>
-                <a:cs typeface="+mn-cs"/>
-              </a:defRPr>
-            </a:lvl7pPr>
-            <a:lvl8pPr marL="3429000" indent="-228600" algn="l" defTabSz="914400" rtl="0" eaLnBrk="1" latinLnBrk="0" hangingPunct="1">
-              <a:lnSpc>
-                <a:spcPct val="90000"/>
-              </a:lnSpc>
-              <a:spcBef>
-                <a:spcPts val="500"/>
-              </a:spcBef>
-              <a:buFont typeface="Arial" panose="020B0604020202020204" pitchFamily="34" charset="0"/>
-              <a:buChar char="•"/>
-              <a:defRPr sz="1800" kern="1200">
-                <a:solidFill>
-                  <a:schemeClr val="tx1"/>
-                </a:solidFill>
-                <a:latin typeface="+mn-lt"/>
-                <a:ea typeface="+mn-ea"/>
-                <a:cs typeface="+mn-cs"/>
-              </a:defRPr>
-            </a:lvl8pPr>
-            <a:lvl9pPr marL="3886200" indent="-228600" algn="l" defTabSz="914400" rtl="0" eaLnBrk="1" latinLnBrk="0" hangingPunct="1">
-              <a:lnSpc>
-                <a:spcPct val="90000"/>
-              </a:lnSpc>
-              <a:spcBef>
-                <a:spcPts val="500"/>
-              </a:spcBef>
-              <a:buFont typeface="Arial" panose="020B0604020202020204" pitchFamily="34" charset="0"/>
-              <a:buChar char="•"/>
-              <a:defRPr sz="1800" kern="1200">
-                <a:solidFill>
-                  <a:schemeClr val="tx1"/>
-                </a:solidFill>
-                <a:latin typeface="+mn-lt"/>
-                <a:ea typeface="+mn-ea"/>
-                <a:cs typeface="+mn-cs"/>
-              </a:defRPr>
-            </a:lvl9pPr>
-          </a:lstStyle>
-          <a:p>
-            <a:pPr marL="0" indent="0">
-              <a:buNone/>
-            </a:pPr>
-            <a:r>
-              <a:rPr lang="en-US" sz="1600" b="1" dirty="0"/>
-              <a:t>Director of Engineering</a:t>
-            </a:r>
-          </a:p>
-          <a:p>
-            <a:r>
-              <a:rPr lang="en-US" sz="1600" dirty="0"/>
-              <a:t>Wants to add Machine Learning to Web App</a:t>
-            </a:r>
-          </a:p>
-          <a:p>
-            <a:r>
-              <a:rPr lang="en-US" sz="1600" dirty="0"/>
-              <a:t>Needs to deliver on schedule</a:t>
-            </a:r>
-          </a:p>
-          <a:p>
-            <a:r>
-              <a:rPr lang="en-US" sz="1600" dirty="0"/>
-              <a:t>Needs to deliver quality</a:t>
-            </a:r>
-          </a:p>
-          <a:p>
-            <a:r>
-              <a:rPr lang="en-US" sz="1600" dirty="0"/>
-              <a:t>Predictability is paramount</a:t>
-            </a:r>
-          </a:p>
-          <a:p>
-            <a:endParaRPr lang="en-US" sz="1600" dirty="0"/>
-          </a:p>
-        </p:txBody>
-      </p:sp>
-      <p:sp>
-        <p:nvSpPr>
-          <p:cNvPr id="8" name="Content Placeholder 2">
-            <a:extLst>
-              <a:ext uri="{FF2B5EF4-FFF2-40B4-BE49-F238E27FC236}">
-                <a16:creationId xmlns:a16="http://schemas.microsoft.com/office/drawing/2014/main" id="{191C16B6-A62F-40FB-B3CB-02216B40F7C8}"/>
-              </a:ext>
-            </a:extLst>
-          </p:cNvPr>
-          <p:cNvSpPr txBox="1">
-            <a:spLocks/>
-          </p:cNvSpPr>
-          <p:nvPr/>
-        </p:nvSpPr>
-        <p:spPr>
-          <a:xfrm>
-            <a:off x="8598716" y="4072907"/>
-            <a:ext cx="3135698" cy="1529462"/>
-          </a:xfrm>
-          <a:prstGeom prst="rect">
-            <a:avLst/>
-          </a:prstGeom>
-        </p:spPr>
-        <p:txBody>
-          <a:bodyPr vert="horz" lIns="91440" tIns="45720" rIns="91440" bIns="45720" rtlCol="0">
-            <a:normAutofit/>
-          </a:bodyPr>
-          <a:lstStyle>
-            <a:lvl1pPr marL="228600" indent="-228600" algn="l" defTabSz="914400" rtl="0" eaLnBrk="1" latinLnBrk="0" hangingPunct="1">
-              <a:lnSpc>
-                <a:spcPct val="90000"/>
-              </a:lnSpc>
-              <a:spcBef>
-                <a:spcPts val="1000"/>
-              </a:spcBef>
-              <a:buFont typeface="Arial" panose="020B0604020202020204" pitchFamily="34" charset="0"/>
-              <a:buChar char="•"/>
-              <a:defRPr sz="2800" kern="1200">
-                <a:solidFill>
-                  <a:schemeClr val="tx1"/>
-                </a:solidFill>
-                <a:latin typeface="+mn-lt"/>
-                <a:ea typeface="+mn-ea"/>
-                <a:cs typeface="+mn-cs"/>
-              </a:defRPr>
-            </a:lvl1pPr>
-            <a:lvl2pPr marL="685800" indent="-228600" algn="l" defTabSz="914400" rtl="0" eaLnBrk="1" latinLnBrk="0" hangingPunct="1">
-              <a:lnSpc>
-                <a:spcPct val="90000"/>
-              </a:lnSpc>
-              <a:spcBef>
-                <a:spcPts val="500"/>
-              </a:spcBef>
-              <a:buFont typeface="Arial" panose="020B0604020202020204" pitchFamily="34" charset="0"/>
-              <a:buChar char="•"/>
-              <a:defRPr sz="2400" kern="1200">
-                <a:solidFill>
-                  <a:schemeClr val="tx1"/>
-                </a:solidFill>
-                <a:latin typeface="+mn-lt"/>
-                <a:ea typeface="+mn-ea"/>
-                <a:cs typeface="+mn-cs"/>
-              </a:defRPr>
-            </a:lvl2pPr>
-            <a:lvl3pPr marL="1143000" indent="-228600" algn="l" defTabSz="914400" rtl="0" eaLnBrk="1" latinLnBrk="0" hangingPunct="1">
-              <a:lnSpc>
-                <a:spcPct val="90000"/>
-              </a:lnSpc>
-              <a:spcBef>
-                <a:spcPts val="500"/>
-              </a:spcBef>
-              <a:buFont typeface="Arial" panose="020B0604020202020204" pitchFamily="34" charset="0"/>
-              <a:buChar char="•"/>
-              <a:defRPr sz="2000" kern="1200">
-                <a:solidFill>
-                  <a:schemeClr val="tx1"/>
-                </a:solidFill>
-                <a:latin typeface="+mn-lt"/>
-                <a:ea typeface="+mn-ea"/>
-                <a:cs typeface="+mn-cs"/>
-              </a:defRPr>
-            </a:lvl3pPr>
-            <a:lvl4pPr marL="1600200" indent="-228600" algn="l" defTabSz="914400" rtl="0" eaLnBrk="1" latinLnBrk="0" hangingPunct="1">
-              <a:lnSpc>
-                <a:spcPct val="90000"/>
-              </a:lnSpc>
-              <a:spcBef>
-                <a:spcPts val="500"/>
-              </a:spcBef>
-              <a:buFont typeface="Arial" panose="020B0604020202020204" pitchFamily="34" charset="0"/>
-              <a:buChar char="•"/>
-              <a:defRPr sz="1800" kern="1200">
-                <a:solidFill>
-                  <a:schemeClr val="tx1"/>
-                </a:solidFill>
-                <a:latin typeface="+mn-lt"/>
-                <a:ea typeface="+mn-ea"/>
-                <a:cs typeface="+mn-cs"/>
-              </a:defRPr>
-            </a:lvl4pPr>
-            <a:lvl5pPr marL="2057400" indent="-228600" algn="l" defTabSz="914400" rtl="0" eaLnBrk="1" latinLnBrk="0" hangingPunct="1">
-              <a:lnSpc>
-                <a:spcPct val="90000"/>
-              </a:lnSpc>
-              <a:spcBef>
-                <a:spcPts val="500"/>
-              </a:spcBef>
-              <a:buFont typeface="Arial" panose="020B0604020202020204" pitchFamily="34" charset="0"/>
-              <a:buChar char="•"/>
-              <a:defRPr sz="1800" kern="1200">
-                <a:solidFill>
-                  <a:schemeClr val="tx1"/>
-                </a:solidFill>
-                <a:latin typeface="+mn-lt"/>
-                <a:ea typeface="+mn-ea"/>
-                <a:cs typeface="+mn-cs"/>
-              </a:defRPr>
-            </a:lvl5pPr>
-            <a:lvl6pPr marL="2514600" indent="-228600" algn="l" defTabSz="914400" rtl="0" eaLnBrk="1" latinLnBrk="0" hangingPunct="1">
-              <a:lnSpc>
-                <a:spcPct val="90000"/>
-              </a:lnSpc>
-              <a:spcBef>
-                <a:spcPts val="500"/>
-              </a:spcBef>
-              <a:buFont typeface="Arial" panose="020B0604020202020204" pitchFamily="34" charset="0"/>
-              <a:buChar char="•"/>
-              <a:defRPr sz="1800" kern="1200">
-                <a:solidFill>
-                  <a:schemeClr val="tx1"/>
-                </a:solidFill>
-                <a:latin typeface="+mn-lt"/>
-                <a:ea typeface="+mn-ea"/>
-                <a:cs typeface="+mn-cs"/>
-              </a:defRPr>
-            </a:lvl6pPr>
-            <a:lvl7pPr marL="2971800" indent="-228600" algn="l" defTabSz="914400" rtl="0" eaLnBrk="1" latinLnBrk="0" hangingPunct="1">
-              <a:lnSpc>
-                <a:spcPct val="90000"/>
-              </a:lnSpc>
-              <a:spcBef>
-                <a:spcPts val="500"/>
-              </a:spcBef>
-              <a:buFont typeface="Arial" panose="020B0604020202020204" pitchFamily="34" charset="0"/>
-              <a:buChar char="•"/>
-              <a:defRPr sz="1800" kern="1200">
-                <a:solidFill>
-                  <a:schemeClr val="tx1"/>
-                </a:solidFill>
-                <a:latin typeface="+mn-lt"/>
-                <a:ea typeface="+mn-ea"/>
-                <a:cs typeface="+mn-cs"/>
-              </a:defRPr>
-            </a:lvl7pPr>
-            <a:lvl8pPr marL="3429000" indent="-228600" algn="l" defTabSz="914400" rtl="0" eaLnBrk="1" latinLnBrk="0" hangingPunct="1">
-              <a:lnSpc>
-                <a:spcPct val="90000"/>
-              </a:lnSpc>
-              <a:spcBef>
-                <a:spcPts val="500"/>
-              </a:spcBef>
-              <a:buFont typeface="Arial" panose="020B0604020202020204" pitchFamily="34" charset="0"/>
-              <a:buChar char="•"/>
-              <a:defRPr sz="1800" kern="1200">
-                <a:solidFill>
-                  <a:schemeClr val="tx1"/>
-                </a:solidFill>
-                <a:latin typeface="+mn-lt"/>
-                <a:ea typeface="+mn-ea"/>
-                <a:cs typeface="+mn-cs"/>
-              </a:defRPr>
-            </a:lvl8pPr>
-            <a:lvl9pPr marL="3886200" indent="-228600" algn="l" defTabSz="914400" rtl="0" eaLnBrk="1" latinLnBrk="0" hangingPunct="1">
-              <a:lnSpc>
-                <a:spcPct val="90000"/>
-              </a:lnSpc>
-              <a:spcBef>
-                <a:spcPts val="500"/>
-              </a:spcBef>
-              <a:buFont typeface="Arial" panose="020B0604020202020204" pitchFamily="34" charset="0"/>
-              <a:buChar char="•"/>
-              <a:defRPr sz="1800" kern="1200">
-                <a:solidFill>
-                  <a:schemeClr val="tx1"/>
-                </a:solidFill>
-                <a:latin typeface="+mn-lt"/>
-                <a:ea typeface="+mn-ea"/>
-                <a:cs typeface="+mn-cs"/>
-              </a:defRPr>
-            </a:lvl9pPr>
-          </a:lstStyle>
-          <a:p>
-            <a:pPr marL="0" indent="0">
-              <a:buNone/>
-            </a:pPr>
-            <a:r>
-              <a:rPr lang="en-US" sz="1600" b="1" dirty="0"/>
-              <a:t>Passers-by</a:t>
-            </a:r>
-            <a:endParaRPr lang="en-US" sz="1600" dirty="0"/>
-          </a:p>
-          <a:p>
-            <a:pPr marL="0" indent="0">
-              <a:buNone/>
-            </a:pPr>
-            <a:r>
-              <a:rPr lang="en-US" sz="1600" dirty="0"/>
-              <a:t>Professional Contacts / Network</a:t>
-            </a:r>
-          </a:p>
-          <a:p>
-            <a:pPr marL="0" indent="0">
-              <a:buNone/>
-            </a:pPr>
-            <a:r>
-              <a:rPr lang="en-US" sz="1600" dirty="0"/>
-              <a:t>Recruiters</a:t>
-            </a:r>
-          </a:p>
-          <a:p>
-            <a:pPr marL="0" indent="0">
-              <a:buNone/>
-            </a:pPr>
-            <a:r>
-              <a:rPr lang="en-US" sz="1600" dirty="0"/>
-              <a:t>Top Level: “What does he do?”</a:t>
-            </a:r>
-          </a:p>
-          <a:p>
-            <a:pPr marL="0" indent="0">
-              <a:buNone/>
-            </a:pPr>
-            <a:endParaRPr lang="en-US" sz="1600" dirty="0"/>
+            <a:r>
+              <a:rPr lang="en-US" dirty="0"/>
+              <a:t>Engineering Manager (Hiring Manager)</a:t>
+            </a:r>
+          </a:p>
+          <a:p>
+            <a:r>
+              <a:rPr lang="en-US" dirty="0"/>
+              <a:t>Machine Learning / Vision Architect</a:t>
+            </a:r>
+          </a:p>
+          <a:p>
+            <a:r>
+              <a:rPr lang="en-US" dirty="0"/>
+              <a:t>General Passers-by (recruiters, friends, networking contacts)</a:t>
+            </a:r>
+          </a:p>
+          <a:p>
+            <a:endParaRPr lang="en-US" dirty="0"/>
           </a:p>
         </p:txBody>
       </p:sp>
     </p:spTree>
     <p:extLst>
       <p:ext uri="{BB962C8B-B14F-4D97-AF65-F5344CB8AC3E}">
-        <p14:creationId xmlns:p14="http://schemas.microsoft.com/office/powerpoint/2010/main" val="3604027358"/>
+        <p14:creationId xmlns:p14="http://schemas.microsoft.com/office/powerpoint/2010/main" val="1939977072"/>
       </p:ext>
     </p:extLst>
   </p:cSld>
@@ -4631,7 +4039,7 @@
           <p:cNvPr id="2" name="Title 1">
             <a:extLst>
               <a:ext uri="{FF2B5EF4-FFF2-40B4-BE49-F238E27FC236}">
-                <a16:creationId xmlns:a16="http://schemas.microsoft.com/office/drawing/2014/main" id="{6DE6F54D-E928-44DE-963C-D655747854A9}"/>
+                <a16:creationId xmlns:a16="http://schemas.microsoft.com/office/drawing/2014/main" id="{AF08A29D-0C84-441E-8E3C-576E9D3C9AAD}"/>
               </a:ext>
             </a:extLst>
           </p:cNvPr>
@@ -4649,785 +4057,653 @@
           <a:p>
             <a:r>
               <a:rPr lang="en-US" dirty="0"/>
-              <a:t>Proposed Site Map</a:t>
-            </a:r>
-          </a:p>
-        </p:txBody>
-      </p:sp>
-      <p:sp>
-        <p:nvSpPr>
-          <p:cNvPr id="4" name="TextBox 3">
-            <a:extLst>
-              <a:ext uri="{FF2B5EF4-FFF2-40B4-BE49-F238E27FC236}">
-                <a16:creationId xmlns:a16="http://schemas.microsoft.com/office/drawing/2014/main" id="{B40D84BE-C8F7-4B2B-881E-88214C9646CD}"/>
-              </a:ext>
-            </a:extLst>
-          </p:cNvPr>
-          <p:cNvSpPr txBox="1"/>
-          <p:nvPr/>
+              <a:t>Personas</a:t>
+            </a:r>
+          </a:p>
+        </p:txBody>
+      </p:sp>
+      <p:sp>
+        <p:nvSpPr>
+          <p:cNvPr id="3" name="Content Placeholder 2">
+            <a:extLst>
+              <a:ext uri="{FF2B5EF4-FFF2-40B4-BE49-F238E27FC236}">
+                <a16:creationId xmlns:a16="http://schemas.microsoft.com/office/drawing/2014/main" id="{2880ED6C-6A8A-4D1E-9414-391C00A15FC2}"/>
+              </a:ext>
+            </a:extLst>
+          </p:cNvPr>
+          <p:cNvSpPr>
+            <a:spLocks noGrp="1"/>
+          </p:cNvSpPr>
+          <p:nvPr>
+            <p:ph idx="1"/>
+          </p:nvPr>
         </p:nvSpPr>
         <p:spPr>
           <a:xfrm>
-            <a:off x="5949893" y="3476799"/>
-            <a:ext cx="1911291" cy="369332"/>
+            <a:off x="362807" y="3983807"/>
+            <a:ext cx="3719835" cy="1529462"/>
+          </a:xfrm>
+        </p:spPr>
+        <p:txBody>
+          <a:bodyPr>
+            <a:noAutofit/>
+          </a:bodyPr>
+          <a:lstStyle/>
+          <a:p>
+            <a:pPr marL="0" indent="0">
+              <a:buNone/>
+            </a:pPr>
+            <a:r>
+              <a:rPr lang="en-US" sz="1600" b="1" dirty="0"/>
+              <a:t>Data / ML Architect</a:t>
+            </a:r>
+          </a:p>
+          <a:p>
+            <a:r>
+              <a:rPr lang="en-US" sz="1600" dirty="0"/>
+              <a:t>Expanding team to develop and deploy new algorithms</a:t>
+            </a:r>
+          </a:p>
+          <a:p>
+            <a:r>
+              <a:rPr lang="en-US" sz="1600" dirty="0"/>
+              <a:t>Needs to preserve current tools and process</a:t>
+            </a:r>
+          </a:p>
+          <a:p>
+            <a:r>
+              <a:rPr lang="en-US" sz="1600" dirty="0"/>
+              <a:t>Needs to define metrics/success</a:t>
+            </a:r>
+          </a:p>
+          <a:p>
+            <a:r>
+              <a:rPr lang="en-US" sz="1600" dirty="0"/>
+              <a:t>Needs infrastructure/tool roadmap</a:t>
+            </a:r>
+          </a:p>
+          <a:p>
+            <a:r>
+              <a:rPr lang="en-US" sz="1600" dirty="0"/>
+              <a:t>Needs trained/skilled hands</a:t>
+            </a:r>
+          </a:p>
+        </p:txBody>
+      </p:sp>
+      <p:pic>
+        <p:nvPicPr>
+          <p:cNvPr id="4" name="Picture 3">
+            <a:extLst>
+              <a:ext uri="{FF2B5EF4-FFF2-40B4-BE49-F238E27FC236}">
+                <a16:creationId xmlns:a16="http://schemas.microsoft.com/office/drawing/2014/main" id="{A102B342-1A5F-45A4-AB08-EB3BB72C6411}"/>
+              </a:ext>
+            </a:extLst>
+          </p:cNvPr>
+          <p:cNvPicPr>
+            <a:picLocks noChangeAspect="1"/>
+          </p:cNvPicPr>
+          <p:nvPr/>
+        </p:nvPicPr>
+        <p:blipFill>
+          <a:blip r:embed="rId2"/>
+          <a:stretch>
+            <a:fillRect/>
+          </a:stretch>
+        </p:blipFill>
+        <p:spPr>
+          <a:xfrm>
+            <a:off x="274613" y="1467155"/>
+            <a:ext cx="3358221" cy="2238814"/>
           </a:xfrm>
           <a:prstGeom prst="rect">
             <a:avLst/>
           </a:prstGeom>
-          <a:noFill/>
-          <a:ln>
-            <a:solidFill>
-              <a:schemeClr val="tx1"/>
-            </a:solidFill>
-          </a:ln>
         </p:spPr>
-        <p:txBody>
-          <a:bodyPr wrap="square" rtlCol="0">
-            <a:spAutoFit/>
-          </a:bodyPr>
-          <a:lstStyle/>
-          <a:p>
-            <a:pPr algn="ctr"/>
-            <a:r>
-              <a:rPr lang="en-US" dirty="0"/>
-              <a:t>Leaderboard</a:t>
-            </a:r>
-          </a:p>
-        </p:txBody>
-      </p:sp>
-      <p:sp>
-        <p:nvSpPr>
-          <p:cNvPr id="5" name="TextBox 4">
-            <a:extLst>
-              <a:ext uri="{FF2B5EF4-FFF2-40B4-BE49-F238E27FC236}">
-                <a16:creationId xmlns:a16="http://schemas.microsoft.com/office/drawing/2014/main" id="{43881D1D-F294-4E47-8457-E91C07EB98A8}"/>
-              </a:ext>
-            </a:extLst>
-          </p:cNvPr>
-          <p:cNvSpPr txBox="1"/>
+      </p:pic>
+      <p:pic>
+        <p:nvPicPr>
+          <p:cNvPr id="5" name="Picture 4">
+            <a:extLst>
+              <a:ext uri="{FF2B5EF4-FFF2-40B4-BE49-F238E27FC236}">
+                <a16:creationId xmlns:a16="http://schemas.microsoft.com/office/drawing/2014/main" id="{4F9EEA14-DC48-475E-B769-0E7F015BD801}"/>
+              </a:ext>
+            </a:extLst>
+          </p:cNvPr>
+          <p:cNvPicPr>
+            <a:picLocks noChangeAspect="1"/>
+          </p:cNvPicPr>
           <p:nvPr/>
-        </p:nvSpPr>
+        </p:nvPicPr>
+        <p:blipFill>
+          <a:blip r:embed="rId3"/>
+          <a:stretch>
+            <a:fillRect/>
+          </a:stretch>
+        </p:blipFill>
         <p:spPr>
           <a:xfrm>
-            <a:off x="5217952" y="1690688"/>
-            <a:ext cx="1459684" cy="369332"/>
+            <a:off x="4275789" y="1441556"/>
+            <a:ext cx="3349804" cy="2238814"/>
           </a:xfrm>
           <a:prstGeom prst="rect">
             <a:avLst/>
           </a:prstGeom>
-          <a:noFill/>
-          <a:ln>
-            <a:solidFill>
-              <a:schemeClr val="tx1"/>
-            </a:solidFill>
-          </a:ln>
         </p:spPr>
-        <p:txBody>
-          <a:bodyPr wrap="square" rtlCol="0">
-            <a:spAutoFit/>
-          </a:bodyPr>
-          <a:lstStyle/>
-          <a:p>
-            <a:pPr algn="ctr"/>
-            <a:r>
-              <a:rPr lang="en-US" dirty="0"/>
-              <a:t>Login</a:t>
-            </a:r>
-          </a:p>
-        </p:txBody>
-      </p:sp>
-      <p:sp>
-        <p:nvSpPr>
-          <p:cNvPr id="7" name="TextBox 6">
-            <a:extLst>
-              <a:ext uri="{FF2B5EF4-FFF2-40B4-BE49-F238E27FC236}">
-                <a16:creationId xmlns:a16="http://schemas.microsoft.com/office/drawing/2014/main" id="{E2C353D0-78CA-42F0-98BB-384525491763}"/>
-              </a:ext>
-            </a:extLst>
-          </p:cNvPr>
-          <p:cNvSpPr txBox="1"/>
+      </p:pic>
+      <p:pic>
+        <p:nvPicPr>
+          <p:cNvPr id="6" name="Picture 5">
+            <a:extLst>
+              <a:ext uri="{FF2B5EF4-FFF2-40B4-BE49-F238E27FC236}">
+                <a16:creationId xmlns:a16="http://schemas.microsoft.com/office/drawing/2014/main" id="{7274CEBB-09FF-42D6-BAD0-DFCF13BB7526}"/>
+              </a:ext>
+            </a:extLst>
+          </p:cNvPr>
+          <p:cNvPicPr>
+            <a:picLocks noChangeAspect="1"/>
+          </p:cNvPicPr>
           <p:nvPr/>
-        </p:nvSpPr>
+        </p:nvPicPr>
+        <p:blipFill>
+          <a:blip r:embed="rId4"/>
+          <a:stretch>
+            <a:fillRect/>
+          </a:stretch>
+        </p:blipFill>
         <p:spPr>
           <a:xfrm>
-            <a:off x="6175697" y="4379455"/>
-            <a:ext cx="1459684" cy="369332"/>
+            <a:off x="8346038" y="1932491"/>
+            <a:ext cx="3007762" cy="1783914"/>
           </a:xfrm>
           <a:prstGeom prst="rect">
             <a:avLst/>
           </a:prstGeom>
-          <a:noFill/>
-          <a:ln>
-            <a:solidFill>
-              <a:schemeClr val="tx1"/>
-            </a:solidFill>
-          </a:ln>
         </p:spPr>
-        <p:txBody>
-          <a:bodyPr wrap="square" rtlCol="0">
-            <a:spAutoFit/>
-          </a:bodyPr>
-          <a:lstStyle/>
-          <a:p>
-            <a:pPr algn="ctr"/>
-            <a:r>
-              <a:rPr lang="en-US" dirty="0"/>
-              <a:t>Choose a Star</a:t>
-            </a:r>
-          </a:p>
-        </p:txBody>
-      </p:sp>
-      <p:sp>
-        <p:nvSpPr>
-          <p:cNvPr id="8" name="TextBox 7">
-            <a:extLst>
-              <a:ext uri="{FF2B5EF4-FFF2-40B4-BE49-F238E27FC236}">
-                <a16:creationId xmlns:a16="http://schemas.microsoft.com/office/drawing/2014/main" id="{4E26735B-D9F6-4DD4-B3BF-A0A56E156A22}"/>
-              </a:ext>
-            </a:extLst>
-          </p:cNvPr>
-          <p:cNvSpPr txBox="1"/>
+      </p:pic>
+      <p:sp>
+        <p:nvSpPr>
+          <p:cNvPr id="7" name="Content Placeholder 2">
+            <a:extLst>
+              <a:ext uri="{FF2B5EF4-FFF2-40B4-BE49-F238E27FC236}">
+                <a16:creationId xmlns:a16="http://schemas.microsoft.com/office/drawing/2014/main" id="{4688581D-77C5-4037-9948-4A0DE7F1976C}"/>
+              </a:ext>
+            </a:extLst>
+          </p:cNvPr>
+          <p:cNvSpPr txBox="1">
+            <a:spLocks/>
+          </p:cNvSpPr>
           <p:nvPr/>
         </p:nvSpPr>
         <p:spPr>
           <a:xfrm>
-            <a:off x="5947794" y="5097445"/>
-            <a:ext cx="1911291" cy="369332"/>
+            <a:off x="4082641" y="3958208"/>
+            <a:ext cx="4172125" cy="1529462"/>
           </a:xfrm>
           <a:prstGeom prst="rect">
             <a:avLst/>
           </a:prstGeom>
-          <a:noFill/>
-          <a:ln>
-            <a:solidFill>
-              <a:schemeClr val="tx1"/>
-            </a:solidFill>
-          </a:ln>
         </p:spPr>
         <p:txBody>
-          <a:bodyPr wrap="square" rtlCol="0">
-            <a:spAutoFit/>
+          <a:bodyPr vert="horz" lIns="91440" tIns="45720" rIns="91440" bIns="45720" rtlCol="0">
+            <a:noAutofit/>
           </a:bodyPr>
-          <a:lstStyle/>
-          <a:p>
-            <a:pPr algn="ctr"/>
-            <a:r>
-              <a:rPr lang="en-US" dirty="0"/>
-              <a:t>Analyze / Classify</a:t>
-            </a:r>
-          </a:p>
-        </p:txBody>
-      </p:sp>
-      <p:sp>
-        <p:nvSpPr>
-          <p:cNvPr id="9" name="TextBox 8">
-            <a:extLst>
-              <a:ext uri="{FF2B5EF4-FFF2-40B4-BE49-F238E27FC236}">
-                <a16:creationId xmlns:a16="http://schemas.microsoft.com/office/drawing/2014/main" id="{2A83839C-3730-4E9F-AF9C-E5D31978CD8A}"/>
-              </a:ext>
-            </a:extLst>
-          </p:cNvPr>
-          <p:cNvSpPr txBox="1"/>
+          <a:lstStyle>
+            <a:lvl1pPr marL="228600" indent="-228600" algn="l" defTabSz="914400" rtl="0" eaLnBrk="1" latinLnBrk="0" hangingPunct="1">
+              <a:lnSpc>
+                <a:spcPct val="90000"/>
+              </a:lnSpc>
+              <a:spcBef>
+                <a:spcPts val="1000"/>
+              </a:spcBef>
+              <a:buFont typeface="Arial" panose="020B0604020202020204" pitchFamily="34" charset="0"/>
+              <a:buChar char="•"/>
+              <a:defRPr sz="2800" kern="1200">
+                <a:solidFill>
+                  <a:schemeClr val="tx1"/>
+                </a:solidFill>
+                <a:latin typeface="+mn-lt"/>
+                <a:ea typeface="+mn-ea"/>
+                <a:cs typeface="+mn-cs"/>
+              </a:defRPr>
+            </a:lvl1pPr>
+            <a:lvl2pPr marL="685800" indent="-228600" algn="l" defTabSz="914400" rtl="0" eaLnBrk="1" latinLnBrk="0" hangingPunct="1">
+              <a:lnSpc>
+                <a:spcPct val="90000"/>
+              </a:lnSpc>
+              <a:spcBef>
+                <a:spcPts val="500"/>
+              </a:spcBef>
+              <a:buFont typeface="Arial" panose="020B0604020202020204" pitchFamily="34" charset="0"/>
+              <a:buChar char="•"/>
+              <a:defRPr sz="2400" kern="1200">
+                <a:solidFill>
+                  <a:schemeClr val="tx1"/>
+                </a:solidFill>
+                <a:latin typeface="+mn-lt"/>
+                <a:ea typeface="+mn-ea"/>
+                <a:cs typeface="+mn-cs"/>
+              </a:defRPr>
+            </a:lvl2pPr>
+            <a:lvl3pPr marL="1143000" indent="-228600" algn="l" defTabSz="914400" rtl="0" eaLnBrk="1" latinLnBrk="0" hangingPunct="1">
+              <a:lnSpc>
+                <a:spcPct val="90000"/>
+              </a:lnSpc>
+              <a:spcBef>
+                <a:spcPts val="500"/>
+              </a:spcBef>
+              <a:buFont typeface="Arial" panose="020B0604020202020204" pitchFamily="34" charset="0"/>
+              <a:buChar char="•"/>
+              <a:defRPr sz="2000" kern="1200">
+                <a:solidFill>
+                  <a:schemeClr val="tx1"/>
+                </a:solidFill>
+                <a:latin typeface="+mn-lt"/>
+                <a:ea typeface="+mn-ea"/>
+                <a:cs typeface="+mn-cs"/>
+              </a:defRPr>
+            </a:lvl3pPr>
+            <a:lvl4pPr marL="1600200" indent="-228600" algn="l" defTabSz="914400" rtl="0" eaLnBrk="1" latinLnBrk="0" hangingPunct="1">
+              <a:lnSpc>
+                <a:spcPct val="90000"/>
+              </a:lnSpc>
+              <a:spcBef>
+                <a:spcPts val="500"/>
+              </a:spcBef>
+              <a:buFont typeface="Arial" panose="020B0604020202020204" pitchFamily="34" charset="0"/>
+              <a:buChar char="•"/>
+              <a:defRPr sz="1800" kern="1200">
+                <a:solidFill>
+                  <a:schemeClr val="tx1"/>
+                </a:solidFill>
+                <a:latin typeface="+mn-lt"/>
+                <a:ea typeface="+mn-ea"/>
+                <a:cs typeface="+mn-cs"/>
+              </a:defRPr>
+            </a:lvl4pPr>
+            <a:lvl5pPr marL="2057400" indent="-228600" algn="l" defTabSz="914400" rtl="0" eaLnBrk="1" latinLnBrk="0" hangingPunct="1">
+              <a:lnSpc>
+                <a:spcPct val="90000"/>
+              </a:lnSpc>
+              <a:spcBef>
+                <a:spcPts val="500"/>
+              </a:spcBef>
+              <a:buFont typeface="Arial" panose="020B0604020202020204" pitchFamily="34" charset="0"/>
+              <a:buChar char="•"/>
+              <a:defRPr sz="1800" kern="1200">
+                <a:solidFill>
+                  <a:schemeClr val="tx1"/>
+                </a:solidFill>
+                <a:latin typeface="+mn-lt"/>
+                <a:ea typeface="+mn-ea"/>
+                <a:cs typeface="+mn-cs"/>
+              </a:defRPr>
+            </a:lvl5pPr>
+            <a:lvl6pPr marL="2514600" indent="-228600" algn="l" defTabSz="914400" rtl="0" eaLnBrk="1" latinLnBrk="0" hangingPunct="1">
+              <a:lnSpc>
+                <a:spcPct val="90000"/>
+              </a:lnSpc>
+              <a:spcBef>
+                <a:spcPts val="500"/>
+              </a:spcBef>
+              <a:buFont typeface="Arial" panose="020B0604020202020204" pitchFamily="34" charset="0"/>
+              <a:buChar char="•"/>
+              <a:defRPr sz="1800" kern="1200">
+                <a:solidFill>
+                  <a:schemeClr val="tx1"/>
+                </a:solidFill>
+                <a:latin typeface="+mn-lt"/>
+                <a:ea typeface="+mn-ea"/>
+                <a:cs typeface="+mn-cs"/>
+              </a:defRPr>
+            </a:lvl6pPr>
+            <a:lvl7pPr marL="2971800" indent="-228600" algn="l" defTabSz="914400" rtl="0" eaLnBrk="1" latinLnBrk="0" hangingPunct="1">
+              <a:lnSpc>
+                <a:spcPct val="90000"/>
+              </a:lnSpc>
+              <a:spcBef>
+                <a:spcPts val="500"/>
+              </a:spcBef>
+              <a:buFont typeface="Arial" panose="020B0604020202020204" pitchFamily="34" charset="0"/>
+              <a:buChar char="•"/>
+              <a:defRPr sz="1800" kern="1200">
+                <a:solidFill>
+                  <a:schemeClr val="tx1"/>
+                </a:solidFill>
+                <a:latin typeface="+mn-lt"/>
+                <a:ea typeface="+mn-ea"/>
+                <a:cs typeface="+mn-cs"/>
+              </a:defRPr>
+            </a:lvl7pPr>
+            <a:lvl8pPr marL="3429000" indent="-228600" algn="l" defTabSz="914400" rtl="0" eaLnBrk="1" latinLnBrk="0" hangingPunct="1">
+              <a:lnSpc>
+                <a:spcPct val="90000"/>
+              </a:lnSpc>
+              <a:spcBef>
+                <a:spcPts val="500"/>
+              </a:spcBef>
+              <a:buFont typeface="Arial" panose="020B0604020202020204" pitchFamily="34" charset="0"/>
+              <a:buChar char="•"/>
+              <a:defRPr sz="1800" kern="1200">
+                <a:solidFill>
+                  <a:schemeClr val="tx1"/>
+                </a:solidFill>
+                <a:latin typeface="+mn-lt"/>
+                <a:ea typeface="+mn-ea"/>
+                <a:cs typeface="+mn-cs"/>
+              </a:defRPr>
+            </a:lvl8pPr>
+            <a:lvl9pPr marL="3886200" indent="-228600" algn="l" defTabSz="914400" rtl="0" eaLnBrk="1" latinLnBrk="0" hangingPunct="1">
+              <a:lnSpc>
+                <a:spcPct val="90000"/>
+              </a:lnSpc>
+              <a:spcBef>
+                <a:spcPts val="500"/>
+              </a:spcBef>
+              <a:buFont typeface="Arial" panose="020B0604020202020204" pitchFamily="34" charset="0"/>
+              <a:buChar char="•"/>
+              <a:defRPr sz="1800" kern="1200">
+                <a:solidFill>
+                  <a:schemeClr val="tx1"/>
+                </a:solidFill>
+                <a:latin typeface="+mn-lt"/>
+                <a:ea typeface="+mn-ea"/>
+                <a:cs typeface="+mn-cs"/>
+              </a:defRPr>
+            </a:lvl9pPr>
+          </a:lstStyle>
+          <a:p>
+            <a:pPr marL="0" indent="0">
+              <a:buNone/>
+            </a:pPr>
+            <a:r>
+              <a:rPr lang="en-US" sz="1600" b="1" dirty="0"/>
+              <a:t>Director of Engineering</a:t>
+            </a:r>
+          </a:p>
+          <a:p>
+            <a:r>
+              <a:rPr lang="en-US" sz="1600" dirty="0"/>
+              <a:t>Wants to add Machine Learning to Web App</a:t>
+            </a:r>
+          </a:p>
+          <a:p>
+            <a:r>
+              <a:rPr lang="en-US" sz="1600" dirty="0"/>
+              <a:t>Needs to deliver on schedule</a:t>
+            </a:r>
+          </a:p>
+          <a:p>
+            <a:r>
+              <a:rPr lang="en-US" sz="1600" dirty="0"/>
+              <a:t>Needs to deliver quality</a:t>
+            </a:r>
+          </a:p>
+          <a:p>
+            <a:r>
+              <a:rPr lang="en-US" sz="1600" dirty="0"/>
+              <a:t>Predictability is paramount</a:t>
+            </a:r>
+          </a:p>
+          <a:p>
+            <a:endParaRPr lang="en-US" sz="1600" dirty="0"/>
+          </a:p>
+        </p:txBody>
+      </p:sp>
+      <p:sp>
+        <p:nvSpPr>
+          <p:cNvPr id="8" name="Content Placeholder 2">
+            <a:extLst>
+              <a:ext uri="{FF2B5EF4-FFF2-40B4-BE49-F238E27FC236}">
+                <a16:creationId xmlns:a16="http://schemas.microsoft.com/office/drawing/2014/main" id="{191C16B6-A62F-40FB-B3CB-02216B40F7C8}"/>
+              </a:ext>
+            </a:extLst>
+          </p:cNvPr>
+          <p:cNvSpPr txBox="1">
+            <a:spLocks/>
+          </p:cNvSpPr>
           <p:nvPr/>
         </p:nvSpPr>
         <p:spPr>
           <a:xfrm>
-            <a:off x="2467240" y="2733883"/>
-            <a:ext cx="1459684" cy="369332"/>
+            <a:off x="8598716" y="4072907"/>
+            <a:ext cx="3135698" cy="2167472"/>
           </a:xfrm>
           <a:prstGeom prst="rect">
             <a:avLst/>
           </a:prstGeom>
-          <a:noFill/>
-          <a:ln>
-            <a:solidFill>
-              <a:schemeClr val="tx1"/>
-            </a:solidFill>
-          </a:ln>
         </p:spPr>
         <p:txBody>
-          <a:bodyPr wrap="square" rtlCol="0">
-            <a:spAutoFit/>
+          <a:bodyPr vert="horz" lIns="91440" tIns="45720" rIns="91440" bIns="45720" rtlCol="0">
+            <a:normAutofit/>
           </a:bodyPr>
-          <a:lstStyle/>
-          <a:p>
-            <a:pPr algn="ctr"/>
-            <a:r>
-              <a:rPr lang="en-US" dirty="0"/>
-              <a:t>Admin</a:t>
-            </a:r>
-          </a:p>
-        </p:txBody>
-      </p:sp>
-      <p:sp>
-        <p:nvSpPr>
-          <p:cNvPr id="10" name="TextBox 9">
-            <a:extLst>
-              <a:ext uri="{FF2B5EF4-FFF2-40B4-BE49-F238E27FC236}">
-                <a16:creationId xmlns:a16="http://schemas.microsoft.com/office/drawing/2014/main" id="{BFA04579-982B-4096-90E8-F8D4106059AF}"/>
-              </a:ext>
-            </a:extLst>
-          </p:cNvPr>
-          <p:cNvSpPr txBox="1"/>
-          <p:nvPr/>
-        </p:nvSpPr>
-        <p:spPr>
-          <a:xfrm>
-            <a:off x="957222" y="3684918"/>
-            <a:ext cx="1979802" cy="369332"/>
-          </a:xfrm>
-          <a:prstGeom prst="rect">
-            <a:avLst/>
-          </a:prstGeom>
-          <a:noFill/>
-          <a:ln>
-            <a:solidFill>
-              <a:schemeClr val="tx1"/>
-            </a:solidFill>
-          </a:ln>
-        </p:spPr>
-        <p:txBody>
-          <a:bodyPr wrap="square" rtlCol="0">
-            <a:spAutoFit/>
-          </a:bodyPr>
-          <a:lstStyle/>
-          <a:p>
-            <a:pPr algn="ctr"/>
-            <a:r>
-              <a:rPr lang="en-US" dirty="0"/>
-              <a:t>Users/Groups</a:t>
-            </a:r>
-          </a:p>
-        </p:txBody>
-      </p:sp>
-      <p:sp>
-        <p:nvSpPr>
-          <p:cNvPr id="11" name="TextBox 10">
-            <a:extLst>
-              <a:ext uri="{FF2B5EF4-FFF2-40B4-BE49-F238E27FC236}">
-                <a16:creationId xmlns:a16="http://schemas.microsoft.com/office/drawing/2014/main" id="{53644665-8842-40DA-B829-57D70D02E186}"/>
-              </a:ext>
-            </a:extLst>
-          </p:cNvPr>
-          <p:cNvSpPr txBox="1"/>
-          <p:nvPr/>
-        </p:nvSpPr>
-        <p:spPr>
-          <a:xfrm>
-            <a:off x="3287962" y="3684918"/>
-            <a:ext cx="1979802" cy="369332"/>
-          </a:xfrm>
-          <a:prstGeom prst="rect">
-            <a:avLst/>
-          </a:prstGeom>
-          <a:noFill/>
-          <a:ln>
-            <a:solidFill>
-              <a:schemeClr val="tx1"/>
-            </a:solidFill>
-          </a:ln>
-        </p:spPr>
-        <p:txBody>
-          <a:bodyPr wrap="square" rtlCol="0">
-            <a:spAutoFit/>
-          </a:bodyPr>
-          <a:lstStyle/>
-          <a:p>
-            <a:pPr algn="ctr"/>
-            <a:r>
-              <a:rPr lang="en-US" dirty="0"/>
-              <a:t>Database</a:t>
-            </a:r>
-          </a:p>
-        </p:txBody>
-      </p:sp>
-      <p:cxnSp>
-        <p:nvCxnSpPr>
-          <p:cNvPr id="13" name="Straight Connector 12">
-            <a:extLst>
-              <a:ext uri="{FF2B5EF4-FFF2-40B4-BE49-F238E27FC236}">
-                <a16:creationId xmlns:a16="http://schemas.microsoft.com/office/drawing/2014/main" id="{2049117A-3189-4D6C-B59E-EFF184DED37B}"/>
-              </a:ext>
-            </a:extLst>
-          </p:cNvPr>
-          <p:cNvCxnSpPr>
-            <a:cxnSpLocks/>
-            <a:stCxn id="5" idx="2"/>
-            <a:endCxn id="41" idx="0"/>
-          </p:cNvCxnSpPr>
-          <p:nvPr/>
-        </p:nvCxnSpPr>
-        <p:spPr>
-          <a:xfrm>
-            <a:off x="5947794" y="2060020"/>
-            <a:ext cx="2866937" cy="616638"/>
-          </a:xfrm>
-          <a:prstGeom prst="line">
-            <a:avLst/>
-          </a:prstGeom>
-        </p:spPr>
-        <p:style>
-          <a:lnRef idx="1">
-            <a:schemeClr val="accent1"/>
-          </a:lnRef>
-          <a:fillRef idx="0">
-            <a:schemeClr val="accent1"/>
-          </a:fillRef>
-          <a:effectRef idx="0">
-            <a:schemeClr val="accent1"/>
-          </a:effectRef>
-          <a:fontRef idx="minor">
-            <a:schemeClr val="tx1"/>
-          </a:fontRef>
-        </p:style>
-      </p:cxnSp>
-      <p:cxnSp>
-        <p:nvCxnSpPr>
-          <p:cNvPr id="15" name="Straight Connector 14">
-            <a:extLst>
-              <a:ext uri="{FF2B5EF4-FFF2-40B4-BE49-F238E27FC236}">
-                <a16:creationId xmlns:a16="http://schemas.microsoft.com/office/drawing/2014/main" id="{0F9A1D4A-7D89-41AD-B5E0-4F8E91EE2AC4}"/>
-              </a:ext>
-            </a:extLst>
-          </p:cNvPr>
-          <p:cNvCxnSpPr>
-            <a:cxnSpLocks/>
-            <a:stCxn id="7" idx="0"/>
-            <a:endCxn id="4" idx="2"/>
-          </p:cNvCxnSpPr>
-          <p:nvPr/>
-        </p:nvCxnSpPr>
-        <p:spPr>
-          <a:xfrm flipV="1">
-            <a:off x="6905539" y="3846131"/>
-            <a:ext cx="0" cy="533324"/>
-          </a:xfrm>
-          <a:prstGeom prst="line">
-            <a:avLst/>
-          </a:prstGeom>
-        </p:spPr>
-        <p:style>
-          <a:lnRef idx="1">
-            <a:schemeClr val="accent1"/>
-          </a:lnRef>
-          <a:fillRef idx="0">
-            <a:schemeClr val="accent1"/>
-          </a:fillRef>
-          <a:effectRef idx="0">
-            <a:schemeClr val="accent1"/>
-          </a:effectRef>
-          <a:fontRef idx="minor">
-            <a:schemeClr val="tx1"/>
-          </a:fontRef>
-        </p:style>
-      </p:cxnSp>
-      <p:cxnSp>
-        <p:nvCxnSpPr>
-          <p:cNvPr id="18" name="Straight Connector 17">
-            <a:extLst>
-              <a:ext uri="{FF2B5EF4-FFF2-40B4-BE49-F238E27FC236}">
-                <a16:creationId xmlns:a16="http://schemas.microsoft.com/office/drawing/2014/main" id="{431CE483-D9FB-47EE-8916-2D56E6117021}"/>
-              </a:ext>
-            </a:extLst>
-          </p:cNvPr>
-          <p:cNvCxnSpPr>
-            <a:cxnSpLocks/>
-            <a:stCxn id="8" idx="0"/>
-            <a:endCxn id="7" idx="2"/>
-          </p:cNvCxnSpPr>
-          <p:nvPr/>
-        </p:nvCxnSpPr>
-        <p:spPr>
-          <a:xfrm flipV="1">
-            <a:off x="6903440" y="4748787"/>
-            <a:ext cx="2099" cy="348658"/>
-          </a:xfrm>
-          <a:prstGeom prst="line">
-            <a:avLst/>
-          </a:prstGeom>
-        </p:spPr>
-        <p:style>
-          <a:lnRef idx="1">
-            <a:schemeClr val="accent1"/>
-          </a:lnRef>
-          <a:fillRef idx="0">
-            <a:schemeClr val="accent1"/>
-          </a:fillRef>
-          <a:effectRef idx="0">
-            <a:schemeClr val="accent1"/>
-          </a:effectRef>
-          <a:fontRef idx="minor">
-            <a:schemeClr val="tx1"/>
-          </a:fontRef>
-        </p:style>
-      </p:cxnSp>
-      <p:cxnSp>
-        <p:nvCxnSpPr>
-          <p:cNvPr id="21" name="Straight Connector 20">
-            <a:extLst>
-              <a:ext uri="{FF2B5EF4-FFF2-40B4-BE49-F238E27FC236}">
-                <a16:creationId xmlns:a16="http://schemas.microsoft.com/office/drawing/2014/main" id="{10B4C6B9-8144-4788-B7CE-0AB403499508}"/>
-              </a:ext>
-            </a:extLst>
-          </p:cNvPr>
-          <p:cNvCxnSpPr>
-            <a:cxnSpLocks/>
-            <a:stCxn id="9" idx="0"/>
-            <a:endCxn id="5" idx="2"/>
-          </p:cNvCxnSpPr>
-          <p:nvPr/>
-        </p:nvCxnSpPr>
-        <p:spPr>
-          <a:xfrm flipV="1">
-            <a:off x="3197082" y="2060020"/>
-            <a:ext cx="2750712" cy="673863"/>
-          </a:xfrm>
-          <a:prstGeom prst="line">
-            <a:avLst/>
-          </a:prstGeom>
-        </p:spPr>
-        <p:style>
-          <a:lnRef idx="1">
-            <a:schemeClr val="accent1"/>
-          </a:lnRef>
-          <a:fillRef idx="0">
-            <a:schemeClr val="accent1"/>
-          </a:fillRef>
-          <a:effectRef idx="0">
-            <a:schemeClr val="accent1"/>
-          </a:effectRef>
-          <a:fontRef idx="minor">
-            <a:schemeClr val="tx1"/>
-          </a:fontRef>
-        </p:style>
-      </p:cxnSp>
-      <p:cxnSp>
-        <p:nvCxnSpPr>
-          <p:cNvPr id="24" name="Straight Connector 23">
-            <a:extLst>
-              <a:ext uri="{FF2B5EF4-FFF2-40B4-BE49-F238E27FC236}">
-                <a16:creationId xmlns:a16="http://schemas.microsoft.com/office/drawing/2014/main" id="{C064B7BD-9E88-47C3-B054-895D5D289738}"/>
-              </a:ext>
-            </a:extLst>
-          </p:cNvPr>
-          <p:cNvCxnSpPr>
-            <a:cxnSpLocks/>
-            <a:stCxn id="11" idx="0"/>
-            <a:endCxn id="9" idx="2"/>
-          </p:cNvCxnSpPr>
-          <p:nvPr/>
-        </p:nvCxnSpPr>
-        <p:spPr>
-          <a:xfrm flipH="1" flipV="1">
-            <a:off x="3197082" y="3103215"/>
-            <a:ext cx="1080781" cy="581703"/>
-          </a:xfrm>
-          <a:prstGeom prst="line">
-            <a:avLst/>
-          </a:prstGeom>
-        </p:spPr>
-        <p:style>
-          <a:lnRef idx="1">
-            <a:schemeClr val="accent1"/>
-          </a:lnRef>
-          <a:fillRef idx="0">
-            <a:schemeClr val="accent1"/>
-          </a:fillRef>
-          <a:effectRef idx="0">
-            <a:schemeClr val="accent1"/>
-          </a:effectRef>
-          <a:fontRef idx="minor">
-            <a:schemeClr val="tx1"/>
-          </a:fontRef>
-        </p:style>
-      </p:cxnSp>
-      <p:cxnSp>
-        <p:nvCxnSpPr>
-          <p:cNvPr id="27" name="Straight Connector 26">
-            <a:extLst>
-              <a:ext uri="{FF2B5EF4-FFF2-40B4-BE49-F238E27FC236}">
-                <a16:creationId xmlns:a16="http://schemas.microsoft.com/office/drawing/2014/main" id="{28D6298D-BF4E-4AB1-A666-335A8DC783F0}"/>
-              </a:ext>
-            </a:extLst>
-          </p:cNvPr>
-          <p:cNvCxnSpPr>
-            <a:cxnSpLocks/>
-            <a:stCxn id="10" idx="0"/>
-            <a:endCxn id="9" idx="2"/>
-          </p:cNvCxnSpPr>
-          <p:nvPr/>
-        </p:nvCxnSpPr>
-        <p:spPr>
-          <a:xfrm flipV="1">
-            <a:off x="1947123" y="3103215"/>
-            <a:ext cx="1249959" cy="581703"/>
-          </a:xfrm>
-          <a:prstGeom prst="line">
-            <a:avLst/>
-          </a:prstGeom>
-        </p:spPr>
-        <p:style>
-          <a:lnRef idx="1">
-            <a:schemeClr val="accent1"/>
-          </a:lnRef>
-          <a:fillRef idx="0">
-            <a:schemeClr val="accent1"/>
-          </a:fillRef>
-          <a:effectRef idx="0">
-            <a:schemeClr val="accent1"/>
-          </a:effectRef>
-          <a:fontRef idx="minor">
-            <a:schemeClr val="tx1"/>
-          </a:fontRef>
-        </p:style>
-      </p:cxnSp>
-      <p:sp>
-        <p:nvSpPr>
-          <p:cNvPr id="39" name="TextBox 38">
-            <a:extLst>
-              <a:ext uri="{FF2B5EF4-FFF2-40B4-BE49-F238E27FC236}">
-                <a16:creationId xmlns:a16="http://schemas.microsoft.com/office/drawing/2014/main" id="{7A0397B8-ED92-4841-B203-66F2C2FEE6C5}"/>
-              </a:ext>
-            </a:extLst>
-          </p:cNvPr>
-          <p:cNvSpPr txBox="1"/>
-          <p:nvPr/>
-        </p:nvSpPr>
-        <p:spPr>
-          <a:xfrm>
-            <a:off x="10109784" y="3476799"/>
-            <a:ext cx="1364258" cy="369332"/>
-          </a:xfrm>
-          <a:prstGeom prst="rect">
-            <a:avLst/>
-          </a:prstGeom>
-          <a:noFill/>
-          <a:ln>
-            <a:solidFill>
-              <a:schemeClr val="tx1"/>
-            </a:solidFill>
-          </a:ln>
-        </p:spPr>
-        <p:txBody>
-          <a:bodyPr wrap="square" rtlCol="0">
-            <a:spAutoFit/>
-          </a:bodyPr>
-          <a:lstStyle/>
-          <a:p>
-            <a:pPr algn="ctr"/>
-            <a:r>
-              <a:rPr lang="en-US" dirty="0"/>
-              <a:t>About</a:t>
-            </a:r>
-          </a:p>
-        </p:txBody>
-      </p:sp>
-      <p:sp>
-        <p:nvSpPr>
-          <p:cNvPr id="40" name="TextBox 39">
-            <a:extLst>
-              <a:ext uri="{FF2B5EF4-FFF2-40B4-BE49-F238E27FC236}">
-                <a16:creationId xmlns:a16="http://schemas.microsoft.com/office/drawing/2014/main" id="{7CD6919F-CC9E-4F8C-ABD0-1976C657D1EB}"/>
-              </a:ext>
-            </a:extLst>
-          </p:cNvPr>
-          <p:cNvSpPr txBox="1"/>
-          <p:nvPr/>
-        </p:nvSpPr>
-        <p:spPr>
-          <a:xfrm>
-            <a:off x="8245684" y="3496001"/>
-            <a:ext cx="1554756" cy="369332"/>
-          </a:xfrm>
-          <a:prstGeom prst="rect">
-            <a:avLst/>
-          </a:prstGeom>
-          <a:noFill/>
-          <a:ln>
-            <a:solidFill>
-              <a:schemeClr val="tx1"/>
-            </a:solidFill>
-          </a:ln>
-        </p:spPr>
-        <p:txBody>
-          <a:bodyPr wrap="square" rtlCol="0">
-            <a:spAutoFit/>
-          </a:bodyPr>
-          <a:lstStyle/>
-          <a:p>
-            <a:pPr algn="ctr"/>
-            <a:r>
-              <a:rPr lang="en-US" dirty="0"/>
-              <a:t>References</a:t>
-            </a:r>
-          </a:p>
-        </p:txBody>
-      </p:sp>
-      <p:sp>
-        <p:nvSpPr>
-          <p:cNvPr id="41" name="TextBox 40">
-            <a:extLst>
-              <a:ext uri="{FF2B5EF4-FFF2-40B4-BE49-F238E27FC236}">
-                <a16:creationId xmlns:a16="http://schemas.microsoft.com/office/drawing/2014/main" id="{9498F8C1-9E26-4E74-808C-0DE12D2A9133}"/>
-              </a:ext>
-            </a:extLst>
-          </p:cNvPr>
-          <p:cNvSpPr txBox="1"/>
-          <p:nvPr/>
-        </p:nvSpPr>
-        <p:spPr>
-          <a:xfrm>
-            <a:off x="7859085" y="2676658"/>
-            <a:ext cx="1911291" cy="369332"/>
-          </a:xfrm>
-          <a:prstGeom prst="rect">
-            <a:avLst/>
-          </a:prstGeom>
-          <a:noFill/>
-          <a:ln>
-            <a:solidFill>
-              <a:schemeClr val="tx1"/>
-            </a:solidFill>
-          </a:ln>
-        </p:spPr>
-        <p:txBody>
-          <a:bodyPr wrap="square" rtlCol="0">
-            <a:spAutoFit/>
-          </a:bodyPr>
-          <a:lstStyle/>
-          <a:p>
-            <a:pPr algn="ctr"/>
-            <a:r>
-              <a:rPr lang="en-US" dirty="0"/>
-              <a:t>Home</a:t>
-            </a:r>
-          </a:p>
-        </p:txBody>
-      </p:sp>
-      <p:cxnSp>
-        <p:nvCxnSpPr>
-          <p:cNvPr id="43" name="Straight Connector 42">
-            <a:extLst>
-              <a:ext uri="{FF2B5EF4-FFF2-40B4-BE49-F238E27FC236}">
-                <a16:creationId xmlns:a16="http://schemas.microsoft.com/office/drawing/2014/main" id="{F2F9CABA-7E97-4E2F-A454-C8F31158D1A8}"/>
-              </a:ext>
-            </a:extLst>
-          </p:cNvPr>
-          <p:cNvCxnSpPr>
-            <a:cxnSpLocks/>
-            <a:stCxn id="4" idx="0"/>
-            <a:endCxn id="41" idx="2"/>
-          </p:cNvCxnSpPr>
-          <p:nvPr/>
-        </p:nvCxnSpPr>
-        <p:spPr>
-          <a:xfrm flipV="1">
-            <a:off x="6905539" y="3045990"/>
-            <a:ext cx="1909192" cy="430809"/>
-          </a:xfrm>
-          <a:prstGeom prst="line">
-            <a:avLst/>
-          </a:prstGeom>
-        </p:spPr>
-        <p:style>
-          <a:lnRef idx="1">
-            <a:schemeClr val="accent1"/>
-          </a:lnRef>
-          <a:fillRef idx="0">
-            <a:schemeClr val="accent1"/>
-          </a:fillRef>
-          <a:effectRef idx="0">
-            <a:schemeClr val="accent1"/>
-          </a:effectRef>
-          <a:fontRef idx="minor">
-            <a:schemeClr val="tx1"/>
-          </a:fontRef>
-        </p:style>
-      </p:cxnSp>
-      <p:cxnSp>
-        <p:nvCxnSpPr>
-          <p:cNvPr id="46" name="Straight Connector 45">
-            <a:extLst>
-              <a:ext uri="{FF2B5EF4-FFF2-40B4-BE49-F238E27FC236}">
-                <a16:creationId xmlns:a16="http://schemas.microsoft.com/office/drawing/2014/main" id="{225A76A6-AF9A-407A-AE7C-46EB14129710}"/>
-              </a:ext>
-            </a:extLst>
-          </p:cNvPr>
-          <p:cNvCxnSpPr>
-            <a:cxnSpLocks/>
-            <a:stCxn id="40" idx="0"/>
-            <a:endCxn id="41" idx="2"/>
-          </p:cNvCxnSpPr>
-          <p:nvPr/>
-        </p:nvCxnSpPr>
-        <p:spPr>
-          <a:xfrm flipH="1" flipV="1">
-            <a:off x="8814731" y="3045990"/>
-            <a:ext cx="208331" cy="450011"/>
-          </a:xfrm>
-          <a:prstGeom prst="line">
-            <a:avLst/>
-          </a:prstGeom>
-        </p:spPr>
-        <p:style>
-          <a:lnRef idx="1">
-            <a:schemeClr val="accent1"/>
-          </a:lnRef>
-          <a:fillRef idx="0">
-            <a:schemeClr val="accent1"/>
-          </a:fillRef>
-          <a:effectRef idx="0">
-            <a:schemeClr val="accent1"/>
-          </a:effectRef>
-          <a:fontRef idx="minor">
-            <a:schemeClr val="tx1"/>
-          </a:fontRef>
-        </p:style>
-      </p:cxnSp>
-      <p:cxnSp>
-        <p:nvCxnSpPr>
-          <p:cNvPr id="49" name="Straight Connector 48">
-            <a:extLst>
-              <a:ext uri="{FF2B5EF4-FFF2-40B4-BE49-F238E27FC236}">
-                <a16:creationId xmlns:a16="http://schemas.microsoft.com/office/drawing/2014/main" id="{6194BE01-A3B4-4379-BEAC-E5FBCEA7799F}"/>
-              </a:ext>
-            </a:extLst>
-          </p:cNvPr>
-          <p:cNvCxnSpPr>
-            <a:cxnSpLocks/>
-            <a:stCxn id="39" idx="0"/>
-            <a:endCxn id="41" idx="2"/>
-          </p:cNvCxnSpPr>
-          <p:nvPr/>
-        </p:nvCxnSpPr>
-        <p:spPr>
-          <a:xfrm flipH="1" flipV="1">
-            <a:off x="8814731" y="3045990"/>
-            <a:ext cx="1977182" cy="430809"/>
-          </a:xfrm>
-          <a:prstGeom prst="line">
-            <a:avLst/>
-          </a:prstGeom>
-        </p:spPr>
-        <p:style>
-          <a:lnRef idx="1">
-            <a:schemeClr val="accent1"/>
-          </a:lnRef>
-          <a:fillRef idx="0">
-            <a:schemeClr val="accent1"/>
-          </a:fillRef>
-          <a:effectRef idx="0">
-            <a:schemeClr val="accent1"/>
-          </a:effectRef>
-          <a:fontRef idx="minor">
-            <a:schemeClr val="tx1"/>
-          </a:fontRef>
-        </p:style>
-      </p:cxnSp>
+          <a:lstStyle>
+            <a:lvl1pPr marL="228600" indent="-228600" algn="l" defTabSz="914400" rtl="0" eaLnBrk="1" latinLnBrk="0" hangingPunct="1">
+              <a:lnSpc>
+                <a:spcPct val="90000"/>
+              </a:lnSpc>
+              <a:spcBef>
+                <a:spcPts val="1000"/>
+              </a:spcBef>
+              <a:buFont typeface="Arial" panose="020B0604020202020204" pitchFamily="34" charset="0"/>
+              <a:buChar char="•"/>
+              <a:defRPr sz="2800" kern="1200">
+                <a:solidFill>
+                  <a:schemeClr val="tx1"/>
+                </a:solidFill>
+                <a:latin typeface="+mn-lt"/>
+                <a:ea typeface="+mn-ea"/>
+                <a:cs typeface="+mn-cs"/>
+              </a:defRPr>
+            </a:lvl1pPr>
+            <a:lvl2pPr marL="685800" indent="-228600" algn="l" defTabSz="914400" rtl="0" eaLnBrk="1" latinLnBrk="0" hangingPunct="1">
+              <a:lnSpc>
+                <a:spcPct val="90000"/>
+              </a:lnSpc>
+              <a:spcBef>
+                <a:spcPts val="500"/>
+              </a:spcBef>
+              <a:buFont typeface="Arial" panose="020B0604020202020204" pitchFamily="34" charset="0"/>
+              <a:buChar char="•"/>
+              <a:defRPr sz="2400" kern="1200">
+                <a:solidFill>
+                  <a:schemeClr val="tx1"/>
+                </a:solidFill>
+                <a:latin typeface="+mn-lt"/>
+                <a:ea typeface="+mn-ea"/>
+                <a:cs typeface="+mn-cs"/>
+              </a:defRPr>
+            </a:lvl2pPr>
+            <a:lvl3pPr marL="1143000" indent="-228600" algn="l" defTabSz="914400" rtl="0" eaLnBrk="1" latinLnBrk="0" hangingPunct="1">
+              <a:lnSpc>
+                <a:spcPct val="90000"/>
+              </a:lnSpc>
+              <a:spcBef>
+                <a:spcPts val="500"/>
+              </a:spcBef>
+              <a:buFont typeface="Arial" panose="020B0604020202020204" pitchFamily="34" charset="0"/>
+              <a:buChar char="•"/>
+              <a:defRPr sz="2000" kern="1200">
+                <a:solidFill>
+                  <a:schemeClr val="tx1"/>
+                </a:solidFill>
+                <a:latin typeface="+mn-lt"/>
+                <a:ea typeface="+mn-ea"/>
+                <a:cs typeface="+mn-cs"/>
+              </a:defRPr>
+            </a:lvl3pPr>
+            <a:lvl4pPr marL="1600200" indent="-228600" algn="l" defTabSz="914400" rtl="0" eaLnBrk="1" latinLnBrk="0" hangingPunct="1">
+              <a:lnSpc>
+                <a:spcPct val="90000"/>
+              </a:lnSpc>
+              <a:spcBef>
+                <a:spcPts val="500"/>
+              </a:spcBef>
+              <a:buFont typeface="Arial" panose="020B0604020202020204" pitchFamily="34" charset="0"/>
+              <a:buChar char="•"/>
+              <a:defRPr sz="1800" kern="1200">
+                <a:solidFill>
+                  <a:schemeClr val="tx1"/>
+                </a:solidFill>
+                <a:latin typeface="+mn-lt"/>
+                <a:ea typeface="+mn-ea"/>
+                <a:cs typeface="+mn-cs"/>
+              </a:defRPr>
+            </a:lvl4pPr>
+            <a:lvl5pPr marL="2057400" indent="-228600" algn="l" defTabSz="914400" rtl="0" eaLnBrk="1" latinLnBrk="0" hangingPunct="1">
+              <a:lnSpc>
+                <a:spcPct val="90000"/>
+              </a:lnSpc>
+              <a:spcBef>
+                <a:spcPts val="500"/>
+              </a:spcBef>
+              <a:buFont typeface="Arial" panose="020B0604020202020204" pitchFamily="34" charset="0"/>
+              <a:buChar char="•"/>
+              <a:defRPr sz="1800" kern="1200">
+                <a:solidFill>
+                  <a:schemeClr val="tx1"/>
+                </a:solidFill>
+                <a:latin typeface="+mn-lt"/>
+                <a:ea typeface="+mn-ea"/>
+                <a:cs typeface="+mn-cs"/>
+              </a:defRPr>
+            </a:lvl5pPr>
+            <a:lvl6pPr marL="2514600" indent="-228600" algn="l" defTabSz="914400" rtl="0" eaLnBrk="1" latinLnBrk="0" hangingPunct="1">
+              <a:lnSpc>
+                <a:spcPct val="90000"/>
+              </a:lnSpc>
+              <a:spcBef>
+                <a:spcPts val="500"/>
+              </a:spcBef>
+              <a:buFont typeface="Arial" panose="020B0604020202020204" pitchFamily="34" charset="0"/>
+              <a:buChar char="•"/>
+              <a:defRPr sz="1800" kern="1200">
+                <a:solidFill>
+                  <a:schemeClr val="tx1"/>
+                </a:solidFill>
+                <a:latin typeface="+mn-lt"/>
+                <a:ea typeface="+mn-ea"/>
+                <a:cs typeface="+mn-cs"/>
+              </a:defRPr>
+            </a:lvl6pPr>
+            <a:lvl7pPr marL="2971800" indent="-228600" algn="l" defTabSz="914400" rtl="0" eaLnBrk="1" latinLnBrk="0" hangingPunct="1">
+              <a:lnSpc>
+                <a:spcPct val="90000"/>
+              </a:lnSpc>
+              <a:spcBef>
+                <a:spcPts val="500"/>
+              </a:spcBef>
+              <a:buFont typeface="Arial" panose="020B0604020202020204" pitchFamily="34" charset="0"/>
+              <a:buChar char="•"/>
+              <a:defRPr sz="1800" kern="1200">
+                <a:solidFill>
+                  <a:schemeClr val="tx1"/>
+                </a:solidFill>
+                <a:latin typeface="+mn-lt"/>
+                <a:ea typeface="+mn-ea"/>
+                <a:cs typeface="+mn-cs"/>
+              </a:defRPr>
+            </a:lvl7pPr>
+            <a:lvl8pPr marL="3429000" indent="-228600" algn="l" defTabSz="914400" rtl="0" eaLnBrk="1" latinLnBrk="0" hangingPunct="1">
+              <a:lnSpc>
+                <a:spcPct val="90000"/>
+              </a:lnSpc>
+              <a:spcBef>
+                <a:spcPts val="500"/>
+              </a:spcBef>
+              <a:buFont typeface="Arial" panose="020B0604020202020204" pitchFamily="34" charset="0"/>
+              <a:buChar char="•"/>
+              <a:defRPr sz="1800" kern="1200">
+                <a:solidFill>
+                  <a:schemeClr val="tx1"/>
+                </a:solidFill>
+                <a:latin typeface="+mn-lt"/>
+                <a:ea typeface="+mn-ea"/>
+                <a:cs typeface="+mn-cs"/>
+              </a:defRPr>
+            </a:lvl8pPr>
+            <a:lvl9pPr marL="3886200" indent="-228600" algn="l" defTabSz="914400" rtl="0" eaLnBrk="1" latinLnBrk="0" hangingPunct="1">
+              <a:lnSpc>
+                <a:spcPct val="90000"/>
+              </a:lnSpc>
+              <a:spcBef>
+                <a:spcPts val="500"/>
+              </a:spcBef>
+              <a:buFont typeface="Arial" panose="020B0604020202020204" pitchFamily="34" charset="0"/>
+              <a:buChar char="•"/>
+              <a:defRPr sz="1800" kern="1200">
+                <a:solidFill>
+                  <a:schemeClr val="tx1"/>
+                </a:solidFill>
+                <a:latin typeface="+mn-lt"/>
+                <a:ea typeface="+mn-ea"/>
+                <a:cs typeface="+mn-cs"/>
+              </a:defRPr>
+            </a:lvl9pPr>
+          </a:lstStyle>
+          <a:p>
+            <a:pPr marL="0" indent="0">
+              <a:buNone/>
+            </a:pPr>
+            <a:r>
+              <a:rPr lang="en-US" sz="1600" b="1" dirty="0"/>
+              <a:t>Passers-by</a:t>
+            </a:r>
+            <a:endParaRPr lang="en-US" sz="1600" dirty="0"/>
+          </a:p>
+          <a:p>
+            <a:pPr marL="0" indent="0">
+              <a:buNone/>
+            </a:pPr>
+            <a:r>
+              <a:rPr lang="en-US" sz="1600" dirty="0"/>
+              <a:t>Professional Contacts / Network</a:t>
+            </a:r>
+          </a:p>
+          <a:p>
+            <a:r>
+              <a:rPr lang="en-US" sz="1600" dirty="0"/>
+              <a:t>Elevator pitch</a:t>
+            </a:r>
+          </a:p>
+          <a:p>
+            <a:pPr marL="0" indent="0">
+              <a:buNone/>
+            </a:pPr>
+            <a:r>
+              <a:rPr lang="en-US" sz="1600" dirty="0"/>
+              <a:t>Recruiters:</a:t>
+            </a:r>
+          </a:p>
+          <a:p>
+            <a:r>
+              <a:rPr lang="en-US" sz="1600" dirty="0"/>
+              <a:t>“Can I place him?”</a:t>
+            </a:r>
+          </a:p>
+          <a:p>
+            <a:r>
+              <a:rPr lang="en-US" sz="1600" dirty="0"/>
+              <a:t>“What does he do?”</a:t>
+            </a:r>
+          </a:p>
+          <a:p>
+            <a:pPr marL="0" indent="0">
+              <a:buNone/>
+            </a:pPr>
+            <a:endParaRPr lang="en-US" sz="1600" dirty="0"/>
+          </a:p>
+          <a:p>
+            <a:pPr marL="0" indent="0">
+              <a:buNone/>
+            </a:pPr>
+            <a:endParaRPr lang="en-US" sz="1600" dirty="0"/>
+          </a:p>
+        </p:txBody>
+      </p:sp>
     </p:spTree>
     <p:extLst>
       <p:ext uri="{BB962C8B-B14F-4D97-AF65-F5344CB8AC3E}">
-        <p14:creationId xmlns:p14="http://schemas.microsoft.com/office/powerpoint/2010/main" val="2402506783"/>
+        <p14:creationId xmlns:p14="http://schemas.microsoft.com/office/powerpoint/2010/main" val="3604027358"/>
       </p:ext>
     </p:extLst>
   </p:cSld>
@@ -5459,6 +4735,834 @@
           <p:cNvPr id="2" name="Title 1">
             <a:extLst>
               <a:ext uri="{FF2B5EF4-FFF2-40B4-BE49-F238E27FC236}">
+                <a16:creationId xmlns:a16="http://schemas.microsoft.com/office/drawing/2014/main" id="{6DE6F54D-E928-44DE-963C-D655747854A9}"/>
+              </a:ext>
+            </a:extLst>
+          </p:cNvPr>
+          <p:cNvSpPr>
+            <a:spLocks noGrp="1"/>
+          </p:cNvSpPr>
+          <p:nvPr>
+            <p:ph type="title"/>
+          </p:nvPr>
+        </p:nvSpPr>
+        <p:spPr/>
+        <p:txBody>
+          <a:bodyPr/>
+          <a:lstStyle/>
+          <a:p>
+            <a:r>
+              <a:rPr lang="en-US" dirty="0"/>
+              <a:t>Proposed Site Map</a:t>
+            </a:r>
+          </a:p>
+        </p:txBody>
+      </p:sp>
+      <p:sp>
+        <p:nvSpPr>
+          <p:cNvPr id="4" name="TextBox 3">
+            <a:extLst>
+              <a:ext uri="{FF2B5EF4-FFF2-40B4-BE49-F238E27FC236}">
+                <a16:creationId xmlns:a16="http://schemas.microsoft.com/office/drawing/2014/main" id="{B40D84BE-C8F7-4B2B-881E-88214C9646CD}"/>
+              </a:ext>
+            </a:extLst>
+          </p:cNvPr>
+          <p:cNvSpPr txBox="1"/>
+          <p:nvPr/>
+        </p:nvSpPr>
+        <p:spPr>
+          <a:xfrm>
+            <a:off x="5949893" y="3476799"/>
+            <a:ext cx="1911291" cy="369332"/>
+          </a:xfrm>
+          <a:prstGeom prst="rect">
+            <a:avLst/>
+          </a:prstGeom>
+          <a:noFill/>
+          <a:ln>
+            <a:solidFill>
+              <a:schemeClr val="tx1"/>
+            </a:solidFill>
+          </a:ln>
+        </p:spPr>
+        <p:txBody>
+          <a:bodyPr wrap="square" rtlCol="0">
+            <a:spAutoFit/>
+          </a:bodyPr>
+          <a:lstStyle/>
+          <a:p>
+            <a:pPr algn="ctr"/>
+            <a:r>
+              <a:rPr lang="en-US" dirty="0"/>
+              <a:t>Leaderboard</a:t>
+            </a:r>
+          </a:p>
+        </p:txBody>
+      </p:sp>
+      <p:sp>
+        <p:nvSpPr>
+          <p:cNvPr id="5" name="TextBox 4">
+            <a:extLst>
+              <a:ext uri="{FF2B5EF4-FFF2-40B4-BE49-F238E27FC236}">
+                <a16:creationId xmlns:a16="http://schemas.microsoft.com/office/drawing/2014/main" id="{43881D1D-F294-4E47-8457-E91C07EB98A8}"/>
+              </a:ext>
+            </a:extLst>
+          </p:cNvPr>
+          <p:cNvSpPr txBox="1"/>
+          <p:nvPr/>
+        </p:nvSpPr>
+        <p:spPr>
+          <a:xfrm>
+            <a:off x="5217952" y="1690688"/>
+            <a:ext cx="1459684" cy="369332"/>
+          </a:xfrm>
+          <a:prstGeom prst="rect">
+            <a:avLst/>
+          </a:prstGeom>
+          <a:noFill/>
+          <a:ln>
+            <a:solidFill>
+              <a:schemeClr val="tx1"/>
+            </a:solidFill>
+          </a:ln>
+        </p:spPr>
+        <p:txBody>
+          <a:bodyPr wrap="square" rtlCol="0">
+            <a:spAutoFit/>
+          </a:bodyPr>
+          <a:lstStyle/>
+          <a:p>
+            <a:pPr algn="ctr"/>
+            <a:r>
+              <a:rPr lang="en-US" dirty="0"/>
+              <a:t>Login</a:t>
+            </a:r>
+          </a:p>
+        </p:txBody>
+      </p:sp>
+      <p:sp>
+        <p:nvSpPr>
+          <p:cNvPr id="7" name="TextBox 6">
+            <a:extLst>
+              <a:ext uri="{FF2B5EF4-FFF2-40B4-BE49-F238E27FC236}">
+                <a16:creationId xmlns:a16="http://schemas.microsoft.com/office/drawing/2014/main" id="{E2C353D0-78CA-42F0-98BB-384525491763}"/>
+              </a:ext>
+            </a:extLst>
+          </p:cNvPr>
+          <p:cNvSpPr txBox="1"/>
+          <p:nvPr/>
+        </p:nvSpPr>
+        <p:spPr>
+          <a:xfrm>
+            <a:off x="6175697" y="4379455"/>
+            <a:ext cx="1459684" cy="369332"/>
+          </a:xfrm>
+          <a:prstGeom prst="rect">
+            <a:avLst/>
+          </a:prstGeom>
+          <a:noFill/>
+          <a:ln>
+            <a:solidFill>
+              <a:schemeClr val="tx1"/>
+            </a:solidFill>
+          </a:ln>
+        </p:spPr>
+        <p:txBody>
+          <a:bodyPr wrap="square" rtlCol="0">
+            <a:spAutoFit/>
+          </a:bodyPr>
+          <a:lstStyle/>
+          <a:p>
+            <a:pPr algn="ctr"/>
+            <a:r>
+              <a:rPr lang="en-US" dirty="0"/>
+              <a:t>Choose a Star</a:t>
+            </a:r>
+          </a:p>
+        </p:txBody>
+      </p:sp>
+      <p:sp>
+        <p:nvSpPr>
+          <p:cNvPr id="8" name="TextBox 7">
+            <a:extLst>
+              <a:ext uri="{FF2B5EF4-FFF2-40B4-BE49-F238E27FC236}">
+                <a16:creationId xmlns:a16="http://schemas.microsoft.com/office/drawing/2014/main" id="{4E26735B-D9F6-4DD4-B3BF-A0A56E156A22}"/>
+              </a:ext>
+            </a:extLst>
+          </p:cNvPr>
+          <p:cNvSpPr txBox="1"/>
+          <p:nvPr/>
+        </p:nvSpPr>
+        <p:spPr>
+          <a:xfrm>
+            <a:off x="5947794" y="5097445"/>
+            <a:ext cx="1911291" cy="369332"/>
+          </a:xfrm>
+          <a:prstGeom prst="rect">
+            <a:avLst/>
+          </a:prstGeom>
+          <a:noFill/>
+          <a:ln>
+            <a:solidFill>
+              <a:schemeClr val="tx1"/>
+            </a:solidFill>
+          </a:ln>
+        </p:spPr>
+        <p:txBody>
+          <a:bodyPr wrap="square" rtlCol="0">
+            <a:spAutoFit/>
+          </a:bodyPr>
+          <a:lstStyle/>
+          <a:p>
+            <a:pPr algn="ctr"/>
+            <a:r>
+              <a:rPr lang="en-US" dirty="0"/>
+              <a:t>Analyze / Classify</a:t>
+            </a:r>
+          </a:p>
+        </p:txBody>
+      </p:sp>
+      <p:sp>
+        <p:nvSpPr>
+          <p:cNvPr id="9" name="TextBox 8">
+            <a:extLst>
+              <a:ext uri="{FF2B5EF4-FFF2-40B4-BE49-F238E27FC236}">
+                <a16:creationId xmlns:a16="http://schemas.microsoft.com/office/drawing/2014/main" id="{2A83839C-3730-4E9F-AF9C-E5D31978CD8A}"/>
+              </a:ext>
+            </a:extLst>
+          </p:cNvPr>
+          <p:cNvSpPr txBox="1"/>
+          <p:nvPr/>
+        </p:nvSpPr>
+        <p:spPr>
+          <a:xfrm>
+            <a:off x="2467240" y="2733883"/>
+            <a:ext cx="1459684" cy="369332"/>
+          </a:xfrm>
+          <a:prstGeom prst="rect">
+            <a:avLst/>
+          </a:prstGeom>
+          <a:noFill/>
+          <a:ln>
+            <a:solidFill>
+              <a:schemeClr val="tx1"/>
+            </a:solidFill>
+          </a:ln>
+        </p:spPr>
+        <p:txBody>
+          <a:bodyPr wrap="square" rtlCol="0">
+            <a:spAutoFit/>
+          </a:bodyPr>
+          <a:lstStyle/>
+          <a:p>
+            <a:pPr algn="ctr"/>
+            <a:r>
+              <a:rPr lang="en-US" dirty="0"/>
+              <a:t>Admin</a:t>
+            </a:r>
+          </a:p>
+        </p:txBody>
+      </p:sp>
+      <p:sp>
+        <p:nvSpPr>
+          <p:cNvPr id="10" name="TextBox 9">
+            <a:extLst>
+              <a:ext uri="{FF2B5EF4-FFF2-40B4-BE49-F238E27FC236}">
+                <a16:creationId xmlns:a16="http://schemas.microsoft.com/office/drawing/2014/main" id="{BFA04579-982B-4096-90E8-F8D4106059AF}"/>
+              </a:ext>
+            </a:extLst>
+          </p:cNvPr>
+          <p:cNvSpPr txBox="1"/>
+          <p:nvPr/>
+        </p:nvSpPr>
+        <p:spPr>
+          <a:xfrm>
+            <a:off x="957222" y="3684918"/>
+            <a:ext cx="1979802" cy="369332"/>
+          </a:xfrm>
+          <a:prstGeom prst="rect">
+            <a:avLst/>
+          </a:prstGeom>
+          <a:noFill/>
+          <a:ln>
+            <a:solidFill>
+              <a:schemeClr val="tx1"/>
+            </a:solidFill>
+          </a:ln>
+        </p:spPr>
+        <p:txBody>
+          <a:bodyPr wrap="square" rtlCol="0">
+            <a:spAutoFit/>
+          </a:bodyPr>
+          <a:lstStyle/>
+          <a:p>
+            <a:pPr algn="ctr"/>
+            <a:r>
+              <a:rPr lang="en-US" dirty="0"/>
+              <a:t>Users/Groups</a:t>
+            </a:r>
+          </a:p>
+        </p:txBody>
+      </p:sp>
+      <p:sp>
+        <p:nvSpPr>
+          <p:cNvPr id="11" name="TextBox 10">
+            <a:extLst>
+              <a:ext uri="{FF2B5EF4-FFF2-40B4-BE49-F238E27FC236}">
+                <a16:creationId xmlns:a16="http://schemas.microsoft.com/office/drawing/2014/main" id="{53644665-8842-40DA-B829-57D70D02E186}"/>
+              </a:ext>
+            </a:extLst>
+          </p:cNvPr>
+          <p:cNvSpPr txBox="1"/>
+          <p:nvPr/>
+        </p:nvSpPr>
+        <p:spPr>
+          <a:xfrm>
+            <a:off x="3287962" y="3684918"/>
+            <a:ext cx="1979802" cy="369332"/>
+          </a:xfrm>
+          <a:prstGeom prst="rect">
+            <a:avLst/>
+          </a:prstGeom>
+          <a:noFill/>
+          <a:ln>
+            <a:solidFill>
+              <a:schemeClr val="tx1"/>
+            </a:solidFill>
+          </a:ln>
+        </p:spPr>
+        <p:txBody>
+          <a:bodyPr wrap="square" rtlCol="0">
+            <a:spAutoFit/>
+          </a:bodyPr>
+          <a:lstStyle/>
+          <a:p>
+            <a:pPr algn="ctr"/>
+            <a:r>
+              <a:rPr lang="en-US" dirty="0"/>
+              <a:t>Database</a:t>
+            </a:r>
+          </a:p>
+        </p:txBody>
+      </p:sp>
+      <p:cxnSp>
+        <p:nvCxnSpPr>
+          <p:cNvPr id="13" name="Straight Connector 12">
+            <a:extLst>
+              <a:ext uri="{FF2B5EF4-FFF2-40B4-BE49-F238E27FC236}">
+                <a16:creationId xmlns:a16="http://schemas.microsoft.com/office/drawing/2014/main" id="{2049117A-3189-4D6C-B59E-EFF184DED37B}"/>
+              </a:ext>
+            </a:extLst>
+          </p:cNvPr>
+          <p:cNvCxnSpPr>
+            <a:cxnSpLocks/>
+            <a:stCxn id="5" idx="2"/>
+            <a:endCxn id="41" idx="0"/>
+          </p:cNvCxnSpPr>
+          <p:nvPr/>
+        </p:nvCxnSpPr>
+        <p:spPr>
+          <a:xfrm>
+            <a:off x="5947794" y="2060020"/>
+            <a:ext cx="2866937" cy="616638"/>
+          </a:xfrm>
+          <a:prstGeom prst="line">
+            <a:avLst/>
+          </a:prstGeom>
+        </p:spPr>
+        <p:style>
+          <a:lnRef idx="1">
+            <a:schemeClr val="accent1"/>
+          </a:lnRef>
+          <a:fillRef idx="0">
+            <a:schemeClr val="accent1"/>
+          </a:fillRef>
+          <a:effectRef idx="0">
+            <a:schemeClr val="accent1"/>
+          </a:effectRef>
+          <a:fontRef idx="minor">
+            <a:schemeClr val="tx1"/>
+          </a:fontRef>
+        </p:style>
+      </p:cxnSp>
+      <p:cxnSp>
+        <p:nvCxnSpPr>
+          <p:cNvPr id="15" name="Straight Connector 14">
+            <a:extLst>
+              <a:ext uri="{FF2B5EF4-FFF2-40B4-BE49-F238E27FC236}">
+                <a16:creationId xmlns:a16="http://schemas.microsoft.com/office/drawing/2014/main" id="{0F9A1D4A-7D89-41AD-B5E0-4F8E91EE2AC4}"/>
+              </a:ext>
+            </a:extLst>
+          </p:cNvPr>
+          <p:cNvCxnSpPr>
+            <a:cxnSpLocks/>
+            <a:stCxn id="7" idx="0"/>
+            <a:endCxn id="4" idx="2"/>
+          </p:cNvCxnSpPr>
+          <p:nvPr/>
+        </p:nvCxnSpPr>
+        <p:spPr>
+          <a:xfrm flipV="1">
+            <a:off x="6905539" y="3846131"/>
+            <a:ext cx="0" cy="533324"/>
+          </a:xfrm>
+          <a:prstGeom prst="line">
+            <a:avLst/>
+          </a:prstGeom>
+        </p:spPr>
+        <p:style>
+          <a:lnRef idx="1">
+            <a:schemeClr val="accent1"/>
+          </a:lnRef>
+          <a:fillRef idx="0">
+            <a:schemeClr val="accent1"/>
+          </a:fillRef>
+          <a:effectRef idx="0">
+            <a:schemeClr val="accent1"/>
+          </a:effectRef>
+          <a:fontRef idx="minor">
+            <a:schemeClr val="tx1"/>
+          </a:fontRef>
+        </p:style>
+      </p:cxnSp>
+      <p:cxnSp>
+        <p:nvCxnSpPr>
+          <p:cNvPr id="18" name="Straight Connector 17">
+            <a:extLst>
+              <a:ext uri="{FF2B5EF4-FFF2-40B4-BE49-F238E27FC236}">
+                <a16:creationId xmlns:a16="http://schemas.microsoft.com/office/drawing/2014/main" id="{431CE483-D9FB-47EE-8916-2D56E6117021}"/>
+              </a:ext>
+            </a:extLst>
+          </p:cNvPr>
+          <p:cNvCxnSpPr>
+            <a:cxnSpLocks/>
+            <a:stCxn id="8" idx="0"/>
+            <a:endCxn id="7" idx="2"/>
+          </p:cNvCxnSpPr>
+          <p:nvPr/>
+        </p:nvCxnSpPr>
+        <p:spPr>
+          <a:xfrm flipV="1">
+            <a:off x="6903440" y="4748787"/>
+            <a:ext cx="2099" cy="348658"/>
+          </a:xfrm>
+          <a:prstGeom prst="line">
+            <a:avLst/>
+          </a:prstGeom>
+        </p:spPr>
+        <p:style>
+          <a:lnRef idx="1">
+            <a:schemeClr val="accent1"/>
+          </a:lnRef>
+          <a:fillRef idx="0">
+            <a:schemeClr val="accent1"/>
+          </a:fillRef>
+          <a:effectRef idx="0">
+            <a:schemeClr val="accent1"/>
+          </a:effectRef>
+          <a:fontRef idx="minor">
+            <a:schemeClr val="tx1"/>
+          </a:fontRef>
+        </p:style>
+      </p:cxnSp>
+      <p:cxnSp>
+        <p:nvCxnSpPr>
+          <p:cNvPr id="21" name="Straight Connector 20">
+            <a:extLst>
+              <a:ext uri="{FF2B5EF4-FFF2-40B4-BE49-F238E27FC236}">
+                <a16:creationId xmlns:a16="http://schemas.microsoft.com/office/drawing/2014/main" id="{10B4C6B9-8144-4788-B7CE-0AB403499508}"/>
+              </a:ext>
+            </a:extLst>
+          </p:cNvPr>
+          <p:cNvCxnSpPr>
+            <a:cxnSpLocks/>
+            <a:stCxn id="9" idx="0"/>
+            <a:endCxn id="5" idx="2"/>
+          </p:cNvCxnSpPr>
+          <p:nvPr/>
+        </p:nvCxnSpPr>
+        <p:spPr>
+          <a:xfrm flipV="1">
+            <a:off x="3197082" y="2060020"/>
+            <a:ext cx="2750712" cy="673863"/>
+          </a:xfrm>
+          <a:prstGeom prst="line">
+            <a:avLst/>
+          </a:prstGeom>
+        </p:spPr>
+        <p:style>
+          <a:lnRef idx="1">
+            <a:schemeClr val="accent1"/>
+          </a:lnRef>
+          <a:fillRef idx="0">
+            <a:schemeClr val="accent1"/>
+          </a:fillRef>
+          <a:effectRef idx="0">
+            <a:schemeClr val="accent1"/>
+          </a:effectRef>
+          <a:fontRef idx="minor">
+            <a:schemeClr val="tx1"/>
+          </a:fontRef>
+        </p:style>
+      </p:cxnSp>
+      <p:cxnSp>
+        <p:nvCxnSpPr>
+          <p:cNvPr id="24" name="Straight Connector 23">
+            <a:extLst>
+              <a:ext uri="{FF2B5EF4-FFF2-40B4-BE49-F238E27FC236}">
+                <a16:creationId xmlns:a16="http://schemas.microsoft.com/office/drawing/2014/main" id="{C064B7BD-9E88-47C3-B054-895D5D289738}"/>
+              </a:ext>
+            </a:extLst>
+          </p:cNvPr>
+          <p:cNvCxnSpPr>
+            <a:cxnSpLocks/>
+            <a:stCxn id="11" idx="0"/>
+            <a:endCxn id="9" idx="2"/>
+          </p:cNvCxnSpPr>
+          <p:nvPr/>
+        </p:nvCxnSpPr>
+        <p:spPr>
+          <a:xfrm flipH="1" flipV="1">
+            <a:off x="3197082" y="3103215"/>
+            <a:ext cx="1080781" cy="581703"/>
+          </a:xfrm>
+          <a:prstGeom prst="line">
+            <a:avLst/>
+          </a:prstGeom>
+        </p:spPr>
+        <p:style>
+          <a:lnRef idx="1">
+            <a:schemeClr val="accent1"/>
+          </a:lnRef>
+          <a:fillRef idx="0">
+            <a:schemeClr val="accent1"/>
+          </a:fillRef>
+          <a:effectRef idx="0">
+            <a:schemeClr val="accent1"/>
+          </a:effectRef>
+          <a:fontRef idx="minor">
+            <a:schemeClr val="tx1"/>
+          </a:fontRef>
+        </p:style>
+      </p:cxnSp>
+      <p:cxnSp>
+        <p:nvCxnSpPr>
+          <p:cNvPr id="27" name="Straight Connector 26">
+            <a:extLst>
+              <a:ext uri="{FF2B5EF4-FFF2-40B4-BE49-F238E27FC236}">
+                <a16:creationId xmlns:a16="http://schemas.microsoft.com/office/drawing/2014/main" id="{28D6298D-BF4E-4AB1-A666-335A8DC783F0}"/>
+              </a:ext>
+            </a:extLst>
+          </p:cNvPr>
+          <p:cNvCxnSpPr>
+            <a:cxnSpLocks/>
+            <a:stCxn id="10" idx="0"/>
+            <a:endCxn id="9" idx="2"/>
+          </p:cNvCxnSpPr>
+          <p:nvPr/>
+        </p:nvCxnSpPr>
+        <p:spPr>
+          <a:xfrm flipV="1">
+            <a:off x="1947123" y="3103215"/>
+            <a:ext cx="1249959" cy="581703"/>
+          </a:xfrm>
+          <a:prstGeom prst="line">
+            <a:avLst/>
+          </a:prstGeom>
+        </p:spPr>
+        <p:style>
+          <a:lnRef idx="1">
+            <a:schemeClr val="accent1"/>
+          </a:lnRef>
+          <a:fillRef idx="0">
+            <a:schemeClr val="accent1"/>
+          </a:fillRef>
+          <a:effectRef idx="0">
+            <a:schemeClr val="accent1"/>
+          </a:effectRef>
+          <a:fontRef idx="minor">
+            <a:schemeClr val="tx1"/>
+          </a:fontRef>
+        </p:style>
+      </p:cxnSp>
+      <p:sp>
+        <p:nvSpPr>
+          <p:cNvPr id="39" name="TextBox 38">
+            <a:extLst>
+              <a:ext uri="{FF2B5EF4-FFF2-40B4-BE49-F238E27FC236}">
+                <a16:creationId xmlns:a16="http://schemas.microsoft.com/office/drawing/2014/main" id="{7A0397B8-ED92-4841-B203-66F2C2FEE6C5}"/>
+              </a:ext>
+            </a:extLst>
+          </p:cNvPr>
+          <p:cNvSpPr txBox="1"/>
+          <p:nvPr/>
+        </p:nvSpPr>
+        <p:spPr>
+          <a:xfrm>
+            <a:off x="10109784" y="3476799"/>
+            <a:ext cx="1364258" cy="369332"/>
+          </a:xfrm>
+          <a:prstGeom prst="rect">
+            <a:avLst/>
+          </a:prstGeom>
+          <a:noFill/>
+          <a:ln>
+            <a:solidFill>
+              <a:schemeClr val="tx1"/>
+            </a:solidFill>
+          </a:ln>
+        </p:spPr>
+        <p:txBody>
+          <a:bodyPr wrap="square" rtlCol="0">
+            <a:spAutoFit/>
+          </a:bodyPr>
+          <a:lstStyle/>
+          <a:p>
+            <a:pPr algn="ctr"/>
+            <a:r>
+              <a:rPr lang="en-US" dirty="0"/>
+              <a:t>About</a:t>
+            </a:r>
+          </a:p>
+        </p:txBody>
+      </p:sp>
+      <p:sp>
+        <p:nvSpPr>
+          <p:cNvPr id="40" name="TextBox 39">
+            <a:extLst>
+              <a:ext uri="{FF2B5EF4-FFF2-40B4-BE49-F238E27FC236}">
+                <a16:creationId xmlns:a16="http://schemas.microsoft.com/office/drawing/2014/main" id="{7CD6919F-CC9E-4F8C-ABD0-1976C657D1EB}"/>
+              </a:ext>
+            </a:extLst>
+          </p:cNvPr>
+          <p:cNvSpPr txBox="1"/>
+          <p:nvPr/>
+        </p:nvSpPr>
+        <p:spPr>
+          <a:xfrm>
+            <a:off x="8245684" y="3496001"/>
+            <a:ext cx="1554756" cy="369332"/>
+          </a:xfrm>
+          <a:prstGeom prst="rect">
+            <a:avLst/>
+          </a:prstGeom>
+          <a:noFill/>
+          <a:ln>
+            <a:solidFill>
+              <a:schemeClr val="tx1"/>
+            </a:solidFill>
+          </a:ln>
+        </p:spPr>
+        <p:txBody>
+          <a:bodyPr wrap="square" rtlCol="0">
+            <a:spAutoFit/>
+          </a:bodyPr>
+          <a:lstStyle/>
+          <a:p>
+            <a:pPr algn="ctr"/>
+            <a:r>
+              <a:rPr lang="en-US" dirty="0"/>
+              <a:t>References</a:t>
+            </a:r>
+          </a:p>
+        </p:txBody>
+      </p:sp>
+      <p:sp>
+        <p:nvSpPr>
+          <p:cNvPr id="41" name="TextBox 40">
+            <a:extLst>
+              <a:ext uri="{FF2B5EF4-FFF2-40B4-BE49-F238E27FC236}">
+                <a16:creationId xmlns:a16="http://schemas.microsoft.com/office/drawing/2014/main" id="{9498F8C1-9E26-4E74-808C-0DE12D2A9133}"/>
+              </a:ext>
+            </a:extLst>
+          </p:cNvPr>
+          <p:cNvSpPr txBox="1"/>
+          <p:nvPr/>
+        </p:nvSpPr>
+        <p:spPr>
+          <a:xfrm>
+            <a:off x="7859085" y="2676658"/>
+            <a:ext cx="1911291" cy="369332"/>
+          </a:xfrm>
+          <a:prstGeom prst="rect">
+            <a:avLst/>
+          </a:prstGeom>
+          <a:noFill/>
+          <a:ln>
+            <a:solidFill>
+              <a:schemeClr val="tx1"/>
+            </a:solidFill>
+          </a:ln>
+        </p:spPr>
+        <p:txBody>
+          <a:bodyPr wrap="square" rtlCol="0">
+            <a:spAutoFit/>
+          </a:bodyPr>
+          <a:lstStyle/>
+          <a:p>
+            <a:pPr algn="ctr"/>
+            <a:r>
+              <a:rPr lang="en-US" dirty="0"/>
+              <a:t>Home</a:t>
+            </a:r>
+          </a:p>
+        </p:txBody>
+      </p:sp>
+      <p:cxnSp>
+        <p:nvCxnSpPr>
+          <p:cNvPr id="43" name="Straight Connector 42">
+            <a:extLst>
+              <a:ext uri="{FF2B5EF4-FFF2-40B4-BE49-F238E27FC236}">
+                <a16:creationId xmlns:a16="http://schemas.microsoft.com/office/drawing/2014/main" id="{F2F9CABA-7E97-4E2F-A454-C8F31158D1A8}"/>
+              </a:ext>
+            </a:extLst>
+          </p:cNvPr>
+          <p:cNvCxnSpPr>
+            <a:cxnSpLocks/>
+            <a:stCxn id="4" idx="0"/>
+            <a:endCxn id="41" idx="2"/>
+          </p:cNvCxnSpPr>
+          <p:nvPr/>
+        </p:nvCxnSpPr>
+        <p:spPr>
+          <a:xfrm flipV="1">
+            <a:off x="6905539" y="3045990"/>
+            <a:ext cx="1909192" cy="430809"/>
+          </a:xfrm>
+          <a:prstGeom prst="line">
+            <a:avLst/>
+          </a:prstGeom>
+        </p:spPr>
+        <p:style>
+          <a:lnRef idx="1">
+            <a:schemeClr val="accent1"/>
+          </a:lnRef>
+          <a:fillRef idx="0">
+            <a:schemeClr val="accent1"/>
+          </a:fillRef>
+          <a:effectRef idx="0">
+            <a:schemeClr val="accent1"/>
+          </a:effectRef>
+          <a:fontRef idx="minor">
+            <a:schemeClr val="tx1"/>
+          </a:fontRef>
+        </p:style>
+      </p:cxnSp>
+      <p:cxnSp>
+        <p:nvCxnSpPr>
+          <p:cNvPr id="46" name="Straight Connector 45">
+            <a:extLst>
+              <a:ext uri="{FF2B5EF4-FFF2-40B4-BE49-F238E27FC236}">
+                <a16:creationId xmlns:a16="http://schemas.microsoft.com/office/drawing/2014/main" id="{225A76A6-AF9A-407A-AE7C-46EB14129710}"/>
+              </a:ext>
+            </a:extLst>
+          </p:cNvPr>
+          <p:cNvCxnSpPr>
+            <a:cxnSpLocks/>
+            <a:stCxn id="40" idx="0"/>
+            <a:endCxn id="41" idx="2"/>
+          </p:cNvCxnSpPr>
+          <p:nvPr/>
+        </p:nvCxnSpPr>
+        <p:spPr>
+          <a:xfrm flipH="1" flipV="1">
+            <a:off x="8814731" y="3045990"/>
+            <a:ext cx="208331" cy="450011"/>
+          </a:xfrm>
+          <a:prstGeom prst="line">
+            <a:avLst/>
+          </a:prstGeom>
+        </p:spPr>
+        <p:style>
+          <a:lnRef idx="1">
+            <a:schemeClr val="accent1"/>
+          </a:lnRef>
+          <a:fillRef idx="0">
+            <a:schemeClr val="accent1"/>
+          </a:fillRef>
+          <a:effectRef idx="0">
+            <a:schemeClr val="accent1"/>
+          </a:effectRef>
+          <a:fontRef idx="minor">
+            <a:schemeClr val="tx1"/>
+          </a:fontRef>
+        </p:style>
+      </p:cxnSp>
+      <p:cxnSp>
+        <p:nvCxnSpPr>
+          <p:cNvPr id="49" name="Straight Connector 48">
+            <a:extLst>
+              <a:ext uri="{FF2B5EF4-FFF2-40B4-BE49-F238E27FC236}">
+                <a16:creationId xmlns:a16="http://schemas.microsoft.com/office/drawing/2014/main" id="{6194BE01-A3B4-4379-BEAC-E5FBCEA7799F}"/>
+              </a:ext>
+            </a:extLst>
+          </p:cNvPr>
+          <p:cNvCxnSpPr>
+            <a:cxnSpLocks/>
+            <a:stCxn id="39" idx="0"/>
+            <a:endCxn id="41" idx="2"/>
+          </p:cNvCxnSpPr>
+          <p:nvPr/>
+        </p:nvCxnSpPr>
+        <p:spPr>
+          <a:xfrm flipH="1" flipV="1">
+            <a:off x="8814731" y="3045990"/>
+            <a:ext cx="1977182" cy="430809"/>
+          </a:xfrm>
+          <a:prstGeom prst="line">
+            <a:avLst/>
+          </a:prstGeom>
+        </p:spPr>
+        <p:style>
+          <a:lnRef idx="1">
+            <a:schemeClr val="accent1"/>
+          </a:lnRef>
+          <a:fillRef idx="0">
+            <a:schemeClr val="accent1"/>
+          </a:fillRef>
+          <a:effectRef idx="0">
+            <a:schemeClr val="accent1"/>
+          </a:effectRef>
+          <a:fontRef idx="minor">
+            <a:schemeClr val="tx1"/>
+          </a:fontRef>
+        </p:style>
+      </p:cxnSp>
+    </p:spTree>
+    <p:extLst>
+      <p:ext uri="{BB962C8B-B14F-4D97-AF65-F5344CB8AC3E}">
+        <p14:creationId xmlns:p14="http://schemas.microsoft.com/office/powerpoint/2010/main" val="2402506783"/>
+      </p:ext>
+    </p:extLst>
+  </p:cSld>
+  <p:clrMapOvr>
+    <a:masterClrMapping/>
+  </p:clrMapOvr>
+</p:sld>
+</file>
+
+<file path=ppt/slides/slide16.xml><?xml version="1.0" encoding="utf-8"?>
+<p:sld xmlns:a="http://schemas.openxmlformats.org/drawingml/2006/main" xmlns:r="http://schemas.openxmlformats.org/officeDocument/2006/relationships" xmlns:p="http://schemas.openxmlformats.org/presentationml/2006/main">
+  <p:cSld>
+    <p:spTree>
+      <p:nvGrpSpPr>
+        <p:cNvPr id="1" name=""/>
+        <p:cNvGrpSpPr/>
+        <p:nvPr/>
+      </p:nvGrpSpPr>
+      <p:grpSpPr>
+        <a:xfrm>
+          <a:off x="0" y="0"/>
+          <a:ext cx="0" cy="0"/>
+          <a:chOff x="0" y="0"/>
+          <a:chExt cx="0" cy="0"/>
+        </a:xfrm>
+      </p:grpSpPr>
+      <p:sp>
+        <p:nvSpPr>
+          <p:cNvPr id="2" name="Title 1">
+            <a:extLst>
+              <a:ext uri="{FF2B5EF4-FFF2-40B4-BE49-F238E27FC236}">
                 <a16:creationId xmlns:a16="http://schemas.microsoft.com/office/drawing/2014/main" id="{B3A7D6CB-691C-464E-A917-0E859492EA88}"/>
               </a:ext>
             </a:extLst>
@@ -5531,7 +5635,7 @@
 </p:sld>
 </file>
 
-<file path=ppt/slides/slide16.xml><?xml version="1.0" encoding="utf-8"?>
+<file path=ppt/slides/slide17.xml><?xml version="1.0" encoding="utf-8"?>
 <p:sld xmlns:a="http://schemas.openxmlformats.org/drawingml/2006/main" xmlns:r="http://schemas.openxmlformats.org/officeDocument/2006/relationships" xmlns:p="http://schemas.openxmlformats.org/presentationml/2006/main">
   <p:cSld>
     <p:spTree>
@@ -5619,92 +5723,6 @@
 </p:sld>
 </file>
 
-<file path=ppt/slides/slide17.xml><?xml version="1.0" encoding="utf-8"?>
-<p:sld xmlns:a="http://schemas.openxmlformats.org/drawingml/2006/main" xmlns:r="http://schemas.openxmlformats.org/officeDocument/2006/relationships" xmlns:p="http://schemas.openxmlformats.org/presentationml/2006/main">
-  <p:cSld>
-    <p:spTree>
-      <p:nvGrpSpPr>
-        <p:cNvPr id="1" name=""/>
-        <p:cNvGrpSpPr/>
-        <p:nvPr/>
-      </p:nvGrpSpPr>
-      <p:grpSpPr>
-        <a:xfrm>
-          <a:off x="0" y="0"/>
-          <a:ext cx="0" cy="0"/>
-          <a:chOff x="0" y="0"/>
-          <a:chExt cx="0" cy="0"/>
-        </a:xfrm>
-      </p:grpSpPr>
-      <p:sp>
-        <p:nvSpPr>
-          <p:cNvPr id="2" name="Title 1">
-            <a:extLst>
-              <a:ext uri="{FF2B5EF4-FFF2-40B4-BE49-F238E27FC236}">
-                <a16:creationId xmlns:a16="http://schemas.microsoft.com/office/drawing/2014/main" id="{7F7B68DA-473D-4B51-A38B-93A06DFF7DD5}"/>
-              </a:ext>
-            </a:extLst>
-          </p:cNvPr>
-          <p:cNvSpPr>
-            <a:spLocks noGrp="1"/>
-          </p:cNvSpPr>
-          <p:nvPr>
-            <p:ph type="title"/>
-          </p:nvPr>
-        </p:nvSpPr>
-        <p:spPr/>
-        <p:txBody>
-          <a:bodyPr/>
-          <a:lstStyle/>
-          <a:p>
-            <a:r>
-              <a:rPr lang="en-US" dirty="0"/>
-              <a:t>Go Live!</a:t>
-            </a:r>
-          </a:p>
-        </p:txBody>
-      </p:sp>
-      <p:sp>
-        <p:nvSpPr>
-          <p:cNvPr id="3" name="Content Placeholder 2">
-            <a:extLst>
-              <a:ext uri="{FF2B5EF4-FFF2-40B4-BE49-F238E27FC236}">
-                <a16:creationId xmlns:a16="http://schemas.microsoft.com/office/drawing/2014/main" id="{ACEB8B8B-6AA0-481C-A325-CA7EA058CF39}"/>
-              </a:ext>
-            </a:extLst>
-          </p:cNvPr>
-          <p:cNvSpPr>
-            <a:spLocks noGrp="1"/>
-          </p:cNvSpPr>
-          <p:nvPr>
-            <p:ph idx="1"/>
-          </p:nvPr>
-        </p:nvSpPr>
-        <p:spPr/>
-        <p:txBody>
-          <a:bodyPr/>
-          <a:lstStyle/>
-          <a:p>
-            <a:r>
-              <a:rPr lang="en-US" dirty="0"/>
-              <a:t>&lt;link to URL&gt;</a:t>
-            </a:r>
-          </a:p>
-        </p:txBody>
-      </p:sp>
-    </p:spTree>
-    <p:extLst>
-      <p:ext uri="{BB962C8B-B14F-4D97-AF65-F5344CB8AC3E}">
-        <p14:creationId xmlns:p14="http://schemas.microsoft.com/office/powerpoint/2010/main" val="3008425161"/>
-      </p:ext>
-    </p:extLst>
-  </p:cSld>
-  <p:clrMapOvr>
-    <a:masterClrMapping/>
-  </p:clrMapOvr>
-</p:sld>
-</file>
-
 <file path=ppt/slides/slide18.xml><?xml version="1.0" encoding="utf-8"?>
 <p:sld xmlns:a="http://schemas.openxmlformats.org/drawingml/2006/main" xmlns:r="http://schemas.openxmlformats.org/officeDocument/2006/relationships" xmlns:p="http://schemas.openxmlformats.org/presentationml/2006/main">
   <p:cSld>
@@ -5727,7 +5745,7 @@
           <p:cNvPr id="2" name="Title 1">
             <a:extLst>
               <a:ext uri="{FF2B5EF4-FFF2-40B4-BE49-F238E27FC236}">
-                <a16:creationId xmlns:a16="http://schemas.microsoft.com/office/drawing/2014/main" id="{10B8E23F-5094-466C-A3B1-1F64FD237EA5}"/>
+                <a16:creationId xmlns:a16="http://schemas.microsoft.com/office/drawing/2014/main" id="{7FC1D40A-98BF-4CBE-A35A-F1D122BEA5E6}"/>
               </a:ext>
             </a:extLst>
           </p:cNvPr>
@@ -5745,7 +5763,7 @@
           <a:p>
             <a:r>
               <a:rPr lang="en-US" dirty="0"/>
-              <a:t>Level of Effort</a:t>
+              <a:t>Development...</a:t>
             </a:r>
           </a:p>
         </p:txBody>
@@ -5755,7 +5773,7 @@
           <p:cNvPr id="3" name="Content Placeholder 2">
             <a:extLst>
               <a:ext uri="{FF2B5EF4-FFF2-40B4-BE49-F238E27FC236}">
-                <a16:creationId xmlns:a16="http://schemas.microsoft.com/office/drawing/2014/main" id="{00EB0048-9365-49CB-978F-C6FB3053D5D3}"/>
+                <a16:creationId xmlns:a16="http://schemas.microsoft.com/office/drawing/2014/main" id="{2D523DCF-C694-46AC-B406-E58354147EA9}"/>
               </a:ext>
             </a:extLst>
           </p:cNvPr>
@@ -5768,112 +5786,9 @@
         </p:nvSpPr>
         <p:spPr/>
         <p:txBody>
-          <a:bodyPr>
-            <a:normAutofit fontScale="92500" lnSpcReduction="10000"/>
-          </a:bodyPr>
+          <a:bodyPr/>
           <a:lstStyle/>
           <a:p>
-            <a:r>
-              <a:rPr lang="en-US" dirty="0"/>
-              <a:t>Took about 5 days</a:t>
-            </a:r>
-          </a:p>
-          <a:p>
-            <a:r>
-              <a:rPr lang="en-US" dirty="0"/>
-              <a:t>Detailed steps in the git  &lt;URL&gt;</a:t>
-            </a:r>
-          </a:p>
-          <a:p>
-            <a:endParaRPr lang="en-US" dirty="0"/>
-          </a:p>
-          <a:p>
-            <a:pPr marL="0" indent="0">
-              <a:buNone/>
-            </a:pPr>
-            <a:r>
-              <a:rPr lang="en-US" dirty="0"/>
-              <a:t>Django Background:</a:t>
-            </a:r>
-          </a:p>
-          <a:p>
-            <a:pPr lvl="1"/>
-            <a:r>
-              <a:rPr lang="en-US" dirty="0"/>
-              <a:t>Tic-Tac-Toe at &lt;URL&gt;</a:t>
-            </a:r>
-          </a:p>
-          <a:p>
-            <a:pPr lvl="1"/>
-            <a:r>
-              <a:rPr lang="en-US" dirty="0"/>
-              <a:t>A full featured Web App (admin, login, database, forms)</a:t>
-            </a:r>
-          </a:p>
-          <a:p>
-            <a:pPr lvl="1"/>
-            <a:r>
-              <a:rPr lang="en-US" dirty="0"/>
-              <a:t>Follows the Pluralsight training</a:t>
-            </a:r>
-          </a:p>
-          <a:p>
-            <a:pPr marL="457200" lvl="1" indent="0">
-              <a:buNone/>
-            </a:pPr>
-            <a:endParaRPr lang="en-US" dirty="0"/>
-          </a:p>
-          <a:p>
-            <a:pPr marL="0" indent="0">
-              <a:buNone/>
-            </a:pPr>
-            <a:r>
-              <a:rPr lang="en-US" dirty="0"/>
-              <a:t>Web Application (UX/UI)</a:t>
-            </a:r>
-          </a:p>
-          <a:p>
-            <a:pPr marL="0" indent="0">
-              <a:buNone/>
-            </a:pPr>
-            <a:r>
-              <a:rPr lang="en-US" sz="1600" dirty="0"/>
-              <a:t>Getting Started in UX Design by Kurt </a:t>
-            </a:r>
-            <a:r>
-              <a:rPr lang="en-US" sz="1600" dirty="0" err="1"/>
-              <a:t>Krumme</a:t>
-            </a:r>
-            <a:r>
-              <a:rPr lang="en-US" sz="1600" dirty="0"/>
-              <a:t> </a:t>
-            </a:r>
-            <a:r>
-              <a:rPr lang="en-US" sz="1600" dirty="0">
-                <a:hlinkClick r:id="rId2"/>
-              </a:rPr>
-              <a:t>https://app.pluralsight.com/library/courses/getting-started-ux-design/table-of-contents</a:t>
-            </a:r>
-            <a:endParaRPr lang="en-US" sz="1600" dirty="0"/>
-          </a:p>
-          <a:p>
-            <a:pPr marL="0" indent="0">
-              <a:buNone/>
-            </a:pPr>
-            <a:r>
-              <a:rPr lang="en-US" sz="1600" dirty="0"/>
-              <a:t>UX Design Creating Wireframes by Susan Simkins </a:t>
-            </a:r>
-            <a:r>
-              <a:rPr lang="en-US" sz="1600" dirty="0">
-                <a:hlinkClick r:id="rId3"/>
-              </a:rPr>
-              <a:t>https://app.pluralsight.com/library/courses/ux-design-creating-wireframes/table-of-contents</a:t>
-            </a:r>
-            <a:endParaRPr lang="en-US" sz="1600" dirty="0"/>
-          </a:p>
-          <a:p>
-            <a:pPr lvl="1"/>
             <a:endParaRPr lang="en-US" dirty="0"/>
           </a:p>
         </p:txBody>
@@ -5881,7 +5796,7 @@
     </p:spTree>
     <p:extLst>
       <p:ext uri="{BB962C8B-B14F-4D97-AF65-F5344CB8AC3E}">
-        <p14:creationId xmlns:p14="http://schemas.microsoft.com/office/powerpoint/2010/main" val="3978747642"/>
+        <p14:creationId xmlns:p14="http://schemas.microsoft.com/office/powerpoint/2010/main" val="3173424278"/>
       </p:ext>
     </p:extLst>
   </p:cSld>
@@ -5913,7 +5828,7 @@
           <p:cNvPr id="2" name="Title 1">
             <a:extLst>
               <a:ext uri="{FF2B5EF4-FFF2-40B4-BE49-F238E27FC236}">
-                <a16:creationId xmlns:a16="http://schemas.microsoft.com/office/drawing/2014/main" id="{F9B00A71-D9A5-48EF-B13D-3C64E072E5F9}"/>
+                <a16:creationId xmlns:a16="http://schemas.microsoft.com/office/drawing/2014/main" id="{7F7B68DA-473D-4B51-A38B-93A06DFF7DD5}"/>
               </a:ext>
             </a:extLst>
           </p:cNvPr>
@@ -5924,20 +5839,42 @@
             <p:ph type="title"/>
           </p:nvPr>
         </p:nvSpPr>
-        <p:spPr>
-          <a:xfrm>
-            <a:off x="4067962" y="2915378"/>
-            <a:ext cx="3465352" cy="1325563"/>
-          </a:xfrm>
-        </p:spPr>
+        <p:spPr/>
         <p:txBody>
           <a:bodyPr/>
           <a:lstStyle/>
           <a:p>
-            <a:pPr algn="ctr"/>
-            <a:r>
-              <a:rPr lang="en-US" dirty="0"/>
-              <a:t>Thank You</a:t>
+            <a:r>
+              <a:rPr lang="en-US" dirty="0"/>
+              <a:t>Go Live!</a:t>
+            </a:r>
+          </a:p>
+        </p:txBody>
+      </p:sp>
+      <p:sp>
+        <p:nvSpPr>
+          <p:cNvPr id="3" name="Content Placeholder 2">
+            <a:extLst>
+              <a:ext uri="{FF2B5EF4-FFF2-40B4-BE49-F238E27FC236}">
+                <a16:creationId xmlns:a16="http://schemas.microsoft.com/office/drawing/2014/main" id="{ACEB8B8B-6AA0-481C-A325-CA7EA058CF39}"/>
+              </a:ext>
+            </a:extLst>
+          </p:cNvPr>
+          <p:cNvSpPr>
+            <a:spLocks noGrp="1"/>
+          </p:cNvSpPr>
+          <p:nvPr>
+            <p:ph idx="1"/>
+          </p:nvPr>
+        </p:nvSpPr>
+        <p:spPr/>
+        <p:txBody>
+          <a:bodyPr/>
+          <a:lstStyle/>
+          <a:p>
+            <a:r>
+              <a:rPr lang="en-US" dirty="0"/>
+              <a:t>&lt;link to URL&gt;</a:t>
             </a:r>
           </a:p>
         </p:txBody>
@@ -5945,7 +5882,7 @@
     </p:spTree>
     <p:extLst>
       <p:ext uri="{BB962C8B-B14F-4D97-AF65-F5344CB8AC3E}">
-        <p14:creationId xmlns:p14="http://schemas.microsoft.com/office/powerpoint/2010/main" val="2844057254"/>
+        <p14:creationId xmlns:p14="http://schemas.microsoft.com/office/powerpoint/2010/main" val="3008425161"/>
       </p:ext>
     </p:extLst>
   </p:cSld>
@@ -6127,6 +6064,473 @@
     <p:extLst>
       <p:ext uri="{BB962C8B-B14F-4D97-AF65-F5344CB8AC3E}">
         <p14:creationId xmlns:p14="http://schemas.microsoft.com/office/powerpoint/2010/main" val="1019832778"/>
+      </p:ext>
+    </p:extLst>
+  </p:cSld>
+  <p:clrMapOvr>
+    <a:masterClrMapping/>
+  </p:clrMapOvr>
+</p:sld>
+</file>
+
+<file path=ppt/slides/slide20.xml><?xml version="1.0" encoding="utf-8"?>
+<p:sld xmlns:a="http://schemas.openxmlformats.org/drawingml/2006/main" xmlns:r="http://schemas.openxmlformats.org/officeDocument/2006/relationships" xmlns:p="http://schemas.openxmlformats.org/presentationml/2006/main">
+  <p:cSld>
+    <p:spTree>
+      <p:nvGrpSpPr>
+        <p:cNvPr id="1" name=""/>
+        <p:cNvGrpSpPr/>
+        <p:nvPr/>
+      </p:nvGrpSpPr>
+      <p:grpSpPr>
+        <a:xfrm>
+          <a:off x="0" y="0"/>
+          <a:ext cx="0" cy="0"/>
+          <a:chOff x="0" y="0"/>
+          <a:chExt cx="0" cy="0"/>
+        </a:xfrm>
+      </p:grpSpPr>
+      <p:sp>
+        <p:nvSpPr>
+          <p:cNvPr id="2" name="Title 1">
+            <a:extLst>
+              <a:ext uri="{FF2B5EF4-FFF2-40B4-BE49-F238E27FC236}">
+                <a16:creationId xmlns:a16="http://schemas.microsoft.com/office/drawing/2014/main" id="{10B8E23F-5094-466C-A3B1-1F64FD237EA5}"/>
+              </a:ext>
+            </a:extLst>
+          </p:cNvPr>
+          <p:cNvSpPr>
+            <a:spLocks noGrp="1"/>
+          </p:cNvSpPr>
+          <p:nvPr>
+            <p:ph type="title"/>
+          </p:nvPr>
+        </p:nvSpPr>
+        <p:spPr/>
+        <p:txBody>
+          <a:bodyPr/>
+          <a:lstStyle/>
+          <a:p>
+            <a:r>
+              <a:rPr lang="en-US" dirty="0"/>
+              <a:t>Level of Effort and Takeaways</a:t>
+            </a:r>
+          </a:p>
+        </p:txBody>
+      </p:sp>
+      <p:sp>
+        <p:nvSpPr>
+          <p:cNvPr id="3" name="Content Placeholder 2">
+            <a:extLst>
+              <a:ext uri="{FF2B5EF4-FFF2-40B4-BE49-F238E27FC236}">
+                <a16:creationId xmlns:a16="http://schemas.microsoft.com/office/drawing/2014/main" id="{00EB0048-9365-49CB-978F-C6FB3053D5D3}"/>
+              </a:ext>
+            </a:extLst>
+          </p:cNvPr>
+          <p:cNvSpPr>
+            <a:spLocks noGrp="1"/>
+          </p:cNvSpPr>
+          <p:nvPr>
+            <p:ph idx="1"/>
+          </p:nvPr>
+        </p:nvSpPr>
+        <p:spPr/>
+        <p:txBody>
+          <a:bodyPr>
+            <a:normAutofit/>
+          </a:bodyPr>
+          <a:lstStyle/>
+          <a:p>
+            <a:r>
+              <a:rPr lang="en-US" dirty="0"/>
+              <a:t>A full featured Web App (admin, login, database, forms, Python/ML backend)</a:t>
+            </a:r>
+          </a:p>
+          <a:p>
+            <a:r>
+              <a:rPr lang="en-US" dirty="0"/>
+              <a:t>6-8 days deploy with learning curve</a:t>
+            </a:r>
+          </a:p>
+          <a:p>
+            <a:r>
+              <a:rPr lang="en-US" dirty="0"/>
+              <a:t>Less complicated than Tic-tac-toe, but my own work.</a:t>
+            </a:r>
+          </a:p>
+          <a:p>
+            <a:r>
+              <a:rPr lang="en-US" dirty="0"/>
+              <a:t>Wireframe and personas super important because...</a:t>
+            </a:r>
+          </a:p>
+        </p:txBody>
+      </p:sp>
+    </p:spTree>
+    <p:extLst>
+      <p:ext uri="{BB962C8B-B14F-4D97-AF65-F5344CB8AC3E}">
+        <p14:creationId xmlns:p14="http://schemas.microsoft.com/office/powerpoint/2010/main" val="3978747642"/>
+      </p:ext>
+    </p:extLst>
+  </p:cSld>
+  <p:clrMapOvr>
+    <a:masterClrMapping/>
+  </p:clrMapOvr>
+</p:sld>
+</file>
+
+<file path=ppt/slides/slide21.xml><?xml version="1.0" encoding="utf-8"?>
+<p:sld xmlns:a="http://schemas.openxmlformats.org/drawingml/2006/main" xmlns:r="http://schemas.openxmlformats.org/officeDocument/2006/relationships" xmlns:p="http://schemas.openxmlformats.org/presentationml/2006/main">
+  <p:cSld>
+    <p:spTree>
+      <p:nvGrpSpPr>
+        <p:cNvPr id="1" name=""/>
+        <p:cNvGrpSpPr/>
+        <p:nvPr/>
+      </p:nvGrpSpPr>
+      <p:grpSpPr>
+        <a:xfrm>
+          <a:off x="0" y="0"/>
+          <a:ext cx="0" cy="0"/>
+          <a:chOff x="0" y="0"/>
+          <a:chExt cx="0" cy="0"/>
+        </a:xfrm>
+      </p:grpSpPr>
+      <p:sp>
+        <p:nvSpPr>
+          <p:cNvPr id="2" name="Title 1">
+            <a:extLst>
+              <a:ext uri="{FF2B5EF4-FFF2-40B4-BE49-F238E27FC236}">
+                <a16:creationId xmlns:a16="http://schemas.microsoft.com/office/drawing/2014/main" id="{10B8E23F-5094-466C-A3B1-1F64FD237EA5}"/>
+              </a:ext>
+            </a:extLst>
+          </p:cNvPr>
+          <p:cNvSpPr>
+            <a:spLocks noGrp="1"/>
+          </p:cNvSpPr>
+          <p:nvPr>
+            <p:ph type="title"/>
+          </p:nvPr>
+        </p:nvSpPr>
+        <p:spPr/>
+        <p:txBody>
+          <a:bodyPr/>
+          <a:lstStyle/>
+          <a:p>
+            <a:r>
+              <a:rPr lang="en-US" dirty="0"/>
+              <a:t>References</a:t>
+            </a:r>
+          </a:p>
+        </p:txBody>
+      </p:sp>
+      <p:sp>
+        <p:nvSpPr>
+          <p:cNvPr id="3" name="Content Placeholder 2">
+            <a:extLst>
+              <a:ext uri="{FF2B5EF4-FFF2-40B4-BE49-F238E27FC236}">
+                <a16:creationId xmlns:a16="http://schemas.microsoft.com/office/drawing/2014/main" id="{00EB0048-9365-49CB-978F-C6FB3053D5D3}"/>
+              </a:ext>
+            </a:extLst>
+          </p:cNvPr>
+          <p:cNvSpPr>
+            <a:spLocks noGrp="1"/>
+          </p:cNvSpPr>
+          <p:nvPr>
+            <p:ph idx="1"/>
+          </p:nvPr>
+        </p:nvSpPr>
+        <p:spPr/>
+        <p:txBody>
+          <a:bodyPr>
+            <a:normAutofit fontScale="55000" lnSpcReduction="20000"/>
+          </a:bodyPr>
+          <a:lstStyle/>
+          <a:p>
+            <a:r>
+              <a:rPr lang="en-US" dirty="0"/>
+              <a:t>Django:</a:t>
+            </a:r>
+          </a:p>
+          <a:p>
+            <a:pPr lvl="1"/>
+            <a:r>
+              <a:rPr lang="en-US" dirty="0"/>
+              <a:t>Tic-Tac-Toe (Django Fundamentals by </a:t>
+            </a:r>
+            <a:r>
+              <a:rPr lang="en-US" dirty="0" err="1"/>
+              <a:t>Reindert</a:t>
+            </a:r>
+            <a:r>
+              <a:rPr lang="en-US" dirty="0"/>
+              <a:t>-Jan </a:t>
+            </a:r>
+            <a:r>
+              <a:rPr lang="en-US" dirty="0" err="1"/>
+              <a:t>Ekker</a:t>
+            </a:r>
+            <a:r>
+              <a:rPr lang="en-US" dirty="0"/>
+              <a:t> on Pluralsight) </a:t>
+            </a:r>
+            <a:r>
+              <a:rPr lang="en-US" dirty="0">
+                <a:hlinkClick r:id="rId2"/>
+              </a:rPr>
+              <a:t>https://app.pluralsight.com/library/courses/django-fundamentals-update/table-of-contents</a:t>
+            </a:r>
+            <a:endParaRPr lang="en-US" dirty="0"/>
+          </a:p>
+          <a:p>
+            <a:pPr lvl="1"/>
+            <a:endParaRPr lang="en-US" dirty="0"/>
+          </a:p>
+          <a:p>
+            <a:r>
+              <a:rPr lang="en-US" dirty="0"/>
+              <a:t>Web UX/UI:</a:t>
+            </a:r>
+          </a:p>
+          <a:p>
+            <a:pPr lvl="1"/>
+            <a:r>
+              <a:rPr lang="en-US" dirty="0"/>
+              <a:t>Getting Started in UX Design by Kurt </a:t>
+            </a:r>
+            <a:r>
+              <a:rPr lang="en-US" dirty="0" err="1"/>
+              <a:t>Krumme</a:t>
+            </a:r>
+            <a:r>
+              <a:rPr lang="en-US" dirty="0"/>
+              <a:t> </a:t>
+            </a:r>
+            <a:r>
+              <a:rPr lang="en-US" dirty="0">
+                <a:hlinkClick r:id="rId3"/>
+              </a:rPr>
+              <a:t>https://app.pluralsight.com/library/courses/getting-started-ux-design/table-of-contents</a:t>
+            </a:r>
+            <a:endParaRPr lang="en-US" dirty="0"/>
+          </a:p>
+          <a:p>
+            <a:pPr lvl="1"/>
+            <a:r>
+              <a:rPr lang="en-US" dirty="0"/>
+              <a:t>UX Design Creating Wireframes by Susan Simkins </a:t>
+            </a:r>
+            <a:r>
+              <a:rPr lang="en-US" dirty="0">
+                <a:hlinkClick r:id="rId4"/>
+              </a:rPr>
+              <a:t>https://app.pluralsight.com/library/courses/ux-design-creating-wireframes/table-of-contents</a:t>
+            </a:r>
+            <a:endParaRPr lang="en-US" dirty="0"/>
+          </a:p>
+          <a:p>
+            <a:endParaRPr lang="en-US" dirty="0"/>
+          </a:p>
+          <a:p>
+            <a:r>
+              <a:rPr lang="en-US" dirty="0"/>
+              <a:t>Node, Postgres, Express (background only - could skim this)</a:t>
+            </a:r>
+          </a:p>
+          <a:p>
+            <a:pPr lvl="1"/>
+            <a:r>
+              <a:rPr lang="en-US" dirty="0"/>
+              <a:t>“Build a CRUD single page application with Node, Express, Angular, Postgres” (Michael Herman)</a:t>
+            </a:r>
+          </a:p>
+          <a:p>
+            <a:pPr lvl="1"/>
+            <a:r>
+              <a:rPr lang="en-US" dirty="0">
+                <a:solidFill>
+                  <a:schemeClr val="accent1"/>
+                </a:solidFill>
+                <a:hlinkClick r:id="rId5">
+                  <a:extLst>
+                    <a:ext uri="{A12FA001-AC4F-418D-AE19-62706E023703}">
+                      <ahyp:hlinkClr xmlns:ahyp="http://schemas.microsoft.com/office/drawing/2018/hyperlinkcolor" val="tx"/>
+                    </a:ext>
+                  </a:extLst>
+                </a:hlinkClick>
+              </a:rPr>
+              <a:t>https://mherman.org/blog/postgresql-and-nodejs/</a:t>
+            </a:r>
+            <a:r>
+              <a:rPr lang="en-US" dirty="0">
+                <a:solidFill>
+                  <a:schemeClr val="accent1"/>
+                </a:solidFill>
+              </a:rPr>
+              <a:t>   </a:t>
+            </a:r>
+            <a:r>
+              <a:rPr lang="en-US" dirty="0"/>
+              <a:t>This is an example frontend/backend </a:t>
+            </a:r>
+            <a:r>
+              <a:rPr lang="en-US" dirty="0" err="1"/>
+              <a:t>javascript</a:t>
+            </a:r>
+            <a:r>
+              <a:rPr lang="en-US" dirty="0"/>
+              <a:t> web app with </a:t>
+            </a:r>
+            <a:r>
+              <a:rPr lang="en-US" dirty="0" err="1"/>
+              <a:t>postgres</a:t>
+            </a:r>
+            <a:r>
+              <a:rPr lang="en-US" dirty="0"/>
+              <a:t> db.  It uses express web server/routing and (a little) angular on the front-end.  You will use </a:t>
+            </a:r>
+            <a:r>
+              <a:rPr lang="en-US" dirty="0" err="1"/>
+              <a:t>npm</a:t>
+            </a:r>
+            <a:r>
+              <a:rPr lang="en-US" dirty="0"/>
+              <a:t>, express, node, browser trace/debug features.  You will see </a:t>
+            </a:r>
+            <a:r>
+              <a:rPr lang="en-US" dirty="0" err="1"/>
+              <a:t>javascript</a:t>
+            </a:r>
+            <a:r>
+              <a:rPr lang="en-US" dirty="0"/>
+              <a:t> used on both client and server.  This is very standard (server-side </a:t>
+            </a:r>
+            <a:r>
+              <a:rPr lang="en-US" dirty="0" err="1"/>
+              <a:t>javascript</a:t>
+            </a:r>
+            <a:r>
+              <a:rPr lang="en-US" dirty="0"/>
+              <a:t>) architecture.</a:t>
+            </a:r>
+          </a:p>
+          <a:p>
+            <a:endParaRPr lang="en-US" dirty="0"/>
+          </a:p>
+          <a:p>
+            <a:r>
+              <a:rPr lang="en-US" dirty="0"/>
+              <a:t>Front-end (suspect this will be handy in the future)</a:t>
+            </a:r>
+          </a:p>
+          <a:p>
+            <a:pPr lvl="1"/>
+            <a:r>
+              <a:rPr lang="en-US" dirty="0"/>
+              <a:t>“Front-End Web Development Quick Start With HTML5, CSS, and JavaScript” (Shawn Wildermuth) </a:t>
+            </a:r>
+            <a:r>
+              <a:rPr lang="en-US" dirty="0">
+                <a:solidFill>
+                  <a:schemeClr val="accent1"/>
+                </a:solidFill>
+                <a:hlinkClick r:id="rId6">
+                  <a:extLst>
+                    <a:ext uri="{A12FA001-AC4F-418D-AE19-62706E023703}">
+                      <ahyp:hlinkClr xmlns:ahyp="http://schemas.microsoft.com/office/drawing/2018/hyperlinkcolor" val="tx"/>
+                    </a:ext>
+                  </a:extLst>
+                </a:hlinkClick>
+              </a:rPr>
+              <a:t>https://app.pluralsight.com/course-player?clipId=e5482b13-c204-4d52-89ec-94a1099592b0</a:t>
+            </a:r>
+            <a:r>
+              <a:rPr lang="en-US" dirty="0">
+                <a:solidFill>
+                  <a:schemeClr val="accent1"/>
+                </a:solidFill>
+              </a:rPr>
+              <a:t>  </a:t>
+            </a:r>
+            <a:r>
+              <a:rPr lang="en-US" dirty="0"/>
+              <a:t>Beginner HTML5, CSS, JavaScript – excellent</a:t>
+            </a:r>
+          </a:p>
+          <a:p>
+            <a:pPr lvl="1"/>
+            <a:endParaRPr lang="en-US" dirty="0"/>
+          </a:p>
+        </p:txBody>
+      </p:sp>
+    </p:spTree>
+    <p:extLst>
+      <p:ext uri="{BB962C8B-B14F-4D97-AF65-F5344CB8AC3E}">
+        <p14:creationId xmlns:p14="http://schemas.microsoft.com/office/powerpoint/2010/main" val="2261134443"/>
+      </p:ext>
+    </p:extLst>
+  </p:cSld>
+  <p:clrMapOvr>
+    <a:masterClrMapping/>
+  </p:clrMapOvr>
+</p:sld>
+</file>
+
+<file path=ppt/slides/slide22.xml><?xml version="1.0" encoding="utf-8"?>
+<p:sld xmlns:a="http://schemas.openxmlformats.org/drawingml/2006/main" xmlns:r="http://schemas.openxmlformats.org/officeDocument/2006/relationships" xmlns:p="http://schemas.openxmlformats.org/presentationml/2006/main">
+  <p:cSld>
+    <p:spTree>
+      <p:nvGrpSpPr>
+        <p:cNvPr id="1" name=""/>
+        <p:cNvGrpSpPr/>
+        <p:nvPr/>
+      </p:nvGrpSpPr>
+      <p:grpSpPr>
+        <a:xfrm>
+          <a:off x="0" y="0"/>
+          <a:ext cx="0" cy="0"/>
+          <a:chOff x="0" y="0"/>
+          <a:chExt cx="0" cy="0"/>
+        </a:xfrm>
+      </p:grpSpPr>
+      <p:sp>
+        <p:nvSpPr>
+          <p:cNvPr id="2" name="Title 1">
+            <a:extLst>
+              <a:ext uri="{FF2B5EF4-FFF2-40B4-BE49-F238E27FC236}">
+                <a16:creationId xmlns:a16="http://schemas.microsoft.com/office/drawing/2014/main" id="{F9B00A71-D9A5-48EF-B13D-3C64E072E5F9}"/>
+              </a:ext>
+            </a:extLst>
+          </p:cNvPr>
+          <p:cNvSpPr>
+            <a:spLocks noGrp="1"/>
+          </p:cNvSpPr>
+          <p:nvPr>
+            <p:ph type="title"/>
+          </p:nvPr>
+        </p:nvSpPr>
+        <p:spPr>
+          <a:xfrm>
+            <a:off x="4067962" y="2915378"/>
+            <a:ext cx="3465352" cy="1325563"/>
+          </a:xfrm>
+        </p:spPr>
+        <p:txBody>
+          <a:bodyPr/>
+          <a:lstStyle/>
+          <a:p>
+            <a:pPr algn="ctr"/>
+            <a:r>
+              <a:rPr lang="en-US" dirty="0"/>
+              <a:t>Thank You</a:t>
+            </a:r>
+          </a:p>
+        </p:txBody>
+      </p:sp>
+    </p:spTree>
+    <p:extLst>
+      <p:ext uri="{BB962C8B-B14F-4D97-AF65-F5344CB8AC3E}">
+        <p14:creationId xmlns:p14="http://schemas.microsoft.com/office/powerpoint/2010/main" val="2844057254"/>
       </p:ext>
     </p:extLst>
   </p:cSld>
@@ -6264,7 +6668,7 @@
           <p:cNvPr id="2" name="Title 1">
             <a:extLst>
               <a:ext uri="{FF2B5EF4-FFF2-40B4-BE49-F238E27FC236}">
-                <a16:creationId xmlns:a16="http://schemas.microsoft.com/office/drawing/2014/main" id="{3303612B-0F44-4A40-8AEC-866A6AAE733C}"/>
+                <a16:creationId xmlns:a16="http://schemas.microsoft.com/office/drawing/2014/main" id="{24CB824A-5F4A-4361-A70A-F9966B07720A}"/>
               </a:ext>
             </a:extLst>
           </p:cNvPr>
@@ -6277,14 +6681,12 @@
         </p:nvSpPr>
         <p:spPr/>
         <p:txBody>
-          <a:bodyPr>
-            <a:normAutofit/>
-          </a:bodyPr>
+          <a:bodyPr/>
           <a:lstStyle/>
           <a:p>
             <a:r>
               <a:rPr lang="en-US" dirty="0"/>
-              <a:t>But there’s more...</a:t>
+              <a:t>Why</a:t>
             </a:r>
           </a:p>
         </p:txBody>
@@ -6294,7 +6696,7 @@
           <p:cNvPr id="3" name="Content Placeholder 2">
             <a:extLst>
               <a:ext uri="{FF2B5EF4-FFF2-40B4-BE49-F238E27FC236}">
-                <a16:creationId xmlns:a16="http://schemas.microsoft.com/office/drawing/2014/main" id="{F29C73BA-0151-47CD-A862-A3B53C6F207E}"/>
+                <a16:creationId xmlns:a16="http://schemas.microsoft.com/office/drawing/2014/main" id="{887739AD-7E8C-4A6B-8C25-9D3BBC393EED}"/>
               </a:ext>
             </a:extLst>
           </p:cNvPr>
@@ -6305,172 +6707,108 @@
             <p:ph idx="1"/>
           </p:nvPr>
         </p:nvSpPr>
-        <p:spPr>
-          <a:xfrm>
-            <a:off x="729143" y="1690688"/>
-            <a:ext cx="10624657" cy="4852012"/>
-          </a:xfrm>
-        </p:spPr>
+        <p:spPr/>
         <p:txBody>
           <a:bodyPr>
-            <a:normAutofit/>
+            <a:normAutofit fontScale="77500" lnSpcReduction="20000"/>
           </a:bodyPr>
           <a:lstStyle/>
           <a:p>
             <a:r>
-              <a:rPr lang="en-US" sz="1600" dirty="0"/>
-              <a:t>Platform for future ML-based web-apps (</a:t>
-            </a:r>
-            <a:r>
-              <a:rPr lang="en-US" sz="1600" dirty="0">
-                <a:highlight>
-                  <a:srgbClr val="FFFF00"/>
-                </a:highlight>
-              </a:rPr>
-              <a:t>browser-based</a:t>
-            </a:r>
-            <a:r>
-              <a:rPr lang="en-US" sz="1600" dirty="0"/>
-              <a:t>)</a:t>
-            </a:r>
-          </a:p>
-          <a:p>
-            <a:r>
-              <a:rPr lang="en-US" sz="1600" dirty="0"/>
-              <a:t>Platform for Internet-of-Things applications (</a:t>
-            </a:r>
-            <a:r>
-              <a:rPr lang="en-US" sz="1600" dirty="0">
-                <a:highlight>
-                  <a:srgbClr val="FFFF00"/>
-                </a:highlight>
-              </a:rPr>
-              <a:t>device-based</a:t>
-            </a:r>
-            <a:r>
-              <a:rPr lang="en-US" sz="1600" dirty="0"/>
-              <a:t>)</a:t>
+              <a:rPr lang="en-US" dirty="0"/>
+              <a:t>Looking for work in Python, Machine Learning</a:t>
             </a:r>
           </a:p>
           <a:p>
             <a:pPr lvl="1"/>
             <a:r>
-              <a:rPr lang="en-US" sz="1400" dirty="0"/>
-              <a:t>Front-end is device (Raspberry Pi running Python)</a:t>
+              <a:rPr lang="en-US" dirty="0"/>
+              <a:t>“AI Architect” (high reach)</a:t>
             </a:r>
           </a:p>
           <a:p>
             <a:pPr lvl="1"/>
             <a:r>
-              <a:rPr lang="en-US" sz="1400" dirty="0"/>
-              <a:t>Back-end is “smarts” (database, ML algorithm)</a:t>
-            </a:r>
-          </a:p>
-          <a:p>
-            <a:pPr marL="457200" lvl="1" indent="0">
-              <a:buNone/>
-            </a:pPr>
-            <a:endParaRPr lang="en-US" sz="1600" dirty="0"/>
-          </a:p>
-          <a:p>
-            <a:pPr marL="0" indent="0">
-              <a:buNone/>
-            </a:pPr>
-            <a:r>
-              <a:rPr lang="en-US" sz="1600" dirty="0"/>
-              <a:t>To do this:</a:t>
+              <a:rPr lang="en-US" dirty="0"/>
+              <a:t>“Machine Learning Engineer” (too generic)</a:t>
             </a:r>
           </a:p>
           <a:p>
             <a:pPr lvl="1"/>
             <a:r>
-              <a:rPr lang="en-US" sz="1400" dirty="0"/>
-              <a:t>Back-end exposes non-browser POST and GETs as “API”</a:t>
+              <a:rPr lang="en-US" dirty="0"/>
+              <a:t>Web Development with ML application (possible)</a:t>
             </a:r>
           </a:p>
           <a:p>
             <a:pPr lvl="1"/>
             <a:r>
-              <a:rPr lang="en-US" sz="1400" dirty="0"/>
-              <a:t>Device running Python does POST and GET to the “API” </a:t>
-            </a:r>
-            <a:r>
-              <a:rPr lang="en-US" sz="1400" dirty="0" err="1"/>
-              <a:t>urls</a:t>
-            </a:r>
-            <a:endParaRPr lang="en-US" sz="1400" dirty="0"/>
-          </a:p>
-          <a:p>
-            <a:pPr marL="457200" lvl="1" indent="0">
-              <a:buNone/>
-            </a:pPr>
-            <a:endParaRPr lang="en-US" sz="1400" dirty="0"/>
-          </a:p>
-          <a:p>
-            <a:pPr marL="0" indent="0">
-              <a:buNone/>
-            </a:pPr>
-            <a:r>
-              <a:rPr lang="en-US" sz="1600" dirty="0"/>
-              <a:t>We can even:</a:t>
-            </a:r>
-            <a:endParaRPr lang="en-US" sz="1400" dirty="0"/>
+              <a:rPr lang="en-US" dirty="0"/>
+              <a:t>Example of work</a:t>
+            </a:r>
+          </a:p>
+          <a:p>
+            <a:endParaRPr lang="en-US" dirty="0"/>
+          </a:p>
+          <a:p>
+            <a:r>
+              <a:rPr lang="en-US" dirty="0"/>
+              <a:t>Web as a medium</a:t>
+            </a:r>
           </a:p>
           <a:p>
             <a:pPr lvl="1"/>
             <a:r>
-              <a:rPr lang="en-US" sz="1400" dirty="0"/>
-              <a:t>Access OTHER web APIs</a:t>
-            </a:r>
-          </a:p>
-          <a:p>
-            <a:pPr lvl="2"/>
-            <a:r>
-              <a:rPr lang="en-US" sz="1000" dirty="0"/>
-              <a:t>Google Maps</a:t>
-            </a:r>
-          </a:p>
-          <a:p>
-            <a:pPr lvl="2"/>
-            <a:r>
-              <a:rPr lang="en-US" sz="1000" dirty="0"/>
-              <a:t>Geolocation</a:t>
-            </a:r>
-          </a:p>
-          <a:p>
-            <a:pPr lvl="2"/>
-            <a:r>
-              <a:rPr lang="en-US" sz="1000" dirty="0"/>
-              <a:t>NASA</a:t>
-            </a:r>
-          </a:p>
-          <a:p>
-            <a:pPr lvl="2"/>
-            <a:r>
-              <a:rPr lang="en-US" sz="1000" dirty="0"/>
-              <a:t>Chuck Norris Jokes</a:t>
-            </a:r>
-          </a:p>
-          <a:p>
-            <a:pPr lvl="2"/>
-            <a:r>
-              <a:rPr lang="en-US" sz="1000" dirty="0"/>
-              <a:t>Speech-to-Text</a:t>
-            </a:r>
-          </a:p>
-          <a:p>
-            <a:pPr lvl="2"/>
-            <a:r>
-              <a:rPr lang="en-US" sz="1000" dirty="0"/>
-              <a:t>Lots of Amazing Stuff</a:t>
-            </a:r>
+              <a:rPr lang="en-US" dirty="0"/>
+              <a:t>The ability for others to access your work</a:t>
+            </a:r>
+          </a:p>
+          <a:p>
+            <a:pPr lvl="1"/>
+            <a:r>
+              <a:rPr lang="en-US" dirty="0"/>
+              <a:t>Template infrastructure (in Python) for (your ML model)</a:t>
+            </a:r>
+          </a:p>
+          <a:p>
+            <a:pPr lvl="1"/>
+            <a:r>
+              <a:rPr lang="en-US" dirty="0"/>
+              <a:t>Hiring manager, PHD Research Professor, or (your audience)</a:t>
+            </a:r>
+          </a:p>
+          <a:p>
+            <a:endParaRPr lang="en-US" dirty="0"/>
+          </a:p>
+          <a:p>
+            <a:r>
+              <a:rPr lang="en-US" dirty="0"/>
+              <a:t>Platform for future projects</a:t>
+            </a:r>
+          </a:p>
+          <a:p>
+            <a:pPr lvl="1"/>
+            <a:r>
+              <a:rPr lang="en-US" dirty="0"/>
+              <a:t>Practice, practice, practice.  Be prepared when the time comes. </a:t>
+            </a:r>
+          </a:p>
+          <a:p>
+            <a:pPr lvl="1"/>
+            <a:r>
+              <a:rPr lang="en-US" dirty="0"/>
+              <a:t>Practice, practice, practice.  (in a controlled risk-free environment)</a:t>
+            </a:r>
+          </a:p>
+          <a:p>
+            <a:endParaRPr lang="en-US" dirty="0"/>
           </a:p>
         </p:txBody>
       </p:sp>
     </p:spTree>
     <p:extLst>
       <p:ext uri="{BB962C8B-B14F-4D97-AF65-F5344CB8AC3E}">
-        <p14:creationId xmlns:p14="http://schemas.microsoft.com/office/powerpoint/2010/main" val="1850254339"/>
+        <p14:creationId xmlns:p14="http://schemas.microsoft.com/office/powerpoint/2010/main" val="1485733289"/>
       </p:ext>
     </p:extLst>
   </p:cSld>
@@ -6513,1192 +6851,120 @@
             <p:ph type="title"/>
           </p:nvPr>
         </p:nvSpPr>
-        <p:spPr>
-          <a:xfrm>
-            <a:off x="838200" y="365125"/>
-            <a:ext cx="10515600" cy="1325563"/>
-          </a:xfrm>
-        </p:spPr>
+        <p:spPr/>
+        <p:txBody>
+          <a:bodyPr/>
+          <a:lstStyle/>
+          <a:p>
+            <a:r>
+              <a:rPr lang="en-US" dirty="0"/>
+              <a:t>Where can we go with this...</a:t>
+            </a:r>
+          </a:p>
+        </p:txBody>
+      </p:sp>
+      <p:sp>
+        <p:nvSpPr>
+          <p:cNvPr id="3" name="Content Placeholder 2">
+            <a:extLst>
+              <a:ext uri="{FF2B5EF4-FFF2-40B4-BE49-F238E27FC236}">
+                <a16:creationId xmlns:a16="http://schemas.microsoft.com/office/drawing/2014/main" id="{F29C73BA-0151-47CD-A862-A3B53C6F207E}"/>
+              </a:ext>
+            </a:extLst>
+          </p:cNvPr>
+          <p:cNvSpPr>
+            <a:spLocks noGrp="1"/>
+          </p:cNvSpPr>
+          <p:nvPr>
+            <p:ph idx="1"/>
+          </p:nvPr>
+        </p:nvSpPr>
+        <p:spPr/>
         <p:txBody>
           <a:bodyPr>
-            <a:normAutofit/>
+            <a:normAutofit lnSpcReduction="10000"/>
           </a:bodyPr>
           <a:lstStyle/>
           <a:p>
             <a:r>
               <a:rPr lang="en-US" dirty="0"/>
-              <a:t>What does that mean...</a:t>
-            </a:r>
-            <a:br>
-              <a:rPr lang="en-US" dirty="0"/>
-            </a:br>
-            <a:r>
-              <a:rPr lang="en-US" sz="3200" dirty="0"/>
-              <a:t>Today...</a:t>
-            </a:r>
-            <a:endParaRPr lang="en-US" dirty="0"/>
-          </a:p>
-        </p:txBody>
-      </p:sp>
-      <p:sp>
-        <p:nvSpPr>
-          <p:cNvPr id="4" name="Rectangle 3">
-            <a:extLst>
-              <a:ext uri="{FF2B5EF4-FFF2-40B4-BE49-F238E27FC236}">
-                <a16:creationId xmlns:a16="http://schemas.microsoft.com/office/drawing/2014/main" id="{88C51B17-841A-46E2-872F-172068315415}"/>
-              </a:ext>
-            </a:extLst>
-          </p:cNvPr>
-          <p:cNvSpPr/>
-          <p:nvPr/>
-        </p:nvSpPr>
-        <p:spPr>
-          <a:xfrm>
-            <a:off x="3163553" y="2078200"/>
-            <a:ext cx="1694577" cy="914400"/>
-          </a:xfrm>
-          <a:prstGeom prst="rect">
-            <a:avLst/>
-          </a:prstGeom>
-        </p:spPr>
-        <p:style>
-          <a:lnRef idx="2">
-            <a:schemeClr val="accent1">
-              <a:shade val="50000"/>
-            </a:schemeClr>
-          </a:lnRef>
-          <a:fillRef idx="1">
-            <a:schemeClr val="accent1"/>
-          </a:fillRef>
-          <a:effectRef idx="0">
-            <a:schemeClr val="accent1"/>
-          </a:effectRef>
-          <a:fontRef idx="minor">
-            <a:schemeClr val="lt1"/>
-          </a:fontRef>
-        </p:style>
-        <p:txBody>
-          <a:bodyPr rtlCol="0" anchor="ctr"/>
-          <a:lstStyle/>
-          <a:p>
-            <a:pPr algn="ctr"/>
-            <a:r>
-              <a:rPr lang="en-US" dirty="0"/>
-              <a:t>Browser</a:t>
-            </a:r>
-          </a:p>
-        </p:txBody>
-      </p:sp>
-      <p:sp>
-        <p:nvSpPr>
-          <p:cNvPr id="5" name="Rectangle 4">
-            <a:extLst>
-              <a:ext uri="{FF2B5EF4-FFF2-40B4-BE49-F238E27FC236}">
-                <a16:creationId xmlns:a16="http://schemas.microsoft.com/office/drawing/2014/main" id="{FA8F3540-D742-42BE-9EAA-4C02A82CB697}"/>
-              </a:ext>
-            </a:extLst>
-          </p:cNvPr>
-          <p:cNvSpPr/>
-          <p:nvPr/>
-        </p:nvSpPr>
-        <p:spPr>
-          <a:xfrm>
-            <a:off x="9543554" y="1620410"/>
-            <a:ext cx="1284046" cy="418052"/>
-          </a:xfrm>
-          <a:prstGeom prst="rect">
-            <a:avLst/>
-          </a:prstGeom>
-        </p:spPr>
-        <p:style>
-          <a:lnRef idx="2">
-            <a:schemeClr val="accent1">
-              <a:shade val="50000"/>
-            </a:schemeClr>
-          </a:lnRef>
-          <a:fillRef idx="1">
-            <a:schemeClr val="accent1"/>
-          </a:fillRef>
-          <a:effectRef idx="0">
-            <a:schemeClr val="accent1"/>
-          </a:effectRef>
-          <a:fontRef idx="minor">
-            <a:schemeClr val="lt1"/>
-          </a:fontRef>
-        </p:style>
-        <p:txBody>
-          <a:bodyPr rtlCol="0" anchor="ctr"/>
-          <a:lstStyle/>
-          <a:p>
-            <a:pPr algn="ctr"/>
-            <a:r>
-              <a:rPr lang="en-US" dirty="0"/>
-              <a:t>Database</a:t>
-            </a:r>
-          </a:p>
-        </p:txBody>
-      </p:sp>
-      <p:sp>
-        <p:nvSpPr>
-          <p:cNvPr id="6" name="Rectangle 5">
-            <a:extLst>
-              <a:ext uri="{FF2B5EF4-FFF2-40B4-BE49-F238E27FC236}">
-                <a16:creationId xmlns:a16="http://schemas.microsoft.com/office/drawing/2014/main" id="{B6F45C07-DEF9-411F-94E7-0FAE33F5C591}"/>
-              </a:ext>
-            </a:extLst>
-          </p:cNvPr>
-          <p:cNvSpPr/>
-          <p:nvPr/>
-        </p:nvSpPr>
-        <p:spPr>
-          <a:xfrm>
-            <a:off x="9543553" y="2189462"/>
-            <a:ext cx="1284046" cy="418052"/>
-          </a:xfrm>
-          <a:prstGeom prst="rect">
-            <a:avLst/>
-          </a:prstGeom>
-        </p:spPr>
-        <p:style>
-          <a:lnRef idx="2">
-            <a:schemeClr val="accent1">
-              <a:shade val="50000"/>
-            </a:schemeClr>
-          </a:lnRef>
-          <a:fillRef idx="1">
-            <a:schemeClr val="accent1"/>
-          </a:fillRef>
-          <a:effectRef idx="0">
-            <a:schemeClr val="accent1"/>
-          </a:effectRef>
-          <a:fontRef idx="minor">
-            <a:schemeClr val="lt1"/>
-          </a:fontRef>
-        </p:style>
-        <p:txBody>
-          <a:bodyPr rtlCol="0" anchor="ctr"/>
-          <a:lstStyle/>
-          <a:p>
-            <a:pPr algn="ctr"/>
-            <a:r>
-              <a:rPr lang="en-US" dirty="0"/>
-              <a:t>ML Model</a:t>
-            </a:r>
-          </a:p>
-        </p:txBody>
-      </p:sp>
-      <p:sp>
-        <p:nvSpPr>
-          <p:cNvPr id="7" name="Rectangle 6">
-            <a:extLst>
-              <a:ext uri="{FF2B5EF4-FFF2-40B4-BE49-F238E27FC236}">
-                <a16:creationId xmlns:a16="http://schemas.microsoft.com/office/drawing/2014/main" id="{CC1A0E22-1A4F-4207-A04B-1F2885DD92EE}"/>
-              </a:ext>
-            </a:extLst>
-          </p:cNvPr>
-          <p:cNvSpPr/>
-          <p:nvPr/>
-        </p:nvSpPr>
-        <p:spPr>
-          <a:xfrm>
-            <a:off x="9543553" y="2749003"/>
-            <a:ext cx="1284046" cy="378171"/>
-          </a:xfrm>
-          <a:prstGeom prst="rect">
-            <a:avLst/>
-          </a:prstGeom>
-        </p:spPr>
-        <p:style>
-          <a:lnRef idx="2">
-            <a:schemeClr val="accent1">
-              <a:shade val="50000"/>
-            </a:schemeClr>
-          </a:lnRef>
-          <a:fillRef idx="1">
-            <a:schemeClr val="accent1"/>
-          </a:fillRef>
-          <a:effectRef idx="0">
-            <a:schemeClr val="accent1"/>
-          </a:effectRef>
-          <a:fontRef idx="minor">
-            <a:schemeClr val="lt1"/>
-          </a:fontRef>
-        </p:style>
-        <p:txBody>
-          <a:bodyPr rtlCol="0" anchor="ctr"/>
-          <a:lstStyle/>
-          <a:p>
-            <a:pPr algn="ctr"/>
-            <a:r>
-              <a:rPr lang="en-US" dirty="0"/>
-              <a:t>HTML Form</a:t>
-            </a:r>
-          </a:p>
-        </p:txBody>
-      </p:sp>
-      <p:sp>
-        <p:nvSpPr>
-          <p:cNvPr id="8" name="Oval 7">
-            <a:extLst>
-              <a:ext uri="{FF2B5EF4-FFF2-40B4-BE49-F238E27FC236}">
-                <a16:creationId xmlns:a16="http://schemas.microsoft.com/office/drawing/2014/main" id="{93A6ABAA-E1E1-447E-A3F9-AAB9E17D9795}"/>
-              </a:ext>
-            </a:extLst>
-          </p:cNvPr>
-          <p:cNvSpPr/>
-          <p:nvPr/>
-        </p:nvSpPr>
-        <p:spPr>
-          <a:xfrm>
-            <a:off x="5609008" y="2633090"/>
-            <a:ext cx="1501755" cy="585116"/>
-          </a:xfrm>
-          <a:prstGeom prst="ellipse">
-            <a:avLst/>
-          </a:prstGeom>
-        </p:spPr>
-        <p:style>
-          <a:lnRef idx="2">
-            <a:schemeClr val="accent1">
-              <a:shade val="50000"/>
-            </a:schemeClr>
-          </a:lnRef>
-          <a:fillRef idx="1">
-            <a:schemeClr val="accent1"/>
-          </a:fillRef>
-          <a:effectRef idx="0">
-            <a:schemeClr val="accent1"/>
-          </a:effectRef>
-          <a:fontRef idx="minor">
-            <a:schemeClr val="lt1"/>
-          </a:fontRef>
-        </p:style>
-        <p:txBody>
-          <a:bodyPr rtlCol="0" anchor="ctr"/>
-          <a:lstStyle/>
-          <a:p>
-            <a:pPr algn="ctr"/>
-            <a:r>
-              <a:rPr lang="en-US" dirty="0"/>
-              <a:t>Internet</a:t>
-            </a:r>
-          </a:p>
-        </p:txBody>
-      </p:sp>
-      <p:sp>
-        <p:nvSpPr>
-          <p:cNvPr id="9" name="Rectangle 8">
-            <a:extLst>
-              <a:ext uri="{FF2B5EF4-FFF2-40B4-BE49-F238E27FC236}">
-                <a16:creationId xmlns:a16="http://schemas.microsoft.com/office/drawing/2014/main" id="{3ADBF561-EC48-467F-8245-C363E6E6DA86}"/>
-              </a:ext>
-            </a:extLst>
-          </p:cNvPr>
-          <p:cNvSpPr/>
-          <p:nvPr/>
-        </p:nvSpPr>
-        <p:spPr>
-          <a:xfrm>
-            <a:off x="8139984" y="843272"/>
-            <a:ext cx="2894202" cy="2595360"/>
-          </a:xfrm>
-          <a:prstGeom prst="rect">
-            <a:avLst/>
-          </a:prstGeom>
-          <a:noFill/>
-        </p:spPr>
-        <p:style>
-          <a:lnRef idx="2">
-            <a:schemeClr val="accent1">
-              <a:shade val="50000"/>
-            </a:schemeClr>
-          </a:lnRef>
-          <a:fillRef idx="1">
-            <a:schemeClr val="accent1"/>
-          </a:fillRef>
-          <a:effectRef idx="0">
-            <a:schemeClr val="accent1"/>
-          </a:effectRef>
-          <a:fontRef idx="minor">
-            <a:schemeClr val="lt1"/>
-          </a:fontRef>
-        </p:style>
-        <p:txBody>
-          <a:bodyPr rtlCol="0" anchor="ctr"/>
-          <a:lstStyle/>
-          <a:p>
-            <a:pPr algn="ctr"/>
-            <a:endParaRPr lang="en-US"/>
-          </a:p>
-        </p:txBody>
-      </p:sp>
-      <p:sp>
-        <p:nvSpPr>
-          <p:cNvPr id="10" name="Content Placeholder 2">
-            <a:extLst>
-              <a:ext uri="{FF2B5EF4-FFF2-40B4-BE49-F238E27FC236}">
-                <a16:creationId xmlns:a16="http://schemas.microsoft.com/office/drawing/2014/main" id="{01FF1304-DECA-4F55-B6A1-076218B5F0C7}"/>
-              </a:ext>
-            </a:extLst>
-          </p:cNvPr>
-          <p:cNvSpPr txBox="1">
-            <a:spLocks/>
-          </p:cNvSpPr>
-          <p:nvPr/>
-        </p:nvSpPr>
-        <p:spPr>
-          <a:xfrm>
-            <a:off x="295391" y="2319861"/>
-            <a:ext cx="3102529" cy="568683"/>
-          </a:xfrm>
-          <a:prstGeom prst="rect">
-            <a:avLst/>
-          </a:prstGeom>
-        </p:spPr>
-        <p:txBody>
-          <a:bodyPr vert="horz" lIns="91440" tIns="45720" rIns="91440" bIns="45720" rtlCol="0">
-            <a:normAutofit/>
-          </a:bodyPr>
-          <a:lstStyle>
-            <a:lvl1pPr marL="228600" indent="-228600" algn="l" defTabSz="914400" rtl="0" eaLnBrk="1" latinLnBrk="0" hangingPunct="1">
-              <a:lnSpc>
-                <a:spcPct val="90000"/>
-              </a:lnSpc>
-              <a:spcBef>
-                <a:spcPts val="1000"/>
-              </a:spcBef>
-              <a:buFont typeface="Arial" panose="020B0604020202020204" pitchFamily="34" charset="0"/>
-              <a:buChar char="•"/>
-              <a:defRPr sz="2800" kern="1200">
-                <a:solidFill>
-                  <a:schemeClr val="tx1"/>
-                </a:solidFill>
-                <a:latin typeface="+mn-lt"/>
-                <a:ea typeface="+mn-ea"/>
-                <a:cs typeface="+mn-cs"/>
-              </a:defRPr>
-            </a:lvl1pPr>
-            <a:lvl2pPr marL="685800" indent="-228600" algn="l" defTabSz="914400" rtl="0" eaLnBrk="1" latinLnBrk="0" hangingPunct="1">
-              <a:lnSpc>
-                <a:spcPct val="90000"/>
-              </a:lnSpc>
-              <a:spcBef>
-                <a:spcPts val="500"/>
-              </a:spcBef>
-              <a:buFont typeface="Arial" panose="020B0604020202020204" pitchFamily="34" charset="0"/>
-              <a:buChar char="•"/>
-              <a:defRPr sz="2400" kern="1200">
-                <a:solidFill>
-                  <a:schemeClr val="tx1"/>
-                </a:solidFill>
-                <a:latin typeface="+mn-lt"/>
-                <a:ea typeface="+mn-ea"/>
-                <a:cs typeface="+mn-cs"/>
-              </a:defRPr>
-            </a:lvl2pPr>
-            <a:lvl3pPr marL="1143000" indent="-228600" algn="l" defTabSz="914400" rtl="0" eaLnBrk="1" latinLnBrk="0" hangingPunct="1">
-              <a:lnSpc>
-                <a:spcPct val="90000"/>
-              </a:lnSpc>
-              <a:spcBef>
-                <a:spcPts val="500"/>
-              </a:spcBef>
-              <a:buFont typeface="Arial" panose="020B0604020202020204" pitchFamily="34" charset="0"/>
-              <a:buChar char="•"/>
-              <a:defRPr sz="2000" kern="1200">
-                <a:solidFill>
-                  <a:schemeClr val="tx1"/>
-                </a:solidFill>
-                <a:latin typeface="+mn-lt"/>
-                <a:ea typeface="+mn-ea"/>
-                <a:cs typeface="+mn-cs"/>
-              </a:defRPr>
-            </a:lvl3pPr>
-            <a:lvl4pPr marL="1600200" indent="-228600" algn="l" defTabSz="914400" rtl="0" eaLnBrk="1" latinLnBrk="0" hangingPunct="1">
-              <a:lnSpc>
-                <a:spcPct val="90000"/>
-              </a:lnSpc>
-              <a:spcBef>
-                <a:spcPts val="500"/>
-              </a:spcBef>
-              <a:buFont typeface="Arial" panose="020B0604020202020204" pitchFamily="34" charset="0"/>
-              <a:buChar char="•"/>
-              <a:defRPr sz="1800" kern="1200">
-                <a:solidFill>
-                  <a:schemeClr val="tx1"/>
-                </a:solidFill>
-                <a:latin typeface="+mn-lt"/>
-                <a:ea typeface="+mn-ea"/>
-                <a:cs typeface="+mn-cs"/>
-              </a:defRPr>
-            </a:lvl4pPr>
-            <a:lvl5pPr marL="2057400" indent="-228600" algn="l" defTabSz="914400" rtl="0" eaLnBrk="1" latinLnBrk="0" hangingPunct="1">
-              <a:lnSpc>
-                <a:spcPct val="90000"/>
-              </a:lnSpc>
-              <a:spcBef>
-                <a:spcPts val="500"/>
-              </a:spcBef>
-              <a:buFont typeface="Arial" panose="020B0604020202020204" pitchFamily="34" charset="0"/>
-              <a:buChar char="•"/>
-              <a:defRPr sz="1800" kern="1200">
-                <a:solidFill>
-                  <a:schemeClr val="tx1"/>
-                </a:solidFill>
-                <a:latin typeface="+mn-lt"/>
-                <a:ea typeface="+mn-ea"/>
-                <a:cs typeface="+mn-cs"/>
-              </a:defRPr>
-            </a:lvl5pPr>
-            <a:lvl6pPr marL="2514600" indent="-228600" algn="l" defTabSz="914400" rtl="0" eaLnBrk="1" latinLnBrk="0" hangingPunct="1">
-              <a:lnSpc>
-                <a:spcPct val="90000"/>
-              </a:lnSpc>
-              <a:spcBef>
-                <a:spcPts val="500"/>
-              </a:spcBef>
-              <a:buFont typeface="Arial" panose="020B0604020202020204" pitchFamily="34" charset="0"/>
-              <a:buChar char="•"/>
-              <a:defRPr sz="1800" kern="1200">
-                <a:solidFill>
-                  <a:schemeClr val="tx1"/>
-                </a:solidFill>
-                <a:latin typeface="+mn-lt"/>
-                <a:ea typeface="+mn-ea"/>
-                <a:cs typeface="+mn-cs"/>
-              </a:defRPr>
-            </a:lvl6pPr>
-            <a:lvl7pPr marL="2971800" indent="-228600" algn="l" defTabSz="914400" rtl="0" eaLnBrk="1" latinLnBrk="0" hangingPunct="1">
-              <a:lnSpc>
-                <a:spcPct val="90000"/>
-              </a:lnSpc>
-              <a:spcBef>
-                <a:spcPts val="500"/>
-              </a:spcBef>
-              <a:buFont typeface="Arial" panose="020B0604020202020204" pitchFamily="34" charset="0"/>
-              <a:buChar char="•"/>
-              <a:defRPr sz="1800" kern="1200">
-                <a:solidFill>
-                  <a:schemeClr val="tx1"/>
-                </a:solidFill>
-                <a:latin typeface="+mn-lt"/>
-                <a:ea typeface="+mn-ea"/>
-                <a:cs typeface="+mn-cs"/>
-              </a:defRPr>
-            </a:lvl7pPr>
-            <a:lvl8pPr marL="3429000" indent="-228600" algn="l" defTabSz="914400" rtl="0" eaLnBrk="1" latinLnBrk="0" hangingPunct="1">
-              <a:lnSpc>
-                <a:spcPct val="90000"/>
-              </a:lnSpc>
-              <a:spcBef>
-                <a:spcPts val="500"/>
-              </a:spcBef>
-              <a:buFont typeface="Arial" panose="020B0604020202020204" pitchFamily="34" charset="0"/>
-              <a:buChar char="•"/>
-              <a:defRPr sz="1800" kern="1200">
-                <a:solidFill>
-                  <a:schemeClr val="tx1"/>
-                </a:solidFill>
-                <a:latin typeface="+mn-lt"/>
-                <a:ea typeface="+mn-ea"/>
-                <a:cs typeface="+mn-cs"/>
-              </a:defRPr>
-            </a:lvl8pPr>
-            <a:lvl9pPr marL="3886200" indent="-228600" algn="l" defTabSz="914400" rtl="0" eaLnBrk="1" latinLnBrk="0" hangingPunct="1">
-              <a:lnSpc>
-                <a:spcPct val="90000"/>
-              </a:lnSpc>
-              <a:spcBef>
-                <a:spcPts val="500"/>
-              </a:spcBef>
-              <a:buFont typeface="Arial" panose="020B0604020202020204" pitchFamily="34" charset="0"/>
-              <a:buChar char="•"/>
-              <a:defRPr sz="1800" kern="1200">
-                <a:solidFill>
-                  <a:schemeClr val="tx1"/>
-                </a:solidFill>
-                <a:latin typeface="+mn-lt"/>
-                <a:ea typeface="+mn-ea"/>
-                <a:cs typeface="+mn-cs"/>
-              </a:defRPr>
-            </a:lvl9pPr>
-          </a:lstStyle>
-          <a:p>
-            <a:pPr marL="0" indent="0">
-              <a:buFont typeface="Arial" panose="020B0604020202020204" pitchFamily="34" charset="0"/>
-              <a:buNone/>
-            </a:pPr>
-            <a:r>
-              <a:rPr lang="en-US" dirty="0"/>
-              <a:t>Game Application</a:t>
-            </a:r>
-          </a:p>
-        </p:txBody>
-      </p:sp>
-      <p:sp>
-        <p:nvSpPr>
-          <p:cNvPr id="13" name="Content Placeholder 2">
-            <a:extLst>
-              <a:ext uri="{FF2B5EF4-FFF2-40B4-BE49-F238E27FC236}">
-                <a16:creationId xmlns:a16="http://schemas.microsoft.com/office/drawing/2014/main" id="{A285C4B5-ADAC-4F21-B077-BB4EC8362122}"/>
-              </a:ext>
-            </a:extLst>
-          </p:cNvPr>
-          <p:cNvSpPr txBox="1">
-            <a:spLocks/>
-          </p:cNvSpPr>
-          <p:nvPr/>
-        </p:nvSpPr>
-        <p:spPr>
-          <a:xfrm>
-            <a:off x="5046695" y="2291824"/>
-            <a:ext cx="2827435" cy="568683"/>
-          </a:xfrm>
-          <a:prstGeom prst="rect">
-            <a:avLst/>
-          </a:prstGeom>
-        </p:spPr>
-        <p:txBody>
-          <a:bodyPr vert="horz" lIns="91440" tIns="45720" rIns="91440" bIns="45720" rtlCol="0">
-            <a:normAutofit/>
-          </a:bodyPr>
-          <a:lstStyle>
-            <a:lvl1pPr marL="228600" indent="-228600" algn="l" defTabSz="914400" rtl="0" eaLnBrk="1" latinLnBrk="0" hangingPunct="1">
-              <a:lnSpc>
-                <a:spcPct val="90000"/>
-              </a:lnSpc>
-              <a:spcBef>
-                <a:spcPts val="1000"/>
-              </a:spcBef>
-              <a:buFont typeface="Arial" panose="020B0604020202020204" pitchFamily="34" charset="0"/>
-              <a:buChar char="•"/>
-              <a:defRPr sz="2800" kern="1200">
-                <a:solidFill>
-                  <a:schemeClr val="tx1"/>
-                </a:solidFill>
-                <a:latin typeface="+mn-lt"/>
-                <a:ea typeface="+mn-ea"/>
-                <a:cs typeface="+mn-cs"/>
-              </a:defRPr>
-            </a:lvl1pPr>
-            <a:lvl2pPr marL="685800" indent="-228600" algn="l" defTabSz="914400" rtl="0" eaLnBrk="1" latinLnBrk="0" hangingPunct="1">
-              <a:lnSpc>
-                <a:spcPct val="90000"/>
-              </a:lnSpc>
-              <a:spcBef>
-                <a:spcPts val="500"/>
-              </a:spcBef>
-              <a:buFont typeface="Arial" panose="020B0604020202020204" pitchFamily="34" charset="0"/>
-              <a:buChar char="•"/>
-              <a:defRPr sz="2400" kern="1200">
-                <a:solidFill>
-                  <a:schemeClr val="tx1"/>
-                </a:solidFill>
-                <a:latin typeface="+mn-lt"/>
-                <a:ea typeface="+mn-ea"/>
-                <a:cs typeface="+mn-cs"/>
-              </a:defRPr>
-            </a:lvl2pPr>
-            <a:lvl3pPr marL="1143000" indent="-228600" algn="l" defTabSz="914400" rtl="0" eaLnBrk="1" latinLnBrk="0" hangingPunct="1">
-              <a:lnSpc>
-                <a:spcPct val="90000"/>
-              </a:lnSpc>
-              <a:spcBef>
-                <a:spcPts val="500"/>
-              </a:spcBef>
-              <a:buFont typeface="Arial" panose="020B0604020202020204" pitchFamily="34" charset="0"/>
-              <a:buChar char="•"/>
-              <a:defRPr sz="2000" kern="1200">
-                <a:solidFill>
-                  <a:schemeClr val="tx1"/>
-                </a:solidFill>
-                <a:latin typeface="+mn-lt"/>
-                <a:ea typeface="+mn-ea"/>
-                <a:cs typeface="+mn-cs"/>
-              </a:defRPr>
-            </a:lvl3pPr>
-            <a:lvl4pPr marL="1600200" indent="-228600" algn="l" defTabSz="914400" rtl="0" eaLnBrk="1" latinLnBrk="0" hangingPunct="1">
-              <a:lnSpc>
-                <a:spcPct val="90000"/>
-              </a:lnSpc>
-              <a:spcBef>
-                <a:spcPts val="500"/>
-              </a:spcBef>
-              <a:buFont typeface="Arial" panose="020B0604020202020204" pitchFamily="34" charset="0"/>
-              <a:buChar char="•"/>
-              <a:defRPr sz="1800" kern="1200">
-                <a:solidFill>
-                  <a:schemeClr val="tx1"/>
-                </a:solidFill>
-                <a:latin typeface="+mn-lt"/>
-                <a:ea typeface="+mn-ea"/>
-                <a:cs typeface="+mn-cs"/>
-              </a:defRPr>
-            </a:lvl4pPr>
-            <a:lvl5pPr marL="2057400" indent="-228600" algn="l" defTabSz="914400" rtl="0" eaLnBrk="1" latinLnBrk="0" hangingPunct="1">
-              <a:lnSpc>
-                <a:spcPct val="90000"/>
-              </a:lnSpc>
-              <a:spcBef>
-                <a:spcPts val="500"/>
-              </a:spcBef>
-              <a:buFont typeface="Arial" panose="020B0604020202020204" pitchFamily="34" charset="0"/>
-              <a:buChar char="•"/>
-              <a:defRPr sz="1800" kern="1200">
-                <a:solidFill>
-                  <a:schemeClr val="tx1"/>
-                </a:solidFill>
-                <a:latin typeface="+mn-lt"/>
-                <a:ea typeface="+mn-ea"/>
-                <a:cs typeface="+mn-cs"/>
-              </a:defRPr>
-            </a:lvl5pPr>
-            <a:lvl6pPr marL="2514600" indent="-228600" algn="l" defTabSz="914400" rtl="0" eaLnBrk="1" latinLnBrk="0" hangingPunct="1">
-              <a:lnSpc>
-                <a:spcPct val="90000"/>
-              </a:lnSpc>
-              <a:spcBef>
-                <a:spcPts val="500"/>
-              </a:spcBef>
-              <a:buFont typeface="Arial" panose="020B0604020202020204" pitchFamily="34" charset="0"/>
-              <a:buChar char="•"/>
-              <a:defRPr sz="1800" kern="1200">
-                <a:solidFill>
-                  <a:schemeClr val="tx1"/>
-                </a:solidFill>
-                <a:latin typeface="+mn-lt"/>
-                <a:ea typeface="+mn-ea"/>
-                <a:cs typeface="+mn-cs"/>
-              </a:defRPr>
-            </a:lvl6pPr>
-            <a:lvl7pPr marL="2971800" indent="-228600" algn="l" defTabSz="914400" rtl="0" eaLnBrk="1" latinLnBrk="0" hangingPunct="1">
-              <a:lnSpc>
-                <a:spcPct val="90000"/>
-              </a:lnSpc>
-              <a:spcBef>
-                <a:spcPts val="500"/>
-              </a:spcBef>
-              <a:buFont typeface="Arial" panose="020B0604020202020204" pitchFamily="34" charset="0"/>
-              <a:buChar char="•"/>
-              <a:defRPr sz="1800" kern="1200">
-                <a:solidFill>
-                  <a:schemeClr val="tx1"/>
-                </a:solidFill>
-                <a:latin typeface="+mn-lt"/>
-                <a:ea typeface="+mn-ea"/>
-                <a:cs typeface="+mn-cs"/>
-              </a:defRPr>
-            </a:lvl7pPr>
-            <a:lvl8pPr marL="3429000" indent="-228600" algn="l" defTabSz="914400" rtl="0" eaLnBrk="1" latinLnBrk="0" hangingPunct="1">
-              <a:lnSpc>
-                <a:spcPct val="90000"/>
-              </a:lnSpc>
-              <a:spcBef>
-                <a:spcPts val="500"/>
-              </a:spcBef>
-              <a:buFont typeface="Arial" panose="020B0604020202020204" pitchFamily="34" charset="0"/>
-              <a:buChar char="•"/>
-              <a:defRPr sz="1800" kern="1200">
-                <a:solidFill>
-                  <a:schemeClr val="tx1"/>
-                </a:solidFill>
-                <a:latin typeface="+mn-lt"/>
-                <a:ea typeface="+mn-ea"/>
-                <a:cs typeface="+mn-cs"/>
-              </a:defRPr>
-            </a:lvl8pPr>
-            <a:lvl9pPr marL="3886200" indent="-228600" algn="l" defTabSz="914400" rtl="0" eaLnBrk="1" latinLnBrk="0" hangingPunct="1">
-              <a:lnSpc>
-                <a:spcPct val="90000"/>
-              </a:lnSpc>
-              <a:spcBef>
-                <a:spcPts val="500"/>
-              </a:spcBef>
-              <a:buFont typeface="Arial" panose="020B0604020202020204" pitchFamily="34" charset="0"/>
-              <a:buChar char="•"/>
-              <a:defRPr sz="1800" kern="1200">
-                <a:solidFill>
-                  <a:schemeClr val="tx1"/>
-                </a:solidFill>
-                <a:latin typeface="+mn-lt"/>
-                <a:ea typeface="+mn-ea"/>
-                <a:cs typeface="+mn-cs"/>
-              </a:defRPr>
-            </a:lvl9pPr>
-          </a:lstStyle>
-          <a:p>
-            <a:pPr marL="0" indent="0">
-              <a:buFont typeface="Arial" panose="020B0604020202020204" pitchFamily="34" charset="0"/>
-              <a:buNone/>
-            </a:pPr>
-            <a:r>
-              <a:rPr lang="en-US" sz="1800" dirty="0"/>
-              <a:t>GET, POST  site.com/home</a:t>
-            </a:r>
-          </a:p>
-        </p:txBody>
-      </p:sp>
-      <p:sp>
-        <p:nvSpPr>
-          <p:cNvPr id="14" name="Rectangle 13">
-            <a:extLst>
-              <a:ext uri="{FF2B5EF4-FFF2-40B4-BE49-F238E27FC236}">
-                <a16:creationId xmlns:a16="http://schemas.microsoft.com/office/drawing/2014/main" id="{18D70788-A511-4004-BEFE-1E11426D4662}"/>
-              </a:ext>
-            </a:extLst>
-          </p:cNvPr>
-          <p:cNvSpPr/>
-          <p:nvPr/>
-        </p:nvSpPr>
-        <p:spPr>
-          <a:xfrm>
-            <a:off x="8335006" y="1620410"/>
-            <a:ext cx="591429" cy="824506"/>
-          </a:xfrm>
-          <a:prstGeom prst="rect">
-            <a:avLst/>
-          </a:prstGeom>
-        </p:spPr>
-        <p:style>
-          <a:lnRef idx="2">
-            <a:schemeClr val="accent1">
-              <a:shade val="50000"/>
-            </a:schemeClr>
-          </a:lnRef>
-          <a:fillRef idx="1">
-            <a:schemeClr val="accent1"/>
-          </a:fillRef>
-          <a:effectRef idx="0">
-            <a:schemeClr val="accent1"/>
-          </a:effectRef>
-          <a:fontRef idx="minor">
-            <a:schemeClr val="lt1"/>
-          </a:fontRef>
-        </p:style>
-        <p:txBody>
-          <a:bodyPr rtlCol="0" anchor="ctr"/>
-          <a:lstStyle/>
-          <a:p>
-            <a:pPr algn="ctr"/>
-            <a:r>
-              <a:rPr lang="en-US" sz="1400" dirty="0"/>
-              <a:t>http </a:t>
-            </a:r>
-            <a:r>
-              <a:rPr lang="en-US" sz="1400" dirty="0" err="1"/>
-              <a:t>urls</a:t>
-            </a:r>
-            <a:endParaRPr lang="en-US" sz="1400" dirty="0"/>
-          </a:p>
-        </p:txBody>
-      </p:sp>
-      <p:cxnSp>
-        <p:nvCxnSpPr>
-          <p:cNvPr id="18" name="Straight Connector 17">
-            <a:extLst>
-              <a:ext uri="{FF2B5EF4-FFF2-40B4-BE49-F238E27FC236}">
-                <a16:creationId xmlns:a16="http://schemas.microsoft.com/office/drawing/2014/main" id="{79A3F22A-CDC0-4ED5-BEAA-941F86C0ABD3}"/>
-              </a:ext>
-            </a:extLst>
-          </p:cNvPr>
-          <p:cNvCxnSpPr>
-            <a:cxnSpLocks/>
-            <a:stCxn id="4" idx="3"/>
-            <a:endCxn id="8" idx="2"/>
-          </p:cNvCxnSpPr>
-          <p:nvPr/>
-        </p:nvCxnSpPr>
-        <p:spPr>
-          <a:xfrm>
-            <a:off x="4858130" y="2535400"/>
-            <a:ext cx="750878" cy="390248"/>
-          </a:xfrm>
-          <a:prstGeom prst="line">
-            <a:avLst/>
-          </a:prstGeom>
-        </p:spPr>
-        <p:style>
-          <a:lnRef idx="1">
-            <a:schemeClr val="accent1"/>
-          </a:lnRef>
-          <a:fillRef idx="0">
-            <a:schemeClr val="accent1"/>
-          </a:fillRef>
-          <a:effectRef idx="0">
-            <a:schemeClr val="accent1"/>
-          </a:effectRef>
-          <a:fontRef idx="minor">
-            <a:schemeClr val="tx1"/>
-          </a:fontRef>
-        </p:style>
-      </p:cxnSp>
-      <p:cxnSp>
-        <p:nvCxnSpPr>
-          <p:cNvPr id="22" name="Straight Connector 21">
-            <a:extLst>
-              <a:ext uri="{FF2B5EF4-FFF2-40B4-BE49-F238E27FC236}">
-                <a16:creationId xmlns:a16="http://schemas.microsoft.com/office/drawing/2014/main" id="{B2C6BC92-B088-4A57-8CD8-378B7B875C5B}"/>
-              </a:ext>
-            </a:extLst>
-          </p:cNvPr>
-          <p:cNvCxnSpPr>
-            <a:cxnSpLocks/>
-            <a:stCxn id="14" idx="1"/>
-            <a:endCxn id="8" idx="6"/>
-          </p:cNvCxnSpPr>
-          <p:nvPr/>
-        </p:nvCxnSpPr>
-        <p:spPr>
-          <a:xfrm flipH="1">
-            <a:off x="7110763" y="2032663"/>
-            <a:ext cx="1224243" cy="892985"/>
-          </a:xfrm>
-          <a:prstGeom prst="line">
-            <a:avLst/>
-          </a:prstGeom>
-        </p:spPr>
-        <p:style>
-          <a:lnRef idx="1">
-            <a:schemeClr val="accent1"/>
-          </a:lnRef>
-          <a:fillRef idx="0">
-            <a:schemeClr val="accent1"/>
-          </a:fillRef>
-          <a:effectRef idx="0">
-            <a:schemeClr val="accent1"/>
-          </a:effectRef>
-          <a:fontRef idx="minor">
-            <a:schemeClr val="tx1"/>
-          </a:fontRef>
-        </p:style>
-      </p:cxnSp>
-      <p:cxnSp>
-        <p:nvCxnSpPr>
-          <p:cNvPr id="23" name="Straight Connector 22">
-            <a:extLst>
-              <a:ext uri="{FF2B5EF4-FFF2-40B4-BE49-F238E27FC236}">
-                <a16:creationId xmlns:a16="http://schemas.microsoft.com/office/drawing/2014/main" id="{0806B4DF-ECC8-4DD1-A3FB-D64807D022FC}"/>
-              </a:ext>
-            </a:extLst>
-          </p:cNvPr>
-          <p:cNvCxnSpPr>
-            <a:cxnSpLocks/>
-            <a:stCxn id="5" idx="1"/>
-            <a:endCxn id="14" idx="3"/>
-          </p:cNvCxnSpPr>
-          <p:nvPr/>
-        </p:nvCxnSpPr>
-        <p:spPr>
-          <a:xfrm flipH="1">
-            <a:off x="8926435" y="1829436"/>
-            <a:ext cx="617119" cy="203227"/>
-          </a:xfrm>
-          <a:prstGeom prst="line">
-            <a:avLst/>
-          </a:prstGeom>
-        </p:spPr>
-        <p:style>
-          <a:lnRef idx="1">
-            <a:schemeClr val="accent1"/>
-          </a:lnRef>
-          <a:fillRef idx="0">
-            <a:schemeClr val="accent1"/>
-          </a:fillRef>
-          <a:effectRef idx="0">
-            <a:schemeClr val="accent1"/>
-          </a:effectRef>
-          <a:fontRef idx="minor">
-            <a:schemeClr val="tx1"/>
-          </a:fontRef>
-        </p:style>
-      </p:cxnSp>
-      <p:cxnSp>
-        <p:nvCxnSpPr>
-          <p:cNvPr id="25" name="Straight Connector 24">
-            <a:extLst>
-              <a:ext uri="{FF2B5EF4-FFF2-40B4-BE49-F238E27FC236}">
-                <a16:creationId xmlns:a16="http://schemas.microsoft.com/office/drawing/2014/main" id="{4DDF0419-07C2-4433-924A-43DCB8870581}"/>
-              </a:ext>
-            </a:extLst>
-          </p:cNvPr>
-          <p:cNvCxnSpPr>
-            <a:cxnSpLocks/>
-            <a:stCxn id="6" idx="1"/>
-            <a:endCxn id="14" idx="3"/>
-          </p:cNvCxnSpPr>
-          <p:nvPr/>
-        </p:nvCxnSpPr>
-        <p:spPr>
-          <a:xfrm flipH="1" flipV="1">
-            <a:off x="8926435" y="2032663"/>
-            <a:ext cx="617118" cy="365825"/>
-          </a:xfrm>
-          <a:prstGeom prst="line">
-            <a:avLst/>
-          </a:prstGeom>
-        </p:spPr>
-        <p:style>
-          <a:lnRef idx="1">
-            <a:schemeClr val="accent1"/>
-          </a:lnRef>
-          <a:fillRef idx="0">
-            <a:schemeClr val="accent1"/>
-          </a:fillRef>
-          <a:effectRef idx="0">
-            <a:schemeClr val="accent1"/>
-          </a:effectRef>
-          <a:fontRef idx="minor">
-            <a:schemeClr val="tx1"/>
-          </a:fontRef>
-        </p:style>
-      </p:cxnSp>
-      <p:sp>
-        <p:nvSpPr>
-          <p:cNvPr id="28" name="Content Placeholder 2">
-            <a:extLst>
-              <a:ext uri="{FF2B5EF4-FFF2-40B4-BE49-F238E27FC236}">
-                <a16:creationId xmlns:a16="http://schemas.microsoft.com/office/drawing/2014/main" id="{B4AC751D-38C1-44B8-9F11-9155EACEF493}"/>
-              </a:ext>
-            </a:extLst>
-          </p:cNvPr>
-          <p:cNvSpPr txBox="1">
-            <a:spLocks/>
-          </p:cNvSpPr>
-          <p:nvPr/>
-        </p:nvSpPr>
-        <p:spPr>
-          <a:xfrm>
-            <a:off x="8297001" y="943706"/>
-            <a:ext cx="2737185" cy="568683"/>
-          </a:xfrm>
-          <a:prstGeom prst="rect">
-            <a:avLst/>
-          </a:prstGeom>
-        </p:spPr>
-        <p:txBody>
-          <a:bodyPr vert="horz" lIns="91440" tIns="45720" rIns="91440" bIns="45720" rtlCol="0">
-            <a:normAutofit/>
-          </a:bodyPr>
-          <a:lstStyle>
-            <a:lvl1pPr marL="228600" indent="-228600" algn="l" defTabSz="914400" rtl="0" eaLnBrk="1" latinLnBrk="0" hangingPunct="1">
-              <a:lnSpc>
-                <a:spcPct val="90000"/>
-              </a:lnSpc>
-              <a:spcBef>
-                <a:spcPts val="1000"/>
-              </a:spcBef>
-              <a:buFont typeface="Arial" panose="020B0604020202020204" pitchFamily="34" charset="0"/>
-              <a:buChar char="•"/>
-              <a:defRPr sz="2800" kern="1200">
-                <a:solidFill>
-                  <a:schemeClr val="tx1"/>
-                </a:solidFill>
-                <a:latin typeface="+mn-lt"/>
-                <a:ea typeface="+mn-ea"/>
-                <a:cs typeface="+mn-cs"/>
-              </a:defRPr>
-            </a:lvl1pPr>
-            <a:lvl2pPr marL="685800" indent="-228600" algn="l" defTabSz="914400" rtl="0" eaLnBrk="1" latinLnBrk="0" hangingPunct="1">
-              <a:lnSpc>
-                <a:spcPct val="90000"/>
-              </a:lnSpc>
-              <a:spcBef>
-                <a:spcPts val="500"/>
-              </a:spcBef>
-              <a:buFont typeface="Arial" panose="020B0604020202020204" pitchFamily="34" charset="0"/>
-              <a:buChar char="•"/>
-              <a:defRPr sz="2400" kern="1200">
-                <a:solidFill>
-                  <a:schemeClr val="tx1"/>
-                </a:solidFill>
-                <a:latin typeface="+mn-lt"/>
-                <a:ea typeface="+mn-ea"/>
-                <a:cs typeface="+mn-cs"/>
-              </a:defRPr>
-            </a:lvl2pPr>
-            <a:lvl3pPr marL="1143000" indent="-228600" algn="l" defTabSz="914400" rtl="0" eaLnBrk="1" latinLnBrk="0" hangingPunct="1">
-              <a:lnSpc>
-                <a:spcPct val="90000"/>
-              </a:lnSpc>
-              <a:spcBef>
-                <a:spcPts val="500"/>
-              </a:spcBef>
-              <a:buFont typeface="Arial" panose="020B0604020202020204" pitchFamily="34" charset="0"/>
-              <a:buChar char="•"/>
-              <a:defRPr sz="2000" kern="1200">
-                <a:solidFill>
-                  <a:schemeClr val="tx1"/>
-                </a:solidFill>
-                <a:latin typeface="+mn-lt"/>
-                <a:ea typeface="+mn-ea"/>
-                <a:cs typeface="+mn-cs"/>
-              </a:defRPr>
-            </a:lvl3pPr>
-            <a:lvl4pPr marL="1600200" indent="-228600" algn="l" defTabSz="914400" rtl="0" eaLnBrk="1" latinLnBrk="0" hangingPunct="1">
-              <a:lnSpc>
-                <a:spcPct val="90000"/>
-              </a:lnSpc>
-              <a:spcBef>
-                <a:spcPts val="500"/>
-              </a:spcBef>
-              <a:buFont typeface="Arial" panose="020B0604020202020204" pitchFamily="34" charset="0"/>
-              <a:buChar char="•"/>
-              <a:defRPr sz="1800" kern="1200">
-                <a:solidFill>
-                  <a:schemeClr val="tx1"/>
-                </a:solidFill>
-                <a:latin typeface="+mn-lt"/>
-                <a:ea typeface="+mn-ea"/>
-                <a:cs typeface="+mn-cs"/>
-              </a:defRPr>
-            </a:lvl4pPr>
-            <a:lvl5pPr marL="2057400" indent="-228600" algn="l" defTabSz="914400" rtl="0" eaLnBrk="1" latinLnBrk="0" hangingPunct="1">
-              <a:lnSpc>
-                <a:spcPct val="90000"/>
-              </a:lnSpc>
-              <a:spcBef>
-                <a:spcPts val="500"/>
-              </a:spcBef>
-              <a:buFont typeface="Arial" panose="020B0604020202020204" pitchFamily="34" charset="0"/>
-              <a:buChar char="•"/>
-              <a:defRPr sz="1800" kern="1200">
-                <a:solidFill>
-                  <a:schemeClr val="tx1"/>
-                </a:solidFill>
-                <a:latin typeface="+mn-lt"/>
-                <a:ea typeface="+mn-ea"/>
-                <a:cs typeface="+mn-cs"/>
-              </a:defRPr>
-            </a:lvl5pPr>
-            <a:lvl6pPr marL="2514600" indent="-228600" algn="l" defTabSz="914400" rtl="0" eaLnBrk="1" latinLnBrk="0" hangingPunct="1">
-              <a:lnSpc>
-                <a:spcPct val="90000"/>
-              </a:lnSpc>
-              <a:spcBef>
-                <a:spcPts val="500"/>
-              </a:spcBef>
-              <a:buFont typeface="Arial" panose="020B0604020202020204" pitchFamily="34" charset="0"/>
-              <a:buChar char="•"/>
-              <a:defRPr sz="1800" kern="1200">
-                <a:solidFill>
-                  <a:schemeClr val="tx1"/>
-                </a:solidFill>
-                <a:latin typeface="+mn-lt"/>
-                <a:ea typeface="+mn-ea"/>
-                <a:cs typeface="+mn-cs"/>
-              </a:defRPr>
-            </a:lvl6pPr>
-            <a:lvl7pPr marL="2971800" indent="-228600" algn="l" defTabSz="914400" rtl="0" eaLnBrk="1" latinLnBrk="0" hangingPunct="1">
-              <a:lnSpc>
-                <a:spcPct val="90000"/>
-              </a:lnSpc>
-              <a:spcBef>
-                <a:spcPts val="500"/>
-              </a:spcBef>
-              <a:buFont typeface="Arial" panose="020B0604020202020204" pitchFamily="34" charset="0"/>
-              <a:buChar char="•"/>
-              <a:defRPr sz="1800" kern="1200">
-                <a:solidFill>
-                  <a:schemeClr val="tx1"/>
-                </a:solidFill>
-                <a:latin typeface="+mn-lt"/>
-                <a:ea typeface="+mn-ea"/>
-                <a:cs typeface="+mn-cs"/>
-              </a:defRPr>
-            </a:lvl7pPr>
-            <a:lvl8pPr marL="3429000" indent="-228600" algn="l" defTabSz="914400" rtl="0" eaLnBrk="1" latinLnBrk="0" hangingPunct="1">
-              <a:lnSpc>
-                <a:spcPct val="90000"/>
-              </a:lnSpc>
-              <a:spcBef>
-                <a:spcPts val="500"/>
-              </a:spcBef>
-              <a:buFont typeface="Arial" panose="020B0604020202020204" pitchFamily="34" charset="0"/>
-              <a:buChar char="•"/>
-              <a:defRPr sz="1800" kern="1200">
-                <a:solidFill>
-                  <a:schemeClr val="tx1"/>
-                </a:solidFill>
-                <a:latin typeface="+mn-lt"/>
-                <a:ea typeface="+mn-ea"/>
-                <a:cs typeface="+mn-cs"/>
-              </a:defRPr>
-            </a:lvl8pPr>
-            <a:lvl9pPr marL="3886200" indent="-228600" algn="l" defTabSz="914400" rtl="0" eaLnBrk="1" latinLnBrk="0" hangingPunct="1">
-              <a:lnSpc>
-                <a:spcPct val="90000"/>
-              </a:lnSpc>
-              <a:spcBef>
-                <a:spcPts val="500"/>
-              </a:spcBef>
-              <a:buFont typeface="Arial" panose="020B0604020202020204" pitchFamily="34" charset="0"/>
-              <a:buChar char="•"/>
-              <a:defRPr sz="1800" kern="1200">
-                <a:solidFill>
-                  <a:schemeClr val="tx1"/>
-                </a:solidFill>
-                <a:latin typeface="+mn-lt"/>
-                <a:ea typeface="+mn-ea"/>
-                <a:cs typeface="+mn-cs"/>
-              </a:defRPr>
-            </a:lvl9pPr>
-          </a:lstStyle>
-          <a:p>
-            <a:pPr marL="0" indent="0">
-              <a:buFont typeface="Arial" panose="020B0604020202020204" pitchFamily="34" charset="0"/>
-              <a:buNone/>
-            </a:pPr>
-            <a:r>
-              <a:rPr lang="en-US" dirty="0"/>
-              <a:t>Our DB, App, ML</a:t>
-            </a:r>
-          </a:p>
-        </p:txBody>
-      </p:sp>
-      <p:cxnSp>
-        <p:nvCxnSpPr>
-          <p:cNvPr id="95" name="Straight Connector 94">
-            <a:extLst>
-              <a:ext uri="{FF2B5EF4-FFF2-40B4-BE49-F238E27FC236}">
-                <a16:creationId xmlns:a16="http://schemas.microsoft.com/office/drawing/2014/main" id="{25A67F01-22D8-43DC-868C-AD8173DC2CCB}"/>
-              </a:ext>
-            </a:extLst>
-          </p:cNvPr>
-          <p:cNvCxnSpPr>
-            <a:cxnSpLocks/>
-            <a:stCxn id="7" idx="1"/>
-            <a:endCxn id="14" idx="3"/>
-          </p:cNvCxnSpPr>
-          <p:nvPr/>
-        </p:nvCxnSpPr>
-        <p:spPr>
-          <a:xfrm flipH="1" flipV="1">
-            <a:off x="8926435" y="2032663"/>
-            <a:ext cx="617118" cy="905426"/>
-          </a:xfrm>
-          <a:prstGeom prst="line">
-            <a:avLst/>
-          </a:prstGeom>
-        </p:spPr>
-        <p:style>
-          <a:lnRef idx="1">
-            <a:schemeClr val="accent1"/>
-          </a:lnRef>
-          <a:fillRef idx="0">
-            <a:schemeClr val="accent1"/>
-          </a:fillRef>
-          <a:effectRef idx="0">
-            <a:schemeClr val="accent1"/>
-          </a:effectRef>
-          <a:fontRef idx="minor">
-            <a:schemeClr val="tx1"/>
-          </a:fontRef>
-        </p:style>
-      </p:cxnSp>
+              <a:t>Today:  Platform to deploy ML as web application</a:t>
+            </a:r>
+          </a:p>
+          <a:p>
+            <a:r>
+              <a:rPr lang="en-US" dirty="0"/>
+              <a:t>Tomorrow: Platform for Internet-of-Things applications</a:t>
+            </a:r>
+          </a:p>
+          <a:p>
+            <a:pPr lvl="1"/>
+            <a:r>
+              <a:rPr lang="en-US" dirty="0"/>
+              <a:t>Front-end is Raspberry Pi running Python</a:t>
+            </a:r>
+          </a:p>
+          <a:p>
+            <a:pPr lvl="1"/>
+            <a:r>
+              <a:rPr lang="en-US" dirty="0"/>
+              <a:t>Back-end is “smarts” (database, ML model)</a:t>
+            </a:r>
+          </a:p>
+          <a:p>
+            <a:r>
+              <a:rPr lang="en-US" dirty="0"/>
+              <a:t>Day 3: Access OTHER web APIs</a:t>
+            </a:r>
+          </a:p>
+          <a:p>
+            <a:pPr lvl="1"/>
+            <a:r>
+              <a:rPr lang="en-US" dirty="0"/>
+              <a:t>Google Maps</a:t>
+            </a:r>
+          </a:p>
+          <a:p>
+            <a:pPr lvl="1"/>
+            <a:r>
+              <a:rPr lang="en-US" dirty="0"/>
+              <a:t>Geolocation</a:t>
+            </a:r>
+          </a:p>
+          <a:p>
+            <a:pPr lvl="1"/>
+            <a:r>
+              <a:rPr lang="en-US" dirty="0"/>
+              <a:t>NASA</a:t>
+            </a:r>
+          </a:p>
+          <a:p>
+            <a:pPr lvl="1"/>
+            <a:r>
+              <a:rPr lang="en-US" dirty="0"/>
+              <a:t>Chuck Norris Jokes</a:t>
+            </a:r>
+          </a:p>
+          <a:p>
+            <a:pPr lvl="1"/>
+            <a:r>
+              <a:rPr lang="en-US" dirty="0"/>
+              <a:t>Speech-to-Text</a:t>
+            </a:r>
+          </a:p>
+          <a:p>
+            <a:pPr lvl="1"/>
+            <a:r>
+              <a:rPr lang="en-US" dirty="0"/>
+              <a:t>Lots of Amazing Stuff</a:t>
+            </a:r>
+          </a:p>
+        </p:txBody>
+      </p:sp>
     </p:spTree>
     <p:extLst>
       <p:ext uri="{BB962C8B-B14F-4D97-AF65-F5344CB8AC3E}">
-        <p14:creationId xmlns:p14="http://schemas.microsoft.com/office/powerpoint/2010/main" val="2899820502"/>
+        <p14:creationId xmlns:p14="http://schemas.microsoft.com/office/powerpoint/2010/main" val="1850254339"/>
       </p:ext>
     </p:extLst>
   </p:cSld>
@@ -7762,7 +7028,7 @@
             </a:br>
             <a:r>
               <a:rPr lang="en-US" sz="3200" dirty="0"/>
-              <a:t>Tomorrow...</a:t>
+              <a:t>Today...</a:t>
             </a:r>
             <a:endParaRPr lang="en-US" dirty="0"/>
           </a:p>
@@ -8517,274 +7783,6 @@
               <a:t>urls</a:t>
             </a:r>
             <a:endParaRPr lang="en-US" sz="1400" dirty="0"/>
-          </a:p>
-        </p:txBody>
-      </p:sp>
-      <p:sp>
-        <p:nvSpPr>
-          <p:cNvPr id="15" name="Rectangle 14">
-            <a:extLst>
-              <a:ext uri="{FF2B5EF4-FFF2-40B4-BE49-F238E27FC236}">
-                <a16:creationId xmlns:a16="http://schemas.microsoft.com/office/drawing/2014/main" id="{2A63D263-9BBB-40A3-BEDF-006A53F2B6D3}"/>
-              </a:ext>
-            </a:extLst>
-          </p:cNvPr>
-          <p:cNvSpPr/>
-          <p:nvPr/>
-        </p:nvSpPr>
-        <p:spPr>
-          <a:xfrm>
-            <a:off x="3177887" y="3144177"/>
-            <a:ext cx="1694577" cy="914400"/>
-          </a:xfrm>
-          <a:prstGeom prst="rect">
-            <a:avLst/>
-          </a:prstGeom>
-          <a:solidFill>
-            <a:schemeClr val="accent6"/>
-          </a:solidFill>
-        </p:spPr>
-        <p:style>
-          <a:lnRef idx="2">
-            <a:schemeClr val="accent1">
-              <a:shade val="50000"/>
-            </a:schemeClr>
-          </a:lnRef>
-          <a:fillRef idx="1">
-            <a:schemeClr val="accent1"/>
-          </a:fillRef>
-          <a:effectRef idx="0">
-            <a:schemeClr val="accent1"/>
-          </a:effectRef>
-          <a:fontRef idx="minor">
-            <a:schemeClr val="lt1"/>
-          </a:fontRef>
-        </p:style>
-        <p:txBody>
-          <a:bodyPr rtlCol="0" anchor="ctr"/>
-          <a:lstStyle/>
-          <a:p>
-            <a:pPr algn="ctr"/>
-            <a:r>
-              <a:rPr lang="en-US" dirty="0"/>
-              <a:t>Raspberry Pi + Python</a:t>
-            </a:r>
-          </a:p>
-        </p:txBody>
-      </p:sp>
-      <p:sp>
-        <p:nvSpPr>
-          <p:cNvPr id="16" name="Content Placeholder 2">
-            <a:extLst>
-              <a:ext uri="{FF2B5EF4-FFF2-40B4-BE49-F238E27FC236}">
-                <a16:creationId xmlns:a16="http://schemas.microsoft.com/office/drawing/2014/main" id="{5F523BA2-49F9-425B-ACD0-9C9479C41BDB}"/>
-              </a:ext>
-            </a:extLst>
-          </p:cNvPr>
-          <p:cNvSpPr txBox="1">
-            <a:spLocks/>
-          </p:cNvSpPr>
-          <p:nvPr/>
-        </p:nvSpPr>
-        <p:spPr>
-          <a:xfrm>
-            <a:off x="5169276" y="3400246"/>
-            <a:ext cx="2827435" cy="568683"/>
-          </a:xfrm>
-          <a:prstGeom prst="rect">
-            <a:avLst/>
-          </a:prstGeom>
-        </p:spPr>
-        <p:txBody>
-          <a:bodyPr vert="horz" lIns="91440" tIns="45720" rIns="91440" bIns="45720" rtlCol="0">
-            <a:normAutofit/>
-          </a:bodyPr>
-          <a:lstStyle>
-            <a:lvl1pPr marL="228600" indent="-228600" algn="l" defTabSz="914400" rtl="0" eaLnBrk="1" latinLnBrk="0" hangingPunct="1">
-              <a:lnSpc>
-                <a:spcPct val="90000"/>
-              </a:lnSpc>
-              <a:spcBef>
-                <a:spcPts val="1000"/>
-              </a:spcBef>
-              <a:buFont typeface="Arial" panose="020B0604020202020204" pitchFamily="34" charset="0"/>
-              <a:buChar char="•"/>
-              <a:defRPr sz="2800" kern="1200">
-                <a:solidFill>
-                  <a:schemeClr val="tx1"/>
-                </a:solidFill>
-                <a:latin typeface="+mn-lt"/>
-                <a:ea typeface="+mn-ea"/>
-                <a:cs typeface="+mn-cs"/>
-              </a:defRPr>
-            </a:lvl1pPr>
-            <a:lvl2pPr marL="685800" indent="-228600" algn="l" defTabSz="914400" rtl="0" eaLnBrk="1" latinLnBrk="0" hangingPunct="1">
-              <a:lnSpc>
-                <a:spcPct val="90000"/>
-              </a:lnSpc>
-              <a:spcBef>
-                <a:spcPts val="500"/>
-              </a:spcBef>
-              <a:buFont typeface="Arial" panose="020B0604020202020204" pitchFamily="34" charset="0"/>
-              <a:buChar char="•"/>
-              <a:defRPr sz="2400" kern="1200">
-                <a:solidFill>
-                  <a:schemeClr val="tx1"/>
-                </a:solidFill>
-                <a:latin typeface="+mn-lt"/>
-                <a:ea typeface="+mn-ea"/>
-                <a:cs typeface="+mn-cs"/>
-              </a:defRPr>
-            </a:lvl2pPr>
-            <a:lvl3pPr marL="1143000" indent="-228600" algn="l" defTabSz="914400" rtl="0" eaLnBrk="1" latinLnBrk="0" hangingPunct="1">
-              <a:lnSpc>
-                <a:spcPct val="90000"/>
-              </a:lnSpc>
-              <a:spcBef>
-                <a:spcPts val="500"/>
-              </a:spcBef>
-              <a:buFont typeface="Arial" panose="020B0604020202020204" pitchFamily="34" charset="0"/>
-              <a:buChar char="•"/>
-              <a:defRPr sz="2000" kern="1200">
-                <a:solidFill>
-                  <a:schemeClr val="tx1"/>
-                </a:solidFill>
-                <a:latin typeface="+mn-lt"/>
-                <a:ea typeface="+mn-ea"/>
-                <a:cs typeface="+mn-cs"/>
-              </a:defRPr>
-            </a:lvl3pPr>
-            <a:lvl4pPr marL="1600200" indent="-228600" algn="l" defTabSz="914400" rtl="0" eaLnBrk="1" latinLnBrk="0" hangingPunct="1">
-              <a:lnSpc>
-                <a:spcPct val="90000"/>
-              </a:lnSpc>
-              <a:spcBef>
-                <a:spcPts val="500"/>
-              </a:spcBef>
-              <a:buFont typeface="Arial" panose="020B0604020202020204" pitchFamily="34" charset="0"/>
-              <a:buChar char="•"/>
-              <a:defRPr sz="1800" kern="1200">
-                <a:solidFill>
-                  <a:schemeClr val="tx1"/>
-                </a:solidFill>
-                <a:latin typeface="+mn-lt"/>
-                <a:ea typeface="+mn-ea"/>
-                <a:cs typeface="+mn-cs"/>
-              </a:defRPr>
-            </a:lvl4pPr>
-            <a:lvl5pPr marL="2057400" indent="-228600" algn="l" defTabSz="914400" rtl="0" eaLnBrk="1" latinLnBrk="0" hangingPunct="1">
-              <a:lnSpc>
-                <a:spcPct val="90000"/>
-              </a:lnSpc>
-              <a:spcBef>
-                <a:spcPts val="500"/>
-              </a:spcBef>
-              <a:buFont typeface="Arial" panose="020B0604020202020204" pitchFamily="34" charset="0"/>
-              <a:buChar char="•"/>
-              <a:defRPr sz="1800" kern="1200">
-                <a:solidFill>
-                  <a:schemeClr val="tx1"/>
-                </a:solidFill>
-                <a:latin typeface="+mn-lt"/>
-                <a:ea typeface="+mn-ea"/>
-                <a:cs typeface="+mn-cs"/>
-              </a:defRPr>
-            </a:lvl5pPr>
-            <a:lvl6pPr marL="2514600" indent="-228600" algn="l" defTabSz="914400" rtl="0" eaLnBrk="1" latinLnBrk="0" hangingPunct="1">
-              <a:lnSpc>
-                <a:spcPct val="90000"/>
-              </a:lnSpc>
-              <a:spcBef>
-                <a:spcPts val="500"/>
-              </a:spcBef>
-              <a:buFont typeface="Arial" panose="020B0604020202020204" pitchFamily="34" charset="0"/>
-              <a:buChar char="•"/>
-              <a:defRPr sz="1800" kern="1200">
-                <a:solidFill>
-                  <a:schemeClr val="tx1"/>
-                </a:solidFill>
-                <a:latin typeface="+mn-lt"/>
-                <a:ea typeface="+mn-ea"/>
-                <a:cs typeface="+mn-cs"/>
-              </a:defRPr>
-            </a:lvl6pPr>
-            <a:lvl7pPr marL="2971800" indent="-228600" algn="l" defTabSz="914400" rtl="0" eaLnBrk="1" latinLnBrk="0" hangingPunct="1">
-              <a:lnSpc>
-                <a:spcPct val="90000"/>
-              </a:lnSpc>
-              <a:spcBef>
-                <a:spcPts val="500"/>
-              </a:spcBef>
-              <a:buFont typeface="Arial" panose="020B0604020202020204" pitchFamily="34" charset="0"/>
-              <a:buChar char="•"/>
-              <a:defRPr sz="1800" kern="1200">
-                <a:solidFill>
-                  <a:schemeClr val="tx1"/>
-                </a:solidFill>
-                <a:latin typeface="+mn-lt"/>
-                <a:ea typeface="+mn-ea"/>
-                <a:cs typeface="+mn-cs"/>
-              </a:defRPr>
-            </a:lvl7pPr>
-            <a:lvl8pPr marL="3429000" indent="-228600" algn="l" defTabSz="914400" rtl="0" eaLnBrk="1" latinLnBrk="0" hangingPunct="1">
-              <a:lnSpc>
-                <a:spcPct val="90000"/>
-              </a:lnSpc>
-              <a:spcBef>
-                <a:spcPts val="500"/>
-              </a:spcBef>
-              <a:buFont typeface="Arial" panose="020B0604020202020204" pitchFamily="34" charset="0"/>
-              <a:buChar char="•"/>
-              <a:defRPr sz="1800" kern="1200">
-                <a:solidFill>
-                  <a:schemeClr val="tx1"/>
-                </a:solidFill>
-                <a:latin typeface="+mn-lt"/>
-                <a:ea typeface="+mn-ea"/>
-                <a:cs typeface="+mn-cs"/>
-              </a:defRPr>
-            </a:lvl8pPr>
-            <a:lvl9pPr marL="3886200" indent="-228600" algn="l" defTabSz="914400" rtl="0" eaLnBrk="1" latinLnBrk="0" hangingPunct="1">
-              <a:lnSpc>
-                <a:spcPct val="90000"/>
-              </a:lnSpc>
-              <a:spcBef>
-                <a:spcPts val="500"/>
-              </a:spcBef>
-              <a:buFont typeface="Arial" panose="020B0604020202020204" pitchFamily="34" charset="0"/>
-              <a:buChar char="•"/>
-              <a:defRPr sz="1800" kern="1200">
-                <a:solidFill>
-                  <a:schemeClr val="tx1"/>
-                </a:solidFill>
-                <a:latin typeface="+mn-lt"/>
-                <a:ea typeface="+mn-ea"/>
-                <a:cs typeface="+mn-cs"/>
-              </a:defRPr>
-            </a:lvl9pPr>
-          </a:lstStyle>
-          <a:p>
-            <a:pPr marL="0" indent="0">
-              <a:buFont typeface="Arial" panose="020B0604020202020204" pitchFamily="34" charset="0"/>
-              <a:buNone/>
-            </a:pPr>
-            <a:r>
-              <a:rPr lang="en-US" sz="1800" dirty="0"/>
-              <a:t>GET, POST  site.com/</a:t>
-            </a:r>
-            <a:r>
-              <a:rPr lang="en-US" sz="1800" dirty="0" err="1">
-                <a:highlight>
-                  <a:srgbClr val="00FF00"/>
-                </a:highlight>
-              </a:rPr>
-              <a:t>api</a:t>
-            </a:r>
-            <a:endParaRPr lang="en-US" sz="1800" dirty="0">
-              <a:highlight>
-                <a:srgbClr val="00FF00"/>
-              </a:highlight>
-            </a:endParaRPr>
           </a:p>
         </p:txBody>
       </p:sp>
@@ -8830,46 +7828,6 @@
       </p:cxnSp>
       <p:cxnSp>
         <p:nvCxnSpPr>
-          <p:cNvPr id="19" name="Straight Connector 18">
-            <a:extLst>
-              <a:ext uri="{FF2B5EF4-FFF2-40B4-BE49-F238E27FC236}">
-                <a16:creationId xmlns:a16="http://schemas.microsoft.com/office/drawing/2014/main" id="{464D9C67-8C5E-4338-8816-6D9C343901FD}"/>
-              </a:ext>
-            </a:extLst>
-          </p:cNvPr>
-          <p:cNvCxnSpPr>
-            <a:cxnSpLocks/>
-            <a:stCxn id="15" idx="3"/>
-            <a:endCxn id="8" idx="2"/>
-          </p:cNvCxnSpPr>
-          <p:nvPr/>
-        </p:nvCxnSpPr>
-        <p:spPr>
-          <a:xfrm flipV="1">
-            <a:off x="4872464" y="2925648"/>
-            <a:ext cx="736544" cy="675729"/>
-          </a:xfrm>
-          <a:prstGeom prst="line">
-            <a:avLst/>
-          </a:prstGeom>
-        </p:spPr>
-        <p:style>
-          <a:lnRef idx="1">
-            <a:schemeClr val="accent1"/>
-          </a:lnRef>
-          <a:fillRef idx="0">
-            <a:schemeClr val="accent1"/>
-          </a:fillRef>
-          <a:effectRef idx="0">
-            <a:schemeClr val="accent1"/>
-          </a:effectRef>
-          <a:fontRef idx="minor">
-            <a:schemeClr val="tx1"/>
-          </a:fontRef>
-        </p:style>
-      </p:cxnSp>
-      <p:cxnSp>
-        <p:nvCxnSpPr>
           <p:cNvPr id="22" name="Straight Connector 21">
             <a:extLst>
               <a:ext uri="{FF2B5EF4-FFF2-40B4-BE49-F238E27FC236}">
@@ -8908,104 +7866,6 @@
           </a:fontRef>
         </p:style>
       </p:cxnSp>
-      <p:sp>
-        <p:nvSpPr>
-          <p:cNvPr id="26" name="Rectangle 25">
-            <a:extLst>
-              <a:ext uri="{FF2B5EF4-FFF2-40B4-BE49-F238E27FC236}">
-                <a16:creationId xmlns:a16="http://schemas.microsoft.com/office/drawing/2014/main" id="{1E45162A-97F2-4EC2-9D2D-EFFEE5DC827D}"/>
-              </a:ext>
-            </a:extLst>
-          </p:cNvPr>
-          <p:cNvSpPr/>
-          <p:nvPr/>
-        </p:nvSpPr>
-        <p:spPr>
-          <a:xfrm>
-            <a:off x="8335006" y="2444916"/>
-            <a:ext cx="591429" cy="824507"/>
-          </a:xfrm>
-          <a:prstGeom prst="rect">
-            <a:avLst/>
-          </a:prstGeom>
-        </p:spPr>
-        <p:style>
-          <a:lnRef idx="2">
-            <a:schemeClr val="accent1">
-              <a:shade val="50000"/>
-            </a:schemeClr>
-          </a:lnRef>
-          <a:fillRef idx="1">
-            <a:schemeClr val="accent1"/>
-          </a:fillRef>
-          <a:effectRef idx="0">
-            <a:schemeClr val="accent1"/>
-          </a:effectRef>
-          <a:fontRef idx="minor">
-            <a:schemeClr val="lt1"/>
-          </a:fontRef>
-        </p:style>
-        <p:txBody>
-          <a:bodyPr rtlCol="0" anchor="ctr"/>
-          <a:lstStyle/>
-          <a:p>
-            <a:pPr algn="ctr"/>
-            <a:r>
-              <a:rPr lang="en-US" sz="1400" dirty="0" err="1"/>
-              <a:t>api</a:t>
-            </a:r>
-            <a:r>
-              <a:rPr lang="en-US" sz="1400" dirty="0"/>
-              <a:t> </a:t>
-            </a:r>
-            <a:r>
-              <a:rPr lang="en-US" sz="1400" dirty="0" err="1"/>
-              <a:t>urls</a:t>
-            </a:r>
-            <a:endParaRPr lang="en-US" sz="1400" dirty="0"/>
-          </a:p>
-        </p:txBody>
-      </p:sp>
-      <p:cxnSp>
-        <p:nvCxnSpPr>
-          <p:cNvPr id="27" name="Straight Connector 26">
-            <a:extLst>
-              <a:ext uri="{FF2B5EF4-FFF2-40B4-BE49-F238E27FC236}">
-                <a16:creationId xmlns:a16="http://schemas.microsoft.com/office/drawing/2014/main" id="{33F33A00-8F5C-4113-8B66-DCE248BD0388}"/>
-              </a:ext>
-            </a:extLst>
-          </p:cNvPr>
-          <p:cNvCxnSpPr>
-            <a:cxnSpLocks/>
-            <a:stCxn id="26" idx="1"/>
-            <a:endCxn id="8" idx="6"/>
-          </p:cNvCxnSpPr>
-          <p:nvPr/>
-        </p:nvCxnSpPr>
-        <p:spPr>
-          <a:xfrm flipH="1">
-            <a:off x="7110763" y="2857170"/>
-            <a:ext cx="1224243" cy="68478"/>
-          </a:xfrm>
-          <a:prstGeom prst="line">
-            <a:avLst/>
-          </a:prstGeom>
-        </p:spPr>
-        <p:style>
-          <a:lnRef idx="1">
-            <a:schemeClr val="accent1"/>
-          </a:lnRef>
-          <a:fillRef idx="0">
-            <a:schemeClr val="accent1"/>
-          </a:fillRef>
-          <a:effectRef idx="0">
-            <a:schemeClr val="accent1"/>
-          </a:effectRef>
-          <a:fontRef idx="minor">
-            <a:schemeClr val="tx1"/>
-          </a:fontRef>
-        </p:style>
-      </p:cxnSp>
       <p:cxnSp>
         <p:nvCxnSpPr>
           <p:cNvPr id="23" name="Straight Connector 22">
@@ -9018,14 +7878,14 @@
           <p:cNvCxnSpPr>
             <a:cxnSpLocks/>
             <a:stCxn id="5" idx="1"/>
-            <a:endCxn id="26" idx="3"/>
+            <a:endCxn id="14" idx="3"/>
           </p:cNvCxnSpPr>
           <p:nvPr/>
         </p:nvCxnSpPr>
         <p:spPr>
           <a:xfrm flipH="1">
             <a:off x="8926435" y="1829436"/>
-            <a:ext cx="617119" cy="1027734"/>
+            <a:ext cx="617119" cy="203227"/>
           </a:xfrm>
           <a:prstGeom prst="line">
             <a:avLst/>
@@ -9058,14 +7918,14 @@
           <p:cNvCxnSpPr>
             <a:cxnSpLocks/>
             <a:stCxn id="6" idx="1"/>
-            <a:endCxn id="26" idx="3"/>
+            <a:endCxn id="14" idx="3"/>
           </p:cNvCxnSpPr>
           <p:nvPr/>
         </p:nvCxnSpPr>
         <p:spPr>
-          <a:xfrm flipH="1">
-            <a:off x="8926435" y="2398488"/>
-            <a:ext cx="617118" cy="458682"/>
+          <a:xfrm flipH="1" flipV="1">
+            <a:off x="8926435" y="2032663"/>
+            <a:ext cx="617118" cy="365825"/>
           </a:xfrm>
           <a:prstGeom prst="line">
             <a:avLst/>
@@ -9289,213 +8149,50 @@
           </a:p>
         </p:txBody>
       </p:sp>
-      <p:sp>
-        <p:nvSpPr>
-          <p:cNvPr id="40" name="Content Placeholder 2">
-            <a:extLst>
-              <a:ext uri="{FF2B5EF4-FFF2-40B4-BE49-F238E27FC236}">
-                <a16:creationId xmlns:a16="http://schemas.microsoft.com/office/drawing/2014/main" id="{5EA38B3B-DE41-4DA7-A03C-9458B4948D1D}"/>
-              </a:ext>
-            </a:extLst>
-          </p:cNvPr>
-          <p:cNvSpPr txBox="1">
-            <a:spLocks/>
-          </p:cNvSpPr>
+      <p:cxnSp>
+        <p:nvCxnSpPr>
+          <p:cNvPr id="95" name="Straight Connector 94">
+            <a:extLst>
+              <a:ext uri="{FF2B5EF4-FFF2-40B4-BE49-F238E27FC236}">
+                <a16:creationId xmlns:a16="http://schemas.microsoft.com/office/drawing/2014/main" id="{25A67F01-22D8-43DC-868C-AD8173DC2CCB}"/>
+              </a:ext>
+            </a:extLst>
+          </p:cNvPr>
+          <p:cNvCxnSpPr>
+            <a:cxnSpLocks/>
+            <a:stCxn id="7" idx="1"/>
+            <a:endCxn id="14" idx="3"/>
+          </p:cNvCxnSpPr>
           <p:nvPr/>
-        </p:nvSpPr>
+        </p:nvCxnSpPr>
         <p:spPr>
-          <a:xfrm>
-            <a:off x="871863" y="3301916"/>
-            <a:ext cx="1785073" cy="568683"/>
+          <a:xfrm flipH="1" flipV="1">
+            <a:off x="8926435" y="2032663"/>
+            <a:ext cx="617118" cy="905426"/>
           </a:xfrm>
-          <a:prstGeom prst="rect">
+          <a:prstGeom prst="line">
             <a:avLst/>
           </a:prstGeom>
         </p:spPr>
-        <p:txBody>
-          <a:bodyPr vert="horz" lIns="91440" tIns="45720" rIns="91440" bIns="45720" rtlCol="0">
-            <a:normAutofit/>
-          </a:bodyPr>
-          <a:lstStyle>
-            <a:lvl1pPr marL="228600" indent="-228600" algn="l" defTabSz="914400" rtl="0" eaLnBrk="1" latinLnBrk="0" hangingPunct="1">
-              <a:lnSpc>
-                <a:spcPct val="90000"/>
-              </a:lnSpc>
-              <a:spcBef>
-                <a:spcPts val="1000"/>
-              </a:spcBef>
-              <a:buFont typeface="Arial" panose="020B0604020202020204" pitchFamily="34" charset="0"/>
-              <a:buChar char="•"/>
-              <a:defRPr sz="2800" kern="1200">
-                <a:solidFill>
-                  <a:schemeClr val="tx1"/>
-                </a:solidFill>
-                <a:latin typeface="+mn-lt"/>
-                <a:ea typeface="+mn-ea"/>
-                <a:cs typeface="+mn-cs"/>
-              </a:defRPr>
-            </a:lvl1pPr>
-            <a:lvl2pPr marL="685800" indent="-228600" algn="l" defTabSz="914400" rtl="0" eaLnBrk="1" latinLnBrk="0" hangingPunct="1">
-              <a:lnSpc>
-                <a:spcPct val="90000"/>
-              </a:lnSpc>
-              <a:spcBef>
-                <a:spcPts val="500"/>
-              </a:spcBef>
-              <a:buFont typeface="Arial" panose="020B0604020202020204" pitchFamily="34" charset="0"/>
-              <a:buChar char="•"/>
-              <a:defRPr sz="2400" kern="1200">
-                <a:solidFill>
-                  <a:schemeClr val="tx1"/>
-                </a:solidFill>
-                <a:latin typeface="+mn-lt"/>
-                <a:ea typeface="+mn-ea"/>
-                <a:cs typeface="+mn-cs"/>
-              </a:defRPr>
-            </a:lvl2pPr>
-            <a:lvl3pPr marL="1143000" indent="-228600" algn="l" defTabSz="914400" rtl="0" eaLnBrk="1" latinLnBrk="0" hangingPunct="1">
-              <a:lnSpc>
-                <a:spcPct val="90000"/>
-              </a:lnSpc>
-              <a:spcBef>
-                <a:spcPts val="500"/>
-              </a:spcBef>
-              <a:buFont typeface="Arial" panose="020B0604020202020204" pitchFamily="34" charset="0"/>
-              <a:buChar char="•"/>
-              <a:defRPr sz="2000" kern="1200">
-                <a:solidFill>
-                  <a:schemeClr val="tx1"/>
-                </a:solidFill>
-                <a:latin typeface="+mn-lt"/>
-                <a:ea typeface="+mn-ea"/>
-                <a:cs typeface="+mn-cs"/>
-              </a:defRPr>
-            </a:lvl3pPr>
-            <a:lvl4pPr marL="1600200" indent="-228600" algn="l" defTabSz="914400" rtl="0" eaLnBrk="1" latinLnBrk="0" hangingPunct="1">
-              <a:lnSpc>
-                <a:spcPct val="90000"/>
-              </a:lnSpc>
-              <a:spcBef>
-                <a:spcPts val="500"/>
-              </a:spcBef>
-              <a:buFont typeface="Arial" panose="020B0604020202020204" pitchFamily="34" charset="0"/>
-              <a:buChar char="•"/>
-              <a:defRPr sz="1800" kern="1200">
-                <a:solidFill>
-                  <a:schemeClr val="tx1"/>
-                </a:solidFill>
-                <a:latin typeface="+mn-lt"/>
-                <a:ea typeface="+mn-ea"/>
-                <a:cs typeface="+mn-cs"/>
-              </a:defRPr>
-            </a:lvl4pPr>
-            <a:lvl5pPr marL="2057400" indent="-228600" algn="l" defTabSz="914400" rtl="0" eaLnBrk="1" latinLnBrk="0" hangingPunct="1">
-              <a:lnSpc>
-                <a:spcPct val="90000"/>
-              </a:lnSpc>
-              <a:spcBef>
-                <a:spcPts val="500"/>
-              </a:spcBef>
-              <a:buFont typeface="Arial" panose="020B0604020202020204" pitchFamily="34" charset="0"/>
-              <a:buChar char="•"/>
-              <a:defRPr sz="1800" kern="1200">
-                <a:solidFill>
-                  <a:schemeClr val="tx1"/>
-                </a:solidFill>
-                <a:latin typeface="+mn-lt"/>
-                <a:ea typeface="+mn-ea"/>
-                <a:cs typeface="+mn-cs"/>
-              </a:defRPr>
-            </a:lvl5pPr>
-            <a:lvl6pPr marL="2514600" indent="-228600" algn="l" defTabSz="914400" rtl="0" eaLnBrk="1" latinLnBrk="0" hangingPunct="1">
-              <a:lnSpc>
-                <a:spcPct val="90000"/>
-              </a:lnSpc>
-              <a:spcBef>
-                <a:spcPts val="500"/>
-              </a:spcBef>
-              <a:buFont typeface="Arial" panose="020B0604020202020204" pitchFamily="34" charset="0"/>
-              <a:buChar char="•"/>
-              <a:defRPr sz="1800" kern="1200">
-                <a:solidFill>
-                  <a:schemeClr val="tx1"/>
-                </a:solidFill>
-                <a:latin typeface="+mn-lt"/>
-                <a:ea typeface="+mn-ea"/>
-                <a:cs typeface="+mn-cs"/>
-              </a:defRPr>
-            </a:lvl6pPr>
-            <a:lvl7pPr marL="2971800" indent="-228600" algn="l" defTabSz="914400" rtl="0" eaLnBrk="1" latinLnBrk="0" hangingPunct="1">
-              <a:lnSpc>
-                <a:spcPct val="90000"/>
-              </a:lnSpc>
-              <a:spcBef>
-                <a:spcPts val="500"/>
-              </a:spcBef>
-              <a:buFont typeface="Arial" panose="020B0604020202020204" pitchFamily="34" charset="0"/>
-              <a:buChar char="•"/>
-              <a:defRPr sz="1800" kern="1200">
-                <a:solidFill>
-                  <a:schemeClr val="tx1"/>
-                </a:solidFill>
-                <a:latin typeface="+mn-lt"/>
-                <a:ea typeface="+mn-ea"/>
-                <a:cs typeface="+mn-cs"/>
-              </a:defRPr>
-            </a:lvl7pPr>
-            <a:lvl8pPr marL="3429000" indent="-228600" algn="l" defTabSz="914400" rtl="0" eaLnBrk="1" latinLnBrk="0" hangingPunct="1">
-              <a:lnSpc>
-                <a:spcPct val="90000"/>
-              </a:lnSpc>
-              <a:spcBef>
-                <a:spcPts val="500"/>
-              </a:spcBef>
-              <a:buFont typeface="Arial" panose="020B0604020202020204" pitchFamily="34" charset="0"/>
-              <a:buChar char="•"/>
-              <a:defRPr sz="1800" kern="1200">
-                <a:solidFill>
-                  <a:schemeClr val="tx1"/>
-                </a:solidFill>
-                <a:latin typeface="+mn-lt"/>
-                <a:ea typeface="+mn-ea"/>
-                <a:cs typeface="+mn-cs"/>
-              </a:defRPr>
-            </a:lvl8pPr>
-            <a:lvl9pPr marL="3886200" indent="-228600" algn="l" defTabSz="914400" rtl="0" eaLnBrk="1" latinLnBrk="0" hangingPunct="1">
-              <a:lnSpc>
-                <a:spcPct val="90000"/>
-              </a:lnSpc>
-              <a:spcBef>
-                <a:spcPts val="500"/>
-              </a:spcBef>
-              <a:buFont typeface="Arial" panose="020B0604020202020204" pitchFamily="34" charset="0"/>
-              <a:buChar char="•"/>
-              <a:defRPr sz="1800" kern="1200">
-                <a:solidFill>
-                  <a:schemeClr val="tx1"/>
-                </a:solidFill>
-                <a:latin typeface="+mn-lt"/>
-                <a:ea typeface="+mn-ea"/>
-                <a:cs typeface="+mn-cs"/>
-              </a:defRPr>
-            </a:lvl9pPr>
-          </a:lstStyle>
-          <a:p>
-            <a:pPr marL="0" indent="0">
-              <a:buFont typeface="Arial" panose="020B0604020202020204" pitchFamily="34" charset="0"/>
-              <a:buNone/>
-            </a:pPr>
-            <a:r>
-              <a:rPr lang="en-US" dirty="0"/>
-              <a:t>Device</a:t>
-            </a:r>
-          </a:p>
-        </p:txBody>
-      </p:sp>
+        <p:style>
+          <a:lnRef idx="1">
+            <a:schemeClr val="accent1"/>
+          </a:lnRef>
+          <a:fillRef idx="0">
+            <a:schemeClr val="accent1"/>
+          </a:fillRef>
+          <a:effectRef idx="0">
+            <a:schemeClr val="accent1"/>
+          </a:effectRef>
+          <a:fontRef idx="minor">
+            <a:schemeClr val="tx1"/>
+          </a:fontRef>
+        </p:style>
+      </p:cxnSp>
     </p:spTree>
     <p:extLst>
       <p:ext uri="{BB962C8B-B14F-4D97-AF65-F5344CB8AC3E}">
-        <p14:creationId xmlns:p14="http://schemas.microsoft.com/office/powerpoint/2010/main" val="3864510876"/>
+        <p14:creationId xmlns:p14="http://schemas.microsoft.com/office/powerpoint/2010/main" val="2899820502"/>
       </p:ext>
     </p:extLst>
   </p:cSld>
@@ -9559,7 +8256,7 @@
             </a:br>
             <a:r>
               <a:rPr lang="en-US" sz="3200" dirty="0"/>
-              <a:t>Day 3</a:t>
+              <a:t>Tomorrow...</a:t>
             </a:r>
             <a:endParaRPr lang="en-US" dirty="0"/>
           </a:p>
@@ -11088,308 +9785,6 @@
       </p:sp>
       <p:sp>
         <p:nvSpPr>
-          <p:cNvPr id="31" name="Rectangle 30">
-            <a:extLst>
-              <a:ext uri="{FF2B5EF4-FFF2-40B4-BE49-F238E27FC236}">
-                <a16:creationId xmlns:a16="http://schemas.microsoft.com/office/drawing/2014/main" id="{22D2C435-2712-438D-9E89-FD7369D2A2DF}"/>
-              </a:ext>
-            </a:extLst>
-          </p:cNvPr>
-          <p:cNvSpPr/>
-          <p:nvPr/>
-        </p:nvSpPr>
-        <p:spPr>
-          <a:xfrm>
-            <a:off x="8129835" y="3726451"/>
-            <a:ext cx="2827436" cy="1074441"/>
-          </a:xfrm>
-          <a:prstGeom prst="rect">
-            <a:avLst/>
-          </a:prstGeom>
-          <a:noFill/>
-        </p:spPr>
-        <p:style>
-          <a:lnRef idx="2">
-            <a:schemeClr val="accent1">
-              <a:shade val="50000"/>
-            </a:schemeClr>
-          </a:lnRef>
-          <a:fillRef idx="1">
-            <a:schemeClr val="accent1"/>
-          </a:fillRef>
-          <a:effectRef idx="0">
-            <a:schemeClr val="accent1"/>
-          </a:effectRef>
-          <a:fontRef idx="minor">
-            <a:schemeClr val="lt1"/>
-          </a:fontRef>
-        </p:style>
-        <p:txBody>
-          <a:bodyPr rtlCol="0" anchor="ctr"/>
-          <a:lstStyle/>
-          <a:p>
-            <a:pPr algn="ctr"/>
-            <a:endParaRPr lang="en-US" dirty="0"/>
-          </a:p>
-        </p:txBody>
-      </p:sp>
-      <p:sp>
-        <p:nvSpPr>
-          <p:cNvPr id="32" name="Content Placeholder 2">
-            <a:extLst>
-              <a:ext uri="{FF2B5EF4-FFF2-40B4-BE49-F238E27FC236}">
-                <a16:creationId xmlns:a16="http://schemas.microsoft.com/office/drawing/2014/main" id="{9F6733A6-D90B-46AD-8DE1-748F3C3A6898}"/>
-              </a:ext>
-            </a:extLst>
-          </p:cNvPr>
-          <p:cNvSpPr txBox="1">
-            <a:spLocks/>
-          </p:cNvSpPr>
-          <p:nvPr/>
-        </p:nvSpPr>
-        <p:spPr>
-          <a:xfrm>
-            <a:off x="8206750" y="3850885"/>
-            <a:ext cx="2827436" cy="1074441"/>
-          </a:xfrm>
-          <a:prstGeom prst="rect">
-            <a:avLst/>
-          </a:prstGeom>
-        </p:spPr>
-        <p:txBody>
-          <a:bodyPr vert="horz" lIns="91440" tIns="45720" rIns="91440" bIns="45720" rtlCol="0">
-            <a:normAutofit fontScale="62500" lnSpcReduction="20000"/>
-          </a:bodyPr>
-          <a:lstStyle>
-            <a:lvl1pPr marL="228600" indent="-228600" algn="l" defTabSz="914400" rtl="0" eaLnBrk="1" latinLnBrk="0" hangingPunct="1">
-              <a:lnSpc>
-                <a:spcPct val="90000"/>
-              </a:lnSpc>
-              <a:spcBef>
-                <a:spcPts val="1000"/>
-              </a:spcBef>
-              <a:buFont typeface="Arial" panose="020B0604020202020204" pitchFamily="34" charset="0"/>
-              <a:buChar char="•"/>
-              <a:defRPr sz="2800" kern="1200">
-                <a:solidFill>
-                  <a:schemeClr val="tx1"/>
-                </a:solidFill>
-                <a:latin typeface="+mn-lt"/>
-                <a:ea typeface="+mn-ea"/>
-                <a:cs typeface="+mn-cs"/>
-              </a:defRPr>
-            </a:lvl1pPr>
-            <a:lvl2pPr marL="685800" indent="-228600" algn="l" defTabSz="914400" rtl="0" eaLnBrk="1" latinLnBrk="0" hangingPunct="1">
-              <a:lnSpc>
-                <a:spcPct val="90000"/>
-              </a:lnSpc>
-              <a:spcBef>
-                <a:spcPts val="500"/>
-              </a:spcBef>
-              <a:buFont typeface="Arial" panose="020B0604020202020204" pitchFamily="34" charset="0"/>
-              <a:buChar char="•"/>
-              <a:defRPr sz="2400" kern="1200">
-                <a:solidFill>
-                  <a:schemeClr val="tx1"/>
-                </a:solidFill>
-                <a:latin typeface="+mn-lt"/>
-                <a:ea typeface="+mn-ea"/>
-                <a:cs typeface="+mn-cs"/>
-              </a:defRPr>
-            </a:lvl2pPr>
-            <a:lvl3pPr marL="1143000" indent="-228600" algn="l" defTabSz="914400" rtl="0" eaLnBrk="1" latinLnBrk="0" hangingPunct="1">
-              <a:lnSpc>
-                <a:spcPct val="90000"/>
-              </a:lnSpc>
-              <a:spcBef>
-                <a:spcPts val="500"/>
-              </a:spcBef>
-              <a:buFont typeface="Arial" panose="020B0604020202020204" pitchFamily="34" charset="0"/>
-              <a:buChar char="•"/>
-              <a:defRPr sz="2000" kern="1200">
-                <a:solidFill>
-                  <a:schemeClr val="tx1"/>
-                </a:solidFill>
-                <a:latin typeface="+mn-lt"/>
-                <a:ea typeface="+mn-ea"/>
-                <a:cs typeface="+mn-cs"/>
-              </a:defRPr>
-            </a:lvl3pPr>
-            <a:lvl4pPr marL="1600200" indent="-228600" algn="l" defTabSz="914400" rtl="0" eaLnBrk="1" latinLnBrk="0" hangingPunct="1">
-              <a:lnSpc>
-                <a:spcPct val="90000"/>
-              </a:lnSpc>
-              <a:spcBef>
-                <a:spcPts val="500"/>
-              </a:spcBef>
-              <a:buFont typeface="Arial" panose="020B0604020202020204" pitchFamily="34" charset="0"/>
-              <a:buChar char="•"/>
-              <a:defRPr sz="1800" kern="1200">
-                <a:solidFill>
-                  <a:schemeClr val="tx1"/>
-                </a:solidFill>
-                <a:latin typeface="+mn-lt"/>
-                <a:ea typeface="+mn-ea"/>
-                <a:cs typeface="+mn-cs"/>
-              </a:defRPr>
-            </a:lvl4pPr>
-            <a:lvl5pPr marL="2057400" indent="-228600" algn="l" defTabSz="914400" rtl="0" eaLnBrk="1" latinLnBrk="0" hangingPunct="1">
-              <a:lnSpc>
-                <a:spcPct val="90000"/>
-              </a:lnSpc>
-              <a:spcBef>
-                <a:spcPts val="500"/>
-              </a:spcBef>
-              <a:buFont typeface="Arial" panose="020B0604020202020204" pitchFamily="34" charset="0"/>
-              <a:buChar char="•"/>
-              <a:defRPr sz="1800" kern="1200">
-                <a:solidFill>
-                  <a:schemeClr val="tx1"/>
-                </a:solidFill>
-                <a:latin typeface="+mn-lt"/>
-                <a:ea typeface="+mn-ea"/>
-                <a:cs typeface="+mn-cs"/>
-              </a:defRPr>
-            </a:lvl5pPr>
-            <a:lvl6pPr marL="2514600" indent="-228600" algn="l" defTabSz="914400" rtl="0" eaLnBrk="1" latinLnBrk="0" hangingPunct="1">
-              <a:lnSpc>
-                <a:spcPct val="90000"/>
-              </a:lnSpc>
-              <a:spcBef>
-                <a:spcPts val="500"/>
-              </a:spcBef>
-              <a:buFont typeface="Arial" panose="020B0604020202020204" pitchFamily="34" charset="0"/>
-              <a:buChar char="•"/>
-              <a:defRPr sz="1800" kern="1200">
-                <a:solidFill>
-                  <a:schemeClr val="tx1"/>
-                </a:solidFill>
-                <a:latin typeface="+mn-lt"/>
-                <a:ea typeface="+mn-ea"/>
-                <a:cs typeface="+mn-cs"/>
-              </a:defRPr>
-            </a:lvl6pPr>
-            <a:lvl7pPr marL="2971800" indent="-228600" algn="l" defTabSz="914400" rtl="0" eaLnBrk="1" latinLnBrk="0" hangingPunct="1">
-              <a:lnSpc>
-                <a:spcPct val="90000"/>
-              </a:lnSpc>
-              <a:spcBef>
-                <a:spcPts val="500"/>
-              </a:spcBef>
-              <a:buFont typeface="Arial" panose="020B0604020202020204" pitchFamily="34" charset="0"/>
-              <a:buChar char="•"/>
-              <a:defRPr sz="1800" kern="1200">
-                <a:solidFill>
-                  <a:schemeClr val="tx1"/>
-                </a:solidFill>
-                <a:latin typeface="+mn-lt"/>
-                <a:ea typeface="+mn-ea"/>
-                <a:cs typeface="+mn-cs"/>
-              </a:defRPr>
-            </a:lvl7pPr>
-            <a:lvl8pPr marL="3429000" indent="-228600" algn="l" defTabSz="914400" rtl="0" eaLnBrk="1" latinLnBrk="0" hangingPunct="1">
-              <a:lnSpc>
-                <a:spcPct val="90000"/>
-              </a:lnSpc>
-              <a:spcBef>
-                <a:spcPts val="500"/>
-              </a:spcBef>
-              <a:buFont typeface="Arial" panose="020B0604020202020204" pitchFamily="34" charset="0"/>
-              <a:buChar char="•"/>
-              <a:defRPr sz="1800" kern="1200">
-                <a:solidFill>
-                  <a:schemeClr val="tx1"/>
-                </a:solidFill>
-                <a:latin typeface="+mn-lt"/>
-                <a:ea typeface="+mn-ea"/>
-                <a:cs typeface="+mn-cs"/>
-              </a:defRPr>
-            </a:lvl8pPr>
-            <a:lvl9pPr marL="3886200" indent="-228600" algn="l" defTabSz="914400" rtl="0" eaLnBrk="1" latinLnBrk="0" hangingPunct="1">
-              <a:lnSpc>
-                <a:spcPct val="90000"/>
-              </a:lnSpc>
-              <a:spcBef>
-                <a:spcPts val="500"/>
-              </a:spcBef>
-              <a:buFont typeface="Arial" panose="020B0604020202020204" pitchFamily="34" charset="0"/>
-              <a:buChar char="•"/>
-              <a:defRPr sz="1800" kern="1200">
-                <a:solidFill>
-                  <a:schemeClr val="tx1"/>
-                </a:solidFill>
-                <a:latin typeface="+mn-lt"/>
-                <a:ea typeface="+mn-ea"/>
-                <a:cs typeface="+mn-cs"/>
-              </a:defRPr>
-            </a:lvl9pPr>
-          </a:lstStyle>
-          <a:p>
-            <a:pPr marL="0" indent="0">
-              <a:buFont typeface="Arial" panose="020B0604020202020204" pitchFamily="34" charset="0"/>
-              <a:buNone/>
-            </a:pPr>
-            <a:r>
-              <a:rPr lang="en-US" sz="2400" dirty="0"/>
-              <a:t>IBM Watson/Alchemy</a:t>
-            </a:r>
-          </a:p>
-          <a:p>
-            <a:r>
-              <a:rPr lang="en-US" sz="2400" dirty="0"/>
-              <a:t>Face Recognition</a:t>
-            </a:r>
-          </a:p>
-          <a:p>
-            <a:r>
-              <a:rPr lang="en-US" sz="2400" dirty="0"/>
-              <a:t>Natural Language Processing</a:t>
-            </a:r>
-          </a:p>
-        </p:txBody>
-      </p:sp>
-      <p:cxnSp>
-        <p:nvCxnSpPr>
-          <p:cNvPr id="34" name="Straight Connector 33">
-            <a:extLst>
-              <a:ext uri="{FF2B5EF4-FFF2-40B4-BE49-F238E27FC236}">
-                <a16:creationId xmlns:a16="http://schemas.microsoft.com/office/drawing/2014/main" id="{615456A7-9F13-4715-A746-34F90EDFD939}"/>
-              </a:ext>
-            </a:extLst>
-          </p:cNvPr>
-          <p:cNvCxnSpPr>
-            <a:cxnSpLocks/>
-            <a:stCxn id="8" idx="6"/>
-            <a:endCxn id="31" idx="1"/>
-          </p:cNvCxnSpPr>
-          <p:nvPr/>
-        </p:nvCxnSpPr>
-        <p:spPr>
-          <a:xfrm>
-            <a:off x="7110763" y="2925648"/>
-            <a:ext cx="1019072" cy="1338024"/>
-          </a:xfrm>
-          <a:prstGeom prst="line">
-            <a:avLst/>
-          </a:prstGeom>
-        </p:spPr>
-        <p:style>
-          <a:lnRef idx="1">
-            <a:schemeClr val="accent1"/>
-          </a:lnRef>
-          <a:fillRef idx="0">
-            <a:schemeClr val="accent1"/>
-          </a:fillRef>
-          <a:effectRef idx="0">
-            <a:schemeClr val="accent1"/>
-          </a:effectRef>
-          <a:fontRef idx="minor">
-            <a:schemeClr val="tx1"/>
-          </a:fontRef>
-        </p:style>
-      </p:cxnSp>
-      <p:sp>
-        <p:nvSpPr>
           <p:cNvPr id="40" name="Content Placeholder 2">
             <a:extLst>
               <a:ext uri="{FF2B5EF4-FFF2-40B4-BE49-F238E27FC236}">
@@ -11591,373 +9986,10 @@
           </a:p>
         </p:txBody>
       </p:sp>
-      <p:sp>
-        <p:nvSpPr>
-          <p:cNvPr id="74" name="Rectangle 73">
-            <a:extLst>
-              <a:ext uri="{FF2B5EF4-FFF2-40B4-BE49-F238E27FC236}">
-                <a16:creationId xmlns:a16="http://schemas.microsoft.com/office/drawing/2014/main" id="{7F76A805-2796-490B-B5B6-11973474A1DA}"/>
-              </a:ext>
-            </a:extLst>
-          </p:cNvPr>
-          <p:cNvSpPr/>
-          <p:nvPr/>
-        </p:nvSpPr>
-        <p:spPr>
-          <a:xfrm>
-            <a:off x="8279443" y="4968247"/>
-            <a:ext cx="1930913" cy="369332"/>
-          </a:xfrm>
-          <a:prstGeom prst="rect">
-            <a:avLst/>
-          </a:prstGeom>
-        </p:spPr>
-        <p:txBody>
-          <a:bodyPr wrap="none">
-            <a:spAutoFit/>
-          </a:bodyPr>
-          <a:lstStyle/>
-          <a:p>
-            <a:r>
-              <a:rPr lang="en-US" dirty="0"/>
-              <a:t>Chuck Norris Jokes</a:t>
-            </a:r>
-          </a:p>
-        </p:txBody>
-      </p:sp>
-      <p:sp>
-        <p:nvSpPr>
-          <p:cNvPr id="75" name="Rectangle 74">
-            <a:extLst>
-              <a:ext uri="{FF2B5EF4-FFF2-40B4-BE49-F238E27FC236}">
-                <a16:creationId xmlns:a16="http://schemas.microsoft.com/office/drawing/2014/main" id="{45D54779-8333-4310-9A05-33AD49316788}"/>
-              </a:ext>
-            </a:extLst>
-          </p:cNvPr>
-          <p:cNvSpPr/>
-          <p:nvPr/>
-        </p:nvSpPr>
-        <p:spPr>
-          <a:xfrm>
-            <a:off x="8129835" y="5430004"/>
-            <a:ext cx="2827436" cy="485223"/>
-          </a:xfrm>
-          <a:prstGeom prst="rect">
-            <a:avLst/>
-          </a:prstGeom>
-          <a:noFill/>
-        </p:spPr>
-        <p:style>
-          <a:lnRef idx="2">
-            <a:schemeClr val="accent1">
-              <a:shade val="50000"/>
-            </a:schemeClr>
-          </a:lnRef>
-          <a:fillRef idx="1">
-            <a:schemeClr val="accent1"/>
-          </a:fillRef>
-          <a:effectRef idx="0">
-            <a:schemeClr val="accent1"/>
-          </a:effectRef>
-          <a:fontRef idx="minor">
-            <a:schemeClr val="lt1"/>
-          </a:fontRef>
-        </p:style>
-        <p:txBody>
-          <a:bodyPr rtlCol="0" anchor="ctr"/>
-          <a:lstStyle/>
-          <a:p>
-            <a:pPr algn="ctr"/>
-            <a:endParaRPr lang="en-US" dirty="0"/>
-          </a:p>
-        </p:txBody>
-      </p:sp>
-      <p:sp>
-        <p:nvSpPr>
-          <p:cNvPr id="76" name="Rectangle 75">
-            <a:extLst>
-              <a:ext uri="{FF2B5EF4-FFF2-40B4-BE49-F238E27FC236}">
-                <a16:creationId xmlns:a16="http://schemas.microsoft.com/office/drawing/2014/main" id="{A67F99C8-DC35-44D9-B483-0FC75F2B8ACE}"/>
-              </a:ext>
-            </a:extLst>
-          </p:cNvPr>
-          <p:cNvSpPr/>
-          <p:nvPr/>
-        </p:nvSpPr>
-        <p:spPr>
-          <a:xfrm>
-            <a:off x="8279443" y="5485507"/>
-            <a:ext cx="1831720" cy="369332"/>
-          </a:xfrm>
-          <a:prstGeom prst="rect">
-            <a:avLst/>
-          </a:prstGeom>
-        </p:spPr>
-        <p:txBody>
-          <a:bodyPr wrap="none">
-            <a:spAutoFit/>
-          </a:bodyPr>
-          <a:lstStyle/>
-          <a:p>
-            <a:r>
-              <a:rPr lang="en-US" dirty="0"/>
-              <a:t>Facebook/Twitter</a:t>
-            </a:r>
-          </a:p>
-        </p:txBody>
-      </p:sp>
-      <p:sp>
-        <p:nvSpPr>
-          <p:cNvPr id="77" name="Rectangle 76">
-            <a:extLst>
-              <a:ext uri="{FF2B5EF4-FFF2-40B4-BE49-F238E27FC236}">
-                <a16:creationId xmlns:a16="http://schemas.microsoft.com/office/drawing/2014/main" id="{7A1F0EAE-53CD-449C-A9FC-791C0BCDEF75}"/>
-              </a:ext>
-            </a:extLst>
-          </p:cNvPr>
-          <p:cNvSpPr/>
-          <p:nvPr/>
-        </p:nvSpPr>
-        <p:spPr>
-          <a:xfrm>
-            <a:off x="8129835" y="4948287"/>
-            <a:ext cx="2827436" cy="357284"/>
-          </a:xfrm>
-          <a:prstGeom prst="rect">
-            <a:avLst/>
-          </a:prstGeom>
-          <a:noFill/>
-        </p:spPr>
-        <p:style>
-          <a:lnRef idx="2">
-            <a:schemeClr val="accent1">
-              <a:shade val="50000"/>
-            </a:schemeClr>
-          </a:lnRef>
-          <a:fillRef idx="1">
-            <a:schemeClr val="accent1"/>
-          </a:fillRef>
-          <a:effectRef idx="0">
-            <a:schemeClr val="accent1"/>
-          </a:effectRef>
-          <a:fontRef idx="minor">
-            <a:schemeClr val="lt1"/>
-          </a:fontRef>
-        </p:style>
-        <p:txBody>
-          <a:bodyPr rtlCol="0" anchor="ctr"/>
-          <a:lstStyle/>
-          <a:p>
-            <a:pPr algn="ctr"/>
-            <a:endParaRPr lang="en-US" dirty="0"/>
-          </a:p>
-        </p:txBody>
-      </p:sp>
-      <p:sp>
-        <p:nvSpPr>
-          <p:cNvPr id="78" name="Rectangle 77">
-            <a:extLst>
-              <a:ext uri="{FF2B5EF4-FFF2-40B4-BE49-F238E27FC236}">
-                <a16:creationId xmlns:a16="http://schemas.microsoft.com/office/drawing/2014/main" id="{CAB4A41A-8577-4172-A211-D5E58247BB00}"/>
-              </a:ext>
-            </a:extLst>
-          </p:cNvPr>
-          <p:cNvSpPr/>
-          <p:nvPr/>
-        </p:nvSpPr>
-        <p:spPr>
-          <a:xfrm>
-            <a:off x="8297001" y="6007652"/>
-            <a:ext cx="2181175" cy="369332"/>
-          </a:xfrm>
-          <a:prstGeom prst="rect">
-            <a:avLst/>
-          </a:prstGeom>
-        </p:spPr>
-        <p:txBody>
-          <a:bodyPr wrap="none">
-            <a:spAutoFit/>
-          </a:bodyPr>
-          <a:lstStyle/>
-          <a:p>
-            <a:r>
-              <a:rPr lang="en-US" dirty="0"/>
-              <a:t>Geolocation (Google)</a:t>
-            </a:r>
-          </a:p>
-        </p:txBody>
-      </p:sp>
-      <p:sp>
-        <p:nvSpPr>
-          <p:cNvPr id="79" name="Rectangle 78">
-            <a:extLst>
-              <a:ext uri="{FF2B5EF4-FFF2-40B4-BE49-F238E27FC236}">
-                <a16:creationId xmlns:a16="http://schemas.microsoft.com/office/drawing/2014/main" id="{2C8EF210-6692-400F-B894-8394D13C84C4}"/>
-              </a:ext>
-            </a:extLst>
-          </p:cNvPr>
-          <p:cNvSpPr/>
-          <p:nvPr/>
-        </p:nvSpPr>
-        <p:spPr>
-          <a:xfrm>
-            <a:off x="8147901" y="6007652"/>
-            <a:ext cx="2827436" cy="485223"/>
-          </a:xfrm>
-          <a:prstGeom prst="rect">
-            <a:avLst/>
-          </a:prstGeom>
-          <a:noFill/>
-        </p:spPr>
-        <p:style>
-          <a:lnRef idx="2">
-            <a:schemeClr val="accent1">
-              <a:shade val="50000"/>
-            </a:schemeClr>
-          </a:lnRef>
-          <a:fillRef idx="1">
-            <a:schemeClr val="accent1"/>
-          </a:fillRef>
-          <a:effectRef idx="0">
-            <a:schemeClr val="accent1"/>
-          </a:effectRef>
-          <a:fontRef idx="minor">
-            <a:schemeClr val="lt1"/>
-          </a:fontRef>
-        </p:style>
-        <p:txBody>
-          <a:bodyPr rtlCol="0" anchor="ctr"/>
-          <a:lstStyle/>
-          <a:p>
-            <a:pPr algn="ctr"/>
-            <a:endParaRPr lang="en-US" dirty="0"/>
-          </a:p>
-        </p:txBody>
-      </p:sp>
-      <p:cxnSp>
-        <p:nvCxnSpPr>
-          <p:cNvPr id="84" name="Straight Connector 83">
-            <a:extLst>
-              <a:ext uri="{FF2B5EF4-FFF2-40B4-BE49-F238E27FC236}">
-                <a16:creationId xmlns:a16="http://schemas.microsoft.com/office/drawing/2014/main" id="{9DB988D1-B25D-4BC5-A7FE-B22FA5366E83}"/>
-              </a:ext>
-            </a:extLst>
-          </p:cNvPr>
-          <p:cNvCxnSpPr>
-            <a:cxnSpLocks/>
-            <a:stCxn id="8" idx="6"/>
-            <a:endCxn id="77" idx="1"/>
-          </p:cNvCxnSpPr>
-          <p:nvPr/>
-        </p:nvCxnSpPr>
-        <p:spPr>
-          <a:xfrm>
-            <a:off x="7110763" y="2925648"/>
-            <a:ext cx="1019072" cy="2201281"/>
-          </a:xfrm>
-          <a:prstGeom prst="line">
-            <a:avLst/>
-          </a:prstGeom>
-        </p:spPr>
-        <p:style>
-          <a:lnRef idx="1">
-            <a:schemeClr val="accent1"/>
-          </a:lnRef>
-          <a:fillRef idx="0">
-            <a:schemeClr val="accent1"/>
-          </a:fillRef>
-          <a:effectRef idx="0">
-            <a:schemeClr val="accent1"/>
-          </a:effectRef>
-          <a:fontRef idx="minor">
-            <a:schemeClr val="tx1"/>
-          </a:fontRef>
-        </p:style>
-      </p:cxnSp>
-      <p:cxnSp>
-        <p:nvCxnSpPr>
-          <p:cNvPr id="87" name="Straight Connector 86">
-            <a:extLst>
-              <a:ext uri="{FF2B5EF4-FFF2-40B4-BE49-F238E27FC236}">
-                <a16:creationId xmlns:a16="http://schemas.microsoft.com/office/drawing/2014/main" id="{A7F99DAC-71AB-438B-8C96-434757319F08}"/>
-              </a:ext>
-            </a:extLst>
-          </p:cNvPr>
-          <p:cNvCxnSpPr>
-            <a:cxnSpLocks/>
-            <a:stCxn id="8" idx="6"/>
-            <a:endCxn id="75" idx="1"/>
-          </p:cNvCxnSpPr>
-          <p:nvPr/>
-        </p:nvCxnSpPr>
-        <p:spPr>
-          <a:xfrm>
-            <a:off x="7110763" y="2925648"/>
-            <a:ext cx="1019072" cy="2746968"/>
-          </a:xfrm>
-          <a:prstGeom prst="line">
-            <a:avLst/>
-          </a:prstGeom>
-        </p:spPr>
-        <p:style>
-          <a:lnRef idx="1">
-            <a:schemeClr val="accent1"/>
-          </a:lnRef>
-          <a:fillRef idx="0">
-            <a:schemeClr val="accent1"/>
-          </a:fillRef>
-          <a:effectRef idx="0">
-            <a:schemeClr val="accent1"/>
-          </a:effectRef>
-          <a:fontRef idx="minor">
-            <a:schemeClr val="tx1"/>
-          </a:fontRef>
-        </p:style>
-      </p:cxnSp>
-      <p:cxnSp>
-        <p:nvCxnSpPr>
-          <p:cNvPr id="90" name="Straight Connector 89">
-            <a:extLst>
-              <a:ext uri="{FF2B5EF4-FFF2-40B4-BE49-F238E27FC236}">
-                <a16:creationId xmlns:a16="http://schemas.microsoft.com/office/drawing/2014/main" id="{E76ABBB7-D1DD-4070-A895-192F174EBCCE}"/>
-              </a:ext>
-            </a:extLst>
-          </p:cNvPr>
-          <p:cNvCxnSpPr>
-            <a:cxnSpLocks/>
-            <a:stCxn id="8" idx="6"/>
-            <a:endCxn id="79" idx="1"/>
-          </p:cNvCxnSpPr>
-          <p:nvPr/>
-        </p:nvCxnSpPr>
-        <p:spPr>
-          <a:xfrm>
-            <a:off x="7110763" y="2925648"/>
-            <a:ext cx="1037138" cy="3324616"/>
-          </a:xfrm>
-          <a:prstGeom prst="line">
-            <a:avLst/>
-          </a:prstGeom>
-        </p:spPr>
-        <p:style>
-          <a:lnRef idx="1">
-            <a:schemeClr val="accent1"/>
-          </a:lnRef>
-          <a:fillRef idx="0">
-            <a:schemeClr val="accent1"/>
-          </a:fillRef>
-          <a:effectRef idx="0">
-            <a:schemeClr val="accent1"/>
-          </a:effectRef>
-          <a:fontRef idx="minor">
-            <a:schemeClr val="tx1"/>
-          </a:fontRef>
-        </p:style>
-      </p:cxnSp>
     </p:spTree>
     <p:extLst>
       <p:ext uri="{BB962C8B-B14F-4D97-AF65-F5344CB8AC3E}">
-        <p14:creationId xmlns:p14="http://schemas.microsoft.com/office/powerpoint/2010/main" val="3601745222"/>
+        <p14:creationId xmlns:p14="http://schemas.microsoft.com/office/powerpoint/2010/main" val="3864510876"/>
       </p:ext>
     </p:extLst>
   </p:cSld>
@@ -11989,7 +10021,7 @@
           <p:cNvPr id="2" name="Title 1">
             <a:extLst>
               <a:ext uri="{FF2B5EF4-FFF2-40B4-BE49-F238E27FC236}">
-                <a16:creationId xmlns:a16="http://schemas.microsoft.com/office/drawing/2014/main" id="{A0A31B23-34A5-4809-A750-D4CBBCF46A36}"/>
+                <a16:creationId xmlns:a16="http://schemas.microsoft.com/office/drawing/2014/main" id="{3303612B-0F44-4A40-8AEC-866A6AAE733C}"/>
               </a:ext>
             </a:extLst>
           </p:cNvPr>
@@ -12000,43 +10032,12 @@
             <p:ph type="title"/>
           </p:nvPr>
         </p:nvSpPr>
-        <p:spPr/>
-        <p:txBody>
-          <a:bodyPr/>
-          <a:lstStyle/>
-          <a:p>
-            <a:r>
-              <a:rPr lang="en-US" dirty="0"/>
-              <a:t>There’s so much out there...</a:t>
-            </a:r>
-            <a:br>
-              <a:rPr lang="en-US" dirty="0"/>
-            </a:br>
-            <a:r>
-              <a:rPr lang="en-US" sz="3200" dirty="0"/>
-              <a:t>For your Application, for your Device</a:t>
-            </a:r>
-            <a:endParaRPr lang="en-US" dirty="0"/>
-          </a:p>
-        </p:txBody>
-      </p:sp>
-      <p:sp>
-        <p:nvSpPr>
-          <p:cNvPr id="3" name="Content Placeholder 2">
-            <a:extLst>
-              <a:ext uri="{FF2B5EF4-FFF2-40B4-BE49-F238E27FC236}">
-                <a16:creationId xmlns:a16="http://schemas.microsoft.com/office/drawing/2014/main" id="{0F22AB29-E12B-4A65-B22C-82A9AEE04C20}"/>
-              </a:ext>
-            </a:extLst>
-          </p:cNvPr>
-          <p:cNvSpPr>
-            <a:spLocks noGrp="1"/>
-          </p:cNvSpPr>
-          <p:nvPr>
-            <p:ph idx="1"/>
-          </p:nvPr>
-        </p:nvSpPr>
-        <p:spPr/>
+        <p:spPr>
+          <a:xfrm>
+            <a:off x="838200" y="365125"/>
+            <a:ext cx="10515600" cy="1325563"/>
+          </a:xfrm>
+        </p:spPr>
         <p:txBody>
           <a:bodyPr>
             <a:normAutofit/>
@@ -12044,77 +10045,2413 @@
           <a:lstStyle/>
           <a:p>
             <a:r>
-              <a:rPr lang="en-US" sz="2400" dirty="0"/>
-              <a:t>18 Fun APIs For Your Next Project </a:t>
-            </a:r>
-            <a:r>
-              <a:rPr lang="en-US" sz="1200" dirty="0">
-                <a:hlinkClick r:id="rId2"/>
-              </a:rPr>
-              <a:t>https://medium.com/@vicbergquist/18-fun-apis-for-your-next-project-8008841c7be9</a:t>
-            </a:r>
-            <a:endParaRPr lang="en-US" sz="1200" dirty="0"/>
-          </a:p>
-          <a:p>
-            <a:r>
-              <a:rPr lang="en-US" sz="2400" dirty="0"/>
-              <a:t>15 APIs developers need to know </a:t>
-            </a:r>
-            <a:r>
-              <a:rPr lang="en-US" sz="1200" dirty="0">
-                <a:hlinkClick r:id="rId3"/>
-              </a:rPr>
-              <a:t>https://www.creativebloq.com/web-design/apis-developers-need-know-121518469</a:t>
-            </a:r>
-            <a:endParaRPr lang="en-US" sz="1200" dirty="0"/>
-          </a:p>
-          <a:p>
-            <a:r>
-              <a:rPr lang="en-US" sz="2400" dirty="0"/>
-              <a:t>9 free/cool web APIs to use in your next project </a:t>
-            </a:r>
-            <a:r>
-              <a:rPr lang="en-US" sz="1600" dirty="0">
-                <a:hlinkClick r:id="rId4"/>
-              </a:rPr>
-              <a:t>https://rapidapi.com/collection/cool-apis</a:t>
-            </a:r>
-            <a:endParaRPr lang="en-US" sz="1600" dirty="0"/>
-          </a:p>
-          <a:p>
-            <a:r>
-              <a:rPr lang="en-US" sz="2400" dirty="0"/>
-              <a:t>...the list goes on</a:t>
-            </a:r>
-          </a:p>
-          <a:p>
-            <a:endParaRPr lang="en-US" sz="2400" dirty="0"/>
-          </a:p>
+              <a:rPr lang="en-US" dirty="0"/>
+              <a:t>What does that mean...</a:t>
+            </a:r>
+            <a:br>
+              <a:rPr lang="en-US" dirty="0"/>
+            </a:br>
+            <a:r>
+              <a:rPr lang="en-US" sz="3200" dirty="0"/>
+              <a:t>Day 3</a:t>
+            </a:r>
+            <a:endParaRPr lang="en-US" dirty="0"/>
+          </a:p>
+        </p:txBody>
+      </p:sp>
+      <p:sp>
+        <p:nvSpPr>
+          <p:cNvPr id="4" name="Rectangle 3">
+            <a:extLst>
+              <a:ext uri="{FF2B5EF4-FFF2-40B4-BE49-F238E27FC236}">
+                <a16:creationId xmlns:a16="http://schemas.microsoft.com/office/drawing/2014/main" id="{88C51B17-841A-46E2-872F-172068315415}"/>
+              </a:ext>
+            </a:extLst>
+          </p:cNvPr>
+          <p:cNvSpPr/>
+          <p:nvPr/>
+        </p:nvSpPr>
+        <p:spPr>
+          <a:xfrm>
+            <a:off x="3163553" y="2078200"/>
+            <a:ext cx="1694577" cy="914400"/>
+          </a:xfrm>
+          <a:prstGeom prst="rect">
+            <a:avLst/>
+          </a:prstGeom>
+        </p:spPr>
+        <p:style>
+          <a:lnRef idx="2">
+            <a:schemeClr val="accent1">
+              <a:shade val="50000"/>
+            </a:schemeClr>
+          </a:lnRef>
+          <a:fillRef idx="1">
+            <a:schemeClr val="accent1"/>
+          </a:fillRef>
+          <a:effectRef idx="0">
+            <a:schemeClr val="accent1"/>
+          </a:effectRef>
+          <a:fontRef idx="minor">
+            <a:schemeClr val="lt1"/>
+          </a:fontRef>
+        </p:style>
+        <p:txBody>
+          <a:bodyPr rtlCol="0" anchor="ctr"/>
+          <a:lstStyle/>
+          <a:p>
+            <a:pPr algn="ctr"/>
+            <a:r>
+              <a:rPr lang="en-US" dirty="0"/>
+              <a:t>Browser</a:t>
+            </a:r>
+          </a:p>
+        </p:txBody>
+      </p:sp>
+      <p:sp>
+        <p:nvSpPr>
+          <p:cNvPr id="5" name="Rectangle 4">
+            <a:extLst>
+              <a:ext uri="{FF2B5EF4-FFF2-40B4-BE49-F238E27FC236}">
+                <a16:creationId xmlns:a16="http://schemas.microsoft.com/office/drawing/2014/main" id="{FA8F3540-D742-42BE-9EAA-4C02A82CB697}"/>
+              </a:ext>
+            </a:extLst>
+          </p:cNvPr>
+          <p:cNvSpPr/>
+          <p:nvPr/>
+        </p:nvSpPr>
+        <p:spPr>
+          <a:xfrm>
+            <a:off x="9543554" y="1620410"/>
+            <a:ext cx="1284046" cy="418052"/>
+          </a:xfrm>
+          <a:prstGeom prst="rect">
+            <a:avLst/>
+          </a:prstGeom>
+        </p:spPr>
+        <p:style>
+          <a:lnRef idx="2">
+            <a:schemeClr val="accent1">
+              <a:shade val="50000"/>
+            </a:schemeClr>
+          </a:lnRef>
+          <a:fillRef idx="1">
+            <a:schemeClr val="accent1"/>
+          </a:fillRef>
+          <a:effectRef idx="0">
+            <a:schemeClr val="accent1"/>
+          </a:effectRef>
+          <a:fontRef idx="minor">
+            <a:schemeClr val="lt1"/>
+          </a:fontRef>
+        </p:style>
+        <p:txBody>
+          <a:bodyPr rtlCol="0" anchor="ctr"/>
+          <a:lstStyle/>
+          <a:p>
+            <a:pPr algn="ctr"/>
+            <a:r>
+              <a:rPr lang="en-US" dirty="0"/>
+              <a:t>Database</a:t>
+            </a:r>
+          </a:p>
+        </p:txBody>
+      </p:sp>
+      <p:sp>
+        <p:nvSpPr>
+          <p:cNvPr id="6" name="Rectangle 5">
+            <a:extLst>
+              <a:ext uri="{FF2B5EF4-FFF2-40B4-BE49-F238E27FC236}">
+                <a16:creationId xmlns:a16="http://schemas.microsoft.com/office/drawing/2014/main" id="{B6F45C07-DEF9-411F-94E7-0FAE33F5C591}"/>
+              </a:ext>
+            </a:extLst>
+          </p:cNvPr>
+          <p:cNvSpPr/>
+          <p:nvPr/>
+        </p:nvSpPr>
+        <p:spPr>
+          <a:xfrm>
+            <a:off x="9543553" y="2189462"/>
+            <a:ext cx="1284046" cy="418052"/>
+          </a:xfrm>
+          <a:prstGeom prst="rect">
+            <a:avLst/>
+          </a:prstGeom>
+        </p:spPr>
+        <p:style>
+          <a:lnRef idx="2">
+            <a:schemeClr val="accent1">
+              <a:shade val="50000"/>
+            </a:schemeClr>
+          </a:lnRef>
+          <a:fillRef idx="1">
+            <a:schemeClr val="accent1"/>
+          </a:fillRef>
+          <a:effectRef idx="0">
+            <a:schemeClr val="accent1"/>
+          </a:effectRef>
+          <a:fontRef idx="minor">
+            <a:schemeClr val="lt1"/>
+          </a:fontRef>
+        </p:style>
+        <p:txBody>
+          <a:bodyPr rtlCol="0" anchor="ctr"/>
+          <a:lstStyle/>
+          <a:p>
+            <a:pPr algn="ctr"/>
+            <a:r>
+              <a:rPr lang="en-US" dirty="0"/>
+              <a:t>ML Model</a:t>
+            </a:r>
+          </a:p>
+        </p:txBody>
+      </p:sp>
+      <p:sp>
+        <p:nvSpPr>
+          <p:cNvPr id="7" name="Rectangle 6">
+            <a:extLst>
+              <a:ext uri="{FF2B5EF4-FFF2-40B4-BE49-F238E27FC236}">
+                <a16:creationId xmlns:a16="http://schemas.microsoft.com/office/drawing/2014/main" id="{CC1A0E22-1A4F-4207-A04B-1F2885DD92EE}"/>
+              </a:ext>
+            </a:extLst>
+          </p:cNvPr>
+          <p:cNvSpPr/>
+          <p:nvPr/>
+        </p:nvSpPr>
+        <p:spPr>
+          <a:xfrm>
+            <a:off x="9543553" y="2749003"/>
+            <a:ext cx="1284046" cy="378171"/>
+          </a:xfrm>
+          <a:prstGeom prst="rect">
+            <a:avLst/>
+          </a:prstGeom>
+        </p:spPr>
+        <p:style>
+          <a:lnRef idx="2">
+            <a:schemeClr val="accent1">
+              <a:shade val="50000"/>
+            </a:schemeClr>
+          </a:lnRef>
+          <a:fillRef idx="1">
+            <a:schemeClr val="accent1"/>
+          </a:fillRef>
+          <a:effectRef idx="0">
+            <a:schemeClr val="accent1"/>
+          </a:effectRef>
+          <a:fontRef idx="minor">
+            <a:schemeClr val="lt1"/>
+          </a:fontRef>
+        </p:style>
+        <p:txBody>
+          <a:bodyPr rtlCol="0" anchor="ctr"/>
+          <a:lstStyle/>
+          <a:p>
+            <a:pPr algn="ctr"/>
+            <a:r>
+              <a:rPr lang="en-US" dirty="0"/>
+              <a:t>HTML Form</a:t>
+            </a:r>
+          </a:p>
+        </p:txBody>
+      </p:sp>
+      <p:sp>
+        <p:nvSpPr>
+          <p:cNvPr id="8" name="Oval 7">
+            <a:extLst>
+              <a:ext uri="{FF2B5EF4-FFF2-40B4-BE49-F238E27FC236}">
+                <a16:creationId xmlns:a16="http://schemas.microsoft.com/office/drawing/2014/main" id="{93A6ABAA-E1E1-447E-A3F9-AAB9E17D9795}"/>
+              </a:ext>
+            </a:extLst>
+          </p:cNvPr>
+          <p:cNvSpPr/>
+          <p:nvPr/>
+        </p:nvSpPr>
+        <p:spPr>
+          <a:xfrm>
+            <a:off x="5609008" y="2633090"/>
+            <a:ext cx="1501755" cy="585116"/>
+          </a:xfrm>
+          <a:prstGeom prst="ellipse">
+            <a:avLst/>
+          </a:prstGeom>
+        </p:spPr>
+        <p:style>
+          <a:lnRef idx="2">
+            <a:schemeClr val="accent1">
+              <a:shade val="50000"/>
+            </a:schemeClr>
+          </a:lnRef>
+          <a:fillRef idx="1">
+            <a:schemeClr val="accent1"/>
+          </a:fillRef>
+          <a:effectRef idx="0">
+            <a:schemeClr val="accent1"/>
+          </a:effectRef>
+          <a:fontRef idx="minor">
+            <a:schemeClr val="lt1"/>
+          </a:fontRef>
+        </p:style>
+        <p:txBody>
+          <a:bodyPr rtlCol="0" anchor="ctr"/>
+          <a:lstStyle/>
+          <a:p>
+            <a:pPr algn="ctr"/>
+            <a:r>
+              <a:rPr lang="en-US" dirty="0"/>
+              <a:t>Internet</a:t>
+            </a:r>
+          </a:p>
+        </p:txBody>
+      </p:sp>
+      <p:sp>
+        <p:nvSpPr>
+          <p:cNvPr id="9" name="Rectangle 8">
+            <a:extLst>
+              <a:ext uri="{FF2B5EF4-FFF2-40B4-BE49-F238E27FC236}">
+                <a16:creationId xmlns:a16="http://schemas.microsoft.com/office/drawing/2014/main" id="{3ADBF561-EC48-467F-8245-C363E6E6DA86}"/>
+              </a:ext>
+            </a:extLst>
+          </p:cNvPr>
+          <p:cNvSpPr/>
+          <p:nvPr/>
+        </p:nvSpPr>
+        <p:spPr>
+          <a:xfrm>
+            <a:off x="8139984" y="843272"/>
+            <a:ext cx="2894202" cy="2595360"/>
+          </a:xfrm>
+          <a:prstGeom prst="rect">
+            <a:avLst/>
+          </a:prstGeom>
+          <a:noFill/>
+        </p:spPr>
+        <p:style>
+          <a:lnRef idx="2">
+            <a:schemeClr val="accent1">
+              <a:shade val="50000"/>
+            </a:schemeClr>
+          </a:lnRef>
+          <a:fillRef idx="1">
+            <a:schemeClr val="accent1"/>
+          </a:fillRef>
+          <a:effectRef idx="0">
+            <a:schemeClr val="accent1"/>
+          </a:effectRef>
+          <a:fontRef idx="minor">
+            <a:schemeClr val="lt1"/>
+          </a:fontRef>
+        </p:style>
+        <p:txBody>
+          <a:bodyPr rtlCol="0" anchor="ctr"/>
+          <a:lstStyle/>
+          <a:p>
+            <a:pPr algn="ctr"/>
+            <a:endParaRPr lang="en-US"/>
+          </a:p>
+        </p:txBody>
+      </p:sp>
+      <p:sp>
+        <p:nvSpPr>
+          <p:cNvPr id="10" name="Content Placeholder 2">
+            <a:extLst>
+              <a:ext uri="{FF2B5EF4-FFF2-40B4-BE49-F238E27FC236}">
+                <a16:creationId xmlns:a16="http://schemas.microsoft.com/office/drawing/2014/main" id="{01FF1304-DECA-4F55-B6A1-076218B5F0C7}"/>
+              </a:ext>
+            </a:extLst>
+          </p:cNvPr>
+          <p:cNvSpPr txBox="1">
+            <a:spLocks/>
+          </p:cNvSpPr>
+          <p:nvPr/>
+        </p:nvSpPr>
+        <p:spPr>
+          <a:xfrm>
+            <a:off x="295391" y="2319861"/>
+            <a:ext cx="3102529" cy="568683"/>
+          </a:xfrm>
+          <a:prstGeom prst="rect">
+            <a:avLst/>
+          </a:prstGeom>
+        </p:spPr>
+        <p:txBody>
+          <a:bodyPr vert="horz" lIns="91440" tIns="45720" rIns="91440" bIns="45720" rtlCol="0">
+            <a:normAutofit/>
+          </a:bodyPr>
+          <a:lstStyle>
+            <a:lvl1pPr marL="228600" indent="-228600" algn="l" defTabSz="914400" rtl="0" eaLnBrk="1" latinLnBrk="0" hangingPunct="1">
+              <a:lnSpc>
+                <a:spcPct val="90000"/>
+              </a:lnSpc>
+              <a:spcBef>
+                <a:spcPts val="1000"/>
+              </a:spcBef>
+              <a:buFont typeface="Arial" panose="020B0604020202020204" pitchFamily="34" charset="0"/>
+              <a:buChar char="•"/>
+              <a:defRPr sz="2800" kern="1200">
+                <a:solidFill>
+                  <a:schemeClr val="tx1"/>
+                </a:solidFill>
+                <a:latin typeface="+mn-lt"/>
+                <a:ea typeface="+mn-ea"/>
+                <a:cs typeface="+mn-cs"/>
+              </a:defRPr>
+            </a:lvl1pPr>
+            <a:lvl2pPr marL="685800" indent="-228600" algn="l" defTabSz="914400" rtl="0" eaLnBrk="1" latinLnBrk="0" hangingPunct="1">
+              <a:lnSpc>
+                <a:spcPct val="90000"/>
+              </a:lnSpc>
+              <a:spcBef>
+                <a:spcPts val="500"/>
+              </a:spcBef>
+              <a:buFont typeface="Arial" panose="020B0604020202020204" pitchFamily="34" charset="0"/>
+              <a:buChar char="•"/>
+              <a:defRPr sz="2400" kern="1200">
+                <a:solidFill>
+                  <a:schemeClr val="tx1"/>
+                </a:solidFill>
+                <a:latin typeface="+mn-lt"/>
+                <a:ea typeface="+mn-ea"/>
+                <a:cs typeface="+mn-cs"/>
+              </a:defRPr>
+            </a:lvl2pPr>
+            <a:lvl3pPr marL="1143000" indent="-228600" algn="l" defTabSz="914400" rtl="0" eaLnBrk="1" latinLnBrk="0" hangingPunct="1">
+              <a:lnSpc>
+                <a:spcPct val="90000"/>
+              </a:lnSpc>
+              <a:spcBef>
+                <a:spcPts val="500"/>
+              </a:spcBef>
+              <a:buFont typeface="Arial" panose="020B0604020202020204" pitchFamily="34" charset="0"/>
+              <a:buChar char="•"/>
+              <a:defRPr sz="2000" kern="1200">
+                <a:solidFill>
+                  <a:schemeClr val="tx1"/>
+                </a:solidFill>
+                <a:latin typeface="+mn-lt"/>
+                <a:ea typeface="+mn-ea"/>
+                <a:cs typeface="+mn-cs"/>
+              </a:defRPr>
+            </a:lvl3pPr>
+            <a:lvl4pPr marL="1600200" indent="-228600" algn="l" defTabSz="914400" rtl="0" eaLnBrk="1" latinLnBrk="0" hangingPunct="1">
+              <a:lnSpc>
+                <a:spcPct val="90000"/>
+              </a:lnSpc>
+              <a:spcBef>
+                <a:spcPts val="500"/>
+              </a:spcBef>
+              <a:buFont typeface="Arial" panose="020B0604020202020204" pitchFamily="34" charset="0"/>
+              <a:buChar char="•"/>
+              <a:defRPr sz="1800" kern="1200">
+                <a:solidFill>
+                  <a:schemeClr val="tx1"/>
+                </a:solidFill>
+                <a:latin typeface="+mn-lt"/>
+                <a:ea typeface="+mn-ea"/>
+                <a:cs typeface="+mn-cs"/>
+              </a:defRPr>
+            </a:lvl4pPr>
+            <a:lvl5pPr marL="2057400" indent="-228600" algn="l" defTabSz="914400" rtl="0" eaLnBrk="1" latinLnBrk="0" hangingPunct="1">
+              <a:lnSpc>
+                <a:spcPct val="90000"/>
+              </a:lnSpc>
+              <a:spcBef>
+                <a:spcPts val="500"/>
+              </a:spcBef>
+              <a:buFont typeface="Arial" panose="020B0604020202020204" pitchFamily="34" charset="0"/>
+              <a:buChar char="•"/>
+              <a:defRPr sz="1800" kern="1200">
+                <a:solidFill>
+                  <a:schemeClr val="tx1"/>
+                </a:solidFill>
+                <a:latin typeface="+mn-lt"/>
+                <a:ea typeface="+mn-ea"/>
+                <a:cs typeface="+mn-cs"/>
+              </a:defRPr>
+            </a:lvl5pPr>
+            <a:lvl6pPr marL="2514600" indent="-228600" algn="l" defTabSz="914400" rtl="0" eaLnBrk="1" latinLnBrk="0" hangingPunct="1">
+              <a:lnSpc>
+                <a:spcPct val="90000"/>
+              </a:lnSpc>
+              <a:spcBef>
+                <a:spcPts val="500"/>
+              </a:spcBef>
+              <a:buFont typeface="Arial" panose="020B0604020202020204" pitchFamily="34" charset="0"/>
+              <a:buChar char="•"/>
+              <a:defRPr sz="1800" kern="1200">
+                <a:solidFill>
+                  <a:schemeClr val="tx1"/>
+                </a:solidFill>
+                <a:latin typeface="+mn-lt"/>
+                <a:ea typeface="+mn-ea"/>
+                <a:cs typeface="+mn-cs"/>
+              </a:defRPr>
+            </a:lvl6pPr>
+            <a:lvl7pPr marL="2971800" indent="-228600" algn="l" defTabSz="914400" rtl="0" eaLnBrk="1" latinLnBrk="0" hangingPunct="1">
+              <a:lnSpc>
+                <a:spcPct val="90000"/>
+              </a:lnSpc>
+              <a:spcBef>
+                <a:spcPts val="500"/>
+              </a:spcBef>
+              <a:buFont typeface="Arial" panose="020B0604020202020204" pitchFamily="34" charset="0"/>
+              <a:buChar char="•"/>
+              <a:defRPr sz="1800" kern="1200">
+                <a:solidFill>
+                  <a:schemeClr val="tx1"/>
+                </a:solidFill>
+                <a:latin typeface="+mn-lt"/>
+                <a:ea typeface="+mn-ea"/>
+                <a:cs typeface="+mn-cs"/>
+              </a:defRPr>
+            </a:lvl7pPr>
+            <a:lvl8pPr marL="3429000" indent="-228600" algn="l" defTabSz="914400" rtl="0" eaLnBrk="1" latinLnBrk="0" hangingPunct="1">
+              <a:lnSpc>
+                <a:spcPct val="90000"/>
+              </a:lnSpc>
+              <a:spcBef>
+                <a:spcPts val="500"/>
+              </a:spcBef>
+              <a:buFont typeface="Arial" panose="020B0604020202020204" pitchFamily="34" charset="0"/>
+              <a:buChar char="•"/>
+              <a:defRPr sz="1800" kern="1200">
+                <a:solidFill>
+                  <a:schemeClr val="tx1"/>
+                </a:solidFill>
+                <a:latin typeface="+mn-lt"/>
+                <a:ea typeface="+mn-ea"/>
+                <a:cs typeface="+mn-cs"/>
+              </a:defRPr>
+            </a:lvl8pPr>
+            <a:lvl9pPr marL="3886200" indent="-228600" algn="l" defTabSz="914400" rtl="0" eaLnBrk="1" latinLnBrk="0" hangingPunct="1">
+              <a:lnSpc>
+                <a:spcPct val="90000"/>
+              </a:lnSpc>
+              <a:spcBef>
+                <a:spcPts val="500"/>
+              </a:spcBef>
+              <a:buFont typeface="Arial" panose="020B0604020202020204" pitchFamily="34" charset="0"/>
+              <a:buChar char="•"/>
+              <a:defRPr sz="1800" kern="1200">
+                <a:solidFill>
+                  <a:schemeClr val="tx1"/>
+                </a:solidFill>
+                <a:latin typeface="+mn-lt"/>
+                <a:ea typeface="+mn-ea"/>
+                <a:cs typeface="+mn-cs"/>
+              </a:defRPr>
+            </a:lvl9pPr>
+          </a:lstStyle>
           <a:p>
             <a:pPr marL="0" indent="0">
+              <a:buFont typeface="Arial" panose="020B0604020202020204" pitchFamily="34" charset="0"/>
               <a:buNone/>
             </a:pPr>
             <a:r>
               <a:rPr lang="en-US" dirty="0"/>
-              <a:t>“If you need some intelligence in your app, you'd be silly to build the NLP and other technology on your own. Instead, focus on what your app will do with that intelligence.” </a:t>
-            </a:r>
-            <a:r>
-              <a:rPr lang="en-US" sz="1600" dirty="0">
-                <a:hlinkClick r:id="rId3"/>
+              <a:t>Game Application</a:t>
+            </a:r>
+          </a:p>
+        </p:txBody>
+      </p:sp>
+      <p:sp>
+        <p:nvSpPr>
+          <p:cNvPr id="13" name="Content Placeholder 2">
+            <a:extLst>
+              <a:ext uri="{FF2B5EF4-FFF2-40B4-BE49-F238E27FC236}">
+                <a16:creationId xmlns:a16="http://schemas.microsoft.com/office/drawing/2014/main" id="{A285C4B5-ADAC-4F21-B077-BB4EC8362122}"/>
+              </a:ext>
+            </a:extLst>
+          </p:cNvPr>
+          <p:cNvSpPr txBox="1">
+            <a:spLocks/>
+          </p:cNvSpPr>
+          <p:nvPr/>
+        </p:nvSpPr>
+        <p:spPr>
+          <a:xfrm>
+            <a:off x="5046695" y="2291824"/>
+            <a:ext cx="2827435" cy="568683"/>
+          </a:xfrm>
+          <a:prstGeom prst="rect">
+            <a:avLst/>
+          </a:prstGeom>
+        </p:spPr>
+        <p:txBody>
+          <a:bodyPr vert="horz" lIns="91440" tIns="45720" rIns="91440" bIns="45720" rtlCol="0">
+            <a:normAutofit/>
+          </a:bodyPr>
+          <a:lstStyle>
+            <a:lvl1pPr marL="228600" indent="-228600" algn="l" defTabSz="914400" rtl="0" eaLnBrk="1" latinLnBrk="0" hangingPunct="1">
+              <a:lnSpc>
+                <a:spcPct val="90000"/>
+              </a:lnSpc>
+              <a:spcBef>
+                <a:spcPts val="1000"/>
+              </a:spcBef>
+              <a:buFont typeface="Arial" panose="020B0604020202020204" pitchFamily="34" charset="0"/>
+              <a:buChar char="•"/>
+              <a:defRPr sz="2800" kern="1200">
+                <a:solidFill>
+                  <a:schemeClr val="tx1"/>
+                </a:solidFill>
+                <a:latin typeface="+mn-lt"/>
+                <a:ea typeface="+mn-ea"/>
+                <a:cs typeface="+mn-cs"/>
+              </a:defRPr>
+            </a:lvl1pPr>
+            <a:lvl2pPr marL="685800" indent="-228600" algn="l" defTabSz="914400" rtl="0" eaLnBrk="1" latinLnBrk="0" hangingPunct="1">
+              <a:lnSpc>
+                <a:spcPct val="90000"/>
+              </a:lnSpc>
+              <a:spcBef>
+                <a:spcPts val="500"/>
+              </a:spcBef>
+              <a:buFont typeface="Arial" panose="020B0604020202020204" pitchFamily="34" charset="0"/>
+              <a:buChar char="•"/>
+              <a:defRPr sz="2400" kern="1200">
+                <a:solidFill>
+                  <a:schemeClr val="tx1"/>
+                </a:solidFill>
+                <a:latin typeface="+mn-lt"/>
+                <a:ea typeface="+mn-ea"/>
+                <a:cs typeface="+mn-cs"/>
+              </a:defRPr>
+            </a:lvl2pPr>
+            <a:lvl3pPr marL="1143000" indent="-228600" algn="l" defTabSz="914400" rtl="0" eaLnBrk="1" latinLnBrk="0" hangingPunct="1">
+              <a:lnSpc>
+                <a:spcPct val="90000"/>
+              </a:lnSpc>
+              <a:spcBef>
+                <a:spcPts val="500"/>
+              </a:spcBef>
+              <a:buFont typeface="Arial" panose="020B0604020202020204" pitchFamily="34" charset="0"/>
+              <a:buChar char="•"/>
+              <a:defRPr sz="2000" kern="1200">
+                <a:solidFill>
+                  <a:schemeClr val="tx1"/>
+                </a:solidFill>
+                <a:latin typeface="+mn-lt"/>
+                <a:ea typeface="+mn-ea"/>
+                <a:cs typeface="+mn-cs"/>
+              </a:defRPr>
+            </a:lvl3pPr>
+            <a:lvl4pPr marL="1600200" indent="-228600" algn="l" defTabSz="914400" rtl="0" eaLnBrk="1" latinLnBrk="0" hangingPunct="1">
+              <a:lnSpc>
+                <a:spcPct val="90000"/>
+              </a:lnSpc>
+              <a:spcBef>
+                <a:spcPts val="500"/>
+              </a:spcBef>
+              <a:buFont typeface="Arial" panose="020B0604020202020204" pitchFamily="34" charset="0"/>
+              <a:buChar char="•"/>
+              <a:defRPr sz="1800" kern="1200">
+                <a:solidFill>
+                  <a:schemeClr val="tx1"/>
+                </a:solidFill>
+                <a:latin typeface="+mn-lt"/>
+                <a:ea typeface="+mn-ea"/>
+                <a:cs typeface="+mn-cs"/>
+              </a:defRPr>
+            </a:lvl4pPr>
+            <a:lvl5pPr marL="2057400" indent="-228600" algn="l" defTabSz="914400" rtl="0" eaLnBrk="1" latinLnBrk="0" hangingPunct="1">
+              <a:lnSpc>
+                <a:spcPct val="90000"/>
+              </a:lnSpc>
+              <a:spcBef>
+                <a:spcPts val="500"/>
+              </a:spcBef>
+              <a:buFont typeface="Arial" panose="020B0604020202020204" pitchFamily="34" charset="0"/>
+              <a:buChar char="•"/>
+              <a:defRPr sz="1800" kern="1200">
+                <a:solidFill>
+                  <a:schemeClr val="tx1"/>
+                </a:solidFill>
+                <a:latin typeface="+mn-lt"/>
+                <a:ea typeface="+mn-ea"/>
+                <a:cs typeface="+mn-cs"/>
+              </a:defRPr>
+            </a:lvl5pPr>
+            <a:lvl6pPr marL="2514600" indent="-228600" algn="l" defTabSz="914400" rtl="0" eaLnBrk="1" latinLnBrk="0" hangingPunct="1">
+              <a:lnSpc>
+                <a:spcPct val="90000"/>
+              </a:lnSpc>
+              <a:spcBef>
+                <a:spcPts val="500"/>
+              </a:spcBef>
+              <a:buFont typeface="Arial" panose="020B0604020202020204" pitchFamily="34" charset="0"/>
+              <a:buChar char="•"/>
+              <a:defRPr sz="1800" kern="1200">
+                <a:solidFill>
+                  <a:schemeClr val="tx1"/>
+                </a:solidFill>
+                <a:latin typeface="+mn-lt"/>
+                <a:ea typeface="+mn-ea"/>
+                <a:cs typeface="+mn-cs"/>
+              </a:defRPr>
+            </a:lvl6pPr>
+            <a:lvl7pPr marL="2971800" indent="-228600" algn="l" defTabSz="914400" rtl="0" eaLnBrk="1" latinLnBrk="0" hangingPunct="1">
+              <a:lnSpc>
+                <a:spcPct val="90000"/>
+              </a:lnSpc>
+              <a:spcBef>
+                <a:spcPts val="500"/>
+              </a:spcBef>
+              <a:buFont typeface="Arial" panose="020B0604020202020204" pitchFamily="34" charset="0"/>
+              <a:buChar char="•"/>
+              <a:defRPr sz="1800" kern="1200">
+                <a:solidFill>
+                  <a:schemeClr val="tx1"/>
+                </a:solidFill>
+                <a:latin typeface="+mn-lt"/>
+                <a:ea typeface="+mn-ea"/>
+                <a:cs typeface="+mn-cs"/>
+              </a:defRPr>
+            </a:lvl7pPr>
+            <a:lvl8pPr marL="3429000" indent="-228600" algn="l" defTabSz="914400" rtl="0" eaLnBrk="1" latinLnBrk="0" hangingPunct="1">
+              <a:lnSpc>
+                <a:spcPct val="90000"/>
+              </a:lnSpc>
+              <a:spcBef>
+                <a:spcPts val="500"/>
+              </a:spcBef>
+              <a:buFont typeface="Arial" panose="020B0604020202020204" pitchFamily="34" charset="0"/>
+              <a:buChar char="•"/>
+              <a:defRPr sz="1800" kern="1200">
+                <a:solidFill>
+                  <a:schemeClr val="tx1"/>
+                </a:solidFill>
+                <a:latin typeface="+mn-lt"/>
+                <a:ea typeface="+mn-ea"/>
+                <a:cs typeface="+mn-cs"/>
+              </a:defRPr>
+            </a:lvl8pPr>
+            <a:lvl9pPr marL="3886200" indent="-228600" algn="l" defTabSz="914400" rtl="0" eaLnBrk="1" latinLnBrk="0" hangingPunct="1">
+              <a:lnSpc>
+                <a:spcPct val="90000"/>
+              </a:lnSpc>
+              <a:spcBef>
+                <a:spcPts val="500"/>
+              </a:spcBef>
+              <a:buFont typeface="Arial" panose="020B0604020202020204" pitchFamily="34" charset="0"/>
+              <a:buChar char="•"/>
+              <a:defRPr sz="1800" kern="1200">
+                <a:solidFill>
+                  <a:schemeClr val="tx1"/>
+                </a:solidFill>
+                <a:latin typeface="+mn-lt"/>
+                <a:ea typeface="+mn-ea"/>
+                <a:cs typeface="+mn-cs"/>
+              </a:defRPr>
+            </a:lvl9pPr>
+          </a:lstStyle>
+          <a:p>
+            <a:pPr marL="0" indent="0">
+              <a:buFont typeface="Arial" panose="020B0604020202020204" pitchFamily="34" charset="0"/>
+              <a:buNone/>
+            </a:pPr>
+            <a:r>
+              <a:rPr lang="en-US" sz="1800" dirty="0"/>
+              <a:t>GET, POST  site.com/home</a:t>
+            </a:r>
+          </a:p>
+        </p:txBody>
+      </p:sp>
+      <p:sp>
+        <p:nvSpPr>
+          <p:cNvPr id="14" name="Rectangle 13">
+            <a:extLst>
+              <a:ext uri="{FF2B5EF4-FFF2-40B4-BE49-F238E27FC236}">
+                <a16:creationId xmlns:a16="http://schemas.microsoft.com/office/drawing/2014/main" id="{18D70788-A511-4004-BEFE-1E11426D4662}"/>
+              </a:ext>
+            </a:extLst>
+          </p:cNvPr>
+          <p:cNvSpPr/>
+          <p:nvPr/>
+        </p:nvSpPr>
+        <p:spPr>
+          <a:xfrm>
+            <a:off x="8335006" y="1620410"/>
+            <a:ext cx="591429" cy="824506"/>
+          </a:xfrm>
+          <a:prstGeom prst="rect">
+            <a:avLst/>
+          </a:prstGeom>
+        </p:spPr>
+        <p:style>
+          <a:lnRef idx="2">
+            <a:schemeClr val="accent1">
+              <a:shade val="50000"/>
+            </a:schemeClr>
+          </a:lnRef>
+          <a:fillRef idx="1">
+            <a:schemeClr val="accent1"/>
+          </a:fillRef>
+          <a:effectRef idx="0">
+            <a:schemeClr val="accent1"/>
+          </a:effectRef>
+          <a:fontRef idx="minor">
+            <a:schemeClr val="lt1"/>
+          </a:fontRef>
+        </p:style>
+        <p:txBody>
+          <a:bodyPr rtlCol="0" anchor="ctr"/>
+          <a:lstStyle/>
+          <a:p>
+            <a:pPr algn="ctr"/>
+            <a:r>
+              <a:rPr lang="en-US" sz="1400" dirty="0"/>
+              <a:t>http </a:t>
+            </a:r>
+            <a:r>
+              <a:rPr lang="en-US" sz="1400" dirty="0" err="1"/>
+              <a:t>urls</a:t>
+            </a:r>
+            <a:endParaRPr lang="en-US" sz="1400" dirty="0"/>
+          </a:p>
+        </p:txBody>
+      </p:sp>
+      <p:sp>
+        <p:nvSpPr>
+          <p:cNvPr id="15" name="Rectangle 14">
+            <a:extLst>
+              <a:ext uri="{FF2B5EF4-FFF2-40B4-BE49-F238E27FC236}">
+                <a16:creationId xmlns:a16="http://schemas.microsoft.com/office/drawing/2014/main" id="{2A63D263-9BBB-40A3-BEDF-006A53F2B6D3}"/>
+              </a:ext>
+            </a:extLst>
+          </p:cNvPr>
+          <p:cNvSpPr/>
+          <p:nvPr/>
+        </p:nvSpPr>
+        <p:spPr>
+          <a:xfrm>
+            <a:off x="3177887" y="3144177"/>
+            <a:ext cx="1694577" cy="914400"/>
+          </a:xfrm>
+          <a:prstGeom prst="rect">
+            <a:avLst/>
+          </a:prstGeom>
+          <a:solidFill>
+            <a:schemeClr val="accent6"/>
+          </a:solidFill>
+        </p:spPr>
+        <p:style>
+          <a:lnRef idx="2">
+            <a:schemeClr val="accent1">
+              <a:shade val="50000"/>
+            </a:schemeClr>
+          </a:lnRef>
+          <a:fillRef idx="1">
+            <a:schemeClr val="accent1"/>
+          </a:fillRef>
+          <a:effectRef idx="0">
+            <a:schemeClr val="accent1"/>
+          </a:effectRef>
+          <a:fontRef idx="minor">
+            <a:schemeClr val="lt1"/>
+          </a:fontRef>
+        </p:style>
+        <p:txBody>
+          <a:bodyPr rtlCol="0" anchor="ctr"/>
+          <a:lstStyle/>
+          <a:p>
+            <a:pPr algn="ctr"/>
+            <a:r>
+              <a:rPr lang="en-US" dirty="0"/>
+              <a:t>Raspberry Pi + Python</a:t>
+            </a:r>
+          </a:p>
+        </p:txBody>
+      </p:sp>
+      <p:sp>
+        <p:nvSpPr>
+          <p:cNvPr id="16" name="Content Placeholder 2">
+            <a:extLst>
+              <a:ext uri="{FF2B5EF4-FFF2-40B4-BE49-F238E27FC236}">
+                <a16:creationId xmlns:a16="http://schemas.microsoft.com/office/drawing/2014/main" id="{5F523BA2-49F9-425B-ACD0-9C9479C41BDB}"/>
+              </a:ext>
+            </a:extLst>
+          </p:cNvPr>
+          <p:cNvSpPr txBox="1">
+            <a:spLocks/>
+          </p:cNvSpPr>
+          <p:nvPr/>
+        </p:nvSpPr>
+        <p:spPr>
+          <a:xfrm>
+            <a:off x="5169276" y="3400246"/>
+            <a:ext cx="2827435" cy="568683"/>
+          </a:xfrm>
+          <a:prstGeom prst="rect">
+            <a:avLst/>
+          </a:prstGeom>
+        </p:spPr>
+        <p:txBody>
+          <a:bodyPr vert="horz" lIns="91440" tIns="45720" rIns="91440" bIns="45720" rtlCol="0">
+            <a:normAutofit/>
+          </a:bodyPr>
+          <a:lstStyle>
+            <a:lvl1pPr marL="228600" indent="-228600" algn="l" defTabSz="914400" rtl="0" eaLnBrk="1" latinLnBrk="0" hangingPunct="1">
+              <a:lnSpc>
+                <a:spcPct val="90000"/>
+              </a:lnSpc>
+              <a:spcBef>
+                <a:spcPts val="1000"/>
+              </a:spcBef>
+              <a:buFont typeface="Arial" panose="020B0604020202020204" pitchFamily="34" charset="0"/>
+              <a:buChar char="•"/>
+              <a:defRPr sz="2800" kern="1200">
+                <a:solidFill>
+                  <a:schemeClr val="tx1"/>
+                </a:solidFill>
+                <a:latin typeface="+mn-lt"/>
+                <a:ea typeface="+mn-ea"/>
+                <a:cs typeface="+mn-cs"/>
+              </a:defRPr>
+            </a:lvl1pPr>
+            <a:lvl2pPr marL="685800" indent="-228600" algn="l" defTabSz="914400" rtl="0" eaLnBrk="1" latinLnBrk="0" hangingPunct="1">
+              <a:lnSpc>
+                <a:spcPct val="90000"/>
+              </a:lnSpc>
+              <a:spcBef>
+                <a:spcPts val="500"/>
+              </a:spcBef>
+              <a:buFont typeface="Arial" panose="020B0604020202020204" pitchFamily="34" charset="0"/>
+              <a:buChar char="•"/>
+              <a:defRPr sz="2400" kern="1200">
+                <a:solidFill>
+                  <a:schemeClr val="tx1"/>
+                </a:solidFill>
+                <a:latin typeface="+mn-lt"/>
+                <a:ea typeface="+mn-ea"/>
+                <a:cs typeface="+mn-cs"/>
+              </a:defRPr>
+            </a:lvl2pPr>
+            <a:lvl3pPr marL="1143000" indent="-228600" algn="l" defTabSz="914400" rtl="0" eaLnBrk="1" latinLnBrk="0" hangingPunct="1">
+              <a:lnSpc>
+                <a:spcPct val="90000"/>
+              </a:lnSpc>
+              <a:spcBef>
+                <a:spcPts val="500"/>
+              </a:spcBef>
+              <a:buFont typeface="Arial" panose="020B0604020202020204" pitchFamily="34" charset="0"/>
+              <a:buChar char="•"/>
+              <a:defRPr sz="2000" kern="1200">
+                <a:solidFill>
+                  <a:schemeClr val="tx1"/>
+                </a:solidFill>
+                <a:latin typeface="+mn-lt"/>
+                <a:ea typeface="+mn-ea"/>
+                <a:cs typeface="+mn-cs"/>
+              </a:defRPr>
+            </a:lvl3pPr>
+            <a:lvl4pPr marL="1600200" indent="-228600" algn="l" defTabSz="914400" rtl="0" eaLnBrk="1" latinLnBrk="0" hangingPunct="1">
+              <a:lnSpc>
+                <a:spcPct val="90000"/>
+              </a:lnSpc>
+              <a:spcBef>
+                <a:spcPts val="500"/>
+              </a:spcBef>
+              <a:buFont typeface="Arial" panose="020B0604020202020204" pitchFamily="34" charset="0"/>
+              <a:buChar char="•"/>
+              <a:defRPr sz="1800" kern="1200">
+                <a:solidFill>
+                  <a:schemeClr val="tx1"/>
+                </a:solidFill>
+                <a:latin typeface="+mn-lt"/>
+                <a:ea typeface="+mn-ea"/>
+                <a:cs typeface="+mn-cs"/>
+              </a:defRPr>
+            </a:lvl4pPr>
+            <a:lvl5pPr marL="2057400" indent="-228600" algn="l" defTabSz="914400" rtl="0" eaLnBrk="1" latinLnBrk="0" hangingPunct="1">
+              <a:lnSpc>
+                <a:spcPct val="90000"/>
+              </a:lnSpc>
+              <a:spcBef>
+                <a:spcPts val="500"/>
+              </a:spcBef>
+              <a:buFont typeface="Arial" panose="020B0604020202020204" pitchFamily="34" charset="0"/>
+              <a:buChar char="•"/>
+              <a:defRPr sz="1800" kern="1200">
+                <a:solidFill>
+                  <a:schemeClr val="tx1"/>
+                </a:solidFill>
+                <a:latin typeface="+mn-lt"/>
+                <a:ea typeface="+mn-ea"/>
+                <a:cs typeface="+mn-cs"/>
+              </a:defRPr>
+            </a:lvl5pPr>
+            <a:lvl6pPr marL="2514600" indent="-228600" algn="l" defTabSz="914400" rtl="0" eaLnBrk="1" latinLnBrk="0" hangingPunct="1">
+              <a:lnSpc>
+                <a:spcPct val="90000"/>
+              </a:lnSpc>
+              <a:spcBef>
+                <a:spcPts val="500"/>
+              </a:spcBef>
+              <a:buFont typeface="Arial" panose="020B0604020202020204" pitchFamily="34" charset="0"/>
+              <a:buChar char="•"/>
+              <a:defRPr sz="1800" kern="1200">
+                <a:solidFill>
+                  <a:schemeClr val="tx1"/>
+                </a:solidFill>
+                <a:latin typeface="+mn-lt"/>
+                <a:ea typeface="+mn-ea"/>
+                <a:cs typeface="+mn-cs"/>
+              </a:defRPr>
+            </a:lvl6pPr>
+            <a:lvl7pPr marL="2971800" indent="-228600" algn="l" defTabSz="914400" rtl="0" eaLnBrk="1" latinLnBrk="0" hangingPunct="1">
+              <a:lnSpc>
+                <a:spcPct val="90000"/>
+              </a:lnSpc>
+              <a:spcBef>
+                <a:spcPts val="500"/>
+              </a:spcBef>
+              <a:buFont typeface="Arial" panose="020B0604020202020204" pitchFamily="34" charset="0"/>
+              <a:buChar char="•"/>
+              <a:defRPr sz="1800" kern="1200">
+                <a:solidFill>
+                  <a:schemeClr val="tx1"/>
+                </a:solidFill>
+                <a:latin typeface="+mn-lt"/>
+                <a:ea typeface="+mn-ea"/>
+                <a:cs typeface="+mn-cs"/>
+              </a:defRPr>
+            </a:lvl7pPr>
+            <a:lvl8pPr marL="3429000" indent="-228600" algn="l" defTabSz="914400" rtl="0" eaLnBrk="1" latinLnBrk="0" hangingPunct="1">
+              <a:lnSpc>
+                <a:spcPct val="90000"/>
+              </a:lnSpc>
+              <a:spcBef>
+                <a:spcPts val="500"/>
+              </a:spcBef>
+              <a:buFont typeface="Arial" panose="020B0604020202020204" pitchFamily="34" charset="0"/>
+              <a:buChar char="•"/>
+              <a:defRPr sz="1800" kern="1200">
+                <a:solidFill>
+                  <a:schemeClr val="tx1"/>
+                </a:solidFill>
+                <a:latin typeface="+mn-lt"/>
+                <a:ea typeface="+mn-ea"/>
+                <a:cs typeface="+mn-cs"/>
+              </a:defRPr>
+            </a:lvl8pPr>
+            <a:lvl9pPr marL="3886200" indent="-228600" algn="l" defTabSz="914400" rtl="0" eaLnBrk="1" latinLnBrk="0" hangingPunct="1">
+              <a:lnSpc>
+                <a:spcPct val="90000"/>
+              </a:lnSpc>
+              <a:spcBef>
+                <a:spcPts val="500"/>
+              </a:spcBef>
+              <a:buFont typeface="Arial" panose="020B0604020202020204" pitchFamily="34" charset="0"/>
+              <a:buChar char="•"/>
+              <a:defRPr sz="1800" kern="1200">
+                <a:solidFill>
+                  <a:schemeClr val="tx1"/>
+                </a:solidFill>
+                <a:latin typeface="+mn-lt"/>
+                <a:ea typeface="+mn-ea"/>
+                <a:cs typeface="+mn-cs"/>
+              </a:defRPr>
+            </a:lvl9pPr>
+          </a:lstStyle>
+          <a:p>
+            <a:pPr marL="0" indent="0">
+              <a:buFont typeface="Arial" panose="020B0604020202020204" pitchFamily="34" charset="0"/>
+              <a:buNone/>
+            </a:pPr>
+            <a:r>
+              <a:rPr lang="en-US" sz="1800" dirty="0"/>
+              <a:t>GET, POST  site.com/</a:t>
+            </a:r>
+            <a:r>
+              <a:rPr lang="en-US" sz="1800" dirty="0" err="1">
+                <a:highlight>
+                  <a:srgbClr val="00FF00"/>
+                </a:highlight>
               </a:rPr>
-              <a:t>https://www.creativebloq.com/web-design/apis-developers-need-know-121518469</a:t>
-            </a:r>
-            <a:endParaRPr lang="en-US" sz="1600" dirty="0"/>
-          </a:p>
-          <a:p>
-            <a:endParaRPr lang="en-US" sz="2400" dirty="0"/>
-          </a:p>
-        </p:txBody>
-      </p:sp>
+              <a:t>api</a:t>
+            </a:r>
+            <a:endParaRPr lang="en-US" sz="1800" dirty="0">
+              <a:highlight>
+                <a:srgbClr val="00FF00"/>
+              </a:highlight>
+            </a:endParaRPr>
+          </a:p>
+        </p:txBody>
+      </p:sp>
+      <p:cxnSp>
+        <p:nvCxnSpPr>
+          <p:cNvPr id="18" name="Straight Connector 17">
+            <a:extLst>
+              <a:ext uri="{FF2B5EF4-FFF2-40B4-BE49-F238E27FC236}">
+                <a16:creationId xmlns:a16="http://schemas.microsoft.com/office/drawing/2014/main" id="{79A3F22A-CDC0-4ED5-BEAA-941F86C0ABD3}"/>
+              </a:ext>
+            </a:extLst>
+          </p:cNvPr>
+          <p:cNvCxnSpPr>
+            <a:cxnSpLocks/>
+            <a:stCxn id="4" idx="3"/>
+            <a:endCxn id="8" idx="2"/>
+          </p:cNvCxnSpPr>
+          <p:nvPr/>
+        </p:nvCxnSpPr>
+        <p:spPr>
+          <a:xfrm>
+            <a:off x="4858130" y="2535400"/>
+            <a:ext cx="750878" cy="390248"/>
+          </a:xfrm>
+          <a:prstGeom prst="line">
+            <a:avLst/>
+          </a:prstGeom>
+        </p:spPr>
+        <p:style>
+          <a:lnRef idx="1">
+            <a:schemeClr val="accent1"/>
+          </a:lnRef>
+          <a:fillRef idx="0">
+            <a:schemeClr val="accent1"/>
+          </a:fillRef>
+          <a:effectRef idx="0">
+            <a:schemeClr val="accent1"/>
+          </a:effectRef>
+          <a:fontRef idx="minor">
+            <a:schemeClr val="tx1"/>
+          </a:fontRef>
+        </p:style>
+      </p:cxnSp>
+      <p:cxnSp>
+        <p:nvCxnSpPr>
+          <p:cNvPr id="19" name="Straight Connector 18">
+            <a:extLst>
+              <a:ext uri="{FF2B5EF4-FFF2-40B4-BE49-F238E27FC236}">
+                <a16:creationId xmlns:a16="http://schemas.microsoft.com/office/drawing/2014/main" id="{464D9C67-8C5E-4338-8816-6D9C343901FD}"/>
+              </a:ext>
+            </a:extLst>
+          </p:cNvPr>
+          <p:cNvCxnSpPr>
+            <a:cxnSpLocks/>
+            <a:stCxn id="15" idx="3"/>
+            <a:endCxn id="8" idx="2"/>
+          </p:cNvCxnSpPr>
+          <p:nvPr/>
+        </p:nvCxnSpPr>
+        <p:spPr>
+          <a:xfrm flipV="1">
+            <a:off x="4872464" y="2925648"/>
+            <a:ext cx="736544" cy="675729"/>
+          </a:xfrm>
+          <a:prstGeom prst="line">
+            <a:avLst/>
+          </a:prstGeom>
+        </p:spPr>
+        <p:style>
+          <a:lnRef idx="1">
+            <a:schemeClr val="accent1"/>
+          </a:lnRef>
+          <a:fillRef idx="0">
+            <a:schemeClr val="accent1"/>
+          </a:fillRef>
+          <a:effectRef idx="0">
+            <a:schemeClr val="accent1"/>
+          </a:effectRef>
+          <a:fontRef idx="minor">
+            <a:schemeClr val="tx1"/>
+          </a:fontRef>
+        </p:style>
+      </p:cxnSp>
+      <p:cxnSp>
+        <p:nvCxnSpPr>
+          <p:cNvPr id="22" name="Straight Connector 21">
+            <a:extLst>
+              <a:ext uri="{FF2B5EF4-FFF2-40B4-BE49-F238E27FC236}">
+                <a16:creationId xmlns:a16="http://schemas.microsoft.com/office/drawing/2014/main" id="{B2C6BC92-B088-4A57-8CD8-378B7B875C5B}"/>
+              </a:ext>
+            </a:extLst>
+          </p:cNvPr>
+          <p:cNvCxnSpPr>
+            <a:cxnSpLocks/>
+            <a:stCxn id="14" idx="1"/>
+            <a:endCxn id="8" idx="6"/>
+          </p:cNvCxnSpPr>
+          <p:nvPr/>
+        </p:nvCxnSpPr>
+        <p:spPr>
+          <a:xfrm flipH="1">
+            <a:off x="7110763" y="2032663"/>
+            <a:ext cx="1224243" cy="892985"/>
+          </a:xfrm>
+          <a:prstGeom prst="line">
+            <a:avLst/>
+          </a:prstGeom>
+        </p:spPr>
+        <p:style>
+          <a:lnRef idx="1">
+            <a:schemeClr val="accent1"/>
+          </a:lnRef>
+          <a:fillRef idx="0">
+            <a:schemeClr val="accent1"/>
+          </a:fillRef>
+          <a:effectRef idx="0">
+            <a:schemeClr val="accent1"/>
+          </a:effectRef>
+          <a:fontRef idx="minor">
+            <a:schemeClr val="tx1"/>
+          </a:fontRef>
+        </p:style>
+      </p:cxnSp>
+      <p:sp>
+        <p:nvSpPr>
+          <p:cNvPr id="26" name="Rectangle 25">
+            <a:extLst>
+              <a:ext uri="{FF2B5EF4-FFF2-40B4-BE49-F238E27FC236}">
+                <a16:creationId xmlns:a16="http://schemas.microsoft.com/office/drawing/2014/main" id="{1E45162A-97F2-4EC2-9D2D-EFFEE5DC827D}"/>
+              </a:ext>
+            </a:extLst>
+          </p:cNvPr>
+          <p:cNvSpPr/>
+          <p:nvPr/>
+        </p:nvSpPr>
+        <p:spPr>
+          <a:xfrm>
+            <a:off x="8335006" y="2444916"/>
+            <a:ext cx="591429" cy="824507"/>
+          </a:xfrm>
+          <a:prstGeom prst="rect">
+            <a:avLst/>
+          </a:prstGeom>
+        </p:spPr>
+        <p:style>
+          <a:lnRef idx="2">
+            <a:schemeClr val="accent1">
+              <a:shade val="50000"/>
+            </a:schemeClr>
+          </a:lnRef>
+          <a:fillRef idx="1">
+            <a:schemeClr val="accent1"/>
+          </a:fillRef>
+          <a:effectRef idx="0">
+            <a:schemeClr val="accent1"/>
+          </a:effectRef>
+          <a:fontRef idx="minor">
+            <a:schemeClr val="lt1"/>
+          </a:fontRef>
+        </p:style>
+        <p:txBody>
+          <a:bodyPr rtlCol="0" anchor="ctr"/>
+          <a:lstStyle/>
+          <a:p>
+            <a:pPr algn="ctr"/>
+            <a:r>
+              <a:rPr lang="en-US" sz="1400" dirty="0" err="1"/>
+              <a:t>api</a:t>
+            </a:r>
+            <a:r>
+              <a:rPr lang="en-US" sz="1400" dirty="0"/>
+              <a:t> </a:t>
+            </a:r>
+            <a:r>
+              <a:rPr lang="en-US" sz="1400" dirty="0" err="1"/>
+              <a:t>urls</a:t>
+            </a:r>
+            <a:endParaRPr lang="en-US" sz="1400" dirty="0"/>
+          </a:p>
+        </p:txBody>
+      </p:sp>
+      <p:cxnSp>
+        <p:nvCxnSpPr>
+          <p:cNvPr id="27" name="Straight Connector 26">
+            <a:extLst>
+              <a:ext uri="{FF2B5EF4-FFF2-40B4-BE49-F238E27FC236}">
+                <a16:creationId xmlns:a16="http://schemas.microsoft.com/office/drawing/2014/main" id="{33F33A00-8F5C-4113-8B66-DCE248BD0388}"/>
+              </a:ext>
+            </a:extLst>
+          </p:cNvPr>
+          <p:cNvCxnSpPr>
+            <a:cxnSpLocks/>
+            <a:stCxn id="26" idx="1"/>
+            <a:endCxn id="8" idx="6"/>
+          </p:cNvCxnSpPr>
+          <p:nvPr/>
+        </p:nvCxnSpPr>
+        <p:spPr>
+          <a:xfrm flipH="1">
+            <a:off x="7110763" y="2857170"/>
+            <a:ext cx="1224243" cy="68478"/>
+          </a:xfrm>
+          <a:prstGeom prst="line">
+            <a:avLst/>
+          </a:prstGeom>
+        </p:spPr>
+        <p:style>
+          <a:lnRef idx="1">
+            <a:schemeClr val="accent1"/>
+          </a:lnRef>
+          <a:fillRef idx="0">
+            <a:schemeClr val="accent1"/>
+          </a:fillRef>
+          <a:effectRef idx="0">
+            <a:schemeClr val="accent1"/>
+          </a:effectRef>
+          <a:fontRef idx="minor">
+            <a:schemeClr val="tx1"/>
+          </a:fontRef>
+        </p:style>
+      </p:cxnSp>
+      <p:cxnSp>
+        <p:nvCxnSpPr>
+          <p:cNvPr id="23" name="Straight Connector 22">
+            <a:extLst>
+              <a:ext uri="{FF2B5EF4-FFF2-40B4-BE49-F238E27FC236}">
+                <a16:creationId xmlns:a16="http://schemas.microsoft.com/office/drawing/2014/main" id="{0806B4DF-ECC8-4DD1-A3FB-D64807D022FC}"/>
+              </a:ext>
+            </a:extLst>
+          </p:cNvPr>
+          <p:cNvCxnSpPr>
+            <a:cxnSpLocks/>
+            <a:stCxn id="5" idx="1"/>
+            <a:endCxn id="26" idx="3"/>
+          </p:cNvCxnSpPr>
+          <p:nvPr/>
+        </p:nvCxnSpPr>
+        <p:spPr>
+          <a:xfrm flipH="1">
+            <a:off x="8926435" y="1829436"/>
+            <a:ext cx="617119" cy="1027734"/>
+          </a:xfrm>
+          <a:prstGeom prst="line">
+            <a:avLst/>
+          </a:prstGeom>
+        </p:spPr>
+        <p:style>
+          <a:lnRef idx="1">
+            <a:schemeClr val="accent1"/>
+          </a:lnRef>
+          <a:fillRef idx="0">
+            <a:schemeClr val="accent1"/>
+          </a:fillRef>
+          <a:effectRef idx="0">
+            <a:schemeClr val="accent1"/>
+          </a:effectRef>
+          <a:fontRef idx="minor">
+            <a:schemeClr val="tx1"/>
+          </a:fontRef>
+        </p:style>
+      </p:cxnSp>
+      <p:cxnSp>
+        <p:nvCxnSpPr>
+          <p:cNvPr id="25" name="Straight Connector 24">
+            <a:extLst>
+              <a:ext uri="{FF2B5EF4-FFF2-40B4-BE49-F238E27FC236}">
+                <a16:creationId xmlns:a16="http://schemas.microsoft.com/office/drawing/2014/main" id="{4DDF0419-07C2-4433-924A-43DCB8870581}"/>
+              </a:ext>
+            </a:extLst>
+          </p:cNvPr>
+          <p:cNvCxnSpPr>
+            <a:cxnSpLocks/>
+            <a:stCxn id="6" idx="1"/>
+            <a:endCxn id="26" idx="3"/>
+          </p:cNvCxnSpPr>
+          <p:nvPr/>
+        </p:nvCxnSpPr>
+        <p:spPr>
+          <a:xfrm flipH="1">
+            <a:off x="8926435" y="2398488"/>
+            <a:ext cx="617118" cy="458682"/>
+          </a:xfrm>
+          <a:prstGeom prst="line">
+            <a:avLst/>
+          </a:prstGeom>
+        </p:spPr>
+        <p:style>
+          <a:lnRef idx="1">
+            <a:schemeClr val="accent1"/>
+          </a:lnRef>
+          <a:fillRef idx="0">
+            <a:schemeClr val="accent1"/>
+          </a:fillRef>
+          <a:effectRef idx="0">
+            <a:schemeClr val="accent1"/>
+          </a:effectRef>
+          <a:fontRef idx="minor">
+            <a:schemeClr val="tx1"/>
+          </a:fontRef>
+        </p:style>
+      </p:cxnSp>
+      <p:sp>
+        <p:nvSpPr>
+          <p:cNvPr id="28" name="Content Placeholder 2">
+            <a:extLst>
+              <a:ext uri="{FF2B5EF4-FFF2-40B4-BE49-F238E27FC236}">
+                <a16:creationId xmlns:a16="http://schemas.microsoft.com/office/drawing/2014/main" id="{B4AC751D-38C1-44B8-9F11-9155EACEF493}"/>
+              </a:ext>
+            </a:extLst>
+          </p:cNvPr>
+          <p:cNvSpPr txBox="1">
+            <a:spLocks/>
+          </p:cNvSpPr>
+          <p:nvPr/>
+        </p:nvSpPr>
+        <p:spPr>
+          <a:xfrm>
+            <a:off x="8297001" y="943706"/>
+            <a:ext cx="2737185" cy="568683"/>
+          </a:xfrm>
+          <a:prstGeom prst="rect">
+            <a:avLst/>
+          </a:prstGeom>
+        </p:spPr>
+        <p:txBody>
+          <a:bodyPr vert="horz" lIns="91440" tIns="45720" rIns="91440" bIns="45720" rtlCol="0">
+            <a:normAutofit/>
+          </a:bodyPr>
+          <a:lstStyle>
+            <a:lvl1pPr marL="228600" indent="-228600" algn="l" defTabSz="914400" rtl="0" eaLnBrk="1" latinLnBrk="0" hangingPunct="1">
+              <a:lnSpc>
+                <a:spcPct val="90000"/>
+              </a:lnSpc>
+              <a:spcBef>
+                <a:spcPts val="1000"/>
+              </a:spcBef>
+              <a:buFont typeface="Arial" panose="020B0604020202020204" pitchFamily="34" charset="0"/>
+              <a:buChar char="•"/>
+              <a:defRPr sz="2800" kern="1200">
+                <a:solidFill>
+                  <a:schemeClr val="tx1"/>
+                </a:solidFill>
+                <a:latin typeface="+mn-lt"/>
+                <a:ea typeface="+mn-ea"/>
+                <a:cs typeface="+mn-cs"/>
+              </a:defRPr>
+            </a:lvl1pPr>
+            <a:lvl2pPr marL="685800" indent="-228600" algn="l" defTabSz="914400" rtl="0" eaLnBrk="1" latinLnBrk="0" hangingPunct="1">
+              <a:lnSpc>
+                <a:spcPct val="90000"/>
+              </a:lnSpc>
+              <a:spcBef>
+                <a:spcPts val="500"/>
+              </a:spcBef>
+              <a:buFont typeface="Arial" panose="020B0604020202020204" pitchFamily="34" charset="0"/>
+              <a:buChar char="•"/>
+              <a:defRPr sz="2400" kern="1200">
+                <a:solidFill>
+                  <a:schemeClr val="tx1"/>
+                </a:solidFill>
+                <a:latin typeface="+mn-lt"/>
+                <a:ea typeface="+mn-ea"/>
+                <a:cs typeface="+mn-cs"/>
+              </a:defRPr>
+            </a:lvl2pPr>
+            <a:lvl3pPr marL="1143000" indent="-228600" algn="l" defTabSz="914400" rtl="0" eaLnBrk="1" latinLnBrk="0" hangingPunct="1">
+              <a:lnSpc>
+                <a:spcPct val="90000"/>
+              </a:lnSpc>
+              <a:spcBef>
+                <a:spcPts val="500"/>
+              </a:spcBef>
+              <a:buFont typeface="Arial" panose="020B0604020202020204" pitchFamily="34" charset="0"/>
+              <a:buChar char="•"/>
+              <a:defRPr sz="2000" kern="1200">
+                <a:solidFill>
+                  <a:schemeClr val="tx1"/>
+                </a:solidFill>
+                <a:latin typeface="+mn-lt"/>
+                <a:ea typeface="+mn-ea"/>
+                <a:cs typeface="+mn-cs"/>
+              </a:defRPr>
+            </a:lvl3pPr>
+            <a:lvl4pPr marL="1600200" indent="-228600" algn="l" defTabSz="914400" rtl="0" eaLnBrk="1" latinLnBrk="0" hangingPunct="1">
+              <a:lnSpc>
+                <a:spcPct val="90000"/>
+              </a:lnSpc>
+              <a:spcBef>
+                <a:spcPts val="500"/>
+              </a:spcBef>
+              <a:buFont typeface="Arial" panose="020B0604020202020204" pitchFamily="34" charset="0"/>
+              <a:buChar char="•"/>
+              <a:defRPr sz="1800" kern="1200">
+                <a:solidFill>
+                  <a:schemeClr val="tx1"/>
+                </a:solidFill>
+                <a:latin typeface="+mn-lt"/>
+                <a:ea typeface="+mn-ea"/>
+                <a:cs typeface="+mn-cs"/>
+              </a:defRPr>
+            </a:lvl4pPr>
+            <a:lvl5pPr marL="2057400" indent="-228600" algn="l" defTabSz="914400" rtl="0" eaLnBrk="1" latinLnBrk="0" hangingPunct="1">
+              <a:lnSpc>
+                <a:spcPct val="90000"/>
+              </a:lnSpc>
+              <a:spcBef>
+                <a:spcPts val="500"/>
+              </a:spcBef>
+              <a:buFont typeface="Arial" panose="020B0604020202020204" pitchFamily="34" charset="0"/>
+              <a:buChar char="•"/>
+              <a:defRPr sz="1800" kern="1200">
+                <a:solidFill>
+                  <a:schemeClr val="tx1"/>
+                </a:solidFill>
+                <a:latin typeface="+mn-lt"/>
+                <a:ea typeface="+mn-ea"/>
+                <a:cs typeface="+mn-cs"/>
+              </a:defRPr>
+            </a:lvl5pPr>
+            <a:lvl6pPr marL="2514600" indent="-228600" algn="l" defTabSz="914400" rtl="0" eaLnBrk="1" latinLnBrk="0" hangingPunct="1">
+              <a:lnSpc>
+                <a:spcPct val="90000"/>
+              </a:lnSpc>
+              <a:spcBef>
+                <a:spcPts val="500"/>
+              </a:spcBef>
+              <a:buFont typeface="Arial" panose="020B0604020202020204" pitchFamily="34" charset="0"/>
+              <a:buChar char="•"/>
+              <a:defRPr sz="1800" kern="1200">
+                <a:solidFill>
+                  <a:schemeClr val="tx1"/>
+                </a:solidFill>
+                <a:latin typeface="+mn-lt"/>
+                <a:ea typeface="+mn-ea"/>
+                <a:cs typeface="+mn-cs"/>
+              </a:defRPr>
+            </a:lvl6pPr>
+            <a:lvl7pPr marL="2971800" indent="-228600" algn="l" defTabSz="914400" rtl="0" eaLnBrk="1" latinLnBrk="0" hangingPunct="1">
+              <a:lnSpc>
+                <a:spcPct val="90000"/>
+              </a:lnSpc>
+              <a:spcBef>
+                <a:spcPts val="500"/>
+              </a:spcBef>
+              <a:buFont typeface="Arial" panose="020B0604020202020204" pitchFamily="34" charset="0"/>
+              <a:buChar char="•"/>
+              <a:defRPr sz="1800" kern="1200">
+                <a:solidFill>
+                  <a:schemeClr val="tx1"/>
+                </a:solidFill>
+                <a:latin typeface="+mn-lt"/>
+                <a:ea typeface="+mn-ea"/>
+                <a:cs typeface="+mn-cs"/>
+              </a:defRPr>
+            </a:lvl7pPr>
+            <a:lvl8pPr marL="3429000" indent="-228600" algn="l" defTabSz="914400" rtl="0" eaLnBrk="1" latinLnBrk="0" hangingPunct="1">
+              <a:lnSpc>
+                <a:spcPct val="90000"/>
+              </a:lnSpc>
+              <a:spcBef>
+                <a:spcPts val="500"/>
+              </a:spcBef>
+              <a:buFont typeface="Arial" panose="020B0604020202020204" pitchFamily="34" charset="0"/>
+              <a:buChar char="•"/>
+              <a:defRPr sz="1800" kern="1200">
+                <a:solidFill>
+                  <a:schemeClr val="tx1"/>
+                </a:solidFill>
+                <a:latin typeface="+mn-lt"/>
+                <a:ea typeface="+mn-ea"/>
+                <a:cs typeface="+mn-cs"/>
+              </a:defRPr>
+            </a:lvl8pPr>
+            <a:lvl9pPr marL="3886200" indent="-228600" algn="l" defTabSz="914400" rtl="0" eaLnBrk="1" latinLnBrk="0" hangingPunct="1">
+              <a:lnSpc>
+                <a:spcPct val="90000"/>
+              </a:lnSpc>
+              <a:spcBef>
+                <a:spcPts val="500"/>
+              </a:spcBef>
+              <a:buFont typeface="Arial" panose="020B0604020202020204" pitchFamily="34" charset="0"/>
+              <a:buChar char="•"/>
+              <a:defRPr sz="1800" kern="1200">
+                <a:solidFill>
+                  <a:schemeClr val="tx1"/>
+                </a:solidFill>
+                <a:latin typeface="+mn-lt"/>
+                <a:ea typeface="+mn-ea"/>
+                <a:cs typeface="+mn-cs"/>
+              </a:defRPr>
+            </a:lvl9pPr>
+          </a:lstStyle>
+          <a:p>
+            <a:pPr marL="0" indent="0">
+              <a:buFont typeface="Arial" panose="020B0604020202020204" pitchFamily="34" charset="0"/>
+              <a:buNone/>
+            </a:pPr>
+            <a:r>
+              <a:rPr lang="en-US" dirty="0"/>
+              <a:t>Our DB, App, ML</a:t>
+            </a:r>
+          </a:p>
+        </p:txBody>
+      </p:sp>
+      <p:sp>
+        <p:nvSpPr>
+          <p:cNvPr id="31" name="Rectangle 30">
+            <a:extLst>
+              <a:ext uri="{FF2B5EF4-FFF2-40B4-BE49-F238E27FC236}">
+                <a16:creationId xmlns:a16="http://schemas.microsoft.com/office/drawing/2014/main" id="{22D2C435-2712-438D-9E89-FD7369D2A2DF}"/>
+              </a:ext>
+            </a:extLst>
+          </p:cNvPr>
+          <p:cNvSpPr/>
+          <p:nvPr/>
+        </p:nvSpPr>
+        <p:spPr>
+          <a:xfrm>
+            <a:off x="8129835" y="3726451"/>
+            <a:ext cx="2827436" cy="1074441"/>
+          </a:xfrm>
+          <a:prstGeom prst="rect">
+            <a:avLst/>
+          </a:prstGeom>
+          <a:noFill/>
+        </p:spPr>
+        <p:style>
+          <a:lnRef idx="2">
+            <a:schemeClr val="accent1">
+              <a:shade val="50000"/>
+            </a:schemeClr>
+          </a:lnRef>
+          <a:fillRef idx="1">
+            <a:schemeClr val="accent1"/>
+          </a:fillRef>
+          <a:effectRef idx="0">
+            <a:schemeClr val="accent1"/>
+          </a:effectRef>
+          <a:fontRef idx="minor">
+            <a:schemeClr val="lt1"/>
+          </a:fontRef>
+        </p:style>
+        <p:txBody>
+          <a:bodyPr rtlCol="0" anchor="ctr"/>
+          <a:lstStyle/>
+          <a:p>
+            <a:pPr algn="ctr"/>
+            <a:endParaRPr lang="en-US" dirty="0"/>
+          </a:p>
+        </p:txBody>
+      </p:sp>
+      <p:sp>
+        <p:nvSpPr>
+          <p:cNvPr id="32" name="Content Placeholder 2">
+            <a:extLst>
+              <a:ext uri="{FF2B5EF4-FFF2-40B4-BE49-F238E27FC236}">
+                <a16:creationId xmlns:a16="http://schemas.microsoft.com/office/drawing/2014/main" id="{9F6733A6-D90B-46AD-8DE1-748F3C3A6898}"/>
+              </a:ext>
+            </a:extLst>
+          </p:cNvPr>
+          <p:cNvSpPr txBox="1">
+            <a:spLocks/>
+          </p:cNvSpPr>
+          <p:nvPr/>
+        </p:nvSpPr>
+        <p:spPr>
+          <a:xfrm>
+            <a:off x="8206750" y="3850885"/>
+            <a:ext cx="2827436" cy="1074441"/>
+          </a:xfrm>
+          <a:prstGeom prst="rect">
+            <a:avLst/>
+          </a:prstGeom>
+        </p:spPr>
+        <p:txBody>
+          <a:bodyPr vert="horz" lIns="91440" tIns="45720" rIns="91440" bIns="45720" rtlCol="0">
+            <a:normAutofit fontScale="62500" lnSpcReduction="20000"/>
+          </a:bodyPr>
+          <a:lstStyle>
+            <a:lvl1pPr marL="228600" indent="-228600" algn="l" defTabSz="914400" rtl="0" eaLnBrk="1" latinLnBrk="0" hangingPunct="1">
+              <a:lnSpc>
+                <a:spcPct val="90000"/>
+              </a:lnSpc>
+              <a:spcBef>
+                <a:spcPts val="1000"/>
+              </a:spcBef>
+              <a:buFont typeface="Arial" panose="020B0604020202020204" pitchFamily="34" charset="0"/>
+              <a:buChar char="•"/>
+              <a:defRPr sz="2800" kern="1200">
+                <a:solidFill>
+                  <a:schemeClr val="tx1"/>
+                </a:solidFill>
+                <a:latin typeface="+mn-lt"/>
+                <a:ea typeface="+mn-ea"/>
+                <a:cs typeface="+mn-cs"/>
+              </a:defRPr>
+            </a:lvl1pPr>
+            <a:lvl2pPr marL="685800" indent="-228600" algn="l" defTabSz="914400" rtl="0" eaLnBrk="1" latinLnBrk="0" hangingPunct="1">
+              <a:lnSpc>
+                <a:spcPct val="90000"/>
+              </a:lnSpc>
+              <a:spcBef>
+                <a:spcPts val="500"/>
+              </a:spcBef>
+              <a:buFont typeface="Arial" panose="020B0604020202020204" pitchFamily="34" charset="0"/>
+              <a:buChar char="•"/>
+              <a:defRPr sz="2400" kern="1200">
+                <a:solidFill>
+                  <a:schemeClr val="tx1"/>
+                </a:solidFill>
+                <a:latin typeface="+mn-lt"/>
+                <a:ea typeface="+mn-ea"/>
+                <a:cs typeface="+mn-cs"/>
+              </a:defRPr>
+            </a:lvl2pPr>
+            <a:lvl3pPr marL="1143000" indent="-228600" algn="l" defTabSz="914400" rtl="0" eaLnBrk="1" latinLnBrk="0" hangingPunct="1">
+              <a:lnSpc>
+                <a:spcPct val="90000"/>
+              </a:lnSpc>
+              <a:spcBef>
+                <a:spcPts val="500"/>
+              </a:spcBef>
+              <a:buFont typeface="Arial" panose="020B0604020202020204" pitchFamily="34" charset="0"/>
+              <a:buChar char="•"/>
+              <a:defRPr sz="2000" kern="1200">
+                <a:solidFill>
+                  <a:schemeClr val="tx1"/>
+                </a:solidFill>
+                <a:latin typeface="+mn-lt"/>
+                <a:ea typeface="+mn-ea"/>
+                <a:cs typeface="+mn-cs"/>
+              </a:defRPr>
+            </a:lvl3pPr>
+            <a:lvl4pPr marL="1600200" indent="-228600" algn="l" defTabSz="914400" rtl="0" eaLnBrk="1" latinLnBrk="0" hangingPunct="1">
+              <a:lnSpc>
+                <a:spcPct val="90000"/>
+              </a:lnSpc>
+              <a:spcBef>
+                <a:spcPts val="500"/>
+              </a:spcBef>
+              <a:buFont typeface="Arial" panose="020B0604020202020204" pitchFamily="34" charset="0"/>
+              <a:buChar char="•"/>
+              <a:defRPr sz="1800" kern="1200">
+                <a:solidFill>
+                  <a:schemeClr val="tx1"/>
+                </a:solidFill>
+                <a:latin typeface="+mn-lt"/>
+                <a:ea typeface="+mn-ea"/>
+                <a:cs typeface="+mn-cs"/>
+              </a:defRPr>
+            </a:lvl4pPr>
+            <a:lvl5pPr marL="2057400" indent="-228600" algn="l" defTabSz="914400" rtl="0" eaLnBrk="1" latinLnBrk="0" hangingPunct="1">
+              <a:lnSpc>
+                <a:spcPct val="90000"/>
+              </a:lnSpc>
+              <a:spcBef>
+                <a:spcPts val="500"/>
+              </a:spcBef>
+              <a:buFont typeface="Arial" panose="020B0604020202020204" pitchFamily="34" charset="0"/>
+              <a:buChar char="•"/>
+              <a:defRPr sz="1800" kern="1200">
+                <a:solidFill>
+                  <a:schemeClr val="tx1"/>
+                </a:solidFill>
+                <a:latin typeface="+mn-lt"/>
+                <a:ea typeface="+mn-ea"/>
+                <a:cs typeface="+mn-cs"/>
+              </a:defRPr>
+            </a:lvl5pPr>
+            <a:lvl6pPr marL="2514600" indent="-228600" algn="l" defTabSz="914400" rtl="0" eaLnBrk="1" latinLnBrk="0" hangingPunct="1">
+              <a:lnSpc>
+                <a:spcPct val="90000"/>
+              </a:lnSpc>
+              <a:spcBef>
+                <a:spcPts val="500"/>
+              </a:spcBef>
+              <a:buFont typeface="Arial" panose="020B0604020202020204" pitchFamily="34" charset="0"/>
+              <a:buChar char="•"/>
+              <a:defRPr sz="1800" kern="1200">
+                <a:solidFill>
+                  <a:schemeClr val="tx1"/>
+                </a:solidFill>
+                <a:latin typeface="+mn-lt"/>
+                <a:ea typeface="+mn-ea"/>
+                <a:cs typeface="+mn-cs"/>
+              </a:defRPr>
+            </a:lvl6pPr>
+            <a:lvl7pPr marL="2971800" indent="-228600" algn="l" defTabSz="914400" rtl="0" eaLnBrk="1" latinLnBrk="0" hangingPunct="1">
+              <a:lnSpc>
+                <a:spcPct val="90000"/>
+              </a:lnSpc>
+              <a:spcBef>
+                <a:spcPts val="500"/>
+              </a:spcBef>
+              <a:buFont typeface="Arial" panose="020B0604020202020204" pitchFamily="34" charset="0"/>
+              <a:buChar char="•"/>
+              <a:defRPr sz="1800" kern="1200">
+                <a:solidFill>
+                  <a:schemeClr val="tx1"/>
+                </a:solidFill>
+                <a:latin typeface="+mn-lt"/>
+                <a:ea typeface="+mn-ea"/>
+                <a:cs typeface="+mn-cs"/>
+              </a:defRPr>
+            </a:lvl7pPr>
+            <a:lvl8pPr marL="3429000" indent="-228600" algn="l" defTabSz="914400" rtl="0" eaLnBrk="1" latinLnBrk="0" hangingPunct="1">
+              <a:lnSpc>
+                <a:spcPct val="90000"/>
+              </a:lnSpc>
+              <a:spcBef>
+                <a:spcPts val="500"/>
+              </a:spcBef>
+              <a:buFont typeface="Arial" panose="020B0604020202020204" pitchFamily="34" charset="0"/>
+              <a:buChar char="•"/>
+              <a:defRPr sz="1800" kern="1200">
+                <a:solidFill>
+                  <a:schemeClr val="tx1"/>
+                </a:solidFill>
+                <a:latin typeface="+mn-lt"/>
+                <a:ea typeface="+mn-ea"/>
+                <a:cs typeface="+mn-cs"/>
+              </a:defRPr>
+            </a:lvl8pPr>
+            <a:lvl9pPr marL="3886200" indent="-228600" algn="l" defTabSz="914400" rtl="0" eaLnBrk="1" latinLnBrk="0" hangingPunct="1">
+              <a:lnSpc>
+                <a:spcPct val="90000"/>
+              </a:lnSpc>
+              <a:spcBef>
+                <a:spcPts val="500"/>
+              </a:spcBef>
+              <a:buFont typeface="Arial" panose="020B0604020202020204" pitchFamily="34" charset="0"/>
+              <a:buChar char="•"/>
+              <a:defRPr sz="1800" kern="1200">
+                <a:solidFill>
+                  <a:schemeClr val="tx1"/>
+                </a:solidFill>
+                <a:latin typeface="+mn-lt"/>
+                <a:ea typeface="+mn-ea"/>
+                <a:cs typeface="+mn-cs"/>
+              </a:defRPr>
+            </a:lvl9pPr>
+          </a:lstStyle>
+          <a:p>
+            <a:pPr marL="0" indent="0">
+              <a:buFont typeface="Arial" panose="020B0604020202020204" pitchFamily="34" charset="0"/>
+              <a:buNone/>
+            </a:pPr>
+            <a:r>
+              <a:rPr lang="en-US" sz="2400" dirty="0"/>
+              <a:t>IBM Watson/Alchemy</a:t>
+            </a:r>
+          </a:p>
+          <a:p>
+            <a:r>
+              <a:rPr lang="en-US" sz="2400" dirty="0"/>
+              <a:t>Face Recognition</a:t>
+            </a:r>
+          </a:p>
+          <a:p>
+            <a:r>
+              <a:rPr lang="en-US" sz="2400" dirty="0"/>
+              <a:t>Natural Language Processing</a:t>
+            </a:r>
+          </a:p>
+        </p:txBody>
+      </p:sp>
+      <p:cxnSp>
+        <p:nvCxnSpPr>
+          <p:cNvPr id="34" name="Straight Connector 33">
+            <a:extLst>
+              <a:ext uri="{FF2B5EF4-FFF2-40B4-BE49-F238E27FC236}">
+                <a16:creationId xmlns:a16="http://schemas.microsoft.com/office/drawing/2014/main" id="{615456A7-9F13-4715-A746-34F90EDFD939}"/>
+              </a:ext>
+            </a:extLst>
+          </p:cNvPr>
+          <p:cNvCxnSpPr>
+            <a:cxnSpLocks/>
+            <a:stCxn id="8" idx="6"/>
+            <a:endCxn id="31" idx="1"/>
+          </p:cNvCxnSpPr>
+          <p:nvPr/>
+        </p:nvCxnSpPr>
+        <p:spPr>
+          <a:xfrm>
+            <a:off x="7110763" y="2925648"/>
+            <a:ext cx="1019072" cy="1338024"/>
+          </a:xfrm>
+          <a:prstGeom prst="line">
+            <a:avLst/>
+          </a:prstGeom>
+        </p:spPr>
+        <p:style>
+          <a:lnRef idx="1">
+            <a:schemeClr val="accent1"/>
+          </a:lnRef>
+          <a:fillRef idx="0">
+            <a:schemeClr val="accent1"/>
+          </a:fillRef>
+          <a:effectRef idx="0">
+            <a:schemeClr val="accent1"/>
+          </a:effectRef>
+          <a:fontRef idx="minor">
+            <a:schemeClr val="tx1"/>
+          </a:fontRef>
+        </p:style>
+      </p:cxnSp>
+      <p:sp>
+        <p:nvSpPr>
+          <p:cNvPr id="40" name="Content Placeholder 2">
+            <a:extLst>
+              <a:ext uri="{FF2B5EF4-FFF2-40B4-BE49-F238E27FC236}">
+                <a16:creationId xmlns:a16="http://schemas.microsoft.com/office/drawing/2014/main" id="{5EA38B3B-DE41-4DA7-A03C-9458B4948D1D}"/>
+              </a:ext>
+            </a:extLst>
+          </p:cNvPr>
+          <p:cNvSpPr txBox="1">
+            <a:spLocks/>
+          </p:cNvSpPr>
+          <p:nvPr/>
+        </p:nvSpPr>
+        <p:spPr>
+          <a:xfrm>
+            <a:off x="871863" y="3301916"/>
+            <a:ext cx="1785073" cy="568683"/>
+          </a:xfrm>
+          <a:prstGeom prst="rect">
+            <a:avLst/>
+          </a:prstGeom>
+        </p:spPr>
+        <p:txBody>
+          <a:bodyPr vert="horz" lIns="91440" tIns="45720" rIns="91440" bIns="45720" rtlCol="0">
+            <a:normAutofit/>
+          </a:bodyPr>
+          <a:lstStyle>
+            <a:lvl1pPr marL="228600" indent="-228600" algn="l" defTabSz="914400" rtl="0" eaLnBrk="1" latinLnBrk="0" hangingPunct="1">
+              <a:lnSpc>
+                <a:spcPct val="90000"/>
+              </a:lnSpc>
+              <a:spcBef>
+                <a:spcPts val="1000"/>
+              </a:spcBef>
+              <a:buFont typeface="Arial" panose="020B0604020202020204" pitchFamily="34" charset="0"/>
+              <a:buChar char="•"/>
+              <a:defRPr sz="2800" kern="1200">
+                <a:solidFill>
+                  <a:schemeClr val="tx1"/>
+                </a:solidFill>
+                <a:latin typeface="+mn-lt"/>
+                <a:ea typeface="+mn-ea"/>
+                <a:cs typeface="+mn-cs"/>
+              </a:defRPr>
+            </a:lvl1pPr>
+            <a:lvl2pPr marL="685800" indent="-228600" algn="l" defTabSz="914400" rtl="0" eaLnBrk="1" latinLnBrk="0" hangingPunct="1">
+              <a:lnSpc>
+                <a:spcPct val="90000"/>
+              </a:lnSpc>
+              <a:spcBef>
+                <a:spcPts val="500"/>
+              </a:spcBef>
+              <a:buFont typeface="Arial" panose="020B0604020202020204" pitchFamily="34" charset="0"/>
+              <a:buChar char="•"/>
+              <a:defRPr sz="2400" kern="1200">
+                <a:solidFill>
+                  <a:schemeClr val="tx1"/>
+                </a:solidFill>
+                <a:latin typeface="+mn-lt"/>
+                <a:ea typeface="+mn-ea"/>
+                <a:cs typeface="+mn-cs"/>
+              </a:defRPr>
+            </a:lvl2pPr>
+            <a:lvl3pPr marL="1143000" indent="-228600" algn="l" defTabSz="914400" rtl="0" eaLnBrk="1" latinLnBrk="0" hangingPunct="1">
+              <a:lnSpc>
+                <a:spcPct val="90000"/>
+              </a:lnSpc>
+              <a:spcBef>
+                <a:spcPts val="500"/>
+              </a:spcBef>
+              <a:buFont typeface="Arial" panose="020B0604020202020204" pitchFamily="34" charset="0"/>
+              <a:buChar char="•"/>
+              <a:defRPr sz="2000" kern="1200">
+                <a:solidFill>
+                  <a:schemeClr val="tx1"/>
+                </a:solidFill>
+                <a:latin typeface="+mn-lt"/>
+                <a:ea typeface="+mn-ea"/>
+                <a:cs typeface="+mn-cs"/>
+              </a:defRPr>
+            </a:lvl3pPr>
+            <a:lvl4pPr marL="1600200" indent="-228600" algn="l" defTabSz="914400" rtl="0" eaLnBrk="1" latinLnBrk="0" hangingPunct="1">
+              <a:lnSpc>
+                <a:spcPct val="90000"/>
+              </a:lnSpc>
+              <a:spcBef>
+                <a:spcPts val="500"/>
+              </a:spcBef>
+              <a:buFont typeface="Arial" panose="020B0604020202020204" pitchFamily="34" charset="0"/>
+              <a:buChar char="•"/>
+              <a:defRPr sz="1800" kern="1200">
+                <a:solidFill>
+                  <a:schemeClr val="tx1"/>
+                </a:solidFill>
+                <a:latin typeface="+mn-lt"/>
+                <a:ea typeface="+mn-ea"/>
+                <a:cs typeface="+mn-cs"/>
+              </a:defRPr>
+            </a:lvl4pPr>
+            <a:lvl5pPr marL="2057400" indent="-228600" algn="l" defTabSz="914400" rtl="0" eaLnBrk="1" latinLnBrk="0" hangingPunct="1">
+              <a:lnSpc>
+                <a:spcPct val="90000"/>
+              </a:lnSpc>
+              <a:spcBef>
+                <a:spcPts val="500"/>
+              </a:spcBef>
+              <a:buFont typeface="Arial" panose="020B0604020202020204" pitchFamily="34" charset="0"/>
+              <a:buChar char="•"/>
+              <a:defRPr sz="1800" kern="1200">
+                <a:solidFill>
+                  <a:schemeClr val="tx1"/>
+                </a:solidFill>
+                <a:latin typeface="+mn-lt"/>
+                <a:ea typeface="+mn-ea"/>
+                <a:cs typeface="+mn-cs"/>
+              </a:defRPr>
+            </a:lvl5pPr>
+            <a:lvl6pPr marL="2514600" indent="-228600" algn="l" defTabSz="914400" rtl="0" eaLnBrk="1" latinLnBrk="0" hangingPunct="1">
+              <a:lnSpc>
+                <a:spcPct val="90000"/>
+              </a:lnSpc>
+              <a:spcBef>
+                <a:spcPts val="500"/>
+              </a:spcBef>
+              <a:buFont typeface="Arial" panose="020B0604020202020204" pitchFamily="34" charset="0"/>
+              <a:buChar char="•"/>
+              <a:defRPr sz="1800" kern="1200">
+                <a:solidFill>
+                  <a:schemeClr val="tx1"/>
+                </a:solidFill>
+                <a:latin typeface="+mn-lt"/>
+                <a:ea typeface="+mn-ea"/>
+                <a:cs typeface="+mn-cs"/>
+              </a:defRPr>
+            </a:lvl6pPr>
+            <a:lvl7pPr marL="2971800" indent="-228600" algn="l" defTabSz="914400" rtl="0" eaLnBrk="1" latinLnBrk="0" hangingPunct="1">
+              <a:lnSpc>
+                <a:spcPct val="90000"/>
+              </a:lnSpc>
+              <a:spcBef>
+                <a:spcPts val="500"/>
+              </a:spcBef>
+              <a:buFont typeface="Arial" panose="020B0604020202020204" pitchFamily="34" charset="0"/>
+              <a:buChar char="•"/>
+              <a:defRPr sz="1800" kern="1200">
+                <a:solidFill>
+                  <a:schemeClr val="tx1"/>
+                </a:solidFill>
+                <a:latin typeface="+mn-lt"/>
+                <a:ea typeface="+mn-ea"/>
+                <a:cs typeface="+mn-cs"/>
+              </a:defRPr>
+            </a:lvl7pPr>
+            <a:lvl8pPr marL="3429000" indent="-228600" algn="l" defTabSz="914400" rtl="0" eaLnBrk="1" latinLnBrk="0" hangingPunct="1">
+              <a:lnSpc>
+                <a:spcPct val="90000"/>
+              </a:lnSpc>
+              <a:spcBef>
+                <a:spcPts val="500"/>
+              </a:spcBef>
+              <a:buFont typeface="Arial" panose="020B0604020202020204" pitchFamily="34" charset="0"/>
+              <a:buChar char="•"/>
+              <a:defRPr sz="1800" kern="1200">
+                <a:solidFill>
+                  <a:schemeClr val="tx1"/>
+                </a:solidFill>
+                <a:latin typeface="+mn-lt"/>
+                <a:ea typeface="+mn-ea"/>
+                <a:cs typeface="+mn-cs"/>
+              </a:defRPr>
+            </a:lvl8pPr>
+            <a:lvl9pPr marL="3886200" indent="-228600" algn="l" defTabSz="914400" rtl="0" eaLnBrk="1" latinLnBrk="0" hangingPunct="1">
+              <a:lnSpc>
+                <a:spcPct val="90000"/>
+              </a:lnSpc>
+              <a:spcBef>
+                <a:spcPts val="500"/>
+              </a:spcBef>
+              <a:buFont typeface="Arial" panose="020B0604020202020204" pitchFamily="34" charset="0"/>
+              <a:buChar char="•"/>
+              <a:defRPr sz="1800" kern="1200">
+                <a:solidFill>
+                  <a:schemeClr val="tx1"/>
+                </a:solidFill>
+                <a:latin typeface="+mn-lt"/>
+                <a:ea typeface="+mn-ea"/>
+                <a:cs typeface="+mn-cs"/>
+              </a:defRPr>
+            </a:lvl9pPr>
+          </a:lstStyle>
+          <a:p>
+            <a:pPr marL="0" indent="0">
+              <a:buFont typeface="Arial" panose="020B0604020202020204" pitchFamily="34" charset="0"/>
+              <a:buNone/>
+            </a:pPr>
+            <a:r>
+              <a:rPr lang="en-US" dirty="0"/>
+              <a:t>Device</a:t>
+            </a:r>
+          </a:p>
+        </p:txBody>
+      </p:sp>
+      <p:sp>
+        <p:nvSpPr>
+          <p:cNvPr id="74" name="Rectangle 73">
+            <a:extLst>
+              <a:ext uri="{FF2B5EF4-FFF2-40B4-BE49-F238E27FC236}">
+                <a16:creationId xmlns:a16="http://schemas.microsoft.com/office/drawing/2014/main" id="{7F76A805-2796-490B-B5B6-11973474A1DA}"/>
+              </a:ext>
+            </a:extLst>
+          </p:cNvPr>
+          <p:cNvSpPr/>
+          <p:nvPr/>
+        </p:nvSpPr>
+        <p:spPr>
+          <a:xfrm>
+            <a:off x="8279443" y="4968247"/>
+            <a:ext cx="1930913" cy="369332"/>
+          </a:xfrm>
+          <a:prstGeom prst="rect">
+            <a:avLst/>
+          </a:prstGeom>
+        </p:spPr>
+        <p:txBody>
+          <a:bodyPr wrap="none">
+            <a:spAutoFit/>
+          </a:bodyPr>
+          <a:lstStyle/>
+          <a:p>
+            <a:r>
+              <a:rPr lang="en-US" dirty="0"/>
+              <a:t>Chuck Norris Jokes</a:t>
+            </a:r>
+          </a:p>
+        </p:txBody>
+      </p:sp>
+      <p:sp>
+        <p:nvSpPr>
+          <p:cNvPr id="75" name="Rectangle 74">
+            <a:extLst>
+              <a:ext uri="{FF2B5EF4-FFF2-40B4-BE49-F238E27FC236}">
+                <a16:creationId xmlns:a16="http://schemas.microsoft.com/office/drawing/2014/main" id="{45D54779-8333-4310-9A05-33AD49316788}"/>
+              </a:ext>
+            </a:extLst>
+          </p:cNvPr>
+          <p:cNvSpPr/>
+          <p:nvPr/>
+        </p:nvSpPr>
+        <p:spPr>
+          <a:xfrm>
+            <a:off x="8129835" y="5430004"/>
+            <a:ext cx="2827436" cy="485223"/>
+          </a:xfrm>
+          <a:prstGeom prst="rect">
+            <a:avLst/>
+          </a:prstGeom>
+          <a:noFill/>
+        </p:spPr>
+        <p:style>
+          <a:lnRef idx="2">
+            <a:schemeClr val="accent1">
+              <a:shade val="50000"/>
+            </a:schemeClr>
+          </a:lnRef>
+          <a:fillRef idx="1">
+            <a:schemeClr val="accent1"/>
+          </a:fillRef>
+          <a:effectRef idx="0">
+            <a:schemeClr val="accent1"/>
+          </a:effectRef>
+          <a:fontRef idx="minor">
+            <a:schemeClr val="lt1"/>
+          </a:fontRef>
+        </p:style>
+        <p:txBody>
+          <a:bodyPr rtlCol="0" anchor="ctr"/>
+          <a:lstStyle/>
+          <a:p>
+            <a:pPr algn="ctr"/>
+            <a:endParaRPr lang="en-US" dirty="0"/>
+          </a:p>
+        </p:txBody>
+      </p:sp>
+      <p:sp>
+        <p:nvSpPr>
+          <p:cNvPr id="76" name="Rectangle 75">
+            <a:extLst>
+              <a:ext uri="{FF2B5EF4-FFF2-40B4-BE49-F238E27FC236}">
+                <a16:creationId xmlns:a16="http://schemas.microsoft.com/office/drawing/2014/main" id="{A67F99C8-DC35-44D9-B483-0FC75F2B8ACE}"/>
+              </a:ext>
+            </a:extLst>
+          </p:cNvPr>
+          <p:cNvSpPr/>
+          <p:nvPr/>
+        </p:nvSpPr>
+        <p:spPr>
+          <a:xfrm>
+            <a:off x="8279443" y="5485507"/>
+            <a:ext cx="1831720" cy="369332"/>
+          </a:xfrm>
+          <a:prstGeom prst="rect">
+            <a:avLst/>
+          </a:prstGeom>
+        </p:spPr>
+        <p:txBody>
+          <a:bodyPr wrap="none">
+            <a:spAutoFit/>
+          </a:bodyPr>
+          <a:lstStyle/>
+          <a:p>
+            <a:r>
+              <a:rPr lang="en-US" dirty="0"/>
+              <a:t>Facebook/Twitter</a:t>
+            </a:r>
+          </a:p>
+        </p:txBody>
+      </p:sp>
+      <p:sp>
+        <p:nvSpPr>
+          <p:cNvPr id="77" name="Rectangle 76">
+            <a:extLst>
+              <a:ext uri="{FF2B5EF4-FFF2-40B4-BE49-F238E27FC236}">
+                <a16:creationId xmlns:a16="http://schemas.microsoft.com/office/drawing/2014/main" id="{7A1F0EAE-53CD-449C-A9FC-791C0BCDEF75}"/>
+              </a:ext>
+            </a:extLst>
+          </p:cNvPr>
+          <p:cNvSpPr/>
+          <p:nvPr/>
+        </p:nvSpPr>
+        <p:spPr>
+          <a:xfrm>
+            <a:off x="8129835" y="4948287"/>
+            <a:ext cx="2827436" cy="357284"/>
+          </a:xfrm>
+          <a:prstGeom prst="rect">
+            <a:avLst/>
+          </a:prstGeom>
+          <a:noFill/>
+        </p:spPr>
+        <p:style>
+          <a:lnRef idx="2">
+            <a:schemeClr val="accent1">
+              <a:shade val="50000"/>
+            </a:schemeClr>
+          </a:lnRef>
+          <a:fillRef idx="1">
+            <a:schemeClr val="accent1"/>
+          </a:fillRef>
+          <a:effectRef idx="0">
+            <a:schemeClr val="accent1"/>
+          </a:effectRef>
+          <a:fontRef idx="minor">
+            <a:schemeClr val="lt1"/>
+          </a:fontRef>
+        </p:style>
+        <p:txBody>
+          <a:bodyPr rtlCol="0" anchor="ctr"/>
+          <a:lstStyle/>
+          <a:p>
+            <a:pPr algn="ctr"/>
+            <a:endParaRPr lang="en-US" dirty="0"/>
+          </a:p>
+        </p:txBody>
+      </p:sp>
+      <p:sp>
+        <p:nvSpPr>
+          <p:cNvPr id="78" name="Rectangle 77">
+            <a:extLst>
+              <a:ext uri="{FF2B5EF4-FFF2-40B4-BE49-F238E27FC236}">
+                <a16:creationId xmlns:a16="http://schemas.microsoft.com/office/drawing/2014/main" id="{CAB4A41A-8577-4172-A211-D5E58247BB00}"/>
+              </a:ext>
+            </a:extLst>
+          </p:cNvPr>
+          <p:cNvSpPr/>
+          <p:nvPr/>
+        </p:nvSpPr>
+        <p:spPr>
+          <a:xfrm>
+            <a:off x="8297001" y="6007652"/>
+            <a:ext cx="2181175" cy="369332"/>
+          </a:xfrm>
+          <a:prstGeom prst="rect">
+            <a:avLst/>
+          </a:prstGeom>
+        </p:spPr>
+        <p:txBody>
+          <a:bodyPr wrap="none">
+            <a:spAutoFit/>
+          </a:bodyPr>
+          <a:lstStyle/>
+          <a:p>
+            <a:r>
+              <a:rPr lang="en-US" dirty="0"/>
+              <a:t>Geolocation (Google)</a:t>
+            </a:r>
+          </a:p>
+        </p:txBody>
+      </p:sp>
+      <p:sp>
+        <p:nvSpPr>
+          <p:cNvPr id="79" name="Rectangle 78">
+            <a:extLst>
+              <a:ext uri="{FF2B5EF4-FFF2-40B4-BE49-F238E27FC236}">
+                <a16:creationId xmlns:a16="http://schemas.microsoft.com/office/drawing/2014/main" id="{2C8EF210-6692-400F-B894-8394D13C84C4}"/>
+              </a:ext>
+            </a:extLst>
+          </p:cNvPr>
+          <p:cNvSpPr/>
+          <p:nvPr/>
+        </p:nvSpPr>
+        <p:spPr>
+          <a:xfrm>
+            <a:off x="8147901" y="6007652"/>
+            <a:ext cx="2827436" cy="485223"/>
+          </a:xfrm>
+          <a:prstGeom prst="rect">
+            <a:avLst/>
+          </a:prstGeom>
+          <a:noFill/>
+        </p:spPr>
+        <p:style>
+          <a:lnRef idx="2">
+            <a:schemeClr val="accent1">
+              <a:shade val="50000"/>
+            </a:schemeClr>
+          </a:lnRef>
+          <a:fillRef idx="1">
+            <a:schemeClr val="accent1"/>
+          </a:fillRef>
+          <a:effectRef idx="0">
+            <a:schemeClr val="accent1"/>
+          </a:effectRef>
+          <a:fontRef idx="minor">
+            <a:schemeClr val="lt1"/>
+          </a:fontRef>
+        </p:style>
+        <p:txBody>
+          <a:bodyPr rtlCol="0" anchor="ctr"/>
+          <a:lstStyle/>
+          <a:p>
+            <a:pPr algn="ctr"/>
+            <a:endParaRPr lang="en-US" dirty="0"/>
+          </a:p>
+        </p:txBody>
+      </p:sp>
+      <p:cxnSp>
+        <p:nvCxnSpPr>
+          <p:cNvPr id="84" name="Straight Connector 83">
+            <a:extLst>
+              <a:ext uri="{FF2B5EF4-FFF2-40B4-BE49-F238E27FC236}">
+                <a16:creationId xmlns:a16="http://schemas.microsoft.com/office/drawing/2014/main" id="{9DB988D1-B25D-4BC5-A7FE-B22FA5366E83}"/>
+              </a:ext>
+            </a:extLst>
+          </p:cNvPr>
+          <p:cNvCxnSpPr>
+            <a:cxnSpLocks/>
+            <a:stCxn id="8" idx="6"/>
+            <a:endCxn id="77" idx="1"/>
+          </p:cNvCxnSpPr>
+          <p:nvPr/>
+        </p:nvCxnSpPr>
+        <p:spPr>
+          <a:xfrm>
+            <a:off x="7110763" y="2925648"/>
+            <a:ext cx="1019072" cy="2201281"/>
+          </a:xfrm>
+          <a:prstGeom prst="line">
+            <a:avLst/>
+          </a:prstGeom>
+        </p:spPr>
+        <p:style>
+          <a:lnRef idx="1">
+            <a:schemeClr val="accent1"/>
+          </a:lnRef>
+          <a:fillRef idx="0">
+            <a:schemeClr val="accent1"/>
+          </a:fillRef>
+          <a:effectRef idx="0">
+            <a:schemeClr val="accent1"/>
+          </a:effectRef>
+          <a:fontRef idx="minor">
+            <a:schemeClr val="tx1"/>
+          </a:fontRef>
+        </p:style>
+      </p:cxnSp>
+      <p:cxnSp>
+        <p:nvCxnSpPr>
+          <p:cNvPr id="87" name="Straight Connector 86">
+            <a:extLst>
+              <a:ext uri="{FF2B5EF4-FFF2-40B4-BE49-F238E27FC236}">
+                <a16:creationId xmlns:a16="http://schemas.microsoft.com/office/drawing/2014/main" id="{A7F99DAC-71AB-438B-8C96-434757319F08}"/>
+              </a:ext>
+            </a:extLst>
+          </p:cNvPr>
+          <p:cNvCxnSpPr>
+            <a:cxnSpLocks/>
+            <a:stCxn id="8" idx="6"/>
+            <a:endCxn id="75" idx="1"/>
+          </p:cNvCxnSpPr>
+          <p:nvPr/>
+        </p:nvCxnSpPr>
+        <p:spPr>
+          <a:xfrm>
+            <a:off x="7110763" y="2925648"/>
+            <a:ext cx="1019072" cy="2746968"/>
+          </a:xfrm>
+          <a:prstGeom prst="line">
+            <a:avLst/>
+          </a:prstGeom>
+        </p:spPr>
+        <p:style>
+          <a:lnRef idx="1">
+            <a:schemeClr val="accent1"/>
+          </a:lnRef>
+          <a:fillRef idx="0">
+            <a:schemeClr val="accent1"/>
+          </a:fillRef>
+          <a:effectRef idx="0">
+            <a:schemeClr val="accent1"/>
+          </a:effectRef>
+          <a:fontRef idx="minor">
+            <a:schemeClr val="tx1"/>
+          </a:fontRef>
+        </p:style>
+      </p:cxnSp>
+      <p:cxnSp>
+        <p:nvCxnSpPr>
+          <p:cNvPr id="90" name="Straight Connector 89">
+            <a:extLst>
+              <a:ext uri="{FF2B5EF4-FFF2-40B4-BE49-F238E27FC236}">
+                <a16:creationId xmlns:a16="http://schemas.microsoft.com/office/drawing/2014/main" id="{E76ABBB7-D1DD-4070-A895-192F174EBCCE}"/>
+              </a:ext>
+            </a:extLst>
+          </p:cNvPr>
+          <p:cNvCxnSpPr>
+            <a:cxnSpLocks/>
+            <a:stCxn id="8" idx="6"/>
+            <a:endCxn id="79" idx="1"/>
+          </p:cNvCxnSpPr>
+          <p:nvPr/>
+        </p:nvCxnSpPr>
+        <p:spPr>
+          <a:xfrm>
+            <a:off x="7110763" y="2925648"/>
+            <a:ext cx="1037138" cy="3324616"/>
+          </a:xfrm>
+          <a:prstGeom prst="line">
+            <a:avLst/>
+          </a:prstGeom>
+        </p:spPr>
+        <p:style>
+          <a:lnRef idx="1">
+            <a:schemeClr val="accent1"/>
+          </a:lnRef>
+          <a:fillRef idx="0">
+            <a:schemeClr val="accent1"/>
+          </a:fillRef>
+          <a:effectRef idx="0">
+            <a:schemeClr val="accent1"/>
+          </a:effectRef>
+          <a:fontRef idx="minor">
+            <a:schemeClr val="tx1"/>
+          </a:fontRef>
+        </p:style>
+      </p:cxnSp>
     </p:spTree>
     <p:extLst>
       <p:ext uri="{BB962C8B-B14F-4D97-AF65-F5344CB8AC3E}">
-        <p14:creationId xmlns:p14="http://schemas.microsoft.com/office/powerpoint/2010/main" val="1748467439"/>
+        <p14:creationId xmlns:p14="http://schemas.microsoft.com/office/powerpoint/2010/main" val="3601745222"/>
       </p:ext>
     </p:extLst>
   </p:cSld>
@@ -12146,7 +12483,7 @@
           <p:cNvPr id="2" name="Title 1">
             <a:extLst>
               <a:ext uri="{FF2B5EF4-FFF2-40B4-BE49-F238E27FC236}">
-                <a16:creationId xmlns:a16="http://schemas.microsoft.com/office/drawing/2014/main" id="{4E971754-80A7-4B9F-883B-3AAF9F54CCC9}"/>
+                <a16:creationId xmlns:a16="http://schemas.microsoft.com/office/drawing/2014/main" id="{A0A31B23-34A5-4809-A750-D4CBBCF46A36}"/>
               </a:ext>
             </a:extLst>
           </p:cNvPr>
@@ -12164,8 +12501,16 @@
           <a:p>
             <a:r>
               <a:rPr lang="en-US" dirty="0"/>
-              <a:t>But we digress</a:t>
-            </a:r>
+              <a:t>There’s so much out there...</a:t>
+            </a:r>
+            <a:br>
+              <a:rPr lang="en-US" dirty="0"/>
+            </a:br>
+            <a:r>
+              <a:rPr lang="en-US" sz="3200" dirty="0"/>
+              <a:t>For your Application, for your Device</a:t>
+            </a:r>
+            <a:endParaRPr lang="en-US" dirty="0"/>
           </a:p>
         </p:txBody>
       </p:sp>
@@ -12174,7 +12519,7 @@
           <p:cNvPr id="3" name="Content Placeholder 2">
             <a:extLst>
               <a:ext uri="{FF2B5EF4-FFF2-40B4-BE49-F238E27FC236}">
-                <a16:creationId xmlns:a16="http://schemas.microsoft.com/office/drawing/2014/main" id="{CF6781B9-C056-496F-B85D-7C26916C51E8}"/>
+                <a16:creationId xmlns:a16="http://schemas.microsoft.com/office/drawing/2014/main" id="{0F22AB29-E12B-4A65-B22C-82A9AEE04C20}"/>
               </a:ext>
             </a:extLst>
           </p:cNvPr>
@@ -12187,20 +12532,83 @@
         </p:nvSpPr>
         <p:spPr/>
         <p:txBody>
-          <a:bodyPr/>
+          <a:bodyPr>
+            <a:normAutofit/>
+          </a:bodyPr>
           <a:lstStyle/>
           <a:p>
             <a:r>
-              <a:rPr lang="en-US" dirty="0"/>
-              <a:t>One step at a time...</a:t>
-            </a:r>
+              <a:rPr lang="en-US" sz="2400" dirty="0"/>
+              <a:t>18 Fun APIs For Your Next Project </a:t>
+            </a:r>
+            <a:r>
+              <a:rPr lang="en-US" sz="1200" dirty="0">
+                <a:hlinkClick r:id="rId2"/>
+              </a:rPr>
+              <a:t>https://medium.com/@vicbergquist/18-fun-apis-for-your-next-project-8008841c7be9</a:t>
+            </a:r>
+            <a:endParaRPr lang="en-US" sz="1200" dirty="0"/>
+          </a:p>
+          <a:p>
+            <a:r>
+              <a:rPr lang="en-US" sz="2400" dirty="0"/>
+              <a:t>15 APIs developers need to know </a:t>
+            </a:r>
+            <a:r>
+              <a:rPr lang="en-US" sz="1200" dirty="0">
+                <a:hlinkClick r:id="rId3"/>
+              </a:rPr>
+              <a:t>https://www.creativebloq.com/web-design/apis-developers-need-know-121518469</a:t>
+            </a:r>
+            <a:endParaRPr lang="en-US" sz="1200" dirty="0"/>
+          </a:p>
+          <a:p>
+            <a:r>
+              <a:rPr lang="en-US" sz="2400" dirty="0"/>
+              <a:t>9 free/cool web APIs to use in your next project </a:t>
+            </a:r>
+            <a:r>
+              <a:rPr lang="en-US" sz="1600" dirty="0">
+                <a:hlinkClick r:id="rId4"/>
+              </a:rPr>
+              <a:t>https://rapidapi.com/collection/cool-apis</a:t>
+            </a:r>
+            <a:endParaRPr lang="en-US" sz="1600" dirty="0"/>
+          </a:p>
+          <a:p>
+            <a:r>
+              <a:rPr lang="en-US" sz="2400" dirty="0"/>
+              <a:t>...the list goes on</a:t>
+            </a:r>
+          </a:p>
+          <a:p>
+            <a:endParaRPr lang="en-US" sz="2400" dirty="0"/>
+          </a:p>
+          <a:p>
+            <a:pPr marL="0" indent="0">
+              <a:buNone/>
+            </a:pPr>
+            <a:r>
+              <a:rPr lang="en-US" dirty="0"/>
+              <a:t>“If you need some intelligence in your app, you'd be silly to build the NLP and other technology on your own. Instead, focus on what your app will do with that intelligence.” </a:t>
+            </a:r>
+            <a:r>
+              <a:rPr lang="en-US" sz="1600" dirty="0">
+                <a:hlinkClick r:id="rId3"/>
+              </a:rPr>
+              <a:t>https://www.creativebloq.com/web-design/apis-developers-need-know-121518469</a:t>
+            </a:r>
+            <a:endParaRPr lang="en-US" sz="1600" dirty="0"/>
+          </a:p>
+          <a:p>
+            <a:endParaRPr lang="en-US" sz="2400" dirty="0"/>
           </a:p>
         </p:txBody>
       </p:sp>
     </p:spTree>
     <p:extLst>
       <p:ext uri="{BB962C8B-B14F-4D97-AF65-F5344CB8AC3E}">
-        <p14:creationId xmlns:p14="http://schemas.microsoft.com/office/powerpoint/2010/main" val="1365713164"/>
+        <p14:creationId xmlns:p14="http://schemas.microsoft.com/office/powerpoint/2010/main" val="1748467439"/>
       </p:ext>
     </p:extLst>
   </p:cSld>

--- a/presentation.pptx
+++ b/presentation.pptx
@@ -19,14 +19,15 @@
     <p:sldId id="260" r:id="rId13"/>
     <p:sldId id="269" r:id="rId14"/>
     <p:sldId id="262" r:id="rId15"/>
-    <p:sldId id="264" r:id="rId16"/>
-    <p:sldId id="266" r:id="rId17"/>
-    <p:sldId id="277" r:id="rId18"/>
-    <p:sldId id="279" r:id="rId19"/>
-    <p:sldId id="268" r:id="rId20"/>
-    <p:sldId id="274" r:id="rId21"/>
-    <p:sldId id="280" r:id="rId22"/>
-    <p:sldId id="267" r:id="rId23"/>
+    <p:sldId id="281" r:id="rId16"/>
+    <p:sldId id="264" r:id="rId17"/>
+    <p:sldId id="266" r:id="rId18"/>
+    <p:sldId id="277" r:id="rId19"/>
+    <p:sldId id="279" r:id="rId20"/>
+    <p:sldId id="268" r:id="rId21"/>
+    <p:sldId id="274" r:id="rId22"/>
+    <p:sldId id="280" r:id="rId23"/>
+    <p:sldId id="267" r:id="rId24"/>
   </p:sldIdLst>
   <p:sldSz cx="12192000" cy="6858000"/>
   <p:notesSz cx="6858000" cy="9144000"/>
@@ -280,7 +281,7 @@
           <a:p>
             <a:fld id="{90B9546A-7969-4B1B-92AE-0EBC43C27576}" type="datetimeFigureOut">
               <a:rPr lang="en-US" smtClean="0"/>
-              <a:t>3/15/2020</a:t>
+              <a:t>4/3/2020</a:t>
             </a:fld>
             <a:endParaRPr lang="en-US"/>
           </a:p>
@@ -478,7 +479,7 @@
           <a:p>
             <a:fld id="{90B9546A-7969-4B1B-92AE-0EBC43C27576}" type="datetimeFigureOut">
               <a:rPr lang="en-US" smtClean="0"/>
-              <a:t>3/15/2020</a:t>
+              <a:t>4/3/2020</a:t>
             </a:fld>
             <a:endParaRPr lang="en-US"/>
           </a:p>
@@ -686,7 +687,7 @@
           <a:p>
             <a:fld id="{90B9546A-7969-4B1B-92AE-0EBC43C27576}" type="datetimeFigureOut">
               <a:rPr lang="en-US" smtClean="0"/>
-              <a:t>3/15/2020</a:t>
+              <a:t>4/3/2020</a:t>
             </a:fld>
             <a:endParaRPr lang="en-US"/>
           </a:p>
@@ -884,7 +885,7 @@
           <a:p>
             <a:fld id="{90B9546A-7969-4B1B-92AE-0EBC43C27576}" type="datetimeFigureOut">
               <a:rPr lang="en-US" smtClean="0"/>
-              <a:t>3/15/2020</a:t>
+              <a:t>4/3/2020</a:t>
             </a:fld>
             <a:endParaRPr lang="en-US"/>
           </a:p>
@@ -1159,7 +1160,7 @@
           <a:p>
             <a:fld id="{90B9546A-7969-4B1B-92AE-0EBC43C27576}" type="datetimeFigureOut">
               <a:rPr lang="en-US" smtClean="0"/>
-              <a:t>3/15/2020</a:t>
+              <a:t>4/3/2020</a:t>
             </a:fld>
             <a:endParaRPr lang="en-US"/>
           </a:p>
@@ -1424,7 +1425,7 @@
           <a:p>
             <a:fld id="{90B9546A-7969-4B1B-92AE-0EBC43C27576}" type="datetimeFigureOut">
               <a:rPr lang="en-US" smtClean="0"/>
-              <a:t>3/15/2020</a:t>
+              <a:t>4/3/2020</a:t>
             </a:fld>
             <a:endParaRPr lang="en-US"/>
           </a:p>
@@ -1836,7 +1837,7 @@
           <a:p>
             <a:fld id="{90B9546A-7969-4B1B-92AE-0EBC43C27576}" type="datetimeFigureOut">
               <a:rPr lang="en-US" smtClean="0"/>
-              <a:t>3/15/2020</a:t>
+              <a:t>4/3/2020</a:t>
             </a:fld>
             <a:endParaRPr lang="en-US"/>
           </a:p>
@@ -1977,7 +1978,7 @@
           <a:p>
             <a:fld id="{90B9546A-7969-4B1B-92AE-0EBC43C27576}" type="datetimeFigureOut">
               <a:rPr lang="en-US" smtClean="0"/>
-              <a:t>3/15/2020</a:t>
+              <a:t>4/3/2020</a:t>
             </a:fld>
             <a:endParaRPr lang="en-US"/>
           </a:p>
@@ -2090,7 +2091,7 @@
           <a:p>
             <a:fld id="{90B9546A-7969-4B1B-92AE-0EBC43C27576}" type="datetimeFigureOut">
               <a:rPr lang="en-US" smtClean="0"/>
-              <a:t>3/15/2020</a:t>
+              <a:t>4/3/2020</a:t>
             </a:fld>
             <a:endParaRPr lang="en-US"/>
           </a:p>
@@ -2401,7 +2402,7 @@
           <a:p>
             <a:fld id="{90B9546A-7969-4B1B-92AE-0EBC43C27576}" type="datetimeFigureOut">
               <a:rPr lang="en-US" smtClean="0"/>
-              <a:t>3/15/2020</a:t>
+              <a:t>4/3/2020</a:t>
             </a:fld>
             <a:endParaRPr lang="en-US"/>
           </a:p>
@@ -2689,7 +2690,7 @@
           <a:p>
             <a:fld id="{90B9546A-7969-4B1B-92AE-0EBC43C27576}" type="datetimeFigureOut">
               <a:rPr lang="en-US" smtClean="0"/>
-              <a:t>3/15/2020</a:t>
+              <a:t>4/3/2020</a:t>
             </a:fld>
             <a:endParaRPr lang="en-US"/>
           </a:p>
@@ -2930,7 +2931,7 @@
           <a:p>
             <a:fld id="{90B9546A-7969-4B1B-92AE-0EBC43C27576}" type="datetimeFigureOut">
               <a:rPr lang="en-US" smtClean="0"/>
-              <a:t>3/15/2020</a:t>
+              <a:t>4/3/2020</a:t>
             </a:fld>
             <a:endParaRPr lang="en-US"/>
           </a:p>
@@ -4735,7 +4736,7 @@
           <p:cNvPr id="2" name="Title 1">
             <a:extLst>
               <a:ext uri="{FF2B5EF4-FFF2-40B4-BE49-F238E27FC236}">
-                <a16:creationId xmlns:a16="http://schemas.microsoft.com/office/drawing/2014/main" id="{6DE6F54D-E928-44DE-963C-D655747854A9}"/>
+                <a16:creationId xmlns:a16="http://schemas.microsoft.com/office/drawing/2014/main" id="{AD43C4F4-25BA-45ED-B641-FA001051DEFE}"/>
               </a:ext>
             </a:extLst>
           </p:cNvPr>
@@ -4753,785 +4754,162 @@
           <a:p>
             <a:r>
               <a:rPr lang="en-US" dirty="0"/>
-              <a:t>Proposed Site Map</a:t>
-            </a:r>
-          </a:p>
-        </p:txBody>
-      </p:sp>
-      <p:sp>
-        <p:nvSpPr>
-          <p:cNvPr id="4" name="TextBox 3">
-            <a:extLst>
-              <a:ext uri="{FF2B5EF4-FFF2-40B4-BE49-F238E27FC236}">
-                <a16:creationId xmlns:a16="http://schemas.microsoft.com/office/drawing/2014/main" id="{B40D84BE-C8F7-4B2B-881E-88214C9646CD}"/>
-              </a:ext>
-            </a:extLst>
-          </p:cNvPr>
-          <p:cNvSpPr txBox="1"/>
-          <p:nvPr/>
-        </p:nvSpPr>
-        <p:spPr>
-          <a:xfrm>
-            <a:off x="5949893" y="3476799"/>
-            <a:ext cx="1911291" cy="369332"/>
-          </a:xfrm>
-          <a:prstGeom prst="rect">
-            <a:avLst/>
-          </a:prstGeom>
-          <a:noFill/>
-          <a:ln>
-            <a:solidFill>
-              <a:schemeClr val="tx1"/>
-            </a:solidFill>
-          </a:ln>
-        </p:spPr>
-        <p:txBody>
-          <a:bodyPr wrap="square" rtlCol="0">
-            <a:spAutoFit/>
+              <a:t>Priority Content</a:t>
+            </a:r>
+          </a:p>
+        </p:txBody>
+      </p:sp>
+      <p:sp>
+        <p:nvSpPr>
+          <p:cNvPr id="3" name="Content Placeholder 2">
+            <a:extLst>
+              <a:ext uri="{FF2B5EF4-FFF2-40B4-BE49-F238E27FC236}">
+                <a16:creationId xmlns:a16="http://schemas.microsoft.com/office/drawing/2014/main" id="{09ACA401-E991-49E0-8D2D-67AE4993E0DE}"/>
+              </a:ext>
+            </a:extLst>
+          </p:cNvPr>
+          <p:cNvSpPr>
+            <a:spLocks noGrp="1"/>
+          </p:cNvSpPr>
+          <p:nvPr>
+            <p:ph idx="1"/>
+          </p:nvPr>
+        </p:nvSpPr>
+        <p:spPr/>
+        <p:txBody>
+          <a:bodyPr>
+            <a:normAutofit fontScale="92500" lnSpcReduction="10000"/>
           </a:bodyPr>
           <a:lstStyle/>
           <a:p>
-            <a:pPr algn="ctr"/>
-            <a:r>
-              <a:rPr lang="en-US" dirty="0"/>
-              <a:t>Leaderboard</a:t>
-            </a:r>
-          </a:p>
-        </p:txBody>
-      </p:sp>
-      <p:sp>
-        <p:nvSpPr>
-          <p:cNvPr id="5" name="TextBox 4">
-            <a:extLst>
-              <a:ext uri="{FF2B5EF4-FFF2-40B4-BE49-F238E27FC236}">
-                <a16:creationId xmlns:a16="http://schemas.microsoft.com/office/drawing/2014/main" id="{43881D1D-F294-4E47-8457-E91C07EB98A8}"/>
-              </a:ext>
-            </a:extLst>
-          </p:cNvPr>
-          <p:cNvSpPr txBox="1"/>
-          <p:nvPr/>
-        </p:nvSpPr>
-        <p:spPr>
-          <a:xfrm>
-            <a:off x="5217952" y="1690688"/>
-            <a:ext cx="1459684" cy="369332"/>
-          </a:xfrm>
-          <a:prstGeom prst="rect">
-            <a:avLst/>
-          </a:prstGeom>
-          <a:noFill/>
-          <a:ln>
-            <a:solidFill>
-              <a:schemeClr val="tx1"/>
-            </a:solidFill>
-          </a:ln>
-        </p:spPr>
-        <p:txBody>
-          <a:bodyPr wrap="square" rtlCol="0">
-            <a:spAutoFit/>
-          </a:bodyPr>
-          <a:lstStyle/>
-          <a:p>
-            <a:pPr algn="ctr"/>
-            <a:r>
-              <a:rPr lang="en-US" dirty="0"/>
-              <a:t>Login</a:t>
-            </a:r>
-          </a:p>
-        </p:txBody>
-      </p:sp>
-      <p:sp>
-        <p:nvSpPr>
-          <p:cNvPr id="7" name="TextBox 6">
-            <a:extLst>
-              <a:ext uri="{FF2B5EF4-FFF2-40B4-BE49-F238E27FC236}">
-                <a16:creationId xmlns:a16="http://schemas.microsoft.com/office/drawing/2014/main" id="{E2C353D0-78CA-42F0-98BB-384525491763}"/>
-              </a:ext>
-            </a:extLst>
-          </p:cNvPr>
-          <p:cNvSpPr txBox="1"/>
-          <p:nvPr/>
-        </p:nvSpPr>
-        <p:spPr>
-          <a:xfrm>
-            <a:off x="6175697" y="4379455"/>
-            <a:ext cx="1459684" cy="369332"/>
-          </a:xfrm>
-          <a:prstGeom prst="rect">
-            <a:avLst/>
-          </a:prstGeom>
-          <a:noFill/>
-          <a:ln>
-            <a:solidFill>
-              <a:schemeClr val="tx1"/>
-            </a:solidFill>
-          </a:ln>
-        </p:spPr>
-        <p:txBody>
-          <a:bodyPr wrap="square" rtlCol="0">
-            <a:spAutoFit/>
-          </a:bodyPr>
-          <a:lstStyle/>
-          <a:p>
-            <a:pPr algn="ctr"/>
-            <a:r>
-              <a:rPr lang="en-US" dirty="0"/>
-              <a:t>Choose a Star</a:t>
-            </a:r>
-          </a:p>
-        </p:txBody>
-      </p:sp>
-      <p:sp>
-        <p:nvSpPr>
-          <p:cNvPr id="8" name="TextBox 7">
-            <a:extLst>
-              <a:ext uri="{FF2B5EF4-FFF2-40B4-BE49-F238E27FC236}">
-                <a16:creationId xmlns:a16="http://schemas.microsoft.com/office/drawing/2014/main" id="{4E26735B-D9F6-4DD4-B3BF-A0A56E156A22}"/>
-              </a:ext>
-            </a:extLst>
-          </p:cNvPr>
-          <p:cNvSpPr txBox="1"/>
-          <p:nvPr/>
-        </p:nvSpPr>
-        <p:spPr>
-          <a:xfrm>
-            <a:off x="5947794" y="5097445"/>
-            <a:ext cx="1911291" cy="369332"/>
-          </a:xfrm>
-          <a:prstGeom prst="rect">
-            <a:avLst/>
-          </a:prstGeom>
-          <a:noFill/>
-          <a:ln>
-            <a:solidFill>
-              <a:schemeClr val="tx1"/>
-            </a:solidFill>
-          </a:ln>
-        </p:spPr>
-        <p:txBody>
-          <a:bodyPr wrap="square" rtlCol="0">
-            <a:spAutoFit/>
-          </a:bodyPr>
-          <a:lstStyle/>
-          <a:p>
-            <a:pPr algn="ctr"/>
-            <a:r>
-              <a:rPr lang="en-US" dirty="0"/>
-              <a:t>Analyze / Classify</a:t>
-            </a:r>
-          </a:p>
-        </p:txBody>
-      </p:sp>
-      <p:sp>
-        <p:nvSpPr>
-          <p:cNvPr id="9" name="TextBox 8">
-            <a:extLst>
-              <a:ext uri="{FF2B5EF4-FFF2-40B4-BE49-F238E27FC236}">
-                <a16:creationId xmlns:a16="http://schemas.microsoft.com/office/drawing/2014/main" id="{2A83839C-3730-4E9F-AF9C-E5D31978CD8A}"/>
-              </a:ext>
-            </a:extLst>
-          </p:cNvPr>
-          <p:cNvSpPr txBox="1"/>
-          <p:nvPr/>
-        </p:nvSpPr>
-        <p:spPr>
-          <a:xfrm>
-            <a:off x="2467240" y="2733883"/>
-            <a:ext cx="1459684" cy="369332"/>
-          </a:xfrm>
-          <a:prstGeom prst="rect">
-            <a:avLst/>
-          </a:prstGeom>
-          <a:noFill/>
-          <a:ln>
-            <a:solidFill>
-              <a:schemeClr val="tx1"/>
-            </a:solidFill>
-          </a:ln>
-        </p:spPr>
-        <p:txBody>
-          <a:bodyPr wrap="square" rtlCol="0">
-            <a:spAutoFit/>
-          </a:bodyPr>
-          <a:lstStyle/>
-          <a:p>
-            <a:pPr algn="ctr"/>
-            <a:r>
-              <a:rPr lang="en-US" dirty="0"/>
-              <a:t>Admin</a:t>
-            </a:r>
-          </a:p>
-        </p:txBody>
-      </p:sp>
-      <p:sp>
-        <p:nvSpPr>
-          <p:cNvPr id="10" name="TextBox 9">
-            <a:extLst>
-              <a:ext uri="{FF2B5EF4-FFF2-40B4-BE49-F238E27FC236}">
-                <a16:creationId xmlns:a16="http://schemas.microsoft.com/office/drawing/2014/main" id="{BFA04579-982B-4096-90E8-F8D4106059AF}"/>
-              </a:ext>
-            </a:extLst>
-          </p:cNvPr>
-          <p:cNvSpPr txBox="1"/>
-          <p:nvPr/>
-        </p:nvSpPr>
-        <p:spPr>
-          <a:xfrm>
-            <a:off x="957222" y="3684918"/>
-            <a:ext cx="1979802" cy="369332"/>
-          </a:xfrm>
-          <a:prstGeom prst="rect">
-            <a:avLst/>
-          </a:prstGeom>
-          <a:noFill/>
-          <a:ln>
-            <a:solidFill>
-              <a:schemeClr val="tx1"/>
-            </a:solidFill>
-          </a:ln>
-        </p:spPr>
-        <p:txBody>
-          <a:bodyPr wrap="square" rtlCol="0">
-            <a:spAutoFit/>
-          </a:bodyPr>
-          <a:lstStyle/>
-          <a:p>
-            <a:pPr algn="ctr"/>
-            <a:r>
-              <a:rPr lang="en-US" dirty="0"/>
-              <a:t>Users/Groups</a:t>
-            </a:r>
-          </a:p>
-        </p:txBody>
-      </p:sp>
-      <p:sp>
-        <p:nvSpPr>
-          <p:cNvPr id="11" name="TextBox 10">
-            <a:extLst>
-              <a:ext uri="{FF2B5EF4-FFF2-40B4-BE49-F238E27FC236}">
-                <a16:creationId xmlns:a16="http://schemas.microsoft.com/office/drawing/2014/main" id="{53644665-8842-40DA-B829-57D70D02E186}"/>
-              </a:ext>
-            </a:extLst>
-          </p:cNvPr>
-          <p:cNvSpPr txBox="1"/>
-          <p:nvPr/>
-        </p:nvSpPr>
-        <p:spPr>
-          <a:xfrm>
-            <a:off x="3287962" y="3684918"/>
-            <a:ext cx="1979802" cy="369332"/>
-          </a:xfrm>
-          <a:prstGeom prst="rect">
-            <a:avLst/>
-          </a:prstGeom>
-          <a:noFill/>
-          <a:ln>
-            <a:solidFill>
-              <a:schemeClr val="tx1"/>
-            </a:solidFill>
-          </a:ln>
-        </p:spPr>
-        <p:txBody>
-          <a:bodyPr wrap="square" rtlCol="0">
-            <a:spAutoFit/>
-          </a:bodyPr>
-          <a:lstStyle/>
-          <a:p>
-            <a:pPr algn="ctr"/>
-            <a:r>
-              <a:rPr lang="en-US" dirty="0"/>
-              <a:t>Database</a:t>
-            </a:r>
-          </a:p>
-        </p:txBody>
-      </p:sp>
-      <p:cxnSp>
-        <p:nvCxnSpPr>
-          <p:cNvPr id="13" name="Straight Connector 12">
-            <a:extLst>
-              <a:ext uri="{FF2B5EF4-FFF2-40B4-BE49-F238E27FC236}">
-                <a16:creationId xmlns:a16="http://schemas.microsoft.com/office/drawing/2014/main" id="{2049117A-3189-4D6C-B59E-EFF184DED37B}"/>
-              </a:ext>
-            </a:extLst>
-          </p:cNvPr>
-          <p:cNvCxnSpPr>
-            <a:cxnSpLocks/>
-            <a:stCxn id="5" idx="2"/>
-            <a:endCxn id="41" idx="0"/>
-          </p:cNvCxnSpPr>
-          <p:nvPr/>
-        </p:nvCxnSpPr>
-        <p:spPr>
-          <a:xfrm>
-            <a:off x="5947794" y="2060020"/>
-            <a:ext cx="2866937" cy="616638"/>
-          </a:xfrm>
-          <a:prstGeom prst="line">
-            <a:avLst/>
-          </a:prstGeom>
-        </p:spPr>
-        <p:style>
-          <a:lnRef idx="1">
-            <a:schemeClr val="accent1"/>
-          </a:lnRef>
-          <a:fillRef idx="0">
-            <a:schemeClr val="accent1"/>
-          </a:fillRef>
-          <a:effectRef idx="0">
-            <a:schemeClr val="accent1"/>
-          </a:effectRef>
-          <a:fontRef idx="minor">
-            <a:schemeClr val="tx1"/>
-          </a:fontRef>
-        </p:style>
-      </p:cxnSp>
-      <p:cxnSp>
-        <p:nvCxnSpPr>
-          <p:cNvPr id="15" name="Straight Connector 14">
-            <a:extLst>
-              <a:ext uri="{FF2B5EF4-FFF2-40B4-BE49-F238E27FC236}">
-                <a16:creationId xmlns:a16="http://schemas.microsoft.com/office/drawing/2014/main" id="{0F9A1D4A-7D89-41AD-B5E0-4F8E91EE2AC4}"/>
-              </a:ext>
-            </a:extLst>
-          </p:cNvPr>
-          <p:cNvCxnSpPr>
-            <a:cxnSpLocks/>
-            <a:stCxn id="7" idx="0"/>
-            <a:endCxn id="4" idx="2"/>
-          </p:cNvCxnSpPr>
-          <p:nvPr/>
-        </p:nvCxnSpPr>
-        <p:spPr>
-          <a:xfrm flipV="1">
-            <a:off x="6905539" y="3846131"/>
-            <a:ext cx="0" cy="533324"/>
-          </a:xfrm>
-          <a:prstGeom prst="line">
-            <a:avLst/>
-          </a:prstGeom>
-        </p:spPr>
-        <p:style>
-          <a:lnRef idx="1">
-            <a:schemeClr val="accent1"/>
-          </a:lnRef>
-          <a:fillRef idx="0">
-            <a:schemeClr val="accent1"/>
-          </a:fillRef>
-          <a:effectRef idx="0">
-            <a:schemeClr val="accent1"/>
-          </a:effectRef>
-          <a:fontRef idx="minor">
-            <a:schemeClr val="tx1"/>
-          </a:fontRef>
-        </p:style>
-      </p:cxnSp>
-      <p:cxnSp>
-        <p:nvCxnSpPr>
-          <p:cNvPr id="18" name="Straight Connector 17">
-            <a:extLst>
-              <a:ext uri="{FF2B5EF4-FFF2-40B4-BE49-F238E27FC236}">
-                <a16:creationId xmlns:a16="http://schemas.microsoft.com/office/drawing/2014/main" id="{431CE483-D9FB-47EE-8916-2D56E6117021}"/>
-              </a:ext>
-            </a:extLst>
-          </p:cNvPr>
-          <p:cNvCxnSpPr>
-            <a:cxnSpLocks/>
-            <a:stCxn id="8" idx="0"/>
-            <a:endCxn id="7" idx="2"/>
-          </p:cNvCxnSpPr>
-          <p:nvPr/>
-        </p:nvCxnSpPr>
-        <p:spPr>
-          <a:xfrm flipV="1">
-            <a:off x="6903440" y="4748787"/>
-            <a:ext cx="2099" cy="348658"/>
-          </a:xfrm>
-          <a:prstGeom prst="line">
-            <a:avLst/>
-          </a:prstGeom>
-        </p:spPr>
-        <p:style>
-          <a:lnRef idx="1">
-            <a:schemeClr val="accent1"/>
-          </a:lnRef>
-          <a:fillRef idx="0">
-            <a:schemeClr val="accent1"/>
-          </a:fillRef>
-          <a:effectRef idx="0">
-            <a:schemeClr val="accent1"/>
-          </a:effectRef>
-          <a:fontRef idx="minor">
-            <a:schemeClr val="tx1"/>
-          </a:fontRef>
-        </p:style>
-      </p:cxnSp>
-      <p:cxnSp>
-        <p:nvCxnSpPr>
-          <p:cNvPr id="21" name="Straight Connector 20">
-            <a:extLst>
-              <a:ext uri="{FF2B5EF4-FFF2-40B4-BE49-F238E27FC236}">
-                <a16:creationId xmlns:a16="http://schemas.microsoft.com/office/drawing/2014/main" id="{10B4C6B9-8144-4788-B7CE-0AB403499508}"/>
-              </a:ext>
-            </a:extLst>
-          </p:cNvPr>
-          <p:cNvCxnSpPr>
-            <a:cxnSpLocks/>
-            <a:stCxn id="9" idx="0"/>
-            <a:endCxn id="5" idx="2"/>
-          </p:cNvCxnSpPr>
-          <p:nvPr/>
-        </p:nvCxnSpPr>
-        <p:spPr>
-          <a:xfrm flipV="1">
-            <a:off x="3197082" y="2060020"/>
-            <a:ext cx="2750712" cy="673863"/>
-          </a:xfrm>
-          <a:prstGeom prst="line">
-            <a:avLst/>
-          </a:prstGeom>
-        </p:spPr>
-        <p:style>
-          <a:lnRef idx="1">
-            <a:schemeClr val="accent1"/>
-          </a:lnRef>
-          <a:fillRef idx="0">
-            <a:schemeClr val="accent1"/>
-          </a:fillRef>
-          <a:effectRef idx="0">
-            <a:schemeClr val="accent1"/>
-          </a:effectRef>
-          <a:fontRef idx="minor">
-            <a:schemeClr val="tx1"/>
-          </a:fontRef>
-        </p:style>
-      </p:cxnSp>
-      <p:cxnSp>
-        <p:nvCxnSpPr>
-          <p:cNvPr id="24" name="Straight Connector 23">
-            <a:extLst>
-              <a:ext uri="{FF2B5EF4-FFF2-40B4-BE49-F238E27FC236}">
-                <a16:creationId xmlns:a16="http://schemas.microsoft.com/office/drawing/2014/main" id="{C064B7BD-9E88-47C3-B054-895D5D289738}"/>
-              </a:ext>
-            </a:extLst>
-          </p:cNvPr>
-          <p:cNvCxnSpPr>
-            <a:cxnSpLocks/>
-            <a:stCxn id="11" idx="0"/>
-            <a:endCxn id="9" idx="2"/>
-          </p:cNvCxnSpPr>
-          <p:nvPr/>
-        </p:nvCxnSpPr>
-        <p:spPr>
-          <a:xfrm flipH="1" flipV="1">
-            <a:off x="3197082" y="3103215"/>
-            <a:ext cx="1080781" cy="581703"/>
-          </a:xfrm>
-          <a:prstGeom prst="line">
-            <a:avLst/>
-          </a:prstGeom>
-        </p:spPr>
-        <p:style>
-          <a:lnRef idx="1">
-            <a:schemeClr val="accent1"/>
-          </a:lnRef>
-          <a:fillRef idx="0">
-            <a:schemeClr val="accent1"/>
-          </a:fillRef>
-          <a:effectRef idx="0">
-            <a:schemeClr val="accent1"/>
-          </a:effectRef>
-          <a:fontRef idx="minor">
-            <a:schemeClr val="tx1"/>
-          </a:fontRef>
-        </p:style>
-      </p:cxnSp>
-      <p:cxnSp>
-        <p:nvCxnSpPr>
-          <p:cNvPr id="27" name="Straight Connector 26">
-            <a:extLst>
-              <a:ext uri="{FF2B5EF4-FFF2-40B4-BE49-F238E27FC236}">
-                <a16:creationId xmlns:a16="http://schemas.microsoft.com/office/drawing/2014/main" id="{28D6298D-BF4E-4AB1-A666-335A8DC783F0}"/>
-              </a:ext>
-            </a:extLst>
-          </p:cNvPr>
-          <p:cNvCxnSpPr>
-            <a:cxnSpLocks/>
-            <a:stCxn id="10" idx="0"/>
-            <a:endCxn id="9" idx="2"/>
-          </p:cNvCxnSpPr>
-          <p:nvPr/>
-        </p:nvCxnSpPr>
-        <p:spPr>
-          <a:xfrm flipV="1">
-            <a:off x="1947123" y="3103215"/>
-            <a:ext cx="1249959" cy="581703"/>
-          </a:xfrm>
-          <a:prstGeom prst="line">
-            <a:avLst/>
-          </a:prstGeom>
-        </p:spPr>
-        <p:style>
-          <a:lnRef idx="1">
-            <a:schemeClr val="accent1"/>
-          </a:lnRef>
-          <a:fillRef idx="0">
-            <a:schemeClr val="accent1"/>
-          </a:fillRef>
-          <a:effectRef idx="0">
-            <a:schemeClr val="accent1"/>
-          </a:effectRef>
-          <a:fontRef idx="minor">
-            <a:schemeClr val="tx1"/>
-          </a:fontRef>
-        </p:style>
-      </p:cxnSp>
-      <p:sp>
-        <p:nvSpPr>
-          <p:cNvPr id="39" name="TextBox 38">
-            <a:extLst>
-              <a:ext uri="{FF2B5EF4-FFF2-40B4-BE49-F238E27FC236}">
-                <a16:creationId xmlns:a16="http://schemas.microsoft.com/office/drawing/2014/main" id="{7A0397B8-ED92-4841-B203-66F2C2FEE6C5}"/>
-              </a:ext>
-            </a:extLst>
-          </p:cNvPr>
-          <p:cNvSpPr txBox="1"/>
-          <p:nvPr/>
-        </p:nvSpPr>
-        <p:spPr>
-          <a:xfrm>
-            <a:off x="10109784" y="3476799"/>
-            <a:ext cx="1364258" cy="369332"/>
-          </a:xfrm>
-          <a:prstGeom prst="rect">
-            <a:avLst/>
-          </a:prstGeom>
-          <a:noFill/>
-          <a:ln>
-            <a:solidFill>
-              <a:schemeClr val="tx1"/>
-            </a:solidFill>
-          </a:ln>
-        </p:spPr>
-        <p:txBody>
-          <a:bodyPr wrap="square" rtlCol="0">
-            <a:spAutoFit/>
-          </a:bodyPr>
-          <a:lstStyle/>
-          <a:p>
-            <a:pPr algn="ctr"/>
-            <a:r>
-              <a:rPr lang="en-US" dirty="0"/>
-              <a:t>About</a:t>
-            </a:r>
-          </a:p>
-        </p:txBody>
-      </p:sp>
-      <p:sp>
-        <p:nvSpPr>
-          <p:cNvPr id="40" name="TextBox 39">
-            <a:extLst>
-              <a:ext uri="{FF2B5EF4-FFF2-40B4-BE49-F238E27FC236}">
-                <a16:creationId xmlns:a16="http://schemas.microsoft.com/office/drawing/2014/main" id="{7CD6919F-CC9E-4F8C-ABD0-1976C657D1EB}"/>
-              </a:ext>
-            </a:extLst>
-          </p:cNvPr>
-          <p:cNvSpPr txBox="1"/>
-          <p:nvPr/>
-        </p:nvSpPr>
-        <p:spPr>
-          <a:xfrm>
-            <a:off x="8245684" y="3496001"/>
-            <a:ext cx="1554756" cy="369332"/>
-          </a:xfrm>
-          <a:prstGeom prst="rect">
-            <a:avLst/>
-          </a:prstGeom>
-          <a:noFill/>
-          <a:ln>
-            <a:solidFill>
-              <a:schemeClr val="tx1"/>
-            </a:solidFill>
-          </a:ln>
-        </p:spPr>
-        <p:txBody>
-          <a:bodyPr wrap="square" rtlCol="0">
-            <a:spAutoFit/>
-          </a:bodyPr>
-          <a:lstStyle/>
-          <a:p>
-            <a:pPr algn="ctr"/>
-            <a:r>
-              <a:rPr lang="en-US" dirty="0"/>
-              <a:t>References</a:t>
-            </a:r>
-          </a:p>
-        </p:txBody>
-      </p:sp>
-      <p:sp>
-        <p:nvSpPr>
-          <p:cNvPr id="41" name="TextBox 40">
-            <a:extLst>
-              <a:ext uri="{FF2B5EF4-FFF2-40B4-BE49-F238E27FC236}">
-                <a16:creationId xmlns:a16="http://schemas.microsoft.com/office/drawing/2014/main" id="{9498F8C1-9E26-4E74-808C-0DE12D2A9133}"/>
-              </a:ext>
-            </a:extLst>
-          </p:cNvPr>
-          <p:cNvSpPr txBox="1"/>
-          <p:nvPr/>
-        </p:nvSpPr>
-        <p:spPr>
-          <a:xfrm>
-            <a:off x="7859085" y="2676658"/>
-            <a:ext cx="1911291" cy="369332"/>
-          </a:xfrm>
-          <a:prstGeom prst="rect">
-            <a:avLst/>
-          </a:prstGeom>
-          <a:noFill/>
-          <a:ln>
-            <a:solidFill>
-              <a:schemeClr val="tx1"/>
-            </a:solidFill>
-          </a:ln>
-        </p:spPr>
-        <p:txBody>
-          <a:bodyPr wrap="square" rtlCol="0">
-            <a:spAutoFit/>
-          </a:bodyPr>
-          <a:lstStyle/>
-          <a:p>
-            <a:pPr algn="ctr"/>
-            <a:r>
-              <a:rPr lang="en-US" dirty="0"/>
-              <a:t>Home</a:t>
-            </a:r>
-          </a:p>
-        </p:txBody>
-      </p:sp>
-      <p:cxnSp>
-        <p:nvCxnSpPr>
-          <p:cNvPr id="43" name="Straight Connector 42">
-            <a:extLst>
-              <a:ext uri="{FF2B5EF4-FFF2-40B4-BE49-F238E27FC236}">
-                <a16:creationId xmlns:a16="http://schemas.microsoft.com/office/drawing/2014/main" id="{F2F9CABA-7E97-4E2F-A454-C8F31158D1A8}"/>
-              </a:ext>
-            </a:extLst>
-          </p:cNvPr>
-          <p:cNvCxnSpPr>
-            <a:cxnSpLocks/>
-            <a:stCxn id="4" idx="0"/>
-            <a:endCxn id="41" idx="2"/>
-          </p:cNvCxnSpPr>
-          <p:nvPr/>
-        </p:nvCxnSpPr>
-        <p:spPr>
-          <a:xfrm flipV="1">
-            <a:off x="6905539" y="3045990"/>
-            <a:ext cx="1909192" cy="430809"/>
-          </a:xfrm>
-          <a:prstGeom prst="line">
-            <a:avLst/>
-          </a:prstGeom>
-        </p:spPr>
-        <p:style>
-          <a:lnRef idx="1">
-            <a:schemeClr val="accent1"/>
-          </a:lnRef>
-          <a:fillRef idx="0">
-            <a:schemeClr val="accent1"/>
-          </a:fillRef>
-          <a:effectRef idx="0">
-            <a:schemeClr val="accent1"/>
-          </a:effectRef>
-          <a:fontRef idx="minor">
-            <a:schemeClr val="tx1"/>
-          </a:fontRef>
-        </p:style>
-      </p:cxnSp>
-      <p:cxnSp>
-        <p:nvCxnSpPr>
-          <p:cNvPr id="46" name="Straight Connector 45">
-            <a:extLst>
-              <a:ext uri="{FF2B5EF4-FFF2-40B4-BE49-F238E27FC236}">
-                <a16:creationId xmlns:a16="http://schemas.microsoft.com/office/drawing/2014/main" id="{225A76A6-AF9A-407A-AE7C-46EB14129710}"/>
-              </a:ext>
-            </a:extLst>
-          </p:cNvPr>
-          <p:cNvCxnSpPr>
-            <a:cxnSpLocks/>
-            <a:stCxn id="40" idx="0"/>
-            <a:endCxn id="41" idx="2"/>
-          </p:cNvCxnSpPr>
-          <p:nvPr/>
-        </p:nvCxnSpPr>
-        <p:spPr>
-          <a:xfrm flipH="1" flipV="1">
-            <a:off x="8814731" y="3045990"/>
-            <a:ext cx="208331" cy="450011"/>
-          </a:xfrm>
-          <a:prstGeom prst="line">
-            <a:avLst/>
-          </a:prstGeom>
-        </p:spPr>
-        <p:style>
-          <a:lnRef idx="1">
-            <a:schemeClr val="accent1"/>
-          </a:lnRef>
-          <a:fillRef idx="0">
-            <a:schemeClr val="accent1"/>
-          </a:fillRef>
-          <a:effectRef idx="0">
-            <a:schemeClr val="accent1"/>
-          </a:effectRef>
-          <a:fontRef idx="minor">
-            <a:schemeClr val="tx1"/>
-          </a:fontRef>
-        </p:style>
-      </p:cxnSp>
-      <p:cxnSp>
-        <p:nvCxnSpPr>
-          <p:cNvPr id="49" name="Straight Connector 48">
-            <a:extLst>
-              <a:ext uri="{FF2B5EF4-FFF2-40B4-BE49-F238E27FC236}">
-                <a16:creationId xmlns:a16="http://schemas.microsoft.com/office/drawing/2014/main" id="{6194BE01-A3B4-4379-BEAC-E5FBCEA7799F}"/>
-              </a:ext>
-            </a:extLst>
-          </p:cNvPr>
-          <p:cNvCxnSpPr>
-            <a:cxnSpLocks/>
-            <a:stCxn id="39" idx="0"/>
-            <a:endCxn id="41" idx="2"/>
-          </p:cNvCxnSpPr>
-          <p:nvPr/>
-        </p:nvCxnSpPr>
-        <p:spPr>
-          <a:xfrm flipH="1" flipV="1">
-            <a:off x="8814731" y="3045990"/>
-            <a:ext cx="1977182" cy="430809"/>
-          </a:xfrm>
-          <a:prstGeom prst="line">
-            <a:avLst/>
-          </a:prstGeom>
-        </p:spPr>
-        <p:style>
-          <a:lnRef idx="1">
-            <a:schemeClr val="accent1"/>
-          </a:lnRef>
-          <a:fillRef idx="0">
-            <a:schemeClr val="accent1"/>
-          </a:fillRef>
-          <a:effectRef idx="0">
-            <a:schemeClr val="accent1"/>
-          </a:effectRef>
-          <a:fontRef idx="minor">
-            <a:schemeClr val="tx1"/>
-          </a:fontRef>
-        </p:style>
-      </p:cxnSp>
+            <a:r>
+              <a:rPr lang="en-US" dirty="0"/>
+              <a:t>“Info” panels explaining what/why</a:t>
+            </a:r>
+          </a:p>
+          <a:p>
+            <a:pPr lvl="1"/>
+            <a:r>
+              <a:rPr lang="en-US" dirty="0"/>
+              <a:t>Context (why) of the application (first page)</a:t>
+            </a:r>
+          </a:p>
+          <a:p>
+            <a:pPr lvl="1"/>
+            <a:r>
+              <a:rPr lang="en-US" dirty="0"/>
+              <a:t>Background on </a:t>
+            </a:r>
+            <a:r>
+              <a:rPr lang="en-US" dirty="0" err="1"/>
+              <a:t>PLAsTiCC</a:t>
+            </a:r>
+            <a:endParaRPr lang="en-US" dirty="0"/>
+          </a:p>
+          <a:p>
+            <a:pPr lvl="1"/>
+            <a:r>
+              <a:rPr lang="en-US" dirty="0"/>
+              <a:t>Metrics – why important and reference</a:t>
+            </a:r>
+          </a:p>
+          <a:p>
+            <a:pPr lvl="1"/>
+            <a:r>
+              <a:rPr lang="en-US" dirty="0"/>
+              <a:t>Data Processing – constructing the model (slide)</a:t>
+            </a:r>
+          </a:p>
+          <a:p>
+            <a:pPr lvl="1"/>
+            <a:r>
+              <a:rPr lang="en-US" dirty="0"/>
+              <a:t>Dataset – timeseries and size/scale</a:t>
+            </a:r>
+          </a:p>
+          <a:p>
+            <a:pPr lvl="1"/>
+            <a:r>
+              <a:rPr lang="en-US" dirty="0" err="1"/>
+              <a:t>Tensorflow</a:t>
+            </a:r>
+            <a:r>
+              <a:rPr lang="en-US" dirty="0"/>
+              <a:t> Model – </a:t>
+            </a:r>
+            <a:r>
+              <a:rPr lang="en-US" dirty="0" err="1"/>
+              <a:t>B.Trotta</a:t>
+            </a:r>
+            <a:r>
+              <a:rPr lang="en-US" dirty="0"/>
+              <a:t> and </a:t>
+            </a:r>
+            <a:r>
+              <a:rPr lang="en-US" dirty="0" err="1"/>
+              <a:t>K.Boone</a:t>
+            </a:r>
+            <a:r>
+              <a:rPr lang="en-US" dirty="0"/>
+              <a:t> approach summary and other approaches used.  Reference my other </a:t>
+            </a:r>
+            <a:r>
+              <a:rPr lang="en-US" dirty="0" err="1"/>
+              <a:t>slideset</a:t>
+            </a:r>
+            <a:r>
+              <a:rPr lang="en-US" dirty="0"/>
+              <a:t>.</a:t>
+            </a:r>
+          </a:p>
+          <a:p>
+            <a:pPr lvl="1"/>
+            <a:r>
+              <a:rPr lang="en-US" dirty="0" err="1"/>
+              <a:t>Tensorflow</a:t>
+            </a:r>
+            <a:r>
+              <a:rPr lang="en-US" dirty="0"/>
+              <a:t> background</a:t>
+            </a:r>
+          </a:p>
+          <a:p>
+            <a:pPr lvl="1"/>
+            <a:r>
+              <a:rPr lang="en-US" dirty="0"/>
+              <a:t>Structure of website (slides from this presentation)</a:t>
+            </a:r>
+          </a:p>
+          <a:p>
+            <a:r>
+              <a:rPr lang="en-US" dirty="0"/>
+              <a:t>“Popup” on </a:t>
+            </a:r>
+            <a:r>
+              <a:rPr lang="en-US" dirty="0" err="1"/>
+              <a:t>make_bid</a:t>
+            </a:r>
+            <a:r>
+              <a:rPr lang="en-US" dirty="0"/>
+              <a:t> page - highlight merge of TensorFlow ML results with local database</a:t>
+            </a:r>
+          </a:p>
+          <a:p>
+            <a:pPr lvl="1"/>
+            <a:endParaRPr lang="en-US" dirty="0"/>
+          </a:p>
+          <a:p>
+            <a:pPr marL="457200" lvl="1" indent="0">
+              <a:buNone/>
+            </a:pPr>
+            <a:endParaRPr lang="en-US" dirty="0"/>
+          </a:p>
+        </p:txBody>
+      </p:sp>
     </p:spTree>
     <p:extLst>
       <p:ext uri="{BB962C8B-B14F-4D97-AF65-F5344CB8AC3E}">
-        <p14:creationId xmlns:p14="http://schemas.microsoft.com/office/powerpoint/2010/main" val="2402506783"/>
+        <p14:creationId xmlns:p14="http://schemas.microsoft.com/office/powerpoint/2010/main" val="3716969535"/>
       </p:ext>
     </p:extLst>
   </p:cSld>
@@ -5563,6 +4941,822 @@
           <p:cNvPr id="2" name="Title 1">
             <a:extLst>
               <a:ext uri="{FF2B5EF4-FFF2-40B4-BE49-F238E27FC236}">
+                <a16:creationId xmlns:a16="http://schemas.microsoft.com/office/drawing/2014/main" id="{6DE6F54D-E928-44DE-963C-D655747854A9}"/>
+              </a:ext>
+            </a:extLst>
+          </p:cNvPr>
+          <p:cNvSpPr>
+            <a:spLocks noGrp="1"/>
+          </p:cNvSpPr>
+          <p:nvPr>
+            <p:ph type="title"/>
+          </p:nvPr>
+        </p:nvSpPr>
+        <p:spPr>
+          <a:xfrm>
+            <a:off x="708171" y="287808"/>
+            <a:ext cx="10515600" cy="1325563"/>
+          </a:xfrm>
+        </p:spPr>
+        <p:txBody>
+          <a:bodyPr/>
+          <a:lstStyle/>
+          <a:p>
+            <a:r>
+              <a:rPr lang="en-US" dirty="0"/>
+              <a:t>Proposed Site Map</a:t>
+            </a:r>
+          </a:p>
+        </p:txBody>
+      </p:sp>
+      <p:sp>
+        <p:nvSpPr>
+          <p:cNvPr id="4" name="TextBox 3">
+            <a:extLst>
+              <a:ext uri="{FF2B5EF4-FFF2-40B4-BE49-F238E27FC236}">
+                <a16:creationId xmlns:a16="http://schemas.microsoft.com/office/drawing/2014/main" id="{B40D84BE-C8F7-4B2B-881E-88214C9646CD}"/>
+              </a:ext>
+            </a:extLst>
+          </p:cNvPr>
+          <p:cNvSpPr txBox="1"/>
+          <p:nvPr/>
+        </p:nvSpPr>
+        <p:spPr>
+          <a:xfrm>
+            <a:off x="5949893" y="3476799"/>
+            <a:ext cx="1911291" cy="369332"/>
+          </a:xfrm>
+          <a:prstGeom prst="rect">
+            <a:avLst/>
+          </a:prstGeom>
+          <a:noFill/>
+          <a:ln>
+            <a:solidFill>
+              <a:schemeClr val="tx1"/>
+            </a:solidFill>
+          </a:ln>
+        </p:spPr>
+        <p:txBody>
+          <a:bodyPr wrap="square" rtlCol="0">
+            <a:spAutoFit/>
+          </a:bodyPr>
+          <a:lstStyle/>
+          <a:p>
+            <a:pPr algn="ctr"/>
+            <a:r>
+              <a:rPr lang="en-US" dirty="0"/>
+              <a:t>Leaderboard</a:t>
+            </a:r>
+          </a:p>
+        </p:txBody>
+      </p:sp>
+      <p:sp>
+        <p:nvSpPr>
+          <p:cNvPr id="5" name="TextBox 4">
+            <a:extLst>
+              <a:ext uri="{FF2B5EF4-FFF2-40B4-BE49-F238E27FC236}">
+                <a16:creationId xmlns:a16="http://schemas.microsoft.com/office/drawing/2014/main" id="{43881D1D-F294-4E47-8457-E91C07EB98A8}"/>
+              </a:ext>
+            </a:extLst>
+          </p:cNvPr>
+          <p:cNvSpPr txBox="1"/>
+          <p:nvPr/>
+        </p:nvSpPr>
+        <p:spPr>
+          <a:xfrm>
+            <a:off x="4488109" y="1741020"/>
+            <a:ext cx="1459684" cy="369332"/>
+          </a:xfrm>
+          <a:prstGeom prst="rect">
+            <a:avLst/>
+          </a:prstGeom>
+          <a:noFill/>
+          <a:ln>
+            <a:solidFill>
+              <a:schemeClr val="tx1"/>
+            </a:solidFill>
+          </a:ln>
+        </p:spPr>
+        <p:txBody>
+          <a:bodyPr wrap="square" rtlCol="0">
+            <a:spAutoFit/>
+          </a:bodyPr>
+          <a:lstStyle/>
+          <a:p>
+            <a:pPr algn="ctr"/>
+            <a:r>
+              <a:rPr lang="en-US" dirty="0"/>
+              <a:t>Login</a:t>
+            </a:r>
+          </a:p>
+        </p:txBody>
+      </p:sp>
+      <p:sp>
+        <p:nvSpPr>
+          <p:cNvPr id="7" name="TextBox 6">
+            <a:extLst>
+              <a:ext uri="{FF2B5EF4-FFF2-40B4-BE49-F238E27FC236}">
+                <a16:creationId xmlns:a16="http://schemas.microsoft.com/office/drawing/2014/main" id="{E2C353D0-78CA-42F0-98BB-384525491763}"/>
+              </a:ext>
+            </a:extLst>
+          </p:cNvPr>
+          <p:cNvSpPr txBox="1"/>
+          <p:nvPr/>
+        </p:nvSpPr>
+        <p:spPr>
+          <a:xfrm>
+            <a:off x="6175696" y="4379455"/>
+            <a:ext cx="1491841" cy="369332"/>
+          </a:xfrm>
+          <a:prstGeom prst="rect">
+            <a:avLst/>
+          </a:prstGeom>
+          <a:noFill/>
+          <a:ln>
+            <a:solidFill>
+              <a:schemeClr val="tx1"/>
+            </a:solidFill>
+          </a:ln>
+        </p:spPr>
+        <p:txBody>
+          <a:bodyPr wrap="square" rtlCol="0">
+            <a:spAutoFit/>
+          </a:bodyPr>
+          <a:lstStyle/>
+          <a:p>
+            <a:pPr algn="ctr"/>
+            <a:r>
+              <a:rPr lang="en-US" dirty="0"/>
+              <a:t>Choose a Star</a:t>
+            </a:r>
+          </a:p>
+        </p:txBody>
+      </p:sp>
+      <p:sp>
+        <p:nvSpPr>
+          <p:cNvPr id="8" name="TextBox 7">
+            <a:extLst>
+              <a:ext uri="{FF2B5EF4-FFF2-40B4-BE49-F238E27FC236}">
+                <a16:creationId xmlns:a16="http://schemas.microsoft.com/office/drawing/2014/main" id="{4E26735B-D9F6-4DD4-B3BF-A0A56E156A22}"/>
+              </a:ext>
+            </a:extLst>
+          </p:cNvPr>
+          <p:cNvSpPr txBox="1"/>
+          <p:nvPr/>
+        </p:nvSpPr>
+        <p:spPr>
+          <a:xfrm>
+            <a:off x="5965971" y="5097445"/>
+            <a:ext cx="1911291" cy="369332"/>
+          </a:xfrm>
+          <a:prstGeom prst="rect">
+            <a:avLst/>
+          </a:prstGeom>
+          <a:noFill/>
+          <a:ln>
+            <a:solidFill>
+              <a:schemeClr val="tx1"/>
+            </a:solidFill>
+          </a:ln>
+        </p:spPr>
+        <p:txBody>
+          <a:bodyPr wrap="square" rtlCol="0">
+            <a:spAutoFit/>
+          </a:bodyPr>
+          <a:lstStyle/>
+          <a:p>
+            <a:pPr algn="ctr"/>
+            <a:r>
+              <a:rPr lang="en-US" dirty="0"/>
+              <a:t>Analyze / Classify</a:t>
+            </a:r>
+          </a:p>
+        </p:txBody>
+      </p:sp>
+      <p:sp>
+        <p:nvSpPr>
+          <p:cNvPr id="9" name="TextBox 8">
+            <a:extLst>
+              <a:ext uri="{FF2B5EF4-FFF2-40B4-BE49-F238E27FC236}">
+                <a16:creationId xmlns:a16="http://schemas.microsoft.com/office/drawing/2014/main" id="{2A83839C-3730-4E9F-AF9C-E5D31978CD8A}"/>
+              </a:ext>
+            </a:extLst>
+          </p:cNvPr>
+          <p:cNvSpPr txBox="1"/>
+          <p:nvPr/>
+        </p:nvSpPr>
+        <p:spPr>
+          <a:xfrm>
+            <a:off x="2467240" y="2733883"/>
+            <a:ext cx="1459684" cy="369332"/>
+          </a:xfrm>
+          <a:prstGeom prst="rect">
+            <a:avLst/>
+          </a:prstGeom>
+          <a:noFill/>
+          <a:ln>
+            <a:solidFill>
+              <a:schemeClr val="tx1"/>
+            </a:solidFill>
+          </a:ln>
+        </p:spPr>
+        <p:txBody>
+          <a:bodyPr wrap="square" rtlCol="0">
+            <a:spAutoFit/>
+          </a:bodyPr>
+          <a:lstStyle/>
+          <a:p>
+            <a:pPr algn="ctr"/>
+            <a:r>
+              <a:rPr lang="en-US" dirty="0"/>
+              <a:t>Admin</a:t>
+            </a:r>
+          </a:p>
+        </p:txBody>
+      </p:sp>
+      <p:sp>
+        <p:nvSpPr>
+          <p:cNvPr id="10" name="TextBox 9">
+            <a:extLst>
+              <a:ext uri="{FF2B5EF4-FFF2-40B4-BE49-F238E27FC236}">
+                <a16:creationId xmlns:a16="http://schemas.microsoft.com/office/drawing/2014/main" id="{BFA04579-982B-4096-90E8-F8D4106059AF}"/>
+              </a:ext>
+            </a:extLst>
+          </p:cNvPr>
+          <p:cNvSpPr txBox="1"/>
+          <p:nvPr/>
+        </p:nvSpPr>
+        <p:spPr>
+          <a:xfrm>
+            <a:off x="957222" y="3684918"/>
+            <a:ext cx="1979802" cy="369332"/>
+          </a:xfrm>
+          <a:prstGeom prst="rect">
+            <a:avLst/>
+          </a:prstGeom>
+          <a:noFill/>
+          <a:ln>
+            <a:solidFill>
+              <a:schemeClr val="tx1"/>
+            </a:solidFill>
+          </a:ln>
+        </p:spPr>
+        <p:txBody>
+          <a:bodyPr wrap="square" rtlCol="0">
+            <a:spAutoFit/>
+          </a:bodyPr>
+          <a:lstStyle/>
+          <a:p>
+            <a:pPr algn="ctr"/>
+            <a:r>
+              <a:rPr lang="en-US" dirty="0"/>
+              <a:t>Users/Groups</a:t>
+            </a:r>
+          </a:p>
+        </p:txBody>
+      </p:sp>
+      <p:sp>
+        <p:nvSpPr>
+          <p:cNvPr id="11" name="TextBox 10">
+            <a:extLst>
+              <a:ext uri="{FF2B5EF4-FFF2-40B4-BE49-F238E27FC236}">
+                <a16:creationId xmlns:a16="http://schemas.microsoft.com/office/drawing/2014/main" id="{53644665-8842-40DA-B829-57D70D02E186}"/>
+              </a:ext>
+            </a:extLst>
+          </p:cNvPr>
+          <p:cNvSpPr txBox="1"/>
+          <p:nvPr/>
+        </p:nvSpPr>
+        <p:spPr>
+          <a:xfrm>
+            <a:off x="3287962" y="3684918"/>
+            <a:ext cx="1979802" cy="369332"/>
+          </a:xfrm>
+          <a:prstGeom prst="rect">
+            <a:avLst/>
+          </a:prstGeom>
+          <a:noFill/>
+          <a:ln>
+            <a:solidFill>
+              <a:schemeClr val="tx1"/>
+            </a:solidFill>
+          </a:ln>
+        </p:spPr>
+        <p:txBody>
+          <a:bodyPr wrap="square" rtlCol="0">
+            <a:spAutoFit/>
+          </a:bodyPr>
+          <a:lstStyle/>
+          <a:p>
+            <a:pPr algn="ctr"/>
+            <a:r>
+              <a:rPr lang="en-US" dirty="0"/>
+              <a:t>Database</a:t>
+            </a:r>
+          </a:p>
+        </p:txBody>
+      </p:sp>
+      <p:cxnSp>
+        <p:nvCxnSpPr>
+          <p:cNvPr id="13" name="Straight Connector 12">
+            <a:extLst>
+              <a:ext uri="{FF2B5EF4-FFF2-40B4-BE49-F238E27FC236}">
+                <a16:creationId xmlns:a16="http://schemas.microsoft.com/office/drawing/2014/main" id="{2049117A-3189-4D6C-B59E-EFF184DED37B}"/>
+              </a:ext>
+            </a:extLst>
+          </p:cNvPr>
+          <p:cNvCxnSpPr>
+            <a:cxnSpLocks/>
+            <a:stCxn id="5" idx="2"/>
+            <a:endCxn id="41" idx="0"/>
+          </p:cNvCxnSpPr>
+          <p:nvPr/>
+        </p:nvCxnSpPr>
+        <p:spPr>
+          <a:xfrm>
+            <a:off x="5217951" y="2110352"/>
+            <a:ext cx="1685488" cy="533324"/>
+          </a:xfrm>
+          <a:prstGeom prst="line">
+            <a:avLst/>
+          </a:prstGeom>
+        </p:spPr>
+        <p:style>
+          <a:lnRef idx="1">
+            <a:schemeClr val="accent1"/>
+          </a:lnRef>
+          <a:fillRef idx="0">
+            <a:schemeClr val="accent1"/>
+          </a:fillRef>
+          <a:effectRef idx="0">
+            <a:schemeClr val="accent1"/>
+          </a:effectRef>
+          <a:fontRef idx="minor">
+            <a:schemeClr val="tx1"/>
+          </a:fontRef>
+        </p:style>
+      </p:cxnSp>
+      <p:cxnSp>
+        <p:nvCxnSpPr>
+          <p:cNvPr id="15" name="Straight Connector 14">
+            <a:extLst>
+              <a:ext uri="{FF2B5EF4-FFF2-40B4-BE49-F238E27FC236}">
+                <a16:creationId xmlns:a16="http://schemas.microsoft.com/office/drawing/2014/main" id="{0F9A1D4A-7D89-41AD-B5E0-4F8E91EE2AC4}"/>
+              </a:ext>
+            </a:extLst>
+          </p:cNvPr>
+          <p:cNvCxnSpPr>
+            <a:cxnSpLocks/>
+            <a:stCxn id="7" idx="0"/>
+            <a:endCxn id="4" idx="2"/>
+          </p:cNvCxnSpPr>
+          <p:nvPr/>
+        </p:nvCxnSpPr>
+        <p:spPr>
+          <a:xfrm flipH="1" flipV="1">
+            <a:off x="6905539" y="3846131"/>
+            <a:ext cx="16078" cy="533323"/>
+          </a:xfrm>
+          <a:prstGeom prst="line">
+            <a:avLst/>
+          </a:prstGeom>
+        </p:spPr>
+        <p:style>
+          <a:lnRef idx="1">
+            <a:schemeClr val="accent1"/>
+          </a:lnRef>
+          <a:fillRef idx="0">
+            <a:schemeClr val="accent1"/>
+          </a:fillRef>
+          <a:effectRef idx="0">
+            <a:schemeClr val="accent1"/>
+          </a:effectRef>
+          <a:fontRef idx="minor">
+            <a:schemeClr val="tx1"/>
+          </a:fontRef>
+        </p:style>
+      </p:cxnSp>
+      <p:cxnSp>
+        <p:nvCxnSpPr>
+          <p:cNvPr id="18" name="Straight Connector 17">
+            <a:extLst>
+              <a:ext uri="{FF2B5EF4-FFF2-40B4-BE49-F238E27FC236}">
+                <a16:creationId xmlns:a16="http://schemas.microsoft.com/office/drawing/2014/main" id="{431CE483-D9FB-47EE-8916-2D56E6117021}"/>
+              </a:ext>
+            </a:extLst>
+          </p:cNvPr>
+          <p:cNvCxnSpPr>
+            <a:cxnSpLocks/>
+            <a:stCxn id="8" idx="0"/>
+            <a:endCxn id="7" idx="2"/>
+          </p:cNvCxnSpPr>
+          <p:nvPr/>
+        </p:nvCxnSpPr>
+        <p:spPr>
+          <a:xfrm flipV="1">
+            <a:off x="6921617" y="4769227"/>
+            <a:ext cx="0" cy="328218"/>
+          </a:xfrm>
+          <a:prstGeom prst="line">
+            <a:avLst/>
+          </a:prstGeom>
+        </p:spPr>
+        <p:style>
+          <a:lnRef idx="1">
+            <a:schemeClr val="accent1"/>
+          </a:lnRef>
+          <a:fillRef idx="0">
+            <a:schemeClr val="accent1"/>
+          </a:fillRef>
+          <a:effectRef idx="0">
+            <a:schemeClr val="accent1"/>
+          </a:effectRef>
+          <a:fontRef idx="minor">
+            <a:schemeClr val="tx1"/>
+          </a:fontRef>
+        </p:style>
+      </p:cxnSp>
+      <p:cxnSp>
+        <p:nvCxnSpPr>
+          <p:cNvPr id="21" name="Straight Connector 20">
+            <a:extLst>
+              <a:ext uri="{FF2B5EF4-FFF2-40B4-BE49-F238E27FC236}">
+                <a16:creationId xmlns:a16="http://schemas.microsoft.com/office/drawing/2014/main" id="{10B4C6B9-8144-4788-B7CE-0AB403499508}"/>
+              </a:ext>
+            </a:extLst>
+          </p:cNvPr>
+          <p:cNvCxnSpPr>
+            <a:cxnSpLocks/>
+            <a:stCxn id="9" idx="0"/>
+            <a:endCxn id="5" idx="2"/>
+          </p:cNvCxnSpPr>
+          <p:nvPr/>
+        </p:nvCxnSpPr>
+        <p:spPr>
+          <a:xfrm flipV="1">
+            <a:off x="3197082" y="2110352"/>
+            <a:ext cx="2020869" cy="623531"/>
+          </a:xfrm>
+          <a:prstGeom prst="line">
+            <a:avLst/>
+          </a:prstGeom>
+        </p:spPr>
+        <p:style>
+          <a:lnRef idx="1">
+            <a:schemeClr val="accent1"/>
+          </a:lnRef>
+          <a:fillRef idx="0">
+            <a:schemeClr val="accent1"/>
+          </a:fillRef>
+          <a:effectRef idx="0">
+            <a:schemeClr val="accent1"/>
+          </a:effectRef>
+          <a:fontRef idx="minor">
+            <a:schemeClr val="tx1"/>
+          </a:fontRef>
+        </p:style>
+      </p:cxnSp>
+      <p:cxnSp>
+        <p:nvCxnSpPr>
+          <p:cNvPr id="24" name="Straight Connector 23">
+            <a:extLst>
+              <a:ext uri="{FF2B5EF4-FFF2-40B4-BE49-F238E27FC236}">
+                <a16:creationId xmlns:a16="http://schemas.microsoft.com/office/drawing/2014/main" id="{C064B7BD-9E88-47C3-B054-895D5D289738}"/>
+              </a:ext>
+            </a:extLst>
+          </p:cNvPr>
+          <p:cNvCxnSpPr>
+            <a:cxnSpLocks/>
+            <a:stCxn id="11" idx="0"/>
+            <a:endCxn id="9" idx="2"/>
+          </p:cNvCxnSpPr>
+          <p:nvPr/>
+        </p:nvCxnSpPr>
+        <p:spPr>
+          <a:xfrm flipH="1" flipV="1">
+            <a:off x="3197082" y="3103215"/>
+            <a:ext cx="1080781" cy="581703"/>
+          </a:xfrm>
+          <a:prstGeom prst="line">
+            <a:avLst/>
+          </a:prstGeom>
+        </p:spPr>
+        <p:style>
+          <a:lnRef idx="1">
+            <a:schemeClr val="accent1"/>
+          </a:lnRef>
+          <a:fillRef idx="0">
+            <a:schemeClr val="accent1"/>
+          </a:fillRef>
+          <a:effectRef idx="0">
+            <a:schemeClr val="accent1"/>
+          </a:effectRef>
+          <a:fontRef idx="minor">
+            <a:schemeClr val="tx1"/>
+          </a:fontRef>
+        </p:style>
+      </p:cxnSp>
+      <p:cxnSp>
+        <p:nvCxnSpPr>
+          <p:cNvPr id="27" name="Straight Connector 26">
+            <a:extLst>
+              <a:ext uri="{FF2B5EF4-FFF2-40B4-BE49-F238E27FC236}">
+                <a16:creationId xmlns:a16="http://schemas.microsoft.com/office/drawing/2014/main" id="{28D6298D-BF4E-4AB1-A666-335A8DC783F0}"/>
+              </a:ext>
+            </a:extLst>
+          </p:cNvPr>
+          <p:cNvCxnSpPr>
+            <a:cxnSpLocks/>
+            <a:stCxn id="10" idx="0"/>
+            <a:endCxn id="9" idx="2"/>
+          </p:cNvCxnSpPr>
+          <p:nvPr/>
+        </p:nvCxnSpPr>
+        <p:spPr>
+          <a:xfrm flipV="1">
+            <a:off x="1947123" y="3103215"/>
+            <a:ext cx="1249959" cy="581703"/>
+          </a:xfrm>
+          <a:prstGeom prst="line">
+            <a:avLst/>
+          </a:prstGeom>
+        </p:spPr>
+        <p:style>
+          <a:lnRef idx="1">
+            <a:schemeClr val="accent1"/>
+          </a:lnRef>
+          <a:fillRef idx="0">
+            <a:schemeClr val="accent1"/>
+          </a:fillRef>
+          <a:effectRef idx="0">
+            <a:schemeClr val="accent1"/>
+          </a:effectRef>
+          <a:fontRef idx="minor">
+            <a:schemeClr val="tx1"/>
+          </a:fontRef>
+        </p:style>
+      </p:cxnSp>
+      <p:sp>
+        <p:nvSpPr>
+          <p:cNvPr id="40" name="TextBox 39">
+            <a:extLst>
+              <a:ext uri="{FF2B5EF4-FFF2-40B4-BE49-F238E27FC236}">
+                <a16:creationId xmlns:a16="http://schemas.microsoft.com/office/drawing/2014/main" id="{7CD6919F-CC9E-4F8C-ABD0-1976C657D1EB}"/>
+              </a:ext>
+            </a:extLst>
+          </p:cNvPr>
+          <p:cNvSpPr txBox="1"/>
+          <p:nvPr/>
+        </p:nvSpPr>
+        <p:spPr>
+          <a:xfrm>
+            <a:off x="8588926" y="2589605"/>
+            <a:ext cx="1156970" cy="2862322"/>
+          </a:xfrm>
+          <a:prstGeom prst="rect">
+            <a:avLst/>
+          </a:prstGeom>
+          <a:noFill/>
+          <a:ln>
+            <a:solidFill>
+              <a:schemeClr val="tx1"/>
+            </a:solidFill>
+          </a:ln>
+        </p:spPr>
+        <p:txBody>
+          <a:bodyPr wrap="square" rtlCol="0">
+            <a:spAutoFit/>
+          </a:bodyPr>
+          <a:lstStyle/>
+          <a:p>
+            <a:pPr algn="ctr"/>
+            <a:r>
+              <a:rPr lang="en-US" dirty="0"/>
+              <a:t>Info Panel</a:t>
+            </a:r>
+          </a:p>
+          <a:p>
+            <a:pPr algn="ctr"/>
+            <a:r>
+              <a:rPr lang="en-US" dirty="0"/>
+              <a:t>.</a:t>
+            </a:r>
+          </a:p>
+          <a:p>
+            <a:pPr algn="ctr"/>
+            <a:r>
+              <a:rPr lang="en-US" dirty="0"/>
+              <a:t>.</a:t>
+            </a:r>
+          </a:p>
+          <a:p>
+            <a:pPr algn="ctr"/>
+            <a:r>
+              <a:rPr lang="en-US" dirty="0"/>
+              <a:t>.</a:t>
+            </a:r>
+          </a:p>
+          <a:p>
+            <a:pPr algn="ctr"/>
+            <a:r>
+              <a:rPr lang="en-US" dirty="0"/>
+              <a:t>.</a:t>
+            </a:r>
+          </a:p>
+          <a:p>
+            <a:pPr algn="ctr"/>
+            <a:r>
+              <a:rPr lang="en-US" dirty="0"/>
+              <a:t>.</a:t>
+            </a:r>
+          </a:p>
+          <a:p>
+            <a:pPr algn="ctr"/>
+            <a:r>
+              <a:rPr lang="en-US" dirty="0"/>
+              <a:t>.</a:t>
+            </a:r>
+          </a:p>
+          <a:p>
+            <a:pPr algn="ctr"/>
+            <a:r>
+              <a:rPr lang="en-US" dirty="0"/>
+              <a:t>.</a:t>
+            </a:r>
+          </a:p>
+          <a:p>
+            <a:pPr algn="ctr"/>
+            <a:r>
+              <a:rPr lang="en-US" dirty="0"/>
+              <a:t>.</a:t>
+            </a:r>
+          </a:p>
+          <a:p>
+            <a:pPr algn="ctr"/>
+            <a:r>
+              <a:rPr lang="en-US" dirty="0"/>
+              <a:t>.</a:t>
+            </a:r>
+          </a:p>
+        </p:txBody>
+      </p:sp>
+      <p:sp>
+        <p:nvSpPr>
+          <p:cNvPr id="41" name="TextBox 40">
+            <a:extLst>
+              <a:ext uri="{FF2B5EF4-FFF2-40B4-BE49-F238E27FC236}">
+                <a16:creationId xmlns:a16="http://schemas.microsoft.com/office/drawing/2014/main" id="{9498F8C1-9E26-4E74-808C-0DE12D2A9133}"/>
+              </a:ext>
+            </a:extLst>
+          </p:cNvPr>
+          <p:cNvSpPr txBox="1"/>
+          <p:nvPr/>
+        </p:nvSpPr>
+        <p:spPr>
+          <a:xfrm>
+            <a:off x="5947793" y="2643676"/>
+            <a:ext cx="1911291" cy="369332"/>
+          </a:xfrm>
+          <a:prstGeom prst="rect">
+            <a:avLst/>
+          </a:prstGeom>
+          <a:noFill/>
+          <a:ln>
+            <a:solidFill>
+              <a:schemeClr val="tx1"/>
+            </a:solidFill>
+          </a:ln>
+        </p:spPr>
+        <p:txBody>
+          <a:bodyPr wrap="square" rtlCol="0">
+            <a:spAutoFit/>
+          </a:bodyPr>
+          <a:lstStyle/>
+          <a:p>
+            <a:pPr algn="ctr"/>
+            <a:r>
+              <a:rPr lang="en-US" dirty="0"/>
+              <a:t>Home</a:t>
+            </a:r>
+          </a:p>
+        </p:txBody>
+      </p:sp>
+      <p:cxnSp>
+        <p:nvCxnSpPr>
+          <p:cNvPr id="43" name="Straight Connector 42">
+            <a:extLst>
+              <a:ext uri="{FF2B5EF4-FFF2-40B4-BE49-F238E27FC236}">
+                <a16:creationId xmlns:a16="http://schemas.microsoft.com/office/drawing/2014/main" id="{F2F9CABA-7E97-4E2F-A454-C8F31158D1A8}"/>
+              </a:ext>
+            </a:extLst>
+          </p:cNvPr>
+          <p:cNvCxnSpPr>
+            <a:cxnSpLocks/>
+            <a:stCxn id="4" idx="0"/>
+            <a:endCxn id="41" idx="2"/>
+          </p:cNvCxnSpPr>
+          <p:nvPr/>
+        </p:nvCxnSpPr>
+        <p:spPr>
+          <a:xfrm flipH="1" flipV="1">
+            <a:off x="6903439" y="3013008"/>
+            <a:ext cx="2100" cy="463791"/>
+          </a:xfrm>
+          <a:prstGeom prst="line">
+            <a:avLst/>
+          </a:prstGeom>
+        </p:spPr>
+        <p:style>
+          <a:lnRef idx="1">
+            <a:schemeClr val="accent1"/>
+          </a:lnRef>
+          <a:fillRef idx="0">
+            <a:schemeClr val="accent1"/>
+          </a:fillRef>
+          <a:effectRef idx="0">
+            <a:schemeClr val="accent1"/>
+          </a:effectRef>
+          <a:fontRef idx="minor">
+            <a:schemeClr val="tx1"/>
+          </a:fontRef>
+        </p:style>
+      </p:cxnSp>
+      <p:sp>
+        <p:nvSpPr>
+          <p:cNvPr id="30" name="TextBox 29">
+            <a:extLst>
+              <a:ext uri="{FF2B5EF4-FFF2-40B4-BE49-F238E27FC236}">
+                <a16:creationId xmlns:a16="http://schemas.microsoft.com/office/drawing/2014/main" id="{0F5F5835-857C-499B-B599-DD773A7BE13F}"/>
+              </a:ext>
+            </a:extLst>
+          </p:cNvPr>
+          <p:cNvSpPr txBox="1"/>
+          <p:nvPr/>
+        </p:nvSpPr>
+        <p:spPr>
+          <a:xfrm>
+            <a:off x="7667537" y="4369118"/>
+            <a:ext cx="711664" cy="246221"/>
+          </a:xfrm>
+          <a:prstGeom prst="rect">
+            <a:avLst/>
+          </a:prstGeom>
+          <a:noFill/>
+          <a:ln>
+            <a:solidFill>
+              <a:schemeClr val="tx1"/>
+            </a:solidFill>
+          </a:ln>
+        </p:spPr>
+        <p:txBody>
+          <a:bodyPr wrap="square" rtlCol="0">
+            <a:spAutoFit/>
+          </a:bodyPr>
+          <a:lstStyle/>
+          <a:p>
+            <a:pPr algn="ctr"/>
+            <a:r>
+              <a:rPr lang="en-US" sz="1000" dirty="0"/>
+              <a:t>Popup</a:t>
+            </a:r>
+          </a:p>
+        </p:txBody>
+      </p:sp>
+    </p:spTree>
+    <p:extLst>
+      <p:ext uri="{BB962C8B-B14F-4D97-AF65-F5344CB8AC3E}">
+        <p14:creationId xmlns:p14="http://schemas.microsoft.com/office/powerpoint/2010/main" val="2402506783"/>
+      </p:ext>
+    </p:extLst>
+  </p:cSld>
+  <p:clrMapOvr>
+    <a:masterClrMapping/>
+  </p:clrMapOvr>
+</p:sld>
+</file>
+
+<file path=ppt/slides/slide17.xml><?xml version="1.0" encoding="utf-8"?>
+<p:sld xmlns:a="http://schemas.openxmlformats.org/drawingml/2006/main" xmlns:r="http://schemas.openxmlformats.org/officeDocument/2006/relationships" xmlns:p="http://schemas.openxmlformats.org/presentationml/2006/main">
+  <p:cSld>
+    <p:spTree>
+      <p:nvGrpSpPr>
+        <p:cNvPr id="1" name=""/>
+        <p:cNvGrpSpPr/>
+        <p:nvPr/>
+      </p:nvGrpSpPr>
+      <p:grpSpPr>
+        <a:xfrm>
+          <a:off x="0" y="0"/>
+          <a:ext cx="0" cy="0"/>
+          <a:chOff x="0" y="0"/>
+          <a:chExt cx="0" cy="0"/>
+        </a:xfrm>
+      </p:grpSpPr>
+      <p:sp>
+        <p:nvSpPr>
+          <p:cNvPr id="2" name="Title 1">
+            <a:extLst>
+              <a:ext uri="{FF2B5EF4-FFF2-40B4-BE49-F238E27FC236}">
                 <a16:creationId xmlns:a16="http://schemas.microsoft.com/office/drawing/2014/main" id="{B3A7D6CB-691C-464E-A917-0E859492EA88}"/>
               </a:ext>
             </a:extLst>
@@ -5635,7 +5829,7 @@
 </p:sld>
 </file>
 
-<file path=ppt/slides/slide17.xml><?xml version="1.0" encoding="utf-8"?>
+<file path=ppt/slides/slide18.xml><?xml version="1.0" encoding="utf-8"?>
 <p:sld xmlns:a="http://schemas.openxmlformats.org/drawingml/2006/main" xmlns:r="http://schemas.openxmlformats.org/officeDocument/2006/relationships" xmlns:p="http://schemas.openxmlformats.org/presentationml/2006/main">
   <p:cSld>
     <p:spTree>
@@ -5723,89 +5917,6 @@
 </p:sld>
 </file>
 
-<file path=ppt/slides/slide18.xml><?xml version="1.0" encoding="utf-8"?>
-<p:sld xmlns:a="http://schemas.openxmlformats.org/drawingml/2006/main" xmlns:r="http://schemas.openxmlformats.org/officeDocument/2006/relationships" xmlns:p="http://schemas.openxmlformats.org/presentationml/2006/main">
-  <p:cSld>
-    <p:spTree>
-      <p:nvGrpSpPr>
-        <p:cNvPr id="1" name=""/>
-        <p:cNvGrpSpPr/>
-        <p:nvPr/>
-      </p:nvGrpSpPr>
-      <p:grpSpPr>
-        <a:xfrm>
-          <a:off x="0" y="0"/>
-          <a:ext cx="0" cy="0"/>
-          <a:chOff x="0" y="0"/>
-          <a:chExt cx="0" cy="0"/>
-        </a:xfrm>
-      </p:grpSpPr>
-      <p:sp>
-        <p:nvSpPr>
-          <p:cNvPr id="2" name="Title 1">
-            <a:extLst>
-              <a:ext uri="{FF2B5EF4-FFF2-40B4-BE49-F238E27FC236}">
-                <a16:creationId xmlns:a16="http://schemas.microsoft.com/office/drawing/2014/main" id="{7FC1D40A-98BF-4CBE-A35A-F1D122BEA5E6}"/>
-              </a:ext>
-            </a:extLst>
-          </p:cNvPr>
-          <p:cNvSpPr>
-            <a:spLocks noGrp="1"/>
-          </p:cNvSpPr>
-          <p:nvPr>
-            <p:ph type="title"/>
-          </p:nvPr>
-        </p:nvSpPr>
-        <p:spPr/>
-        <p:txBody>
-          <a:bodyPr/>
-          <a:lstStyle/>
-          <a:p>
-            <a:r>
-              <a:rPr lang="en-US" dirty="0"/>
-              <a:t>Development...</a:t>
-            </a:r>
-          </a:p>
-        </p:txBody>
-      </p:sp>
-      <p:sp>
-        <p:nvSpPr>
-          <p:cNvPr id="3" name="Content Placeholder 2">
-            <a:extLst>
-              <a:ext uri="{FF2B5EF4-FFF2-40B4-BE49-F238E27FC236}">
-                <a16:creationId xmlns:a16="http://schemas.microsoft.com/office/drawing/2014/main" id="{2D523DCF-C694-46AC-B406-E58354147EA9}"/>
-              </a:ext>
-            </a:extLst>
-          </p:cNvPr>
-          <p:cNvSpPr>
-            <a:spLocks noGrp="1"/>
-          </p:cNvSpPr>
-          <p:nvPr>
-            <p:ph idx="1"/>
-          </p:nvPr>
-        </p:nvSpPr>
-        <p:spPr/>
-        <p:txBody>
-          <a:bodyPr/>
-          <a:lstStyle/>
-          <a:p>
-            <a:endParaRPr lang="en-US" dirty="0"/>
-          </a:p>
-        </p:txBody>
-      </p:sp>
-    </p:spTree>
-    <p:extLst>
-      <p:ext uri="{BB962C8B-B14F-4D97-AF65-F5344CB8AC3E}">
-        <p14:creationId xmlns:p14="http://schemas.microsoft.com/office/powerpoint/2010/main" val="3173424278"/>
-      </p:ext>
-    </p:extLst>
-  </p:cSld>
-  <p:clrMapOvr>
-    <a:masterClrMapping/>
-  </p:clrMapOvr>
-</p:sld>
-</file>
-
 <file path=ppt/slides/slide19.xml><?xml version="1.0" encoding="utf-8"?>
 <p:sld xmlns:a="http://schemas.openxmlformats.org/drawingml/2006/main" xmlns:r="http://schemas.openxmlformats.org/officeDocument/2006/relationships" xmlns:p="http://schemas.openxmlformats.org/presentationml/2006/main">
   <p:cSld>
@@ -5828,7 +5939,7 @@
           <p:cNvPr id="2" name="Title 1">
             <a:extLst>
               <a:ext uri="{FF2B5EF4-FFF2-40B4-BE49-F238E27FC236}">
-                <a16:creationId xmlns:a16="http://schemas.microsoft.com/office/drawing/2014/main" id="{7F7B68DA-473D-4B51-A38B-93A06DFF7DD5}"/>
+                <a16:creationId xmlns:a16="http://schemas.microsoft.com/office/drawing/2014/main" id="{7FC1D40A-98BF-4CBE-A35A-F1D122BEA5E6}"/>
               </a:ext>
             </a:extLst>
           </p:cNvPr>
@@ -5846,7 +5957,7 @@
           <a:p>
             <a:r>
               <a:rPr lang="en-US" dirty="0"/>
-              <a:t>Go Live!</a:t>
+              <a:t>Development...</a:t>
             </a:r>
           </a:p>
         </p:txBody>
@@ -5856,7 +5967,7 @@
           <p:cNvPr id="3" name="Content Placeholder 2">
             <a:extLst>
               <a:ext uri="{FF2B5EF4-FFF2-40B4-BE49-F238E27FC236}">
-                <a16:creationId xmlns:a16="http://schemas.microsoft.com/office/drawing/2014/main" id="{ACEB8B8B-6AA0-481C-A325-CA7EA058CF39}"/>
+                <a16:creationId xmlns:a16="http://schemas.microsoft.com/office/drawing/2014/main" id="{2D523DCF-C694-46AC-B406-E58354147EA9}"/>
               </a:ext>
             </a:extLst>
           </p:cNvPr>
@@ -5872,17 +5983,14 @@
           <a:bodyPr/>
           <a:lstStyle/>
           <a:p>
-            <a:r>
-              <a:rPr lang="en-US" dirty="0"/>
-              <a:t>&lt;link to URL&gt;</a:t>
-            </a:r>
+            <a:endParaRPr lang="en-US" dirty="0"/>
           </a:p>
         </p:txBody>
       </p:sp>
     </p:spTree>
     <p:extLst>
       <p:ext uri="{BB962C8B-B14F-4D97-AF65-F5344CB8AC3E}">
-        <p14:creationId xmlns:p14="http://schemas.microsoft.com/office/powerpoint/2010/main" val="3008425161"/>
+        <p14:creationId xmlns:p14="http://schemas.microsoft.com/office/powerpoint/2010/main" val="3173424278"/>
       </p:ext>
     </p:extLst>
   </p:cSld>
@@ -5956,7 +6064,7 @@
         <p:spPr/>
         <p:txBody>
           <a:bodyPr>
-            <a:normAutofit fontScale="92500" lnSpcReduction="20000"/>
+            <a:normAutofit fontScale="85000" lnSpcReduction="20000"/>
           </a:bodyPr>
           <a:lstStyle/>
           <a:p>
@@ -6035,6 +6143,13 @@
             <a:r>
               <a:rPr lang="en-US" dirty="0"/>
               <a:t>Wireframes</a:t>
+            </a:r>
+          </a:p>
+          <a:p>
+            <a:pPr lvl="1"/>
+            <a:r>
+              <a:rPr lang="en-US" dirty="0"/>
+              <a:t>Priority Content</a:t>
             </a:r>
           </a:p>
           <a:p>
@@ -6095,7 +6210,7 @@
           <p:cNvPr id="2" name="Title 1">
             <a:extLst>
               <a:ext uri="{FF2B5EF4-FFF2-40B4-BE49-F238E27FC236}">
-                <a16:creationId xmlns:a16="http://schemas.microsoft.com/office/drawing/2014/main" id="{10B8E23F-5094-466C-A3B1-1F64FD237EA5}"/>
+                <a16:creationId xmlns:a16="http://schemas.microsoft.com/office/drawing/2014/main" id="{7F7B68DA-473D-4B51-A38B-93A06DFF7DD5}"/>
               </a:ext>
             </a:extLst>
           </p:cNvPr>
@@ -6113,7 +6228,7 @@
           <a:p>
             <a:r>
               <a:rPr lang="en-US" dirty="0"/>
-              <a:t>Level of Effort and Takeaways</a:t>
+              <a:t>Go Live!</a:t>
             </a:r>
           </a:p>
         </p:txBody>
@@ -6123,7 +6238,7 @@
           <p:cNvPr id="3" name="Content Placeholder 2">
             <a:extLst>
               <a:ext uri="{FF2B5EF4-FFF2-40B4-BE49-F238E27FC236}">
-                <a16:creationId xmlns:a16="http://schemas.microsoft.com/office/drawing/2014/main" id="{00EB0048-9365-49CB-978F-C6FB3053D5D3}"/>
+                <a16:creationId xmlns:a16="http://schemas.microsoft.com/office/drawing/2014/main" id="{ACEB8B8B-6AA0-481C-A325-CA7EA058CF39}"/>
               </a:ext>
             </a:extLst>
           </p:cNvPr>
@@ -6136,32 +6251,12 @@
         </p:nvSpPr>
         <p:spPr/>
         <p:txBody>
-          <a:bodyPr>
-            <a:normAutofit/>
-          </a:bodyPr>
+          <a:bodyPr/>
           <a:lstStyle/>
           <a:p>
             <a:r>
               <a:rPr lang="en-US" dirty="0"/>
-              <a:t>A full featured Web App (admin, login, database, forms, Python/ML backend)</a:t>
-            </a:r>
-          </a:p>
-          <a:p>
-            <a:r>
-              <a:rPr lang="en-US" dirty="0"/>
-              <a:t>6-8 days deploy with learning curve</a:t>
-            </a:r>
-          </a:p>
-          <a:p>
-            <a:r>
-              <a:rPr lang="en-US" dirty="0"/>
-              <a:t>Less complicated than Tic-tac-toe, but my own work.</a:t>
-            </a:r>
-          </a:p>
-          <a:p>
-            <a:r>
-              <a:rPr lang="en-US" dirty="0"/>
-              <a:t>Wireframe and personas super important because...</a:t>
+              <a:t>&lt;link to URL&gt;</a:t>
             </a:r>
           </a:p>
         </p:txBody>
@@ -6169,7 +6264,7 @@
     </p:spTree>
     <p:extLst>
       <p:ext uri="{BB962C8B-B14F-4D97-AF65-F5344CB8AC3E}">
-        <p14:creationId xmlns:p14="http://schemas.microsoft.com/office/powerpoint/2010/main" val="3978747642"/>
+        <p14:creationId xmlns:p14="http://schemas.microsoft.com/office/powerpoint/2010/main" val="3008425161"/>
       </p:ext>
     </p:extLst>
   </p:cSld>
@@ -6219,6 +6314,112 @@
           <a:p>
             <a:r>
               <a:rPr lang="en-US" dirty="0"/>
+              <a:t>Level of Effort and Takeaways</a:t>
+            </a:r>
+          </a:p>
+        </p:txBody>
+      </p:sp>
+      <p:sp>
+        <p:nvSpPr>
+          <p:cNvPr id="3" name="Content Placeholder 2">
+            <a:extLst>
+              <a:ext uri="{FF2B5EF4-FFF2-40B4-BE49-F238E27FC236}">
+                <a16:creationId xmlns:a16="http://schemas.microsoft.com/office/drawing/2014/main" id="{00EB0048-9365-49CB-978F-C6FB3053D5D3}"/>
+              </a:ext>
+            </a:extLst>
+          </p:cNvPr>
+          <p:cNvSpPr>
+            <a:spLocks noGrp="1"/>
+          </p:cNvSpPr>
+          <p:nvPr>
+            <p:ph idx="1"/>
+          </p:nvPr>
+        </p:nvSpPr>
+        <p:spPr/>
+        <p:txBody>
+          <a:bodyPr>
+            <a:normAutofit/>
+          </a:bodyPr>
+          <a:lstStyle/>
+          <a:p>
+            <a:r>
+              <a:rPr lang="en-US" dirty="0"/>
+              <a:t>A full featured Web App (admin, login, database, forms, Python/ML backend)</a:t>
+            </a:r>
+          </a:p>
+          <a:p>
+            <a:r>
+              <a:rPr lang="en-US" dirty="0"/>
+              <a:t>6-8 days deploy with learning curve</a:t>
+            </a:r>
+          </a:p>
+          <a:p>
+            <a:r>
+              <a:rPr lang="en-US" dirty="0"/>
+              <a:t>Less complicated than Tic-tac-toe, but my own work.</a:t>
+            </a:r>
+          </a:p>
+          <a:p>
+            <a:r>
+              <a:rPr lang="en-US" dirty="0"/>
+              <a:t>Wireframe and personas super important because...</a:t>
+            </a:r>
+          </a:p>
+        </p:txBody>
+      </p:sp>
+    </p:spTree>
+    <p:extLst>
+      <p:ext uri="{BB962C8B-B14F-4D97-AF65-F5344CB8AC3E}">
+        <p14:creationId xmlns:p14="http://schemas.microsoft.com/office/powerpoint/2010/main" val="3978747642"/>
+      </p:ext>
+    </p:extLst>
+  </p:cSld>
+  <p:clrMapOvr>
+    <a:masterClrMapping/>
+  </p:clrMapOvr>
+</p:sld>
+</file>
+
+<file path=ppt/slides/slide22.xml><?xml version="1.0" encoding="utf-8"?>
+<p:sld xmlns:a="http://schemas.openxmlformats.org/drawingml/2006/main" xmlns:r="http://schemas.openxmlformats.org/officeDocument/2006/relationships" xmlns:p="http://schemas.openxmlformats.org/presentationml/2006/main">
+  <p:cSld>
+    <p:spTree>
+      <p:nvGrpSpPr>
+        <p:cNvPr id="1" name=""/>
+        <p:cNvGrpSpPr/>
+        <p:nvPr/>
+      </p:nvGrpSpPr>
+      <p:grpSpPr>
+        <a:xfrm>
+          <a:off x="0" y="0"/>
+          <a:ext cx="0" cy="0"/>
+          <a:chOff x="0" y="0"/>
+          <a:chExt cx="0" cy="0"/>
+        </a:xfrm>
+      </p:grpSpPr>
+      <p:sp>
+        <p:nvSpPr>
+          <p:cNvPr id="2" name="Title 1">
+            <a:extLst>
+              <a:ext uri="{FF2B5EF4-FFF2-40B4-BE49-F238E27FC236}">
+                <a16:creationId xmlns:a16="http://schemas.microsoft.com/office/drawing/2014/main" id="{10B8E23F-5094-466C-A3B1-1F64FD237EA5}"/>
+              </a:ext>
+            </a:extLst>
+          </p:cNvPr>
+          <p:cNvSpPr>
+            <a:spLocks noGrp="1"/>
+          </p:cNvSpPr>
+          <p:nvPr>
+            <p:ph type="title"/>
+          </p:nvPr>
+        </p:nvSpPr>
+        <p:spPr/>
+        <p:txBody>
+          <a:bodyPr/>
+          <a:lstStyle/>
+          <a:p>
+            <a:r>
+              <a:rPr lang="en-US" dirty="0"/>
               <a:t>References</a:t>
             </a:r>
           </a:p>
@@ -6476,7 +6677,7 @@
 </p:sld>
 </file>
 
-<file path=ppt/slides/slide22.xml><?xml version="1.0" encoding="utf-8"?>
+<file path=ppt/slides/slide23.xml><?xml version="1.0" encoding="utf-8"?>
 <p:sld xmlns:a="http://schemas.openxmlformats.org/drawingml/2006/main" xmlns:r="http://schemas.openxmlformats.org/officeDocument/2006/relationships" xmlns:p="http://schemas.openxmlformats.org/presentationml/2006/main">
   <p:cSld>
     <p:spTree>

--- a/presentation.pptx
+++ b/presentation.pptx
@@ -24,10 +24,11 @@
     <p:sldId id="266" r:id="rId18"/>
     <p:sldId id="277" r:id="rId19"/>
     <p:sldId id="279" r:id="rId20"/>
-    <p:sldId id="268" r:id="rId21"/>
-    <p:sldId id="274" r:id="rId22"/>
-    <p:sldId id="280" r:id="rId23"/>
-    <p:sldId id="267" r:id="rId24"/>
+    <p:sldId id="282" r:id="rId21"/>
+    <p:sldId id="268" r:id="rId22"/>
+    <p:sldId id="274" r:id="rId23"/>
+    <p:sldId id="280" r:id="rId24"/>
+    <p:sldId id="267" r:id="rId25"/>
   </p:sldIdLst>
   <p:sldSz cx="12192000" cy="6858000"/>
   <p:notesSz cx="6858000" cy="9144000"/>
@@ -281,7 +282,7 @@
           <a:p>
             <a:fld id="{90B9546A-7969-4B1B-92AE-0EBC43C27576}" type="datetimeFigureOut">
               <a:rPr lang="en-US" smtClean="0"/>
-              <a:t>4/3/2020</a:t>
+              <a:t>4/24/2020</a:t>
             </a:fld>
             <a:endParaRPr lang="en-US"/>
           </a:p>
@@ -479,7 +480,7 @@
           <a:p>
             <a:fld id="{90B9546A-7969-4B1B-92AE-0EBC43C27576}" type="datetimeFigureOut">
               <a:rPr lang="en-US" smtClean="0"/>
-              <a:t>4/3/2020</a:t>
+              <a:t>4/24/2020</a:t>
             </a:fld>
             <a:endParaRPr lang="en-US"/>
           </a:p>
@@ -687,7 +688,7 @@
           <a:p>
             <a:fld id="{90B9546A-7969-4B1B-92AE-0EBC43C27576}" type="datetimeFigureOut">
               <a:rPr lang="en-US" smtClean="0"/>
-              <a:t>4/3/2020</a:t>
+              <a:t>4/24/2020</a:t>
             </a:fld>
             <a:endParaRPr lang="en-US"/>
           </a:p>
@@ -885,7 +886,7 @@
           <a:p>
             <a:fld id="{90B9546A-7969-4B1B-92AE-0EBC43C27576}" type="datetimeFigureOut">
               <a:rPr lang="en-US" smtClean="0"/>
-              <a:t>4/3/2020</a:t>
+              <a:t>4/24/2020</a:t>
             </a:fld>
             <a:endParaRPr lang="en-US"/>
           </a:p>
@@ -1160,7 +1161,7 @@
           <a:p>
             <a:fld id="{90B9546A-7969-4B1B-92AE-0EBC43C27576}" type="datetimeFigureOut">
               <a:rPr lang="en-US" smtClean="0"/>
-              <a:t>4/3/2020</a:t>
+              <a:t>4/24/2020</a:t>
             </a:fld>
             <a:endParaRPr lang="en-US"/>
           </a:p>
@@ -1425,7 +1426,7 @@
           <a:p>
             <a:fld id="{90B9546A-7969-4B1B-92AE-0EBC43C27576}" type="datetimeFigureOut">
               <a:rPr lang="en-US" smtClean="0"/>
-              <a:t>4/3/2020</a:t>
+              <a:t>4/24/2020</a:t>
             </a:fld>
             <a:endParaRPr lang="en-US"/>
           </a:p>
@@ -1837,7 +1838,7 @@
           <a:p>
             <a:fld id="{90B9546A-7969-4B1B-92AE-0EBC43C27576}" type="datetimeFigureOut">
               <a:rPr lang="en-US" smtClean="0"/>
-              <a:t>4/3/2020</a:t>
+              <a:t>4/24/2020</a:t>
             </a:fld>
             <a:endParaRPr lang="en-US"/>
           </a:p>
@@ -1978,7 +1979,7 @@
           <a:p>
             <a:fld id="{90B9546A-7969-4B1B-92AE-0EBC43C27576}" type="datetimeFigureOut">
               <a:rPr lang="en-US" smtClean="0"/>
-              <a:t>4/3/2020</a:t>
+              <a:t>4/24/2020</a:t>
             </a:fld>
             <a:endParaRPr lang="en-US"/>
           </a:p>
@@ -2091,7 +2092,7 @@
           <a:p>
             <a:fld id="{90B9546A-7969-4B1B-92AE-0EBC43C27576}" type="datetimeFigureOut">
               <a:rPr lang="en-US" smtClean="0"/>
-              <a:t>4/3/2020</a:t>
+              <a:t>4/24/2020</a:t>
             </a:fld>
             <a:endParaRPr lang="en-US"/>
           </a:p>
@@ -2402,7 +2403,7 @@
           <a:p>
             <a:fld id="{90B9546A-7969-4B1B-92AE-0EBC43C27576}" type="datetimeFigureOut">
               <a:rPr lang="en-US" smtClean="0"/>
-              <a:t>4/3/2020</a:t>
+              <a:t>4/24/2020</a:t>
             </a:fld>
             <a:endParaRPr lang="en-US"/>
           </a:p>
@@ -2690,7 +2691,7 @@
           <a:p>
             <a:fld id="{90B9546A-7969-4B1B-92AE-0EBC43C27576}" type="datetimeFigureOut">
               <a:rPr lang="en-US" smtClean="0"/>
-              <a:t>4/3/2020</a:t>
+              <a:t>4/24/2020</a:t>
             </a:fld>
             <a:endParaRPr lang="en-US"/>
           </a:p>
@@ -2931,7 +2932,7 @@
           <a:p>
             <a:fld id="{90B9546A-7969-4B1B-92AE-0EBC43C27576}" type="datetimeFigureOut">
               <a:rPr lang="en-US" smtClean="0"/>
-              <a:t>4/3/2020</a:t>
+              <a:t>4/24/2020</a:t>
             </a:fld>
             <a:endParaRPr lang="en-US"/>
           </a:p>
@@ -4657,13 +4658,19 @@
             </a:pPr>
             <a:r>
               <a:rPr lang="en-US" sz="1600" dirty="0"/>
-              <a:t>Professional Contacts / Network</a:t>
+              <a:t>Recruiters:</a:t>
             </a:r>
           </a:p>
           <a:p>
             <a:r>
               <a:rPr lang="en-US" sz="1600" dirty="0"/>
-              <a:t>Elevator pitch</a:t>
+              <a:t>“Can I place him?”</a:t>
+            </a:r>
+          </a:p>
+          <a:p>
+            <a:r>
+              <a:rPr lang="en-US" sz="1600" dirty="0"/>
+              <a:t>“What does he do?”</a:t>
             </a:r>
           </a:p>
           <a:p>
@@ -4672,19 +4679,13 @@
             </a:pPr>
             <a:r>
               <a:rPr lang="en-US" sz="1600" dirty="0"/>
-              <a:t>Recruiters:</a:t>
+              <a:t>Professional Contacts / Network</a:t>
             </a:r>
           </a:p>
           <a:p>
             <a:r>
               <a:rPr lang="en-US" sz="1600" dirty="0"/>
-              <a:t>“Can I place him?”</a:t>
-            </a:r>
-          </a:p>
-          <a:p>
-            <a:r>
-              <a:rPr lang="en-US" sz="1600" dirty="0"/>
-              <a:t>“What does he do?”</a:t>
+              <a:t>Elevator pitch</a:t>
             </a:r>
           </a:p>
           <a:p>
@@ -4851,11 +4852,11 @@
             </a:r>
             <a:r>
               <a:rPr lang="en-US" dirty="0"/>
-              <a:t> approach summary and other approaches used.  Reference my other </a:t>
+              <a:t> approach summary and other approaches used.  Reference/link to my other </a:t>
             </a:r>
             <a:r>
               <a:rPr lang="en-US" dirty="0" err="1"/>
-              <a:t>slideset</a:t>
+              <a:t>slidesets</a:t>
             </a:r>
             <a:r>
               <a:rPr lang="en-US" dirty="0"/>
@@ -6064,7 +6065,7 @@
         <p:spPr/>
         <p:txBody>
           <a:bodyPr>
-            <a:normAutofit fontScale="85000" lnSpcReduction="20000"/>
+            <a:normAutofit fontScale="70000" lnSpcReduction="20000"/>
           </a:bodyPr>
           <a:lstStyle/>
           <a:p>
@@ -6121,7 +6122,7 @@
           <a:p>
             <a:r>
               <a:rPr lang="en-US" dirty="0"/>
-              <a:t>“Star Chaser”</a:t>
+              <a:t>“Star Chaser” Web Application</a:t>
             </a:r>
           </a:p>
           <a:p>
@@ -6157,6 +6158,13 @@
             <a:r>
               <a:rPr lang="en-US" dirty="0"/>
               <a:t>Code (Django, Postgres, TensorFlow, Kaggle)</a:t>
+            </a:r>
+          </a:p>
+          <a:p>
+            <a:pPr algn="just"/>
+            <a:r>
+              <a:rPr lang="en-US" dirty="0"/>
+              <a:t>AWS EB (Elastic Beanstalk) Deploy</a:t>
             </a:r>
           </a:p>
           <a:p>
@@ -6210,7 +6218,7 @@
           <p:cNvPr id="2" name="Title 1">
             <a:extLst>
               <a:ext uri="{FF2B5EF4-FFF2-40B4-BE49-F238E27FC236}">
-                <a16:creationId xmlns:a16="http://schemas.microsoft.com/office/drawing/2014/main" id="{7F7B68DA-473D-4B51-A38B-93A06DFF7DD5}"/>
+                <a16:creationId xmlns:a16="http://schemas.microsoft.com/office/drawing/2014/main" id="{81976E80-F021-4D53-88FC-5FCAF1B3A885}"/>
               </a:ext>
             </a:extLst>
           </p:cNvPr>
@@ -6228,7 +6236,7 @@
           <a:p>
             <a:r>
               <a:rPr lang="en-US" dirty="0"/>
-              <a:t>Go Live!</a:t>
+              <a:t>AWS EB (Elastic Beanstalk)</a:t>
             </a:r>
           </a:p>
         </p:txBody>
@@ -6238,7 +6246,7 @@
           <p:cNvPr id="3" name="Content Placeholder 2">
             <a:extLst>
               <a:ext uri="{FF2B5EF4-FFF2-40B4-BE49-F238E27FC236}">
-                <a16:creationId xmlns:a16="http://schemas.microsoft.com/office/drawing/2014/main" id="{ACEB8B8B-6AA0-481C-A325-CA7EA058CF39}"/>
+                <a16:creationId xmlns:a16="http://schemas.microsoft.com/office/drawing/2014/main" id="{4AFECD66-B096-447E-83DD-6B0479CB19EB}"/>
               </a:ext>
             </a:extLst>
           </p:cNvPr>
@@ -6249,22 +6257,94 @@
             <p:ph idx="1"/>
           </p:nvPr>
         </p:nvSpPr>
-        <p:spPr/>
+        <p:spPr>
+          <a:xfrm>
+            <a:off x="838200" y="1696844"/>
+            <a:ext cx="6243735" cy="4351338"/>
+          </a:xfrm>
+        </p:spPr>
         <p:txBody>
           <a:bodyPr/>
           <a:lstStyle/>
           <a:p>
             <a:r>
               <a:rPr lang="en-US" dirty="0"/>
-              <a:t>&lt;link to URL&gt;</a:t>
-            </a:r>
-          </a:p>
-        </p:txBody>
-      </p:sp>
+              <a:t>EB = EC2 + RDS + S3</a:t>
+            </a:r>
+          </a:p>
+          <a:p>
+            <a:r>
+              <a:rPr lang="en-US" dirty="0"/>
+              <a:t>Scales with demand</a:t>
+            </a:r>
+          </a:p>
+          <a:p>
+            <a:r>
+              <a:rPr lang="en-US" dirty="0"/>
+              <a:t>Follow instructions from </a:t>
+            </a:r>
+            <a:r>
+              <a:rPr lang="en-US" sz="1200" dirty="0">
+                <a:hlinkClick r:id="rId2"/>
+              </a:rPr>
+              <a:t>https://realpython.com/deploying-a-django-app-and-postgresql-to-aws-elastic-beanstalk/</a:t>
+            </a:r>
+            <a:endParaRPr lang="en-US" sz="1200" dirty="0"/>
+          </a:p>
+          <a:p>
+            <a:r>
+              <a:rPr lang="en-US" dirty="0"/>
+              <a:t>Straightforward but not really...</a:t>
+            </a:r>
+          </a:p>
+          <a:p>
+            <a:r>
+              <a:rPr lang="en-US" dirty="0"/>
+              <a:t>Baseline = $8/day with no traffic and minimal data.  All RDS. (ARRGH!)</a:t>
+            </a:r>
+          </a:p>
+          <a:p>
+            <a:r>
+              <a:rPr lang="en-US" dirty="0"/>
+              <a:t>&lt;possible workaround - yank RDS and deploy Postgres directly on EC2...?&gt;</a:t>
+            </a:r>
+          </a:p>
+        </p:txBody>
+      </p:sp>
+      <p:pic>
+        <p:nvPicPr>
+          <p:cNvPr id="4" name="Picture 3">
+            <a:extLst>
+              <a:ext uri="{FF2B5EF4-FFF2-40B4-BE49-F238E27FC236}">
+                <a16:creationId xmlns:a16="http://schemas.microsoft.com/office/drawing/2014/main" id="{605D59AB-7188-450C-B5B9-81A1F4DC716B}"/>
+              </a:ext>
+            </a:extLst>
+          </p:cNvPr>
+          <p:cNvPicPr>
+            <a:picLocks noChangeAspect="1"/>
+          </p:cNvPicPr>
+          <p:nvPr/>
+        </p:nvPicPr>
+        <p:blipFill>
+          <a:blip r:embed="rId3"/>
+          <a:stretch>
+            <a:fillRect/>
+          </a:stretch>
+        </p:blipFill>
+        <p:spPr>
+          <a:xfrm>
+            <a:off x="7164584" y="1570522"/>
+            <a:ext cx="4639806" cy="4222557"/>
+          </a:xfrm>
+          <a:prstGeom prst="rect">
+            <a:avLst/>
+          </a:prstGeom>
+        </p:spPr>
+      </p:pic>
     </p:spTree>
     <p:extLst>
       <p:ext uri="{BB962C8B-B14F-4D97-AF65-F5344CB8AC3E}">
-        <p14:creationId xmlns:p14="http://schemas.microsoft.com/office/powerpoint/2010/main" val="3008425161"/>
+        <p14:creationId xmlns:p14="http://schemas.microsoft.com/office/powerpoint/2010/main" val="3749611798"/>
       </p:ext>
     </p:extLst>
   </p:cSld>
@@ -6296,7 +6376,7 @@
           <p:cNvPr id="2" name="Title 1">
             <a:extLst>
               <a:ext uri="{FF2B5EF4-FFF2-40B4-BE49-F238E27FC236}">
-                <a16:creationId xmlns:a16="http://schemas.microsoft.com/office/drawing/2014/main" id="{10B8E23F-5094-466C-A3B1-1F64FD237EA5}"/>
+                <a16:creationId xmlns:a16="http://schemas.microsoft.com/office/drawing/2014/main" id="{7F7B68DA-473D-4B51-A38B-93A06DFF7DD5}"/>
               </a:ext>
             </a:extLst>
           </p:cNvPr>
@@ -6314,7 +6394,7 @@
           <a:p>
             <a:r>
               <a:rPr lang="en-US" dirty="0"/>
-              <a:t>Level of Effort and Takeaways</a:t>
+              <a:t>Go Live!</a:t>
             </a:r>
           </a:p>
         </p:txBody>
@@ -6324,7 +6404,7 @@
           <p:cNvPr id="3" name="Content Placeholder 2">
             <a:extLst>
               <a:ext uri="{FF2B5EF4-FFF2-40B4-BE49-F238E27FC236}">
-                <a16:creationId xmlns:a16="http://schemas.microsoft.com/office/drawing/2014/main" id="{00EB0048-9365-49CB-978F-C6FB3053D5D3}"/>
+                <a16:creationId xmlns:a16="http://schemas.microsoft.com/office/drawing/2014/main" id="{ACEB8B8B-6AA0-481C-A325-CA7EA058CF39}"/>
               </a:ext>
             </a:extLst>
           </p:cNvPr>
@@ -6337,32 +6417,12 @@
         </p:nvSpPr>
         <p:spPr/>
         <p:txBody>
-          <a:bodyPr>
-            <a:normAutofit/>
-          </a:bodyPr>
+          <a:bodyPr/>
           <a:lstStyle/>
           <a:p>
             <a:r>
               <a:rPr lang="en-US" dirty="0"/>
-              <a:t>A full featured Web App (admin, login, database, forms, Python/ML backend)</a:t>
-            </a:r>
-          </a:p>
-          <a:p>
-            <a:r>
-              <a:rPr lang="en-US" dirty="0"/>
-              <a:t>6-8 days deploy with learning curve</a:t>
-            </a:r>
-          </a:p>
-          <a:p>
-            <a:r>
-              <a:rPr lang="en-US" dirty="0"/>
-              <a:t>Less complicated than Tic-tac-toe, but my own work.</a:t>
-            </a:r>
-          </a:p>
-          <a:p>
-            <a:r>
-              <a:rPr lang="en-US" dirty="0"/>
-              <a:t>Wireframe and personas super important because...</a:t>
+              <a:t>&lt;link to URL&gt;</a:t>
             </a:r>
           </a:p>
         </p:txBody>
@@ -6370,7 +6430,7 @@
     </p:spTree>
     <p:extLst>
       <p:ext uri="{BB962C8B-B14F-4D97-AF65-F5344CB8AC3E}">
-        <p14:creationId xmlns:p14="http://schemas.microsoft.com/office/powerpoint/2010/main" val="3978747642"/>
+        <p14:creationId xmlns:p14="http://schemas.microsoft.com/office/powerpoint/2010/main" val="3008425161"/>
       </p:ext>
     </p:extLst>
   </p:cSld>
@@ -6420,6 +6480,112 @@
           <a:p>
             <a:r>
               <a:rPr lang="en-US" dirty="0"/>
+              <a:t>Level of Effort and Takeaways</a:t>
+            </a:r>
+          </a:p>
+        </p:txBody>
+      </p:sp>
+      <p:sp>
+        <p:nvSpPr>
+          <p:cNvPr id="3" name="Content Placeholder 2">
+            <a:extLst>
+              <a:ext uri="{FF2B5EF4-FFF2-40B4-BE49-F238E27FC236}">
+                <a16:creationId xmlns:a16="http://schemas.microsoft.com/office/drawing/2014/main" id="{00EB0048-9365-49CB-978F-C6FB3053D5D3}"/>
+              </a:ext>
+            </a:extLst>
+          </p:cNvPr>
+          <p:cNvSpPr>
+            <a:spLocks noGrp="1"/>
+          </p:cNvSpPr>
+          <p:nvPr>
+            <p:ph idx="1"/>
+          </p:nvPr>
+        </p:nvSpPr>
+        <p:spPr/>
+        <p:txBody>
+          <a:bodyPr>
+            <a:normAutofit/>
+          </a:bodyPr>
+          <a:lstStyle/>
+          <a:p>
+            <a:r>
+              <a:rPr lang="en-US" dirty="0"/>
+              <a:t>A full featured Web App (admin, login, database, forms, Python/ML backend)</a:t>
+            </a:r>
+          </a:p>
+          <a:p>
+            <a:r>
+              <a:rPr lang="en-US" dirty="0"/>
+              <a:t>6-8 days deploy with learning curve</a:t>
+            </a:r>
+          </a:p>
+          <a:p>
+            <a:r>
+              <a:rPr lang="en-US" dirty="0"/>
+              <a:t>Less complicated than Tic-tac-toe, but my own work.</a:t>
+            </a:r>
+          </a:p>
+          <a:p>
+            <a:r>
+              <a:rPr lang="en-US" dirty="0"/>
+              <a:t>Wireframe and personas super important because...</a:t>
+            </a:r>
+          </a:p>
+        </p:txBody>
+      </p:sp>
+    </p:spTree>
+    <p:extLst>
+      <p:ext uri="{BB962C8B-B14F-4D97-AF65-F5344CB8AC3E}">
+        <p14:creationId xmlns:p14="http://schemas.microsoft.com/office/powerpoint/2010/main" val="3978747642"/>
+      </p:ext>
+    </p:extLst>
+  </p:cSld>
+  <p:clrMapOvr>
+    <a:masterClrMapping/>
+  </p:clrMapOvr>
+</p:sld>
+</file>
+
+<file path=ppt/slides/slide23.xml><?xml version="1.0" encoding="utf-8"?>
+<p:sld xmlns:a="http://schemas.openxmlformats.org/drawingml/2006/main" xmlns:r="http://schemas.openxmlformats.org/officeDocument/2006/relationships" xmlns:p="http://schemas.openxmlformats.org/presentationml/2006/main">
+  <p:cSld>
+    <p:spTree>
+      <p:nvGrpSpPr>
+        <p:cNvPr id="1" name=""/>
+        <p:cNvGrpSpPr/>
+        <p:nvPr/>
+      </p:nvGrpSpPr>
+      <p:grpSpPr>
+        <a:xfrm>
+          <a:off x="0" y="0"/>
+          <a:ext cx="0" cy="0"/>
+          <a:chOff x="0" y="0"/>
+          <a:chExt cx="0" cy="0"/>
+        </a:xfrm>
+      </p:grpSpPr>
+      <p:sp>
+        <p:nvSpPr>
+          <p:cNvPr id="2" name="Title 1">
+            <a:extLst>
+              <a:ext uri="{FF2B5EF4-FFF2-40B4-BE49-F238E27FC236}">
+                <a16:creationId xmlns:a16="http://schemas.microsoft.com/office/drawing/2014/main" id="{10B8E23F-5094-466C-A3B1-1F64FD237EA5}"/>
+              </a:ext>
+            </a:extLst>
+          </p:cNvPr>
+          <p:cNvSpPr>
+            <a:spLocks noGrp="1"/>
+          </p:cNvSpPr>
+          <p:nvPr>
+            <p:ph type="title"/>
+          </p:nvPr>
+        </p:nvSpPr>
+        <p:spPr/>
+        <p:txBody>
+          <a:bodyPr/>
+          <a:lstStyle/>
+          <a:p>
+            <a:r>
+              <a:rPr lang="en-US" dirty="0"/>
               <a:t>References</a:t>
             </a:r>
           </a:p>
@@ -6677,7 +6843,7 @@
 </p:sld>
 </file>
 
-<file path=ppt/slides/slide23.xml><?xml version="1.0" encoding="utf-8"?>
+<file path=ppt/slides/slide24.xml><?xml version="1.0" encoding="utf-8"?>
 <p:sld xmlns:a="http://schemas.openxmlformats.org/drawingml/2006/main" xmlns:r="http://schemas.openxmlformats.org/officeDocument/2006/relationships" xmlns:p="http://schemas.openxmlformats.org/presentationml/2006/main">
   <p:cSld>
     <p:spTree>

--- a/presentation.pptx
+++ b/presentation.pptx
@@ -282,7 +282,7 @@
           <a:p>
             <a:fld id="{90B9546A-7969-4B1B-92AE-0EBC43C27576}" type="datetimeFigureOut">
               <a:rPr lang="en-US" smtClean="0"/>
-              <a:t>4/24/2020</a:t>
+              <a:t>4/28/2020</a:t>
             </a:fld>
             <a:endParaRPr lang="en-US"/>
           </a:p>
@@ -480,7 +480,7 @@
           <a:p>
             <a:fld id="{90B9546A-7969-4B1B-92AE-0EBC43C27576}" type="datetimeFigureOut">
               <a:rPr lang="en-US" smtClean="0"/>
-              <a:t>4/24/2020</a:t>
+              <a:t>4/28/2020</a:t>
             </a:fld>
             <a:endParaRPr lang="en-US"/>
           </a:p>
@@ -688,7 +688,7 @@
           <a:p>
             <a:fld id="{90B9546A-7969-4B1B-92AE-0EBC43C27576}" type="datetimeFigureOut">
               <a:rPr lang="en-US" smtClean="0"/>
-              <a:t>4/24/2020</a:t>
+              <a:t>4/28/2020</a:t>
             </a:fld>
             <a:endParaRPr lang="en-US"/>
           </a:p>
@@ -886,7 +886,7 @@
           <a:p>
             <a:fld id="{90B9546A-7969-4B1B-92AE-0EBC43C27576}" type="datetimeFigureOut">
               <a:rPr lang="en-US" smtClean="0"/>
-              <a:t>4/24/2020</a:t>
+              <a:t>4/28/2020</a:t>
             </a:fld>
             <a:endParaRPr lang="en-US"/>
           </a:p>
@@ -1161,7 +1161,7 @@
           <a:p>
             <a:fld id="{90B9546A-7969-4B1B-92AE-0EBC43C27576}" type="datetimeFigureOut">
               <a:rPr lang="en-US" smtClean="0"/>
-              <a:t>4/24/2020</a:t>
+              <a:t>4/28/2020</a:t>
             </a:fld>
             <a:endParaRPr lang="en-US"/>
           </a:p>
@@ -1426,7 +1426,7 @@
           <a:p>
             <a:fld id="{90B9546A-7969-4B1B-92AE-0EBC43C27576}" type="datetimeFigureOut">
               <a:rPr lang="en-US" smtClean="0"/>
-              <a:t>4/24/2020</a:t>
+              <a:t>4/28/2020</a:t>
             </a:fld>
             <a:endParaRPr lang="en-US"/>
           </a:p>
@@ -1838,7 +1838,7 @@
           <a:p>
             <a:fld id="{90B9546A-7969-4B1B-92AE-0EBC43C27576}" type="datetimeFigureOut">
               <a:rPr lang="en-US" smtClean="0"/>
-              <a:t>4/24/2020</a:t>
+              <a:t>4/28/2020</a:t>
             </a:fld>
             <a:endParaRPr lang="en-US"/>
           </a:p>
@@ -1979,7 +1979,7 @@
           <a:p>
             <a:fld id="{90B9546A-7969-4B1B-92AE-0EBC43C27576}" type="datetimeFigureOut">
               <a:rPr lang="en-US" smtClean="0"/>
-              <a:t>4/24/2020</a:t>
+              <a:t>4/28/2020</a:t>
             </a:fld>
             <a:endParaRPr lang="en-US"/>
           </a:p>
@@ -2092,7 +2092,7 @@
           <a:p>
             <a:fld id="{90B9546A-7969-4B1B-92AE-0EBC43C27576}" type="datetimeFigureOut">
               <a:rPr lang="en-US" smtClean="0"/>
-              <a:t>4/24/2020</a:t>
+              <a:t>4/28/2020</a:t>
             </a:fld>
             <a:endParaRPr lang="en-US"/>
           </a:p>
@@ -2403,7 +2403,7 @@
           <a:p>
             <a:fld id="{90B9546A-7969-4B1B-92AE-0EBC43C27576}" type="datetimeFigureOut">
               <a:rPr lang="en-US" smtClean="0"/>
-              <a:t>4/24/2020</a:t>
+              <a:t>4/28/2020</a:t>
             </a:fld>
             <a:endParaRPr lang="en-US"/>
           </a:p>
@@ -2691,7 +2691,7 @@
           <a:p>
             <a:fld id="{90B9546A-7969-4B1B-92AE-0EBC43C27576}" type="datetimeFigureOut">
               <a:rPr lang="en-US" smtClean="0"/>
-              <a:t>4/24/2020</a:t>
+              <a:t>4/28/2020</a:t>
             </a:fld>
             <a:endParaRPr lang="en-US"/>
           </a:p>
@@ -2932,7 +2932,7 @@
           <a:p>
             <a:fld id="{90B9546A-7969-4B1B-92AE-0EBC43C27576}" type="datetimeFigureOut">
               <a:rPr lang="en-US" smtClean="0"/>
-              <a:t>4/24/2020</a:t>
+              <a:t>4/28/2020</a:t>
             </a:fld>
             <a:endParaRPr lang="en-US"/>
           </a:p>
@@ -10413,14 +10413,14 @@
           <a:p>
             <a:r>
               <a:rPr lang="en-US" dirty="0"/>
-              <a:t>What does that mean...</a:t>
+              <a:t>Django Web Application</a:t>
             </a:r>
             <a:br>
               <a:rPr lang="en-US" dirty="0"/>
             </a:br>
             <a:r>
               <a:rPr lang="en-US" sz="3200" dirty="0"/>
-              <a:t>Day 3</a:t>
+              <a:t>Today, Day2, Day 3</a:t>
             </a:r>
             <a:endParaRPr lang="en-US" dirty="0"/>
           </a:p>

--- a/presentation.pptx
+++ b/presentation.pptx
@@ -24,11 +24,14 @@
     <p:sldId id="266" r:id="rId18"/>
     <p:sldId id="277" r:id="rId19"/>
     <p:sldId id="279" r:id="rId20"/>
-    <p:sldId id="282" r:id="rId21"/>
-    <p:sldId id="268" r:id="rId22"/>
-    <p:sldId id="274" r:id="rId23"/>
-    <p:sldId id="280" r:id="rId24"/>
-    <p:sldId id="267" r:id="rId25"/>
+    <p:sldId id="283" r:id="rId21"/>
+    <p:sldId id="285" r:id="rId22"/>
+    <p:sldId id="284" r:id="rId23"/>
+    <p:sldId id="282" r:id="rId24"/>
+    <p:sldId id="268" r:id="rId25"/>
+    <p:sldId id="274" r:id="rId26"/>
+    <p:sldId id="280" r:id="rId27"/>
+    <p:sldId id="267" r:id="rId28"/>
   </p:sldIdLst>
   <p:sldSz cx="12192000" cy="6858000"/>
   <p:notesSz cx="6858000" cy="9144000"/>
@@ -282,7 +285,7 @@
           <a:p>
             <a:fld id="{90B9546A-7969-4B1B-92AE-0EBC43C27576}" type="datetimeFigureOut">
               <a:rPr lang="en-US" smtClean="0"/>
-              <a:t>4/28/2020</a:t>
+              <a:t>5/1/2020</a:t>
             </a:fld>
             <a:endParaRPr lang="en-US"/>
           </a:p>
@@ -480,7 +483,7 @@
           <a:p>
             <a:fld id="{90B9546A-7969-4B1B-92AE-0EBC43C27576}" type="datetimeFigureOut">
               <a:rPr lang="en-US" smtClean="0"/>
-              <a:t>4/28/2020</a:t>
+              <a:t>5/1/2020</a:t>
             </a:fld>
             <a:endParaRPr lang="en-US"/>
           </a:p>
@@ -688,7 +691,7 @@
           <a:p>
             <a:fld id="{90B9546A-7969-4B1B-92AE-0EBC43C27576}" type="datetimeFigureOut">
               <a:rPr lang="en-US" smtClean="0"/>
-              <a:t>4/28/2020</a:t>
+              <a:t>5/1/2020</a:t>
             </a:fld>
             <a:endParaRPr lang="en-US"/>
           </a:p>
@@ -886,7 +889,7 @@
           <a:p>
             <a:fld id="{90B9546A-7969-4B1B-92AE-0EBC43C27576}" type="datetimeFigureOut">
               <a:rPr lang="en-US" smtClean="0"/>
-              <a:t>4/28/2020</a:t>
+              <a:t>5/1/2020</a:t>
             </a:fld>
             <a:endParaRPr lang="en-US"/>
           </a:p>
@@ -1161,7 +1164,7 @@
           <a:p>
             <a:fld id="{90B9546A-7969-4B1B-92AE-0EBC43C27576}" type="datetimeFigureOut">
               <a:rPr lang="en-US" smtClean="0"/>
-              <a:t>4/28/2020</a:t>
+              <a:t>5/1/2020</a:t>
             </a:fld>
             <a:endParaRPr lang="en-US"/>
           </a:p>
@@ -1426,7 +1429,7 @@
           <a:p>
             <a:fld id="{90B9546A-7969-4B1B-92AE-0EBC43C27576}" type="datetimeFigureOut">
               <a:rPr lang="en-US" smtClean="0"/>
-              <a:t>4/28/2020</a:t>
+              <a:t>5/1/2020</a:t>
             </a:fld>
             <a:endParaRPr lang="en-US"/>
           </a:p>
@@ -1838,7 +1841,7 @@
           <a:p>
             <a:fld id="{90B9546A-7969-4B1B-92AE-0EBC43C27576}" type="datetimeFigureOut">
               <a:rPr lang="en-US" smtClean="0"/>
-              <a:t>4/28/2020</a:t>
+              <a:t>5/1/2020</a:t>
             </a:fld>
             <a:endParaRPr lang="en-US"/>
           </a:p>
@@ -1979,7 +1982,7 @@
           <a:p>
             <a:fld id="{90B9546A-7969-4B1B-92AE-0EBC43C27576}" type="datetimeFigureOut">
               <a:rPr lang="en-US" smtClean="0"/>
-              <a:t>4/28/2020</a:t>
+              <a:t>5/1/2020</a:t>
             </a:fld>
             <a:endParaRPr lang="en-US"/>
           </a:p>
@@ -2092,7 +2095,7 @@
           <a:p>
             <a:fld id="{90B9546A-7969-4B1B-92AE-0EBC43C27576}" type="datetimeFigureOut">
               <a:rPr lang="en-US" smtClean="0"/>
-              <a:t>4/28/2020</a:t>
+              <a:t>5/1/2020</a:t>
             </a:fld>
             <a:endParaRPr lang="en-US"/>
           </a:p>
@@ -2403,7 +2406,7 @@
           <a:p>
             <a:fld id="{90B9546A-7969-4B1B-92AE-0EBC43C27576}" type="datetimeFigureOut">
               <a:rPr lang="en-US" smtClean="0"/>
-              <a:t>4/28/2020</a:t>
+              <a:t>5/1/2020</a:t>
             </a:fld>
             <a:endParaRPr lang="en-US"/>
           </a:p>
@@ -2691,7 +2694,7 @@
           <a:p>
             <a:fld id="{90B9546A-7969-4B1B-92AE-0EBC43C27576}" type="datetimeFigureOut">
               <a:rPr lang="en-US" smtClean="0"/>
-              <a:t>4/28/2020</a:t>
+              <a:t>5/1/2020</a:t>
             </a:fld>
             <a:endParaRPr lang="en-US"/>
           </a:p>
@@ -2932,7 +2935,7 @@
           <a:p>
             <a:fld id="{90B9546A-7969-4B1B-92AE-0EBC43C27576}" type="datetimeFigureOut">
               <a:rPr lang="en-US" smtClean="0"/>
-              <a:t>4/28/2020</a:t>
+              <a:t>5/1/2020</a:t>
             </a:fld>
             <a:endParaRPr lang="en-US"/>
           </a:p>
@@ -6116,13 +6119,25 @@
             </a:pPr>
             <a:r>
               <a:rPr lang="en-US" sz="3500" dirty="0"/>
-              <a:t>This time:</a:t>
-            </a:r>
-          </a:p>
-          <a:p>
-            <a:r>
-              <a:rPr lang="en-US" dirty="0"/>
-              <a:t>“Star Chaser” Web Application</a:t>
+              <a:t>This time: </a:t>
+            </a:r>
+            <a:r>
+              <a:rPr lang="en-US" dirty="0"/>
+              <a:t>“</a:t>
+            </a:r>
+            <a:r>
+              <a:rPr lang="en-US" dirty="0" err="1"/>
+              <a:t>StarChaser</a:t>
+            </a:r>
+            <a:r>
+              <a:rPr lang="en-US" dirty="0"/>
+              <a:t>” Web Application</a:t>
+            </a:r>
+          </a:p>
+          <a:p>
+            <a:r>
+              <a:rPr lang="en-US" dirty="0"/>
+              <a:t> Planning</a:t>
             </a:r>
           </a:p>
           <a:p>
@@ -6170,15 +6185,7 @@
           <a:p>
             <a:r>
               <a:rPr lang="en-US" dirty="0"/>
-              <a:t>&lt;stretch:  front-end </a:t>
-            </a:r>
-            <a:r>
-              <a:rPr lang="en-US" dirty="0" err="1"/>
-              <a:t>Javascript</a:t>
-            </a:r>
-            <a:r>
-              <a:rPr lang="en-US" dirty="0"/>
-              <a:t> for charting&gt;</a:t>
+              <a:t>Data Visualization (Google Charts)</a:t>
             </a:r>
           </a:p>
         </p:txBody>
@@ -6197,6 +6204,489 @@
 </file>
 
 <file path=ppt/slides/slide20.xml><?xml version="1.0" encoding="utf-8"?>
+<p:sld xmlns:a="http://schemas.openxmlformats.org/drawingml/2006/main" xmlns:r="http://schemas.openxmlformats.org/officeDocument/2006/relationships" xmlns:p="http://schemas.openxmlformats.org/presentationml/2006/main">
+  <p:cSld>
+    <p:spTree>
+      <p:nvGrpSpPr>
+        <p:cNvPr id="1" name=""/>
+        <p:cNvGrpSpPr/>
+        <p:nvPr/>
+      </p:nvGrpSpPr>
+      <p:grpSpPr>
+        <a:xfrm>
+          <a:off x="0" y="0"/>
+          <a:ext cx="0" cy="0"/>
+          <a:chOff x="0" y="0"/>
+          <a:chExt cx="0" cy="0"/>
+        </a:xfrm>
+      </p:grpSpPr>
+      <p:sp>
+        <p:nvSpPr>
+          <p:cNvPr id="2" name="Title 1">
+            <a:extLst>
+              <a:ext uri="{FF2B5EF4-FFF2-40B4-BE49-F238E27FC236}">
+                <a16:creationId xmlns:a16="http://schemas.microsoft.com/office/drawing/2014/main" id="{504B7C1F-E423-4587-AD63-A889BAE3F03F}"/>
+              </a:ext>
+            </a:extLst>
+          </p:cNvPr>
+          <p:cNvSpPr>
+            <a:spLocks noGrp="1"/>
+          </p:cNvSpPr>
+          <p:nvPr>
+            <p:ph type="title"/>
+          </p:nvPr>
+        </p:nvSpPr>
+        <p:spPr/>
+        <p:txBody>
+          <a:bodyPr/>
+          <a:lstStyle/>
+          <a:p>
+            <a:r>
+              <a:rPr lang="en-US" dirty="0"/>
+              <a:t>Data Visualization</a:t>
+            </a:r>
+          </a:p>
+        </p:txBody>
+      </p:sp>
+      <p:sp>
+        <p:nvSpPr>
+          <p:cNvPr id="3" name="Content Placeholder 2">
+            <a:extLst>
+              <a:ext uri="{FF2B5EF4-FFF2-40B4-BE49-F238E27FC236}">
+                <a16:creationId xmlns:a16="http://schemas.microsoft.com/office/drawing/2014/main" id="{069B53B7-D426-49E6-942F-CD87BB641717}"/>
+              </a:ext>
+            </a:extLst>
+          </p:cNvPr>
+          <p:cNvSpPr>
+            <a:spLocks noGrp="1"/>
+          </p:cNvSpPr>
+          <p:nvPr>
+            <p:ph idx="1"/>
+          </p:nvPr>
+        </p:nvSpPr>
+        <p:spPr>
+          <a:xfrm>
+            <a:off x="576942" y="1690688"/>
+            <a:ext cx="10515599" cy="595312"/>
+          </a:xfrm>
+        </p:spPr>
+        <p:txBody>
+          <a:bodyPr>
+            <a:normAutofit/>
+          </a:bodyPr>
+          <a:lstStyle/>
+          <a:p>
+            <a:r>
+              <a:rPr lang="en-US" dirty="0"/>
+              <a:t>Tons of libraries.  High end (D3.js) to basic (Google Charts)</a:t>
+            </a:r>
+          </a:p>
+          <a:p>
+            <a:pPr marL="0" indent="0">
+              <a:buNone/>
+            </a:pPr>
+            <a:endParaRPr lang="en-US" dirty="0"/>
+          </a:p>
+        </p:txBody>
+      </p:sp>
+      <p:pic>
+        <p:nvPicPr>
+          <p:cNvPr id="4" name="Picture 3">
+            <a:extLst>
+              <a:ext uri="{FF2B5EF4-FFF2-40B4-BE49-F238E27FC236}">
+                <a16:creationId xmlns:a16="http://schemas.microsoft.com/office/drawing/2014/main" id="{C3B25813-2046-484F-85F0-BAAD76DDEB7E}"/>
+              </a:ext>
+            </a:extLst>
+          </p:cNvPr>
+          <p:cNvPicPr>
+            <a:picLocks noChangeAspect="1"/>
+          </p:cNvPicPr>
+          <p:nvPr/>
+        </p:nvPicPr>
+        <p:blipFill>
+          <a:blip r:embed="rId2"/>
+          <a:stretch>
+            <a:fillRect/>
+          </a:stretch>
+        </p:blipFill>
+        <p:spPr>
+          <a:xfrm>
+            <a:off x="4182943" y="2286000"/>
+            <a:ext cx="7170857" cy="3462240"/>
+          </a:xfrm>
+          <a:prstGeom prst="rect">
+            <a:avLst/>
+          </a:prstGeom>
+        </p:spPr>
+      </p:pic>
+      <p:sp>
+        <p:nvSpPr>
+          <p:cNvPr id="5" name="Rectangle 4">
+            <a:extLst>
+              <a:ext uri="{FF2B5EF4-FFF2-40B4-BE49-F238E27FC236}">
+                <a16:creationId xmlns:a16="http://schemas.microsoft.com/office/drawing/2014/main" id="{563B469A-08EF-4462-B54E-6D512F0937C6}"/>
+              </a:ext>
+            </a:extLst>
+          </p:cNvPr>
+          <p:cNvSpPr/>
+          <p:nvPr/>
+        </p:nvSpPr>
+        <p:spPr>
+          <a:xfrm>
+            <a:off x="753943" y="5938877"/>
+            <a:ext cx="10338598" cy="553998"/>
+          </a:xfrm>
+          <a:prstGeom prst="rect">
+            <a:avLst/>
+          </a:prstGeom>
+        </p:spPr>
+        <p:txBody>
+          <a:bodyPr wrap="square">
+            <a:spAutoFit/>
+          </a:bodyPr>
+          <a:lstStyle/>
+          <a:p>
+            <a:r>
+              <a:rPr lang="en-US" sz="1000" dirty="0"/>
+              <a:t>References:</a:t>
+            </a:r>
+          </a:p>
+          <a:p>
+            <a:pPr lvl="1"/>
+            <a:r>
+              <a:rPr lang="en-US" sz="1000" dirty="0">
+                <a:hlinkClick r:id="rId3"/>
+              </a:rPr>
+              <a:t>https://app.pluralsight.com/library/courses/build-first-data-visualization-google-charts</a:t>
+            </a:r>
+            <a:endParaRPr lang="en-US" sz="1000" dirty="0"/>
+          </a:p>
+          <a:p>
+            <a:pPr lvl="1"/>
+            <a:r>
+              <a:rPr lang="en-US" sz="1000" dirty="0">
+                <a:hlinkClick r:id="rId4"/>
+              </a:rPr>
+              <a:t>https://www.sitepoint.com/best-javascript-charting-libraries/</a:t>
+            </a:r>
+            <a:endParaRPr lang="en-US" sz="1000" dirty="0"/>
+          </a:p>
+        </p:txBody>
+      </p:sp>
+      <p:sp>
+        <p:nvSpPr>
+          <p:cNvPr id="6" name="Rectangle 5">
+            <a:extLst>
+              <a:ext uri="{FF2B5EF4-FFF2-40B4-BE49-F238E27FC236}">
+                <a16:creationId xmlns:a16="http://schemas.microsoft.com/office/drawing/2014/main" id="{86D4800D-C305-4570-B941-6DE0E4573E1F}"/>
+              </a:ext>
+            </a:extLst>
+          </p:cNvPr>
+          <p:cNvSpPr/>
+          <p:nvPr/>
+        </p:nvSpPr>
+        <p:spPr>
+          <a:xfrm>
+            <a:off x="576942" y="2496146"/>
+            <a:ext cx="3136642" cy="1938992"/>
+          </a:xfrm>
+          <a:prstGeom prst="rect">
+            <a:avLst/>
+          </a:prstGeom>
+        </p:spPr>
+        <p:txBody>
+          <a:bodyPr wrap="square">
+            <a:spAutoFit/>
+          </a:bodyPr>
+          <a:lstStyle/>
+          <a:p>
+            <a:pPr marL="285750" indent="-285750">
+              <a:buFont typeface="Arial" panose="020B0604020202020204" pitchFamily="34" charset="0"/>
+              <a:buChar char="•"/>
+            </a:pPr>
+            <a:r>
+              <a:rPr lang="en-US" sz="2000" dirty="0"/>
+              <a:t>Initial exploration is by Jupyter Notebook and/or Pandas/</a:t>
+            </a:r>
+            <a:r>
+              <a:rPr lang="en-US" sz="2000" dirty="0" err="1"/>
+              <a:t>MatplotLib</a:t>
+            </a:r>
+            <a:r>
+              <a:rPr lang="en-US" sz="2000" dirty="0"/>
+              <a:t>... see Titanic and </a:t>
+            </a:r>
+            <a:r>
+              <a:rPr lang="en-US" sz="2000" dirty="0" err="1"/>
+              <a:t>PLAsTiCC</a:t>
+            </a:r>
+            <a:r>
+              <a:rPr lang="en-US" sz="2000" dirty="0"/>
+              <a:t> #1</a:t>
+            </a:r>
+          </a:p>
+          <a:p>
+            <a:pPr marL="285750" indent="-285750">
+              <a:buFont typeface="Arial" panose="020B0604020202020204" pitchFamily="34" charset="0"/>
+              <a:buChar char="•"/>
+            </a:pPr>
+            <a:r>
+              <a:rPr lang="en-US" sz="2000" dirty="0"/>
+              <a:t>For Web App I went with Google Charts</a:t>
+            </a:r>
+          </a:p>
+        </p:txBody>
+      </p:sp>
+    </p:spTree>
+    <p:extLst>
+      <p:ext uri="{BB962C8B-B14F-4D97-AF65-F5344CB8AC3E}">
+        <p14:creationId xmlns:p14="http://schemas.microsoft.com/office/powerpoint/2010/main" val="3004834643"/>
+      </p:ext>
+    </p:extLst>
+  </p:cSld>
+  <p:clrMapOvr>
+    <a:masterClrMapping/>
+  </p:clrMapOvr>
+</p:sld>
+</file>
+
+<file path=ppt/slides/slide21.xml><?xml version="1.0" encoding="utf-8"?>
+<p:sld xmlns:a="http://schemas.openxmlformats.org/drawingml/2006/main" xmlns:r="http://schemas.openxmlformats.org/officeDocument/2006/relationships" xmlns:p="http://schemas.openxmlformats.org/presentationml/2006/main">
+  <p:cSld>
+    <p:spTree>
+      <p:nvGrpSpPr>
+        <p:cNvPr id="1" name=""/>
+        <p:cNvGrpSpPr/>
+        <p:nvPr/>
+      </p:nvGrpSpPr>
+      <p:grpSpPr>
+        <a:xfrm>
+          <a:off x="0" y="0"/>
+          <a:ext cx="0" cy="0"/>
+          <a:chOff x="0" y="0"/>
+          <a:chExt cx="0" cy="0"/>
+        </a:xfrm>
+      </p:grpSpPr>
+      <p:sp>
+        <p:nvSpPr>
+          <p:cNvPr id="2" name="Title 1">
+            <a:extLst>
+              <a:ext uri="{FF2B5EF4-FFF2-40B4-BE49-F238E27FC236}">
+                <a16:creationId xmlns:a16="http://schemas.microsoft.com/office/drawing/2014/main" id="{DC6CAB97-7247-440A-8842-E575D7625847}"/>
+              </a:ext>
+            </a:extLst>
+          </p:cNvPr>
+          <p:cNvSpPr>
+            <a:spLocks noGrp="1"/>
+          </p:cNvSpPr>
+          <p:nvPr>
+            <p:ph type="title"/>
+          </p:nvPr>
+        </p:nvSpPr>
+        <p:spPr/>
+        <p:txBody>
+          <a:bodyPr/>
+          <a:lstStyle/>
+          <a:p>
+            <a:r>
+              <a:rPr lang="en-US" dirty="0"/>
+              <a:t>Visualization</a:t>
+            </a:r>
+          </a:p>
+        </p:txBody>
+      </p:sp>
+      <p:pic>
+        <p:nvPicPr>
+          <p:cNvPr id="4" name="Picture 3">
+            <a:extLst>
+              <a:ext uri="{FF2B5EF4-FFF2-40B4-BE49-F238E27FC236}">
+                <a16:creationId xmlns:a16="http://schemas.microsoft.com/office/drawing/2014/main" id="{91BBDDC0-06F1-478A-A695-DEF55B098A7B}"/>
+              </a:ext>
+            </a:extLst>
+          </p:cNvPr>
+          <p:cNvPicPr>
+            <a:picLocks noChangeAspect="1"/>
+          </p:cNvPicPr>
+          <p:nvPr/>
+        </p:nvPicPr>
+        <p:blipFill>
+          <a:blip r:embed="rId2"/>
+          <a:stretch>
+            <a:fillRect/>
+          </a:stretch>
+        </p:blipFill>
+        <p:spPr>
+          <a:xfrm>
+            <a:off x="729342" y="1368098"/>
+            <a:ext cx="10122159" cy="4842322"/>
+          </a:xfrm>
+          <a:prstGeom prst="rect">
+            <a:avLst/>
+          </a:prstGeom>
+        </p:spPr>
+      </p:pic>
+      <p:sp>
+        <p:nvSpPr>
+          <p:cNvPr id="5" name="Rectangle 4">
+            <a:extLst>
+              <a:ext uri="{FF2B5EF4-FFF2-40B4-BE49-F238E27FC236}">
+                <a16:creationId xmlns:a16="http://schemas.microsoft.com/office/drawing/2014/main" id="{A5CAF724-1FD4-4D61-9153-0D915CEB5789}"/>
+              </a:ext>
+            </a:extLst>
+          </p:cNvPr>
+          <p:cNvSpPr/>
+          <p:nvPr/>
+        </p:nvSpPr>
+        <p:spPr>
+          <a:xfrm>
+            <a:off x="519404" y="6200487"/>
+            <a:ext cx="8305800" cy="400110"/>
+          </a:xfrm>
+          <a:prstGeom prst="rect">
+            <a:avLst/>
+          </a:prstGeom>
+        </p:spPr>
+        <p:txBody>
+          <a:bodyPr wrap="square">
+            <a:spAutoFit/>
+          </a:bodyPr>
+          <a:lstStyle/>
+          <a:p>
+            <a:r>
+              <a:rPr lang="en-US" sz="1000" dirty="0"/>
+              <a:t>Reference:</a:t>
+            </a:r>
+          </a:p>
+          <a:p>
+            <a:pPr lvl="1"/>
+            <a:r>
+              <a:rPr lang="en-US" sz="1000" dirty="0">
+                <a:hlinkClick r:id="rId3"/>
+              </a:rPr>
+              <a:t>https://app.pluralsight.com/library/courses/build-first-data-visualization-google-charts</a:t>
+            </a:r>
+            <a:endParaRPr lang="en-US" sz="1000" dirty="0"/>
+          </a:p>
+        </p:txBody>
+      </p:sp>
+    </p:spTree>
+    <p:extLst>
+      <p:ext uri="{BB962C8B-B14F-4D97-AF65-F5344CB8AC3E}">
+        <p14:creationId xmlns:p14="http://schemas.microsoft.com/office/powerpoint/2010/main" val="1735886717"/>
+      </p:ext>
+    </p:extLst>
+  </p:cSld>
+  <p:clrMapOvr>
+    <a:masterClrMapping/>
+  </p:clrMapOvr>
+</p:sld>
+</file>
+
+<file path=ppt/slides/slide22.xml><?xml version="1.0" encoding="utf-8"?>
+<p:sld xmlns:a="http://schemas.openxmlformats.org/drawingml/2006/main" xmlns:r="http://schemas.openxmlformats.org/officeDocument/2006/relationships" xmlns:p="http://schemas.openxmlformats.org/presentationml/2006/main">
+  <p:cSld>
+    <p:spTree>
+      <p:nvGrpSpPr>
+        <p:cNvPr id="1" name=""/>
+        <p:cNvGrpSpPr/>
+        <p:nvPr/>
+      </p:nvGrpSpPr>
+      <p:grpSpPr>
+        <a:xfrm>
+          <a:off x="0" y="0"/>
+          <a:ext cx="0" cy="0"/>
+          <a:chOff x="0" y="0"/>
+          <a:chExt cx="0" cy="0"/>
+        </a:xfrm>
+      </p:grpSpPr>
+      <p:sp>
+        <p:nvSpPr>
+          <p:cNvPr id="5" name="Rectangle 4">
+            <a:extLst>
+              <a:ext uri="{FF2B5EF4-FFF2-40B4-BE49-F238E27FC236}">
+                <a16:creationId xmlns:a16="http://schemas.microsoft.com/office/drawing/2014/main" id="{563B469A-08EF-4462-B54E-6D512F0937C6}"/>
+              </a:ext>
+            </a:extLst>
+          </p:cNvPr>
+          <p:cNvSpPr/>
+          <p:nvPr/>
+        </p:nvSpPr>
+        <p:spPr>
+          <a:xfrm>
+            <a:off x="558068" y="6200623"/>
+            <a:ext cx="10338598" cy="400110"/>
+          </a:xfrm>
+          <a:prstGeom prst="rect">
+            <a:avLst/>
+          </a:prstGeom>
+        </p:spPr>
+        <p:txBody>
+          <a:bodyPr wrap="square">
+            <a:spAutoFit/>
+          </a:bodyPr>
+          <a:lstStyle/>
+          <a:p>
+            <a:r>
+              <a:rPr lang="en-US" sz="1000" dirty="0"/>
+              <a:t>Reference:</a:t>
+            </a:r>
+          </a:p>
+          <a:p>
+            <a:pPr lvl="1"/>
+            <a:r>
+              <a:rPr lang="en-US" sz="1000" dirty="0">
+                <a:hlinkClick r:id="rId2"/>
+              </a:rPr>
+              <a:t>https://app.pluralsight.com/library/courses/build-first-data-visualization-google-charts</a:t>
+            </a:r>
+            <a:endParaRPr lang="en-US" sz="1000" dirty="0"/>
+          </a:p>
+        </p:txBody>
+      </p:sp>
+      <p:pic>
+        <p:nvPicPr>
+          <p:cNvPr id="9" name="Picture 8">
+            <a:extLst>
+              <a:ext uri="{FF2B5EF4-FFF2-40B4-BE49-F238E27FC236}">
+                <a16:creationId xmlns:a16="http://schemas.microsoft.com/office/drawing/2014/main" id="{21A6DBDE-E35C-4653-9AA3-7DE97C00B0F1}"/>
+              </a:ext>
+            </a:extLst>
+          </p:cNvPr>
+          <p:cNvPicPr>
+            <a:picLocks noChangeAspect="1"/>
+          </p:cNvPicPr>
+          <p:nvPr/>
+        </p:nvPicPr>
+        <p:blipFill>
+          <a:blip r:embed="rId3"/>
+          <a:stretch>
+            <a:fillRect/>
+          </a:stretch>
+        </p:blipFill>
+        <p:spPr>
+          <a:xfrm>
+            <a:off x="1890858" y="257267"/>
+            <a:ext cx="8139550" cy="6075751"/>
+          </a:xfrm>
+          <a:prstGeom prst="rect">
+            <a:avLst/>
+          </a:prstGeom>
+        </p:spPr>
+      </p:pic>
+    </p:spTree>
+    <p:extLst>
+      <p:ext uri="{BB962C8B-B14F-4D97-AF65-F5344CB8AC3E}">
+        <p14:creationId xmlns:p14="http://schemas.microsoft.com/office/powerpoint/2010/main" val="3893797724"/>
+      </p:ext>
+    </p:extLst>
+  </p:cSld>
+  <p:clrMapOvr>
+    <a:masterClrMapping/>
+  </p:clrMapOvr>
+</p:sld>
+</file>
+
+<file path=ppt/slides/slide23.xml><?xml version="1.0" encoding="utf-8"?>
 <p:sld xmlns:a="http://schemas.openxmlformats.org/drawingml/2006/main" xmlns:r="http://schemas.openxmlformats.org/officeDocument/2006/relationships" xmlns:p="http://schemas.openxmlformats.org/presentationml/2006/main">
   <p:cSld>
     <p:spTree>
@@ -6354,7 +6844,7 @@
 </p:sld>
 </file>
 
-<file path=ppt/slides/slide21.xml><?xml version="1.0" encoding="utf-8"?>
+<file path=ppt/slides/slide24.xml><?xml version="1.0" encoding="utf-8"?>
 <p:sld xmlns:a="http://schemas.openxmlformats.org/drawingml/2006/main" xmlns:r="http://schemas.openxmlformats.org/officeDocument/2006/relationships" xmlns:p="http://schemas.openxmlformats.org/presentationml/2006/main">
   <p:cSld>
     <p:spTree>
@@ -6440,7 +6930,7 @@
 </p:sld>
 </file>
 
-<file path=ppt/slides/slide22.xml><?xml version="1.0" encoding="utf-8"?>
+<file path=ppt/slides/slide25.xml><?xml version="1.0" encoding="utf-8"?>
 <p:sld xmlns:a="http://schemas.openxmlformats.org/drawingml/2006/main" xmlns:r="http://schemas.openxmlformats.org/officeDocument/2006/relationships" xmlns:p="http://schemas.openxmlformats.org/presentationml/2006/main">
   <p:cSld>
     <p:spTree>
@@ -6546,7 +7036,7 @@
 </p:sld>
 </file>
 
-<file path=ppt/slides/slide23.xml><?xml version="1.0" encoding="utf-8"?>
+<file path=ppt/slides/slide26.xml><?xml version="1.0" encoding="utf-8"?>
 <p:sld xmlns:a="http://schemas.openxmlformats.org/drawingml/2006/main" xmlns:r="http://schemas.openxmlformats.org/officeDocument/2006/relationships" xmlns:p="http://schemas.openxmlformats.org/presentationml/2006/main">
   <p:cSld>
     <p:spTree>
@@ -6843,7 +7333,7 @@
 </p:sld>
 </file>
 
-<file path=ppt/slides/slide24.xml><?xml version="1.0" encoding="utf-8"?>
+<file path=ppt/slides/slide27.xml><?xml version="1.0" encoding="utf-8"?>
 <p:sld xmlns:a="http://schemas.openxmlformats.org/drawingml/2006/main" xmlns:r="http://schemas.openxmlformats.org/officeDocument/2006/relationships" xmlns:p="http://schemas.openxmlformats.org/presentationml/2006/main">
   <p:cSld>
     <p:spTree>

--- a/presentation.pptx
+++ b/presentation.pptx
@@ -8,11 +8,11 @@
     <p:sldId id="256" r:id="rId2"/>
     <p:sldId id="259" r:id="rId3"/>
     <p:sldId id="257" r:id="rId4"/>
-    <p:sldId id="278" r:id="rId5"/>
+    <p:sldId id="272" r:id="rId5"/>
     <p:sldId id="270" r:id="rId6"/>
-    <p:sldId id="272" r:id="rId7"/>
-    <p:sldId id="276" r:id="rId8"/>
-    <p:sldId id="275" r:id="rId9"/>
+    <p:sldId id="276" r:id="rId7"/>
+    <p:sldId id="275" r:id="rId8"/>
+    <p:sldId id="300" r:id="rId9"/>
     <p:sldId id="271" r:id="rId10"/>
     <p:sldId id="273" r:id="rId11"/>
     <p:sldId id="263" r:id="rId12"/>
@@ -22,16 +22,29 @@
     <p:sldId id="281" r:id="rId16"/>
     <p:sldId id="264" r:id="rId17"/>
     <p:sldId id="266" r:id="rId18"/>
-    <p:sldId id="277" r:id="rId19"/>
-    <p:sldId id="279" r:id="rId20"/>
-    <p:sldId id="283" r:id="rId21"/>
-    <p:sldId id="285" r:id="rId22"/>
-    <p:sldId id="284" r:id="rId23"/>
-    <p:sldId id="282" r:id="rId24"/>
-    <p:sldId id="268" r:id="rId25"/>
-    <p:sldId id="274" r:id="rId26"/>
-    <p:sldId id="280" r:id="rId27"/>
-    <p:sldId id="267" r:id="rId28"/>
+    <p:sldId id="286" r:id="rId19"/>
+    <p:sldId id="287" r:id="rId20"/>
+    <p:sldId id="288" r:id="rId21"/>
+    <p:sldId id="289" r:id="rId22"/>
+    <p:sldId id="290" r:id="rId23"/>
+    <p:sldId id="279" r:id="rId24"/>
+    <p:sldId id="302" r:id="rId25"/>
+    <p:sldId id="293" r:id="rId26"/>
+    <p:sldId id="277" r:id="rId27"/>
+    <p:sldId id="295" r:id="rId28"/>
+    <p:sldId id="297" r:id="rId29"/>
+    <p:sldId id="298" r:id="rId30"/>
+    <p:sldId id="299" r:id="rId31"/>
+    <p:sldId id="301" r:id="rId32"/>
+    <p:sldId id="283" r:id="rId33"/>
+    <p:sldId id="284" r:id="rId34"/>
+    <p:sldId id="282" r:id="rId35"/>
+    <p:sldId id="292" r:id="rId36"/>
+    <p:sldId id="268" r:id="rId37"/>
+    <p:sldId id="274" r:id="rId38"/>
+    <p:sldId id="280" r:id="rId39"/>
+    <p:sldId id="267" r:id="rId40"/>
+    <p:sldId id="285" r:id="rId41"/>
   </p:sldIdLst>
   <p:sldSz cx="12192000" cy="6858000"/>
   <p:notesSz cx="6858000" cy="9144000"/>
@@ -285,7 +298,7 @@
           <a:p>
             <a:fld id="{90B9546A-7969-4B1B-92AE-0EBC43C27576}" type="datetimeFigureOut">
               <a:rPr lang="en-US" smtClean="0"/>
-              <a:t>5/1/2020</a:t>
+              <a:t>5/22/2020</a:t>
             </a:fld>
             <a:endParaRPr lang="en-US"/>
           </a:p>
@@ -483,7 +496,7 @@
           <a:p>
             <a:fld id="{90B9546A-7969-4B1B-92AE-0EBC43C27576}" type="datetimeFigureOut">
               <a:rPr lang="en-US" smtClean="0"/>
-              <a:t>5/1/2020</a:t>
+              <a:t>5/22/2020</a:t>
             </a:fld>
             <a:endParaRPr lang="en-US"/>
           </a:p>
@@ -691,7 +704,7 @@
           <a:p>
             <a:fld id="{90B9546A-7969-4B1B-92AE-0EBC43C27576}" type="datetimeFigureOut">
               <a:rPr lang="en-US" smtClean="0"/>
-              <a:t>5/1/2020</a:t>
+              <a:t>5/22/2020</a:t>
             </a:fld>
             <a:endParaRPr lang="en-US"/>
           </a:p>
@@ -889,7 +902,7 @@
           <a:p>
             <a:fld id="{90B9546A-7969-4B1B-92AE-0EBC43C27576}" type="datetimeFigureOut">
               <a:rPr lang="en-US" smtClean="0"/>
-              <a:t>5/1/2020</a:t>
+              <a:t>5/22/2020</a:t>
             </a:fld>
             <a:endParaRPr lang="en-US"/>
           </a:p>
@@ -1164,7 +1177,7 @@
           <a:p>
             <a:fld id="{90B9546A-7969-4B1B-92AE-0EBC43C27576}" type="datetimeFigureOut">
               <a:rPr lang="en-US" smtClean="0"/>
-              <a:t>5/1/2020</a:t>
+              <a:t>5/22/2020</a:t>
             </a:fld>
             <a:endParaRPr lang="en-US"/>
           </a:p>
@@ -1429,7 +1442,7 @@
           <a:p>
             <a:fld id="{90B9546A-7969-4B1B-92AE-0EBC43C27576}" type="datetimeFigureOut">
               <a:rPr lang="en-US" smtClean="0"/>
-              <a:t>5/1/2020</a:t>
+              <a:t>5/22/2020</a:t>
             </a:fld>
             <a:endParaRPr lang="en-US"/>
           </a:p>
@@ -1841,7 +1854,7 @@
           <a:p>
             <a:fld id="{90B9546A-7969-4B1B-92AE-0EBC43C27576}" type="datetimeFigureOut">
               <a:rPr lang="en-US" smtClean="0"/>
-              <a:t>5/1/2020</a:t>
+              <a:t>5/22/2020</a:t>
             </a:fld>
             <a:endParaRPr lang="en-US"/>
           </a:p>
@@ -1982,7 +1995,7 @@
           <a:p>
             <a:fld id="{90B9546A-7969-4B1B-92AE-0EBC43C27576}" type="datetimeFigureOut">
               <a:rPr lang="en-US" smtClean="0"/>
-              <a:t>5/1/2020</a:t>
+              <a:t>5/22/2020</a:t>
             </a:fld>
             <a:endParaRPr lang="en-US"/>
           </a:p>
@@ -2095,7 +2108,7 @@
           <a:p>
             <a:fld id="{90B9546A-7969-4B1B-92AE-0EBC43C27576}" type="datetimeFigureOut">
               <a:rPr lang="en-US" smtClean="0"/>
-              <a:t>5/1/2020</a:t>
+              <a:t>5/22/2020</a:t>
             </a:fld>
             <a:endParaRPr lang="en-US"/>
           </a:p>
@@ -2406,7 +2419,7 @@
           <a:p>
             <a:fld id="{90B9546A-7969-4B1B-92AE-0EBC43C27576}" type="datetimeFigureOut">
               <a:rPr lang="en-US" smtClean="0"/>
-              <a:t>5/1/2020</a:t>
+              <a:t>5/22/2020</a:t>
             </a:fld>
             <a:endParaRPr lang="en-US"/>
           </a:p>
@@ -2694,7 +2707,7 @@
           <a:p>
             <a:fld id="{90B9546A-7969-4B1B-92AE-0EBC43C27576}" type="datetimeFigureOut">
               <a:rPr lang="en-US" smtClean="0"/>
-              <a:t>5/1/2020</a:t>
+              <a:t>5/22/2020</a:t>
             </a:fld>
             <a:endParaRPr lang="en-US"/>
           </a:p>
@@ -2935,7 +2948,7 @@
           <a:p>
             <a:fld id="{90B9546A-7969-4B1B-92AE-0EBC43C27576}" type="datetimeFigureOut">
               <a:rPr lang="en-US" smtClean="0"/>
-              <a:t>5/1/2020</a:t>
+              <a:t>5/22/2020</a:t>
             </a:fld>
             <a:endParaRPr lang="en-US"/>
           </a:p>
@@ -3426,7 +3439,7 @@
           <a:p>
             <a:r>
               <a:rPr lang="en-US" dirty="0"/>
-              <a:t>3/11/2020</a:t>
+              <a:t>5/27/2020</a:t>
             </a:r>
           </a:p>
           <a:p>
@@ -3537,6 +3550,9 @@
           <a:bodyPr/>
           <a:lstStyle/>
           <a:p>
+            <a:pPr marL="0" indent="0">
+              <a:buNone/>
+            </a:pPr>
             <a:r>
               <a:rPr lang="en-US" dirty="0"/>
               <a:t>One step at a time...</a:t>
@@ -3590,14 +3606,27 @@
             <p:ph type="title"/>
           </p:nvPr>
         </p:nvSpPr>
-        <p:spPr/>
+        <p:spPr>
+          <a:xfrm>
+            <a:off x="530289" y="477092"/>
+            <a:ext cx="10515600" cy="1325563"/>
+          </a:xfrm>
+        </p:spPr>
         <p:txBody>
           <a:bodyPr/>
           <a:lstStyle/>
           <a:p>
             <a:r>
               <a:rPr lang="en-US" dirty="0"/>
-              <a:t>“Star Chaser”</a:t>
+              <a:t>“</a:t>
+            </a:r>
+            <a:r>
+              <a:rPr lang="en-US" dirty="0" err="1"/>
+              <a:t>StarChaser</a:t>
+            </a:r>
+            <a:r>
+              <a:rPr lang="en-US" dirty="0"/>
+              <a:t>”</a:t>
             </a:r>
           </a:p>
         </p:txBody>
@@ -3620,7 +3649,7 @@
         </p:nvSpPr>
         <p:spPr>
           <a:xfrm>
-            <a:off x="838200" y="2869035"/>
+            <a:off x="838200" y="3014384"/>
             <a:ext cx="10515600" cy="3478491"/>
           </a:xfrm>
         </p:spPr>
@@ -3632,7 +3661,15 @@
           <a:p>
             <a:r>
               <a:rPr lang="en-US" dirty="0"/>
-              <a:t>Game where you compete to classify Supernovas (exploding stars)</a:t>
+              <a:t>Game where you compete to classify stars (Supernova, Pulsar, </a:t>
+            </a:r>
+            <a:r>
+              <a:rPr lang="en-US" dirty="0" err="1"/>
+              <a:t>etc</a:t>
+            </a:r>
+            <a:r>
+              <a:rPr lang="en-US" dirty="0"/>
+              <a:t>)</a:t>
             </a:r>
           </a:p>
           <a:p>
@@ -3663,7 +3700,7 @@
             </a:r>
             <a:r>
               <a:rPr lang="en-US" dirty="0"/>
-              <a:t> Machine Learning (classification)</a:t>
+              <a:t> Machine Learning</a:t>
             </a:r>
           </a:p>
           <a:p>
@@ -3703,8 +3740,8 @@
         </p:blipFill>
         <p:spPr>
           <a:xfrm>
-            <a:off x="4926564" y="365125"/>
-            <a:ext cx="6743310" cy="2147558"/>
+            <a:off x="4833257" y="365125"/>
+            <a:ext cx="6901931" cy="2198074"/>
           </a:xfrm>
           <a:prstGeom prst="rect">
             <a:avLst/>
@@ -3764,7 +3801,7 @@
           <a:p>
             <a:r>
               <a:rPr lang="en-US" dirty="0"/>
-              <a:t>Best Practices</a:t>
+              <a:t>Best Practices in Web App Design</a:t>
             </a:r>
           </a:p>
         </p:txBody>
@@ -3788,7 +3825,7 @@
         <p:spPr/>
         <p:txBody>
           <a:bodyPr>
-            <a:normAutofit fontScale="70000" lnSpcReduction="20000"/>
+            <a:normAutofit fontScale="62500" lnSpcReduction="20000"/>
           </a:bodyPr>
           <a:lstStyle/>
           <a:p>
@@ -3836,7 +3873,13 @@
           <a:p>
             <a:r>
               <a:rPr lang="en-US" dirty="0"/>
-              <a:t>Identify Audience and Key Points</a:t>
+              <a:t>Identify Audience</a:t>
+            </a:r>
+          </a:p>
+          <a:p>
+            <a:r>
+              <a:rPr lang="en-US" dirty="0"/>
+              <a:t>Key Points</a:t>
             </a:r>
           </a:p>
           <a:p>
@@ -4895,7 +4938,14 @@
             </a:r>
             <a:r>
               <a:rPr lang="en-US" dirty="0"/>
-              <a:t> page - highlight merge of TensorFlow ML results with local database</a:t>
+              <a:t> page:</a:t>
+            </a:r>
+          </a:p>
+          <a:p>
+            <a:pPr lvl="1"/>
+            <a:r>
+              <a:rPr lang="en-US" dirty="0"/>
+              <a:t>Highlight merge of TensorFlow ML results with local database</a:t>
             </a:r>
           </a:p>
           <a:p>
@@ -5784,42 +5834,36 @@
           </a:p>
         </p:txBody>
       </p:sp>
-      <p:sp>
-        <p:nvSpPr>
-          <p:cNvPr id="3" name="Content Placeholder 2">
-            <a:extLst>
-              <a:ext uri="{FF2B5EF4-FFF2-40B4-BE49-F238E27FC236}">
-                <a16:creationId xmlns:a16="http://schemas.microsoft.com/office/drawing/2014/main" id="{9D5A41D5-9940-4B4B-AF23-B0F5E0A6A931}"/>
-              </a:ext>
-            </a:extLst>
-          </p:cNvPr>
-          <p:cNvSpPr>
-            <a:spLocks noGrp="1"/>
-          </p:cNvSpPr>
-          <p:nvPr>
-            <p:ph idx="1"/>
-          </p:nvPr>
-        </p:nvSpPr>
-        <p:spPr/>
-        <p:txBody>
-          <a:bodyPr/>
-          <a:lstStyle/>
-          <a:p>
-            <a:r>
-              <a:rPr lang="en-US" dirty="0"/>
-              <a:t>&lt;link to .pdf on </a:t>
-            </a:r>
-            <a:r>
-              <a:rPr lang="en-US" dirty="0" err="1"/>
-              <a:t>github</a:t>
-            </a:r>
-            <a:r>
-              <a:rPr lang="en-US" dirty="0"/>
-              <a:t>&gt;</a:t>
-            </a:r>
-          </a:p>
-        </p:txBody>
-      </p:sp>
+      <p:pic>
+        <p:nvPicPr>
+          <p:cNvPr id="8" name="Picture 7">
+            <a:extLst>
+              <a:ext uri="{FF2B5EF4-FFF2-40B4-BE49-F238E27FC236}">
+                <a16:creationId xmlns:a16="http://schemas.microsoft.com/office/drawing/2014/main" id="{0E2992C2-10BB-4805-B49B-C7CCBD2942C3}"/>
+              </a:ext>
+            </a:extLst>
+          </p:cNvPr>
+          <p:cNvPicPr>
+            <a:picLocks noChangeAspect="1"/>
+          </p:cNvPicPr>
+          <p:nvPr/>
+        </p:nvPicPr>
+        <p:blipFill>
+          <a:blip r:embed="rId2"/>
+          <a:stretch>
+            <a:fillRect/>
+          </a:stretch>
+        </p:blipFill>
+        <p:spPr>
+          <a:xfrm>
+            <a:off x="491152" y="1325562"/>
+            <a:ext cx="11209696" cy="4986338"/>
+          </a:xfrm>
+          <a:prstGeom prst="rect">
+            <a:avLst/>
+          </a:prstGeom>
+        </p:spPr>
+      </p:pic>
     </p:spTree>
     <p:extLst>
       <p:ext uri="{BB962C8B-B14F-4D97-AF65-F5344CB8AC3E}">
@@ -5850,40 +5894,12 @@
           <a:chExt cx="0" cy="0"/>
         </a:xfrm>
       </p:grpSpPr>
-      <p:sp>
-        <p:nvSpPr>
-          <p:cNvPr id="2" name="Title 1">
-            <a:extLst>
-              <a:ext uri="{FF2B5EF4-FFF2-40B4-BE49-F238E27FC236}">
-                <a16:creationId xmlns:a16="http://schemas.microsoft.com/office/drawing/2014/main" id="{73235461-01C8-4E07-BF82-8BA3964040AC}"/>
-              </a:ext>
-            </a:extLst>
-          </p:cNvPr>
-          <p:cNvSpPr>
-            <a:spLocks noGrp="1"/>
-          </p:cNvSpPr>
-          <p:nvPr>
-            <p:ph type="title"/>
-          </p:nvPr>
-        </p:nvSpPr>
-        <p:spPr/>
-        <p:txBody>
-          <a:bodyPr/>
-          <a:lstStyle/>
-          <a:p>
-            <a:r>
-              <a:rPr lang="en-US" dirty="0"/>
-              <a:t>Schema</a:t>
-            </a:r>
-          </a:p>
-        </p:txBody>
-      </p:sp>
       <p:pic>
         <p:nvPicPr>
           <p:cNvPr id="4" name="Picture 3">
             <a:extLst>
               <a:ext uri="{FF2B5EF4-FFF2-40B4-BE49-F238E27FC236}">
-                <a16:creationId xmlns:a16="http://schemas.microsoft.com/office/drawing/2014/main" id="{5DEC7314-4587-4E6C-8CF0-08DB41DA440E}"/>
+                <a16:creationId xmlns:a16="http://schemas.microsoft.com/office/drawing/2014/main" id="{F7A4F6E8-F547-4B3D-90AC-CBB3A05765C1}"/>
               </a:ext>
             </a:extLst>
           </p:cNvPr>
@@ -5900,8 +5916,8 @@
         </p:blipFill>
         <p:spPr>
           <a:xfrm>
-            <a:off x="2079755" y="1292679"/>
-            <a:ext cx="8629650" cy="5448300"/>
+            <a:off x="1008062" y="487362"/>
+            <a:ext cx="9824243" cy="5583238"/>
           </a:xfrm>
           <a:prstGeom prst="rect">
             <a:avLst/>
@@ -5911,7 +5927,7 @@
     </p:spTree>
     <p:extLst>
       <p:ext uri="{BB962C8B-B14F-4D97-AF65-F5344CB8AC3E}">
-        <p14:creationId xmlns:p14="http://schemas.microsoft.com/office/powerpoint/2010/main" val="49194344"/>
+        <p14:creationId xmlns:p14="http://schemas.microsoft.com/office/powerpoint/2010/main" val="3415282027"/>
       </p:ext>
     </p:extLst>
   </p:cSld>
@@ -5938,63 +5954,40 @@
           <a:chExt cx="0" cy="0"/>
         </a:xfrm>
       </p:grpSpPr>
-      <p:sp>
-        <p:nvSpPr>
-          <p:cNvPr id="2" name="Title 1">
-            <a:extLst>
-              <a:ext uri="{FF2B5EF4-FFF2-40B4-BE49-F238E27FC236}">
-                <a16:creationId xmlns:a16="http://schemas.microsoft.com/office/drawing/2014/main" id="{7FC1D40A-98BF-4CBE-A35A-F1D122BEA5E6}"/>
-              </a:ext>
-            </a:extLst>
-          </p:cNvPr>
-          <p:cNvSpPr>
-            <a:spLocks noGrp="1"/>
-          </p:cNvSpPr>
-          <p:nvPr>
-            <p:ph type="title"/>
-          </p:nvPr>
-        </p:nvSpPr>
-        <p:spPr/>
-        <p:txBody>
-          <a:bodyPr/>
-          <a:lstStyle/>
-          <a:p>
-            <a:r>
-              <a:rPr lang="en-US" dirty="0"/>
-              <a:t>Development...</a:t>
-            </a:r>
-          </a:p>
-        </p:txBody>
-      </p:sp>
-      <p:sp>
-        <p:nvSpPr>
-          <p:cNvPr id="3" name="Content Placeholder 2">
-            <a:extLst>
-              <a:ext uri="{FF2B5EF4-FFF2-40B4-BE49-F238E27FC236}">
-                <a16:creationId xmlns:a16="http://schemas.microsoft.com/office/drawing/2014/main" id="{2D523DCF-C694-46AC-B406-E58354147EA9}"/>
-              </a:ext>
-            </a:extLst>
-          </p:cNvPr>
-          <p:cNvSpPr>
-            <a:spLocks noGrp="1"/>
-          </p:cNvSpPr>
-          <p:nvPr>
-            <p:ph idx="1"/>
-          </p:nvPr>
-        </p:nvSpPr>
-        <p:spPr/>
-        <p:txBody>
-          <a:bodyPr/>
-          <a:lstStyle/>
-          <a:p>
-            <a:endParaRPr lang="en-US" dirty="0"/>
-          </a:p>
-        </p:txBody>
-      </p:sp>
+      <p:pic>
+        <p:nvPicPr>
+          <p:cNvPr id="4" name="Picture 3">
+            <a:extLst>
+              <a:ext uri="{FF2B5EF4-FFF2-40B4-BE49-F238E27FC236}">
+                <a16:creationId xmlns:a16="http://schemas.microsoft.com/office/drawing/2014/main" id="{AB9F2B36-7432-4338-AAE6-F1336BBDE8C4}"/>
+              </a:ext>
+            </a:extLst>
+          </p:cNvPr>
+          <p:cNvPicPr>
+            <a:picLocks noChangeAspect="1"/>
+          </p:cNvPicPr>
+          <p:nvPr/>
+        </p:nvPicPr>
+        <p:blipFill>
+          <a:blip r:embed="rId2"/>
+          <a:stretch>
+            <a:fillRect/>
+          </a:stretch>
+        </p:blipFill>
+        <p:spPr>
+          <a:xfrm>
+            <a:off x="1763000" y="428624"/>
+            <a:ext cx="8665999" cy="6289675"/>
+          </a:xfrm>
+          <a:prstGeom prst="rect">
+            <a:avLst/>
+          </a:prstGeom>
+        </p:spPr>
+      </p:pic>
     </p:spTree>
     <p:extLst>
       <p:ext uri="{BB962C8B-B14F-4D97-AF65-F5344CB8AC3E}">
-        <p14:creationId xmlns:p14="http://schemas.microsoft.com/office/powerpoint/2010/main" val="3173424278"/>
+        <p14:creationId xmlns:p14="http://schemas.microsoft.com/office/powerpoint/2010/main" val="3691378618"/>
       </p:ext>
     </p:extLst>
   </p:cSld>
@@ -6068,7 +6061,7 @@
         <p:spPr/>
         <p:txBody>
           <a:bodyPr>
-            <a:normAutofit fontScale="70000" lnSpcReduction="20000"/>
+            <a:normAutofit/>
           </a:bodyPr>
           <a:lstStyle/>
           <a:p>
@@ -6083,7 +6076,7 @@
           <a:p>
             <a:r>
               <a:rPr lang="en-US" dirty="0"/>
-              <a:t>Django Overview and Tic-Tac-Toe Application</a:t>
+              <a:t>Django Basic Web Application (Tic-Tac-Toe)</a:t>
             </a:r>
           </a:p>
           <a:p>
@@ -6091,102 +6084,60 @@
               <a:buNone/>
             </a:pPr>
             <a:r>
-              <a:rPr lang="en-US" sz="1700" dirty="0">
+              <a:rPr lang="en-US" sz="1600" dirty="0">
                 <a:hlinkClick r:id="rId2"/>
               </a:rPr>
               <a:t>https://github.com/cwinsor/django_102_pluralsight/blob/master/django_web_app_framework_intro.pdf</a:t>
             </a:r>
-            <a:endParaRPr lang="en-US" sz="1700" dirty="0"/>
+            <a:endParaRPr lang="en-US" sz="1600" dirty="0"/>
           </a:p>
           <a:p>
             <a:pPr marL="0" indent="0">
               <a:buNone/>
             </a:pPr>
             <a:r>
-              <a:rPr lang="en-US" sz="1700" dirty="0">
+              <a:rPr lang="en-US" sz="1600" dirty="0">
                 <a:hlinkClick r:id="rId3"/>
               </a:rPr>
-              <a:t>https://github.com/cwinsor/django_102_pluralsight </a:t>
-            </a:r>
-            <a:endParaRPr lang="en-US" sz="1700" dirty="0"/>
-          </a:p>
-          <a:p>
+              <a:t>https://app.pluralsight.com/library/courses/django-fundamentals-update/table-of-contents</a:t>
+            </a:r>
             <a:endParaRPr lang="en-US" dirty="0"/>
           </a:p>
           <a:p>
             <a:pPr marL="0" indent="0">
               <a:buNone/>
             </a:pPr>
+            <a:endParaRPr lang="en-US" sz="3500" dirty="0"/>
+          </a:p>
+          <a:p>
+            <a:pPr marL="0" indent="0">
+              <a:buNone/>
+            </a:pPr>
             <a:r>
               <a:rPr lang="en-US" sz="3500" dirty="0"/>
-              <a:t>This time: </a:t>
-            </a:r>
-            <a:r>
-              <a:rPr lang="en-US" dirty="0"/>
-              <a:t>“</a:t>
-            </a:r>
-            <a:r>
-              <a:rPr lang="en-US" dirty="0" err="1"/>
-              <a:t>StarChaser</a:t>
-            </a:r>
-            <a:r>
-              <a:rPr lang="en-US" dirty="0"/>
-              <a:t>” Web Application</a:t>
-            </a:r>
-          </a:p>
-          <a:p>
-            <a:r>
-              <a:rPr lang="en-US" dirty="0"/>
-              <a:t> Planning</a:t>
-            </a:r>
-          </a:p>
-          <a:p>
-            <a:pPr lvl="1"/>
-            <a:r>
-              <a:rPr lang="en-US" dirty="0"/>
-              <a:t>Requirements</a:t>
-            </a:r>
-          </a:p>
-          <a:p>
-            <a:pPr lvl="1"/>
-            <a:r>
-              <a:rPr lang="en-US" dirty="0"/>
-              <a:t>Personas</a:t>
-            </a:r>
-          </a:p>
-          <a:p>
-            <a:pPr lvl="1"/>
-            <a:r>
-              <a:rPr lang="en-US" dirty="0"/>
-              <a:t>Wireframes</a:t>
-            </a:r>
-          </a:p>
-          <a:p>
-            <a:pPr lvl="1"/>
-            <a:r>
-              <a:rPr lang="en-US" dirty="0"/>
-              <a:t>Priority Content</a:t>
-            </a:r>
-          </a:p>
-          <a:p>
-            <a:pPr lvl="1"/>
-            <a:r>
-              <a:rPr lang="en-US" dirty="0"/>
-              <a:t>Code (Django, Postgres, TensorFlow, Kaggle)</a:t>
-            </a:r>
-          </a:p>
-          <a:p>
-            <a:pPr algn="just"/>
-            <a:r>
-              <a:rPr lang="en-US" dirty="0"/>
-              <a:t>AWS EB (Elastic Beanstalk) Deploy</a:t>
-            </a:r>
-          </a:p>
-          <a:p>
-            <a:r>
-              <a:rPr lang="en-US" dirty="0"/>
-              <a:t>Data Visualization (Google Charts)</a:t>
-            </a:r>
+              <a:t>This time:</a:t>
+            </a:r>
+          </a:p>
+          <a:p>
+            <a:r>
+              <a:rPr lang="en-US" dirty="0"/>
+              <a:t>Django Web Application with Machine Learning model, Kaggle dataset, Postgres, Google Charts</a:t>
+            </a:r>
+          </a:p>
+          <a:p>
+            <a:pPr marL="0" indent="0">
+              <a:buNone/>
+            </a:pPr>
+            <a:r>
+              <a:rPr lang="en-US" sz="1600" dirty="0">
+                <a:hlinkClick r:id="rId4"/>
+              </a:rPr>
+              <a:t>https://github.com/cwinsor/django_103_plasticc_and_ux/blob/master/presentation.pptx</a:t>
+            </a:r>
+            <a:endParaRPr lang="en-US" sz="1600" dirty="0"/>
+          </a:p>
+          <a:p>
+            <a:endParaRPr lang="en-US" sz="2000" dirty="0"/>
           </a:p>
         </p:txBody>
       </p:sp>
@@ -6220,81 +6171,12 @@
           <a:chExt cx="0" cy="0"/>
         </a:xfrm>
       </p:grpSpPr>
-      <p:sp>
-        <p:nvSpPr>
-          <p:cNvPr id="2" name="Title 1">
-            <a:extLst>
-              <a:ext uri="{FF2B5EF4-FFF2-40B4-BE49-F238E27FC236}">
-                <a16:creationId xmlns:a16="http://schemas.microsoft.com/office/drawing/2014/main" id="{504B7C1F-E423-4587-AD63-A889BAE3F03F}"/>
-              </a:ext>
-            </a:extLst>
-          </p:cNvPr>
-          <p:cNvSpPr>
-            <a:spLocks noGrp="1"/>
-          </p:cNvSpPr>
-          <p:nvPr>
-            <p:ph type="title"/>
-          </p:nvPr>
-        </p:nvSpPr>
-        <p:spPr/>
-        <p:txBody>
-          <a:bodyPr/>
-          <a:lstStyle/>
-          <a:p>
-            <a:r>
-              <a:rPr lang="en-US" dirty="0"/>
-              <a:t>Data Visualization</a:t>
-            </a:r>
-          </a:p>
-        </p:txBody>
-      </p:sp>
-      <p:sp>
-        <p:nvSpPr>
-          <p:cNvPr id="3" name="Content Placeholder 2">
-            <a:extLst>
-              <a:ext uri="{FF2B5EF4-FFF2-40B4-BE49-F238E27FC236}">
-                <a16:creationId xmlns:a16="http://schemas.microsoft.com/office/drawing/2014/main" id="{069B53B7-D426-49E6-942F-CD87BB641717}"/>
-              </a:ext>
-            </a:extLst>
-          </p:cNvPr>
-          <p:cNvSpPr>
-            <a:spLocks noGrp="1"/>
-          </p:cNvSpPr>
-          <p:nvPr>
-            <p:ph idx="1"/>
-          </p:nvPr>
-        </p:nvSpPr>
-        <p:spPr>
-          <a:xfrm>
-            <a:off x="576942" y="1690688"/>
-            <a:ext cx="10515599" cy="595312"/>
-          </a:xfrm>
-        </p:spPr>
-        <p:txBody>
-          <a:bodyPr>
-            <a:normAutofit/>
-          </a:bodyPr>
-          <a:lstStyle/>
-          <a:p>
-            <a:r>
-              <a:rPr lang="en-US" dirty="0"/>
-              <a:t>Tons of libraries.  High end (D3.js) to basic (Google Charts)</a:t>
-            </a:r>
-          </a:p>
-          <a:p>
-            <a:pPr marL="0" indent="0">
-              <a:buNone/>
-            </a:pPr>
-            <a:endParaRPr lang="en-US" dirty="0"/>
-          </a:p>
-        </p:txBody>
-      </p:sp>
       <p:pic>
         <p:nvPicPr>
           <p:cNvPr id="4" name="Picture 3">
             <a:extLst>
               <a:ext uri="{FF2B5EF4-FFF2-40B4-BE49-F238E27FC236}">
-                <a16:creationId xmlns:a16="http://schemas.microsoft.com/office/drawing/2014/main" id="{C3B25813-2046-484F-85F0-BAAD76DDEB7E}"/>
+                <a16:creationId xmlns:a16="http://schemas.microsoft.com/office/drawing/2014/main" id="{B63C5D98-CEBF-4128-80AD-2767FF99AAF7}"/>
               </a:ext>
             </a:extLst>
           </p:cNvPr>
@@ -6311,136 +6193,18 @@
         </p:blipFill>
         <p:spPr>
           <a:xfrm>
-            <a:off x="4182943" y="2286000"/>
-            <a:ext cx="7170857" cy="3462240"/>
+            <a:off x="1117122" y="465137"/>
+            <a:ext cx="9957756" cy="5668963"/>
           </a:xfrm>
           <a:prstGeom prst="rect">
             <a:avLst/>
           </a:prstGeom>
         </p:spPr>
       </p:pic>
-      <p:sp>
-        <p:nvSpPr>
-          <p:cNvPr id="5" name="Rectangle 4">
-            <a:extLst>
-              <a:ext uri="{FF2B5EF4-FFF2-40B4-BE49-F238E27FC236}">
-                <a16:creationId xmlns:a16="http://schemas.microsoft.com/office/drawing/2014/main" id="{563B469A-08EF-4462-B54E-6D512F0937C6}"/>
-              </a:ext>
-            </a:extLst>
-          </p:cNvPr>
-          <p:cNvSpPr/>
-          <p:nvPr/>
-        </p:nvSpPr>
-        <p:spPr>
-          <a:xfrm>
-            <a:off x="753943" y="5938877"/>
-            <a:ext cx="10338598" cy="553998"/>
-          </a:xfrm>
-          <a:prstGeom prst="rect">
-            <a:avLst/>
-          </a:prstGeom>
-        </p:spPr>
-        <p:txBody>
-          <a:bodyPr wrap="square">
-            <a:spAutoFit/>
-          </a:bodyPr>
-          <a:lstStyle/>
-          <a:p>
-            <a:r>
-              <a:rPr lang="en-US" sz="1000" dirty="0"/>
-              <a:t>References:</a:t>
-            </a:r>
-          </a:p>
-          <a:p>
-            <a:pPr lvl="1"/>
-            <a:r>
-              <a:rPr lang="en-US" sz="1000" dirty="0">
-                <a:hlinkClick r:id="rId3"/>
-              </a:rPr>
-              <a:t>https://app.pluralsight.com/library/courses/build-first-data-visualization-google-charts</a:t>
-            </a:r>
-            <a:endParaRPr lang="en-US" sz="1000" dirty="0"/>
-          </a:p>
-          <a:p>
-            <a:pPr lvl="1"/>
-            <a:r>
-              <a:rPr lang="en-US" sz="1000" dirty="0">
-                <a:hlinkClick r:id="rId4"/>
-              </a:rPr>
-              <a:t>https://www.sitepoint.com/best-javascript-charting-libraries/</a:t>
-            </a:r>
-            <a:endParaRPr lang="en-US" sz="1000" dirty="0"/>
-          </a:p>
-        </p:txBody>
-      </p:sp>
-      <p:sp>
-        <p:nvSpPr>
-          <p:cNvPr id="6" name="Rectangle 5">
-            <a:extLst>
-              <a:ext uri="{FF2B5EF4-FFF2-40B4-BE49-F238E27FC236}">
-                <a16:creationId xmlns:a16="http://schemas.microsoft.com/office/drawing/2014/main" id="{86D4800D-C305-4570-B941-6DE0E4573E1F}"/>
-              </a:ext>
-            </a:extLst>
-          </p:cNvPr>
-          <p:cNvSpPr/>
-          <p:nvPr/>
-        </p:nvSpPr>
-        <p:spPr>
-          <a:xfrm>
-            <a:off x="576942" y="2496146"/>
-            <a:ext cx="3136642" cy="1938992"/>
-          </a:xfrm>
-          <a:prstGeom prst="rect">
-            <a:avLst/>
-          </a:prstGeom>
-        </p:spPr>
-        <p:txBody>
-          <a:bodyPr wrap="square">
-            <a:spAutoFit/>
-          </a:bodyPr>
-          <a:lstStyle/>
-          <a:p>
-            <a:pPr marL="285750" indent="-285750">
-              <a:buFont typeface="Arial" panose="020B0604020202020204" pitchFamily="34" charset="0"/>
-              <a:buChar char="•"/>
-            </a:pPr>
-            <a:r>
-              <a:rPr lang="en-US" sz="2000" dirty="0"/>
-              <a:t>Initial exploration is by Jupyter Notebook and/or Pandas/</a:t>
-            </a:r>
-            <a:r>
-              <a:rPr lang="en-US" sz="2000" dirty="0" err="1"/>
-              <a:t>MatplotLib</a:t>
-            </a:r>
-            <a:r>
-              <a:rPr lang="en-US" sz="2000" dirty="0"/>
-              <a:t>... see Titanic and </a:t>
-            </a:r>
-            <a:r>
-              <a:rPr lang="en-US" sz="2000" dirty="0" err="1"/>
-              <a:t>PLAsTiCC</a:t>
-            </a:r>
-            <a:r>
-              <a:rPr lang="en-US" sz="2000" dirty="0"/>
-              <a:t> #1</a:t>
-            </a:r>
-          </a:p>
-          <a:p>
-            <a:pPr marL="285750" indent="-285750">
-              <a:buFont typeface="Arial" panose="020B0604020202020204" pitchFamily="34" charset="0"/>
-              <a:buChar char="•"/>
-            </a:pPr>
-            <a:r>
-              <a:rPr lang="en-US" sz="2000" dirty="0"/>
-              <a:t>For Web App I went with Google Charts</a:t>
-            </a:r>
-          </a:p>
-        </p:txBody>
-      </p:sp>
     </p:spTree>
     <p:extLst>
       <p:ext uri="{BB962C8B-B14F-4D97-AF65-F5344CB8AC3E}">
-        <p14:creationId xmlns:p14="http://schemas.microsoft.com/office/powerpoint/2010/main" val="3004834643"/>
+        <p14:creationId xmlns:p14="http://schemas.microsoft.com/office/powerpoint/2010/main" val="3315933741"/>
       </p:ext>
     </p:extLst>
   </p:cSld>
@@ -6467,40 +6231,12 @@
           <a:chExt cx="0" cy="0"/>
         </a:xfrm>
       </p:grpSpPr>
-      <p:sp>
-        <p:nvSpPr>
-          <p:cNvPr id="2" name="Title 1">
-            <a:extLst>
-              <a:ext uri="{FF2B5EF4-FFF2-40B4-BE49-F238E27FC236}">
-                <a16:creationId xmlns:a16="http://schemas.microsoft.com/office/drawing/2014/main" id="{DC6CAB97-7247-440A-8842-E575D7625847}"/>
-              </a:ext>
-            </a:extLst>
-          </p:cNvPr>
-          <p:cNvSpPr>
-            <a:spLocks noGrp="1"/>
-          </p:cNvSpPr>
-          <p:nvPr>
-            <p:ph type="title"/>
-          </p:nvPr>
-        </p:nvSpPr>
-        <p:spPr/>
-        <p:txBody>
-          <a:bodyPr/>
-          <a:lstStyle/>
-          <a:p>
-            <a:r>
-              <a:rPr lang="en-US" dirty="0"/>
-              <a:t>Visualization</a:t>
-            </a:r>
-          </a:p>
-        </p:txBody>
-      </p:sp>
       <p:pic>
         <p:nvPicPr>
           <p:cNvPr id="4" name="Picture 3">
             <a:extLst>
               <a:ext uri="{FF2B5EF4-FFF2-40B4-BE49-F238E27FC236}">
-                <a16:creationId xmlns:a16="http://schemas.microsoft.com/office/drawing/2014/main" id="{91BBDDC0-06F1-478A-A695-DEF55B098A7B}"/>
+                <a16:creationId xmlns:a16="http://schemas.microsoft.com/office/drawing/2014/main" id="{AC94AB47-94FB-4048-B1A9-0C25423BCF47}"/>
               </a:ext>
             </a:extLst>
           </p:cNvPr>
@@ -6517,62 +6253,18 @@
         </p:blipFill>
         <p:spPr>
           <a:xfrm>
-            <a:off x="729342" y="1368098"/>
-            <a:ext cx="10122159" cy="4842322"/>
+            <a:off x="1590785" y="178593"/>
+            <a:ext cx="9010429" cy="6500813"/>
           </a:xfrm>
           <a:prstGeom prst="rect">
             <a:avLst/>
           </a:prstGeom>
         </p:spPr>
       </p:pic>
-      <p:sp>
-        <p:nvSpPr>
-          <p:cNvPr id="5" name="Rectangle 4">
-            <a:extLst>
-              <a:ext uri="{FF2B5EF4-FFF2-40B4-BE49-F238E27FC236}">
-                <a16:creationId xmlns:a16="http://schemas.microsoft.com/office/drawing/2014/main" id="{A5CAF724-1FD4-4D61-9153-0D915CEB5789}"/>
-              </a:ext>
-            </a:extLst>
-          </p:cNvPr>
-          <p:cNvSpPr/>
-          <p:nvPr/>
-        </p:nvSpPr>
-        <p:spPr>
-          <a:xfrm>
-            <a:off x="519404" y="6200487"/>
-            <a:ext cx="8305800" cy="400110"/>
-          </a:xfrm>
-          <a:prstGeom prst="rect">
-            <a:avLst/>
-          </a:prstGeom>
-        </p:spPr>
-        <p:txBody>
-          <a:bodyPr wrap="square">
-            <a:spAutoFit/>
-          </a:bodyPr>
-          <a:lstStyle/>
-          <a:p>
-            <a:r>
-              <a:rPr lang="en-US" sz="1000" dirty="0"/>
-              <a:t>Reference:</a:t>
-            </a:r>
-          </a:p>
-          <a:p>
-            <a:pPr lvl="1"/>
-            <a:r>
-              <a:rPr lang="en-US" sz="1000" dirty="0">
-                <a:hlinkClick r:id="rId3"/>
-              </a:rPr>
-              <a:t>https://app.pluralsight.com/library/courses/build-first-data-visualization-google-charts</a:t>
-            </a:r>
-            <a:endParaRPr lang="en-US" sz="1000" dirty="0"/>
-          </a:p>
-        </p:txBody>
-      </p:sp>
     </p:spTree>
     <p:extLst>
       <p:ext uri="{BB962C8B-B14F-4D97-AF65-F5344CB8AC3E}">
-        <p14:creationId xmlns:p14="http://schemas.microsoft.com/office/powerpoint/2010/main" val="1735886717"/>
+        <p14:creationId xmlns:p14="http://schemas.microsoft.com/office/powerpoint/2010/main" val="3889543747"/>
       </p:ext>
     </p:extLst>
   </p:cSld>
@@ -6599,56 +6291,12 @@
           <a:chExt cx="0" cy="0"/>
         </a:xfrm>
       </p:grpSpPr>
-      <p:sp>
-        <p:nvSpPr>
-          <p:cNvPr id="5" name="Rectangle 4">
-            <a:extLst>
-              <a:ext uri="{FF2B5EF4-FFF2-40B4-BE49-F238E27FC236}">
-                <a16:creationId xmlns:a16="http://schemas.microsoft.com/office/drawing/2014/main" id="{563B469A-08EF-4462-B54E-6D512F0937C6}"/>
-              </a:ext>
-            </a:extLst>
-          </p:cNvPr>
-          <p:cNvSpPr/>
-          <p:nvPr/>
-        </p:nvSpPr>
-        <p:spPr>
-          <a:xfrm>
-            <a:off x="558068" y="6200623"/>
-            <a:ext cx="10338598" cy="400110"/>
-          </a:xfrm>
-          <a:prstGeom prst="rect">
-            <a:avLst/>
-          </a:prstGeom>
-        </p:spPr>
-        <p:txBody>
-          <a:bodyPr wrap="square">
-            <a:spAutoFit/>
-          </a:bodyPr>
-          <a:lstStyle/>
-          <a:p>
-            <a:r>
-              <a:rPr lang="en-US" sz="1000" dirty="0"/>
-              <a:t>Reference:</a:t>
-            </a:r>
-          </a:p>
-          <a:p>
-            <a:pPr lvl="1"/>
-            <a:r>
-              <a:rPr lang="en-US" sz="1000" dirty="0">
-                <a:hlinkClick r:id="rId2"/>
-              </a:rPr>
-              <a:t>https://app.pluralsight.com/library/courses/build-first-data-visualization-google-charts</a:t>
-            </a:r>
-            <a:endParaRPr lang="en-US" sz="1000" dirty="0"/>
-          </a:p>
-        </p:txBody>
-      </p:sp>
       <p:pic>
         <p:nvPicPr>
-          <p:cNvPr id="9" name="Picture 8">
-            <a:extLst>
-              <a:ext uri="{FF2B5EF4-FFF2-40B4-BE49-F238E27FC236}">
-                <a16:creationId xmlns:a16="http://schemas.microsoft.com/office/drawing/2014/main" id="{21A6DBDE-E35C-4653-9AA3-7DE97C00B0F1}"/>
+          <p:cNvPr id="5" name="Picture 4">
+            <a:extLst>
+              <a:ext uri="{FF2B5EF4-FFF2-40B4-BE49-F238E27FC236}">
+                <a16:creationId xmlns:a16="http://schemas.microsoft.com/office/drawing/2014/main" id="{5396231F-B43A-4CB7-A176-1F66BD9C04CE}"/>
               </a:ext>
             </a:extLst>
           </p:cNvPr>
@@ -6658,15 +6306,15 @@
           <p:nvPr/>
         </p:nvPicPr>
         <p:blipFill>
-          <a:blip r:embed="rId3"/>
+          <a:blip r:embed="rId2"/>
           <a:stretch>
             <a:fillRect/>
           </a:stretch>
         </p:blipFill>
         <p:spPr>
           <a:xfrm>
-            <a:off x="1890858" y="257267"/>
-            <a:ext cx="8139550" cy="6075751"/>
+            <a:off x="2395483" y="0"/>
+            <a:ext cx="7401034" cy="6858000"/>
           </a:xfrm>
           <a:prstGeom prst="rect">
             <a:avLst/>
@@ -6676,7 +6324,7 @@
     </p:spTree>
     <p:extLst>
       <p:ext uri="{BB962C8B-B14F-4D97-AF65-F5344CB8AC3E}">
-        <p14:creationId xmlns:p14="http://schemas.microsoft.com/office/powerpoint/2010/main" val="3893797724"/>
+        <p14:creationId xmlns:p14="http://schemas.microsoft.com/office/powerpoint/2010/main" val="124777633"/>
       </p:ext>
     </p:extLst>
   </p:cSld>
@@ -6708,7 +6356,7 @@
           <p:cNvPr id="2" name="Title 1">
             <a:extLst>
               <a:ext uri="{FF2B5EF4-FFF2-40B4-BE49-F238E27FC236}">
-                <a16:creationId xmlns:a16="http://schemas.microsoft.com/office/drawing/2014/main" id="{81976E80-F021-4D53-88FC-5FCAF1B3A885}"/>
+                <a16:creationId xmlns:a16="http://schemas.microsoft.com/office/drawing/2014/main" id="{7FC1D40A-98BF-4CBE-A35A-F1D122BEA5E6}"/>
               </a:ext>
             </a:extLst>
           </p:cNvPr>
@@ -6726,115 +6374,15 @@
           <a:p>
             <a:r>
               <a:rPr lang="en-US" dirty="0"/>
-              <a:t>AWS EB (Elastic Beanstalk)</a:t>
-            </a:r>
-          </a:p>
-        </p:txBody>
-      </p:sp>
-      <p:sp>
-        <p:nvSpPr>
-          <p:cNvPr id="3" name="Content Placeholder 2">
-            <a:extLst>
-              <a:ext uri="{FF2B5EF4-FFF2-40B4-BE49-F238E27FC236}">
-                <a16:creationId xmlns:a16="http://schemas.microsoft.com/office/drawing/2014/main" id="{4AFECD66-B096-447E-83DD-6B0479CB19EB}"/>
-              </a:ext>
-            </a:extLst>
-          </p:cNvPr>
-          <p:cNvSpPr>
-            <a:spLocks noGrp="1"/>
-          </p:cNvSpPr>
-          <p:nvPr>
-            <p:ph idx="1"/>
-          </p:nvPr>
-        </p:nvSpPr>
-        <p:spPr>
-          <a:xfrm>
-            <a:off x="838200" y="1696844"/>
-            <a:ext cx="6243735" cy="4351338"/>
-          </a:xfrm>
-        </p:spPr>
-        <p:txBody>
-          <a:bodyPr/>
-          <a:lstStyle/>
-          <a:p>
-            <a:r>
-              <a:rPr lang="en-US" dirty="0"/>
-              <a:t>EB = EC2 + RDS + S3</a:t>
-            </a:r>
-          </a:p>
-          <a:p>
-            <a:r>
-              <a:rPr lang="en-US" dirty="0"/>
-              <a:t>Scales with demand</a:t>
-            </a:r>
-          </a:p>
-          <a:p>
-            <a:r>
-              <a:rPr lang="en-US" dirty="0"/>
-              <a:t>Follow instructions from </a:t>
-            </a:r>
-            <a:r>
-              <a:rPr lang="en-US" sz="1200" dirty="0">
-                <a:hlinkClick r:id="rId2"/>
-              </a:rPr>
-              <a:t>https://realpython.com/deploying-a-django-app-and-postgresql-to-aws-elastic-beanstalk/</a:t>
-            </a:r>
-            <a:endParaRPr lang="en-US" sz="1200" dirty="0"/>
-          </a:p>
-          <a:p>
-            <a:r>
-              <a:rPr lang="en-US" dirty="0"/>
-              <a:t>Straightforward but not really...</a:t>
-            </a:r>
-          </a:p>
-          <a:p>
-            <a:r>
-              <a:rPr lang="en-US" dirty="0"/>
-              <a:t>Baseline = $8/day with no traffic and minimal data.  All RDS. (ARRGH!)</a:t>
-            </a:r>
-          </a:p>
-          <a:p>
-            <a:r>
-              <a:rPr lang="en-US" dirty="0"/>
-              <a:t>&lt;possible workaround - yank RDS and deploy Postgres directly on EC2...?&gt;</a:t>
-            </a:r>
-          </a:p>
-        </p:txBody>
-      </p:sp>
-      <p:pic>
-        <p:nvPicPr>
-          <p:cNvPr id="4" name="Picture 3">
-            <a:extLst>
-              <a:ext uri="{FF2B5EF4-FFF2-40B4-BE49-F238E27FC236}">
-                <a16:creationId xmlns:a16="http://schemas.microsoft.com/office/drawing/2014/main" id="{605D59AB-7188-450C-B5B9-81A1F4DC716B}"/>
-              </a:ext>
-            </a:extLst>
-          </p:cNvPr>
-          <p:cNvPicPr>
-            <a:picLocks noChangeAspect="1"/>
-          </p:cNvPicPr>
-          <p:nvPr/>
-        </p:nvPicPr>
-        <p:blipFill>
-          <a:blip r:embed="rId3"/>
-          <a:stretch>
-            <a:fillRect/>
-          </a:stretch>
-        </p:blipFill>
-        <p:spPr>
-          <a:xfrm>
-            <a:off x="7164584" y="1570522"/>
-            <a:ext cx="4639806" cy="4222557"/>
-          </a:xfrm>
-          <a:prstGeom prst="rect">
-            <a:avLst/>
-          </a:prstGeom>
-        </p:spPr>
-      </p:pic>
+              <a:t>Show the UI...</a:t>
+            </a:r>
+          </a:p>
+        </p:txBody>
+      </p:sp>
     </p:spTree>
     <p:extLst>
       <p:ext uri="{BB962C8B-B14F-4D97-AF65-F5344CB8AC3E}">
-        <p14:creationId xmlns:p14="http://schemas.microsoft.com/office/powerpoint/2010/main" val="3749611798"/>
+        <p14:creationId xmlns:p14="http://schemas.microsoft.com/office/powerpoint/2010/main" val="3173424278"/>
       </p:ext>
     </p:extLst>
   </p:cSld>
@@ -6866,7 +6414,7 @@
           <p:cNvPr id="2" name="Title 1">
             <a:extLst>
               <a:ext uri="{FF2B5EF4-FFF2-40B4-BE49-F238E27FC236}">
-                <a16:creationId xmlns:a16="http://schemas.microsoft.com/office/drawing/2014/main" id="{7F7B68DA-473D-4B51-A38B-93A06DFF7DD5}"/>
+                <a16:creationId xmlns:a16="http://schemas.microsoft.com/office/drawing/2014/main" id="{7FC1D40A-98BF-4CBE-A35A-F1D122BEA5E6}"/>
               </a:ext>
             </a:extLst>
           </p:cNvPr>
@@ -6884,35 +6432,7 @@
           <a:p>
             <a:r>
               <a:rPr lang="en-US" dirty="0"/>
-              <a:t>Go Live!</a:t>
-            </a:r>
-          </a:p>
-        </p:txBody>
-      </p:sp>
-      <p:sp>
-        <p:nvSpPr>
-          <p:cNvPr id="3" name="Content Placeholder 2">
-            <a:extLst>
-              <a:ext uri="{FF2B5EF4-FFF2-40B4-BE49-F238E27FC236}">
-                <a16:creationId xmlns:a16="http://schemas.microsoft.com/office/drawing/2014/main" id="{ACEB8B8B-6AA0-481C-A325-CA7EA058CF39}"/>
-              </a:ext>
-            </a:extLst>
-          </p:cNvPr>
-          <p:cNvSpPr>
-            <a:spLocks noGrp="1"/>
-          </p:cNvSpPr>
-          <p:nvPr>
-            <p:ph idx="1"/>
-          </p:nvPr>
-        </p:nvSpPr>
-        <p:spPr/>
-        <p:txBody>
-          <a:bodyPr/>
-          <a:lstStyle/>
-          <a:p>
-            <a:r>
-              <a:rPr lang="en-US" dirty="0"/>
-              <a:t>&lt;link to URL&gt;</a:t>
+              <a:t>Implementation...</a:t>
             </a:r>
           </a:p>
         </p:txBody>
@@ -6920,7 +6440,7 @@
     </p:spTree>
     <p:extLst>
       <p:ext uri="{BB962C8B-B14F-4D97-AF65-F5344CB8AC3E}">
-        <p14:creationId xmlns:p14="http://schemas.microsoft.com/office/powerpoint/2010/main" val="3008425161"/>
+        <p14:creationId xmlns:p14="http://schemas.microsoft.com/office/powerpoint/2010/main" val="854502903"/>
       </p:ext>
     </p:extLst>
   </p:cSld>
@@ -6952,7 +6472,7 @@
           <p:cNvPr id="2" name="Title 1">
             <a:extLst>
               <a:ext uri="{FF2B5EF4-FFF2-40B4-BE49-F238E27FC236}">
-                <a16:creationId xmlns:a16="http://schemas.microsoft.com/office/drawing/2014/main" id="{10B8E23F-5094-466C-A3B1-1F64FD237EA5}"/>
+                <a16:creationId xmlns:a16="http://schemas.microsoft.com/office/drawing/2014/main" id="{72D37B68-95BF-47AD-AAA0-896D19432CAD}"/>
               </a:ext>
             </a:extLst>
           </p:cNvPr>
@@ -6963,70 +6483,57 @@
             <p:ph type="title"/>
           </p:nvPr>
         </p:nvSpPr>
-        <p:spPr/>
+        <p:spPr>
+          <a:xfrm>
+            <a:off x="673100" y="30954"/>
+            <a:ext cx="10515600" cy="1325563"/>
+          </a:xfrm>
+        </p:spPr>
         <p:txBody>
           <a:bodyPr/>
           <a:lstStyle/>
           <a:p>
             <a:r>
               <a:rPr lang="en-US" dirty="0"/>
-              <a:t>Level of Effort and Takeaways</a:t>
-            </a:r>
-          </a:p>
-        </p:txBody>
-      </p:sp>
-      <p:sp>
-        <p:nvSpPr>
-          <p:cNvPr id="3" name="Content Placeholder 2">
-            <a:extLst>
-              <a:ext uri="{FF2B5EF4-FFF2-40B4-BE49-F238E27FC236}">
-                <a16:creationId xmlns:a16="http://schemas.microsoft.com/office/drawing/2014/main" id="{00EB0048-9365-49CB-978F-C6FB3053D5D3}"/>
-              </a:ext>
-            </a:extLst>
-          </p:cNvPr>
-          <p:cNvSpPr>
-            <a:spLocks noGrp="1"/>
-          </p:cNvSpPr>
-          <p:nvPr>
-            <p:ph idx="1"/>
-          </p:nvPr>
-        </p:nvSpPr>
-        <p:spPr/>
-        <p:txBody>
-          <a:bodyPr>
-            <a:normAutofit/>
-          </a:bodyPr>
-          <a:lstStyle/>
-          <a:p>
-            <a:r>
-              <a:rPr lang="en-US" dirty="0"/>
-              <a:t>A full featured Web App (admin, login, database, forms, Python/ML backend)</a:t>
-            </a:r>
-          </a:p>
-          <a:p>
-            <a:r>
-              <a:rPr lang="en-US" dirty="0"/>
-              <a:t>6-8 days deploy with learning curve</a:t>
-            </a:r>
-          </a:p>
-          <a:p>
-            <a:r>
-              <a:rPr lang="en-US" dirty="0"/>
-              <a:t>Less complicated than Tic-tac-toe, but my own work.</a:t>
-            </a:r>
-          </a:p>
-          <a:p>
-            <a:r>
-              <a:rPr lang="en-US" dirty="0"/>
-              <a:t>Wireframe and personas super important because...</a:t>
-            </a:r>
-          </a:p>
-        </p:txBody>
-      </p:sp>
+              <a:t>From last time</a:t>
+            </a:r>
+          </a:p>
+        </p:txBody>
+      </p:sp>
+      <p:pic>
+        <p:nvPicPr>
+          <p:cNvPr id="4" name="Picture 3">
+            <a:extLst>
+              <a:ext uri="{FF2B5EF4-FFF2-40B4-BE49-F238E27FC236}">
+                <a16:creationId xmlns:a16="http://schemas.microsoft.com/office/drawing/2014/main" id="{91B6CC8C-636B-460E-9C44-32957CA41EDB}"/>
+              </a:ext>
+            </a:extLst>
+          </p:cNvPr>
+          <p:cNvPicPr>
+            <a:picLocks noChangeAspect="1"/>
+          </p:cNvPicPr>
+          <p:nvPr/>
+        </p:nvPicPr>
+        <p:blipFill>
+          <a:blip r:embed="rId2"/>
+          <a:stretch>
+            <a:fillRect/>
+          </a:stretch>
+        </p:blipFill>
+        <p:spPr>
+          <a:xfrm>
+            <a:off x="1676400" y="1356517"/>
+            <a:ext cx="9648825" cy="5158342"/>
+          </a:xfrm>
+          <a:prstGeom prst="rect">
+            <a:avLst/>
+          </a:prstGeom>
+        </p:spPr>
+      </p:pic>
     </p:spTree>
     <p:extLst>
       <p:ext uri="{BB962C8B-B14F-4D97-AF65-F5344CB8AC3E}">
-        <p14:creationId xmlns:p14="http://schemas.microsoft.com/office/powerpoint/2010/main" val="3978747642"/>
+        <p14:creationId xmlns:p14="http://schemas.microsoft.com/office/powerpoint/2010/main" val="3375098044"/>
       </p:ext>
     </p:extLst>
   </p:cSld>
@@ -7058,7 +6565,7 @@
           <p:cNvPr id="2" name="Title 1">
             <a:extLst>
               <a:ext uri="{FF2B5EF4-FFF2-40B4-BE49-F238E27FC236}">
-                <a16:creationId xmlns:a16="http://schemas.microsoft.com/office/drawing/2014/main" id="{10B8E23F-5094-466C-A3B1-1F64FD237EA5}"/>
+                <a16:creationId xmlns:a16="http://schemas.microsoft.com/office/drawing/2014/main" id="{73235461-01C8-4E07-BF82-8BA3964040AC}"/>
               </a:ext>
             </a:extLst>
           </p:cNvPr>
@@ -7076,254 +6583,45 @@
           <a:p>
             <a:r>
               <a:rPr lang="en-US" dirty="0"/>
-              <a:t>References</a:t>
-            </a:r>
-          </a:p>
-        </p:txBody>
-      </p:sp>
-      <p:sp>
-        <p:nvSpPr>
-          <p:cNvPr id="3" name="Content Placeholder 2">
-            <a:extLst>
-              <a:ext uri="{FF2B5EF4-FFF2-40B4-BE49-F238E27FC236}">
-                <a16:creationId xmlns:a16="http://schemas.microsoft.com/office/drawing/2014/main" id="{00EB0048-9365-49CB-978F-C6FB3053D5D3}"/>
-              </a:ext>
-            </a:extLst>
-          </p:cNvPr>
-          <p:cNvSpPr>
-            <a:spLocks noGrp="1"/>
-          </p:cNvSpPr>
-          <p:nvPr>
-            <p:ph idx="1"/>
-          </p:nvPr>
-        </p:nvSpPr>
-        <p:spPr/>
-        <p:txBody>
-          <a:bodyPr>
-            <a:normAutofit fontScale="55000" lnSpcReduction="20000"/>
-          </a:bodyPr>
-          <a:lstStyle/>
-          <a:p>
-            <a:r>
-              <a:rPr lang="en-US" dirty="0"/>
-              <a:t>Django:</a:t>
-            </a:r>
-          </a:p>
-          <a:p>
-            <a:pPr lvl="1"/>
-            <a:r>
-              <a:rPr lang="en-US" dirty="0"/>
-              <a:t>Tic-Tac-Toe (Django Fundamentals by </a:t>
-            </a:r>
-            <a:r>
-              <a:rPr lang="en-US" dirty="0" err="1"/>
-              <a:t>Reindert</a:t>
-            </a:r>
-            <a:r>
-              <a:rPr lang="en-US" dirty="0"/>
-              <a:t>-Jan </a:t>
-            </a:r>
-            <a:r>
-              <a:rPr lang="en-US" dirty="0" err="1"/>
-              <a:t>Ekker</a:t>
-            </a:r>
-            <a:r>
-              <a:rPr lang="en-US" dirty="0"/>
-              <a:t> on Pluralsight) </a:t>
-            </a:r>
-            <a:r>
-              <a:rPr lang="en-US" dirty="0">
-                <a:hlinkClick r:id="rId2"/>
-              </a:rPr>
-              <a:t>https://app.pluralsight.com/library/courses/django-fundamentals-update/table-of-contents</a:t>
-            </a:r>
-            <a:endParaRPr lang="en-US" dirty="0"/>
-          </a:p>
-          <a:p>
-            <a:pPr lvl="1"/>
-            <a:endParaRPr lang="en-US" dirty="0"/>
-          </a:p>
-          <a:p>
-            <a:r>
-              <a:rPr lang="en-US" dirty="0"/>
-              <a:t>Web UX/UI:</a:t>
-            </a:r>
-          </a:p>
-          <a:p>
-            <a:pPr lvl="1"/>
-            <a:r>
-              <a:rPr lang="en-US" dirty="0"/>
-              <a:t>Getting Started in UX Design by Kurt </a:t>
-            </a:r>
-            <a:r>
-              <a:rPr lang="en-US" dirty="0" err="1"/>
-              <a:t>Krumme</a:t>
-            </a:r>
-            <a:r>
-              <a:rPr lang="en-US" dirty="0"/>
-              <a:t> </a:t>
-            </a:r>
-            <a:r>
-              <a:rPr lang="en-US" dirty="0">
-                <a:hlinkClick r:id="rId3"/>
-              </a:rPr>
-              <a:t>https://app.pluralsight.com/library/courses/getting-started-ux-design/table-of-contents</a:t>
-            </a:r>
-            <a:endParaRPr lang="en-US" dirty="0"/>
-          </a:p>
-          <a:p>
-            <a:pPr lvl="1"/>
-            <a:r>
-              <a:rPr lang="en-US" dirty="0"/>
-              <a:t>UX Design Creating Wireframes by Susan Simkins </a:t>
-            </a:r>
-            <a:r>
-              <a:rPr lang="en-US" dirty="0">
-                <a:hlinkClick r:id="rId4"/>
-              </a:rPr>
-              <a:t>https://app.pluralsight.com/library/courses/ux-design-creating-wireframes/table-of-contents</a:t>
-            </a:r>
-            <a:endParaRPr lang="en-US" dirty="0"/>
-          </a:p>
-          <a:p>
-            <a:endParaRPr lang="en-US" dirty="0"/>
-          </a:p>
-          <a:p>
-            <a:r>
-              <a:rPr lang="en-US" dirty="0"/>
-              <a:t>Node, Postgres, Express (background only - could skim this)</a:t>
-            </a:r>
-          </a:p>
-          <a:p>
-            <a:pPr lvl="1"/>
-            <a:r>
-              <a:rPr lang="en-US" dirty="0"/>
-              <a:t>“Build a CRUD single page application with Node, Express, Angular, Postgres” (Michael Herman)</a:t>
-            </a:r>
-          </a:p>
-          <a:p>
-            <a:pPr lvl="1"/>
-            <a:r>
-              <a:rPr lang="en-US" dirty="0">
-                <a:solidFill>
-                  <a:schemeClr val="accent1"/>
-                </a:solidFill>
-                <a:hlinkClick r:id="rId5">
-                  <a:extLst>
-                    <a:ext uri="{A12FA001-AC4F-418D-AE19-62706E023703}">
-                      <ahyp:hlinkClr xmlns:ahyp="http://schemas.microsoft.com/office/drawing/2018/hyperlinkcolor" val="tx"/>
-                    </a:ext>
-                  </a:extLst>
-                </a:hlinkClick>
-              </a:rPr>
-              <a:t>https://mherman.org/blog/postgresql-and-nodejs/</a:t>
-            </a:r>
-            <a:r>
-              <a:rPr lang="en-US" dirty="0">
-                <a:solidFill>
-                  <a:schemeClr val="accent1"/>
-                </a:solidFill>
-              </a:rPr>
-              <a:t>   </a:t>
-            </a:r>
-            <a:r>
-              <a:rPr lang="en-US" dirty="0"/>
-              <a:t>This is an example frontend/backend </a:t>
-            </a:r>
-            <a:r>
-              <a:rPr lang="en-US" dirty="0" err="1"/>
-              <a:t>javascript</a:t>
-            </a:r>
-            <a:r>
-              <a:rPr lang="en-US" dirty="0"/>
-              <a:t> web app with </a:t>
-            </a:r>
-            <a:r>
-              <a:rPr lang="en-US" dirty="0" err="1"/>
-              <a:t>postgres</a:t>
-            </a:r>
-            <a:r>
-              <a:rPr lang="en-US" dirty="0"/>
-              <a:t> db.  It uses express web server/routing and (a little) angular on the front-end.  You will use </a:t>
-            </a:r>
-            <a:r>
-              <a:rPr lang="en-US" dirty="0" err="1"/>
-              <a:t>npm</a:t>
-            </a:r>
-            <a:r>
-              <a:rPr lang="en-US" dirty="0"/>
-              <a:t>, express, node, browser trace/debug features.  You will see </a:t>
-            </a:r>
-            <a:r>
-              <a:rPr lang="en-US" dirty="0" err="1"/>
-              <a:t>javascript</a:t>
-            </a:r>
-            <a:r>
-              <a:rPr lang="en-US" dirty="0"/>
-              <a:t> used on both client and server.  This is very standard (server-side </a:t>
-            </a:r>
-            <a:r>
-              <a:rPr lang="en-US" dirty="0" err="1"/>
-              <a:t>javascript</a:t>
-            </a:r>
-            <a:r>
-              <a:rPr lang="en-US" dirty="0"/>
-              <a:t>) architecture.</a:t>
-            </a:r>
-          </a:p>
-          <a:p>
-            <a:endParaRPr lang="en-US" dirty="0"/>
-          </a:p>
-          <a:p>
-            <a:r>
-              <a:rPr lang="en-US" dirty="0"/>
-              <a:t>Front-end (suspect this will be handy in the future)</a:t>
-            </a:r>
-          </a:p>
-          <a:p>
-            <a:pPr lvl="1"/>
-            <a:r>
-              <a:rPr lang="en-US" dirty="0"/>
-              <a:t>“Front-End Web Development Quick Start With HTML5, CSS, and JavaScript” (Shawn Wildermuth) </a:t>
-            </a:r>
-            <a:r>
-              <a:rPr lang="en-US" dirty="0">
-                <a:solidFill>
-                  <a:schemeClr val="accent1"/>
-                </a:solidFill>
-                <a:hlinkClick r:id="rId6">
-                  <a:extLst>
-                    <a:ext uri="{A12FA001-AC4F-418D-AE19-62706E023703}">
-                      <ahyp:hlinkClr xmlns:ahyp="http://schemas.microsoft.com/office/drawing/2018/hyperlinkcolor" val="tx"/>
-                    </a:ext>
-                  </a:extLst>
-                </a:hlinkClick>
-              </a:rPr>
-              <a:t>https://app.pluralsight.com/course-player?clipId=e5482b13-c204-4d52-89ec-94a1099592b0</a:t>
-            </a:r>
-            <a:r>
-              <a:rPr lang="en-US" dirty="0">
-                <a:solidFill>
-                  <a:schemeClr val="accent1"/>
-                </a:solidFill>
-              </a:rPr>
-              <a:t>  </a:t>
-            </a:r>
-            <a:r>
-              <a:rPr lang="en-US" dirty="0"/>
-              <a:t>Beginner HTML5, CSS, JavaScript – excellent</a:t>
-            </a:r>
-          </a:p>
-          <a:p>
-            <a:pPr lvl="1"/>
-            <a:endParaRPr lang="en-US" dirty="0"/>
-          </a:p>
-        </p:txBody>
-      </p:sp>
+              <a:t>Schema</a:t>
+            </a:r>
+          </a:p>
+        </p:txBody>
+      </p:sp>
+      <p:pic>
+        <p:nvPicPr>
+          <p:cNvPr id="5" name="Picture 4">
+            <a:extLst>
+              <a:ext uri="{FF2B5EF4-FFF2-40B4-BE49-F238E27FC236}">
+                <a16:creationId xmlns:a16="http://schemas.microsoft.com/office/drawing/2014/main" id="{3DE1C741-C22F-4464-8E46-7B99349C3CAE}"/>
+              </a:ext>
+            </a:extLst>
+          </p:cNvPr>
+          <p:cNvPicPr>
+            <a:picLocks noChangeAspect="1"/>
+          </p:cNvPicPr>
+          <p:nvPr/>
+        </p:nvPicPr>
+        <p:blipFill>
+          <a:blip r:embed="rId2"/>
+          <a:stretch>
+            <a:fillRect/>
+          </a:stretch>
+        </p:blipFill>
+        <p:spPr>
+          <a:xfrm>
+            <a:off x="2867024" y="895349"/>
+            <a:ext cx="7145097" cy="5330825"/>
+          </a:xfrm>
+          <a:prstGeom prst="rect">
+            <a:avLst/>
+          </a:prstGeom>
+        </p:spPr>
+      </p:pic>
     </p:spTree>
     <p:extLst>
       <p:ext uri="{BB962C8B-B14F-4D97-AF65-F5344CB8AC3E}">
-        <p14:creationId xmlns:p14="http://schemas.microsoft.com/office/powerpoint/2010/main" val="2261134443"/>
+        <p14:creationId xmlns:p14="http://schemas.microsoft.com/office/powerpoint/2010/main" val="49194344"/>
       </p:ext>
     </p:extLst>
   </p:cSld>
@@ -7355,7 +6653,7 @@
           <p:cNvPr id="2" name="Title 1">
             <a:extLst>
               <a:ext uri="{FF2B5EF4-FFF2-40B4-BE49-F238E27FC236}">
-                <a16:creationId xmlns:a16="http://schemas.microsoft.com/office/drawing/2014/main" id="{F9B00A71-D9A5-48EF-B13D-3C64E072E5F9}"/>
+                <a16:creationId xmlns:a16="http://schemas.microsoft.com/office/drawing/2014/main" id="{5BFEF712-E659-408C-AD57-1F1A31B89F29}"/>
               </a:ext>
             </a:extLst>
           </p:cNvPr>
@@ -7368,26 +6666,546 @@
         </p:nvSpPr>
         <p:spPr>
           <a:xfrm>
-            <a:off x="4067962" y="2915378"/>
-            <a:ext cx="3465352" cy="1325563"/>
-          </a:xfrm>
-        </p:spPr>
-        <p:txBody>
-          <a:bodyPr/>
+            <a:off x="574040" y="273685"/>
+            <a:ext cx="10515600" cy="1325563"/>
+          </a:xfrm>
+        </p:spPr>
+        <p:txBody>
+          <a:bodyPr>
+            <a:normAutofit/>
+          </a:bodyPr>
           <a:lstStyle/>
           <a:p>
-            <a:pPr algn="ctr"/>
-            <a:r>
-              <a:rPr lang="en-US" dirty="0"/>
-              <a:t>Thank You</a:t>
-            </a:r>
+            <a:r>
+              <a:rPr lang="en-US" sz="3600" dirty="0" err="1"/>
+              <a:t>pick_star</a:t>
+            </a:r>
+            <a:r>
+              <a:rPr lang="en-US" sz="3600" dirty="0"/>
+              <a:t> (view)</a:t>
+            </a:r>
+          </a:p>
+        </p:txBody>
+      </p:sp>
+      <p:pic>
+        <p:nvPicPr>
+          <p:cNvPr id="6" name="Picture 5">
+            <a:extLst>
+              <a:ext uri="{FF2B5EF4-FFF2-40B4-BE49-F238E27FC236}">
+                <a16:creationId xmlns:a16="http://schemas.microsoft.com/office/drawing/2014/main" id="{8F3CA879-D6D7-466B-9A97-2D257626F74E}"/>
+              </a:ext>
+            </a:extLst>
+          </p:cNvPr>
+          <p:cNvPicPr>
+            <a:picLocks noChangeAspect="1"/>
+          </p:cNvPicPr>
+          <p:nvPr/>
+        </p:nvPicPr>
+        <p:blipFill>
+          <a:blip r:embed="rId2"/>
+          <a:stretch>
+            <a:fillRect/>
+          </a:stretch>
+        </p:blipFill>
+        <p:spPr>
+          <a:xfrm>
+            <a:off x="4508500" y="179387"/>
+            <a:ext cx="7291387" cy="6579472"/>
+          </a:xfrm>
+          <a:prstGeom prst="rect">
+            <a:avLst/>
+          </a:prstGeom>
+        </p:spPr>
+      </p:pic>
+      <p:sp>
+        <p:nvSpPr>
+          <p:cNvPr id="7" name="Content Placeholder 2">
+            <a:extLst>
+              <a:ext uri="{FF2B5EF4-FFF2-40B4-BE49-F238E27FC236}">
+                <a16:creationId xmlns:a16="http://schemas.microsoft.com/office/drawing/2014/main" id="{A9AE85A0-04BE-4B0A-BF3D-FA8D4937F16E}"/>
+              </a:ext>
+            </a:extLst>
+          </p:cNvPr>
+          <p:cNvSpPr>
+            <a:spLocks noGrp="1"/>
+          </p:cNvSpPr>
+          <p:nvPr>
+            <p:ph idx="1"/>
+          </p:nvPr>
+        </p:nvSpPr>
+        <p:spPr>
+          <a:xfrm>
+            <a:off x="574040" y="1690688"/>
+            <a:ext cx="3327400" cy="4351338"/>
+          </a:xfrm>
+        </p:spPr>
+        <p:txBody>
+          <a:bodyPr>
+            <a:normAutofit/>
+          </a:bodyPr>
+          <a:lstStyle/>
+          <a:p>
+            <a:pPr marL="0" indent="0">
+              <a:buNone/>
+            </a:pPr>
+            <a:r>
+              <a:rPr lang="en-US" sz="2000" dirty="0"/>
+              <a:t>GET only (no template/POST)</a:t>
+            </a:r>
+          </a:p>
+          <a:p>
+            <a:pPr marL="0" indent="0">
+              <a:buNone/>
+            </a:pPr>
+            <a:endParaRPr lang="en-US" sz="2000" dirty="0"/>
+          </a:p>
+          <a:p>
+            <a:pPr marL="0" indent="0">
+              <a:buNone/>
+            </a:pPr>
+            <a:r>
+              <a:rPr lang="en-US" sz="2000" dirty="0"/>
+              <a:t>Display a list of stars to choose from</a:t>
+            </a:r>
+          </a:p>
+          <a:p>
+            <a:pPr marL="0" indent="0">
+              <a:buNone/>
+            </a:pPr>
+            <a:r>
+              <a:rPr lang="en-US" sz="2000" dirty="0"/>
+              <a:t>Chart one star (chosen by user from list)</a:t>
+            </a:r>
+          </a:p>
+          <a:p>
+            <a:pPr marL="0" indent="0">
+              <a:buNone/>
+            </a:pPr>
+            <a:endParaRPr lang="en-US" sz="2000" dirty="0"/>
+          </a:p>
+          <a:p>
+            <a:pPr marL="0" indent="0">
+              <a:buNone/>
+            </a:pPr>
+            <a:r>
+              <a:rPr lang="en-US" sz="2000" dirty="0"/>
+              <a:t>Two parameters on URL</a:t>
+            </a:r>
+          </a:p>
+          <a:p>
+            <a:r>
+              <a:rPr lang="en-US" sz="2000" dirty="0">
+                <a:hlinkClick r:id="rId3"/>
+              </a:rPr>
+              <a:t>http://...?p1=x&amp;p2=y</a:t>
+            </a:r>
+            <a:endParaRPr lang="en-US" sz="2000" dirty="0"/>
+          </a:p>
+          <a:p>
+            <a:pPr marL="0" indent="0">
+              <a:buNone/>
+            </a:pPr>
+            <a:endParaRPr lang="en-US" sz="2000" dirty="0"/>
           </a:p>
         </p:txBody>
       </p:sp>
     </p:spTree>
     <p:extLst>
       <p:ext uri="{BB962C8B-B14F-4D97-AF65-F5344CB8AC3E}">
-        <p14:creationId xmlns:p14="http://schemas.microsoft.com/office/powerpoint/2010/main" val="2844057254"/>
+        <p14:creationId xmlns:p14="http://schemas.microsoft.com/office/powerpoint/2010/main" val="3186765958"/>
+      </p:ext>
+    </p:extLst>
+  </p:cSld>
+  <p:clrMapOvr>
+    <a:masterClrMapping/>
+  </p:clrMapOvr>
+</p:sld>
+</file>
+
+<file path=ppt/slides/slide28.xml><?xml version="1.0" encoding="utf-8"?>
+<p:sld xmlns:a="http://schemas.openxmlformats.org/drawingml/2006/main" xmlns:r="http://schemas.openxmlformats.org/officeDocument/2006/relationships" xmlns:p="http://schemas.openxmlformats.org/presentationml/2006/main">
+  <p:cSld>
+    <p:spTree>
+      <p:nvGrpSpPr>
+        <p:cNvPr id="1" name=""/>
+        <p:cNvGrpSpPr/>
+        <p:nvPr/>
+      </p:nvGrpSpPr>
+      <p:grpSpPr>
+        <a:xfrm>
+          <a:off x="0" y="0"/>
+          <a:ext cx="0" cy="0"/>
+          <a:chOff x="0" y="0"/>
+          <a:chExt cx="0" cy="0"/>
+        </a:xfrm>
+      </p:grpSpPr>
+      <p:sp>
+        <p:nvSpPr>
+          <p:cNvPr id="2" name="Title 1">
+            <a:extLst>
+              <a:ext uri="{FF2B5EF4-FFF2-40B4-BE49-F238E27FC236}">
+                <a16:creationId xmlns:a16="http://schemas.microsoft.com/office/drawing/2014/main" id="{8D188AE6-8ACC-4973-A1BC-753DBFF50063}"/>
+              </a:ext>
+            </a:extLst>
+          </p:cNvPr>
+          <p:cNvSpPr>
+            <a:spLocks noGrp="1"/>
+          </p:cNvSpPr>
+          <p:nvPr>
+            <p:ph type="title"/>
+          </p:nvPr>
+        </p:nvSpPr>
+        <p:spPr>
+          <a:xfrm>
+            <a:off x="645160" y="164194"/>
+            <a:ext cx="10515600" cy="1325563"/>
+          </a:xfrm>
+        </p:spPr>
+        <p:txBody>
+          <a:bodyPr>
+            <a:normAutofit/>
+          </a:bodyPr>
+          <a:lstStyle/>
+          <a:p>
+            <a:r>
+              <a:rPr lang="en-US" sz="3600" dirty="0" err="1"/>
+              <a:t>pick_star</a:t>
+            </a:r>
+            <a:r>
+              <a:rPr lang="en-US" sz="3600" dirty="0"/>
+              <a:t> (html)</a:t>
+            </a:r>
+          </a:p>
+        </p:txBody>
+      </p:sp>
+      <p:sp>
+        <p:nvSpPr>
+          <p:cNvPr id="3" name="Content Placeholder 2">
+            <a:extLst>
+              <a:ext uri="{FF2B5EF4-FFF2-40B4-BE49-F238E27FC236}">
+                <a16:creationId xmlns:a16="http://schemas.microsoft.com/office/drawing/2014/main" id="{E893987B-A9DB-44AE-B00A-6AE5B5F134ED}"/>
+              </a:ext>
+            </a:extLst>
+          </p:cNvPr>
+          <p:cNvSpPr>
+            <a:spLocks noGrp="1"/>
+          </p:cNvSpPr>
+          <p:nvPr>
+            <p:ph idx="1"/>
+          </p:nvPr>
+        </p:nvSpPr>
+        <p:spPr>
+          <a:xfrm>
+            <a:off x="838200" y="1825625"/>
+            <a:ext cx="1742440" cy="4351338"/>
+          </a:xfrm>
+        </p:spPr>
+        <p:txBody>
+          <a:bodyPr/>
+          <a:lstStyle/>
+          <a:p>
+            <a:endParaRPr lang="en-US"/>
+          </a:p>
+        </p:txBody>
+      </p:sp>
+      <p:pic>
+        <p:nvPicPr>
+          <p:cNvPr id="6" name="Picture 5">
+            <a:extLst>
+              <a:ext uri="{FF2B5EF4-FFF2-40B4-BE49-F238E27FC236}">
+                <a16:creationId xmlns:a16="http://schemas.microsoft.com/office/drawing/2014/main" id="{040FCC22-248C-45A8-A5C6-B11AD322A375}"/>
+              </a:ext>
+            </a:extLst>
+          </p:cNvPr>
+          <p:cNvPicPr>
+            <a:picLocks noChangeAspect="1"/>
+          </p:cNvPicPr>
+          <p:nvPr/>
+        </p:nvPicPr>
+        <p:blipFill>
+          <a:blip r:embed="rId2"/>
+          <a:stretch>
+            <a:fillRect/>
+          </a:stretch>
+        </p:blipFill>
+        <p:spPr>
+          <a:xfrm>
+            <a:off x="838200" y="1153889"/>
+            <a:ext cx="11233785" cy="5539646"/>
+          </a:xfrm>
+          <a:prstGeom prst="rect">
+            <a:avLst/>
+          </a:prstGeom>
+        </p:spPr>
+      </p:pic>
+    </p:spTree>
+    <p:extLst>
+      <p:ext uri="{BB962C8B-B14F-4D97-AF65-F5344CB8AC3E}">
+        <p14:creationId xmlns:p14="http://schemas.microsoft.com/office/powerpoint/2010/main" val="3298365086"/>
+      </p:ext>
+    </p:extLst>
+  </p:cSld>
+  <p:clrMapOvr>
+    <a:masterClrMapping/>
+  </p:clrMapOvr>
+</p:sld>
+</file>
+
+<file path=ppt/slides/slide29.xml><?xml version="1.0" encoding="utf-8"?>
+<p:sld xmlns:a="http://schemas.openxmlformats.org/drawingml/2006/main" xmlns:r="http://schemas.openxmlformats.org/officeDocument/2006/relationships" xmlns:p="http://schemas.openxmlformats.org/presentationml/2006/main">
+  <p:cSld>
+    <p:spTree>
+      <p:nvGrpSpPr>
+        <p:cNvPr id="1" name=""/>
+        <p:cNvGrpSpPr/>
+        <p:nvPr/>
+      </p:nvGrpSpPr>
+      <p:grpSpPr>
+        <a:xfrm>
+          <a:off x="0" y="0"/>
+          <a:ext cx="0" cy="0"/>
+          <a:chOff x="0" y="0"/>
+          <a:chExt cx="0" cy="0"/>
+        </a:xfrm>
+      </p:grpSpPr>
+      <p:sp>
+        <p:nvSpPr>
+          <p:cNvPr id="2" name="Title 1">
+            <a:extLst>
+              <a:ext uri="{FF2B5EF4-FFF2-40B4-BE49-F238E27FC236}">
+                <a16:creationId xmlns:a16="http://schemas.microsoft.com/office/drawing/2014/main" id="{5BFEF712-E659-408C-AD57-1F1A31B89F29}"/>
+              </a:ext>
+            </a:extLst>
+          </p:cNvPr>
+          <p:cNvSpPr>
+            <a:spLocks noGrp="1"/>
+          </p:cNvSpPr>
+          <p:nvPr>
+            <p:ph type="title"/>
+          </p:nvPr>
+        </p:nvSpPr>
+        <p:spPr>
+          <a:xfrm>
+            <a:off x="574040" y="273685"/>
+            <a:ext cx="10515600" cy="1325563"/>
+          </a:xfrm>
+        </p:spPr>
+        <p:txBody>
+          <a:bodyPr>
+            <a:normAutofit/>
+          </a:bodyPr>
+          <a:lstStyle/>
+          <a:p>
+            <a:r>
+              <a:rPr lang="en-US" sz="3600" dirty="0" err="1"/>
+              <a:t>place_bets</a:t>
+            </a:r>
+            <a:r>
+              <a:rPr lang="en-US" sz="3600" dirty="0"/>
+              <a:t> (view)</a:t>
+            </a:r>
+          </a:p>
+        </p:txBody>
+      </p:sp>
+      <p:sp>
+        <p:nvSpPr>
+          <p:cNvPr id="7" name="Content Placeholder 2">
+            <a:extLst>
+              <a:ext uri="{FF2B5EF4-FFF2-40B4-BE49-F238E27FC236}">
+                <a16:creationId xmlns:a16="http://schemas.microsoft.com/office/drawing/2014/main" id="{A9AE85A0-04BE-4B0A-BF3D-FA8D4937F16E}"/>
+              </a:ext>
+            </a:extLst>
+          </p:cNvPr>
+          <p:cNvSpPr>
+            <a:spLocks noGrp="1"/>
+          </p:cNvSpPr>
+          <p:nvPr>
+            <p:ph idx="1"/>
+          </p:nvPr>
+        </p:nvSpPr>
+        <p:spPr>
+          <a:xfrm>
+            <a:off x="574040" y="1690688"/>
+            <a:ext cx="3969968" cy="4351338"/>
+          </a:xfrm>
+        </p:spPr>
+        <p:txBody>
+          <a:bodyPr>
+            <a:normAutofit fontScale="85000" lnSpcReduction="20000"/>
+          </a:bodyPr>
+          <a:lstStyle/>
+          <a:p>
+            <a:pPr marL="0" indent="0">
+              <a:buNone/>
+            </a:pPr>
+            <a:r>
+              <a:rPr lang="en-US" sz="2000" dirty="0"/>
+              <a:t>Template/POST</a:t>
+            </a:r>
+          </a:p>
+          <a:p>
+            <a:pPr marL="0" indent="0">
+              <a:buNone/>
+            </a:pPr>
+            <a:endParaRPr lang="en-US" sz="2000" dirty="0"/>
+          </a:p>
+          <a:p>
+            <a:pPr marL="0" indent="0">
+              <a:buNone/>
+            </a:pPr>
+            <a:r>
+              <a:rPr lang="en-US" sz="2000" dirty="0"/>
+              <a:t>Get:</a:t>
+            </a:r>
+          </a:p>
+          <a:p>
+            <a:pPr marL="0" indent="0">
+              <a:buNone/>
+            </a:pPr>
+            <a:r>
+              <a:rPr lang="en-US" sz="2000" dirty="0"/>
+              <a:t>Call ML modes for recommendations</a:t>
+            </a:r>
+          </a:p>
+          <a:p>
+            <a:pPr marL="0" indent="0">
+              <a:buNone/>
+            </a:pPr>
+            <a:r>
+              <a:rPr lang="en-US" sz="2000" dirty="0"/>
+              <a:t>Create form and populate</a:t>
+            </a:r>
+          </a:p>
+          <a:p>
+            <a:pPr marL="0" indent="0">
+              <a:buNone/>
+            </a:pPr>
+            <a:endParaRPr lang="en-US" sz="2000" dirty="0"/>
+          </a:p>
+          <a:p>
+            <a:pPr marL="0" indent="0">
+              <a:buNone/>
+            </a:pPr>
+            <a:r>
+              <a:rPr lang="en-US" sz="2000" dirty="0"/>
+              <a:t>POST</a:t>
+            </a:r>
+          </a:p>
+          <a:p>
+            <a:pPr marL="0" indent="0">
+              <a:buNone/>
+            </a:pPr>
+            <a:r>
+              <a:rPr lang="en-US" sz="2000" dirty="0"/>
+              <a:t>Receive filled in form from </a:t>
+            </a:r>
+            <a:r>
+              <a:rPr lang="en-US" sz="2000" dirty="0" err="1"/>
+              <a:t>request.POST</a:t>
+            </a:r>
+            <a:endParaRPr lang="en-US" sz="2000" dirty="0"/>
+          </a:p>
+          <a:p>
+            <a:pPr marL="0" indent="0">
+              <a:buNone/>
+            </a:pPr>
+            <a:r>
+              <a:rPr lang="en-US" sz="2000" dirty="0"/>
+              <a:t>Validate</a:t>
+            </a:r>
+          </a:p>
+          <a:p>
+            <a:pPr marL="0" indent="0">
+              <a:buNone/>
+            </a:pPr>
+            <a:r>
+              <a:rPr lang="en-US" sz="2000" dirty="0"/>
+              <a:t>Save and redirect, or</a:t>
+            </a:r>
+          </a:p>
+          <a:p>
+            <a:pPr marL="0" indent="0">
+              <a:buNone/>
+            </a:pPr>
+            <a:r>
+              <a:rPr lang="en-US" sz="2000" dirty="0"/>
+              <a:t>Re-display w/ errors from “</a:t>
+            </a:r>
+            <a:r>
+              <a:rPr lang="en-US" sz="2000" dirty="0" err="1"/>
+              <a:t>is_valid</a:t>
+            </a:r>
+            <a:r>
+              <a:rPr lang="en-US" sz="2000" dirty="0"/>
+              <a:t>()”</a:t>
+            </a:r>
+          </a:p>
+          <a:p>
+            <a:pPr marL="0" indent="0">
+              <a:buNone/>
+            </a:pPr>
+            <a:endParaRPr lang="en-US" sz="2000" dirty="0"/>
+          </a:p>
+          <a:p>
+            <a:pPr marL="0" indent="0">
+              <a:buNone/>
+            </a:pPr>
+            <a:r>
+              <a:rPr lang="en-US" sz="2000" dirty="0"/>
+              <a:t>URL has form</a:t>
+            </a:r>
+          </a:p>
+          <a:p>
+            <a:r>
+              <a:rPr lang="en-US" sz="2000" dirty="0">
+                <a:hlinkClick r:id="rId2"/>
+              </a:rPr>
+              <a:t>http://xyz.com/starid</a:t>
+            </a:r>
+            <a:endParaRPr lang="en-US" sz="2000" dirty="0"/>
+          </a:p>
+          <a:p>
+            <a:pPr marL="0" indent="0">
+              <a:buNone/>
+            </a:pPr>
+            <a:endParaRPr lang="en-US" sz="2000" dirty="0"/>
+          </a:p>
+        </p:txBody>
+      </p:sp>
+      <p:pic>
+        <p:nvPicPr>
+          <p:cNvPr id="5" name="Picture 4">
+            <a:extLst>
+              <a:ext uri="{FF2B5EF4-FFF2-40B4-BE49-F238E27FC236}">
+                <a16:creationId xmlns:a16="http://schemas.microsoft.com/office/drawing/2014/main" id="{4920017F-208F-4EE0-BDFE-06FB98DC4E79}"/>
+              </a:ext>
+            </a:extLst>
+          </p:cNvPr>
+          <p:cNvPicPr>
+            <a:picLocks noChangeAspect="1"/>
+          </p:cNvPicPr>
+          <p:nvPr/>
+        </p:nvPicPr>
+        <p:blipFill>
+          <a:blip r:embed="rId3"/>
+          <a:stretch>
+            <a:fillRect/>
+          </a:stretch>
+        </p:blipFill>
+        <p:spPr>
+          <a:xfrm>
+            <a:off x="4838700" y="130175"/>
+            <a:ext cx="7213600" cy="6629400"/>
+          </a:xfrm>
+          <a:prstGeom prst="rect">
+            <a:avLst/>
+          </a:prstGeom>
+        </p:spPr>
+      </p:pic>
+    </p:spTree>
+    <p:extLst>
+      <p:ext uri="{BB962C8B-B14F-4D97-AF65-F5344CB8AC3E}">
+        <p14:creationId xmlns:p14="http://schemas.microsoft.com/office/powerpoint/2010/main" val="1382881176"/>
       </p:ext>
     </p:extLst>
   </p:cSld>
@@ -7458,7 +7276,12 @@
             <p:ph idx="1"/>
           </p:nvPr>
         </p:nvSpPr>
-        <p:spPr/>
+        <p:spPr>
+          <a:xfrm>
+            <a:off x="838200" y="1690688"/>
+            <a:ext cx="10515600" cy="4351338"/>
+          </a:xfrm>
+        </p:spPr>
         <p:txBody>
           <a:bodyPr>
             <a:normAutofit/>
@@ -7467,22 +7290,45 @@
           <a:p>
             <a:r>
               <a:rPr lang="en-US" dirty="0"/>
-              <a:t>Show Machine Learning deployed as Web Application</a:t>
-            </a:r>
-          </a:p>
-          <a:p>
-            <a:r>
-              <a:rPr lang="en-US" dirty="0"/>
-              <a:t>Demonstrate Best-Practice Web App Design</a:t>
-            </a:r>
-          </a:p>
-          <a:p>
-            <a:r>
-              <a:rPr lang="en-US" dirty="0"/>
-              <a:t>Make it available for Anyone (with access to the web)</a:t>
-            </a:r>
-          </a:p>
-          <a:p>
+              <a:t>Basic Web App Design with Server-side Python (Django)</a:t>
+            </a:r>
+          </a:p>
+          <a:p>
+            <a:r>
+              <a:rPr lang="en-US" dirty="0"/>
+              <a:t>Integrating ML into Web Application</a:t>
+            </a:r>
+          </a:p>
+          <a:p>
+            <a:r>
+              <a:rPr lang="en-US" dirty="0"/>
+              <a:t>Deploy to cloud</a:t>
+            </a:r>
+          </a:p>
+          <a:p>
+            <a:r>
+              <a:rPr lang="en-US" dirty="0"/>
+              <a:t>A bit of client-side (Google Charts, Bootstrap)</a:t>
+            </a:r>
+          </a:p>
+          <a:p>
+            <a:endParaRPr lang="en-US" dirty="0"/>
+          </a:p>
+          <a:p>
+            <a:r>
+              <a:rPr lang="en-US" dirty="0"/>
+              <a:t>Why:</a:t>
+            </a:r>
+          </a:p>
+          <a:p>
+            <a:pPr lvl="1"/>
+            <a:r>
+              <a:rPr lang="en-US" dirty="0"/>
+              <a:t>Make it available for Anyone (with access to a browser)</a:t>
+            </a:r>
+          </a:p>
+          <a:p>
+            <a:pPr lvl="1"/>
             <a:r>
               <a:rPr lang="en-US" dirty="0"/>
               <a:t>Practice, Practice, Practice</a:t>
@@ -7494,6 +7340,1422 @@
     <p:extLst>
       <p:ext uri="{BB962C8B-B14F-4D97-AF65-F5344CB8AC3E}">
         <p14:creationId xmlns:p14="http://schemas.microsoft.com/office/powerpoint/2010/main" val="3689922346"/>
+      </p:ext>
+    </p:extLst>
+  </p:cSld>
+  <p:clrMapOvr>
+    <a:masterClrMapping/>
+  </p:clrMapOvr>
+</p:sld>
+</file>
+
+<file path=ppt/slides/slide30.xml><?xml version="1.0" encoding="utf-8"?>
+<p:sld xmlns:a="http://schemas.openxmlformats.org/drawingml/2006/main" xmlns:r="http://schemas.openxmlformats.org/officeDocument/2006/relationships" xmlns:p="http://schemas.openxmlformats.org/presentationml/2006/main">
+  <p:cSld>
+    <p:spTree>
+      <p:nvGrpSpPr>
+        <p:cNvPr id="1" name=""/>
+        <p:cNvGrpSpPr/>
+        <p:nvPr/>
+      </p:nvGrpSpPr>
+      <p:grpSpPr>
+        <a:xfrm>
+          <a:off x="0" y="0"/>
+          <a:ext cx="0" cy="0"/>
+          <a:chOff x="0" y="0"/>
+          <a:chExt cx="0" cy="0"/>
+        </a:xfrm>
+      </p:grpSpPr>
+      <p:sp>
+        <p:nvSpPr>
+          <p:cNvPr id="2" name="Title 1">
+            <a:extLst>
+              <a:ext uri="{FF2B5EF4-FFF2-40B4-BE49-F238E27FC236}">
+                <a16:creationId xmlns:a16="http://schemas.microsoft.com/office/drawing/2014/main" id="{5BFEF712-E659-408C-AD57-1F1A31B89F29}"/>
+              </a:ext>
+            </a:extLst>
+          </p:cNvPr>
+          <p:cNvSpPr>
+            <a:spLocks noGrp="1"/>
+          </p:cNvSpPr>
+          <p:nvPr>
+            <p:ph type="title"/>
+          </p:nvPr>
+        </p:nvSpPr>
+        <p:spPr>
+          <a:xfrm>
+            <a:off x="574040" y="273685"/>
+            <a:ext cx="10515600" cy="1325563"/>
+          </a:xfrm>
+        </p:spPr>
+        <p:txBody>
+          <a:bodyPr>
+            <a:normAutofit/>
+          </a:bodyPr>
+          <a:lstStyle/>
+          <a:p>
+            <a:r>
+              <a:rPr lang="en-US" sz="3600" dirty="0" err="1"/>
+              <a:t>place_bets</a:t>
+            </a:r>
+            <a:r>
+              <a:rPr lang="en-US" sz="3600" dirty="0"/>
+              <a:t> (html)</a:t>
+            </a:r>
+          </a:p>
+        </p:txBody>
+      </p:sp>
+      <p:pic>
+        <p:nvPicPr>
+          <p:cNvPr id="6" name="Picture 5">
+            <a:extLst>
+              <a:ext uri="{FF2B5EF4-FFF2-40B4-BE49-F238E27FC236}">
+                <a16:creationId xmlns:a16="http://schemas.microsoft.com/office/drawing/2014/main" id="{7B2D3925-7B1F-487E-AEC5-82ABED514174}"/>
+              </a:ext>
+            </a:extLst>
+          </p:cNvPr>
+          <p:cNvPicPr>
+            <a:picLocks noChangeAspect="1"/>
+          </p:cNvPicPr>
+          <p:nvPr/>
+        </p:nvPicPr>
+        <p:blipFill>
+          <a:blip r:embed="rId2"/>
+          <a:stretch>
+            <a:fillRect/>
+          </a:stretch>
+        </p:blipFill>
+        <p:spPr>
+          <a:xfrm>
+            <a:off x="4366727" y="105734"/>
+            <a:ext cx="7615625" cy="6630953"/>
+          </a:xfrm>
+          <a:prstGeom prst="rect">
+            <a:avLst/>
+          </a:prstGeom>
+        </p:spPr>
+      </p:pic>
+    </p:spTree>
+    <p:extLst>
+      <p:ext uri="{BB962C8B-B14F-4D97-AF65-F5344CB8AC3E}">
+        <p14:creationId xmlns:p14="http://schemas.microsoft.com/office/powerpoint/2010/main" val="4195361001"/>
+      </p:ext>
+    </p:extLst>
+  </p:cSld>
+  <p:clrMapOvr>
+    <a:masterClrMapping/>
+  </p:clrMapOvr>
+</p:sld>
+</file>
+
+<file path=ppt/slides/slide31.xml><?xml version="1.0" encoding="utf-8"?>
+<p:sld xmlns:a="http://schemas.openxmlformats.org/drawingml/2006/main" xmlns:r="http://schemas.openxmlformats.org/officeDocument/2006/relationships" xmlns:p="http://schemas.openxmlformats.org/presentationml/2006/main">
+  <p:cSld>
+    <p:spTree>
+      <p:nvGrpSpPr>
+        <p:cNvPr id="1" name=""/>
+        <p:cNvGrpSpPr/>
+        <p:nvPr/>
+      </p:nvGrpSpPr>
+      <p:grpSpPr>
+        <a:xfrm>
+          <a:off x="0" y="0"/>
+          <a:ext cx="0" cy="0"/>
+          <a:chOff x="0" y="0"/>
+          <a:chExt cx="0" cy="0"/>
+        </a:xfrm>
+      </p:grpSpPr>
+      <p:sp>
+        <p:nvSpPr>
+          <p:cNvPr id="2" name="Title 1">
+            <a:extLst>
+              <a:ext uri="{FF2B5EF4-FFF2-40B4-BE49-F238E27FC236}">
+                <a16:creationId xmlns:a16="http://schemas.microsoft.com/office/drawing/2014/main" id="{6C24AB51-D0AE-47AF-A254-ED0A18910444}"/>
+              </a:ext>
+            </a:extLst>
+          </p:cNvPr>
+          <p:cNvSpPr>
+            <a:spLocks noGrp="1"/>
+          </p:cNvSpPr>
+          <p:nvPr>
+            <p:ph type="title"/>
+          </p:nvPr>
+        </p:nvSpPr>
+        <p:spPr/>
+        <p:txBody>
+          <a:bodyPr/>
+          <a:lstStyle/>
+          <a:p>
+            <a:r>
+              <a:rPr lang="en-US" dirty="0"/>
+              <a:t>What I did not expect...</a:t>
+            </a:r>
+          </a:p>
+        </p:txBody>
+      </p:sp>
+      <p:sp>
+        <p:nvSpPr>
+          <p:cNvPr id="3" name="Content Placeholder 2">
+            <a:extLst>
+              <a:ext uri="{FF2B5EF4-FFF2-40B4-BE49-F238E27FC236}">
+                <a16:creationId xmlns:a16="http://schemas.microsoft.com/office/drawing/2014/main" id="{CC3B6CE1-9DA5-4150-9A0C-898EA1CC56DA}"/>
+              </a:ext>
+            </a:extLst>
+          </p:cNvPr>
+          <p:cNvSpPr>
+            <a:spLocks noGrp="1"/>
+          </p:cNvSpPr>
+          <p:nvPr>
+            <p:ph idx="1"/>
+          </p:nvPr>
+        </p:nvSpPr>
+        <p:spPr/>
+        <p:txBody>
+          <a:bodyPr/>
+          <a:lstStyle/>
+          <a:p>
+            <a:endParaRPr lang="en-US"/>
+          </a:p>
+        </p:txBody>
+      </p:sp>
+    </p:spTree>
+    <p:extLst>
+      <p:ext uri="{BB962C8B-B14F-4D97-AF65-F5344CB8AC3E}">
+        <p14:creationId xmlns:p14="http://schemas.microsoft.com/office/powerpoint/2010/main" val="3164689895"/>
+      </p:ext>
+    </p:extLst>
+  </p:cSld>
+  <p:clrMapOvr>
+    <a:masterClrMapping/>
+  </p:clrMapOvr>
+</p:sld>
+</file>
+
+<file path=ppt/slides/slide32.xml><?xml version="1.0" encoding="utf-8"?>
+<p:sld xmlns:a="http://schemas.openxmlformats.org/drawingml/2006/main" xmlns:r="http://schemas.openxmlformats.org/officeDocument/2006/relationships" xmlns:p="http://schemas.openxmlformats.org/presentationml/2006/main">
+  <p:cSld>
+    <p:spTree>
+      <p:nvGrpSpPr>
+        <p:cNvPr id="1" name=""/>
+        <p:cNvGrpSpPr/>
+        <p:nvPr/>
+      </p:nvGrpSpPr>
+      <p:grpSpPr>
+        <a:xfrm>
+          <a:off x="0" y="0"/>
+          <a:ext cx="0" cy="0"/>
+          <a:chOff x="0" y="0"/>
+          <a:chExt cx="0" cy="0"/>
+        </a:xfrm>
+      </p:grpSpPr>
+      <p:sp>
+        <p:nvSpPr>
+          <p:cNvPr id="2" name="Title 1">
+            <a:extLst>
+              <a:ext uri="{FF2B5EF4-FFF2-40B4-BE49-F238E27FC236}">
+                <a16:creationId xmlns:a16="http://schemas.microsoft.com/office/drawing/2014/main" id="{504B7C1F-E423-4587-AD63-A889BAE3F03F}"/>
+              </a:ext>
+            </a:extLst>
+          </p:cNvPr>
+          <p:cNvSpPr>
+            <a:spLocks noGrp="1"/>
+          </p:cNvSpPr>
+          <p:nvPr>
+            <p:ph type="title"/>
+          </p:nvPr>
+        </p:nvSpPr>
+        <p:spPr/>
+        <p:txBody>
+          <a:bodyPr/>
+          <a:lstStyle/>
+          <a:p>
+            <a:r>
+              <a:rPr lang="en-US" dirty="0"/>
+              <a:t>“Data Visualization”</a:t>
+            </a:r>
+          </a:p>
+        </p:txBody>
+      </p:sp>
+      <p:sp>
+        <p:nvSpPr>
+          <p:cNvPr id="3" name="Content Placeholder 2">
+            <a:extLst>
+              <a:ext uri="{FF2B5EF4-FFF2-40B4-BE49-F238E27FC236}">
+                <a16:creationId xmlns:a16="http://schemas.microsoft.com/office/drawing/2014/main" id="{069B53B7-D426-49E6-942F-CD87BB641717}"/>
+              </a:ext>
+            </a:extLst>
+          </p:cNvPr>
+          <p:cNvSpPr>
+            <a:spLocks noGrp="1"/>
+          </p:cNvSpPr>
+          <p:nvPr>
+            <p:ph idx="1"/>
+          </p:nvPr>
+        </p:nvSpPr>
+        <p:spPr>
+          <a:xfrm>
+            <a:off x="576942" y="1690688"/>
+            <a:ext cx="10515599" cy="595312"/>
+          </a:xfrm>
+        </p:spPr>
+        <p:txBody>
+          <a:bodyPr>
+            <a:normAutofit/>
+          </a:bodyPr>
+          <a:lstStyle/>
+          <a:p>
+            <a:r>
+              <a:rPr lang="en-US" dirty="0"/>
+              <a:t>Tons of libraries.  High end (D3.js) to basic (Google Charts)</a:t>
+            </a:r>
+          </a:p>
+          <a:p>
+            <a:pPr marL="0" indent="0">
+              <a:buNone/>
+            </a:pPr>
+            <a:endParaRPr lang="en-US" dirty="0"/>
+          </a:p>
+        </p:txBody>
+      </p:sp>
+      <p:pic>
+        <p:nvPicPr>
+          <p:cNvPr id="4" name="Picture 3">
+            <a:extLst>
+              <a:ext uri="{FF2B5EF4-FFF2-40B4-BE49-F238E27FC236}">
+                <a16:creationId xmlns:a16="http://schemas.microsoft.com/office/drawing/2014/main" id="{C3B25813-2046-484F-85F0-BAAD76DDEB7E}"/>
+              </a:ext>
+            </a:extLst>
+          </p:cNvPr>
+          <p:cNvPicPr>
+            <a:picLocks noChangeAspect="1"/>
+          </p:cNvPicPr>
+          <p:nvPr/>
+        </p:nvPicPr>
+        <p:blipFill>
+          <a:blip r:embed="rId2"/>
+          <a:stretch>
+            <a:fillRect/>
+          </a:stretch>
+        </p:blipFill>
+        <p:spPr>
+          <a:xfrm>
+            <a:off x="4182943" y="2286000"/>
+            <a:ext cx="7170857" cy="3462240"/>
+          </a:xfrm>
+          <a:prstGeom prst="rect">
+            <a:avLst/>
+          </a:prstGeom>
+        </p:spPr>
+      </p:pic>
+      <p:sp>
+        <p:nvSpPr>
+          <p:cNvPr id="5" name="Rectangle 4">
+            <a:extLst>
+              <a:ext uri="{FF2B5EF4-FFF2-40B4-BE49-F238E27FC236}">
+                <a16:creationId xmlns:a16="http://schemas.microsoft.com/office/drawing/2014/main" id="{563B469A-08EF-4462-B54E-6D512F0937C6}"/>
+              </a:ext>
+            </a:extLst>
+          </p:cNvPr>
+          <p:cNvSpPr/>
+          <p:nvPr/>
+        </p:nvSpPr>
+        <p:spPr>
+          <a:xfrm>
+            <a:off x="753943" y="5938877"/>
+            <a:ext cx="10338598" cy="553998"/>
+          </a:xfrm>
+          <a:prstGeom prst="rect">
+            <a:avLst/>
+          </a:prstGeom>
+        </p:spPr>
+        <p:txBody>
+          <a:bodyPr wrap="square">
+            <a:spAutoFit/>
+          </a:bodyPr>
+          <a:lstStyle/>
+          <a:p>
+            <a:r>
+              <a:rPr lang="en-US" sz="1000" dirty="0"/>
+              <a:t>References:</a:t>
+            </a:r>
+          </a:p>
+          <a:p>
+            <a:pPr lvl="1"/>
+            <a:r>
+              <a:rPr lang="en-US" sz="1000" dirty="0">
+                <a:hlinkClick r:id="rId3"/>
+              </a:rPr>
+              <a:t>https://app.pluralsight.com/library/courses/build-first-data-visualization-google-charts</a:t>
+            </a:r>
+            <a:endParaRPr lang="en-US" sz="1000" dirty="0"/>
+          </a:p>
+          <a:p>
+            <a:pPr lvl="1"/>
+            <a:r>
+              <a:rPr lang="en-US" sz="1000" dirty="0">
+                <a:hlinkClick r:id="rId4"/>
+              </a:rPr>
+              <a:t>https://www.sitepoint.com/best-javascript-charting-libraries/</a:t>
+            </a:r>
+            <a:endParaRPr lang="en-US" sz="1000" dirty="0"/>
+          </a:p>
+        </p:txBody>
+      </p:sp>
+      <p:sp>
+        <p:nvSpPr>
+          <p:cNvPr id="6" name="Rectangle 5">
+            <a:extLst>
+              <a:ext uri="{FF2B5EF4-FFF2-40B4-BE49-F238E27FC236}">
+                <a16:creationId xmlns:a16="http://schemas.microsoft.com/office/drawing/2014/main" id="{86D4800D-C305-4570-B941-6DE0E4573E1F}"/>
+              </a:ext>
+            </a:extLst>
+          </p:cNvPr>
+          <p:cNvSpPr/>
+          <p:nvPr/>
+        </p:nvSpPr>
+        <p:spPr>
+          <a:xfrm>
+            <a:off x="576942" y="2496146"/>
+            <a:ext cx="3136642" cy="1938992"/>
+          </a:xfrm>
+          <a:prstGeom prst="rect">
+            <a:avLst/>
+          </a:prstGeom>
+        </p:spPr>
+        <p:txBody>
+          <a:bodyPr wrap="square">
+            <a:spAutoFit/>
+          </a:bodyPr>
+          <a:lstStyle/>
+          <a:p>
+            <a:pPr marL="285750" indent="-285750">
+              <a:buFont typeface="Arial" panose="020B0604020202020204" pitchFamily="34" charset="0"/>
+              <a:buChar char="•"/>
+            </a:pPr>
+            <a:r>
+              <a:rPr lang="en-US" sz="2000" dirty="0"/>
+              <a:t>Initial exploration is by Jupyter Notebook and/or Pandas/</a:t>
+            </a:r>
+            <a:r>
+              <a:rPr lang="en-US" sz="2000" dirty="0" err="1"/>
+              <a:t>MatplotLib</a:t>
+            </a:r>
+            <a:r>
+              <a:rPr lang="en-US" sz="2000" dirty="0"/>
+              <a:t>... see Titanic and </a:t>
+            </a:r>
+            <a:r>
+              <a:rPr lang="en-US" sz="2000" dirty="0" err="1"/>
+              <a:t>PLAsTiCC</a:t>
+            </a:r>
+            <a:r>
+              <a:rPr lang="en-US" sz="2000" dirty="0"/>
+              <a:t> #1</a:t>
+            </a:r>
+          </a:p>
+          <a:p>
+            <a:pPr marL="285750" indent="-285750">
+              <a:buFont typeface="Arial" panose="020B0604020202020204" pitchFamily="34" charset="0"/>
+              <a:buChar char="•"/>
+            </a:pPr>
+            <a:r>
+              <a:rPr lang="en-US" sz="2000" dirty="0"/>
+              <a:t>For Web App I went with Google Charts</a:t>
+            </a:r>
+          </a:p>
+        </p:txBody>
+      </p:sp>
+    </p:spTree>
+    <p:extLst>
+      <p:ext uri="{BB962C8B-B14F-4D97-AF65-F5344CB8AC3E}">
+        <p14:creationId xmlns:p14="http://schemas.microsoft.com/office/powerpoint/2010/main" val="3004834643"/>
+      </p:ext>
+    </p:extLst>
+  </p:cSld>
+  <p:clrMapOvr>
+    <a:masterClrMapping/>
+  </p:clrMapOvr>
+</p:sld>
+</file>
+
+<file path=ppt/slides/slide33.xml><?xml version="1.0" encoding="utf-8"?>
+<p:sld xmlns:a="http://schemas.openxmlformats.org/drawingml/2006/main" xmlns:r="http://schemas.openxmlformats.org/officeDocument/2006/relationships" xmlns:p="http://schemas.openxmlformats.org/presentationml/2006/main">
+  <p:cSld>
+    <p:spTree>
+      <p:nvGrpSpPr>
+        <p:cNvPr id="1" name=""/>
+        <p:cNvGrpSpPr/>
+        <p:nvPr/>
+      </p:nvGrpSpPr>
+      <p:grpSpPr>
+        <a:xfrm>
+          <a:off x="0" y="0"/>
+          <a:ext cx="0" cy="0"/>
+          <a:chOff x="0" y="0"/>
+          <a:chExt cx="0" cy="0"/>
+        </a:xfrm>
+      </p:grpSpPr>
+      <p:sp>
+        <p:nvSpPr>
+          <p:cNvPr id="5" name="Rectangle 4">
+            <a:extLst>
+              <a:ext uri="{FF2B5EF4-FFF2-40B4-BE49-F238E27FC236}">
+                <a16:creationId xmlns:a16="http://schemas.microsoft.com/office/drawing/2014/main" id="{563B469A-08EF-4462-B54E-6D512F0937C6}"/>
+              </a:ext>
+            </a:extLst>
+          </p:cNvPr>
+          <p:cNvSpPr/>
+          <p:nvPr/>
+        </p:nvSpPr>
+        <p:spPr>
+          <a:xfrm>
+            <a:off x="558068" y="6200623"/>
+            <a:ext cx="10338598" cy="400110"/>
+          </a:xfrm>
+          <a:prstGeom prst="rect">
+            <a:avLst/>
+          </a:prstGeom>
+        </p:spPr>
+        <p:txBody>
+          <a:bodyPr wrap="square">
+            <a:spAutoFit/>
+          </a:bodyPr>
+          <a:lstStyle/>
+          <a:p>
+            <a:r>
+              <a:rPr lang="en-US" sz="1000" dirty="0"/>
+              <a:t>Reference:</a:t>
+            </a:r>
+          </a:p>
+          <a:p>
+            <a:pPr lvl="1"/>
+            <a:r>
+              <a:rPr lang="en-US" sz="1000" dirty="0">
+                <a:hlinkClick r:id="rId2"/>
+              </a:rPr>
+              <a:t>https://app.pluralsight.com/library/courses/build-first-data-visualization-google-charts</a:t>
+            </a:r>
+            <a:endParaRPr lang="en-US" sz="1000" dirty="0"/>
+          </a:p>
+        </p:txBody>
+      </p:sp>
+      <p:pic>
+        <p:nvPicPr>
+          <p:cNvPr id="9" name="Picture 8">
+            <a:extLst>
+              <a:ext uri="{FF2B5EF4-FFF2-40B4-BE49-F238E27FC236}">
+                <a16:creationId xmlns:a16="http://schemas.microsoft.com/office/drawing/2014/main" id="{21A6DBDE-E35C-4653-9AA3-7DE97C00B0F1}"/>
+              </a:ext>
+            </a:extLst>
+          </p:cNvPr>
+          <p:cNvPicPr>
+            <a:picLocks noChangeAspect="1"/>
+          </p:cNvPicPr>
+          <p:nvPr/>
+        </p:nvPicPr>
+        <p:blipFill>
+          <a:blip r:embed="rId3"/>
+          <a:stretch>
+            <a:fillRect/>
+          </a:stretch>
+        </p:blipFill>
+        <p:spPr>
+          <a:xfrm>
+            <a:off x="3665156" y="325290"/>
+            <a:ext cx="7968776" cy="5948277"/>
+          </a:xfrm>
+          <a:prstGeom prst="rect">
+            <a:avLst/>
+          </a:prstGeom>
+        </p:spPr>
+      </p:pic>
+      <p:sp>
+        <p:nvSpPr>
+          <p:cNvPr id="4" name="Title 1">
+            <a:extLst>
+              <a:ext uri="{FF2B5EF4-FFF2-40B4-BE49-F238E27FC236}">
+                <a16:creationId xmlns:a16="http://schemas.microsoft.com/office/drawing/2014/main" id="{69641DD2-1D40-49F5-AD9B-1E325EB7E158}"/>
+              </a:ext>
+            </a:extLst>
+          </p:cNvPr>
+          <p:cNvSpPr>
+            <a:spLocks noGrp="1"/>
+          </p:cNvSpPr>
+          <p:nvPr>
+            <p:ph type="title"/>
+          </p:nvPr>
+        </p:nvSpPr>
+        <p:spPr>
+          <a:xfrm>
+            <a:off x="381066" y="102453"/>
+            <a:ext cx="2865473" cy="2011573"/>
+          </a:xfrm>
+        </p:spPr>
+        <p:txBody>
+          <a:bodyPr/>
+          <a:lstStyle/>
+          <a:p>
+            <a:r>
+              <a:rPr lang="en-US" dirty="0"/>
+              <a:t>Why this is important...</a:t>
+            </a:r>
+          </a:p>
+        </p:txBody>
+      </p:sp>
+    </p:spTree>
+    <p:extLst>
+      <p:ext uri="{BB962C8B-B14F-4D97-AF65-F5344CB8AC3E}">
+        <p14:creationId xmlns:p14="http://schemas.microsoft.com/office/powerpoint/2010/main" val="3893797724"/>
+      </p:ext>
+    </p:extLst>
+  </p:cSld>
+  <p:clrMapOvr>
+    <a:masterClrMapping/>
+  </p:clrMapOvr>
+</p:sld>
+</file>
+
+<file path=ppt/slides/slide34.xml><?xml version="1.0" encoding="utf-8"?>
+<p:sld xmlns:a="http://schemas.openxmlformats.org/drawingml/2006/main" xmlns:r="http://schemas.openxmlformats.org/officeDocument/2006/relationships" xmlns:p="http://schemas.openxmlformats.org/presentationml/2006/main">
+  <p:cSld>
+    <p:spTree>
+      <p:nvGrpSpPr>
+        <p:cNvPr id="1" name=""/>
+        <p:cNvGrpSpPr/>
+        <p:nvPr/>
+      </p:nvGrpSpPr>
+      <p:grpSpPr>
+        <a:xfrm>
+          <a:off x="0" y="0"/>
+          <a:ext cx="0" cy="0"/>
+          <a:chOff x="0" y="0"/>
+          <a:chExt cx="0" cy="0"/>
+        </a:xfrm>
+      </p:grpSpPr>
+      <p:sp>
+        <p:nvSpPr>
+          <p:cNvPr id="2" name="Title 1">
+            <a:extLst>
+              <a:ext uri="{FF2B5EF4-FFF2-40B4-BE49-F238E27FC236}">
+                <a16:creationId xmlns:a16="http://schemas.microsoft.com/office/drawing/2014/main" id="{81976E80-F021-4D53-88FC-5FCAF1B3A885}"/>
+              </a:ext>
+            </a:extLst>
+          </p:cNvPr>
+          <p:cNvSpPr>
+            <a:spLocks noGrp="1"/>
+          </p:cNvSpPr>
+          <p:nvPr>
+            <p:ph type="title"/>
+          </p:nvPr>
+        </p:nvSpPr>
+        <p:spPr/>
+        <p:txBody>
+          <a:bodyPr/>
+          <a:lstStyle/>
+          <a:p>
+            <a:r>
+              <a:rPr lang="en-US" dirty="0"/>
+              <a:t>AWS EB (Elastic Beanstalk) vs ES2</a:t>
+            </a:r>
+          </a:p>
+        </p:txBody>
+      </p:sp>
+      <p:sp>
+        <p:nvSpPr>
+          <p:cNvPr id="3" name="Content Placeholder 2">
+            <a:extLst>
+              <a:ext uri="{FF2B5EF4-FFF2-40B4-BE49-F238E27FC236}">
+                <a16:creationId xmlns:a16="http://schemas.microsoft.com/office/drawing/2014/main" id="{4AFECD66-B096-447E-83DD-6B0479CB19EB}"/>
+              </a:ext>
+            </a:extLst>
+          </p:cNvPr>
+          <p:cNvSpPr>
+            <a:spLocks noGrp="1"/>
+          </p:cNvSpPr>
+          <p:nvPr>
+            <p:ph idx="1"/>
+          </p:nvPr>
+        </p:nvSpPr>
+        <p:spPr>
+          <a:xfrm>
+            <a:off x="838200" y="1696844"/>
+            <a:ext cx="6243735" cy="4351338"/>
+          </a:xfrm>
+        </p:spPr>
+        <p:txBody>
+          <a:bodyPr/>
+          <a:lstStyle/>
+          <a:p>
+            <a:r>
+              <a:rPr lang="en-US" dirty="0"/>
+              <a:t>EB = EC2 + RDS + S3</a:t>
+            </a:r>
+          </a:p>
+          <a:p>
+            <a:r>
+              <a:rPr lang="en-US" dirty="0"/>
+              <a:t>Scales with demand</a:t>
+            </a:r>
+          </a:p>
+          <a:p>
+            <a:r>
+              <a:rPr lang="en-US" dirty="0"/>
+              <a:t>Follow instructions from </a:t>
+            </a:r>
+            <a:r>
+              <a:rPr lang="en-US" sz="1200" dirty="0">
+                <a:hlinkClick r:id="rId2"/>
+              </a:rPr>
+              <a:t>https://realpython.com/deploying-a-django-app-and-postgresql-to-aws-elastic-beanstalk/</a:t>
+            </a:r>
+            <a:endParaRPr lang="en-US" sz="1200" dirty="0"/>
+          </a:p>
+          <a:p>
+            <a:r>
+              <a:rPr lang="en-US" dirty="0"/>
+              <a:t>Straightforward but not really...</a:t>
+            </a:r>
+          </a:p>
+          <a:p>
+            <a:r>
+              <a:rPr lang="en-US" dirty="0"/>
+              <a:t>Baseline = $8/day with no traffic and minimal data (ARRGH!)</a:t>
+            </a:r>
+          </a:p>
+        </p:txBody>
+      </p:sp>
+      <p:pic>
+        <p:nvPicPr>
+          <p:cNvPr id="4" name="Picture 3">
+            <a:extLst>
+              <a:ext uri="{FF2B5EF4-FFF2-40B4-BE49-F238E27FC236}">
+                <a16:creationId xmlns:a16="http://schemas.microsoft.com/office/drawing/2014/main" id="{605D59AB-7188-450C-B5B9-81A1F4DC716B}"/>
+              </a:ext>
+            </a:extLst>
+          </p:cNvPr>
+          <p:cNvPicPr>
+            <a:picLocks noChangeAspect="1"/>
+          </p:cNvPicPr>
+          <p:nvPr/>
+        </p:nvPicPr>
+        <p:blipFill>
+          <a:blip r:embed="rId3"/>
+          <a:stretch>
+            <a:fillRect/>
+          </a:stretch>
+        </p:blipFill>
+        <p:spPr>
+          <a:xfrm>
+            <a:off x="7164584" y="1570522"/>
+            <a:ext cx="4639806" cy="4222557"/>
+          </a:xfrm>
+          <a:prstGeom prst="rect">
+            <a:avLst/>
+          </a:prstGeom>
+        </p:spPr>
+      </p:pic>
+    </p:spTree>
+    <p:extLst>
+      <p:ext uri="{BB962C8B-B14F-4D97-AF65-F5344CB8AC3E}">
+        <p14:creationId xmlns:p14="http://schemas.microsoft.com/office/powerpoint/2010/main" val="3749611798"/>
+      </p:ext>
+    </p:extLst>
+  </p:cSld>
+  <p:clrMapOvr>
+    <a:masterClrMapping/>
+  </p:clrMapOvr>
+</p:sld>
+</file>
+
+<file path=ppt/slides/slide35.xml><?xml version="1.0" encoding="utf-8"?>
+<p:sld xmlns:a="http://schemas.openxmlformats.org/drawingml/2006/main" xmlns:r="http://schemas.openxmlformats.org/officeDocument/2006/relationships" xmlns:p="http://schemas.openxmlformats.org/presentationml/2006/main">
+  <p:cSld>
+    <p:spTree>
+      <p:nvGrpSpPr>
+        <p:cNvPr id="1" name=""/>
+        <p:cNvGrpSpPr/>
+        <p:nvPr/>
+      </p:nvGrpSpPr>
+      <p:grpSpPr>
+        <a:xfrm>
+          <a:off x="0" y="0"/>
+          <a:ext cx="0" cy="0"/>
+          <a:chOff x="0" y="0"/>
+          <a:chExt cx="0" cy="0"/>
+        </a:xfrm>
+      </p:grpSpPr>
+      <p:sp>
+        <p:nvSpPr>
+          <p:cNvPr id="2" name="Title 1">
+            <a:extLst>
+              <a:ext uri="{FF2B5EF4-FFF2-40B4-BE49-F238E27FC236}">
+                <a16:creationId xmlns:a16="http://schemas.microsoft.com/office/drawing/2014/main" id="{26AC7FAF-3538-4288-8DB2-24E83170AC38}"/>
+              </a:ext>
+            </a:extLst>
+          </p:cNvPr>
+          <p:cNvSpPr>
+            <a:spLocks noGrp="1"/>
+          </p:cNvSpPr>
+          <p:nvPr>
+            <p:ph type="title"/>
+          </p:nvPr>
+        </p:nvSpPr>
+        <p:spPr/>
+        <p:txBody>
+          <a:bodyPr/>
+          <a:lstStyle/>
+          <a:p>
+            <a:r>
+              <a:rPr lang="en-US" dirty="0"/>
+              <a:t>Second Try: Postgres directly on EC2</a:t>
+            </a:r>
+          </a:p>
+        </p:txBody>
+      </p:sp>
+      <p:pic>
+        <p:nvPicPr>
+          <p:cNvPr id="5" name="Picture 4">
+            <a:extLst>
+              <a:ext uri="{FF2B5EF4-FFF2-40B4-BE49-F238E27FC236}">
+                <a16:creationId xmlns:a16="http://schemas.microsoft.com/office/drawing/2014/main" id="{09A91526-E233-4F1F-9C04-112E397E3619}"/>
+              </a:ext>
+            </a:extLst>
+          </p:cNvPr>
+          <p:cNvPicPr>
+            <a:picLocks noChangeAspect="1"/>
+          </p:cNvPicPr>
+          <p:nvPr/>
+        </p:nvPicPr>
+        <p:blipFill>
+          <a:blip r:embed="rId2"/>
+          <a:stretch>
+            <a:fillRect/>
+          </a:stretch>
+        </p:blipFill>
+        <p:spPr>
+          <a:xfrm>
+            <a:off x="573087" y="1501775"/>
+            <a:ext cx="11249025" cy="4991100"/>
+          </a:xfrm>
+          <a:prstGeom prst="rect">
+            <a:avLst/>
+          </a:prstGeom>
+        </p:spPr>
+      </p:pic>
+    </p:spTree>
+    <p:extLst>
+      <p:ext uri="{BB962C8B-B14F-4D97-AF65-F5344CB8AC3E}">
+        <p14:creationId xmlns:p14="http://schemas.microsoft.com/office/powerpoint/2010/main" val="732775024"/>
+      </p:ext>
+    </p:extLst>
+  </p:cSld>
+  <p:clrMapOvr>
+    <a:masterClrMapping/>
+  </p:clrMapOvr>
+</p:sld>
+</file>
+
+<file path=ppt/slides/slide36.xml><?xml version="1.0" encoding="utf-8"?>
+<p:sld xmlns:a="http://schemas.openxmlformats.org/drawingml/2006/main" xmlns:r="http://schemas.openxmlformats.org/officeDocument/2006/relationships" xmlns:p="http://schemas.openxmlformats.org/presentationml/2006/main">
+  <p:cSld>
+    <p:spTree>
+      <p:nvGrpSpPr>
+        <p:cNvPr id="1" name=""/>
+        <p:cNvGrpSpPr/>
+        <p:nvPr/>
+      </p:nvGrpSpPr>
+      <p:grpSpPr>
+        <a:xfrm>
+          <a:off x="0" y="0"/>
+          <a:ext cx="0" cy="0"/>
+          <a:chOff x="0" y="0"/>
+          <a:chExt cx="0" cy="0"/>
+        </a:xfrm>
+      </p:grpSpPr>
+      <p:sp>
+        <p:nvSpPr>
+          <p:cNvPr id="2" name="Title 1">
+            <a:extLst>
+              <a:ext uri="{FF2B5EF4-FFF2-40B4-BE49-F238E27FC236}">
+                <a16:creationId xmlns:a16="http://schemas.microsoft.com/office/drawing/2014/main" id="{7F7B68DA-473D-4B51-A38B-93A06DFF7DD5}"/>
+              </a:ext>
+            </a:extLst>
+          </p:cNvPr>
+          <p:cNvSpPr>
+            <a:spLocks noGrp="1"/>
+          </p:cNvSpPr>
+          <p:nvPr>
+            <p:ph type="title"/>
+          </p:nvPr>
+        </p:nvSpPr>
+        <p:spPr/>
+        <p:txBody>
+          <a:bodyPr/>
+          <a:lstStyle/>
+          <a:p>
+            <a:r>
+              <a:rPr lang="en-US" dirty="0"/>
+              <a:t>Go Play !</a:t>
+            </a:r>
+          </a:p>
+        </p:txBody>
+      </p:sp>
+      <p:sp>
+        <p:nvSpPr>
+          <p:cNvPr id="3" name="Content Placeholder 2">
+            <a:extLst>
+              <a:ext uri="{FF2B5EF4-FFF2-40B4-BE49-F238E27FC236}">
+                <a16:creationId xmlns:a16="http://schemas.microsoft.com/office/drawing/2014/main" id="{ACEB8B8B-6AA0-481C-A325-CA7EA058CF39}"/>
+              </a:ext>
+            </a:extLst>
+          </p:cNvPr>
+          <p:cNvSpPr>
+            <a:spLocks noGrp="1"/>
+          </p:cNvSpPr>
+          <p:nvPr>
+            <p:ph idx="1"/>
+          </p:nvPr>
+        </p:nvSpPr>
+        <p:spPr/>
+        <p:txBody>
+          <a:bodyPr/>
+          <a:lstStyle/>
+          <a:p>
+            <a:r>
+              <a:rPr lang="en-US" dirty="0">
+                <a:hlinkClick r:id="rId2"/>
+              </a:rPr>
+              <a:t>www.cwinsor.us</a:t>
+            </a:r>
+            <a:r>
+              <a:rPr lang="en-US" dirty="0"/>
+              <a:t> (look for </a:t>
+            </a:r>
+            <a:r>
+              <a:rPr lang="en-US" dirty="0" err="1"/>
+              <a:t>StarChaser</a:t>
+            </a:r>
+            <a:r>
+              <a:rPr lang="en-US" dirty="0"/>
+              <a:t>)</a:t>
+            </a:r>
+          </a:p>
+          <a:p>
+            <a:r>
+              <a:rPr lang="en-US" dirty="0"/>
+              <a:t>Or directly...</a:t>
+            </a:r>
+          </a:p>
+          <a:p>
+            <a:r>
+              <a:rPr lang="en-US" dirty="0">
+                <a:hlinkClick r:id="rId3"/>
+              </a:rPr>
+              <a:t>http://ec2-3-22-167-114.us-east-2.compute.amazonaws.com:8000/</a:t>
+            </a:r>
+            <a:endParaRPr lang="en-US" dirty="0"/>
+          </a:p>
+        </p:txBody>
+      </p:sp>
+    </p:spTree>
+    <p:extLst>
+      <p:ext uri="{BB962C8B-B14F-4D97-AF65-F5344CB8AC3E}">
+        <p14:creationId xmlns:p14="http://schemas.microsoft.com/office/powerpoint/2010/main" val="3008425161"/>
+      </p:ext>
+    </p:extLst>
+  </p:cSld>
+  <p:clrMapOvr>
+    <a:masterClrMapping/>
+  </p:clrMapOvr>
+</p:sld>
+</file>
+
+<file path=ppt/slides/slide37.xml><?xml version="1.0" encoding="utf-8"?>
+<p:sld xmlns:a="http://schemas.openxmlformats.org/drawingml/2006/main" xmlns:r="http://schemas.openxmlformats.org/officeDocument/2006/relationships" xmlns:p="http://schemas.openxmlformats.org/presentationml/2006/main">
+  <p:cSld>
+    <p:spTree>
+      <p:nvGrpSpPr>
+        <p:cNvPr id="1" name=""/>
+        <p:cNvGrpSpPr/>
+        <p:nvPr/>
+      </p:nvGrpSpPr>
+      <p:grpSpPr>
+        <a:xfrm>
+          <a:off x="0" y="0"/>
+          <a:ext cx="0" cy="0"/>
+          <a:chOff x="0" y="0"/>
+          <a:chExt cx="0" cy="0"/>
+        </a:xfrm>
+      </p:grpSpPr>
+      <p:sp>
+        <p:nvSpPr>
+          <p:cNvPr id="2" name="Title 1">
+            <a:extLst>
+              <a:ext uri="{FF2B5EF4-FFF2-40B4-BE49-F238E27FC236}">
+                <a16:creationId xmlns:a16="http://schemas.microsoft.com/office/drawing/2014/main" id="{10B8E23F-5094-466C-A3B1-1F64FD237EA5}"/>
+              </a:ext>
+            </a:extLst>
+          </p:cNvPr>
+          <p:cNvSpPr>
+            <a:spLocks noGrp="1"/>
+          </p:cNvSpPr>
+          <p:nvPr>
+            <p:ph type="title"/>
+          </p:nvPr>
+        </p:nvSpPr>
+        <p:spPr/>
+        <p:txBody>
+          <a:bodyPr/>
+          <a:lstStyle/>
+          <a:p>
+            <a:r>
+              <a:rPr lang="en-US" dirty="0"/>
+              <a:t>Level of Effort and Takeaways</a:t>
+            </a:r>
+          </a:p>
+        </p:txBody>
+      </p:sp>
+      <p:sp>
+        <p:nvSpPr>
+          <p:cNvPr id="3" name="Content Placeholder 2">
+            <a:extLst>
+              <a:ext uri="{FF2B5EF4-FFF2-40B4-BE49-F238E27FC236}">
+                <a16:creationId xmlns:a16="http://schemas.microsoft.com/office/drawing/2014/main" id="{00EB0048-9365-49CB-978F-C6FB3053D5D3}"/>
+              </a:ext>
+            </a:extLst>
+          </p:cNvPr>
+          <p:cNvSpPr>
+            <a:spLocks noGrp="1"/>
+          </p:cNvSpPr>
+          <p:nvPr>
+            <p:ph idx="1"/>
+          </p:nvPr>
+        </p:nvSpPr>
+        <p:spPr/>
+        <p:txBody>
+          <a:bodyPr>
+            <a:normAutofit/>
+          </a:bodyPr>
+          <a:lstStyle/>
+          <a:p>
+            <a:r>
+              <a:rPr lang="en-US" dirty="0"/>
+              <a:t>A full featured Web App (admin, user accounts, Postgres, M.L., AWS)</a:t>
+            </a:r>
+          </a:p>
+          <a:p>
+            <a:r>
+              <a:rPr lang="en-US" dirty="0"/>
+              <a:t>2/23 to 5/22 (3 months).  Lots of learning curve</a:t>
+            </a:r>
+          </a:p>
+          <a:p>
+            <a:r>
+              <a:rPr lang="en-US" dirty="0"/>
+              <a:t>Started with Tic-tac-toe and:</a:t>
+            </a:r>
+          </a:p>
+          <a:p>
+            <a:pPr lvl="1"/>
+            <a:r>
+              <a:rPr lang="en-US" dirty="0"/>
+              <a:t>Replaced out-of-box database with Postgres</a:t>
+            </a:r>
+          </a:p>
+          <a:p>
+            <a:pPr lvl="1"/>
+            <a:r>
+              <a:rPr lang="en-US" dirty="0"/>
+              <a:t>Added external ML models, Kaggle dataset</a:t>
+            </a:r>
+          </a:p>
+          <a:p>
+            <a:pPr lvl="1"/>
+            <a:r>
+              <a:rPr lang="en-US" dirty="0"/>
+              <a:t>Added Google Charts</a:t>
+            </a:r>
+          </a:p>
+          <a:p>
+            <a:pPr lvl="1"/>
+            <a:r>
+              <a:rPr lang="en-US" dirty="0"/>
+              <a:t>Pushed to AWS</a:t>
+            </a:r>
+          </a:p>
+          <a:p>
+            <a:r>
+              <a:rPr lang="en-US" dirty="0"/>
+              <a:t>Wireframe and personas super important for focus</a:t>
+            </a:r>
+          </a:p>
+        </p:txBody>
+      </p:sp>
+    </p:spTree>
+    <p:extLst>
+      <p:ext uri="{BB962C8B-B14F-4D97-AF65-F5344CB8AC3E}">
+        <p14:creationId xmlns:p14="http://schemas.microsoft.com/office/powerpoint/2010/main" val="3978747642"/>
+      </p:ext>
+    </p:extLst>
+  </p:cSld>
+  <p:clrMapOvr>
+    <a:masterClrMapping/>
+  </p:clrMapOvr>
+</p:sld>
+</file>
+
+<file path=ppt/slides/slide38.xml><?xml version="1.0" encoding="utf-8"?>
+<p:sld xmlns:a="http://schemas.openxmlformats.org/drawingml/2006/main" xmlns:r="http://schemas.openxmlformats.org/officeDocument/2006/relationships" xmlns:p="http://schemas.openxmlformats.org/presentationml/2006/main">
+  <p:cSld>
+    <p:spTree>
+      <p:nvGrpSpPr>
+        <p:cNvPr id="1" name=""/>
+        <p:cNvGrpSpPr/>
+        <p:nvPr/>
+      </p:nvGrpSpPr>
+      <p:grpSpPr>
+        <a:xfrm>
+          <a:off x="0" y="0"/>
+          <a:ext cx="0" cy="0"/>
+          <a:chOff x="0" y="0"/>
+          <a:chExt cx="0" cy="0"/>
+        </a:xfrm>
+      </p:grpSpPr>
+      <p:sp>
+        <p:nvSpPr>
+          <p:cNvPr id="2" name="Title 1">
+            <a:extLst>
+              <a:ext uri="{FF2B5EF4-FFF2-40B4-BE49-F238E27FC236}">
+                <a16:creationId xmlns:a16="http://schemas.microsoft.com/office/drawing/2014/main" id="{10B8E23F-5094-466C-A3B1-1F64FD237EA5}"/>
+              </a:ext>
+            </a:extLst>
+          </p:cNvPr>
+          <p:cNvSpPr>
+            <a:spLocks noGrp="1"/>
+          </p:cNvSpPr>
+          <p:nvPr>
+            <p:ph type="title"/>
+          </p:nvPr>
+        </p:nvSpPr>
+        <p:spPr/>
+        <p:txBody>
+          <a:bodyPr/>
+          <a:lstStyle/>
+          <a:p>
+            <a:r>
+              <a:rPr lang="en-US" dirty="0"/>
+              <a:t>References</a:t>
+            </a:r>
+          </a:p>
+        </p:txBody>
+      </p:sp>
+      <p:sp>
+        <p:nvSpPr>
+          <p:cNvPr id="3" name="Content Placeholder 2">
+            <a:extLst>
+              <a:ext uri="{FF2B5EF4-FFF2-40B4-BE49-F238E27FC236}">
+                <a16:creationId xmlns:a16="http://schemas.microsoft.com/office/drawing/2014/main" id="{00EB0048-9365-49CB-978F-C6FB3053D5D3}"/>
+              </a:ext>
+            </a:extLst>
+          </p:cNvPr>
+          <p:cNvSpPr>
+            <a:spLocks noGrp="1"/>
+          </p:cNvSpPr>
+          <p:nvPr>
+            <p:ph idx="1"/>
+          </p:nvPr>
+        </p:nvSpPr>
+        <p:spPr/>
+        <p:txBody>
+          <a:bodyPr>
+            <a:normAutofit fontScale="55000" lnSpcReduction="20000"/>
+          </a:bodyPr>
+          <a:lstStyle/>
+          <a:p>
+            <a:r>
+              <a:rPr lang="en-US" dirty="0"/>
+              <a:t>Django:</a:t>
+            </a:r>
+          </a:p>
+          <a:p>
+            <a:pPr lvl="1"/>
+            <a:r>
+              <a:rPr lang="en-US" dirty="0"/>
+              <a:t>Tic-Tac-Toe (Django Fundamentals by </a:t>
+            </a:r>
+            <a:r>
+              <a:rPr lang="en-US" dirty="0" err="1"/>
+              <a:t>Reindert</a:t>
+            </a:r>
+            <a:r>
+              <a:rPr lang="en-US" dirty="0"/>
+              <a:t>-Jan </a:t>
+            </a:r>
+            <a:r>
+              <a:rPr lang="en-US" dirty="0" err="1"/>
+              <a:t>Ekker</a:t>
+            </a:r>
+            <a:r>
+              <a:rPr lang="en-US" dirty="0"/>
+              <a:t> on Pluralsight) </a:t>
+            </a:r>
+            <a:r>
+              <a:rPr lang="en-US" dirty="0">
+                <a:hlinkClick r:id="rId2"/>
+              </a:rPr>
+              <a:t>https://app.pluralsight.com/library/courses/django-fundamentals-update/table-of-contents</a:t>
+            </a:r>
+            <a:endParaRPr lang="en-US" dirty="0"/>
+          </a:p>
+          <a:p>
+            <a:pPr lvl="1"/>
+            <a:endParaRPr lang="en-US" dirty="0"/>
+          </a:p>
+          <a:p>
+            <a:r>
+              <a:rPr lang="en-US" dirty="0"/>
+              <a:t>Web UX/UI:</a:t>
+            </a:r>
+          </a:p>
+          <a:p>
+            <a:pPr lvl="1"/>
+            <a:r>
+              <a:rPr lang="en-US" dirty="0"/>
+              <a:t>Getting Started in UX Design by Kurt </a:t>
+            </a:r>
+            <a:r>
+              <a:rPr lang="en-US" dirty="0" err="1"/>
+              <a:t>Krumme</a:t>
+            </a:r>
+            <a:r>
+              <a:rPr lang="en-US" dirty="0"/>
+              <a:t> </a:t>
+            </a:r>
+            <a:r>
+              <a:rPr lang="en-US" dirty="0">
+                <a:hlinkClick r:id="rId3"/>
+              </a:rPr>
+              <a:t>https://app.pluralsight.com/library/courses/getting-started-ux-design/table-of-contents</a:t>
+            </a:r>
+            <a:endParaRPr lang="en-US" dirty="0"/>
+          </a:p>
+          <a:p>
+            <a:pPr lvl="1"/>
+            <a:r>
+              <a:rPr lang="en-US" dirty="0"/>
+              <a:t>UX Design Creating Wireframes by Susan Simkins </a:t>
+            </a:r>
+            <a:r>
+              <a:rPr lang="en-US" dirty="0">
+                <a:hlinkClick r:id="rId4"/>
+              </a:rPr>
+              <a:t>https://app.pluralsight.com/library/courses/ux-design-creating-wireframes/table-of-contents</a:t>
+            </a:r>
+            <a:endParaRPr lang="en-US" dirty="0"/>
+          </a:p>
+          <a:p>
+            <a:endParaRPr lang="en-US" dirty="0"/>
+          </a:p>
+          <a:p>
+            <a:r>
+              <a:rPr lang="en-US" dirty="0"/>
+              <a:t>Node, Postgres, Express (background only - could skim this)</a:t>
+            </a:r>
+          </a:p>
+          <a:p>
+            <a:pPr lvl="1"/>
+            <a:r>
+              <a:rPr lang="en-US" dirty="0"/>
+              <a:t>“Build a CRUD single page application with Node, Express, Angular, Postgres” (Michael Herman)</a:t>
+            </a:r>
+          </a:p>
+          <a:p>
+            <a:pPr lvl="1"/>
+            <a:r>
+              <a:rPr lang="en-US" dirty="0">
+                <a:solidFill>
+                  <a:schemeClr val="accent1"/>
+                </a:solidFill>
+                <a:hlinkClick r:id="rId5">
+                  <a:extLst>
+                    <a:ext uri="{A12FA001-AC4F-418D-AE19-62706E023703}">
+                      <ahyp:hlinkClr xmlns:ahyp="http://schemas.microsoft.com/office/drawing/2018/hyperlinkcolor" val="tx"/>
+                    </a:ext>
+                  </a:extLst>
+                </a:hlinkClick>
+              </a:rPr>
+              <a:t>https://mherman.org/blog/postgresql-and-nodejs/</a:t>
+            </a:r>
+            <a:r>
+              <a:rPr lang="en-US" dirty="0">
+                <a:solidFill>
+                  <a:schemeClr val="accent1"/>
+                </a:solidFill>
+              </a:rPr>
+              <a:t>   </a:t>
+            </a:r>
+            <a:r>
+              <a:rPr lang="en-US" dirty="0"/>
+              <a:t>This is an example frontend/backend </a:t>
+            </a:r>
+            <a:r>
+              <a:rPr lang="en-US" dirty="0" err="1"/>
+              <a:t>javascript</a:t>
+            </a:r>
+            <a:r>
+              <a:rPr lang="en-US" dirty="0"/>
+              <a:t> web app with </a:t>
+            </a:r>
+            <a:r>
+              <a:rPr lang="en-US" dirty="0" err="1"/>
+              <a:t>postgres</a:t>
+            </a:r>
+            <a:r>
+              <a:rPr lang="en-US" dirty="0"/>
+              <a:t> db.  It uses express web server/routing and (a little) angular on the front-end.  You will use </a:t>
+            </a:r>
+            <a:r>
+              <a:rPr lang="en-US" dirty="0" err="1"/>
+              <a:t>npm</a:t>
+            </a:r>
+            <a:r>
+              <a:rPr lang="en-US" dirty="0"/>
+              <a:t>, express, node, browser trace/debug features.  You will see </a:t>
+            </a:r>
+            <a:r>
+              <a:rPr lang="en-US" dirty="0" err="1"/>
+              <a:t>javascript</a:t>
+            </a:r>
+            <a:r>
+              <a:rPr lang="en-US" dirty="0"/>
+              <a:t> used on both client and server.  This is very standard (server-side </a:t>
+            </a:r>
+            <a:r>
+              <a:rPr lang="en-US" dirty="0" err="1"/>
+              <a:t>javascript</a:t>
+            </a:r>
+            <a:r>
+              <a:rPr lang="en-US" dirty="0"/>
+              <a:t>) architecture.</a:t>
+            </a:r>
+          </a:p>
+          <a:p>
+            <a:endParaRPr lang="en-US" dirty="0"/>
+          </a:p>
+          <a:p>
+            <a:r>
+              <a:rPr lang="en-US" dirty="0"/>
+              <a:t>Front-end (suspect this will be handy in the future)</a:t>
+            </a:r>
+          </a:p>
+          <a:p>
+            <a:pPr lvl="1"/>
+            <a:r>
+              <a:rPr lang="en-US" dirty="0"/>
+              <a:t>“Front-End Web Development Quick Start With HTML5, CSS, and JavaScript” (Shawn Wildermuth) </a:t>
+            </a:r>
+            <a:r>
+              <a:rPr lang="en-US" dirty="0">
+                <a:solidFill>
+                  <a:schemeClr val="accent1"/>
+                </a:solidFill>
+                <a:hlinkClick r:id="rId6">
+                  <a:extLst>
+                    <a:ext uri="{A12FA001-AC4F-418D-AE19-62706E023703}">
+                      <ahyp:hlinkClr xmlns:ahyp="http://schemas.microsoft.com/office/drawing/2018/hyperlinkcolor" val="tx"/>
+                    </a:ext>
+                  </a:extLst>
+                </a:hlinkClick>
+              </a:rPr>
+              <a:t>https://app.pluralsight.com/course-player?clipId=e5482b13-c204-4d52-89ec-94a1099592b0</a:t>
+            </a:r>
+            <a:r>
+              <a:rPr lang="en-US" dirty="0">
+                <a:solidFill>
+                  <a:schemeClr val="accent1"/>
+                </a:solidFill>
+              </a:rPr>
+              <a:t>  </a:t>
+            </a:r>
+            <a:r>
+              <a:rPr lang="en-US" dirty="0"/>
+              <a:t>Beginner HTML5, CSS, JavaScript – excellent</a:t>
+            </a:r>
+          </a:p>
+          <a:p>
+            <a:pPr lvl="1"/>
+            <a:endParaRPr lang="en-US" dirty="0"/>
+          </a:p>
+        </p:txBody>
+      </p:sp>
+    </p:spTree>
+    <p:extLst>
+      <p:ext uri="{BB962C8B-B14F-4D97-AF65-F5344CB8AC3E}">
+        <p14:creationId xmlns:p14="http://schemas.microsoft.com/office/powerpoint/2010/main" val="2261134443"/>
+      </p:ext>
+    </p:extLst>
+  </p:cSld>
+  <p:clrMapOvr>
+    <a:masterClrMapping/>
+  </p:clrMapOvr>
+</p:sld>
+</file>
+
+<file path=ppt/slides/slide39.xml><?xml version="1.0" encoding="utf-8"?>
+<p:sld xmlns:a="http://schemas.openxmlformats.org/drawingml/2006/main" xmlns:r="http://schemas.openxmlformats.org/officeDocument/2006/relationships" xmlns:p="http://schemas.openxmlformats.org/presentationml/2006/main">
+  <p:cSld>
+    <p:spTree>
+      <p:nvGrpSpPr>
+        <p:cNvPr id="1" name=""/>
+        <p:cNvGrpSpPr/>
+        <p:nvPr/>
+      </p:nvGrpSpPr>
+      <p:grpSpPr>
+        <a:xfrm>
+          <a:off x="0" y="0"/>
+          <a:ext cx="0" cy="0"/>
+          <a:chOff x="0" y="0"/>
+          <a:chExt cx="0" cy="0"/>
+        </a:xfrm>
+      </p:grpSpPr>
+      <p:sp>
+        <p:nvSpPr>
+          <p:cNvPr id="2" name="Title 1">
+            <a:extLst>
+              <a:ext uri="{FF2B5EF4-FFF2-40B4-BE49-F238E27FC236}">
+                <a16:creationId xmlns:a16="http://schemas.microsoft.com/office/drawing/2014/main" id="{F9B00A71-D9A5-48EF-B13D-3C64E072E5F9}"/>
+              </a:ext>
+            </a:extLst>
+          </p:cNvPr>
+          <p:cNvSpPr>
+            <a:spLocks noGrp="1"/>
+          </p:cNvSpPr>
+          <p:nvPr>
+            <p:ph type="title"/>
+          </p:nvPr>
+        </p:nvSpPr>
+        <p:spPr>
+          <a:xfrm>
+            <a:off x="4067962" y="2915378"/>
+            <a:ext cx="3465352" cy="1325563"/>
+          </a:xfrm>
+        </p:spPr>
+        <p:txBody>
+          <a:bodyPr/>
+          <a:lstStyle/>
+          <a:p>
+            <a:pPr algn="ctr"/>
+            <a:r>
+              <a:rPr lang="en-US" dirty="0"/>
+              <a:t>Thank You</a:t>
+            </a:r>
+          </a:p>
+        </p:txBody>
+      </p:sp>
+    </p:spTree>
+    <p:extLst>
+      <p:ext uri="{BB962C8B-B14F-4D97-AF65-F5344CB8AC3E}">
+        <p14:creationId xmlns:p14="http://schemas.microsoft.com/office/powerpoint/2010/main" val="2844057254"/>
       </p:ext>
     </p:extLst>
   </p:cSld>
@@ -7525,7 +8787,7 @@
           <p:cNvPr id="2" name="Title 1">
             <a:extLst>
               <a:ext uri="{FF2B5EF4-FFF2-40B4-BE49-F238E27FC236}">
-                <a16:creationId xmlns:a16="http://schemas.microsoft.com/office/drawing/2014/main" id="{24CB824A-5F4A-4361-A70A-F9966B07720A}"/>
+                <a16:creationId xmlns:a16="http://schemas.microsoft.com/office/drawing/2014/main" id="{3303612B-0F44-4A40-8AEC-866A6AAE733C}"/>
               </a:ext>
             </a:extLst>
           </p:cNvPr>
@@ -7536,24 +8798,1419 @@
             <p:ph type="title"/>
           </p:nvPr>
         </p:nvSpPr>
-        <p:spPr/>
-        <p:txBody>
-          <a:bodyPr/>
+        <p:spPr>
+          <a:xfrm>
+            <a:off x="599866" y="91845"/>
+            <a:ext cx="10515600" cy="1325563"/>
+          </a:xfrm>
+        </p:spPr>
+        <p:txBody>
+          <a:bodyPr>
+            <a:normAutofit/>
+          </a:bodyPr>
           <a:lstStyle/>
           <a:p>
             <a:r>
               <a:rPr lang="en-US" dirty="0"/>
-              <a:t>Why</a:t>
-            </a:r>
-          </a:p>
-        </p:txBody>
-      </p:sp>
-      <p:sp>
-        <p:nvSpPr>
-          <p:cNvPr id="3" name="Content Placeholder 2">
-            <a:extLst>
-              <a:ext uri="{FF2B5EF4-FFF2-40B4-BE49-F238E27FC236}">
-                <a16:creationId xmlns:a16="http://schemas.microsoft.com/office/drawing/2014/main" id="{887739AD-7E8C-4A6B-8C25-9D3BBC393EED}"/>
+              <a:t>Django Framework</a:t>
+            </a:r>
+          </a:p>
+        </p:txBody>
+      </p:sp>
+      <p:sp>
+        <p:nvSpPr>
+          <p:cNvPr id="4" name="Rectangle 3">
+            <a:extLst>
+              <a:ext uri="{FF2B5EF4-FFF2-40B4-BE49-F238E27FC236}">
+                <a16:creationId xmlns:a16="http://schemas.microsoft.com/office/drawing/2014/main" id="{88C51B17-841A-46E2-872F-172068315415}"/>
+              </a:ext>
+            </a:extLst>
+          </p:cNvPr>
+          <p:cNvSpPr/>
+          <p:nvPr/>
+        </p:nvSpPr>
+        <p:spPr>
+          <a:xfrm>
+            <a:off x="1832593" y="3998440"/>
+            <a:ext cx="1694577" cy="914400"/>
+          </a:xfrm>
+          <a:prstGeom prst="rect">
+            <a:avLst/>
+          </a:prstGeom>
+        </p:spPr>
+        <p:style>
+          <a:lnRef idx="2">
+            <a:schemeClr val="accent1">
+              <a:shade val="50000"/>
+            </a:schemeClr>
+          </a:lnRef>
+          <a:fillRef idx="1">
+            <a:schemeClr val="accent1"/>
+          </a:fillRef>
+          <a:effectRef idx="0">
+            <a:schemeClr val="accent1"/>
+          </a:effectRef>
+          <a:fontRef idx="minor">
+            <a:schemeClr val="lt1"/>
+          </a:fontRef>
+        </p:style>
+        <p:txBody>
+          <a:bodyPr rtlCol="0" anchor="ctr"/>
+          <a:lstStyle/>
+          <a:p>
+            <a:pPr algn="ctr"/>
+            <a:r>
+              <a:rPr lang="en-US" dirty="0"/>
+              <a:t>Browser</a:t>
+            </a:r>
+          </a:p>
+        </p:txBody>
+      </p:sp>
+      <p:sp>
+        <p:nvSpPr>
+          <p:cNvPr id="5" name="Rectangle 4">
+            <a:extLst>
+              <a:ext uri="{FF2B5EF4-FFF2-40B4-BE49-F238E27FC236}">
+                <a16:creationId xmlns:a16="http://schemas.microsoft.com/office/drawing/2014/main" id="{FA8F3540-D742-42BE-9EAA-4C02A82CB697}"/>
+              </a:ext>
+            </a:extLst>
+          </p:cNvPr>
+          <p:cNvSpPr/>
+          <p:nvPr/>
+        </p:nvSpPr>
+        <p:spPr>
+          <a:xfrm>
+            <a:off x="8212594" y="3540650"/>
+            <a:ext cx="1284046" cy="418052"/>
+          </a:xfrm>
+          <a:prstGeom prst="rect">
+            <a:avLst/>
+          </a:prstGeom>
+        </p:spPr>
+        <p:style>
+          <a:lnRef idx="2">
+            <a:schemeClr val="accent1">
+              <a:shade val="50000"/>
+            </a:schemeClr>
+          </a:lnRef>
+          <a:fillRef idx="1">
+            <a:schemeClr val="accent1"/>
+          </a:fillRef>
+          <a:effectRef idx="0">
+            <a:schemeClr val="accent1"/>
+          </a:effectRef>
+          <a:fontRef idx="minor">
+            <a:schemeClr val="lt1"/>
+          </a:fontRef>
+        </p:style>
+        <p:txBody>
+          <a:bodyPr rtlCol="0" anchor="ctr"/>
+          <a:lstStyle/>
+          <a:p>
+            <a:pPr algn="ctr"/>
+            <a:r>
+              <a:rPr lang="en-US" dirty="0"/>
+              <a:t>Database</a:t>
+            </a:r>
+          </a:p>
+        </p:txBody>
+      </p:sp>
+      <p:sp>
+        <p:nvSpPr>
+          <p:cNvPr id="6" name="Rectangle 5">
+            <a:extLst>
+              <a:ext uri="{FF2B5EF4-FFF2-40B4-BE49-F238E27FC236}">
+                <a16:creationId xmlns:a16="http://schemas.microsoft.com/office/drawing/2014/main" id="{B6F45C07-DEF9-411F-94E7-0FAE33F5C591}"/>
+              </a:ext>
+            </a:extLst>
+          </p:cNvPr>
+          <p:cNvSpPr/>
+          <p:nvPr/>
+        </p:nvSpPr>
+        <p:spPr>
+          <a:xfrm>
+            <a:off x="8212593" y="4109702"/>
+            <a:ext cx="1284046" cy="418052"/>
+          </a:xfrm>
+          <a:prstGeom prst="rect">
+            <a:avLst/>
+          </a:prstGeom>
+        </p:spPr>
+        <p:style>
+          <a:lnRef idx="2">
+            <a:schemeClr val="accent1">
+              <a:shade val="50000"/>
+            </a:schemeClr>
+          </a:lnRef>
+          <a:fillRef idx="1">
+            <a:schemeClr val="accent1"/>
+          </a:fillRef>
+          <a:effectRef idx="0">
+            <a:schemeClr val="accent1"/>
+          </a:effectRef>
+          <a:fontRef idx="minor">
+            <a:schemeClr val="lt1"/>
+          </a:fontRef>
+        </p:style>
+        <p:txBody>
+          <a:bodyPr rtlCol="0" anchor="ctr"/>
+          <a:lstStyle/>
+          <a:p>
+            <a:pPr algn="ctr"/>
+            <a:r>
+              <a:rPr lang="en-US" dirty="0"/>
+              <a:t>ML Model</a:t>
+            </a:r>
+          </a:p>
+        </p:txBody>
+      </p:sp>
+      <p:sp>
+        <p:nvSpPr>
+          <p:cNvPr id="7" name="Rectangle 6">
+            <a:extLst>
+              <a:ext uri="{FF2B5EF4-FFF2-40B4-BE49-F238E27FC236}">
+                <a16:creationId xmlns:a16="http://schemas.microsoft.com/office/drawing/2014/main" id="{CC1A0E22-1A4F-4207-A04B-1F2885DD92EE}"/>
+              </a:ext>
+            </a:extLst>
+          </p:cNvPr>
+          <p:cNvSpPr/>
+          <p:nvPr/>
+        </p:nvSpPr>
+        <p:spPr>
+          <a:xfrm>
+            <a:off x="8212593" y="4669243"/>
+            <a:ext cx="1284046" cy="378171"/>
+          </a:xfrm>
+          <a:prstGeom prst="rect">
+            <a:avLst/>
+          </a:prstGeom>
+        </p:spPr>
+        <p:style>
+          <a:lnRef idx="2">
+            <a:schemeClr val="accent1">
+              <a:shade val="50000"/>
+            </a:schemeClr>
+          </a:lnRef>
+          <a:fillRef idx="1">
+            <a:schemeClr val="accent1"/>
+          </a:fillRef>
+          <a:effectRef idx="0">
+            <a:schemeClr val="accent1"/>
+          </a:effectRef>
+          <a:fontRef idx="minor">
+            <a:schemeClr val="lt1"/>
+          </a:fontRef>
+        </p:style>
+        <p:txBody>
+          <a:bodyPr rtlCol="0" anchor="ctr"/>
+          <a:lstStyle/>
+          <a:p>
+            <a:pPr algn="ctr"/>
+            <a:r>
+              <a:rPr lang="en-US" dirty="0"/>
+              <a:t>HTML Form</a:t>
+            </a:r>
+          </a:p>
+        </p:txBody>
+      </p:sp>
+      <p:sp>
+        <p:nvSpPr>
+          <p:cNvPr id="8" name="Oval 7">
+            <a:extLst>
+              <a:ext uri="{FF2B5EF4-FFF2-40B4-BE49-F238E27FC236}">
+                <a16:creationId xmlns:a16="http://schemas.microsoft.com/office/drawing/2014/main" id="{93A6ABAA-E1E1-447E-A3F9-AAB9E17D9795}"/>
+              </a:ext>
+            </a:extLst>
+          </p:cNvPr>
+          <p:cNvSpPr/>
+          <p:nvPr/>
+        </p:nvSpPr>
+        <p:spPr>
+          <a:xfrm>
+            <a:off x="4260677" y="4061192"/>
+            <a:ext cx="1501755" cy="585116"/>
+          </a:xfrm>
+          <a:prstGeom prst="ellipse">
+            <a:avLst/>
+          </a:prstGeom>
+        </p:spPr>
+        <p:style>
+          <a:lnRef idx="2">
+            <a:schemeClr val="accent1">
+              <a:shade val="50000"/>
+            </a:schemeClr>
+          </a:lnRef>
+          <a:fillRef idx="1">
+            <a:schemeClr val="accent1"/>
+          </a:fillRef>
+          <a:effectRef idx="0">
+            <a:schemeClr val="accent1"/>
+          </a:effectRef>
+          <a:fontRef idx="minor">
+            <a:schemeClr val="lt1"/>
+          </a:fontRef>
+        </p:style>
+        <p:txBody>
+          <a:bodyPr rtlCol="0" anchor="ctr"/>
+          <a:lstStyle/>
+          <a:p>
+            <a:pPr algn="ctr"/>
+            <a:r>
+              <a:rPr lang="en-US" dirty="0"/>
+              <a:t>Internet</a:t>
+            </a:r>
+          </a:p>
+        </p:txBody>
+      </p:sp>
+      <p:sp>
+        <p:nvSpPr>
+          <p:cNvPr id="9" name="Rectangle 8">
+            <a:extLst>
+              <a:ext uri="{FF2B5EF4-FFF2-40B4-BE49-F238E27FC236}">
+                <a16:creationId xmlns:a16="http://schemas.microsoft.com/office/drawing/2014/main" id="{3ADBF561-EC48-467F-8245-C363E6E6DA86}"/>
+              </a:ext>
+            </a:extLst>
+          </p:cNvPr>
+          <p:cNvSpPr/>
+          <p:nvPr/>
+        </p:nvSpPr>
+        <p:spPr>
+          <a:xfrm>
+            <a:off x="6809024" y="2763512"/>
+            <a:ext cx="2894202" cy="2595360"/>
+          </a:xfrm>
+          <a:prstGeom prst="rect">
+            <a:avLst/>
+          </a:prstGeom>
+          <a:noFill/>
+        </p:spPr>
+        <p:style>
+          <a:lnRef idx="2">
+            <a:schemeClr val="accent1">
+              <a:shade val="50000"/>
+            </a:schemeClr>
+          </a:lnRef>
+          <a:fillRef idx="1">
+            <a:schemeClr val="accent1"/>
+          </a:fillRef>
+          <a:effectRef idx="0">
+            <a:schemeClr val="accent1"/>
+          </a:effectRef>
+          <a:fontRef idx="minor">
+            <a:schemeClr val="lt1"/>
+          </a:fontRef>
+        </p:style>
+        <p:txBody>
+          <a:bodyPr rtlCol="0" anchor="ctr"/>
+          <a:lstStyle/>
+          <a:p>
+            <a:pPr algn="ctr"/>
+            <a:endParaRPr lang="en-US"/>
+          </a:p>
+        </p:txBody>
+      </p:sp>
+      <p:sp>
+        <p:nvSpPr>
+          <p:cNvPr id="10" name="Content Placeholder 2">
+            <a:extLst>
+              <a:ext uri="{FF2B5EF4-FFF2-40B4-BE49-F238E27FC236}">
+                <a16:creationId xmlns:a16="http://schemas.microsoft.com/office/drawing/2014/main" id="{01FF1304-DECA-4F55-B6A1-076218B5F0C7}"/>
+              </a:ext>
+            </a:extLst>
+          </p:cNvPr>
+          <p:cNvSpPr txBox="1">
+            <a:spLocks/>
+          </p:cNvSpPr>
+          <p:nvPr/>
+        </p:nvSpPr>
+        <p:spPr>
+          <a:xfrm>
+            <a:off x="3893923" y="1585888"/>
+            <a:ext cx="3102529" cy="568683"/>
+          </a:xfrm>
+          <a:prstGeom prst="rect">
+            <a:avLst/>
+          </a:prstGeom>
+        </p:spPr>
+        <p:txBody>
+          <a:bodyPr vert="horz" lIns="91440" tIns="45720" rIns="91440" bIns="45720" rtlCol="0">
+            <a:normAutofit/>
+          </a:bodyPr>
+          <a:lstStyle>
+            <a:lvl1pPr marL="228600" indent="-228600" algn="l" defTabSz="914400" rtl="0" eaLnBrk="1" latinLnBrk="0" hangingPunct="1">
+              <a:lnSpc>
+                <a:spcPct val="90000"/>
+              </a:lnSpc>
+              <a:spcBef>
+                <a:spcPts val="1000"/>
+              </a:spcBef>
+              <a:buFont typeface="Arial" panose="020B0604020202020204" pitchFamily="34" charset="0"/>
+              <a:buChar char="•"/>
+              <a:defRPr sz="2800" kern="1200">
+                <a:solidFill>
+                  <a:schemeClr val="tx1"/>
+                </a:solidFill>
+                <a:latin typeface="+mn-lt"/>
+                <a:ea typeface="+mn-ea"/>
+                <a:cs typeface="+mn-cs"/>
+              </a:defRPr>
+            </a:lvl1pPr>
+            <a:lvl2pPr marL="685800" indent="-228600" algn="l" defTabSz="914400" rtl="0" eaLnBrk="1" latinLnBrk="0" hangingPunct="1">
+              <a:lnSpc>
+                <a:spcPct val="90000"/>
+              </a:lnSpc>
+              <a:spcBef>
+                <a:spcPts val="500"/>
+              </a:spcBef>
+              <a:buFont typeface="Arial" panose="020B0604020202020204" pitchFamily="34" charset="0"/>
+              <a:buChar char="•"/>
+              <a:defRPr sz="2400" kern="1200">
+                <a:solidFill>
+                  <a:schemeClr val="tx1"/>
+                </a:solidFill>
+                <a:latin typeface="+mn-lt"/>
+                <a:ea typeface="+mn-ea"/>
+                <a:cs typeface="+mn-cs"/>
+              </a:defRPr>
+            </a:lvl2pPr>
+            <a:lvl3pPr marL="1143000" indent="-228600" algn="l" defTabSz="914400" rtl="0" eaLnBrk="1" latinLnBrk="0" hangingPunct="1">
+              <a:lnSpc>
+                <a:spcPct val="90000"/>
+              </a:lnSpc>
+              <a:spcBef>
+                <a:spcPts val="500"/>
+              </a:spcBef>
+              <a:buFont typeface="Arial" panose="020B0604020202020204" pitchFamily="34" charset="0"/>
+              <a:buChar char="•"/>
+              <a:defRPr sz="2000" kern="1200">
+                <a:solidFill>
+                  <a:schemeClr val="tx1"/>
+                </a:solidFill>
+                <a:latin typeface="+mn-lt"/>
+                <a:ea typeface="+mn-ea"/>
+                <a:cs typeface="+mn-cs"/>
+              </a:defRPr>
+            </a:lvl3pPr>
+            <a:lvl4pPr marL="1600200" indent="-228600" algn="l" defTabSz="914400" rtl="0" eaLnBrk="1" latinLnBrk="0" hangingPunct="1">
+              <a:lnSpc>
+                <a:spcPct val="90000"/>
+              </a:lnSpc>
+              <a:spcBef>
+                <a:spcPts val="500"/>
+              </a:spcBef>
+              <a:buFont typeface="Arial" panose="020B0604020202020204" pitchFamily="34" charset="0"/>
+              <a:buChar char="•"/>
+              <a:defRPr sz="1800" kern="1200">
+                <a:solidFill>
+                  <a:schemeClr val="tx1"/>
+                </a:solidFill>
+                <a:latin typeface="+mn-lt"/>
+                <a:ea typeface="+mn-ea"/>
+                <a:cs typeface="+mn-cs"/>
+              </a:defRPr>
+            </a:lvl4pPr>
+            <a:lvl5pPr marL="2057400" indent="-228600" algn="l" defTabSz="914400" rtl="0" eaLnBrk="1" latinLnBrk="0" hangingPunct="1">
+              <a:lnSpc>
+                <a:spcPct val="90000"/>
+              </a:lnSpc>
+              <a:spcBef>
+                <a:spcPts val="500"/>
+              </a:spcBef>
+              <a:buFont typeface="Arial" panose="020B0604020202020204" pitchFamily="34" charset="0"/>
+              <a:buChar char="•"/>
+              <a:defRPr sz="1800" kern="1200">
+                <a:solidFill>
+                  <a:schemeClr val="tx1"/>
+                </a:solidFill>
+                <a:latin typeface="+mn-lt"/>
+                <a:ea typeface="+mn-ea"/>
+                <a:cs typeface="+mn-cs"/>
+              </a:defRPr>
+            </a:lvl5pPr>
+            <a:lvl6pPr marL="2514600" indent="-228600" algn="l" defTabSz="914400" rtl="0" eaLnBrk="1" latinLnBrk="0" hangingPunct="1">
+              <a:lnSpc>
+                <a:spcPct val="90000"/>
+              </a:lnSpc>
+              <a:spcBef>
+                <a:spcPts val="500"/>
+              </a:spcBef>
+              <a:buFont typeface="Arial" panose="020B0604020202020204" pitchFamily="34" charset="0"/>
+              <a:buChar char="•"/>
+              <a:defRPr sz="1800" kern="1200">
+                <a:solidFill>
+                  <a:schemeClr val="tx1"/>
+                </a:solidFill>
+                <a:latin typeface="+mn-lt"/>
+                <a:ea typeface="+mn-ea"/>
+                <a:cs typeface="+mn-cs"/>
+              </a:defRPr>
+            </a:lvl6pPr>
+            <a:lvl7pPr marL="2971800" indent="-228600" algn="l" defTabSz="914400" rtl="0" eaLnBrk="1" latinLnBrk="0" hangingPunct="1">
+              <a:lnSpc>
+                <a:spcPct val="90000"/>
+              </a:lnSpc>
+              <a:spcBef>
+                <a:spcPts val="500"/>
+              </a:spcBef>
+              <a:buFont typeface="Arial" panose="020B0604020202020204" pitchFamily="34" charset="0"/>
+              <a:buChar char="•"/>
+              <a:defRPr sz="1800" kern="1200">
+                <a:solidFill>
+                  <a:schemeClr val="tx1"/>
+                </a:solidFill>
+                <a:latin typeface="+mn-lt"/>
+                <a:ea typeface="+mn-ea"/>
+                <a:cs typeface="+mn-cs"/>
+              </a:defRPr>
+            </a:lvl7pPr>
+            <a:lvl8pPr marL="3429000" indent="-228600" algn="l" defTabSz="914400" rtl="0" eaLnBrk="1" latinLnBrk="0" hangingPunct="1">
+              <a:lnSpc>
+                <a:spcPct val="90000"/>
+              </a:lnSpc>
+              <a:spcBef>
+                <a:spcPts val="500"/>
+              </a:spcBef>
+              <a:buFont typeface="Arial" panose="020B0604020202020204" pitchFamily="34" charset="0"/>
+              <a:buChar char="•"/>
+              <a:defRPr sz="1800" kern="1200">
+                <a:solidFill>
+                  <a:schemeClr val="tx1"/>
+                </a:solidFill>
+                <a:latin typeface="+mn-lt"/>
+                <a:ea typeface="+mn-ea"/>
+                <a:cs typeface="+mn-cs"/>
+              </a:defRPr>
+            </a:lvl8pPr>
+            <a:lvl9pPr marL="3886200" indent="-228600" algn="l" defTabSz="914400" rtl="0" eaLnBrk="1" latinLnBrk="0" hangingPunct="1">
+              <a:lnSpc>
+                <a:spcPct val="90000"/>
+              </a:lnSpc>
+              <a:spcBef>
+                <a:spcPts val="500"/>
+              </a:spcBef>
+              <a:buFont typeface="Arial" panose="020B0604020202020204" pitchFamily="34" charset="0"/>
+              <a:buChar char="•"/>
+              <a:defRPr sz="1800" kern="1200">
+                <a:solidFill>
+                  <a:schemeClr val="tx1"/>
+                </a:solidFill>
+                <a:latin typeface="+mn-lt"/>
+                <a:ea typeface="+mn-ea"/>
+                <a:cs typeface="+mn-cs"/>
+              </a:defRPr>
+            </a:lvl9pPr>
+          </a:lstStyle>
+          <a:p>
+            <a:pPr marL="0" indent="0">
+              <a:buFont typeface="Arial" panose="020B0604020202020204" pitchFamily="34" charset="0"/>
+              <a:buNone/>
+            </a:pPr>
+            <a:r>
+              <a:rPr lang="en-US" dirty="0"/>
+              <a:t>Game Application</a:t>
+            </a:r>
+          </a:p>
+        </p:txBody>
+      </p:sp>
+      <p:sp>
+        <p:nvSpPr>
+          <p:cNvPr id="13" name="Content Placeholder 2">
+            <a:extLst>
+              <a:ext uri="{FF2B5EF4-FFF2-40B4-BE49-F238E27FC236}">
+                <a16:creationId xmlns:a16="http://schemas.microsoft.com/office/drawing/2014/main" id="{A285C4B5-ADAC-4F21-B077-BB4EC8362122}"/>
+              </a:ext>
+            </a:extLst>
+          </p:cNvPr>
+          <p:cNvSpPr txBox="1">
+            <a:spLocks/>
+          </p:cNvSpPr>
+          <p:nvPr/>
+        </p:nvSpPr>
+        <p:spPr>
+          <a:xfrm>
+            <a:off x="3694041" y="3692089"/>
+            <a:ext cx="2827435" cy="568683"/>
+          </a:xfrm>
+          <a:prstGeom prst="rect">
+            <a:avLst/>
+          </a:prstGeom>
+        </p:spPr>
+        <p:txBody>
+          <a:bodyPr vert="horz" lIns="91440" tIns="45720" rIns="91440" bIns="45720" rtlCol="0">
+            <a:normAutofit/>
+          </a:bodyPr>
+          <a:lstStyle>
+            <a:lvl1pPr marL="228600" indent="-228600" algn="l" defTabSz="914400" rtl="0" eaLnBrk="1" latinLnBrk="0" hangingPunct="1">
+              <a:lnSpc>
+                <a:spcPct val="90000"/>
+              </a:lnSpc>
+              <a:spcBef>
+                <a:spcPts val="1000"/>
+              </a:spcBef>
+              <a:buFont typeface="Arial" panose="020B0604020202020204" pitchFamily="34" charset="0"/>
+              <a:buChar char="•"/>
+              <a:defRPr sz="2800" kern="1200">
+                <a:solidFill>
+                  <a:schemeClr val="tx1"/>
+                </a:solidFill>
+                <a:latin typeface="+mn-lt"/>
+                <a:ea typeface="+mn-ea"/>
+                <a:cs typeface="+mn-cs"/>
+              </a:defRPr>
+            </a:lvl1pPr>
+            <a:lvl2pPr marL="685800" indent="-228600" algn="l" defTabSz="914400" rtl="0" eaLnBrk="1" latinLnBrk="0" hangingPunct="1">
+              <a:lnSpc>
+                <a:spcPct val="90000"/>
+              </a:lnSpc>
+              <a:spcBef>
+                <a:spcPts val="500"/>
+              </a:spcBef>
+              <a:buFont typeface="Arial" panose="020B0604020202020204" pitchFamily="34" charset="0"/>
+              <a:buChar char="•"/>
+              <a:defRPr sz="2400" kern="1200">
+                <a:solidFill>
+                  <a:schemeClr val="tx1"/>
+                </a:solidFill>
+                <a:latin typeface="+mn-lt"/>
+                <a:ea typeface="+mn-ea"/>
+                <a:cs typeface="+mn-cs"/>
+              </a:defRPr>
+            </a:lvl2pPr>
+            <a:lvl3pPr marL="1143000" indent="-228600" algn="l" defTabSz="914400" rtl="0" eaLnBrk="1" latinLnBrk="0" hangingPunct="1">
+              <a:lnSpc>
+                <a:spcPct val="90000"/>
+              </a:lnSpc>
+              <a:spcBef>
+                <a:spcPts val="500"/>
+              </a:spcBef>
+              <a:buFont typeface="Arial" panose="020B0604020202020204" pitchFamily="34" charset="0"/>
+              <a:buChar char="•"/>
+              <a:defRPr sz="2000" kern="1200">
+                <a:solidFill>
+                  <a:schemeClr val="tx1"/>
+                </a:solidFill>
+                <a:latin typeface="+mn-lt"/>
+                <a:ea typeface="+mn-ea"/>
+                <a:cs typeface="+mn-cs"/>
+              </a:defRPr>
+            </a:lvl3pPr>
+            <a:lvl4pPr marL="1600200" indent="-228600" algn="l" defTabSz="914400" rtl="0" eaLnBrk="1" latinLnBrk="0" hangingPunct="1">
+              <a:lnSpc>
+                <a:spcPct val="90000"/>
+              </a:lnSpc>
+              <a:spcBef>
+                <a:spcPts val="500"/>
+              </a:spcBef>
+              <a:buFont typeface="Arial" panose="020B0604020202020204" pitchFamily="34" charset="0"/>
+              <a:buChar char="•"/>
+              <a:defRPr sz="1800" kern="1200">
+                <a:solidFill>
+                  <a:schemeClr val="tx1"/>
+                </a:solidFill>
+                <a:latin typeface="+mn-lt"/>
+                <a:ea typeface="+mn-ea"/>
+                <a:cs typeface="+mn-cs"/>
+              </a:defRPr>
+            </a:lvl4pPr>
+            <a:lvl5pPr marL="2057400" indent="-228600" algn="l" defTabSz="914400" rtl="0" eaLnBrk="1" latinLnBrk="0" hangingPunct="1">
+              <a:lnSpc>
+                <a:spcPct val="90000"/>
+              </a:lnSpc>
+              <a:spcBef>
+                <a:spcPts val="500"/>
+              </a:spcBef>
+              <a:buFont typeface="Arial" panose="020B0604020202020204" pitchFamily="34" charset="0"/>
+              <a:buChar char="•"/>
+              <a:defRPr sz="1800" kern="1200">
+                <a:solidFill>
+                  <a:schemeClr val="tx1"/>
+                </a:solidFill>
+                <a:latin typeface="+mn-lt"/>
+                <a:ea typeface="+mn-ea"/>
+                <a:cs typeface="+mn-cs"/>
+              </a:defRPr>
+            </a:lvl5pPr>
+            <a:lvl6pPr marL="2514600" indent="-228600" algn="l" defTabSz="914400" rtl="0" eaLnBrk="1" latinLnBrk="0" hangingPunct="1">
+              <a:lnSpc>
+                <a:spcPct val="90000"/>
+              </a:lnSpc>
+              <a:spcBef>
+                <a:spcPts val="500"/>
+              </a:spcBef>
+              <a:buFont typeface="Arial" panose="020B0604020202020204" pitchFamily="34" charset="0"/>
+              <a:buChar char="•"/>
+              <a:defRPr sz="1800" kern="1200">
+                <a:solidFill>
+                  <a:schemeClr val="tx1"/>
+                </a:solidFill>
+                <a:latin typeface="+mn-lt"/>
+                <a:ea typeface="+mn-ea"/>
+                <a:cs typeface="+mn-cs"/>
+              </a:defRPr>
+            </a:lvl6pPr>
+            <a:lvl7pPr marL="2971800" indent="-228600" algn="l" defTabSz="914400" rtl="0" eaLnBrk="1" latinLnBrk="0" hangingPunct="1">
+              <a:lnSpc>
+                <a:spcPct val="90000"/>
+              </a:lnSpc>
+              <a:spcBef>
+                <a:spcPts val="500"/>
+              </a:spcBef>
+              <a:buFont typeface="Arial" panose="020B0604020202020204" pitchFamily="34" charset="0"/>
+              <a:buChar char="•"/>
+              <a:defRPr sz="1800" kern="1200">
+                <a:solidFill>
+                  <a:schemeClr val="tx1"/>
+                </a:solidFill>
+                <a:latin typeface="+mn-lt"/>
+                <a:ea typeface="+mn-ea"/>
+                <a:cs typeface="+mn-cs"/>
+              </a:defRPr>
+            </a:lvl7pPr>
+            <a:lvl8pPr marL="3429000" indent="-228600" algn="l" defTabSz="914400" rtl="0" eaLnBrk="1" latinLnBrk="0" hangingPunct="1">
+              <a:lnSpc>
+                <a:spcPct val="90000"/>
+              </a:lnSpc>
+              <a:spcBef>
+                <a:spcPts val="500"/>
+              </a:spcBef>
+              <a:buFont typeface="Arial" panose="020B0604020202020204" pitchFamily="34" charset="0"/>
+              <a:buChar char="•"/>
+              <a:defRPr sz="1800" kern="1200">
+                <a:solidFill>
+                  <a:schemeClr val="tx1"/>
+                </a:solidFill>
+                <a:latin typeface="+mn-lt"/>
+                <a:ea typeface="+mn-ea"/>
+                <a:cs typeface="+mn-cs"/>
+              </a:defRPr>
+            </a:lvl8pPr>
+            <a:lvl9pPr marL="3886200" indent="-228600" algn="l" defTabSz="914400" rtl="0" eaLnBrk="1" latinLnBrk="0" hangingPunct="1">
+              <a:lnSpc>
+                <a:spcPct val="90000"/>
+              </a:lnSpc>
+              <a:spcBef>
+                <a:spcPts val="500"/>
+              </a:spcBef>
+              <a:buFont typeface="Arial" panose="020B0604020202020204" pitchFamily="34" charset="0"/>
+              <a:buChar char="•"/>
+              <a:defRPr sz="1800" kern="1200">
+                <a:solidFill>
+                  <a:schemeClr val="tx1"/>
+                </a:solidFill>
+                <a:latin typeface="+mn-lt"/>
+                <a:ea typeface="+mn-ea"/>
+                <a:cs typeface="+mn-cs"/>
+              </a:defRPr>
+            </a:lvl9pPr>
+          </a:lstStyle>
+          <a:p>
+            <a:pPr marL="0" indent="0">
+              <a:buFont typeface="Arial" panose="020B0604020202020204" pitchFamily="34" charset="0"/>
+              <a:buNone/>
+            </a:pPr>
+            <a:r>
+              <a:rPr lang="en-US" sz="1800" dirty="0"/>
+              <a:t>GET, POST  site.com/home</a:t>
+            </a:r>
+          </a:p>
+        </p:txBody>
+      </p:sp>
+      <p:sp>
+        <p:nvSpPr>
+          <p:cNvPr id="14" name="Rectangle 13">
+            <a:extLst>
+              <a:ext uri="{FF2B5EF4-FFF2-40B4-BE49-F238E27FC236}">
+                <a16:creationId xmlns:a16="http://schemas.microsoft.com/office/drawing/2014/main" id="{18D70788-A511-4004-BEFE-1E11426D4662}"/>
+              </a:ext>
+            </a:extLst>
+          </p:cNvPr>
+          <p:cNvSpPr/>
+          <p:nvPr/>
+        </p:nvSpPr>
+        <p:spPr>
+          <a:xfrm>
+            <a:off x="7004046" y="3540650"/>
+            <a:ext cx="591429" cy="824506"/>
+          </a:xfrm>
+          <a:prstGeom prst="rect">
+            <a:avLst/>
+          </a:prstGeom>
+        </p:spPr>
+        <p:style>
+          <a:lnRef idx="2">
+            <a:schemeClr val="accent1">
+              <a:shade val="50000"/>
+            </a:schemeClr>
+          </a:lnRef>
+          <a:fillRef idx="1">
+            <a:schemeClr val="accent1"/>
+          </a:fillRef>
+          <a:effectRef idx="0">
+            <a:schemeClr val="accent1"/>
+          </a:effectRef>
+          <a:fontRef idx="minor">
+            <a:schemeClr val="lt1"/>
+          </a:fontRef>
+        </p:style>
+        <p:txBody>
+          <a:bodyPr rtlCol="0" anchor="ctr"/>
+          <a:lstStyle/>
+          <a:p>
+            <a:pPr algn="ctr"/>
+            <a:r>
+              <a:rPr lang="en-US" sz="1400" dirty="0"/>
+              <a:t>http </a:t>
+            </a:r>
+            <a:r>
+              <a:rPr lang="en-US" sz="1400" dirty="0" err="1"/>
+              <a:t>urls</a:t>
+            </a:r>
+            <a:endParaRPr lang="en-US" sz="1400" dirty="0"/>
+          </a:p>
+        </p:txBody>
+      </p:sp>
+      <p:cxnSp>
+        <p:nvCxnSpPr>
+          <p:cNvPr id="18" name="Straight Connector 17">
+            <a:extLst>
+              <a:ext uri="{FF2B5EF4-FFF2-40B4-BE49-F238E27FC236}">
+                <a16:creationId xmlns:a16="http://schemas.microsoft.com/office/drawing/2014/main" id="{79A3F22A-CDC0-4ED5-BEAA-941F86C0ABD3}"/>
+              </a:ext>
+            </a:extLst>
+          </p:cNvPr>
+          <p:cNvCxnSpPr>
+            <a:cxnSpLocks/>
+            <a:stCxn id="4" idx="3"/>
+            <a:endCxn id="8" idx="2"/>
+          </p:cNvCxnSpPr>
+          <p:nvPr/>
+        </p:nvCxnSpPr>
+        <p:spPr>
+          <a:xfrm flipV="1">
+            <a:off x="3527170" y="4353750"/>
+            <a:ext cx="733507" cy="101890"/>
+          </a:xfrm>
+          <a:prstGeom prst="line">
+            <a:avLst/>
+          </a:prstGeom>
+        </p:spPr>
+        <p:style>
+          <a:lnRef idx="1">
+            <a:schemeClr val="accent1"/>
+          </a:lnRef>
+          <a:fillRef idx="0">
+            <a:schemeClr val="accent1"/>
+          </a:fillRef>
+          <a:effectRef idx="0">
+            <a:schemeClr val="accent1"/>
+          </a:effectRef>
+          <a:fontRef idx="minor">
+            <a:schemeClr val="tx1"/>
+          </a:fontRef>
+        </p:style>
+      </p:cxnSp>
+      <p:cxnSp>
+        <p:nvCxnSpPr>
+          <p:cNvPr id="22" name="Straight Connector 21">
+            <a:extLst>
+              <a:ext uri="{FF2B5EF4-FFF2-40B4-BE49-F238E27FC236}">
+                <a16:creationId xmlns:a16="http://schemas.microsoft.com/office/drawing/2014/main" id="{B2C6BC92-B088-4A57-8CD8-378B7B875C5B}"/>
+              </a:ext>
+            </a:extLst>
+          </p:cNvPr>
+          <p:cNvCxnSpPr>
+            <a:cxnSpLocks/>
+            <a:stCxn id="14" idx="1"/>
+            <a:endCxn id="8" idx="6"/>
+          </p:cNvCxnSpPr>
+          <p:nvPr/>
+        </p:nvCxnSpPr>
+        <p:spPr>
+          <a:xfrm flipH="1">
+            <a:off x="5762432" y="3952903"/>
+            <a:ext cx="1241614" cy="400847"/>
+          </a:xfrm>
+          <a:prstGeom prst="line">
+            <a:avLst/>
+          </a:prstGeom>
+        </p:spPr>
+        <p:style>
+          <a:lnRef idx="1">
+            <a:schemeClr val="accent1"/>
+          </a:lnRef>
+          <a:fillRef idx="0">
+            <a:schemeClr val="accent1"/>
+          </a:fillRef>
+          <a:effectRef idx="0">
+            <a:schemeClr val="accent1"/>
+          </a:effectRef>
+          <a:fontRef idx="minor">
+            <a:schemeClr val="tx1"/>
+          </a:fontRef>
+        </p:style>
+      </p:cxnSp>
+      <p:cxnSp>
+        <p:nvCxnSpPr>
+          <p:cNvPr id="23" name="Straight Connector 22">
+            <a:extLst>
+              <a:ext uri="{FF2B5EF4-FFF2-40B4-BE49-F238E27FC236}">
+                <a16:creationId xmlns:a16="http://schemas.microsoft.com/office/drawing/2014/main" id="{0806B4DF-ECC8-4DD1-A3FB-D64807D022FC}"/>
+              </a:ext>
+            </a:extLst>
+          </p:cNvPr>
+          <p:cNvCxnSpPr>
+            <a:cxnSpLocks/>
+            <a:stCxn id="5" idx="1"/>
+            <a:endCxn id="14" idx="3"/>
+          </p:cNvCxnSpPr>
+          <p:nvPr/>
+        </p:nvCxnSpPr>
+        <p:spPr>
+          <a:xfrm flipH="1">
+            <a:off x="7595475" y="3749676"/>
+            <a:ext cx="617119" cy="203227"/>
+          </a:xfrm>
+          <a:prstGeom prst="line">
+            <a:avLst/>
+          </a:prstGeom>
+        </p:spPr>
+        <p:style>
+          <a:lnRef idx="1">
+            <a:schemeClr val="accent1"/>
+          </a:lnRef>
+          <a:fillRef idx="0">
+            <a:schemeClr val="accent1"/>
+          </a:fillRef>
+          <a:effectRef idx="0">
+            <a:schemeClr val="accent1"/>
+          </a:effectRef>
+          <a:fontRef idx="minor">
+            <a:schemeClr val="tx1"/>
+          </a:fontRef>
+        </p:style>
+      </p:cxnSp>
+      <p:cxnSp>
+        <p:nvCxnSpPr>
+          <p:cNvPr id="25" name="Straight Connector 24">
+            <a:extLst>
+              <a:ext uri="{FF2B5EF4-FFF2-40B4-BE49-F238E27FC236}">
+                <a16:creationId xmlns:a16="http://schemas.microsoft.com/office/drawing/2014/main" id="{4DDF0419-07C2-4433-924A-43DCB8870581}"/>
+              </a:ext>
+            </a:extLst>
+          </p:cNvPr>
+          <p:cNvCxnSpPr>
+            <a:cxnSpLocks/>
+            <a:stCxn id="6" idx="1"/>
+            <a:endCxn id="14" idx="3"/>
+          </p:cNvCxnSpPr>
+          <p:nvPr/>
+        </p:nvCxnSpPr>
+        <p:spPr>
+          <a:xfrm flipH="1" flipV="1">
+            <a:off x="7595475" y="3952903"/>
+            <a:ext cx="617118" cy="365825"/>
+          </a:xfrm>
+          <a:prstGeom prst="line">
+            <a:avLst/>
+          </a:prstGeom>
+        </p:spPr>
+        <p:style>
+          <a:lnRef idx="1">
+            <a:schemeClr val="accent1"/>
+          </a:lnRef>
+          <a:fillRef idx="0">
+            <a:schemeClr val="accent1"/>
+          </a:fillRef>
+          <a:effectRef idx="0">
+            <a:schemeClr val="accent1"/>
+          </a:effectRef>
+          <a:fontRef idx="minor">
+            <a:schemeClr val="tx1"/>
+          </a:fontRef>
+        </p:style>
+      </p:cxnSp>
+      <p:sp>
+        <p:nvSpPr>
+          <p:cNvPr id="28" name="Content Placeholder 2">
+            <a:extLst>
+              <a:ext uri="{FF2B5EF4-FFF2-40B4-BE49-F238E27FC236}">
+                <a16:creationId xmlns:a16="http://schemas.microsoft.com/office/drawing/2014/main" id="{B4AC751D-38C1-44B8-9F11-9155EACEF493}"/>
+              </a:ext>
+            </a:extLst>
+          </p:cNvPr>
+          <p:cNvSpPr txBox="1">
+            <a:spLocks/>
+          </p:cNvSpPr>
+          <p:nvPr/>
+        </p:nvSpPr>
+        <p:spPr>
+          <a:xfrm>
+            <a:off x="6966041" y="2863946"/>
+            <a:ext cx="2737185" cy="568683"/>
+          </a:xfrm>
+          <a:prstGeom prst="rect">
+            <a:avLst/>
+          </a:prstGeom>
+        </p:spPr>
+        <p:txBody>
+          <a:bodyPr vert="horz" lIns="91440" tIns="45720" rIns="91440" bIns="45720" rtlCol="0">
+            <a:normAutofit/>
+          </a:bodyPr>
+          <a:lstStyle>
+            <a:lvl1pPr marL="228600" indent="-228600" algn="l" defTabSz="914400" rtl="0" eaLnBrk="1" latinLnBrk="0" hangingPunct="1">
+              <a:lnSpc>
+                <a:spcPct val="90000"/>
+              </a:lnSpc>
+              <a:spcBef>
+                <a:spcPts val="1000"/>
+              </a:spcBef>
+              <a:buFont typeface="Arial" panose="020B0604020202020204" pitchFamily="34" charset="0"/>
+              <a:buChar char="•"/>
+              <a:defRPr sz="2800" kern="1200">
+                <a:solidFill>
+                  <a:schemeClr val="tx1"/>
+                </a:solidFill>
+                <a:latin typeface="+mn-lt"/>
+                <a:ea typeface="+mn-ea"/>
+                <a:cs typeface="+mn-cs"/>
+              </a:defRPr>
+            </a:lvl1pPr>
+            <a:lvl2pPr marL="685800" indent="-228600" algn="l" defTabSz="914400" rtl="0" eaLnBrk="1" latinLnBrk="0" hangingPunct="1">
+              <a:lnSpc>
+                <a:spcPct val="90000"/>
+              </a:lnSpc>
+              <a:spcBef>
+                <a:spcPts val="500"/>
+              </a:spcBef>
+              <a:buFont typeface="Arial" panose="020B0604020202020204" pitchFamily="34" charset="0"/>
+              <a:buChar char="•"/>
+              <a:defRPr sz="2400" kern="1200">
+                <a:solidFill>
+                  <a:schemeClr val="tx1"/>
+                </a:solidFill>
+                <a:latin typeface="+mn-lt"/>
+                <a:ea typeface="+mn-ea"/>
+                <a:cs typeface="+mn-cs"/>
+              </a:defRPr>
+            </a:lvl2pPr>
+            <a:lvl3pPr marL="1143000" indent="-228600" algn="l" defTabSz="914400" rtl="0" eaLnBrk="1" latinLnBrk="0" hangingPunct="1">
+              <a:lnSpc>
+                <a:spcPct val="90000"/>
+              </a:lnSpc>
+              <a:spcBef>
+                <a:spcPts val="500"/>
+              </a:spcBef>
+              <a:buFont typeface="Arial" panose="020B0604020202020204" pitchFamily="34" charset="0"/>
+              <a:buChar char="•"/>
+              <a:defRPr sz="2000" kern="1200">
+                <a:solidFill>
+                  <a:schemeClr val="tx1"/>
+                </a:solidFill>
+                <a:latin typeface="+mn-lt"/>
+                <a:ea typeface="+mn-ea"/>
+                <a:cs typeface="+mn-cs"/>
+              </a:defRPr>
+            </a:lvl3pPr>
+            <a:lvl4pPr marL="1600200" indent="-228600" algn="l" defTabSz="914400" rtl="0" eaLnBrk="1" latinLnBrk="0" hangingPunct="1">
+              <a:lnSpc>
+                <a:spcPct val="90000"/>
+              </a:lnSpc>
+              <a:spcBef>
+                <a:spcPts val="500"/>
+              </a:spcBef>
+              <a:buFont typeface="Arial" panose="020B0604020202020204" pitchFamily="34" charset="0"/>
+              <a:buChar char="•"/>
+              <a:defRPr sz="1800" kern="1200">
+                <a:solidFill>
+                  <a:schemeClr val="tx1"/>
+                </a:solidFill>
+                <a:latin typeface="+mn-lt"/>
+                <a:ea typeface="+mn-ea"/>
+                <a:cs typeface="+mn-cs"/>
+              </a:defRPr>
+            </a:lvl4pPr>
+            <a:lvl5pPr marL="2057400" indent="-228600" algn="l" defTabSz="914400" rtl="0" eaLnBrk="1" latinLnBrk="0" hangingPunct="1">
+              <a:lnSpc>
+                <a:spcPct val="90000"/>
+              </a:lnSpc>
+              <a:spcBef>
+                <a:spcPts val="500"/>
+              </a:spcBef>
+              <a:buFont typeface="Arial" panose="020B0604020202020204" pitchFamily="34" charset="0"/>
+              <a:buChar char="•"/>
+              <a:defRPr sz="1800" kern="1200">
+                <a:solidFill>
+                  <a:schemeClr val="tx1"/>
+                </a:solidFill>
+                <a:latin typeface="+mn-lt"/>
+                <a:ea typeface="+mn-ea"/>
+                <a:cs typeface="+mn-cs"/>
+              </a:defRPr>
+            </a:lvl5pPr>
+            <a:lvl6pPr marL="2514600" indent="-228600" algn="l" defTabSz="914400" rtl="0" eaLnBrk="1" latinLnBrk="0" hangingPunct="1">
+              <a:lnSpc>
+                <a:spcPct val="90000"/>
+              </a:lnSpc>
+              <a:spcBef>
+                <a:spcPts val="500"/>
+              </a:spcBef>
+              <a:buFont typeface="Arial" panose="020B0604020202020204" pitchFamily="34" charset="0"/>
+              <a:buChar char="•"/>
+              <a:defRPr sz="1800" kern="1200">
+                <a:solidFill>
+                  <a:schemeClr val="tx1"/>
+                </a:solidFill>
+                <a:latin typeface="+mn-lt"/>
+                <a:ea typeface="+mn-ea"/>
+                <a:cs typeface="+mn-cs"/>
+              </a:defRPr>
+            </a:lvl6pPr>
+            <a:lvl7pPr marL="2971800" indent="-228600" algn="l" defTabSz="914400" rtl="0" eaLnBrk="1" latinLnBrk="0" hangingPunct="1">
+              <a:lnSpc>
+                <a:spcPct val="90000"/>
+              </a:lnSpc>
+              <a:spcBef>
+                <a:spcPts val="500"/>
+              </a:spcBef>
+              <a:buFont typeface="Arial" panose="020B0604020202020204" pitchFamily="34" charset="0"/>
+              <a:buChar char="•"/>
+              <a:defRPr sz="1800" kern="1200">
+                <a:solidFill>
+                  <a:schemeClr val="tx1"/>
+                </a:solidFill>
+                <a:latin typeface="+mn-lt"/>
+                <a:ea typeface="+mn-ea"/>
+                <a:cs typeface="+mn-cs"/>
+              </a:defRPr>
+            </a:lvl7pPr>
+            <a:lvl8pPr marL="3429000" indent="-228600" algn="l" defTabSz="914400" rtl="0" eaLnBrk="1" latinLnBrk="0" hangingPunct="1">
+              <a:lnSpc>
+                <a:spcPct val="90000"/>
+              </a:lnSpc>
+              <a:spcBef>
+                <a:spcPts val="500"/>
+              </a:spcBef>
+              <a:buFont typeface="Arial" panose="020B0604020202020204" pitchFamily="34" charset="0"/>
+              <a:buChar char="•"/>
+              <a:defRPr sz="1800" kern="1200">
+                <a:solidFill>
+                  <a:schemeClr val="tx1"/>
+                </a:solidFill>
+                <a:latin typeface="+mn-lt"/>
+                <a:ea typeface="+mn-ea"/>
+                <a:cs typeface="+mn-cs"/>
+              </a:defRPr>
+            </a:lvl8pPr>
+            <a:lvl9pPr marL="3886200" indent="-228600" algn="l" defTabSz="914400" rtl="0" eaLnBrk="1" latinLnBrk="0" hangingPunct="1">
+              <a:lnSpc>
+                <a:spcPct val="90000"/>
+              </a:lnSpc>
+              <a:spcBef>
+                <a:spcPts val="500"/>
+              </a:spcBef>
+              <a:buFont typeface="Arial" panose="020B0604020202020204" pitchFamily="34" charset="0"/>
+              <a:buChar char="•"/>
+              <a:defRPr sz="1800" kern="1200">
+                <a:solidFill>
+                  <a:schemeClr val="tx1"/>
+                </a:solidFill>
+                <a:latin typeface="+mn-lt"/>
+                <a:ea typeface="+mn-ea"/>
+                <a:cs typeface="+mn-cs"/>
+              </a:defRPr>
+            </a:lvl9pPr>
+          </a:lstStyle>
+          <a:p>
+            <a:pPr marL="0" indent="0">
+              <a:buFont typeface="Arial" panose="020B0604020202020204" pitchFamily="34" charset="0"/>
+              <a:buNone/>
+            </a:pPr>
+            <a:r>
+              <a:rPr lang="en-US" dirty="0"/>
+              <a:t>Our DB, App, ML</a:t>
+            </a:r>
+          </a:p>
+        </p:txBody>
+      </p:sp>
+      <p:cxnSp>
+        <p:nvCxnSpPr>
+          <p:cNvPr id="95" name="Straight Connector 94">
+            <a:extLst>
+              <a:ext uri="{FF2B5EF4-FFF2-40B4-BE49-F238E27FC236}">
+                <a16:creationId xmlns:a16="http://schemas.microsoft.com/office/drawing/2014/main" id="{25A67F01-22D8-43DC-868C-AD8173DC2CCB}"/>
+              </a:ext>
+            </a:extLst>
+          </p:cNvPr>
+          <p:cNvCxnSpPr>
+            <a:cxnSpLocks/>
+            <a:stCxn id="7" idx="1"/>
+            <a:endCxn id="14" idx="3"/>
+          </p:cNvCxnSpPr>
+          <p:nvPr/>
+        </p:nvCxnSpPr>
+        <p:spPr>
+          <a:xfrm flipH="1" flipV="1">
+            <a:off x="7595475" y="3952903"/>
+            <a:ext cx="617118" cy="905426"/>
+          </a:xfrm>
+          <a:prstGeom prst="line">
+            <a:avLst/>
+          </a:prstGeom>
+        </p:spPr>
+        <p:style>
+          <a:lnRef idx="1">
+            <a:schemeClr val="accent1"/>
+          </a:lnRef>
+          <a:fillRef idx="0">
+            <a:schemeClr val="accent1"/>
+          </a:fillRef>
+          <a:effectRef idx="0">
+            <a:schemeClr val="accent1"/>
+          </a:effectRef>
+          <a:fontRef idx="minor">
+            <a:schemeClr val="tx1"/>
+          </a:fontRef>
+        </p:style>
+      </p:cxnSp>
+      <p:sp>
+        <p:nvSpPr>
+          <p:cNvPr id="19" name="Content Placeholder 2">
+            <a:extLst>
+              <a:ext uri="{FF2B5EF4-FFF2-40B4-BE49-F238E27FC236}">
+                <a16:creationId xmlns:a16="http://schemas.microsoft.com/office/drawing/2014/main" id="{F1FC32B5-9460-4312-8789-3F717FD1C302}"/>
+              </a:ext>
+            </a:extLst>
+          </p:cNvPr>
+          <p:cNvSpPr txBox="1">
+            <a:spLocks/>
+          </p:cNvSpPr>
+          <p:nvPr/>
+        </p:nvSpPr>
+        <p:spPr>
+          <a:xfrm>
+            <a:off x="6851376" y="2202729"/>
+            <a:ext cx="3102529" cy="568683"/>
+          </a:xfrm>
+          <a:prstGeom prst="rect">
+            <a:avLst/>
+          </a:prstGeom>
+        </p:spPr>
+        <p:txBody>
+          <a:bodyPr vert="horz" lIns="91440" tIns="45720" rIns="91440" bIns="45720" rtlCol="0">
+            <a:normAutofit/>
+          </a:bodyPr>
+          <a:lstStyle>
+            <a:lvl1pPr marL="228600" indent="-228600" algn="l" defTabSz="914400" rtl="0" eaLnBrk="1" latinLnBrk="0" hangingPunct="1">
+              <a:lnSpc>
+                <a:spcPct val="90000"/>
+              </a:lnSpc>
+              <a:spcBef>
+                <a:spcPts val="1000"/>
+              </a:spcBef>
+              <a:buFont typeface="Arial" panose="020B0604020202020204" pitchFamily="34" charset="0"/>
+              <a:buChar char="•"/>
+              <a:defRPr sz="2800" kern="1200">
+                <a:solidFill>
+                  <a:schemeClr val="tx1"/>
+                </a:solidFill>
+                <a:latin typeface="+mn-lt"/>
+                <a:ea typeface="+mn-ea"/>
+                <a:cs typeface="+mn-cs"/>
+              </a:defRPr>
+            </a:lvl1pPr>
+            <a:lvl2pPr marL="685800" indent="-228600" algn="l" defTabSz="914400" rtl="0" eaLnBrk="1" latinLnBrk="0" hangingPunct="1">
+              <a:lnSpc>
+                <a:spcPct val="90000"/>
+              </a:lnSpc>
+              <a:spcBef>
+                <a:spcPts val="500"/>
+              </a:spcBef>
+              <a:buFont typeface="Arial" panose="020B0604020202020204" pitchFamily="34" charset="0"/>
+              <a:buChar char="•"/>
+              <a:defRPr sz="2400" kern="1200">
+                <a:solidFill>
+                  <a:schemeClr val="tx1"/>
+                </a:solidFill>
+                <a:latin typeface="+mn-lt"/>
+                <a:ea typeface="+mn-ea"/>
+                <a:cs typeface="+mn-cs"/>
+              </a:defRPr>
+            </a:lvl2pPr>
+            <a:lvl3pPr marL="1143000" indent="-228600" algn="l" defTabSz="914400" rtl="0" eaLnBrk="1" latinLnBrk="0" hangingPunct="1">
+              <a:lnSpc>
+                <a:spcPct val="90000"/>
+              </a:lnSpc>
+              <a:spcBef>
+                <a:spcPts val="500"/>
+              </a:spcBef>
+              <a:buFont typeface="Arial" panose="020B0604020202020204" pitchFamily="34" charset="0"/>
+              <a:buChar char="•"/>
+              <a:defRPr sz="2000" kern="1200">
+                <a:solidFill>
+                  <a:schemeClr val="tx1"/>
+                </a:solidFill>
+                <a:latin typeface="+mn-lt"/>
+                <a:ea typeface="+mn-ea"/>
+                <a:cs typeface="+mn-cs"/>
+              </a:defRPr>
+            </a:lvl3pPr>
+            <a:lvl4pPr marL="1600200" indent="-228600" algn="l" defTabSz="914400" rtl="0" eaLnBrk="1" latinLnBrk="0" hangingPunct="1">
+              <a:lnSpc>
+                <a:spcPct val="90000"/>
+              </a:lnSpc>
+              <a:spcBef>
+                <a:spcPts val="500"/>
+              </a:spcBef>
+              <a:buFont typeface="Arial" panose="020B0604020202020204" pitchFamily="34" charset="0"/>
+              <a:buChar char="•"/>
+              <a:defRPr sz="1800" kern="1200">
+                <a:solidFill>
+                  <a:schemeClr val="tx1"/>
+                </a:solidFill>
+                <a:latin typeface="+mn-lt"/>
+                <a:ea typeface="+mn-ea"/>
+                <a:cs typeface="+mn-cs"/>
+              </a:defRPr>
+            </a:lvl4pPr>
+            <a:lvl5pPr marL="2057400" indent="-228600" algn="l" defTabSz="914400" rtl="0" eaLnBrk="1" latinLnBrk="0" hangingPunct="1">
+              <a:lnSpc>
+                <a:spcPct val="90000"/>
+              </a:lnSpc>
+              <a:spcBef>
+                <a:spcPts val="500"/>
+              </a:spcBef>
+              <a:buFont typeface="Arial" panose="020B0604020202020204" pitchFamily="34" charset="0"/>
+              <a:buChar char="•"/>
+              <a:defRPr sz="1800" kern="1200">
+                <a:solidFill>
+                  <a:schemeClr val="tx1"/>
+                </a:solidFill>
+                <a:latin typeface="+mn-lt"/>
+                <a:ea typeface="+mn-ea"/>
+                <a:cs typeface="+mn-cs"/>
+              </a:defRPr>
+            </a:lvl5pPr>
+            <a:lvl6pPr marL="2514600" indent="-228600" algn="l" defTabSz="914400" rtl="0" eaLnBrk="1" latinLnBrk="0" hangingPunct="1">
+              <a:lnSpc>
+                <a:spcPct val="90000"/>
+              </a:lnSpc>
+              <a:spcBef>
+                <a:spcPts val="500"/>
+              </a:spcBef>
+              <a:buFont typeface="Arial" panose="020B0604020202020204" pitchFamily="34" charset="0"/>
+              <a:buChar char="•"/>
+              <a:defRPr sz="1800" kern="1200">
+                <a:solidFill>
+                  <a:schemeClr val="tx1"/>
+                </a:solidFill>
+                <a:latin typeface="+mn-lt"/>
+                <a:ea typeface="+mn-ea"/>
+                <a:cs typeface="+mn-cs"/>
+              </a:defRPr>
+            </a:lvl6pPr>
+            <a:lvl7pPr marL="2971800" indent="-228600" algn="l" defTabSz="914400" rtl="0" eaLnBrk="1" latinLnBrk="0" hangingPunct="1">
+              <a:lnSpc>
+                <a:spcPct val="90000"/>
+              </a:lnSpc>
+              <a:spcBef>
+                <a:spcPts val="500"/>
+              </a:spcBef>
+              <a:buFont typeface="Arial" panose="020B0604020202020204" pitchFamily="34" charset="0"/>
+              <a:buChar char="•"/>
+              <a:defRPr sz="1800" kern="1200">
+                <a:solidFill>
+                  <a:schemeClr val="tx1"/>
+                </a:solidFill>
+                <a:latin typeface="+mn-lt"/>
+                <a:ea typeface="+mn-ea"/>
+                <a:cs typeface="+mn-cs"/>
+              </a:defRPr>
+            </a:lvl7pPr>
+            <a:lvl8pPr marL="3429000" indent="-228600" algn="l" defTabSz="914400" rtl="0" eaLnBrk="1" latinLnBrk="0" hangingPunct="1">
+              <a:lnSpc>
+                <a:spcPct val="90000"/>
+              </a:lnSpc>
+              <a:spcBef>
+                <a:spcPts val="500"/>
+              </a:spcBef>
+              <a:buFont typeface="Arial" panose="020B0604020202020204" pitchFamily="34" charset="0"/>
+              <a:buChar char="•"/>
+              <a:defRPr sz="1800" kern="1200">
+                <a:solidFill>
+                  <a:schemeClr val="tx1"/>
+                </a:solidFill>
+                <a:latin typeface="+mn-lt"/>
+                <a:ea typeface="+mn-ea"/>
+                <a:cs typeface="+mn-cs"/>
+              </a:defRPr>
+            </a:lvl8pPr>
+            <a:lvl9pPr marL="3886200" indent="-228600" algn="l" defTabSz="914400" rtl="0" eaLnBrk="1" latinLnBrk="0" hangingPunct="1">
+              <a:lnSpc>
+                <a:spcPct val="90000"/>
+              </a:lnSpc>
+              <a:spcBef>
+                <a:spcPts val="500"/>
+              </a:spcBef>
+              <a:buFont typeface="Arial" panose="020B0604020202020204" pitchFamily="34" charset="0"/>
+              <a:buChar char="•"/>
+              <a:defRPr sz="1800" kern="1200">
+                <a:solidFill>
+                  <a:schemeClr val="tx1"/>
+                </a:solidFill>
+                <a:latin typeface="+mn-lt"/>
+                <a:ea typeface="+mn-ea"/>
+                <a:cs typeface="+mn-cs"/>
+              </a:defRPr>
+            </a:lvl9pPr>
+          </a:lstStyle>
+          <a:p>
+            <a:pPr marL="0" indent="0">
+              <a:buFont typeface="Arial" panose="020B0604020202020204" pitchFamily="34" charset="0"/>
+              <a:buNone/>
+            </a:pPr>
+            <a:r>
+              <a:rPr lang="en-US" dirty="0"/>
+              <a:t>Server-side Python</a:t>
+            </a:r>
+          </a:p>
+        </p:txBody>
+      </p:sp>
+    </p:spTree>
+    <p:extLst>
+      <p:ext uri="{BB962C8B-B14F-4D97-AF65-F5344CB8AC3E}">
+        <p14:creationId xmlns:p14="http://schemas.microsoft.com/office/powerpoint/2010/main" val="2899820502"/>
+      </p:ext>
+    </p:extLst>
+  </p:cSld>
+  <p:clrMapOvr>
+    <a:masterClrMapping/>
+  </p:clrMapOvr>
+</p:sld>
+</file>
+
+<file path=ppt/slides/slide40.xml><?xml version="1.0" encoding="utf-8"?>
+<p:sld xmlns:a="http://schemas.openxmlformats.org/drawingml/2006/main" xmlns:r="http://schemas.openxmlformats.org/officeDocument/2006/relationships" xmlns:p="http://schemas.openxmlformats.org/presentationml/2006/main">
+  <p:cSld>
+    <p:spTree>
+      <p:nvGrpSpPr>
+        <p:cNvPr id="1" name=""/>
+        <p:cNvGrpSpPr/>
+        <p:nvPr/>
+      </p:nvGrpSpPr>
+      <p:grpSpPr>
+        <a:xfrm>
+          <a:off x="0" y="0"/>
+          <a:ext cx="0" cy="0"/>
+          <a:chOff x="0" y="0"/>
+          <a:chExt cx="0" cy="0"/>
+        </a:xfrm>
+      </p:grpSpPr>
+      <p:sp>
+        <p:nvSpPr>
+          <p:cNvPr id="2" name="Title 1">
+            <a:extLst>
+              <a:ext uri="{FF2B5EF4-FFF2-40B4-BE49-F238E27FC236}">
+                <a16:creationId xmlns:a16="http://schemas.microsoft.com/office/drawing/2014/main" id="{DC6CAB97-7247-440A-8842-E575D7625847}"/>
               </a:ext>
             </a:extLst>
           </p:cNvPr>
@@ -7561,111 +10218,99 @@
             <a:spLocks noGrp="1"/>
           </p:cNvSpPr>
           <p:nvPr>
-            <p:ph idx="1"/>
+            <p:ph type="title"/>
           </p:nvPr>
         </p:nvSpPr>
         <p:spPr/>
         <p:txBody>
-          <a:bodyPr>
-            <a:normAutofit fontScale="77500" lnSpcReduction="20000"/>
+          <a:bodyPr/>
+          <a:lstStyle/>
+          <a:p>
+            <a:r>
+              <a:rPr lang="en-US" dirty="0"/>
+              <a:t>Visualization</a:t>
+            </a:r>
+          </a:p>
+        </p:txBody>
+      </p:sp>
+      <p:pic>
+        <p:nvPicPr>
+          <p:cNvPr id="4" name="Picture 3">
+            <a:extLst>
+              <a:ext uri="{FF2B5EF4-FFF2-40B4-BE49-F238E27FC236}">
+                <a16:creationId xmlns:a16="http://schemas.microsoft.com/office/drawing/2014/main" id="{91BBDDC0-06F1-478A-A695-DEF55B098A7B}"/>
+              </a:ext>
+            </a:extLst>
+          </p:cNvPr>
+          <p:cNvPicPr>
+            <a:picLocks noChangeAspect="1"/>
+          </p:cNvPicPr>
+          <p:nvPr/>
+        </p:nvPicPr>
+        <p:blipFill>
+          <a:blip r:embed="rId2"/>
+          <a:stretch>
+            <a:fillRect/>
+          </a:stretch>
+        </p:blipFill>
+        <p:spPr>
+          <a:xfrm>
+            <a:off x="729342" y="1368098"/>
+            <a:ext cx="10122159" cy="4842322"/>
+          </a:xfrm>
+          <a:prstGeom prst="rect">
+            <a:avLst/>
+          </a:prstGeom>
+        </p:spPr>
+      </p:pic>
+      <p:sp>
+        <p:nvSpPr>
+          <p:cNvPr id="5" name="Rectangle 4">
+            <a:extLst>
+              <a:ext uri="{FF2B5EF4-FFF2-40B4-BE49-F238E27FC236}">
+                <a16:creationId xmlns:a16="http://schemas.microsoft.com/office/drawing/2014/main" id="{A5CAF724-1FD4-4D61-9153-0D915CEB5789}"/>
+              </a:ext>
+            </a:extLst>
+          </p:cNvPr>
+          <p:cNvSpPr/>
+          <p:nvPr/>
+        </p:nvSpPr>
+        <p:spPr>
+          <a:xfrm>
+            <a:off x="519404" y="6200487"/>
+            <a:ext cx="8305800" cy="400110"/>
+          </a:xfrm>
+          <a:prstGeom prst="rect">
+            <a:avLst/>
+          </a:prstGeom>
+        </p:spPr>
+        <p:txBody>
+          <a:bodyPr wrap="square">
+            <a:spAutoFit/>
           </a:bodyPr>
           <a:lstStyle/>
           <a:p>
             <a:r>
-              <a:rPr lang="en-US" dirty="0"/>
-              <a:t>Looking for work in Python, Machine Learning</a:t>
+              <a:rPr lang="en-US" sz="1000" dirty="0"/>
+              <a:t>Reference:</a:t>
             </a:r>
           </a:p>
           <a:p>
             <a:pPr lvl="1"/>
             <a:r>
-              <a:rPr lang="en-US" dirty="0"/>
-              <a:t>“AI Architect” (high reach)</a:t>
-            </a:r>
-          </a:p>
-          <a:p>
-            <a:pPr lvl="1"/>
-            <a:r>
-              <a:rPr lang="en-US" dirty="0"/>
-              <a:t>“Machine Learning Engineer” (too generic)</a:t>
-            </a:r>
-          </a:p>
-          <a:p>
-            <a:pPr lvl="1"/>
-            <a:r>
-              <a:rPr lang="en-US" dirty="0"/>
-              <a:t>Web Development with ML application (possible)</a:t>
-            </a:r>
-          </a:p>
-          <a:p>
-            <a:pPr lvl="1"/>
-            <a:r>
-              <a:rPr lang="en-US" dirty="0"/>
-              <a:t>Example of work</a:t>
-            </a:r>
-          </a:p>
-          <a:p>
-            <a:endParaRPr lang="en-US" dirty="0"/>
-          </a:p>
-          <a:p>
-            <a:r>
-              <a:rPr lang="en-US" dirty="0"/>
-              <a:t>Web as a medium</a:t>
-            </a:r>
-          </a:p>
-          <a:p>
-            <a:pPr lvl="1"/>
-            <a:r>
-              <a:rPr lang="en-US" dirty="0"/>
-              <a:t>The ability for others to access your work</a:t>
-            </a:r>
-          </a:p>
-          <a:p>
-            <a:pPr lvl="1"/>
-            <a:r>
-              <a:rPr lang="en-US" dirty="0"/>
-              <a:t>Template infrastructure (in Python) for (your ML model)</a:t>
-            </a:r>
-          </a:p>
-          <a:p>
-            <a:pPr lvl="1"/>
-            <a:r>
-              <a:rPr lang="en-US" dirty="0"/>
-              <a:t>Hiring manager, PHD Research Professor, or (your audience)</a:t>
-            </a:r>
-          </a:p>
-          <a:p>
-            <a:endParaRPr lang="en-US" dirty="0"/>
-          </a:p>
-          <a:p>
-            <a:r>
-              <a:rPr lang="en-US" dirty="0"/>
-              <a:t>Platform for future projects</a:t>
-            </a:r>
-          </a:p>
-          <a:p>
-            <a:pPr lvl="1"/>
-            <a:r>
-              <a:rPr lang="en-US" dirty="0"/>
-              <a:t>Practice, practice, practice.  Be prepared when the time comes. </a:t>
-            </a:r>
-          </a:p>
-          <a:p>
-            <a:pPr lvl="1"/>
-            <a:r>
-              <a:rPr lang="en-US" dirty="0"/>
-              <a:t>Practice, practice, practice.  (in a controlled risk-free environment)</a:t>
-            </a:r>
-          </a:p>
-          <a:p>
-            <a:endParaRPr lang="en-US" dirty="0"/>
+              <a:rPr lang="en-US" sz="1000" dirty="0">
+                <a:hlinkClick r:id="rId3"/>
+              </a:rPr>
+              <a:t>https://app.pluralsight.com/library/courses/build-first-data-visualization-google-charts</a:t>
+            </a:r>
+            <a:endParaRPr lang="en-US" sz="1000" dirty="0"/>
           </a:p>
         </p:txBody>
       </p:sp>
     </p:spTree>
     <p:extLst>
       <p:ext uri="{BB962C8B-B14F-4D97-AF65-F5344CB8AC3E}">
-        <p14:creationId xmlns:p14="http://schemas.microsoft.com/office/powerpoint/2010/main" val="1485733289"/>
+        <p14:creationId xmlns:p14="http://schemas.microsoft.com/office/powerpoint/2010/main" val="1735886717"/>
       </p:ext>
     </p:extLst>
   </p:cSld>
@@ -7715,7 +10360,7 @@
           <a:p>
             <a:r>
               <a:rPr lang="en-US" dirty="0"/>
-              <a:t>Where can we go with this...</a:t>
+              <a:t>Where we can take this...</a:t>
             </a:r>
           </a:p>
         </p:txBody>
@@ -7736,28 +10381,40 @@
             <p:ph idx="1"/>
           </p:nvPr>
         </p:nvSpPr>
-        <p:spPr/>
+        <p:spPr>
+          <a:xfrm>
+            <a:off x="678180" y="1643380"/>
+            <a:ext cx="10835640" cy="4849495"/>
+          </a:xfrm>
+        </p:spPr>
         <p:txBody>
           <a:bodyPr>
-            <a:normAutofit lnSpcReduction="10000"/>
+            <a:normAutofit fontScale="92500" lnSpcReduction="20000"/>
           </a:bodyPr>
           <a:lstStyle/>
           <a:p>
             <a:r>
               <a:rPr lang="en-US" dirty="0"/>
-              <a:t>Today:  Platform to deploy ML as web application</a:t>
-            </a:r>
-          </a:p>
-          <a:p>
-            <a:r>
-              <a:rPr lang="en-US" dirty="0"/>
-              <a:t>Tomorrow: Platform for Internet-of-Things applications</a:t>
+              <a:t>Today</a:t>
             </a:r>
           </a:p>
           <a:p>
             <a:pPr lvl="1"/>
             <a:r>
               <a:rPr lang="en-US" dirty="0"/>
+              <a:t>ML as part of web application</a:t>
+            </a:r>
+          </a:p>
+          <a:p>
+            <a:r>
+              <a:rPr lang="en-US" dirty="0"/>
+              <a:t>Tomorrow: Internet-of-Things</a:t>
+            </a:r>
+          </a:p>
+          <a:p>
+            <a:pPr lvl="1"/>
+            <a:r>
+              <a:rPr lang="en-US" dirty="0"/>
               <a:t>Front-end is Raspberry Pi running Python</a:t>
             </a:r>
           </a:p>
@@ -7765,7 +10422,7 @@
             <a:pPr lvl="1"/>
             <a:r>
               <a:rPr lang="en-US" dirty="0"/>
-              <a:t>Back-end is “smarts” (database, ML model)</a:t>
+              <a:t>Back-end “smarts” (database, ML model)</a:t>
             </a:r>
           </a:p>
           <a:p>
@@ -7810,11 +10467,67 @@
             </a:r>
           </a:p>
           <a:p>
+            <a:r>
+              <a:rPr lang="en-US" dirty="0"/>
+              <a:t>Day 4: Offer our OWN </a:t>
+            </a:r>
+            <a:r>
+              <a:rPr lang="en-US" dirty="0" err="1"/>
+              <a:t>api</a:t>
+            </a:r>
+            <a:r>
+              <a:rPr lang="en-US" dirty="0"/>
+              <a:t> to subscribers</a:t>
+            </a:r>
+          </a:p>
+          <a:p>
             <a:pPr lvl="1"/>
             <a:r>
               <a:rPr lang="en-US" dirty="0"/>
-              <a:t>Lots of Amazing Stuff</a:t>
-            </a:r>
+              <a:t>see Gene’s presentation &lt;LINK?&gt; </a:t>
+            </a:r>
+            <a:r>
+              <a:rPr lang="en-US" sz="1400" dirty="0">
+                <a:solidFill>
+                  <a:srgbClr val="FF0000"/>
+                </a:solidFill>
+                <a:hlinkClick r:id="rId2">
+                  <a:extLst>
+                    <a:ext uri="{A12FA001-AC4F-418D-AE19-62706E023703}">
+                      <ahyp:hlinkClr xmlns:ahyp="http://schemas.microsoft.com/office/drawing/2018/hyperlinkcolor" val="tx"/>
+                    </a:ext>
+                  </a:extLst>
+                </a:hlinkClick>
+              </a:rPr>
+              <a:t>https://github.com/MetrowestBostonDevelopersMLGroup/MeetingPresentations</a:t>
+            </a:r>
+            <a:r>
+              <a:rPr lang="en-US" sz="1400" dirty="0">
+                <a:solidFill>
+                  <a:srgbClr val="FF0000"/>
+                </a:solidFill>
+              </a:rPr>
+              <a:t> </a:t>
+            </a:r>
+            <a:endParaRPr lang="en-US" dirty="0">
+              <a:solidFill>
+                <a:srgbClr val="FF0000"/>
+              </a:solidFill>
+            </a:endParaRPr>
+          </a:p>
+          <a:p>
+            <a:pPr lvl="1"/>
+            <a:r>
+              <a:rPr lang="en-US" dirty="0"/>
+              <a:t>and article </a:t>
+            </a:r>
+            <a:r>
+              <a:rPr lang="en-US" sz="1500" dirty="0">
+                <a:hlinkClick r:id="rId3"/>
+              </a:rPr>
+              <a:t>https://a16z.com/2020/02/16/the-new-business-of-ai-and-how-its-different-from-traditional-software/</a:t>
+            </a:r>
+            <a:endParaRPr lang="en-US" dirty="0"/>
           </a:p>
         </p:txBody>
       </p:sp>
@@ -7878,16 +10591,8 @@
           <a:p>
             <a:r>
               <a:rPr lang="en-US" dirty="0"/>
-              <a:t>What does that mean...</a:t>
-            </a:r>
-            <a:br>
-              <a:rPr lang="en-US" dirty="0"/>
-            </a:br>
-            <a:r>
-              <a:rPr lang="en-US" sz="3200" dirty="0"/>
-              <a:t>Today...</a:t>
-            </a:r>
-            <a:endParaRPr lang="en-US" dirty="0"/>
+              <a:t>Framework 2</a:t>
+            </a:r>
           </a:p>
         </p:txBody>
       </p:sp>
@@ -7905,7 +10610,7 @@
         </p:nvSpPr>
         <p:spPr>
           <a:xfrm>
-            <a:off x="3163553" y="2078200"/>
+            <a:off x="2102160" y="3620470"/>
             <a:ext cx="1694577" cy="914400"/>
           </a:xfrm>
           <a:prstGeom prst="rect">
@@ -7954,7 +10659,7 @@
         </p:nvSpPr>
         <p:spPr>
           <a:xfrm>
-            <a:off x="9543554" y="1620410"/>
+            <a:off x="8482161" y="3162680"/>
             <a:ext cx="1284046" cy="418052"/>
           </a:xfrm>
           <a:prstGeom prst="rect">
@@ -8003,7 +10708,7 @@
         </p:nvSpPr>
         <p:spPr>
           <a:xfrm>
-            <a:off x="9543553" y="2189462"/>
+            <a:off x="8482160" y="3731732"/>
             <a:ext cx="1284046" cy="418052"/>
           </a:xfrm>
           <a:prstGeom prst="rect">
@@ -8052,7 +10757,7 @@
         </p:nvSpPr>
         <p:spPr>
           <a:xfrm>
-            <a:off x="9543553" y="2749003"/>
+            <a:off x="8482160" y="4291273"/>
             <a:ext cx="1284046" cy="378171"/>
           </a:xfrm>
           <a:prstGeom prst="rect">
@@ -8101,7 +10806,7 @@
         </p:nvSpPr>
         <p:spPr>
           <a:xfrm>
-            <a:off x="5609008" y="2633090"/>
+            <a:off x="4547615" y="4175360"/>
             <a:ext cx="1501755" cy="585116"/>
           </a:xfrm>
           <a:prstGeom prst="ellipse">
@@ -8150,7 +10855,7 @@
         </p:nvSpPr>
         <p:spPr>
           <a:xfrm>
-            <a:off x="8139984" y="843272"/>
+            <a:off x="7078591" y="2385542"/>
             <a:ext cx="2894202" cy="2595360"/>
           </a:xfrm>
           <a:prstGeom prst="rect">
@@ -8199,8 +10904,8 @@
         </p:nvSpPr>
         <p:spPr>
           <a:xfrm>
-            <a:off x="295391" y="2319861"/>
-            <a:ext cx="3102529" cy="568683"/>
+            <a:off x="3801456" y="1576225"/>
+            <a:ext cx="3133862" cy="568683"/>
           </a:xfrm>
           <a:prstGeom prst="rect">
             <a:avLst/>
@@ -8381,7 +11086,7 @@
             </a:pPr>
             <a:r>
               <a:rPr lang="en-US" dirty="0"/>
-              <a:t>Game Application</a:t>
+              <a:t>Internet of Things</a:t>
             </a:r>
           </a:p>
         </p:txBody>
@@ -8402,7 +11107,7 @@
         </p:nvSpPr>
         <p:spPr>
           <a:xfrm>
-            <a:off x="5046695" y="2291824"/>
+            <a:off x="3985302" y="3834094"/>
             <a:ext cx="2827435" cy="568683"/>
           </a:xfrm>
           <a:prstGeom prst="rect">
@@ -8603,7 +11308,7 @@
         </p:nvSpPr>
         <p:spPr>
           <a:xfrm>
-            <a:off x="8335006" y="1620410"/>
+            <a:off x="7273613" y="3162680"/>
             <a:ext cx="591429" cy="824506"/>
           </a:xfrm>
           <a:prstGeom prst="rect">
@@ -8643,6 +11348,274 @@
           </a:p>
         </p:txBody>
       </p:sp>
+      <p:sp>
+        <p:nvSpPr>
+          <p:cNvPr id="15" name="Rectangle 14">
+            <a:extLst>
+              <a:ext uri="{FF2B5EF4-FFF2-40B4-BE49-F238E27FC236}">
+                <a16:creationId xmlns:a16="http://schemas.microsoft.com/office/drawing/2014/main" id="{2A63D263-9BBB-40A3-BEDF-006A53F2B6D3}"/>
+              </a:ext>
+            </a:extLst>
+          </p:cNvPr>
+          <p:cNvSpPr/>
+          <p:nvPr/>
+        </p:nvSpPr>
+        <p:spPr>
+          <a:xfrm>
+            <a:off x="2116494" y="4686447"/>
+            <a:ext cx="1694577" cy="914400"/>
+          </a:xfrm>
+          <a:prstGeom prst="rect">
+            <a:avLst/>
+          </a:prstGeom>
+          <a:solidFill>
+            <a:schemeClr val="accent6"/>
+          </a:solidFill>
+        </p:spPr>
+        <p:style>
+          <a:lnRef idx="2">
+            <a:schemeClr val="accent1">
+              <a:shade val="50000"/>
+            </a:schemeClr>
+          </a:lnRef>
+          <a:fillRef idx="1">
+            <a:schemeClr val="accent1"/>
+          </a:fillRef>
+          <a:effectRef idx="0">
+            <a:schemeClr val="accent1"/>
+          </a:effectRef>
+          <a:fontRef idx="minor">
+            <a:schemeClr val="lt1"/>
+          </a:fontRef>
+        </p:style>
+        <p:txBody>
+          <a:bodyPr rtlCol="0" anchor="ctr"/>
+          <a:lstStyle/>
+          <a:p>
+            <a:pPr algn="ctr"/>
+            <a:r>
+              <a:rPr lang="en-US" dirty="0"/>
+              <a:t>Raspberry Pi + Python</a:t>
+            </a:r>
+          </a:p>
+        </p:txBody>
+      </p:sp>
+      <p:sp>
+        <p:nvSpPr>
+          <p:cNvPr id="16" name="Content Placeholder 2">
+            <a:extLst>
+              <a:ext uri="{FF2B5EF4-FFF2-40B4-BE49-F238E27FC236}">
+                <a16:creationId xmlns:a16="http://schemas.microsoft.com/office/drawing/2014/main" id="{5F523BA2-49F9-425B-ACD0-9C9479C41BDB}"/>
+              </a:ext>
+            </a:extLst>
+          </p:cNvPr>
+          <p:cNvSpPr txBox="1">
+            <a:spLocks/>
+          </p:cNvSpPr>
+          <p:nvPr/>
+        </p:nvSpPr>
+        <p:spPr>
+          <a:xfrm>
+            <a:off x="4107883" y="4942516"/>
+            <a:ext cx="2827435" cy="568683"/>
+          </a:xfrm>
+          <a:prstGeom prst="rect">
+            <a:avLst/>
+          </a:prstGeom>
+        </p:spPr>
+        <p:txBody>
+          <a:bodyPr vert="horz" lIns="91440" tIns="45720" rIns="91440" bIns="45720" rtlCol="0">
+            <a:normAutofit/>
+          </a:bodyPr>
+          <a:lstStyle>
+            <a:lvl1pPr marL="228600" indent="-228600" algn="l" defTabSz="914400" rtl="0" eaLnBrk="1" latinLnBrk="0" hangingPunct="1">
+              <a:lnSpc>
+                <a:spcPct val="90000"/>
+              </a:lnSpc>
+              <a:spcBef>
+                <a:spcPts val="1000"/>
+              </a:spcBef>
+              <a:buFont typeface="Arial" panose="020B0604020202020204" pitchFamily="34" charset="0"/>
+              <a:buChar char="•"/>
+              <a:defRPr sz="2800" kern="1200">
+                <a:solidFill>
+                  <a:schemeClr val="tx1"/>
+                </a:solidFill>
+                <a:latin typeface="+mn-lt"/>
+                <a:ea typeface="+mn-ea"/>
+                <a:cs typeface="+mn-cs"/>
+              </a:defRPr>
+            </a:lvl1pPr>
+            <a:lvl2pPr marL="685800" indent="-228600" algn="l" defTabSz="914400" rtl="0" eaLnBrk="1" latinLnBrk="0" hangingPunct="1">
+              <a:lnSpc>
+                <a:spcPct val="90000"/>
+              </a:lnSpc>
+              <a:spcBef>
+                <a:spcPts val="500"/>
+              </a:spcBef>
+              <a:buFont typeface="Arial" panose="020B0604020202020204" pitchFamily="34" charset="0"/>
+              <a:buChar char="•"/>
+              <a:defRPr sz="2400" kern="1200">
+                <a:solidFill>
+                  <a:schemeClr val="tx1"/>
+                </a:solidFill>
+                <a:latin typeface="+mn-lt"/>
+                <a:ea typeface="+mn-ea"/>
+                <a:cs typeface="+mn-cs"/>
+              </a:defRPr>
+            </a:lvl2pPr>
+            <a:lvl3pPr marL="1143000" indent="-228600" algn="l" defTabSz="914400" rtl="0" eaLnBrk="1" latinLnBrk="0" hangingPunct="1">
+              <a:lnSpc>
+                <a:spcPct val="90000"/>
+              </a:lnSpc>
+              <a:spcBef>
+                <a:spcPts val="500"/>
+              </a:spcBef>
+              <a:buFont typeface="Arial" panose="020B0604020202020204" pitchFamily="34" charset="0"/>
+              <a:buChar char="•"/>
+              <a:defRPr sz="2000" kern="1200">
+                <a:solidFill>
+                  <a:schemeClr val="tx1"/>
+                </a:solidFill>
+                <a:latin typeface="+mn-lt"/>
+                <a:ea typeface="+mn-ea"/>
+                <a:cs typeface="+mn-cs"/>
+              </a:defRPr>
+            </a:lvl3pPr>
+            <a:lvl4pPr marL="1600200" indent="-228600" algn="l" defTabSz="914400" rtl="0" eaLnBrk="1" latinLnBrk="0" hangingPunct="1">
+              <a:lnSpc>
+                <a:spcPct val="90000"/>
+              </a:lnSpc>
+              <a:spcBef>
+                <a:spcPts val="500"/>
+              </a:spcBef>
+              <a:buFont typeface="Arial" panose="020B0604020202020204" pitchFamily="34" charset="0"/>
+              <a:buChar char="•"/>
+              <a:defRPr sz="1800" kern="1200">
+                <a:solidFill>
+                  <a:schemeClr val="tx1"/>
+                </a:solidFill>
+                <a:latin typeface="+mn-lt"/>
+                <a:ea typeface="+mn-ea"/>
+                <a:cs typeface="+mn-cs"/>
+              </a:defRPr>
+            </a:lvl4pPr>
+            <a:lvl5pPr marL="2057400" indent="-228600" algn="l" defTabSz="914400" rtl="0" eaLnBrk="1" latinLnBrk="0" hangingPunct="1">
+              <a:lnSpc>
+                <a:spcPct val="90000"/>
+              </a:lnSpc>
+              <a:spcBef>
+                <a:spcPts val="500"/>
+              </a:spcBef>
+              <a:buFont typeface="Arial" panose="020B0604020202020204" pitchFamily="34" charset="0"/>
+              <a:buChar char="•"/>
+              <a:defRPr sz="1800" kern="1200">
+                <a:solidFill>
+                  <a:schemeClr val="tx1"/>
+                </a:solidFill>
+                <a:latin typeface="+mn-lt"/>
+                <a:ea typeface="+mn-ea"/>
+                <a:cs typeface="+mn-cs"/>
+              </a:defRPr>
+            </a:lvl5pPr>
+            <a:lvl6pPr marL="2514600" indent="-228600" algn="l" defTabSz="914400" rtl="0" eaLnBrk="1" latinLnBrk="0" hangingPunct="1">
+              <a:lnSpc>
+                <a:spcPct val="90000"/>
+              </a:lnSpc>
+              <a:spcBef>
+                <a:spcPts val="500"/>
+              </a:spcBef>
+              <a:buFont typeface="Arial" panose="020B0604020202020204" pitchFamily="34" charset="0"/>
+              <a:buChar char="•"/>
+              <a:defRPr sz="1800" kern="1200">
+                <a:solidFill>
+                  <a:schemeClr val="tx1"/>
+                </a:solidFill>
+                <a:latin typeface="+mn-lt"/>
+                <a:ea typeface="+mn-ea"/>
+                <a:cs typeface="+mn-cs"/>
+              </a:defRPr>
+            </a:lvl6pPr>
+            <a:lvl7pPr marL="2971800" indent="-228600" algn="l" defTabSz="914400" rtl="0" eaLnBrk="1" latinLnBrk="0" hangingPunct="1">
+              <a:lnSpc>
+                <a:spcPct val="90000"/>
+              </a:lnSpc>
+              <a:spcBef>
+                <a:spcPts val="500"/>
+              </a:spcBef>
+              <a:buFont typeface="Arial" panose="020B0604020202020204" pitchFamily="34" charset="0"/>
+              <a:buChar char="•"/>
+              <a:defRPr sz="1800" kern="1200">
+                <a:solidFill>
+                  <a:schemeClr val="tx1"/>
+                </a:solidFill>
+                <a:latin typeface="+mn-lt"/>
+                <a:ea typeface="+mn-ea"/>
+                <a:cs typeface="+mn-cs"/>
+              </a:defRPr>
+            </a:lvl7pPr>
+            <a:lvl8pPr marL="3429000" indent="-228600" algn="l" defTabSz="914400" rtl="0" eaLnBrk="1" latinLnBrk="0" hangingPunct="1">
+              <a:lnSpc>
+                <a:spcPct val="90000"/>
+              </a:lnSpc>
+              <a:spcBef>
+                <a:spcPts val="500"/>
+              </a:spcBef>
+              <a:buFont typeface="Arial" panose="020B0604020202020204" pitchFamily="34" charset="0"/>
+              <a:buChar char="•"/>
+              <a:defRPr sz="1800" kern="1200">
+                <a:solidFill>
+                  <a:schemeClr val="tx1"/>
+                </a:solidFill>
+                <a:latin typeface="+mn-lt"/>
+                <a:ea typeface="+mn-ea"/>
+                <a:cs typeface="+mn-cs"/>
+              </a:defRPr>
+            </a:lvl8pPr>
+            <a:lvl9pPr marL="3886200" indent="-228600" algn="l" defTabSz="914400" rtl="0" eaLnBrk="1" latinLnBrk="0" hangingPunct="1">
+              <a:lnSpc>
+                <a:spcPct val="90000"/>
+              </a:lnSpc>
+              <a:spcBef>
+                <a:spcPts val="500"/>
+              </a:spcBef>
+              <a:buFont typeface="Arial" panose="020B0604020202020204" pitchFamily="34" charset="0"/>
+              <a:buChar char="•"/>
+              <a:defRPr sz="1800" kern="1200">
+                <a:solidFill>
+                  <a:schemeClr val="tx1"/>
+                </a:solidFill>
+                <a:latin typeface="+mn-lt"/>
+                <a:ea typeface="+mn-ea"/>
+                <a:cs typeface="+mn-cs"/>
+              </a:defRPr>
+            </a:lvl9pPr>
+          </a:lstStyle>
+          <a:p>
+            <a:pPr marL="0" indent="0">
+              <a:buFont typeface="Arial" panose="020B0604020202020204" pitchFamily="34" charset="0"/>
+              <a:buNone/>
+            </a:pPr>
+            <a:r>
+              <a:rPr lang="en-US" sz="1800" dirty="0"/>
+              <a:t>GET, POST  site.com/</a:t>
+            </a:r>
+            <a:r>
+              <a:rPr lang="en-US" sz="1800" dirty="0" err="1">
+                <a:highlight>
+                  <a:srgbClr val="00FF00"/>
+                </a:highlight>
+              </a:rPr>
+              <a:t>api</a:t>
+            </a:r>
+            <a:endParaRPr lang="en-US" sz="1800" dirty="0">
+              <a:highlight>
+                <a:srgbClr val="00FF00"/>
+              </a:highlight>
+            </a:endParaRPr>
+          </a:p>
+        </p:txBody>
+      </p:sp>
       <p:cxnSp>
         <p:nvCxnSpPr>
           <p:cNvPr id="18" name="Straight Connector 17">
@@ -8661,8 +11634,48 @@
         </p:nvCxnSpPr>
         <p:spPr>
           <a:xfrm>
-            <a:off x="4858130" y="2535400"/>
+            <a:off x="3796737" y="4077670"/>
             <a:ext cx="750878" cy="390248"/>
+          </a:xfrm>
+          <a:prstGeom prst="line">
+            <a:avLst/>
+          </a:prstGeom>
+        </p:spPr>
+        <p:style>
+          <a:lnRef idx="1">
+            <a:schemeClr val="accent1"/>
+          </a:lnRef>
+          <a:fillRef idx="0">
+            <a:schemeClr val="accent1"/>
+          </a:fillRef>
+          <a:effectRef idx="0">
+            <a:schemeClr val="accent1"/>
+          </a:effectRef>
+          <a:fontRef idx="minor">
+            <a:schemeClr val="tx1"/>
+          </a:fontRef>
+        </p:style>
+      </p:cxnSp>
+      <p:cxnSp>
+        <p:nvCxnSpPr>
+          <p:cNvPr id="19" name="Straight Connector 18">
+            <a:extLst>
+              <a:ext uri="{FF2B5EF4-FFF2-40B4-BE49-F238E27FC236}">
+                <a16:creationId xmlns:a16="http://schemas.microsoft.com/office/drawing/2014/main" id="{464D9C67-8C5E-4338-8816-6D9C343901FD}"/>
+              </a:ext>
+            </a:extLst>
+          </p:cNvPr>
+          <p:cNvCxnSpPr>
+            <a:cxnSpLocks/>
+            <a:stCxn id="15" idx="3"/>
+            <a:endCxn id="8" idx="2"/>
+          </p:cNvCxnSpPr>
+          <p:nvPr/>
+        </p:nvCxnSpPr>
+        <p:spPr>
+          <a:xfrm flipV="1">
+            <a:off x="3811071" y="4467918"/>
+            <a:ext cx="736544" cy="675729"/>
           </a:xfrm>
           <a:prstGeom prst="line">
             <a:avLst/>
@@ -8701,8 +11714,106 @@
         </p:nvCxnSpPr>
         <p:spPr>
           <a:xfrm flipH="1">
-            <a:off x="7110763" y="2032663"/>
+            <a:off x="6049370" y="3574933"/>
             <a:ext cx="1224243" cy="892985"/>
+          </a:xfrm>
+          <a:prstGeom prst="line">
+            <a:avLst/>
+          </a:prstGeom>
+        </p:spPr>
+        <p:style>
+          <a:lnRef idx="1">
+            <a:schemeClr val="accent1"/>
+          </a:lnRef>
+          <a:fillRef idx="0">
+            <a:schemeClr val="accent1"/>
+          </a:fillRef>
+          <a:effectRef idx="0">
+            <a:schemeClr val="accent1"/>
+          </a:effectRef>
+          <a:fontRef idx="minor">
+            <a:schemeClr val="tx1"/>
+          </a:fontRef>
+        </p:style>
+      </p:cxnSp>
+      <p:sp>
+        <p:nvSpPr>
+          <p:cNvPr id="26" name="Rectangle 25">
+            <a:extLst>
+              <a:ext uri="{FF2B5EF4-FFF2-40B4-BE49-F238E27FC236}">
+                <a16:creationId xmlns:a16="http://schemas.microsoft.com/office/drawing/2014/main" id="{1E45162A-97F2-4EC2-9D2D-EFFEE5DC827D}"/>
+              </a:ext>
+            </a:extLst>
+          </p:cNvPr>
+          <p:cNvSpPr/>
+          <p:nvPr/>
+        </p:nvSpPr>
+        <p:spPr>
+          <a:xfrm>
+            <a:off x="7273613" y="3987186"/>
+            <a:ext cx="591429" cy="824507"/>
+          </a:xfrm>
+          <a:prstGeom prst="rect">
+            <a:avLst/>
+          </a:prstGeom>
+        </p:spPr>
+        <p:style>
+          <a:lnRef idx="2">
+            <a:schemeClr val="accent1">
+              <a:shade val="50000"/>
+            </a:schemeClr>
+          </a:lnRef>
+          <a:fillRef idx="1">
+            <a:schemeClr val="accent1"/>
+          </a:fillRef>
+          <a:effectRef idx="0">
+            <a:schemeClr val="accent1"/>
+          </a:effectRef>
+          <a:fontRef idx="minor">
+            <a:schemeClr val="lt1"/>
+          </a:fontRef>
+        </p:style>
+        <p:txBody>
+          <a:bodyPr rtlCol="0" anchor="ctr"/>
+          <a:lstStyle/>
+          <a:p>
+            <a:pPr algn="ctr"/>
+            <a:r>
+              <a:rPr lang="en-US" sz="1400" dirty="0" err="1"/>
+              <a:t>api</a:t>
+            </a:r>
+            <a:r>
+              <a:rPr lang="en-US" sz="1400" dirty="0"/>
+              <a:t> </a:t>
+            </a:r>
+            <a:r>
+              <a:rPr lang="en-US" sz="1400" dirty="0" err="1"/>
+              <a:t>urls</a:t>
+            </a:r>
+            <a:endParaRPr lang="en-US" sz="1400" dirty="0"/>
+          </a:p>
+        </p:txBody>
+      </p:sp>
+      <p:cxnSp>
+        <p:nvCxnSpPr>
+          <p:cNvPr id="27" name="Straight Connector 26">
+            <a:extLst>
+              <a:ext uri="{FF2B5EF4-FFF2-40B4-BE49-F238E27FC236}">
+                <a16:creationId xmlns:a16="http://schemas.microsoft.com/office/drawing/2014/main" id="{33F33A00-8F5C-4113-8B66-DCE248BD0388}"/>
+              </a:ext>
+            </a:extLst>
+          </p:cNvPr>
+          <p:cNvCxnSpPr>
+            <a:cxnSpLocks/>
+            <a:stCxn id="26" idx="1"/>
+            <a:endCxn id="8" idx="6"/>
+          </p:cNvCxnSpPr>
+          <p:nvPr/>
+        </p:nvCxnSpPr>
+        <p:spPr>
+          <a:xfrm flipH="1">
+            <a:off x="6049370" y="4399440"/>
+            <a:ext cx="1224243" cy="68478"/>
           </a:xfrm>
           <a:prstGeom prst="line">
             <a:avLst/>
@@ -8735,14 +11846,14 @@
           <p:cNvCxnSpPr>
             <a:cxnSpLocks/>
             <a:stCxn id="5" idx="1"/>
-            <a:endCxn id="14" idx="3"/>
+            <a:endCxn id="26" idx="3"/>
           </p:cNvCxnSpPr>
           <p:nvPr/>
         </p:nvCxnSpPr>
         <p:spPr>
           <a:xfrm flipH="1">
-            <a:off x="8926435" y="1829436"/>
-            <a:ext cx="617119" cy="203227"/>
+            <a:off x="7865042" y="3371706"/>
+            <a:ext cx="617119" cy="1027734"/>
           </a:xfrm>
           <a:prstGeom prst="line">
             <a:avLst/>
@@ -8775,14 +11886,14 @@
           <p:cNvCxnSpPr>
             <a:cxnSpLocks/>
             <a:stCxn id="6" idx="1"/>
-            <a:endCxn id="14" idx="3"/>
+            <a:endCxn id="26" idx="3"/>
           </p:cNvCxnSpPr>
           <p:nvPr/>
         </p:nvCxnSpPr>
         <p:spPr>
-          <a:xfrm flipH="1" flipV="1">
-            <a:off x="8926435" y="2032663"/>
-            <a:ext cx="617118" cy="365825"/>
+          <a:xfrm flipH="1">
+            <a:off x="7865042" y="3940758"/>
+            <a:ext cx="617118" cy="458682"/>
           </a:xfrm>
           <a:prstGeom prst="line">
             <a:avLst/>
@@ -8819,7 +11930,7 @@
         </p:nvSpPr>
         <p:spPr>
           <a:xfrm>
-            <a:off x="8297001" y="943706"/>
+            <a:off x="7235608" y="2485976"/>
             <a:ext cx="2737185" cy="568683"/>
           </a:xfrm>
           <a:prstGeom prst="rect">
@@ -9006,50 +12117,10 @@
           </a:p>
         </p:txBody>
       </p:sp>
-      <p:cxnSp>
-        <p:nvCxnSpPr>
-          <p:cNvPr id="95" name="Straight Connector 94">
-            <a:extLst>
-              <a:ext uri="{FF2B5EF4-FFF2-40B4-BE49-F238E27FC236}">
-                <a16:creationId xmlns:a16="http://schemas.microsoft.com/office/drawing/2014/main" id="{25A67F01-22D8-43DC-868C-AD8173DC2CCB}"/>
-              </a:ext>
-            </a:extLst>
-          </p:cNvPr>
-          <p:cNvCxnSpPr>
-            <a:cxnSpLocks/>
-            <a:stCxn id="7" idx="1"/>
-            <a:endCxn id="14" idx="3"/>
-          </p:cNvCxnSpPr>
-          <p:nvPr/>
-        </p:nvCxnSpPr>
-        <p:spPr>
-          <a:xfrm flipH="1" flipV="1">
-            <a:off x="8926435" y="2032663"/>
-            <a:ext cx="617118" cy="905426"/>
-          </a:xfrm>
-          <a:prstGeom prst="line">
-            <a:avLst/>
-          </a:prstGeom>
-        </p:spPr>
-        <p:style>
-          <a:lnRef idx="1">
-            <a:schemeClr val="accent1"/>
-          </a:lnRef>
-          <a:fillRef idx="0">
-            <a:schemeClr val="accent1"/>
-          </a:fillRef>
-          <a:effectRef idx="0">
-            <a:schemeClr val="accent1"/>
-          </a:effectRef>
-          <a:fontRef idx="minor">
-            <a:schemeClr val="tx1"/>
-          </a:fontRef>
-        </p:style>
-      </p:cxnSp>
     </p:spTree>
     <p:extLst>
       <p:ext uri="{BB962C8B-B14F-4D97-AF65-F5344CB8AC3E}">
-        <p14:creationId xmlns:p14="http://schemas.microsoft.com/office/powerpoint/2010/main" val="2899820502"/>
+        <p14:creationId xmlns:p14="http://schemas.microsoft.com/office/powerpoint/2010/main" val="3864510876"/>
       </p:ext>
     </p:extLst>
   </p:cSld>
@@ -9106,16 +12177,8 @@
           <a:p>
             <a:r>
               <a:rPr lang="en-US" dirty="0"/>
-              <a:t>What does that mean...</a:t>
-            </a:r>
-            <a:br>
-              <a:rPr lang="en-US" dirty="0"/>
-            </a:br>
-            <a:r>
-              <a:rPr lang="en-US" sz="3200" dirty="0"/>
-              <a:t>Tomorrow...</a:t>
-            </a:r>
-            <a:endParaRPr lang="en-US" dirty="0"/>
+              <a:t>Framework 3</a:t>
+            </a:r>
           </a:p>
         </p:txBody>
       </p:sp>
@@ -9133,7 +12196,7 @@
         </p:nvSpPr>
         <p:spPr>
           <a:xfrm>
-            <a:off x="3163553" y="2078200"/>
+            <a:off x="2625073" y="2256842"/>
             <a:ext cx="1694577" cy="914400"/>
           </a:xfrm>
           <a:prstGeom prst="rect">
@@ -9182,7 +12245,7 @@
         </p:nvSpPr>
         <p:spPr>
           <a:xfrm>
-            <a:off x="9543554" y="1620410"/>
+            <a:off x="9005074" y="1799052"/>
             <a:ext cx="1284046" cy="418052"/>
           </a:xfrm>
           <a:prstGeom prst="rect">
@@ -9231,7 +12294,7 @@
         </p:nvSpPr>
         <p:spPr>
           <a:xfrm>
-            <a:off x="9543553" y="2189462"/>
+            <a:off x="9005073" y="2368104"/>
             <a:ext cx="1284046" cy="418052"/>
           </a:xfrm>
           <a:prstGeom prst="rect">
@@ -9280,7 +12343,7 @@
         </p:nvSpPr>
         <p:spPr>
           <a:xfrm>
-            <a:off x="9543553" y="2749003"/>
+            <a:off x="9005073" y="2927645"/>
             <a:ext cx="1284046" cy="378171"/>
           </a:xfrm>
           <a:prstGeom prst="rect">
@@ -9329,7 +12392,7 @@
         </p:nvSpPr>
         <p:spPr>
           <a:xfrm>
-            <a:off x="5609008" y="2633090"/>
+            <a:off x="5070528" y="2811732"/>
             <a:ext cx="1501755" cy="585116"/>
           </a:xfrm>
           <a:prstGeom prst="ellipse">
@@ -9378,7 +12441,7 @@
         </p:nvSpPr>
         <p:spPr>
           <a:xfrm>
-            <a:off x="8139984" y="843272"/>
+            <a:off x="7601504" y="1021914"/>
             <a:ext cx="2894202" cy="2595360"/>
           </a:xfrm>
           <a:prstGeom prst="rect">
@@ -9427,8 +12490,211 @@
         </p:nvSpPr>
         <p:spPr>
           <a:xfrm>
-            <a:off x="295391" y="2319861"/>
-            <a:ext cx="3102529" cy="568683"/>
+            <a:off x="2155072" y="1560247"/>
+            <a:ext cx="5180578" cy="568683"/>
+          </a:xfrm>
+          <a:prstGeom prst="rect">
+            <a:avLst/>
+          </a:prstGeom>
+        </p:spPr>
+        <p:txBody>
+          <a:bodyPr vert="horz" lIns="91440" tIns="45720" rIns="91440" bIns="45720" rtlCol="0">
+            <a:normAutofit fontScale="92500"/>
+          </a:bodyPr>
+          <a:lstStyle>
+            <a:lvl1pPr marL="228600" indent="-228600" algn="l" defTabSz="914400" rtl="0" eaLnBrk="1" latinLnBrk="0" hangingPunct="1">
+              <a:lnSpc>
+                <a:spcPct val="90000"/>
+              </a:lnSpc>
+              <a:spcBef>
+                <a:spcPts val="1000"/>
+              </a:spcBef>
+              <a:buFont typeface="Arial" panose="020B0604020202020204" pitchFamily="34" charset="0"/>
+              <a:buChar char="•"/>
+              <a:defRPr sz="2800" kern="1200">
+                <a:solidFill>
+                  <a:schemeClr val="tx1"/>
+                </a:solidFill>
+                <a:latin typeface="+mn-lt"/>
+                <a:ea typeface="+mn-ea"/>
+                <a:cs typeface="+mn-cs"/>
+              </a:defRPr>
+            </a:lvl1pPr>
+            <a:lvl2pPr marL="685800" indent="-228600" algn="l" defTabSz="914400" rtl="0" eaLnBrk="1" latinLnBrk="0" hangingPunct="1">
+              <a:lnSpc>
+                <a:spcPct val="90000"/>
+              </a:lnSpc>
+              <a:spcBef>
+                <a:spcPts val="500"/>
+              </a:spcBef>
+              <a:buFont typeface="Arial" panose="020B0604020202020204" pitchFamily="34" charset="0"/>
+              <a:buChar char="•"/>
+              <a:defRPr sz="2400" kern="1200">
+                <a:solidFill>
+                  <a:schemeClr val="tx1"/>
+                </a:solidFill>
+                <a:latin typeface="+mn-lt"/>
+                <a:ea typeface="+mn-ea"/>
+                <a:cs typeface="+mn-cs"/>
+              </a:defRPr>
+            </a:lvl2pPr>
+            <a:lvl3pPr marL="1143000" indent="-228600" algn="l" defTabSz="914400" rtl="0" eaLnBrk="1" latinLnBrk="0" hangingPunct="1">
+              <a:lnSpc>
+                <a:spcPct val="90000"/>
+              </a:lnSpc>
+              <a:spcBef>
+                <a:spcPts val="500"/>
+              </a:spcBef>
+              <a:buFont typeface="Arial" panose="020B0604020202020204" pitchFamily="34" charset="0"/>
+              <a:buChar char="•"/>
+              <a:defRPr sz="2000" kern="1200">
+                <a:solidFill>
+                  <a:schemeClr val="tx1"/>
+                </a:solidFill>
+                <a:latin typeface="+mn-lt"/>
+                <a:ea typeface="+mn-ea"/>
+                <a:cs typeface="+mn-cs"/>
+              </a:defRPr>
+            </a:lvl3pPr>
+            <a:lvl4pPr marL="1600200" indent="-228600" algn="l" defTabSz="914400" rtl="0" eaLnBrk="1" latinLnBrk="0" hangingPunct="1">
+              <a:lnSpc>
+                <a:spcPct val="90000"/>
+              </a:lnSpc>
+              <a:spcBef>
+                <a:spcPts val="500"/>
+              </a:spcBef>
+              <a:buFont typeface="Arial" panose="020B0604020202020204" pitchFamily="34" charset="0"/>
+              <a:buChar char="•"/>
+              <a:defRPr sz="1800" kern="1200">
+                <a:solidFill>
+                  <a:schemeClr val="tx1"/>
+                </a:solidFill>
+                <a:latin typeface="+mn-lt"/>
+                <a:ea typeface="+mn-ea"/>
+                <a:cs typeface="+mn-cs"/>
+              </a:defRPr>
+            </a:lvl4pPr>
+            <a:lvl5pPr marL="2057400" indent="-228600" algn="l" defTabSz="914400" rtl="0" eaLnBrk="1" latinLnBrk="0" hangingPunct="1">
+              <a:lnSpc>
+                <a:spcPct val="90000"/>
+              </a:lnSpc>
+              <a:spcBef>
+                <a:spcPts val="500"/>
+              </a:spcBef>
+              <a:buFont typeface="Arial" panose="020B0604020202020204" pitchFamily="34" charset="0"/>
+              <a:buChar char="•"/>
+              <a:defRPr sz="1800" kern="1200">
+                <a:solidFill>
+                  <a:schemeClr val="tx1"/>
+                </a:solidFill>
+                <a:latin typeface="+mn-lt"/>
+                <a:ea typeface="+mn-ea"/>
+                <a:cs typeface="+mn-cs"/>
+              </a:defRPr>
+            </a:lvl5pPr>
+            <a:lvl6pPr marL="2514600" indent="-228600" algn="l" defTabSz="914400" rtl="0" eaLnBrk="1" latinLnBrk="0" hangingPunct="1">
+              <a:lnSpc>
+                <a:spcPct val="90000"/>
+              </a:lnSpc>
+              <a:spcBef>
+                <a:spcPts val="500"/>
+              </a:spcBef>
+              <a:buFont typeface="Arial" panose="020B0604020202020204" pitchFamily="34" charset="0"/>
+              <a:buChar char="•"/>
+              <a:defRPr sz="1800" kern="1200">
+                <a:solidFill>
+                  <a:schemeClr val="tx1"/>
+                </a:solidFill>
+                <a:latin typeface="+mn-lt"/>
+                <a:ea typeface="+mn-ea"/>
+                <a:cs typeface="+mn-cs"/>
+              </a:defRPr>
+            </a:lvl6pPr>
+            <a:lvl7pPr marL="2971800" indent="-228600" algn="l" defTabSz="914400" rtl="0" eaLnBrk="1" latinLnBrk="0" hangingPunct="1">
+              <a:lnSpc>
+                <a:spcPct val="90000"/>
+              </a:lnSpc>
+              <a:spcBef>
+                <a:spcPts val="500"/>
+              </a:spcBef>
+              <a:buFont typeface="Arial" panose="020B0604020202020204" pitchFamily="34" charset="0"/>
+              <a:buChar char="•"/>
+              <a:defRPr sz="1800" kern="1200">
+                <a:solidFill>
+                  <a:schemeClr val="tx1"/>
+                </a:solidFill>
+                <a:latin typeface="+mn-lt"/>
+                <a:ea typeface="+mn-ea"/>
+                <a:cs typeface="+mn-cs"/>
+              </a:defRPr>
+            </a:lvl7pPr>
+            <a:lvl8pPr marL="3429000" indent="-228600" algn="l" defTabSz="914400" rtl="0" eaLnBrk="1" latinLnBrk="0" hangingPunct="1">
+              <a:lnSpc>
+                <a:spcPct val="90000"/>
+              </a:lnSpc>
+              <a:spcBef>
+                <a:spcPts val="500"/>
+              </a:spcBef>
+              <a:buFont typeface="Arial" panose="020B0604020202020204" pitchFamily="34" charset="0"/>
+              <a:buChar char="•"/>
+              <a:defRPr sz="1800" kern="1200">
+                <a:solidFill>
+                  <a:schemeClr val="tx1"/>
+                </a:solidFill>
+                <a:latin typeface="+mn-lt"/>
+                <a:ea typeface="+mn-ea"/>
+                <a:cs typeface="+mn-cs"/>
+              </a:defRPr>
+            </a:lvl8pPr>
+            <a:lvl9pPr marL="3886200" indent="-228600" algn="l" defTabSz="914400" rtl="0" eaLnBrk="1" latinLnBrk="0" hangingPunct="1">
+              <a:lnSpc>
+                <a:spcPct val="90000"/>
+              </a:lnSpc>
+              <a:spcBef>
+                <a:spcPts val="500"/>
+              </a:spcBef>
+              <a:buFont typeface="Arial" panose="020B0604020202020204" pitchFamily="34" charset="0"/>
+              <a:buChar char="•"/>
+              <a:defRPr sz="1800" kern="1200">
+                <a:solidFill>
+                  <a:schemeClr val="tx1"/>
+                </a:solidFill>
+                <a:latin typeface="+mn-lt"/>
+                <a:ea typeface="+mn-ea"/>
+                <a:cs typeface="+mn-cs"/>
+              </a:defRPr>
+            </a:lvl9pPr>
+          </a:lstStyle>
+          <a:p>
+            <a:pPr marL="0" indent="0">
+              <a:buFont typeface="Arial" panose="020B0604020202020204" pitchFamily="34" charset="0"/>
+              <a:buNone/>
+            </a:pPr>
+            <a:r>
+              <a:rPr lang="en-US" dirty="0"/>
+              <a:t>Application with Third-party Source</a:t>
+            </a:r>
+          </a:p>
+        </p:txBody>
+      </p:sp>
+      <p:sp>
+        <p:nvSpPr>
+          <p:cNvPr id="13" name="Content Placeholder 2">
+            <a:extLst>
+              <a:ext uri="{FF2B5EF4-FFF2-40B4-BE49-F238E27FC236}">
+                <a16:creationId xmlns:a16="http://schemas.microsoft.com/office/drawing/2014/main" id="{A285C4B5-ADAC-4F21-B077-BB4EC8362122}"/>
+              </a:ext>
+            </a:extLst>
+          </p:cNvPr>
+          <p:cNvSpPr txBox="1">
+            <a:spLocks/>
+          </p:cNvSpPr>
+          <p:nvPr/>
+        </p:nvSpPr>
+        <p:spPr>
+          <a:xfrm>
+            <a:off x="4508215" y="2470466"/>
+            <a:ext cx="2827435" cy="568683"/>
           </a:xfrm>
           <a:prstGeom prst="rect">
             <a:avLst/>
@@ -9608,209 +12874,6 @@
               <a:buNone/>
             </a:pPr>
             <a:r>
-              <a:rPr lang="en-US" dirty="0"/>
-              <a:t>Game Application</a:t>
-            </a:r>
-          </a:p>
-        </p:txBody>
-      </p:sp>
-      <p:sp>
-        <p:nvSpPr>
-          <p:cNvPr id="13" name="Content Placeholder 2">
-            <a:extLst>
-              <a:ext uri="{FF2B5EF4-FFF2-40B4-BE49-F238E27FC236}">
-                <a16:creationId xmlns:a16="http://schemas.microsoft.com/office/drawing/2014/main" id="{A285C4B5-ADAC-4F21-B077-BB4EC8362122}"/>
-              </a:ext>
-            </a:extLst>
-          </p:cNvPr>
-          <p:cNvSpPr txBox="1">
-            <a:spLocks/>
-          </p:cNvSpPr>
-          <p:nvPr/>
-        </p:nvSpPr>
-        <p:spPr>
-          <a:xfrm>
-            <a:off x="5046695" y="2291824"/>
-            <a:ext cx="2827435" cy="568683"/>
-          </a:xfrm>
-          <a:prstGeom prst="rect">
-            <a:avLst/>
-          </a:prstGeom>
-        </p:spPr>
-        <p:txBody>
-          <a:bodyPr vert="horz" lIns="91440" tIns="45720" rIns="91440" bIns="45720" rtlCol="0">
-            <a:normAutofit/>
-          </a:bodyPr>
-          <a:lstStyle>
-            <a:lvl1pPr marL="228600" indent="-228600" algn="l" defTabSz="914400" rtl="0" eaLnBrk="1" latinLnBrk="0" hangingPunct="1">
-              <a:lnSpc>
-                <a:spcPct val="90000"/>
-              </a:lnSpc>
-              <a:spcBef>
-                <a:spcPts val="1000"/>
-              </a:spcBef>
-              <a:buFont typeface="Arial" panose="020B0604020202020204" pitchFamily="34" charset="0"/>
-              <a:buChar char="•"/>
-              <a:defRPr sz="2800" kern="1200">
-                <a:solidFill>
-                  <a:schemeClr val="tx1"/>
-                </a:solidFill>
-                <a:latin typeface="+mn-lt"/>
-                <a:ea typeface="+mn-ea"/>
-                <a:cs typeface="+mn-cs"/>
-              </a:defRPr>
-            </a:lvl1pPr>
-            <a:lvl2pPr marL="685800" indent="-228600" algn="l" defTabSz="914400" rtl="0" eaLnBrk="1" latinLnBrk="0" hangingPunct="1">
-              <a:lnSpc>
-                <a:spcPct val="90000"/>
-              </a:lnSpc>
-              <a:spcBef>
-                <a:spcPts val="500"/>
-              </a:spcBef>
-              <a:buFont typeface="Arial" panose="020B0604020202020204" pitchFamily="34" charset="0"/>
-              <a:buChar char="•"/>
-              <a:defRPr sz="2400" kern="1200">
-                <a:solidFill>
-                  <a:schemeClr val="tx1"/>
-                </a:solidFill>
-                <a:latin typeface="+mn-lt"/>
-                <a:ea typeface="+mn-ea"/>
-                <a:cs typeface="+mn-cs"/>
-              </a:defRPr>
-            </a:lvl2pPr>
-            <a:lvl3pPr marL="1143000" indent="-228600" algn="l" defTabSz="914400" rtl="0" eaLnBrk="1" latinLnBrk="0" hangingPunct="1">
-              <a:lnSpc>
-                <a:spcPct val="90000"/>
-              </a:lnSpc>
-              <a:spcBef>
-                <a:spcPts val="500"/>
-              </a:spcBef>
-              <a:buFont typeface="Arial" panose="020B0604020202020204" pitchFamily="34" charset="0"/>
-              <a:buChar char="•"/>
-              <a:defRPr sz="2000" kern="1200">
-                <a:solidFill>
-                  <a:schemeClr val="tx1"/>
-                </a:solidFill>
-                <a:latin typeface="+mn-lt"/>
-                <a:ea typeface="+mn-ea"/>
-                <a:cs typeface="+mn-cs"/>
-              </a:defRPr>
-            </a:lvl3pPr>
-            <a:lvl4pPr marL="1600200" indent="-228600" algn="l" defTabSz="914400" rtl="0" eaLnBrk="1" latinLnBrk="0" hangingPunct="1">
-              <a:lnSpc>
-                <a:spcPct val="90000"/>
-              </a:lnSpc>
-              <a:spcBef>
-                <a:spcPts val="500"/>
-              </a:spcBef>
-              <a:buFont typeface="Arial" panose="020B0604020202020204" pitchFamily="34" charset="0"/>
-              <a:buChar char="•"/>
-              <a:defRPr sz="1800" kern="1200">
-                <a:solidFill>
-                  <a:schemeClr val="tx1"/>
-                </a:solidFill>
-                <a:latin typeface="+mn-lt"/>
-                <a:ea typeface="+mn-ea"/>
-                <a:cs typeface="+mn-cs"/>
-              </a:defRPr>
-            </a:lvl4pPr>
-            <a:lvl5pPr marL="2057400" indent="-228600" algn="l" defTabSz="914400" rtl="0" eaLnBrk="1" latinLnBrk="0" hangingPunct="1">
-              <a:lnSpc>
-                <a:spcPct val="90000"/>
-              </a:lnSpc>
-              <a:spcBef>
-                <a:spcPts val="500"/>
-              </a:spcBef>
-              <a:buFont typeface="Arial" panose="020B0604020202020204" pitchFamily="34" charset="0"/>
-              <a:buChar char="•"/>
-              <a:defRPr sz="1800" kern="1200">
-                <a:solidFill>
-                  <a:schemeClr val="tx1"/>
-                </a:solidFill>
-                <a:latin typeface="+mn-lt"/>
-                <a:ea typeface="+mn-ea"/>
-                <a:cs typeface="+mn-cs"/>
-              </a:defRPr>
-            </a:lvl5pPr>
-            <a:lvl6pPr marL="2514600" indent="-228600" algn="l" defTabSz="914400" rtl="0" eaLnBrk="1" latinLnBrk="0" hangingPunct="1">
-              <a:lnSpc>
-                <a:spcPct val="90000"/>
-              </a:lnSpc>
-              <a:spcBef>
-                <a:spcPts val="500"/>
-              </a:spcBef>
-              <a:buFont typeface="Arial" panose="020B0604020202020204" pitchFamily="34" charset="0"/>
-              <a:buChar char="•"/>
-              <a:defRPr sz="1800" kern="1200">
-                <a:solidFill>
-                  <a:schemeClr val="tx1"/>
-                </a:solidFill>
-                <a:latin typeface="+mn-lt"/>
-                <a:ea typeface="+mn-ea"/>
-                <a:cs typeface="+mn-cs"/>
-              </a:defRPr>
-            </a:lvl6pPr>
-            <a:lvl7pPr marL="2971800" indent="-228600" algn="l" defTabSz="914400" rtl="0" eaLnBrk="1" latinLnBrk="0" hangingPunct="1">
-              <a:lnSpc>
-                <a:spcPct val="90000"/>
-              </a:lnSpc>
-              <a:spcBef>
-                <a:spcPts val="500"/>
-              </a:spcBef>
-              <a:buFont typeface="Arial" panose="020B0604020202020204" pitchFamily="34" charset="0"/>
-              <a:buChar char="•"/>
-              <a:defRPr sz="1800" kern="1200">
-                <a:solidFill>
-                  <a:schemeClr val="tx1"/>
-                </a:solidFill>
-                <a:latin typeface="+mn-lt"/>
-                <a:ea typeface="+mn-ea"/>
-                <a:cs typeface="+mn-cs"/>
-              </a:defRPr>
-            </a:lvl7pPr>
-            <a:lvl8pPr marL="3429000" indent="-228600" algn="l" defTabSz="914400" rtl="0" eaLnBrk="1" latinLnBrk="0" hangingPunct="1">
-              <a:lnSpc>
-                <a:spcPct val="90000"/>
-              </a:lnSpc>
-              <a:spcBef>
-                <a:spcPts val="500"/>
-              </a:spcBef>
-              <a:buFont typeface="Arial" panose="020B0604020202020204" pitchFamily="34" charset="0"/>
-              <a:buChar char="•"/>
-              <a:defRPr sz="1800" kern="1200">
-                <a:solidFill>
-                  <a:schemeClr val="tx1"/>
-                </a:solidFill>
-                <a:latin typeface="+mn-lt"/>
-                <a:ea typeface="+mn-ea"/>
-                <a:cs typeface="+mn-cs"/>
-              </a:defRPr>
-            </a:lvl8pPr>
-            <a:lvl9pPr marL="3886200" indent="-228600" algn="l" defTabSz="914400" rtl="0" eaLnBrk="1" latinLnBrk="0" hangingPunct="1">
-              <a:lnSpc>
-                <a:spcPct val="90000"/>
-              </a:lnSpc>
-              <a:spcBef>
-                <a:spcPts val="500"/>
-              </a:spcBef>
-              <a:buFont typeface="Arial" panose="020B0604020202020204" pitchFamily="34" charset="0"/>
-              <a:buChar char="•"/>
-              <a:defRPr sz="1800" kern="1200">
-                <a:solidFill>
-                  <a:schemeClr val="tx1"/>
-                </a:solidFill>
-                <a:latin typeface="+mn-lt"/>
-                <a:ea typeface="+mn-ea"/>
-                <a:cs typeface="+mn-cs"/>
-              </a:defRPr>
-            </a:lvl9pPr>
-          </a:lstStyle>
-          <a:p>
-            <a:pPr marL="0" indent="0">
-              <a:buFont typeface="Arial" panose="020B0604020202020204" pitchFamily="34" charset="0"/>
-              <a:buNone/>
-            </a:pPr>
-            <a:r>
               <a:rPr lang="en-US" sz="1800" dirty="0"/>
               <a:t>GET, POST  site.com/home</a:t>
             </a:r>
@@ -9831,7 +12894,7 @@
         </p:nvSpPr>
         <p:spPr>
           <a:xfrm>
-            <a:off x="8335006" y="1620410"/>
+            <a:off x="7796526" y="1799052"/>
             <a:ext cx="591429" cy="824506"/>
           </a:xfrm>
           <a:prstGeom prst="rect">
@@ -9885,7 +12948,7 @@
         </p:nvSpPr>
         <p:spPr>
           <a:xfrm>
-            <a:off x="3177887" y="3144177"/>
+            <a:off x="2639407" y="3322819"/>
             <a:ext cx="1694577" cy="914400"/>
           </a:xfrm>
           <a:prstGeom prst="rect">
@@ -9939,7 +13002,7 @@
         </p:nvSpPr>
         <p:spPr>
           <a:xfrm>
-            <a:off x="5169276" y="3400246"/>
+            <a:off x="4630796" y="3578888"/>
             <a:ext cx="2827435" cy="568683"/>
           </a:xfrm>
           <a:prstGeom prst="rect">
@@ -10157,7 +13220,7 @@
         </p:nvCxnSpPr>
         <p:spPr>
           <a:xfrm>
-            <a:off x="4858130" y="2535400"/>
+            <a:off x="4319650" y="2714042"/>
             <a:ext cx="750878" cy="390248"/>
           </a:xfrm>
           <a:prstGeom prst="line">
@@ -10197,7 +13260,7 @@
         </p:nvCxnSpPr>
         <p:spPr>
           <a:xfrm flipV="1">
-            <a:off x="4872464" y="2925648"/>
+            <a:off x="4333984" y="3104290"/>
             <a:ext cx="736544" cy="675729"/>
           </a:xfrm>
           <a:prstGeom prst="line">
@@ -10237,7 +13300,7 @@
         </p:nvCxnSpPr>
         <p:spPr>
           <a:xfrm flipH="1">
-            <a:off x="7110763" y="2032663"/>
+            <a:off x="6572283" y="2211305"/>
             <a:ext cx="1224243" cy="892985"/>
           </a:xfrm>
           <a:prstGeom prst="line">
@@ -10273,7 +13336,7 @@
         </p:nvSpPr>
         <p:spPr>
           <a:xfrm>
-            <a:off x="8335006" y="2444916"/>
+            <a:off x="7796526" y="2623558"/>
             <a:ext cx="591429" cy="824507"/>
           </a:xfrm>
           <a:prstGeom prst="rect">
@@ -10335,7 +13398,7 @@
         </p:nvCxnSpPr>
         <p:spPr>
           <a:xfrm flipH="1">
-            <a:off x="7110763" y="2857170"/>
+            <a:off x="6572283" y="3035812"/>
             <a:ext cx="1224243" cy="68478"/>
           </a:xfrm>
           <a:prstGeom prst="line">
@@ -10375,7 +13438,7 @@
         </p:nvCxnSpPr>
         <p:spPr>
           <a:xfrm flipH="1">
-            <a:off x="8926435" y="1829436"/>
+            <a:off x="8387955" y="2008078"/>
             <a:ext cx="617119" cy="1027734"/>
           </a:xfrm>
           <a:prstGeom prst="line">
@@ -10415,7 +13478,7 @@
         </p:nvCxnSpPr>
         <p:spPr>
           <a:xfrm flipH="1">
-            <a:off x="8926435" y="2398488"/>
+            <a:off x="8387955" y="2577130"/>
             <a:ext cx="617118" cy="458682"/>
           </a:xfrm>
           <a:prstGeom prst="line">
@@ -10453,7 +13516,7 @@
         </p:nvSpPr>
         <p:spPr>
           <a:xfrm>
-            <a:off x="8297001" y="943706"/>
+            <a:off x="7758521" y="1122348"/>
             <a:ext cx="2737185" cy="568683"/>
           </a:xfrm>
           <a:prstGeom prst="rect">
@@ -10642,10 +13705,57 @@
       </p:sp>
       <p:sp>
         <p:nvSpPr>
-          <p:cNvPr id="40" name="Content Placeholder 2">
-            <a:extLst>
-              <a:ext uri="{FF2B5EF4-FFF2-40B4-BE49-F238E27FC236}">
-                <a16:creationId xmlns:a16="http://schemas.microsoft.com/office/drawing/2014/main" id="{5EA38B3B-DE41-4DA7-A03C-9458B4948D1D}"/>
+          <p:cNvPr id="31" name="Rectangle 30">
+            <a:extLst>
+              <a:ext uri="{FF2B5EF4-FFF2-40B4-BE49-F238E27FC236}">
+                <a16:creationId xmlns:a16="http://schemas.microsoft.com/office/drawing/2014/main" id="{22D2C435-2712-438D-9E89-FD7369D2A2DF}"/>
+              </a:ext>
+            </a:extLst>
+          </p:cNvPr>
+          <p:cNvSpPr/>
+          <p:nvPr/>
+        </p:nvSpPr>
+        <p:spPr>
+          <a:xfrm>
+            <a:off x="7609421" y="3759082"/>
+            <a:ext cx="3223420" cy="1175000"/>
+          </a:xfrm>
+          <a:prstGeom prst="rect">
+            <a:avLst/>
+          </a:prstGeom>
+          <a:noFill/>
+        </p:spPr>
+        <p:style>
+          <a:lnRef idx="2">
+            <a:schemeClr val="accent1">
+              <a:shade val="50000"/>
+            </a:schemeClr>
+          </a:lnRef>
+          <a:fillRef idx="1">
+            <a:schemeClr val="accent1"/>
+          </a:fillRef>
+          <a:effectRef idx="0">
+            <a:schemeClr val="accent1"/>
+          </a:effectRef>
+          <a:fontRef idx="minor">
+            <a:schemeClr val="lt1"/>
+          </a:fontRef>
+        </p:style>
+        <p:txBody>
+          <a:bodyPr rtlCol="0" anchor="ctr"/>
+          <a:lstStyle/>
+          <a:p>
+            <a:pPr algn="ctr"/>
+            <a:endParaRPr lang="en-US" dirty="0"/>
+          </a:p>
+        </p:txBody>
+      </p:sp>
+      <p:sp>
+        <p:nvSpPr>
+          <p:cNvPr id="32" name="Content Placeholder 2">
+            <a:extLst>
+              <a:ext uri="{FF2B5EF4-FFF2-40B4-BE49-F238E27FC236}">
+                <a16:creationId xmlns:a16="http://schemas.microsoft.com/office/drawing/2014/main" id="{9F6733A6-D90B-46AD-8DE1-748F3C3A6898}"/>
               </a:ext>
             </a:extLst>
           </p:cNvPr>
@@ -10656,8 +13766,8 @@
         </p:nvSpPr>
         <p:spPr>
           <a:xfrm>
-            <a:off x="871863" y="3301916"/>
-            <a:ext cx="1785073" cy="568683"/>
+            <a:off x="7668269" y="3827633"/>
+            <a:ext cx="3537795" cy="1074441"/>
           </a:xfrm>
           <a:prstGeom prst="rect">
             <a:avLst/>
@@ -10665,7 +13775,7 @@
         </p:spPr>
         <p:txBody>
           <a:bodyPr vert="horz" lIns="91440" tIns="45720" rIns="91440" bIns="45720" rtlCol="0">
-            <a:normAutofit/>
+            <a:noAutofit/>
           </a:bodyPr>
           <a:lstStyle>
             <a:lvl1pPr marL="228600" indent="-228600" algn="l" defTabSz="914400" rtl="0" eaLnBrk="1" latinLnBrk="0" hangingPunct="1">
@@ -10837,16 +13947,431 @@
               <a:buNone/>
             </a:pPr>
             <a:r>
-              <a:rPr lang="en-US" dirty="0"/>
-              <a:t>Device</a:t>
-            </a:r>
-          </a:p>
-        </p:txBody>
-      </p:sp>
+              <a:rPr lang="en-US" sz="1800" dirty="0"/>
+              <a:t>IBM Watson/Alchemy</a:t>
+            </a:r>
+          </a:p>
+          <a:p>
+            <a:r>
+              <a:rPr lang="en-US" sz="1800" dirty="0"/>
+              <a:t>Face Recognition</a:t>
+            </a:r>
+          </a:p>
+          <a:p>
+            <a:r>
+              <a:rPr lang="en-US" sz="1800" dirty="0"/>
+              <a:t>Natural Language Processing</a:t>
+            </a:r>
+          </a:p>
+        </p:txBody>
+      </p:sp>
+      <p:cxnSp>
+        <p:nvCxnSpPr>
+          <p:cNvPr id="34" name="Straight Connector 33">
+            <a:extLst>
+              <a:ext uri="{FF2B5EF4-FFF2-40B4-BE49-F238E27FC236}">
+                <a16:creationId xmlns:a16="http://schemas.microsoft.com/office/drawing/2014/main" id="{615456A7-9F13-4715-A746-34F90EDFD939}"/>
+              </a:ext>
+            </a:extLst>
+          </p:cNvPr>
+          <p:cNvCxnSpPr>
+            <a:cxnSpLocks/>
+            <a:stCxn id="8" idx="6"/>
+            <a:endCxn id="31" idx="1"/>
+          </p:cNvCxnSpPr>
+          <p:nvPr/>
+        </p:nvCxnSpPr>
+        <p:spPr>
+          <a:xfrm>
+            <a:off x="6572283" y="3104290"/>
+            <a:ext cx="1037138" cy="1242292"/>
+          </a:xfrm>
+          <a:prstGeom prst="line">
+            <a:avLst/>
+          </a:prstGeom>
+        </p:spPr>
+        <p:style>
+          <a:lnRef idx="1">
+            <a:schemeClr val="accent1"/>
+          </a:lnRef>
+          <a:fillRef idx="0">
+            <a:schemeClr val="accent1"/>
+          </a:fillRef>
+          <a:effectRef idx="0">
+            <a:schemeClr val="accent1"/>
+          </a:effectRef>
+          <a:fontRef idx="minor">
+            <a:schemeClr val="tx1"/>
+          </a:fontRef>
+        </p:style>
+      </p:cxnSp>
+      <p:sp>
+        <p:nvSpPr>
+          <p:cNvPr id="74" name="Rectangle 73">
+            <a:extLst>
+              <a:ext uri="{FF2B5EF4-FFF2-40B4-BE49-F238E27FC236}">
+                <a16:creationId xmlns:a16="http://schemas.microsoft.com/office/drawing/2014/main" id="{7F76A805-2796-490B-B5B6-11973474A1DA}"/>
+              </a:ext>
+            </a:extLst>
+          </p:cNvPr>
+          <p:cNvSpPr/>
+          <p:nvPr/>
+        </p:nvSpPr>
+        <p:spPr>
+          <a:xfrm>
+            <a:off x="7759029" y="5098876"/>
+            <a:ext cx="1930913" cy="369332"/>
+          </a:xfrm>
+          <a:prstGeom prst="rect">
+            <a:avLst/>
+          </a:prstGeom>
+        </p:spPr>
+        <p:txBody>
+          <a:bodyPr wrap="none">
+            <a:spAutoFit/>
+          </a:bodyPr>
+          <a:lstStyle/>
+          <a:p>
+            <a:r>
+              <a:rPr lang="en-US" dirty="0"/>
+              <a:t>Chuck Norris Jokes</a:t>
+            </a:r>
+          </a:p>
+        </p:txBody>
+      </p:sp>
+      <p:sp>
+        <p:nvSpPr>
+          <p:cNvPr id="75" name="Rectangle 74">
+            <a:extLst>
+              <a:ext uri="{FF2B5EF4-FFF2-40B4-BE49-F238E27FC236}">
+                <a16:creationId xmlns:a16="http://schemas.microsoft.com/office/drawing/2014/main" id="{45D54779-8333-4310-9A05-33AD49316788}"/>
+              </a:ext>
+            </a:extLst>
+          </p:cNvPr>
+          <p:cNvSpPr/>
+          <p:nvPr/>
+        </p:nvSpPr>
+        <p:spPr>
+          <a:xfrm>
+            <a:off x="7609421" y="5560633"/>
+            <a:ext cx="2154339" cy="485223"/>
+          </a:xfrm>
+          <a:prstGeom prst="rect">
+            <a:avLst/>
+          </a:prstGeom>
+          <a:noFill/>
+        </p:spPr>
+        <p:style>
+          <a:lnRef idx="2">
+            <a:schemeClr val="accent1">
+              <a:shade val="50000"/>
+            </a:schemeClr>
+          </a:lnRef>
+          <a:fillRef idx="1">
+            <a:schemeClr val="accent1"/>
+          </a:fillRef>
+          <a:effectRef idx="0">
+            <a:schemeClr val="accent1"/>
+          </a:effectRef>
+          <a:fontRef idx="minor">
+            <a:schemeClr val="lt1"/>
+          </a:fontRef>
+        </p:style>
+        <p:txBody>
+          <a:bodyPr rtlCol="0" anchor="ctr"/>
+          <a:lstStyle/>
+          <a:p>
+            <a:pPr algn="ctr"/>
+            <a:endParaRPr lang="en-US" dirty="0"/>
+          </a:p>
+        </p:txBody>
+      </p:sp>
+      <p:sp>
+        <p:nvSpPr>
+          <p:cNvPr id="76" name="Rectangle 75">
+            <a:extLst>
+              <a:ext uri="{FF2B5EF4-FFF2-40B4-BE49-F238E27FC236}">
+                <a16:creationId xmlns:a16="http://schemas.microsoft.com/office/drawing/2014/main" id="{A67F99C8-DC35-44D9-B483-0FC75F2B8ACE}"/>
+              </a:ext>
+            </a:extLst>
+          </p:cNvPr>
+          <p:cNvSpPr/>
+          <p:nvPr/>
+        </p:nvSpPr>
+        <p:spPr>
+          <a:xfrm>
+            <a:off x="7759029" y="5616136"/>
+            <a:ext cx="1831720" cy="369332"/>
+          </a:xfrm>
+          <a:prstGeom prst="rect">
+            <a:avLst/>
+          </a:prstGeom>
+        </p:spPr>
+        <p:txBody>
+          <a:bodyPr wrap="none">
+            <a:spAutoFit/>
+          </a:bodyPr>
+          <a:lstStyle/>
+          <a:p>
+            <a:r>
+              <a:rPr lang="en-US" dirty="0"/>
+              <a:t>Facebook/Twitter</a:t>
+            </a:r>
+          </a:p>
+        </p:txBody>
+      </p:sp>
+      <p:sp>
+        <p:nvSpPr>
+          <p:cNvPr id="77" name="Rectangle 76">
+            <a:extLst>
+              <a:ext uri="{FF2B5EF4-FFF2-40B4-BE49-F238E27FC236}">
+                <a16:creationId xmlns:a16="http://schemas.microsoft.com/office/drawing/2014/main" id="{7A1F0EAE-53CD-449C-A9FC-791C0BCDEF75}"/>
+              </a:ext>
+            </a:extLst>
+          </p:cNvPr>
+          <p:cNvSpPr/>
+          <p:nvPr/>
+        </p:nvSpPr>
+        <p:spPr>
+          <a:xfrm>
+            <a:off x="7609421" y="5078916"/>
+            <a:ext cx="2154339" cy="357284"/>
+          </a:xfrm>
+          <a:prstGeom prst="rect">
+            <a:avLst/>
+          </a:prstGeom>
+          <a:noFill/>
+        </p:spPr>
+        <p:style>
+          <a:lnRef idx="2">
+            <a:schemeClr val="accent1">
+              <a:shade val="50000"/>
+            </a:schemeClr>
+          </a:lnRef>
+          <a:fillRef idx="1">
+            <a:schemeClr val="accent1"/>
+          </a:fillRef>
+          <a:effectRef idx="0">
+            <a:schemeClr val="accent1"/>
+          </a:effectRef>
+          <a:fontRef idx="minor">
+            <a:schemeClr val="lt1"/>
+          </a:fontRef>
+        </p:style>
+        <p:txBody>
+          <a:bodyPr rtlCol="0" anchor="ctr"/>
+          <a:lstStyle/>
+          <a:p>
+            <a:pPr algn="ctr"/>
+            <a:endParaRPr lang="en-US" dirty="0"/>
+          </a:p>
+        </p:txBody>
+      </p:sp>
+      <p:sp>
+        <p:nvSpPr>
+          <p:cNvPr id="78" name="Rectangle 77">
+            <a:extLst>
+              <a:ext uri="{FF2B5EF4-FFF2-40B4-BE49-F238E27FC236}">
+                <a16:creationId xmlns:a16="http://schemas.microsoft.com/office/drawing/2014/main" id="{CAB4A41A-8577-4172-A211-D5E58247BB00}"/>
+              </a:ext>
+            </a:extLst>
+          </p:cNvPr>
+          <p:cNvSpPr/>
+          <p:nvPr/>
+        </p:nvSpPr>
+        <p:spPr>
+          <a:xfrm>
+            <a:off x="7776587" y="6138281"/>
+            <a:ext cx="2181175" cy="369332"/>
+          </a:xfrm>
+          <a:prstGeom prst="rect">
+            <a:avLst/>
+          </a:prstGeom>
+        </p:spPr>
+        <p:txBody>
+          <a:bodyPr wrap="none">
+            <a:spAutoFit/>
+          </a:bodyPr>
+          <a:lstStyle/>
+          <a:p>
+            <a:r>
+              <a:rPr lang="en-US" dirty="0"/>
+              <a:t>Geolocation (Google)</a:t>
+            </a:r>
+          </a:p>
+        </p:txBody>
+      </p:sp>
+      <p:sp>
+        <p:nvSpPr>
+          <p:cNvPr id="79" name="Rectangle 78">
+            <a:extLst>
+              <a:ext uri="{FF2B5EF4-FFF2-40B4-BE49-F238E27FC236}">
+                <a16:creationId xmlns:a16="http://schemas.microsoft.com/office/drawing/2014/main" id="{2C8EF210-6692-400F-B894-8394D13C84C4}"/>
+              </a:ext>
+            </a:extLst>
+          </p:cNvPr>
+          <p:cNvSpPr/>
+          <p:nvPr/>
+        </p:nvSpPr>
+        <p:spPr>
+          <a:xfrm>
+            <a:off x="7627487" y="6138281"/>
+            <a:ext cx="2330275" cy="403497"/>
+          </a:xfrm>
+          <a:prstGeom prst="rect">
+            <a:avLst/>
+          </a:prstGeom>
+          <a:noFill/>
+        </p:spPr>
+        <p:style>
+          <a:lnRef idx="2">
+            <a:schemeClr val="accent1">
+              <a:shade val="50000"/>
+            </a:schemeClr>
+          </a:lnRef>
+          <a:fillRef idx="1">
+            <a:schemeClr val="accent1"/>
+          </a:fillRef>
+          <a:effectRef idx="0">
+            <a:schemeClr val="accent1"/>
+          </a:effectRef>
+          <a:fontRef idx="minor">
+            <a:schemeClr val="lt1"/>
+          </a:fontRef>
+        </p:style>
+        <p:txBody>
+          <a:bodyPr rtlCol="0" anchor="ctr"/>
+          <a:lstStyle/>
+          <a:p>
+            <a:pPr algn="ctr"/>
+            <a:endParaRPr lang="en-US" dirty="0"/>
+          </a:p>
+        </p:txBody>
+      </p:sp>
+      <p:cxnSp>
+        <p:nvCxnSpPr>
+          <p:cNvPr id="84" name="Straight Connector 83">
+            <a:extLst>
+              <a:ext uri="{FF2B5EF4-FFF2-40B4-BE49-F238E27FC236}">
+                <a16:creationId xmlns:a16="http://schemas.microsoft.com/office/drawing/2014/main" id="{9DB988D1-B25D-4BC5-A7FE-B22FA5366E83}"/>
+              </a:ext>
+            </a:extLst>
+          </p:cNvPr>
+          <p:cNvCxnSpPr>
+            <a:cxnSpLocks/>
+            <a:stCxn id="8" idx="6"/>
+            <a:endCxn id="77" idx="1"/>
+          </p:cNvCxnSpPr>
+          <p:nvPr/>
+        </p:nvCxnSpPr>
+        <p:spPr>
+          <a:xfrm>
+            <a:off x="6572283" y="3104290"/>
+            <a:ext cx="1037138" cy="2153268"/>
+          </a:xfrm>
+          <a:prstGeom prst="line">
+            <a:avLst/>
+          </a:prstGeom>
+        </p:spPr>
+        <p:style>
+          <a:lnRef idx="1">
+            <a:schemeClr val="accent1"/>
+          </a:lnRef>
+          <a:fillRef idx="0">
+            <a:schemeClr val="accent1"/>
+          </a:fillRef>
+          <a:effectRef idx="0">
+            <a:schemeClr val="accent1"/>
+          </a:effectRef>
+          <a:fontRef idx="minor">
+            <a:schemeClr val="tx1"/>
+          </a:fontRef>
+        </p:style>
+      </p:cxnSp>
+      <p:cxnSp>
+        <p:nvCxnSpPr>
+          <p:cNvPr id="87" name="Straight Connector 86">
+            <a:extLst>
+              <a:ext uri="{FF2B5EF4-FFF2-40B4-BE49-F238E27FC236}">
+                <a16:creationId xmlns:a16="http://schemas.microsoft.com/office/drawing/2014/main" id="{A7F99DAC-71AB-438B-8C96-434757319F08}"/>
+              </a:ext>
+            </a:extLst>
+          </p:cNvPr>
+          <p:cNvCxnSpPr>
+            <a:cxnSpLocks/>
+            <a:stCxn id="8" idx="6"/>
+            <a:endCxn id="75" idx="1"/>
+          </p:cNvCxnSpPr>
+          <p:nvPr/>
+        </p:nvCxnSpPr>
+        <p:spPr>
+          <a:xfrm>
+            <a:off x="6572283" y="3104290"/>
+            <a:ext cx="1037138" cy="2698955"/>
+          </a:xfrm>
+          <a:prstGeom prst="line">
+            <a:avLst/>
+          </a:prstGeom>
+        </p:spPr>
+        <p:style>
+          <a:lnRef idx="1">
+            <a:schemeClr val="accent1"/>
+          </a:lnRef>
+          <a:fillRef idx="0">
+            <a:schemeClr val="accent1"/>
+          </a:fillRef>
+          <a:effectRef idx="0">
+            <a:schemeClr val="accent1"/>
+          </a:effectRef>
+          <a:fontRef idx="minor">
+            <a:schemeClr val="tx1"/>
+          </a:fontRef>
+        </p:style>
+      </p:cxnSp>
+      <p:cxnSp>
+        <p:nvCxnSpPr>
+          <p:cNvPr id="90" name="Straight Connector 89">
+            <a:extLst>
+              <a:ext uri="{FF2B5EF4-FFF2-40B4-BE49-F238E27FC236}">
+                <a16:creationId xmlns:a16="http://schemas.microsoft.com/office/drawing/2014/main" id="{E76ABBB7-D1DD-4070-A895-192F174EBCCE}"/>
+              </a:ext>
+            </a:extLst>
+          </p:cNvPr>
+          <p:cNvCxnSpPr>
+            <a:cxnSpLocks/>
+            <a:stCxn id="8" idx="6"/>
+            <a:endCxn id="79" idx="1"/>
+          </p:cNvCxnSpPr>
+          <p:nvPr/>
+        </p:nvCxnSpPr>
+        <p:spPr>
+          <a:xfrm>
+            <a:off x="6572283" y="3104290"/>
+            <a:ext cx="1055204" cy="3235740"/>
+          </a:xfrm>
+          <a:prstGeom prst="line">
+            <a:avLst/>
+          </a:prstGeom>
+        </p:spPr>
+        <p:style>
+          <a:lnRef idx="1">
+            <a:schemeClr val="accent1"/>
+          </a:lnRef>
+          <a:fillRef idx="0">
+            <a:schemeClr val="accent1"/>
+          </a:fillRef>
+          <a:effectRef idx="0">
+            <a:schemeClr val="accent1"/>
+          </a:effectRef>
+          <a:fontRef idx="minor">
+            <a:schemeClr val="tx1"/>
+          </a:fontRef>
+        </p:style>
+      </p:cxnSp>
     </p:spTree>
     <p:extLst>
       <p:ext uri="{BB962C8B-B14F-4D97-AF65-F5344CB8AC3E}">
-        <p14:creationId xmlns:p14="http://schemas.microsoft.com/office/powerpoint/2010/main" val="3864510876"/>
+        <p14:creationId xmlns:p14="http://schemas.microsoft.com/office/powerpoint/2010/main" val="3601745222"/>
       </p:ext>
     </p:extLst>
   </p:cSld>
@@ -10903,16 +14428,8 @@
           <a:p>
             <a:r>
               <a:rPr lang="en-US" dirty="0"/>
-              <a:t>Django Web Application</a:t>
-            </a:r>
-            <a:br>
-              <a:rPr lang="en-US" dirty="0"/>
-            </a:br>
-            <a:r>
-              <a:rPr lang="en-US" sz="3200" dirty="0"/>
-              <a:t>Today, Day2, Day 3</a:t>
-            </a:r>
-            <a:endParaRPr lang="en-US" dirty="0"/>
+              <a:t>Framework 4</a:t>
+            </a:r>
           </a:p>
         </p:txBody>
       </p:sp>
@@ -10930,7 +14447,7 @@
         </p:nvSpPr>
         <p:spPr>
           <a:xfrm>
-            <a:off x="3163553" y="2078200"/>
+            <a:off x="2625073" y="2256842"/>
             <a:ext cx="1694577" cy="914400"/>
           </a:xfrm>
           <a:prstGeom prst="rect">
@@ -10979,7 +14496,7 @@
         </p:nvSpPr>
         <p:spPr>
           <a:xfrm>
-            <a:off x="9543554" y="1620410"/>
+            <a:off x="9005074" y="1799052"/>
             <a:ext cx="1284046" cy="418052"/>
           </a:xfrm>
           <a:prstGeom prst="rect">
@@ -11028,7 +14545,7 @@
         </p:nvSpPr>
         <p:spPr>
           <a:xfrm>
-            <a:off x="9543553" y="2189462"/>
+            <a:off x="9005073" y="2368104"/>
             <a:ext cx="1284046" cy="418052"/>
           </a:xfrm>
           <a:prstGeom prst="rect">
@@ -11077,7 +14594,7 @@
         </p:nvSpPr>
         <p:spPr>
           <a:xfrm>
-            <a:off x="9543553" y="2749003"/>
+            <a:off x="9005073" y="2927645"/>
             <a:ext cx="1284046" cy="378171"/>
           </a:xfrm>
           <a:prstGeom prst="rect">
@@ -11126,7 +14643,7 @@
         </p:nvSpPr>
         <p:spPr>
           <a:xfrm>
-            <a:off x="5609008" y="2633090"/>
+            <a:off x="5070528" y="2811732"/>
             <a:ext cx="1501755" cy="585116"/>
           </a:xfrm>
           <a:prstGeom prst="ellipse">
@@ -11175,7 +14692,7 @@
         </p:nvSpPr>
         <p:spPr>
           <a:xfrm>
-            <a:off x="8139984" y="843272"/>
+            <a:off x="7601504" y="1021914"/>
             <a:ext cx="2894202" cy="2595360"/>
           </a:xfrm>
           <a:prstGeom prst="rect">
@@ -11224,8 +14741,211 @@
         </p:nvSpPr>
         <p:spPr>
           <a:xfrm>
-            <a:off x="295391" y="2319861"/>
-            <a:ext cx="3102529" cy="568683"/>
+            <a:off x="2155072" y="1560247"/>
+            <a:ext cx="5180578" cy="568683"/>
+          </a:xfrm>
+          <a:prstGeom prst="rect">
+            <a:avLst/>
+          </a:prstGeom>
+        </p:spPr>
+        <p:txBody>
+          <a:bodyPr vert="horz" lIns="91440" tIns="45720" rIns="91440" bIns="45720" rtlCol="0">
+            <a:normAutofit fontScale="92500"/>
+          </a:bodyPr>
+          <a:lstStyle>
+            <a:lvl1pPr marL="228600" indent="-228600" algn="l" defTabSz="914400" rtl="0" eaLnBrk="1" latinLnBrk="0" hangingPunct="1">
+              <a:lnSpc>
+                <a:spcPct val="90000"/>
+              </a:lnSpc>
+              <a:spcBef>
+                <a:spcPts val="1000"/>
+              </a:spcBef>
+              <a:buFont typeface="Arial" panose="020B0604020202020204" pitchFamily="34" charset="0"/>
+              <a:buChar char="•"/>
+              <a:defRPr sz="2800" kern="1200">
+                <a:solidFill>
+                  <a:schemeClr val="tx1"/>
+                </a:solidFill>
+                <a:latin typeface="+mn-lt"/>
+                <a:ea typeface="+mn-ea"/>
+                <a:cs typeface="+mn-cs"/>
+              </a:defRPr>
+            </a:lvl1pPr>
+            <a:lvl2pPr marL="685800" indent="-228600" algn="l" defTabSz="914400" rtl="0" eaLnBrk="1" latinLnBrk="0" hangingPunct="1">
+              <a:lnSpc>
+                <a:spcPct val="90000"/>
+              </a:lnSpc>
+              <a:spcBef>
+                <a:spcPts val="500"/>
+              </a:spcBef>
+              <a:buFont typeface="Arial" panose="020B0604020202020204" pitchFamily="34" charset="0"/>
+              <a:buChar char="•"/>
+              <a:defRPr sz="2400" kern="1200">
+                <a:solidFill>
+                  <a:schemeClr val="tx1"/>
+                </a:solidFill>
+                <a:latin typeface="+mn-lt"/>
+                <a:ea typeface="+mn-ea"/>
+                <a:cs typeface="+mn-cs"/>
+              </a:defRPr>
+            </a:lvl2pPr>
+            <a:lvl3pPr marL="1143000" indent="-228600" algn="l" defTabSz="914400" rtl="0" eaLnBrk="1" latinLnBrk="0" hangingPunct="1">
+              <a:lnSpc>
+                <a:spcPct val="90000"/>
+              </a:lnSpc>
+              <a:spcBef>
+                <a:spcPts val="500"/>
+              </a:spcBef>
+              <a:buFont typeface="Arial" panose="020B0604020202020204" pitchFamily="34" charset="0"/>
+              <a:buChar char="•"/>
+              <a:defRPr sz="2000" kern="1200">
+                <a:solidFill>
+                  <a:schemeClr val="tx1"/>
+                </a:solidFill>
+                <a:latin typeface="+mn-lt"/>
+                <a:ea typeface="+mn-ea"/>
+                <a:cs typeface="+mn-cs"/>
+              </a:defRPr>
+            </a:lvl3pPr>
+            <a:lvl4pPr marL="1600200" indent="-228600" algn="l" defTabSz="914400" rtl="0" eaLnBrk="1" latinLnBrk="0" hangingPunct="1">
+              <a:lnSpc>
+                <a:spcPct val="90000"/>
+              </a:lnSpc>
+              <a:spcBef>
+                <a:spcPts val="500"/>
+              </a:spcBef>
+              <a:buFont typeface="Arial" panose="020B0604020202020204" pitchFamily="34" charset="0"/>
+              <a:buChar char="•"/>
+              <a:defRPr sz="1800" kern="1200">
+                <a:solidFill>
+                  <a:schemeClr val="tx1"/>
+                </a:solidFill>
+                <a:latin typeface="+mn-lt"/>
+                <a:ea typeface="+mn-ea"/>
+                <a:cs typeface="+mn-cs"/>
+              </a:defRPr>
+            </a:lvl4pPr>
+            <a:lvl5pPr marL="2057400" indent="-228600" algn="l" defTabSz="914400" rtl="0" eaLnBrk="1" latinLnBrk="0" hangingPunct="1">
+              <a:lnSpc>
+                <a:spcPct val="90000"/>
+              </a:lnSpc>
+              <a:spcBef>
+                <a:spcPts val="500"/>
+              </a:spcBef>
+              <a:buFont typeface="Arial" panose="020B0604020202020204" pitchFamily="34" charset="0"/>
+              <a:buChar char="•"/>
+              <a:defRPr sz="1800" kern="1200">
+                <a:solidFill>
+                  <a:schemeClr val="tx1"/>
+                </a:solidFill>
+                <a:latin typeface="+mn-lt"/>
+                <a:ea typeface="+mn-ea"/>
+                <a:cs typeface="+mn-cs"/>
+              </a:defRPr>
+            </a:lvl5pPr>
+            <a:lvl6pPr marL="2514600" indent="-228600" algn="l" defTabSz="914400" rtl="0" eaLnBrk="1" latinLnBrk="0" hangingPunct="1">
+              <a:lnSpc>
+                <a:spcPct val="90000"/>
+              </a:lnSpc>
+              <a:spcBef>
+                <a:spcPts val="500"/>
+              </a:spcBef>
+              <a:buFont typeface="Arial" panose="020B0604020202020204" pitchFamily="34" charset="0"/>
+              <a:buChar char="•"/>
+              <a:defRPr sz="1800" kern="1200">
+                <a:solidFill>
+                  <a:schemeClr val="tx1"/>
+                </a:solidFill>
+                <a:latin typeface="+mn-lt"/>
+                <a:ea typeface="+mn-ea"/>
+                <a:cs typeface="+mn-cs"/>
+              </a:defRPr>
+            </a:lvl6pPr>
+            <a:lvl7pPr marL="2971800" indent="-228600" algn="l" defTabSz="914400" rtl="0" eaLnBrk="1" latinLnBrk="0" hangingPunct="1">
+              <a:lnSpc>
+                <a:spcPct val="90000"/>
+              </a:lnSpc>
+              <a:spcBef>
+                <a:spcPts val="500"/>
+              </a:spcBef>
+              <a:buFont typeface="Arial" panose="020B0604020202020204" pitchFamily="34" charset="0"/>
+              <a:buChar char="•"/>
+              <a:defRPr sz="1800" kern="1200">
+                <a:solidFill>
+                  <a:schemeClr val="tx1"/>
+                </a:solidFill>
+                <a:latin typeface="+mn-lt"/>
+                <a:ea typeface="+mn-ea"/>
+                <a:cs typeface="+mn-cs"/>
+              </a:defRPr>
+            </a:lvl7pPr>
+            <a:lvl8pPr marL="3429000" indent="-228600" algn="l" defTabSz="914400" rtl="0" eaLnBrk="1" latinLnBrk="0" hangingPunct="1">
+              <a:lnSpc>
+                <a:spcPct val="90000"/>
+              </a:lnSpc>
+              <a:spcBef>
+                <a:spcPts val="500"/>
+              </a:spcBef>
+              <a:buFont typeface="Arial" panose="020B0604020202020204" pitchFamily="34" charset="0"/>
+              <a:buChar char="•"/>
+              <a:defRPr sz="1800" kern="1200">
+                <a:solidFill>
+                  <a:schemeClr val="tx1"/>
+                </a:solidFill>
+                <a:latin typeface="+mn-lt"/>
+                <a:ea typeface="+mn-ea"/>
+                <a:cs typeface="+mn-cs"/>
+              </a:defRPr>
+            </a:lvl8pPr>
+            <a:lvl9pPr marL="3886200" indent="-228600" algn="l" defTabSz="914400" rtl="0" eaLnBrk="1" latinLnBrk="0" hangingPunct="1">
+              <a:lnSpc>
+                <a:spcPct val="90000"/>
+              </a:lnSpc>
+              <a:spcBef>
+                <a:spcPts val="500"/>
+              </a:spcBef>
+              <a:buFont typeface="Arial" panose="020B0604020202020204" pitchFamily="34" charset="0"/>
+              <a:buChar char="•"/>
+              <a:defRPr sz="1800" kern="1200">
+                <a:solidFill>
+                  <a:schemeClr val="tx1"/>
+                </a:solidFill>
+                <a:latin typeface="+mn-lt"/>
+                <a:ea typeface="+mn-ea"/>
+                <a:cs typeface="+mn-cs"/>
+              </a:defRPr>
+            </a:lvl9pPr>
+          </a:lstStyle>
+          <a:p>
+            <a:pPr marL="0" indent="0">
+              <a:buFont typeface="Arial" panose="020B0604020202020204" pitchFamily="34" charset="0"/>
+              <a:buNone/>
+            </a:pPr>
+            <a:r>
+              <a:rPr lang="en-US" dirty="0"/>
+              <a:t>Application with Third-party Source</a:t>
+            </a:r>
+          </a:p>
+        </p:txBody>
+      </p:sp>
+      <p:sp>
+        <p:nvSpPr>
+          <p:cNvPr id="13" name="Content Placeholder 2">
+            <a:extLst>
+              <a:ext uri="{FF2B5EF4-FFF2-40B4-BE49-F238E27FC236}">
+                <a16:creationId xmlns:a16="http://schemas.microsoft.com/office/drawing/2014/main" id="{A285C4B5-ADAC-4F21-B077-BB4EC8362122}"/>
+              </a:ext>
+            </a:extLst>
+          </p:cNvPr>
+          <p:cNvSpPr txBox="1">
+            <a:spLocks/>
+          </p:cNvSpPr>
+          <p:nvPr/>
+        </p:nvSpPr>
+        <p:spPr>
+          <a:xfrm>
+            <a:off x="4508215" y="2470466"/>
+            <a:ext cx="2827435" cy="568683"/>
           </a:xfrm>
           <a:prstGeom prst="rect">
             <a:avLst/>
@@ -11405,209 +15125,6 @@
               <a:buNone/>
             </a:pPr>
             <a:r>
-              <a:rPr lang="en-US" dirty="0"/>
-              <a:t>Game Application</a:t>
-            </a:r>
-          </a:p>
-        </p:txBody>
-      </p:sp>
-      <p:sp>
-        <p:nvSpPr>
-          <p:cNvPr id="13" name="Content Placeholder 2">
-            <a:extLst>
-              <a:ext uri="{FF2B5EF4-FFF2-40B4-BE49-F238E27FC236}">
-                <a16:creationId xmlns:a16="http://schemas.microsoft.com/office/drawing/2014/main" id="{A285C4B5-ADAC-4F21-B077-BB4EC8362122}"/>
-              </a:ext>
-            </a:extLst>
-          </p:cNvPr>
-          <p:cNvSpPr txBox="1">
-            <a:spLocks/>
-          </p:cNvSpPr>
-          <p:nvPr/>
-        </p:nvSpPr>
-        <p:spPr>
-          <a:xfrm>
-            <a:off x="5046695" y="2291824"/>
-            <a:ext cx="2827435" cy="568683"/>
-          </a:xfrm>
-          <a:prstGeom prst="rect">
-            <a:avLst/>
-          </a:prstGeom>
-        </p:spPr>
-        <p:txBody>
-          <a:bodyPr vert="horz" lIns="91440" tIns="45720" rIns="91440" bIns="45720" rtlCol="0">
-            <a:normAutofit/>
-          </a:bodyPr>
-          <a:lstStyle>
-            <a:lvl1pPr marL="228600" indent="-228600" algn="l" defTabSz="914400" rtl="0" eaLnBrk="1" latinLnBrk="0" hangingPunct="1">
-              <a:lnSpc>
-                <a:spcPct val="90000"/>
-              </a:lnSpc>
-              <a:spcBef>
-                <a:spcPts val="1000"/>
-              </a:spcBef>
-              <a:buFont typeface="Arial" panose="020B0604020202020204" pitchFamily="34" charset="0"/>
-              <a:buChar char="•"/>
-              <a:defRPr sz="2800" kern="1200">
-                <a:solidFill>
-                  <a:schemeClr val="tx1"/>
-                </a:solidFill>
-                <a:latin typeface="+mn-lt"/>
-                <a:ea typeface="+mn-ea"/>
-                <a:cs typeface="+mn-cs"/>
-              </a:defRPr>
-            </a:lvl1pPr>
-            <a:lvl2pPr marL="685800" indent="-228600" algn="l" defTabSz="914400" rtl="0" eaLnBrk="1" latinLnBrk="0" hangingPunct="1">
-              <a:lnSpc>
-                <a:spcPct val="90000"/>
-              </a:lnSpc>
-              <a:spcBef>
-                <a:spcPts val="500"/>
-              </a:spcBef>
-              <a:buFont typeface="Arial" panose="020B0604020202020204" pitchFamily="34" charset="0"/>
-              <a:buChar char="•"/>
-              <a:defRPr sz="2400" kern="1200">
-                <a:solidFill>
-                  <a:schemeClr val="tx1"/>
-                </a:solidFill>
-                <a:latin typeface="+mn-lt"/>
-                <a:ea typeface="+mn-ea"/>
-                <a:cs typeface="+mn-cs"/>
-              </a:defRPr>
-            </a:lvl2pPr>
-            <a:lvl3pPr marL="1143000" indent="-228600" algn="l" defTabSz="914400" rtl="0" eaLnBrk="1" latinLnBrk="0" hangingPunct="1">
-              <a:lnSpc>
-                <a:spcPct val="90000"/>
-              </a:lnSpc>
-              <a:spcBef>
-                <a:spcPts val="500"/>
-              </a:spcBef>
-              <a:buFont typeface="Arial" panose="020B0604020202020204" pitchFamily="34" charset="0"/>
-              <a:buChar char="•"/>
-              <a:defRPr sz="2000" kern="1200">
-                <a:solidFill>
-                  <a:schemeClr val="tx1"/>
-                </a:solidFill>
-                <a:latin typeface="+mn-lt"/>
-                <a:ea typeface="+mn-ea"/>
-                <a:cs typeface="+mn-cs"/>
-              </a:defRPr>
-            </a:lvl3pPr>
-            <a:lvl4pPr marL="1600200" indent="-228600" algn="l" defTabSz="914400" rtl="0" eaLnBrk="1" latinLnBrk="0" hangingPunct="1">
-              <a:lnSpc>
-                <a:spcPct val="90000"/>
-              </a:lnSpc>
-              <a:spcBef>
-                <a:spcPts val="500"/>
-              </a:spcBef>
-              <a:buFont typeface="Arial" panose="020B0604020202020204" pitchFamily="34" charset="0"/>
-              <a:buChar char="•"/>
-              <a:defRPr sz="1800" kern="1200">
-                <a:solidFill>
-                  <a:schemeClr val="tx1"/>
-                </a:solidFill>
-                <a:latin typeface="+mn-lt"/>
-                <a:ea typeface="+mn-ea"/>
-                <a:cs typeface="+mn-cs"/>
-              </a:defRPr>
-            </a:lvl4pPr>
-            <a:lvl5pPr marL="2057400" indent="-228600" algn="l" defTabSz="914400" rtl="0" eaLnBrk="1" latinLnBrk="0" hangingPunct="1">
-              <a:lnSpc>
-                <a:spcPct val="90000"/>
-              </a:lnSpc>
-              <a:spcBef>
-                <a:spcPts val="500"/>
-              </a:spcBef>
-              <a:buFont typeface="Arial" panose="020B0604020202020204" pitchFamily="34" charset="0"/>
-              <a:buChar char="•"/>
-              <a:defRPr sz="1800" kern="1200">
-                <a:solidFill>
-                  <a:schemeClr val="tx1"/>
-                </a:solidFill>
-                <a:latin typeface="+mn-lt"/>
-                <a:ea typeface="+mn-ea"/>
-                <a:cs typeface="+mn-cs"/>
-              </a:defRPr>
-            </a:lvl5pPr>
-            <a:lvl6pPr marL="2514600" indent="-228600" algn="l" defTabSz="914400" rtl="0" eaLnBrk="1" latinLnBrk="0" hangingPunct="1">
-              <a:lnSpc>
-                <a:spcPct val="90000"/>
-              </a:lnSpc>
-              <a:spcBef>
-                <a:spcPts val="500"/>
-              </a:spcBef>
-              <a:buFont typeface="Arial" panose="020B0604020202020204" pitchFamily="34" charset="0"/>
-              <a:buChar char="•"/>
-              <a:defRPr sz="1800" kern="1200">
-                <a:solidFill>
-                  <a:schemeClr val="tx1"/>
-                </a:solidFill>
-                <a:latin typeface="+mn-lt"/>
-                <a:ea typeface="+mn-ea"/>
-                <a:cs typeface="+mn-cs"/>
-              </a:defRPr>
-            </a:lvl6pPr>
-            <a:lvl7pPr marL="2971800" indent="-228600" algn="l" defTabSz="914400" rtl="0" eaLnBrk="1" latinLnBrk="0" hangingPunct="1">
-              <a:lnSpc>
-                <a:spcPct val="90000"/>
-              </a:lnSpc>
-              <a:spcBef>
-                <a:spcPts val="500"/>
-              </a:spcBef>
-              <a:buFont typeface="Arial" panose="020B0604020202020204" pitchFamily="34" charset="0"/>
-              <a:buChar char="•"/>
-              <a:defRPr sz="1800" kern="1200">
-                <a:solidFill>
-                  <a:schemeClr val="tx1"/>
-                </a:solidFill>
-                <a:latin typeface="+mn-lt"/>
-                <a:ea typeface="+mn-ea"/>
-                <a:cs typeface="+mn-cs"/>
-              </a:defRPr>
-            </a:lvl7pPr>
-            <a:lvl8pPr marL="3429000" indent="-228600" algn="l" defTabSz="914400" rtl="0" eaLnBrk="1" latinLnBrk="0" hangingPunct="1">
-              <a:lnSpc>
-                <a:spcPct val="90000"/>
-              </a:lnSpc>
-              <a:spcBef>
-                <a:spcPts val="500"/>
-              </a:spcBef>
-              <a:buFont typeface="Arial" panose="020B0604020202020204" pitchFamily="34" charset="0"/>
-              <a:buChar char="•"/>
-              <a:defRPr sz="1800" kern="1200">
-                <a:solidFill>
-                  <a:schemeClr val="tx1"/>
-                </a:solidFill>
-                <a:latin typeface="+mn-lt"/>
-                <a:ea typeface="+mn-ea"/>
-                <a:cs typeface="+mn-cs"/>
-              </a:defRPr>
-            </a:lvl8pPr>
-            <a:lvl9pPr marL="3886200" indent="-228600" algn="l" defTabSz="914400" rtl="0" eaLnBrk="1" latinLnBrk="0" hangingPunct="1">
-              <a:lnSpc>
-                <a:spcPct val="90000"/>
-              </a:lnSpc>
-              <a:spcBef>
-                <a:spcPts val="500"/>
-              </a:spcBef>
-              <a:buFont typeface="Arial" panose="020B0604020202020204" pitchFamily="34" charset="0"/>
-              <a:buChar char="•"/>
-              <a:defRPr sz="1800" kern="1200">
-                <a:solidFill>
-                  <a:schemeClr val="tx1"/>
-                </a:solidFill>
-                <a:latin typeface="+mn-lt"/>
-                <a:ea typeface="+mn-ea"/>
-                <a:cs typeface="+mn-cs"/>
-              </a:defRPr>
-            </a:lvl9pPr>
-          </a:lstStyle>
-          <a:p>
-            <a:pPr marL="0" indent="0">
-              <a:buFont typeface="Arial" panose="020B0604020202020204" pitchFamily="34" charset="0"/>
-              <a:buNone/>
-            </a:pPr>
-            <a:r>
               <a:rPr lang="en-US" sz="1800" dirty="0"/>
               <a:t>GET, POST  site.com/home</a:t>
             </a:r>
@@ -11628,7 +15145,7 @@
         </p:nvSpPr>
         <p:spPr>
           <a:xfrm>
-            <a:off x="8335006" y="1620410"/>
+            <a:off x="7796526" y="1799052"/>
             <a:ext cx="591429" cy="824506"/>
           </a:xfrm>
           <a:prstGeom prst="rect">
@@ -11682,7 +15199,7 @@
         </p:nvSpPr>
         <p:spPr>
           <a:xfrm>
-            <a:off x="3177887" y="3144177"/>
+            <a:off x="2639407" y="3322819"/>
             <a:ext cx="1694577" cy="914400"/>
           </a:xfrm>
           <a:prstGeom prst="rect">
@@ -11736,7 +15253,7 @@
         </p:nvSpPr>
         <p:spPr>
           <a:xfrm>
-            <a:off x="5169276" y="3400246"/>
+            <a:off x="4630796" y="3578888"/>
             <a:ext cx="2827435" cy="568683"/>
           </a:xfrm>
           <a:prstGeom prst="rect">
@@ -11954,7 +15471,7 @@
         </p:nvCxnSpPr>
         <p:spPr>
           <a:xfrm>
-            <a:off x="4858130" y="2535400"/>
+            <a:off x="4319650" y="2714042"/>
             <a:ext cx="750878" cy="390248"/>
           </a:xfrm>
           <a:prstGeom prst="line">
@@ -11994,7 +15511,7 @@
         </p:nvCxnSpPr>
         <p:spPr>
           <a:xfrm flipV="1">
-            <a:off x="4872464" y="2925648"/>
+            <a:off x="4333984" y="3104290"/>
             <a:ext cx="736544" cy="675729"/>
           </a:xfrm>
           <a:prstGeom prst="line">
@@ -12034,7 +15551,7 @@
         </p:nvCxnSpPr>
         <p:spPr>
           <a:xfrm flipH="1">
-            <a:off x="7110763" y="2032663"/>
+            <a:off x="6572283" y="2211305"/>
             <a:ext cx="1224243" cy="892985"/>
           </a:xfrm>
           <a:prstGeom prst="line">
@@ -12070,7 +15587,7 @@
         </p:nvSpPr>
         <p:spPr>
           <a:xfrm>
-            <a:off x="8335006" y="2444916"/>
+            <a:off x="7796526" y="2623558"/>
             <a:ext cx="591429" cy="824507"/>
           </a:xfrm>
           <a:prstGeom prst="rect">
@@ -12132,7 +15649,7 @@
         </p:nvCxnSpPr>
         <p:spPr>
           <a:xfrm flipH="1">
-            <a:off x="7110763" y="2857170"/>
+            <a:off x="6572283" y="3035812"/>
             <a:ext cx="1224243" cy="68478"/>
           </a:xfrm>
           <a:prstGeom prst="line">
@@ -12172,7 +15689,7 @@
         </p:nvCxnSpPr>
         <p:spPr>
           <a:xfrm flipH="1">
-            <a:off x="8926435" y="1829436"/>
+            <a:off x="8387955" y="2008078"/>
             <a:ext cx="617119" cy="1027734"/>
           </a:xfrm>
           <a:prstGeom prst="line">
@@ -12212,7 +15729,7 @@
         </p:nvCxnSpPr>
         <p:spPr>
           <a:xfrm flipH="1">
-            <a:off x="8926435" y="2398488"/>
+            <a:off x="8387955" y="2577130"/>
             <a:ext cx="617118" cy="458682"/>
           </a:xfrm>
           <a:prstGeom prst="line">
@@ -12250,7 +15767,7 @@
         </p:nvSpPr>
         <p:spPr>
           <a:xfrm>
-            <a:off x="8297001" y="943706"/>
+            <a:off x="7758521" y="1122348"/>
             <a:ext cx="2737185" cy="568683"/>
           </a:xfrm>
           <a:prstGeom prst="rect">
@@ -12437,12 +15954,52 @@
           </a:p>
         </p:txBody>
       </p:sp>
-      <p:sp>
-        <p:nvSpPr>
-          <p:cNvPr id="31" name="Rectangle 30">
-            <a:extLst>
-              <a:ext uri="{FF2B5EF4-FFF2-40B4-BE49-F238E27FC236}">
-                <a16:creationId xmlns:a16="http://schemas.microsoft.com/office/drawing/2014/main" id="{22D2C435-2712-438D-9E89-FD7369D2A2DF}"/>
+      <p:cxnSp>
+        <p:nvCxnSpPr>
+          <p:cNvPr id="34" name="Straight Connector 33">
+            <a:extLst>
+              <a:ext uri="{FF2B5EF4-FFF2-40B4-BE49-F238E27FC236}">
+                <a16:creationId xmlns:a16="http://schemas.microsoft.com/office/drawing/2014/main" id="{615456A7-9F13-4715-A746-34F90EDFD939}"/>
+              </a:ext>
+            </a:extLst>
+          </p:cNvPr>
+          <p:cNvCxnSpPr>
+            <a:cxnSpLocks/>
+            <a:stCxn id="8" idx="6"/>
+            <a:endCxn id="45" idx="1"/>
+          </p:cNvCxnSpPr>
+          <p:nvPr/>
+        </p:nvCxnSpPr>
+        <p:spPr>
+          <a:xfrm>
+            <a:off x="6572283" y="3104290"/>
+            <a:ext cx="1037138" cy="1242292"/>
+          </a:xfrm>
+          <a:prstGeom prst="line">
+            <a:avLst/>
+          </a:prstGeom>
+        </p:spPr>
+        <p:style>
+          <a:lnRef idx="1">
+            <a:schemeClr val="accent1"/>
+          </a:lnRef>
+          <a:fillRef idx="0">
+            <a:schemeClr val="accent1"/>
+          </a:fillRef>
+          <a:effectRef idx="0">
+            <a:schemeClr val="accent1"/>
+          </a:effectRef>
+          <a:fontRef idx="minor">
+            <a:schemeClr val="tx1"/>
+          </a:fontRef>
+        </p:style>
+      </p:cxnSp>
+      <p:sp>
+        <p:nvSpPr>
+          <p:cNvPr id="74" name="Rectangle 73">
+            <a:extLst>
+              <a:ext uri="{FF2B5EF4-FFF2-40B4-BE49-F238E27FC236}">
+                <a16:creationId xmlns:a16="http://schemas.microsoft.com/office/drawing/2014/main" id="{7F76A805-2796-490B-B5B6-11973474A1DA}"/>
               </a:ext>
             </a:extLst>
           </p:cNvPr>
@@ -12451,8 +16008,42 @@
         </p:nvSpPr>
         <p:spPr>
           <a:xfrm>
-            <a:off x="8129835" y="3726451"/>
-            <a:ext cx="2827436" cy="1074441"/>
+            <a:off x="7759029" y="5098869"/>
+            <a:ext cx="1930913" cy="369332"/>
+          </a:xfrm>
+          <a:prstGeom prst="rect">
+            <a:avLst/>
+          </a:prstGeom>
+        </p:spPr>
+        <p:txBody>
+          <a:bodyPr wrap="none">
+            <a:spAutoFit/>
+          </a:bodyPr>
+          <a:lstStyle/>
+          <a:p>
+            <a:r>
+              <a:rPr lang="en-US" dirty="0"/>
+              <a:t>Chuck Norris Jokes</a:t>
+            </a:r>
+          </a:p>
+        </p:txBody>
+      </p:sp>
+      <p:sp>
+        <p:nvSpPr>
+          <p:cNvPr id="75" name="Rectangle 74">
+            <a:extLst>
+              <a:ext uri="{FF2B5EF4-FFF2-40B4-BE49-F238E27FC236}">
+                <a16:creationId xmlns:a16="http://schemas.microsoft.com/office/drawing/2014/main" id="{45D54779-8333-4310-9A05-33AD49316788}"/>
+              </a:ext>
+            </a:extLst>
+          </p:cNvPr>
+          <p:cNvSpPr/>
+          <p:nvPr/>
+        </p:nvSpPr>
+        <p:spPr>
+          <a:xfrm>
+            <a:off x="7609421" y="5560626"/>
+            <a:ext cx="2154339" cy="485223"/>
           </a:xfrm>
           <a:prstGeom prst="rect">
             <a:avLst/>
@@ -12486,468 +16077,10 @@
       </p:sp>
       <p:sp>
         <p:nvSpPr>
-          <p:cNvPr id="32" name="Content Placeholder 2">
-            <a:extLst>
-              <a:ext uri="{FF2B5EF4-FFF2-40B4-BE49-F238E27FC236}">
-                <a16:creationId xmlns:a16="http://schemas.microsoft.com/office/drawing/2014/main" id="{9F6733A6-D90B-46AD-8DE1-748F3C3A6898}"/>
-              </a:ext>
-            </a:extLst>
-          </p:cNvPr>
-          <p:cNvSpPr txBox="1">
-            <a:spLocks/>
-          </p:cNvSpPr>
-          <p:nvPr/>
-        </p:nvSpPr>
-        <p:spPr>
-          <a:xfrm>
-            <a:off x="8206750" y="3850885"/>
-            <a:ext cx="2827436" cy="1074441"/>
-          </a:xfrm>
-          <a:prstGeom prst="rect">
-            <a:avLst/>
-          </a:prstGeom>
-        </p:spPr>
-        <p:txBody>
-          <a:bodyPr vert="horz" lIns="91440" tIns="45720" rIns="91440" bIns="45720" rtlCol="0">
-            <a:normAutofit fontScale="62500" lnSpcReduction="20000"/>
-          </a:bodyPr>
-          <a:lstStyle>
-            <a:lvl1pPr marL="228600" indent="-228600" algn="l" defTabSz="914400" rtl="0" eaLnBrk="1" latinLnBrk="0" hangingPunct="1">
-              <a:lnSpc>
-                <a:spcPct val="90000"/>
-              </a:lnSpc>
-              <a:spcBef>
-                <a:spcPts val="1000"/>
-              </a:spcBef>
-              <a:buFont typeface="Arial" panose="020B0604020202020204" pitchFamily="34" charset="0"/>
-              <a:buChar char="•"/>
-              <a:defRPr sz="2800" kern="1200">
-                <a:solidFill>
-                  <a:schemeClr val="tx1"/>
-                </a:solidFill>
-                <a:latin typeface="+mn-lt"/>
-                <a:ea typeface="+mn-ea"/>
-                <a:cs typeface="+mn-cs"/>
-              </a:defRPr>
-            </a:lvl1pPr>
-            <a:lvl2pPr marL="685800" indent="-228600" algn="l" defTabSz="914400" rtl="0" eaLnBrk="1" latinLnBrk="0" hangingPunct="1">
-              <a:lnSpc>
-                <a:spcPct val="90000"/>
-              </a:lnSpc>
-              <a:spcBef>
-                <a:spcPts val="500"/>
-              </a:spcBef>
-              <a:buFont typeface="Arial" panose="020B0604020202020204" pitchFamily="34" charset="0"/>
-              <a:buChar char="•"/>
-              <a:defRPr sz="2400" kern="1200">
-                <a:solidFill>
-                  <a:schemeClr val="tx1"/>
-                </a:solidFill>
-                <a:latin typeface="+mn-lt"/>
-                <a:ea typeface="+mn-ea"/>
-                <a:cs typeface="+mn-cs"/>
-              </a:defRPr>
-            </a:lvl2pPr>
-            <a:lvl3pPr marL="1143000" indent="-228600" algn="l" defTabSz="914400" rtl="0" eaLnBrk="1" latinLnBrk="0" hangingPunct="1">
-              <a:lnSpc>
-                <a:spcPct val="90000"/>
-              </a:lnSpc>
-              <a:spcBef>
-                <a:spcPts val="500"/>
-              </a:spcBef>
-              <a:buFont typeface="Arial" panose="020B0604020202020204" pitchFamily="34" charset="0"/>
-              <a:buChar char="•"/>
-              <a:defRPr sz="2000" kern="1200">
-                <a:solidFill>
-                  <a:schemeClr val="tx1"/>
-                </a:solidFill>
-                <a:latin typeface="+mn-lt"/>
-                <a:ea typeface="+mn-ea"/>
-                <a:cs typeface="+mn-cs"/>
-              </a:defRPr>
-            </a:lvl3pPr>
-            <a:lvl4pPr marL="1600200" indent="-228600" algn="l" defTabSz="914400" rtl="0" eaLnBrk="1" latinLnBrk="0" hangingPunct="1">
-              <a:lnSpc>
-                <a:spcPct val="90000"/>
-              </a:lnSpc>
-              <a:spcBef>
-                <a:spcPts val="500"/>
-              </a:spcBef>
-              <a:buFont typeface="Arial" panose="020B0604020202020204" pitchFamily="34" charset="0"/>
-              <a:buChar char="•"/>
-              <a:defRPr sz="1800" kern="1200">
-                <a:solidFill>
-                  <a:schemeClr val="tx1"/>
-                </a:solidFill>
-                <a:latin typeface="+mn-lt"/>
-                <a:ea typeface="+mn-ea"/>
-                <a:cs typeface="+mn-cs"/>
-              </a:defRPr>
-            </a:lvl4pPr>
-            <a:lvl5pPr marL="2057400" indent="-228600" algn="l" defTabSz="914400" rtl="0" eaLnBrk="1" latinLnBrk="0" hangingPunct="1">
-              <a:lnSpc>
-                <a:spcPct val="90000"/>
-              </a:lnSpc>
-              <a:spcBef>
-                <a:spcPts val="500"/>
-              </a:spcBef>
-              <a:buFont typeface="Arial" panose="020B0604020202020204" pitchFamily="34" charset="0"/>
-              <a:buChar char="•"/>
-              <a:defRPr sz="1800" kern="1200">
-                <a:solidFill>
-                  <a:schemeClr val="tx1"/>
-                </a:solidFill>
-                <a:latin typeface="+mn-lt"/>
-                <a:ea typeface="+mn-ea"/>
-                <a:cs typeface="+mn-cs"/>
-              </a:defRPr>
-            </a:lvl5pPr>
-            <a:lvl6pPr marL="2514600" indent="-228600" algn="l" defTabSz="914400" rtl="0" eaLnBrk="1" latinLnBrk="0" hangingPunct="1">
-              <a:lnSpc>
-                <a:spcPct val="90000"/>
-              </a:lnSpc>
-              <a:spcBef>
-                <a:spcPts val="500"/>
-              </a:spcBef>
-              <a:buFont typeface="Arial" panose="020B0604020202020204" pitchFamily="34" charset="0"/>
-              <a:buChar char="•"/>
-              <a:defRPr sz="1800" kern="1200">
-                <a:solidFill>
-                  <a:schemeClr val="tx1"/>
-                </a:solidFill>
-                <a:latin typeface="+mn-lt"/>
-                <a:ea typeface="+mn-ea"/>
-                <a:cs typeface="+mn-cs"/>
-              </a:defRPr>
-            </a:lvl6pPr>
-            <a:lvl7pPr marL="2971800" indent="-228600" algn="l" defTabSz="914400" rtl="0" eaLnBrk="1" latinLnBrk="0" hangingPunct="1">
-              <a:lnSpc>
-                <a:spcPct val="90000"/>
-              </a:lnSpc>
-              <a:spcBef>
-                <a:spcPts val="500"/>
-              </a:spcBef>
-              <a:buFont typeface="Arial" panose="020B0604020202020204" pitchFamily="34" charset="0"/>
-              <a:buChar char="•"/>
-              <a:defRPr sz="1800" kern="1200">
-                <a:solidFill>
-                  <a:schemeClr val="tx1"/>
-                </a:solidFill>
-                <a:latin typeface="+mn-lt"/>
-                <a:ea typeface="+mn-ea"/>
-                <a:cs typeface="+mn-cs"/>
-              </a:defRPr>
-            </a:lvl7pPr>
-            <a:lvl8pPr marL="3429000" indent="-228600" algn="l" defTabSz="914400" rtl="0" eaLnBrk="1" latinLnBrk="0" hangingPunct="1">
-              <a:lnSpc>
-                <a:spcPct val="90000"/>
-              </a:lnSpc>
-              <a:spcBef>
-                <a:spcPts val="500"/>
-              </a:spcBef>
-              <a:buFont typeface="Arial" panose="020B0604020202020204" pitchFamily="34" charset="0"/>
-              <a:buChar char="•"/>
-              <a:defRPr sz="1800" kern="1200">
-                <a:solidFill>
-                  <a:schemeClr val="tx1"/>
-                </a:solidFill>
-                <a:latin typeface="+mn-lt"/>
-                <a:ea typeface="+mn-ea"/>
-                <a:cs typeface="+mn-cs"/>
-              </a:defRPr>
-            </a:lvl8pPr>
-            <a:lvl9pPr marL="3886200" indent="-228600" algn="l" defTabSz="914400" rtl="0" eaLnBrk="1" latinLnBrk="0" hangingPunct="1">
-              <a:lnSpc>
-                <a:spcPct val="90000"/>
-              </a:lnSpc>
-              <a:spcBef>
-                <a:spcPts val="500"/>
-              </a:spcBef>
-              <a:buFont typeface="Arial" panose="020B0604020202020204" pitchFamily="34" charset="0"/>
-              <a:buChar char="•"/>
-              <a:defRPr sz="1800" kern="1200">
-                <a:solidFill>
-                  <a:schemeClr val="tx1"/>
-                </a:solidFill>
-                <a:latin typeface="+mn-lt"/>
-                <a:ea typeface="+mn-ea"/>
-                <a:cs typeface="+mn-cs"/>
-              </a:defRPr>
-            </a:lvl9pPr>
-          </a:lstStyle>
-          <a:p>
-            <a:pPr marL="0" indent="0">
-              <a:buFont typeface="Arial" panose="020B0604020202020204" pitchFamily="34" charset="0"/>
-              <a:buNone/>
-            </a:pPr>
-            <a:r>
-              <a:rPr lang="en-US" sz="2400" dirty="0"/>
-              <a:t>IBM Watson/Alchemy</a:t>
-            </a:r>
-          </a:p>
-          <a:p>
-            <a:r>
-              <a:rPr lang="en-US" sz="2400" dirty="0"/>
-              <a:t>Face Recognition</a:t>
-            </a:r>
-          </a:p>
-          <a:p>
-            <a:r>
-              <a:rPr lang="en-US" sz="2400" dirty="0"/>
-              <a:t>Natural Language Processing</a:t>
-            </a:r>
-          </a:p>
-        </p:txBody>
-      </p:sp>
-      <p:cxnSp>
-        <p:nvCxnSpPr>
-          <p:cNvPr id="34" name="Straight Connector 33">
-            <a:extLst>
-              <a:ext uri="{FF2B5EF4-FFF2-40B4-BE49-F238E27FC236}">
-                <a16:creationId xmlns:a16="http://schemas.microsoft.com/office/drawing/2014/main" id="{615456A7-9F13-4715-A746-34F90EDFD939}"/>
-              </a:ext>
-            </a:extLst>
-          </p:cNvPr>
-          <p:cNvCxnSpPr>
-            <a:cxnSpLocks/>
-            <a:stCxn id="8" idx="6"/>
-            <a:endCxn id="31" idx="1"/>
-          </p:cNvCxnSpPr>
-          <p:nvPr/>
-        </p:nvCxnSpPr>
-        <p:spPr>
-          <a:xfrm>
-            <a:off x="7110763" y="2925648"/>
-            <a:ext cx="1019072" cy="1338024"/>
-          </a:xfrm>
-          <a:prstGeom prst="line">
-            <a:avLst/>
-          </a:prstGeom>
-        </p:spPr>
-        <p:style>
-          <a:lnRef idx="1">
-            <a:schemeClr val="accent1"/>
-          </a:lnRef>
-          <a:fillRef idx="0">
-            <a:schemeClr val="accent1"/>
-          </a:fillRef>
-          <a:effectRef idx="0">
-            <a:schemeClr val="accent1"/>
-          </a:effectRef>
-          <a:fontRef idx="minor">
-            <a:schemeClr val="tx1"/>
-          </a:fontRef>
-        </p:style>
-      </p:cxnSp>
-      <p:sp>
-        <p:nvSpPr>
-          <p:cNvPr id="40" name="Content Placeholder 2">
-            <a:extLst>
-              <a:ext uri="{FF2B5EF4-FFF2-40B4-BE49-F238E27FC236}">
-                <a16:creationId xmlns:a16="http://schemas.microsoft.com/office/drawing/2014/main" id="{5EA38B3B-DE41-4DA7-A03C-9458B4948D1D}"/>
-              </a:ext>
-            </a:extLst>
-          </p:cNvPr>
-          <p:cNvSpPr txBox="1">
-            <a:spLocks/>
-          </p:cNvSpPr>
-          <p:nvPr/>
-        </p:nvSpPr>
-        <p:spPr>
-          <a:xfrm>
-            <a:off x="871863" y="3301916"/>
-            <a:ext cx="1785073" cy="568683"/>
-          </a:xfrm>
-          <a:prstGeom prst="rect">
-            <a:avLst/>
-          </a:prstGeom>
-        </p:spPr>
-        <p:txBody>
-          <a:bodyPr vert="horz" lIns="91440" tIns="45720" rIns="91440" bIns="45720" rtlCol="0">
-            <a:normAutofit/>
-          </a:bodyPr>
-          <a:lstStyle>
-            <a:lvl1pPr marL="228600" indent="-228600" algn="l" defTabSz="914400" rtl="0" eaLnBrk="1" latinLnBrk="0" hangingPunct="1">
-              <a:lnSpc>
-                <a:spcPct val="90000"/>
-              </a:lnSpc>
-              <a:spcBef>
-                <a:spcPts val="1000"/>
-              </a:spcBef>
-              <a:buFont typeface="Arial" panose="020B0604020202020204" pitchFamily="34" charset="0"/>
-              <a:buChar char="•"/>
-              <a:defRPr sz="2800" kern="1200">
-                <a:solidFill>
-                  <a:schemeClr val="tx1"/>
-                </a:solidFill>
-                <a:latin typeface="+mn-lt"/>
-                <a:ea typeface="+mn-ea"/>
-                <a:cs typeface="+mn-cs"/>
-              </a:defRPr>
-            </a:lvl1pPr>
-            <a:lvl2pPr marL="685800" indent="-228600" algn="l" defTabSz="914400" rtl="0" eaLnBrk="1" latinLnBrk="0" hangingPunct="1">
-              <a:lnSpc>
-                <a:spcPct val="90000"/>
-              </a:lnSpc>
-              <a:spcBef>
-                <a:spcPts val="500"/>
-              </a:spcBef>
-              <a:buFont typeface="Arial" panose="020B0604020202020204" pitchFamily="34" charset="0"/>
-              <a:buChar char="•"/>
-              <a:defRPr sz="2400" kern="1200">
-                <a:solidFill>
-                  <a:schemeClr val="tx1"/>
-                </a:solidFill>
-                <a:latin typeface="+mn-lt"/>
-                <a:ea typeface="+mn-ea"/>
-                <a:cs typeface="+mn-cs"/>
-              </a:defRPr>
-            </a:lvl2pPr>
-            <a:lvl3pPr marL="1143000" indent="-228600" algn="l" defTabSz="914400" rtl="0" eaLnBrk="1" latinLnBrk="0" hangingPunct="1">
-              <a:lnSpc>
-                <a:spcPct val="90000"/>
-              </a:lnSpc>
-              <a:spcBef>
-                <a:spcPts val="500"/>
-              </a:spcBef>
-              <a:buFont typeface="Arial" panose="020B0604020202020204" pitchFamily="34" charset="0"/>
-              <a:buChar char="•"/>
-              <a:defRPr sz="2000" kern="1200">
-                <a:solidFill>
-                  <a:schemeClr val="tx1"/>
-                </a:solidFill>
-                <a:latin typeface="+mn-lt"/>
-                <a:ea typeface="+mn-ea"/>
-                <a:cs typeface="+mn-cs"/>
-              </a:defRPr>
-            </a:lvl3pPr>
-            <a:lvl4pPr marL="1600200" indent="-228600" algn="l" defTabSz="914400" rtl="0" eaLnBrk="1" latinLnBrk="0" hangingPunct="1">
-              <a:lnSpc>
-                <a:spcPct val="90000"/>
-              </a:lnSpc>
-              <a:spcBef>
-                <a:spcPts val="500"/>
-              </a:spcBef>
-              <a:buFont typeface="Arial" panose="020B0604020202020204" pitchFamily="34" charset="0"/>
-              <a:buChar char="•"/>
-              <a:defRPr sz="1800" kern="1200">
-                <a:solidFill>
-                  <a:schemeClr val="tx1"/>
-                </a:solidFill>
-                <a:latin typeface="+mn-lt"/>
-                <a:ea typeface="+mn-ea"/>
-                <a:cs typeface="+mn-cs"/>
-              </a:defRPr>
-            </a:lvl4pPr>
-            <a:lvl5pPr marL="2057400" indent="-228600" algn="l" defTabSz="914400" rtl="0" eaLnBrk="1" latinLnBrk="0" hangingPunct="1">
-              <a:lnSpc>
-                <a:spcPct val="90000"/>
-              </a:lnSpc>
-              <a:spcBef>
-                <a:spcPts val="500"/>
-              </a:spcBef>
-              <a:buFont typeface="Arial" panose="020B0604020202020204" pitchFamily="34" charset="0"/>
-              <a:buChar char="•"/>
-              <a:defRPr sz="1800" kern="1200">
-                <a:solidFill>
-                  <a:schemeClr val="tx1"/>
-                </a:solidFill>
-                <a:latin typeface="+mn-lt"/>
-                <a:ea typeface="+mn-ea"/>
-                <a:cs typeface="+mn-cs"/>
-              </a:defRPr>
-            </a:lvl5pPr>
-            <a:lvl6pPr marL="2514600" indent="-228600" algn="l" defTabSz="914400" rtl="0" eaLnBrk="1" latinLnBrk="0" hangingPunct="1">
-              <a:lnSpc>
-                <a:spcPct val="90000"/>
-              </a:lnSpc>
-              <a:spcBef>
-                <a:spcPts val="500"/>
-              </a:spcBef>
-              <a:buFont typeface="Arial" panose="020B0604020202020204" pitchFamily="34" charset="0"/>
-              <a:buChar char="•"/>
-              <a:defRPr sz="1800" kern="1200">
-                <a:solidFill>
-                  <a:schemeClr val="tx1"/>
-                </a:solidFill>
-                <a:latin typeface="+mn-lt"/>
-                <a:ea typeface="+mn-ea"/>
-                <a:cs typeface="+mn-cs"/>
-              </a:defRPr>
-            </a:lvl6pPr>
-            <a:lvl7pPr marL="2971800" indent="-228600" algn="l" defTabSz="914400" rtl="0" eaLnBrk="1" latinLnBrk="0" hangingPunct="1">
-              <a:lnSpc>
-                <a:spcPct val="90000"/>
-              </a:lnSpc>
-              <a:spcBef>
-                <a:spcPts val="500"/>
-              </a:spcBef>
-              <a:buFont typeface="Arial" panose="020B0604020202020204" pitchFamily="34" charset="0"/>
-              <a:buChar char="•"/>
-              <a:defRPr sz="1800" kern="1200">
-                <a:solidFill>
-                  <a:schemeClr val="tx1"/>
-                </a:solidFill>
-                <a:latin typeface="+mn-lt"/>
-                <a:ea typeface="+mn-ea"/>
-                <a:cs typeface="+mn-cs"/>
-              </a:defRPr>
-            </a:lvl7pPr>
-            <a:lvl8pPr marL="3429000" indent="-228600" algn="l" defTabSz="914400" rtl="0" eaLnBrk="1" latinLnBrk="0" hangingPunct="1">
-              <a:lnSpc>
-                <a:spcPct val="90000"/>
-              </a:lnSpc>
-              <a:spcBef>
-                <a:spcPts val="500"/>
-              </a:spcBef>
-              <a:buFont typeface="Arial" panose="020B0604020202020204" pitchFamily="34" charset="0"/>
-              <a:buChar char="•"/>
-              <a:defRPr sz="1800" kern="1200">
-                <a:solidFill>
-                  <a:schemeClr val="tx1"/>
-                </a:solidFill>
-                <a:latin typeface="+mn-lt"/>
-                <a:ea typeface="+mn-ea"/>
-                <a:cs typeface="+mn-cs"/>
-              </a:defRPr>
-            </a:lvl8pPr>
-            <a:lvl9pPr marL="3886200" indent="-228600" algn="l" defTabSz="914400" rtl="0" eaLnBrk="1" latinLnBrk="0" hangingPunct="1">
-              <a:lnSpc>
-                <a:spcPct val="90000"/>
-              </a:lnSpc>
-              <a:spcBef>
-                <a:spcPts val="500"/>
-              </a:spcBef>
-              <a:buFont typeface="Arial" panose="020B0604020202020204" pitchFamily="34" charset="0"/>
-              <a:buChar char="•"/>
-              <a:defRPr sz="1800" kern="1200">
-                <a:solidFill>
-                  <a:schemeClr val="tx1"/>
-                </a:solidFill>
-                <a:latin typeface="+mn-lt"/>
-                <a:ea typeface="+mn-ea"/>
-                <a:cs typeface="+mn-cs"/>
-              </a:defRPr>
-            </a:lvl9pPr>
-          </a:lstStyle>
-          <a:p>
-            <a:pPr marL="0" indent="0">
-              <a:buFont typeface="Arial" panose="020B0604020202020204" pitchFamily="34" charset="0"/>
-              <a:buNone/>
-            </a:pPr>
-            <a:r>
-              <a:rPr lang="en-US" dirty="0"/>
-              <a:t>Device</a:t>
-            </a:r>
-          </a:p>
-        </p:txBody>
-      </p:sp>
-      <p:sp>
-        <p:nvSpPr>
-          <p:cNvPr id="74" name="Rectangle 73">
-            <a:extLst>
-              <a:ext uri="{FF2B5EF4-FFF2-40B4-BE49-F238E27FC236}">
-                <a16:creationId xmlns:a16="http://schemas.microsoft.com/office/drawing/2014/main" id="{7F76A805-2796-490B-B5B6-11973474A1DA}"/>
+          <p:cNvPr id="76" name="Rectangle 75">
+            <a:extLst>
+              <a:ext uri="{FF2B5EF4-FFF2-40B4-BE49-F238E27FC236}">
+                <a16:creationId xmlns:a16="http://schemas.microsoft.com/office/drawing/2014/main" id="{A67F99C8-DC35-44D9-B483-0FC75F2B8ACE}"/>
               </a:ext>
             </a:extLst>
           </p:cNvPr>
@@ -12956,8 +16089,8 @@
         </p:nvSpPr>
         <p:spPr>
           <a:xfrm>
-            <a:off x="8279443" y="4968247"/>
-            <a:ext cx="1930913" cy="369332"/>
+            <a:off x="7759029" y="5616129"/>
+            <a:ext cx="1831720" cy="369332"/>
           </a:xfrm>
           <a:prstGeom prst="rect">
             <a:avLst/>
@@ -12971,17 +16104,17 @@
           <a:p>
             <a:r>
               <a:rPr lang="en-US" dirty="0"/>
-              <a:t>Chuck Norris Jokes</a:t>
-            </a:r>
-          </a:p>
-        </p:txBody>
-      </p:sp>
-      <p:sp>
-        <p:nvSpPr>
-          <p:cNvPr id="75" name="Rectangle 74">
-            <a:extLst>
-              <a:ext uri="{FF2B5EF4-FFF2-40B4-BE49-F238E27FC236}">
-                <a16:creationId xmlns:a16="http://schemas.microsoft.com/office/drawing/2014/main" id="{45D54779-8333-4310-9A05-33AD49316788}"/>
+              <a:t>Facebook/Twitter</a:t>
+            </a:r>
+          </a:p>
+        </p:txBody>
+      </p:sp>
+      <p:sp>
+        <p:nvSpPr>
+          <p:cNvPr id="77" name="Rectangle 76">
+            <a:extLst>
+              <a:ext uri="{FF2B5EF4-FFF2-40B4-BE49-F238E27FC236}">
+                <a16:creationId xmlns:a16="http://schemas.microsoft.com/office/drawing/2014/main" id="{7A1F0EAE-53CD-449C-A9FC-791C0BCDEF75}"/>
               </a:ext>
             </a:extLst>
           </p:cNvPr>
@@ -12990,8 +16123,8 @@
         </p:nvSpPr>
         <p:spPr>
           <a:xfrm>
-            <a:off x="8129835" y="5430004"/>
-            <a:ext cx="2827436" cy="485223"/>
+            <a:off x="7609421" y="5078909"/>
+            <a:ext cx="2154339" cy="357284"/>
           </a:xfrm>
           <a:prstGeom prst="rect">
             <a:avLst/>
@@ -13025,10 +16158,10 @@
       </p:sp>
       <p:sp>
         <p:nvSpPr>
-          <p:cNvPr id="76" name="Rectangle 75">
-            <a:extLst>
-              <a:ext uri="{FF2B5EF4-FFF2-40B4-BE49-F238E27FC236}">
-                <a16:creationId xmlns:a16="http://schemas.microsoft.com/office/drawing/2014/main" id="{A67F99C8-DC35-44D9-B483-0FC75F2B8ACE}"/>
+          <p:cNvPr id="78" name="Rectangle 77">
+            <a:extLst>
+              <a:ext uri="{FF2B5EF4-FFF2-40B4-BE49-F238E27FC236}">
+                <a16:creationId xmlns:a16="http://schemas.microsoft.com/office/drawing/2014/main" id="{CAB4A41A-8577-4172-A211-D5E58247BB00}"/>
               </a:ext>
             </a:extLst>
           </p:cNvPr>
@@ -13037,8 +16170,8 @@
         </p:nvSpPr>
         <p:spPr>
           <a:xfrm>
-            <a:off x="8279443" y="5485507"/>
-            <a:ext cx="1831720" cy="369332"/>
+            <a:off x="7776587" y="6138274"/>
+            <a:ext cx="2181175" cy="369332"/>
           </a:xfrm>
           <a:prstGeom prst="rect">
             <a:avLst/>
@@ -13052,17 +16185,17 @@
           <a:p>
             <a:r>
               <a:rPr lang="en-US" dirty="0"/>
-              <a:t>Facebook/Twitter</a:t>
-            </a:r>
-          </a:p>
-        </p:txBody>
-      </p:sp>
-      <p:sp>
-        <p:nvSpPr>
-          <p:cNvPr id="77" name="Rectangle 76">
-            <a:extLst>
-              <a:ext uri="{FF2B5EF4-FFF2-40B4-BE49-F238E27FC236}">
-                <a16:creationId xmlns:a16="http://schemas.microsoft.com/office/drawing/2014/main" id="{7A1F0EAE-53CD-449C-A9FC-791C0BCDEF75}"/>
+              <a:t>Geolocation (Google)</a:t>
+            </a:r>
+          </a:p>
+        </p:txBody>
+      </p:sp>
+      <p:sp>
+        <p:nvSpPr>
+          <p:cNvPr id="79" name="Rectangle 78">
+            <a:extLst>
+              <a:ext uri="{FF2B5EF4-FFF2-40B4-BE49-F238E27FC236}">
+                <a16:creationId xmlns:a16="http://schemas.microsoft.com/office/drawing/2014/main" id="{2C8EF210-6692-400F-B894-8394D13C84C4}"/>
               </a:ext>
             </a:extLst>
           </p:cNvPr>
@@ -13071,8 +16204,8 @@
         </p:nvSpPr>
         <p:spPr>
           <a:xfrm>
-            <a:off x="8129835" y="4948287"/>
-            <a:ext cx="2827436" cy="357284"/>
+            <a:off x="7627487" y="6138274"/>
+            <a:ext cx="2330275" cy="403497"/>
           </a:xfrm>
           <a:prstGeom prst="rect">
             <a:avLst/>
@@ -13104,87 +16237,6 @@
           </a:p>
         </p:txBody>
       </p:sp>
-      <p:sp>
-        <p:nvSpPr>
-          <p:cNvPr id="78" name="Rectangle 77">
-            <a:extLst>
-              <a:ext uri="{FF2B5EF4-FFF2-40B4-BE49-F238E27FC236}">
-                <a16:creationId xmlns:a16="http://schemas.microsoft.com/office/drawing/2014/main" id="{CAB4A41A-8577-4172-A211-D5E58247BB00}"/>
-              </a:ext>
-            </a:extLst>
-          </p:cNvPr>
-          <p:cNvSpPr/>
-          <p:nvPr/>
-        </p:nvSpPr>
-        <p:spPr>
-          <a:xfrm>
-            <a:off x="8297001" y="6007652"/>
-            <a:ext cx="2181175" cy="369332"/>
-          </a:xfrm>
-          <a:prstGeom prst="rect">
-            <a:avLst/>
-          </a:prstGeom>
-        </p:spPr>
-        <p:txBody>
-          <a:bodyPr wrap="none">
-            <a:spAutoFit/>
-          </a:bodyPr>
-          <a:lstStyle/>
-          <a:p>
-            <a:r>
-              <a:rPr lang="en-US" dirty="0"/>
-              <a:t>Geolocation (Google)</a:t>
-            </a:r>
-          </a:p>
-        </p:txBody>
-      </p:sp>
-      <p:sp>
-        <p:nvSpPr>
-          <p:cNvPr id="79" name="Rectangle 78">
-            <a:extLst>
-              <a:ext uri="{FF2B5EF4-FFF2-40B4-BE49-F238E27FC236}">
-                <a16:creationId xmlns:a16="http://schemas.microsoft.com/office/drawing/2014/main" id="{2C8EF210-6692-400F-B894-8394D13C84C4}"/>
-              </a:ext>
-            </a:extLst>
-          </p:cNvPr>
-          <p:cNvSpPr/>
-          <p:nvPr/>
-        </p:nvSpPr>
-        <p:spPr>
-          <a:xfrm>
-            <a:off x="8147901" y="6007652"/>
-            <a:ext cx="2827436" cy="485223"/>
-          </a:xfrm>
-          <a:prstGeom prst="rect">
-            <a:avLst/>
-          </a:prstGeom>
-          <a:noFill/>
-        </p:spPr>
-        <p:style>
-          <a:lnRef idx="2">
-            <a:schemeClr val="accent1">
-              <a:shade val="50000"/>
-            </a:schemeClr>
-          </a:lnRef>
-          <a:fillRef idx="1">
-            <a:schemeClr val="accent1"/>
-          </a:fillRef>
-          <a:effectRef idx="0">
-            <a:schemeClr val="accent1"/>
-          </a:effectRef>
-          <a:fontRef idx="minor">
-            <a:schemeClr val="lt1"/>
-          </a:fontRef>
-        </p:style>
-        <p:txBody>
-          <a:bodyPr rtlCol="0" anchor="ctr"/>
-          <a:lstStyle/>
-          <a:p>
-            <a:pPr algn="ctr"/>
-            <a:endParaRPr lang="en-US" dirty="0"/>
-          </a:p>
-        </p:txBody>
-      </p:sp>
       <p:cxnSp>
         <p:nvCxnSpPr>
           <p:cNvPr id="84" name="Straight Connector 83">
@@ -13203,8 +16255,8 @@
         </p:nvCxnSpPr>
         <p:spPr>
           <a:xfrm>
-            <a:off x="7110763" y="2925648"/>
-            <a:ext cx="1019072" cy="2201281"/>
+            <a:off x="6572283" y="3104290"/>
+            <a:ext cx="1037138" cy="2153261"/>
           </a:xfrm>
           <a:prstGeom prst="line">
             <a:avLst/>
@@ -13243,8 +16295,8 @@
         </p:nvCxnSpPr>
         <p:spPr>
           <a:xfrm>
-            <a:off x="7110763" y="2925648"/>
-            <a:ext cx="1019072" cy="2746968"/>
+            <a:off x="6572283" y="3104290"/>
+            <a:ext cx="1037138" cy="2698948"/>
           </a:xfrm>
           <a:prstGeom prst="line">
             <a:avLst/>
@@ -13283,8 +16335,8 @@
         </p:nvCxnSpPr>
         <p:spPr>
           <a:xfrm>
-            <a:off x="7110763" y="2925648"/>
-            <a:ext cx="1037138" cy="3324616"/>
+            <a:off x="6572283" y="3104290"/>
+            <a:ext cx="1055204" cy="3235733"/>
           </a:xfrm>
           <a:prstGeom prst="line">
             <a:avLst/>
@@ -13305,10 +16357,553 @@
           </a:fontRef>
         </p:style>
       </p:cxnSp>
+      <p:sp>
+        <p:nvSpPr>
+          <p:cNvPr id="35" name="Content Placeholder 2">
+            <a:extLst>
+              <a:ext uri="{FF2B5EF4-FFF2-40B4-BE49-F238E27FC236}">
+                <a16:creationId xmlns:a16="http://schemas.microsoft.com/office/drawing/2014/main" id="{4A472D30-D7CE-46F2-8E00-CE1134C0CFB8}"/>
+              </a:ext>
+            </a:extLst>
+          </p:cNvPr>
+          <p:cNvSpPr txBox="1">
+            <a:spLocks/>
+          </p:cNvSpPr>
+          <p:nvPr/>
+        </p:nvSpPr>
+        <p:spPr>
+          <a:xfrm>
+            <a:off x="7317991" y="496470"/>
+            <a:ext cx="3440908" cy="568683"/>
+          </a:xfrm>
+          <a:prstGeom prst="rect">
+            <a:avLst/>
+          </a:prstGeom>
+        </p:spPr>
+        <p:txBody>
+          <a:bodyPr vert="horz" lIns="91440" tIns="45720" rIns="91440" bIns="45720" rtlCol="0">
+            <a:normAutofit/>
+          </a:bodyPr>
+          <a:lstStyle>
+            <a:lvl1pPr marL="228600" indent="-228600" algn="l" defTabSz="914400" rtl="0" eaLnBrk="1" latinLnBrk="0" hangingPunct="1">
+              <a:lnSpc>
+                <a:spcPct val="90000"/>
+              </a:lnSpc>
+              <a:spcBef>
+                <a:spcPts val="1000"/>
+              </a:spcBef>
+              <a:buFont typeface="Arial" panose="020B0604020202020204" pitchFamily="34" charset="0"/>
+              <a:buChar char="•"/>
+              <a:defRPr sz="2800" kern="1200">
+                <a:solidFill>
+                  <a:schemeClr val="tx1"/>
+                </a:solidFill>
+                <a:latin typeface="+mn-lt"/>
+                <a:ea typeface="+mn-ea"/>
+                <a:cs typeface="+mn-cs"/>
+              </a:defRPr>
+            </a:lvl1pPr>
+            <a:lvl2pPr marL="685800" indent="-228600" algn="l" defTabSz="914400" rtl="0" eaLnBrk="1" latinLnBrk="0" hangingPunct="1">
+              <a:lnSpc>
+                <a:spcPct val="90000"/>
+              </a:lnSpc>
+              <a:spcBef>
+                <a:spcPts val="500"/>
+              </a:spcBef>
+              <a:buFont typeface="Arial" panose="020B0604020202020204" pitchFamily="34" charset="0"/>
+              <a:buChar char="•"/>
+              <a:defRPr sz="2400" kern="1200">
+                <a:solidFill>
+                  <a:schemeClr val="tx1"/>
+                </a:solidFill>
+                <a:latin typeface="+mn-lt"/>
+                <a:ea typeface="+mn-ea"/>
+                <a:cs typeface="+mn-cs"/>
+              </a:defRPr>
+            </a:lvl2pPr>
+            <a:lvl3pPr marL="1143000" indent="-228600" algn="l" defTabSz="914400" rtl="0" eaLnBrk="1" latinLnBrk="0" hangingPunct="1">
+              <a:lnSpc>
+                <a:spcPct val="90000"/>
+              </a:lnSpc>
+              <a:spcBef>
+                <a:spcPts val="500"/>
+              </a:spcBef>
+              <a:buFont typeface="Arial" panose="020B0604020202020204" pitchFamily="34" charset="0"/>
+              <a:buChar char="•"/>
+              <a:defRPr sz="2000" kern="1200">
+                <a:solidFill>
+                  <a:schemeClr val="tx1"/>
+                </a:solidFill>
+                <a:latin typeface="+mn-lt"/>
+                <a:ea typeface="+mn-ea"/>
+                <a:cs typeface="+mn-cs"/>
+              </a:defRPr>
+            </a:lvl3pPr>
+            <a:lvl4pPr marL="1600200" indent="-228600" algn="l" defTabSz="914400" rtl="0" eaLnBrk="1" latinLnBrk="0" hangingPunct="1">
+              <a:lnSpc>
+                <a:spcPct val="90000"/>
+              </a:lnSpc>
+              <a:spcBef>
+                <a:spcPts val="500"/>
+              </a:spcBef>
+              <a:buFont typeface="Arial" panose="020B0604020202020204" pitchFamily="34" charset="0"/>
+              <a:buChar char="•"/>
+              <a:defRPr sz="1800" kern="1200">
+                <a:solidFill>
+                  <a:schemeClr val="tx1"/>
+                </a:solidFill>
+                <a:latin typeface="+mn-lt"/>
+                <a:ea typeface="+mn-ea"/>
+                <a:cs typeface="+mn-cs"/>
+              </a:defRPr>
+            </a:lvl4pPr>
+            <a:lvl5pPr marL="2057400" indent="-228600" algn="l" defTabSz="914400" rtl="0" eaLnBrk="1" latinLnBrk="0" hangingPunct="1">
+              <a:lnSpc>
+                <a:spcPct val="90000"/>
+              </a:lnSpc>
+              <a:spcBef>
+                <a:spcPts val="500"/>
+              </a:spcBef>
+              <a:buFont typeface="Arial" panose="020B0604020202020204" pitchFamily="34" charset="0"/>
+              <a:buChar char="•"/>
+              <a:defRPr sz="1800" kern="1200">
+                <a:solidFill>
+                  <a:schemeClr val="tx1"/>
+                </a:solidFill>
+                <a:latin typeface="+mn-lt"/>
+                <a:ea typeface="+mn-ea"/>
+                <a:cs typeface="+mn-cs"/>
+              </a:defRPr>
+            </a:lvl5pPr>
+            <a:lvl6pPr marL="2514600" indent="-228600" algn="l" defTabSz="914400" rtl="0" eaLnBrk="1" latinLnBrk="0" hangingPunct="1">
+              <a:lnSpc>
+                <a:spcPct val="90000"/>
+              </a:lnSpc>
+              <a:spcBef>
+                <a:spcPts val="500"/>
+              </a:spcBef>
+              <a:buFont typeface="Arial" panose="020B0604020202020204" pitchFamily="34" charset="0"/>
+              <a:buChar char="•"/>
+              <a:defRPr sz="1800" kern="1200">
+                <a:solidFill>
+                  <a:schemeClr val="tx1"/>
+                </a:solidFill>
+                <a:latin typeface="+mn-lt"/>
+                <a:ea typeface="+mn-ea"/>
+                <a:cs typeface="+mn-cs"/>
+              </a:defRPr>
+            </a:lvl6pPr>
+            <a:lvl7pPr marL="2971800" indent="-228600" algn="l" defTabSz="914400" rtl="0" eaLnBrk="1" latinLnBrk="0" hangingPunct="1">
+              <a:lnSpc>
+                <a:spcPct val="90000"/>
+              </a:lnSpc>
+              <a:spcBef>
+                <a:spcPts val="500"/>
+              </a:spcBef>
+              <a:buFont typeface="Arial" panose="020B0604020202020204" pitchFamily="34" charset="0"/>
+              <a:buChar char="•"/>
+              <a:defRPr sz="1800" kern="1200">
+                <a:solidFill>
+                  <a:schemeClr val="tx1"/>
+                </a:solidFill>
+                <a:latin typeface="+mn-lt"/>
+                <a:ea typeface="+mn-ea"/>
+                <a:cs typeface="+mn-cs"/>
+              </a:defRPr>
+            </a:lvl7pPr>
+            <a:lvl8pPr marL="3429000" indent="-228600" algn="l" defTabSz="914400" rtl="0" eaLnBrk="1" latinLnBrk="0" hangingPunct="1">
+              <a:lnSpc>
+                <a:spcPct val="90000"/>
+              </a:lnSpc>
+              <a:spcBef>
+                <a:spcPts val="500"/>
+              </a:spcBef>
+              <a:buFont typeface="Arial" panose="020B0604020202020204" pitchFamily="34" charset="0"/>
+              <a:buChar char="•"/>
+              <a:defRPr sz="1800" kern="1200">
+                <a:solidFill>
+                  <a:schemeClr val="tx1"/>
+                </a:solidFill>
+                <a:latin typeface="+mn-lt"/>
+                <a:ea typeface="+mn-ea"/>
+                <a:cs typeface="+mn-cs"/>
+              </a:defRPr>
+            </a:lvl8pPr>
+            <a:lvl9pPr marL="3886200" indent="-228600" algn="l" defTabSz="914400" rtl="0" eaLnBrk="1" latinLnBrk="0" hangingPunct="1">
+              <a:lnSpc>
+                <a:spcPct val="90000"/>
+              </a:lnSpc>
+              <a:spcBef>
+                <a:spcPts val="500"/>
+              </a:spcBef>
+              <a:buFont typeface="Arial" panose="020B0604020202020204" pitchFamily="34" charset="0"/>
+              <a:buChar char="•"/>
+              <a:defRPr sz="1800" kern="1200">
+                <a:solidFill>
+                  <a:schemeClr val="tx1"/>
+                </a:solidFill>
+                <a:latin typeface="+mn-lt"/>
+                <a:ea typeface="+mn-ea"/>
+                <a:cs typeface="+mn-cs"/>
+              </a:defRPr>
+            </a:lvl9pPr>
+          </a:lstStyle>
+          <a:p>
+            <a:pPr marL="0" indent="0">
+              <a:buFont typeface="Arial" panose="020B0604020202020204" pitchFamily="34" charset="0"/>
+              <a:buNone/>
+            </a:pPr>
+            <a:r>
+              <a:rPr lang="en-US" i="1" dirty="0"/>
+              <a:t>Our API to Subscribers</a:t>
+            </a:r>
+          </a:p>
+        </p:txBody>
+      </p:sp>
+      <p:cxnSp>
+        <p:nvCxnSpPr>
+          <p:cNvPr id="21" name="Straight Connector 20">
+            <a:extLst>
+              <a:ext uri="{FF2B5EF4-FFF2-40B4-BE49-F238E27FC236}">
+                <a16:creationId xmlns:a16="http://schemas.microsoft.com/office/drawing/2014/main" id="{22B483B5-A0CE-4C44-8E8F-9116550BA0A2}"/>
+              </a:ext>
+            </a:extLst>
+          </p:cNvPr>
+          <p:cNvCxnSpPr>
+            <a:cxnSpLocks/>
+          </p:cNvCxnSpPr>
+          <p:nvPr/>
+        </p:nvCxnSpPr>
+        <p:spPr>
+          <a:xfrm>
+            <a:off x="7767619" y="1137569"/>
+            <a:ext cx="2541652" cy="462841"/>
+          </a:xfrm>
+          <a:prstGeom prst="line">
+            <a:avLst/>
+          </a:prstGeom>
+          <a:ln w="76200"/>
+        </p:spPr>
+        <p:style>
+          <a:lnRef idx="3">
+            <a:schemeClr val="dk1"/>
+          </a:lnRef>
+          <a:fillRef idx="0">
+            <a:schemeClr val="dk1"/>
+          </a:fillRef>
+          <a:effectRef idx="2">
+            <a:schemeClr val="dk1"/>
+          </a:effectRef>
+          <a:fontRef idx="minor">
+            <a:schemeClr val="tx1"/>
+          </a:fontRef>
+        </p:style>
+      </p:cxnSp>
+      <p:cxnSp>
+        <p:nvCxnSpPr>
+          <p:cNvPr id="42" name="Straight Connector 41">
+            <a:extLst>
+              <a:ext uri="{FF2B5EF4-FFF2-40B4-BE49-F238E27FC236}">
+                <a16:creationId xmlns:a16="http://schemas.microsoft.com/office/drawing/2014/main" id="{17F34F62-EDAB-45F9-B36C-465A3D5081FE}"/>
+              </a:ext>
+            </a:extLst>
+          </p:cNvPr>
+          <p:cNvCxnSpPr>
+            <a:cxnSpLocks/>
+          </p:cNvCxnSpPr>
+          <p:nvPr/>
+        </p:nvCxnSpPr>
+        <p:spPr>
+          <a:xfrm flipV="1">
+            <a:off x="7997955" y="1094341"/>
+            <a:ext cx="2168066" cy="494352"/>
+          </a:xfrm>
+          <a:prstGeom prst="line">
+            <a:avLst/>
+          </a:prstGeom>
+          <a:ln w="76200"/>
+        </p:spPr>
+        <p:style>
+          <a:lnRef idx="3">
+            <a:schemeClr val="dk1"/>
+          </a:lnRef>
+          <a:fillRef idx="0">
+            <a:schemeClr val="dk1"/>
+          </a:fillRef>
+          <a:effectRef idx="2">
+            <a:schemeClr val="dk1"/>
+          </a:effectRef>
+          <a:fontRef idx="minor">
+            <a:schemeClr val="tx1"/>
+          </a:fontRef>
+        </p:style>
+      </p:cxnSp>
+      <p:sp>
+        <p:nvSpPr>
+          <p:cNvPr id="45" name="Rectangle 44">
+            <a:extLst>
+              <a:ext uri="{FF2B5EF4-FFF2-40B4-BE49-F238E27FC236}">
+                <a16:creationId xmlns:a16="http://schemas.microsoft.com/office/drawing/2014/main" id="{37DE5362-1935-493A-9BFD-D071EDB4CAD1}"/>
+              </a:ext>
+            </a:extLst>
+          </p:cNvPr>
+          <p:cNvSpPr/>
+          <p:nvPr/>
+        </p:nvSpPr>
+        <p:spPr>
+          <a:xfrm>
+            <a:off x="7609421" y="3759082"/>
+            <a:ext cx="3223420" cy="1175000"/>
+          </a:xfrm>
+          <a:prstGeom prst="rect">
+            <a:avLst/>
+          </a:prstGeom>
+          <a:noFill/>
+        </p:spPr>
+        <p:style>
+          <a:lnRef idx="2">
+            <a:schemeClr val="accent1">
+              <a:shade val="50000"/>
+            </a:schemeClr>
+          </a:lnRef>
+          <a:fillRef idx="1">
+            <a:schemeClr val="accent1"/>
+          </a:fillRef>
+          <a:effectRef idx="0">
+            <a:schemeClr val="accent1"/>
+          </a:effectRef>
+          <a:fontRef idx="minor">
+            <a:schemeClr val="lt1"/>
+          </a:fontRef>
+        </p:style>
+        <p:txBody>
+          <a:bodyPr rtlCol="0" anchor="ctr"/>
+          <a:lstStyle/>
+          <a:p>
+            <a:pPr algn="ctr"/>
+            <a:endParaRPr lang="en-US" dirty="0"/>
+          </a:p>
+        </p:txBody>
+      </p:sp>
+      <p:sp>
+        <p:nvSpPr>
+          <p:cNvPr id="46" name="Content Placeholder 2">
+            <a:extLst>
+              <a:ext uri="{FF2B5EF4-FFF2-40B4-BE49-F238E27FC236}">
+                <a16:creationId xmlns:a16="http://schemas.microsoft.com/office/drawing/2014/main" id="{A490E8D5-9CB5-4678-9340-2CAFE0B0DE05}"/>
+              </a:ext>
+            </a:extLst>
+          </p:cNvPr>
+          <p:cNvSpPr txBox="1">
+            <a:spLocks/>
+          </p:cNvSpPr>
+          <p:nvPr/>
+        </p:nvSpPr>
+        <p:spPr>
+          <a:xfrm>
+            <a:off x="7668269" y="3827633"/>
+            <a:ext cx="3537795" cy="1074441"/>
+          </a:xfrm>
+          <a:prstGeom prst="rect">
+            <a:avLst/>
+          </a:prstGeom>
+        </p:spPr>
+        <p:txBody>
+          <a:bodyPr vert="horz" lIns="91440" tIns="45720" rIns="91440" bIns="45720" rtlCol="0">
+            <a:noAutofit/>
+          </a:bodyPr>
+          <a:lstStyle>
+            <a:lvl1pPr marL="228600" indent="-228600" algn="l" defTabSz="914400" rtl="0" eaLnBrk="1" latinLnBrk="0" hangingPunct="1">
+              <a:lnSpc>
+                <a:spcPct val="90000"/>
+              </a:lnSpc>
+              <a:spcBef>
+                <a:spcPts val="1000"/>
+              </a:spcBef>
+              <a:buFont typeface="Arial" panose="020B0604020202020204" pitchFamily="34" charset="0"/>
+              <a:buChar char="•"/>
+              <a:defRPr sz="2800" kern="1200">
+                <a:solidFill>
+                  <a:schemeClr val="tx1"/>
+                </a:solidFill>
+                <a:latin typeface="+mn-lt"/>
+                <a:ea typeface="+mn-ea"/>
+                <a:cs typeface="+mn-cs"/>
+              </a:defRPr>
+            </a:lvl1pPr>
+            <a:lvl2pPr marL="685800" indent="-228600" algn="l" defTabSz="914400" rtl="0" eaLnBrk="1" latinLnBrk="0" hangingPunct="1">
+              <a:lnSpc>
+                <a:spcPct val="90000"/>
+              </a:lnSpc>
+              <a:spcBef>
+                <a:spcPts val="500"/>
+              </a:spcBef>
+              <a:buFont typeface="Arial" panose="020B0604020202020204" pitchFamily="34" charset="0"/>
+              <a:buChar char="•"/>
+              <a:defRPr sz="2400" kern="1200">
+                <a:solidFill>
+                  <a:schemeClr val="tx1"/>
+                </a:solidFill>
+                <a:latin typeface="+mn-lt"/>
+                <a:ea typeface="+mn-ea"/>
+                <a:cs typeface="+mn-cs"/>
+              </a:defRPr>
+            </a:lvl2pPr>
+            <a:lvl3pPr marL="1143000" indent="-228600" algn="l" defTabSz="914400" rtl="0" eaLnBrk="1" latinLnBrk="0" hangingPunct="1">
+              <a:lnSpc>
+                <a:spcPct val="90000"/>
+              </a:lnSpc>
+              <a:spcBef>
+                <a:spcPts val="500"/>
+              </a:spcBef>
+              <a:buFont typeface="Arial" panose="020B0604020202020204" pitchFamily="34" charset="0"/>
+              <a:buChar char="•"/>
+              <a:defRPr sz="2000" kern="1200">
+                <a:solidFill>
+                  <a:schemeClr val="tx1"/>
+                </a:solidFill>
+                <a:latin typeface="+mn-lt"/>
+                <a:ea typeface="+mn-ea"/>
+                <a:cs typeface="+mn-cs"/>
+              </a:defRPr>
+            </a:lvl3pPr>
+            <a:lvl4pPr marL="1600200" indent="-228600" algn="l" defTabSz="914400" rtl="0" eaLnBrk="1" latinLnBrk="0" hangingPunct="1">
+              <a:lnSpc>
+                <a:spcPct val="90000"/>
+              </a:lnSpc>
+              <a:spcBef>
+                <a:spcPts val="500"/>
+              </a:spcBef>
+              <a:buFont typeface="Arial" panose="020B0604020202020204" pitchFamily="34" charset="0"/>
+              <a:buChar char="•"/>
+              <a:defRPr sz="1800" kern="1200">
+                <a:solidFill>
+                  <a:schemeClr val="tx1"/>
+                </a:solidFill>
+                <a:latin typeface="+mn-lt"/>
+                <a:ea typeface="+mn-ea"/>
+                <a:cs typeface="+mn-cs"/>
+              </a:defRPr>
+            </a:lvl4pPr>
+            <a:lvl5pPr marL="2057400" indent="-228600" algn="l" defTabSz="914400" rtl="0" eaLnBrk="1" latinLnBrk="0" hangingPunct="1">
+              <a:lnSpc>
+                <a:spcPct val="90000"/>
+              </a:lnSpc>
+              <a:spcBef>
+                <a:spcPts val="500"/>
+              </a:spcBef>
+              <a:buFont typeface="Arial" panose="020B0604020202020204" pitchFamily="34" charset="0"/>
+              <a:buChar char="•"/>
+              <a:defRPr sz="1800" kern="1200">
+                <a:solidFill>
+                  <a:schemeClr val="tx1"/>
+                </a:solidFill>
+                <a:latin typeface="+mn-lt"/>
+                <a:ea typeface="+mn-ea"/>
+                <a:cs typeface="+mn-cs"/>
+              </a:defRPr>
+            </a:lvl5pPr>
+            <a:lvl6pPr marL="2514600" indent="-228600" algn="l" defTabSz="914400" rtl="0" eaLnBrk="1" latinLnBrk="0" hangingPunct="1">
+              <a:lnSpc>
+                <a:spcPct val="90000"/>
+              </a:lnSpc>
+              <a:spcBef>
+                <a:spcPts val="500"/>
+              </a:spcBef>
+              <a:buFont typeface="Arial" panose="020B0604020202020204" pitchFamily="34" charset="0"/>
+              <a:buChar char="•"/>
+              <a:defRPr sz="1800" kern="1200">
+                <a:solidFill>
+                  <a:schemeClr val="tx1"/>
+                </a:solidFill>
+                <a:latin typeface="+mn-lt"/>
+                <a:ea typeface="+mn-ea"/>
+                <a:cs typeface="+mn-cs"/>
+              </a:defRPr>
+            </a:lvl6pPr>
+            <a:lvl7pPr marL="2971800" indent="-228600" algn="l" defTabSz="914400" rtl="0" eaLnBrk="1" latinLnBrk="0" hangingPunct="1">
+              <a:lnSpc>
+                <a:spcPct val="90000"/>
+              </a:lnSpc>
+              <a:spcBef>
+                <a:spcPts val="500"/>
+              </a:spcBef>
+              <a:buFont typeface="Arial" panose="020B0604020202020204" pitchFamily="34" charset="0"/>
+              <a:buChar char="•"/>
+              <a:defRPr sz="1800" kern="1200">
+                <a:solidFill>
+                  <a:schemeClr val="tx1"/>
+                </a:solidFill>
+                <a:latin typeface="+mn-lt"/>
+                <a:ea typeface="+mn-ea"/>
+                <a:cs typeface="+mn-cs"/>
+              </a:defRPr>
+            </a:lvl7pPr>
+            <a:lvl8pPr marL="3429000" indent="-228600" algn="l" defTabSz="914400" rtl="0" eaLnBrk="1" latinLnBrk="0" hangingPunct="1">
+              <a:lnSpc>
+                <a:spcPct val="90000"/>
+              </a:lnSpc>
+              <a:spcBef>
+                <a:spcPts val="500"/>
+              </a:spcBef>
+              <a:buFont typeface="Arial" panose="020B0604020202020204" pitchFamily="34" charset="0"/>
+              <a:buChar char="•"/>
+              <a:defRPr sz="1800" kern="1200">
+                <a:solidFill>
+                  <a:schemeClr val="tx1"/>
+                </a:solidFill>
+                <a:latin typeface="+mn-lt"/>
+                <a:ea typeface="+mn-ea"/>
+                <a:cs typeface="+mn-cs"/>
+              </a:defRPr>
+            </a:lvl8pPr>
+            <a:lvl9pPr marL="3886200" indent="-228600" algn="l" defTabSz="914400" rtl="0" eaLnBrk="1" latinLnBrk="0" hangingPunct="1">
+              <a:lnSpc>
+                <a:spcPct val="90000"/>
+              </a:lnSpc>
+              <a:spcBef>
+                <a:spcPts val="500"/>
+              </a:spcBef>
+              <a:buFont typeface="Arial" panose="020B0604020202020204" pitchFamily="34" charset="0"/>
+              <a:buChar char="•"/>
+              <a:defRPr sz="1800" kern="1200">
+                <a:solidFill>
+                  <a:schemeClr val="tx1"/>
+                </a:solidFill>
+                <a:latin typeface="+mn-lt"/>
+                <a:ea typeface="+mn-ea"/>
+                <a:cs typeface="+mn-cs"/>
+              </a:defRPr>
+            </a:lvl9pPr>
+          </a:lstStyle>
+          <a:p>
+            <a:pPr marL="0" indent="0">
+              <a:buFont typeface="Arial" panose="020B0604020202020204" pitchFamily="34" charset="0"/>
+              <a:buNone/>
+            </a:pPr>
+            <a:r>
+              <a:rPr lang="en-US" sz="1800" dirty="0"/>
+              <a:t>IBM Watson/Alchemy</a:t>
+            </a:r>
+          </a:p>
+          <a:p>
+            <a:r>
+              <a:rPr lang="en-US" sz="1800" dirty="0"/>
+              <a:t>Face Recognition</a:t>
+            </a:r>
+          </a:p>
+          <a:p>
+            <a:r>
+              <a:rPr lang="en-US" sz="1800" dirty="0"/>
+              <a:t>Natural Language Processing</a:t>
+            </a:r>
+          </a:p>
+        </p:txBody>
+      </p:sp>
     </p:spTree>
     <p:extLst>
       <p:ext uri="{BB962C8B-B14F-4D97-AF65-F5344CB8AC3E}">
-        <p14:creationId xmlns:p14="http://schemas.microsoft.com/office/powerpoint/2010/main" val="3601745222"/>
+        <p14:creationId xmlns:p14="http://schemas.microsoft.com/office/powerpoint/2010/main" val="2749574606"/>
       </p:ext>
     </p:extLst>
   </p:cSld>
@@ -13360,14 +16955,6 @@
               <a:rPr lang="en-US" dirty="0"/>
               <a:t>There’s so much out there...</a:t>
             </a:r>
-            <a:br>
-              <a:rPr lang="en-US" dirty="0"/>
-            </a:br>
-            <a:r>
-              <a:rPr lang="en-US" sz="3200" dirty="0"/>
-              <a:t>For your Application, for your Device</a:t>
-            </a:r>
-            <a:endParaRPr lang="en-US" dirty="0"/>
           </a:p>
         </p:txBody>
       </p:sp>

--- a/presentation.pptx
+++ b/presentation.pptx
@@ -28,23 +28,31 @@
     <p:sldId id="289" r:id="rId22"/>
     <p:sldId id="290" r:id="rId23"/>
     <p:sldId id="279" r:id="rId24"/>
-    <p:sldId id="302" r:id="rId25"/>
-    <p:sldId id="293" r:id="rId26"/>
-    <p:sldId id="277" r:id="rId27"/>
-    <p:sldId id="295" r:id="rId28"/>
-    <p:sldId id="297" r:id="rId29"/>
-    <p:sldId id="298" r:id="rId30"/>
-    <p:sldId id="299" r:id="rId31"/>
-    <p:sldId id="301" r:id="rId32"/>
-    <p:sldId id="283" r:id="rId33"/>
-    <p:sldId id="284" r:id="rId34"/>
-    <p:sldId id="282" r:id="rId35"/>
-    <p:sldId id="292" r:id="rId36"/>
-    <p:sldId id="268" r:id="rId37"/>
-    <p:sldId id="274" r:id="rId38"/>
-    <p:sldId id="280" r:id="rId39"/>
-    <p:sldId id="267" r:id="rId40"/>
-    <p:sldId id="285" r:id="rId41"/>
+    <p:sldId id="304" r:id="rId25"/>
+    <p:sldId id="310" r:id="rId26"/>
+    <p:sldId id="305" r:id="rId27"/>
+    <p:sldId id="306" r:id="rId28"/>
+    <p:sldId id="307" r:id="rId29"/>
+    <p:sldId id="308" r:id="rId30"/>
+    <p:sldId id="309" r:id="rId31"/>
+    <p:sldId id="302" r:id="rId32"/>
+    <p:sldId id="293" r:id="rId33"/>
+    <p:sldId id="277" r:id="rId34"/>
+    <p:sldId id="295" r:id="rId35"/>
+    <p:sldId id="297" r:id="rId36"/>
+    <p:sldId id="298" r:id="rId37"/>
+    <p:sldId id="299" r:id="rId38"/>
+    <p:sldId id="283" r:id="rId39"/>
+    <p:sldId id="284" r:id="rId40"/>
+    <p:sldId id="282" r:id="rId41"/>
+    <p:sldId id="292" r:id="rId42"/>
+    <p:sldId id="268" r:id="rId43"/>
+    <p:sldId id="274" r:id="rId44"/>
+    <p:sldId id="280" r:id="rId45"/>
+    <p:sldId id="267" r:id="rId46"/>
+    <p:sldId id="303" r:id="rId47"/>
+    <p:sldId id="301" r:id="rId48"/>
+    <p:sldId id="285" r:id="rId49"/>
   </p:sldIdLst>
   <p:sldSz cx="12192000" cy="6858000"/>
   <p:notesSz cx="6858000" cy="9144000"/>
@@ -298,7 +306,7 @@
           <a:p>
             <a:fld id="{90B9546A-7969-4B1B-92AE-0EBC43C27576}" type="datetimeFigureOut">
               <a:rPr lang="en-US" smtClean="0"/>
-              <a:t>5/22/2020</a:t>
+              <a:t>5/24/2020</a:t>
             </a:fld>
             <a:endParaRPr lang="en-US"/>
           </a:p>
@@ -496,7 +504,7 @@
           <a:p>
             <a:fld id="{90B9546A-7969-4B1B-92AE-0EBC43C27576}" type="datetimeFigureOut">
               <a:rPr lang="en-US" smtClean="0"/>
-              <a:t>5/22/2020</a:t>
+              <a:t>5/24/2020</a:t>
             </a:fld>
             <a:endParaRPr lang="en-US"/>
           </a:p>
@@ -704,7 +712,7 @@
           <a:p>
             <a:fld id="{90B9546A-7969-4B1B-92AE-0EBC43C27576}" type="datetimeFigureOut">
               <a:rPr lang="en-US" smtClean="0"/>
-              <a:t>5/22/2020</a:t>
+              <a:t>5/24/2020</a:t>
             </a:fld>
             <a:endParaRPr lang="en-US"/>
           </a:p>
@@ -902,7 +910,7 @@
           <a:p>
             <a:fld id="{90B9546A-7969-4B1B-92AE-0EBC43C27576}" type="datetimeFigureOut">
               <a:rPr lang="en-US" smtClean="0"/>
-              <a:t>5/22/2020</a:t>
+              <a:t>5/24/2020</a:t>
             </a:fld>
             <a:endParaRPr lang="en-US"/>
           </a:p>
@@ -1177,7 +1185,7 @@
           <a:p>
             <a:fld id="{90B9546A-7969-4B1B-92AE-0EBC43C27576}" type="datetimeFigureOut">
               <a:rPr lang="en-US" smtClean="0"/>
-              <a:t>5/22/2020</a:t>
+              <a:t>5/24/2020</a:t>
             </a:fld>
             <a:endParaRPr lang="en-US"/>
           </a:p>
@@ -1442,7 +1450,7 @@
           <a:p>
             <a:fld id="{90B9546A-7969-4B1B-92AE-0EBC43C27576}" type="datetimeFigureOut">
               <a:rPr lang="en-US" smtClean="0"/>
-              <a:t>5/22/2020</a:t>
+              <a:t>5/24/2020</a:t>
             </a:fld>
             <a:endParaRPr lang="en-US"/>
           </a:p>
@@ -1854,7 +1862,7 @@
           <a:p>
             <a:fld id="{90B9546A-7969-4B1B-92AE-0EBC43C27576}" type="datetimeFigureOut">
               <a:rPr lang="en-US" smtClean="0"/>
-              <a:t>5/22/2020</a:t>
+              <a:t>5/24/2020</a:t>
             </a:fld>
             <a:endParaRPr lang="en-US"/>
           </a:p>
@@ -1995,7 +2003,7 @@
           <a:p>
             <a:fld id="{90B9546A-7969-4B1B-92AE-0EBC43C27576}" type="datetimeFigureOut">
               <a:rPr lang="en-US" smtClean="0"/>
-              <a:t>5/22/2020</a:t>
+              <a:t>5/24/2020</a:t>
             </a:fld>
             <a:endParaRPr lang="en-US"/>
           </a:p>
@@ -2108,7 +2116,7 @@
           <a:p>
             <a:fld id="{90B9546A-7969-4B1B-92AE-0EBC43C27576}" type="datetimeFigureOut">
               <a:rPr lang="en-US" smtClean="0"/>
-              <a:t>5/22/2020</a:t>
+              <a:t>5/24/2020</a:t>
             </a:fld>
             <a:endParaRPr lang="en-US"/>
           </a:p>
@@ -2419,7 +2427,7 @@
           <a:p>
             <a:fld id="{90B9546A-7969-4B1B-92AE-0EBC43C27576}" type="datetimeFigureOut">
               <a:rPr lang="en-US" smtClean="0"/>
-              <a:t>5/22/2020</a:t>
+              <a:t>5/24/2020</a:t>
             </a:fld>
             <a:endParaRPr lang="en-US"/>
           </a:p>
@@ -2707,7 +2715,7 @@
           <a:p>
             <a:fld id="{90B9546A-7969-4B1B-92AE-0EBC43C27576}" type="datetimeFigureOut">
               <a:rPr lang="en-US" smtClean="0"/>
-              <a:t>5/22/2020</a:t>
+              <a:t>5/24/2020</a:t>
             </a:fld>
             <a:endParaRPr lang="en-US"/>
           </a:p>
@@ -2948,7 +2956,7 @@
           <a:p>
             <a:fld id="{90B9546A-7969-4B1B-92AE-0EBC43C27576}" type="datetimeFigureOut">
               <a:rPr lang="en-US" smtClean="0"/>
-              <a:t>5/22/2020</a:t>
+              <a:t>5/24/2020</a:t>
             </a:fld>
             <a:endParaRPr lang="en-US"/>
           </a:p>
@@ -6351,34 +6359,36 @@
           <a:chExt cx="0" cy="0"/>
         </a:xfrm>
       </p:grpSpPr>
-      <p:sp>
-        <p:nvSpPr>
-          <p:cNvPr id="2" name="Title 1">
-            <a:extLst>
-              <a:ext uri="{FF2B5EF4-FFF2-40B4-BE49-F238E27FC236}">
-                <a16:creationId xmlns:a16="http://schemas.microsoft.com/office/drawing/2014/main" id="{7FC1D40A-98BF-4CBE-A35A-F1D122BEA5E6}"/>
-              </a:ext>
-            </a:extLst>
-          </p:cNvPr>
-          <p:cNvSpPr>
-            <a:spLocks noGrp="1"/>
-          </p:cNvSpPr>
-          <p:nvPr>
-            <p:ph type="title"/>
-          </p:nvPr>
-        </p:nvSpPr>
-        <p:spPr/>
-        <p:txBody>
-          <a:bodyPr/>
-          <a:lstStyle/>
-          <a:p>
-            <a:r>
-              <a:rPr lang="en-US" dirty="0"/>
-              <a:t>Show the UI...</a:t>
-            </a:r>
-          </a:p>
-        </p:txBody>
-      </p:sp>
+      <p:pic>
+        <p:nvPicPr>
+          <p:cNvPr id="6" name="Picture 5">
+            <a:extLst>
+              <a:ext uri="{FF2B5EF4-FFF2-40B4-BE49-F238E27FC236}">
+                <a16:creationId xmlns:a16="http://schemas.microsoft.com/office/drawing/2014/main" id="{BE670561-36F0-4E4A-961B-B9CE8C2A65C2}"/>
+              </a:ext>
+            </a:extLst>
+          </p:cNvPr>
+          <p:cNvPicPr>
+            <a:picLocks noChangeAspect="1"/>
+          </p:cNvPicPr>
+          <p:nvPr/>
+        </p:nvPicPr>
+        <p:blipFill>
+          <a:blip r:embed="rId2"/>
+          <a:stretch>
+            <a:fillRect/>
+          </a:stretch>
+        </p:blipFill>
+        <p:spPr>
+          <a:xfrm>
+            <a:off x="2066925" y="1128712"/>
+            <a:ext cx="8058150" cy="4600575"/>
+          </a:xfrm>
+          <a:prstGeom prst="rect">
+            <a:avLst/>
+          </a:prstGeom>
+        </p:spPr>
+      </p:pic>
     </p:spTree>
     <p:extLst>
       <p:ext uri="{BB962C8B-B14F-4D97-AF65-F5344CB8AC3E}">
@@ -6409,38 +6419,40 @@
           <a:chExt cx="0" cy="0"/>
         </a:xfrm>
       </p:grpSpPr>
-      <p:sp>
-        <p:nvSpPr>
-          <p:cNvPr id="2" name="Title 1">
-            <a:extLst>
-              <a:ext uri="{FF2B5EF4-FFF2-40B4-BE49-F238E27FC236}">
-                <a16:creationId xmlns:a16="http://schemas.microsoft.com/office/drawing/2014/main" id="{7FC1D40A-98BF-4CBE-A35A-F1D122BEA5E6}"/>
-              </a:ext>
-            </a:extLst>
-          </p:cNvPr>
-          <p:cNvSpPr>
-            <a:spLocks noGrp="1"/>
-          </p:cNvSpPr>
-          <p:nvPr>
-            <p:ph type="title"/>
-          </p:nvPr>
-        </p:nvSpPr>
-        <p:spPr/>
-        <p:txBody>
-          <a:bodyPr/>
-          <a:lstStyle/>
-          <a:p>
-            <a:r>
-              <a:rPr lang="en-US" dirty="0"/>
-              <a:t>Implementation...</a:t>
-            </a:r>
-          </a:p>
-        </p:txBody>
-      </p:sp>
+      <p:pic>
+        <p:nvPicPr>
+          <p:cNvPr id="4" name="Picture 3">
+            <a:extLst>
+              <a:ext uri="{FF2B5EF4-FFF2-40B4-BE49-F238E27FC236}">
+                <a16:creationId xmlns:a16="http://schemas.microsoft.com/office/drawing/2014/main" id="{9D117D88-7054-47A3-A316-569F75449868}"/>
+              </a:ext>
+            </a:extLst>
+          </p:cNvPr>
+          <p:cNvPicPr>
+            <a:picLocks noChangeAspect="1"/>
+          </p:cNvPicPr>
+          <p:nvPr/>
+        </p:nvPicPr>
+        <p:blipFill>
+          <a:blip r:embed="rId2"/>
+          <a:stretch>
+            <a:fillRect/>
+          </a:stretch>
+        </p:blipFill>
+        <p:spPr>
+          <a:xfrm>
+            <a:off x="2109787" y="1104900"/>
+            <a:ext cx="7972425" cy="4648200"/>
+          </a:xfrm>
+          <a:prstGeom prst="rect">
+            <a:avLst/>
+          </a:prstGeom>
+        </p:spPr>
+      </p:pic>
     </p:spTree>
     <p:extLst>
       <p:ext uri="{BB962C8B-B14F-4D97-AF65-F5344CB8AC3E}">
-        <p14:creationId xmlns:p14="http://schemas.microsoft.com/office/powerpoint/2010/main" val="854502903"/>
+        <p14:creationId xmlns:p14="http://schemas.microsoft.com/office/powerpoint/2010/main" val="3966592869"/>
       </p:ext>
     </p:extLst>
   </p:cSld>
@@ -6467,45 +6479,12 @@
           <a:chExt cx="0" cy="0"/>
         </a:xfrm>
       </p:grpSpPr>
-      <p:sp>
-        <p:nvSpPr>
-          <p:cNvPr id="2" name="Title 1">
-            <a:extLst>
-              <a:ext uri="{FF2B5EF4-FFF2-40B4-BE49-F238E27FC236}">
-                <a16:creationId xmlns:a16="http://schemas.microsoft.com/office/drawing/2014/main" id="{72D37B68-95BF-47AD-AAA0-896D19432CAD}"/>
-              </a:ext>
-            </a:extLst>
-          </p:cNvPr>
-          <p:cNvSpPr>
-            <a:spLocks noGrp="1"/>
-          </p:cNvSpPr>
-          <p:nvPr>
-            <p:ph type="title"/>
-          </p:nvPr>
-        </p:nvSpPr>
-        <p:spPr>
-          <a:xfrm>
-            <a:off x="673100" y="30954"/>
-            <a:ext cx="10515600" cy="1325563"/>
-          </a:xfrm>
-        </p:spPr>
-        <p:txBody>
-          <a:bodyPr/>
-          <a:lstStyle/>
-          <a:p>
-            <a:r>
-              <a:rPr lang="en-US" dirty="0"/>
-              <a:t>From last time</a:t>
-            </a:r>
-          </a:p>
-        </p:txBody>
-      </p:sp>
       <p:pic>
         <p:nvPicPr>
-          <p:cNvPr id="4" name="Picture 3">
-            <a:extLst>
-              <a:ext uri="{FF2B5EF4-FFF2-40B4-BE49-F238E27FC236}">
-                <a16:creationId xmlns:a16="http://schemas.microsoft.com/office/drawing/2014/main" id="{91B6CC8C-636B-460E-9C44-32957CA41EDB}"/>
+          <p:cNvPr id="2" name="Picture 1">
+            <a:extLst>
+              <a:ext uri="{FF2B5EF4-FFF2-40B4-BE49-F238E27FC236}">
+                <a16:creationId xmlns:a16="http://schemas.microsoft.com/office/drawing/2014/main" id="{82393173-3AA7-48D9-9960-1EB882F6A7C4}"/>
               </a:ext>
             </a:extLst>
           </p:cNvPr>
@@ -6522,8 +6501,8 @@
         </p:blipFill>
         <p:spPr>
           <a:xfrm>
-            <a:off x="1676400" y="1356517"/>
-            <a:ext cx="9648825" cy="5158342"/>
+            <a:off x="1212285" y="347759"/>
+            <a:ext cx="10831396" cy="6295636"/>
           </a:xfrm>
           <a:prstGeom prst="rect">
             <a:avLst/>
@@ -6533,7 +6512,7 @@
     </p:spTree>
     <p:extLst>
       <p:ext uri="{BB962C8B-B14F-4D97-AF65-F5344CB8AC3E}">
-        <p14:creationId xmlns:p14="http://schemas.microsoft.com/office/powerpoint/2010/main" val="3375098044"/>
+        <p14:creationId xmlns:p14="http://schemas.microsoft.com/office/powerpoint/2010/main" val="2482085093"/>
       </p:ext>
     </p:extLst>
   </p:cSld>
@@ -6560,40 +6539,12 @@
           <a:chExt cx="0" cy="0"/>
         </a:xfrm>
       </p:grpSpPr>
-      <p:sp>
-        <p:nvSpPr>
-          <p:cNvPr id="2" name="Title 1">
-            <a:extLst>
-              <a:ext uri="{FF2B5EF4-FFF2-40B4-BE49-F238E27FC236}">
-                <a16:creationId xmlns:a16="http://schemas.microsoft.com/office/drawing/2014/main" id="{73235461-01C8-4E07-BF82-8BA3964040AC}"/>
-              </a:ext>
-            </a:extLst>
-          </p:cNvPr>
-          <p:cNvSpPr>
-            <a:spLocks noGrp="1"/>
-          </p:cNvSpPr>
-          <p:nvPr>
-            <p:ph type="title"/>
-          </p:nvPr>
-        </p:nvSpPr>
-        <p:spPr/>
-        <p:txBody>
-          <a:bodyPr/>
-          <a:lstStyle/>
-          <a:p>
-            <a:r>
-              <a:rPr lang="en-US" dirty="0"/>
-              <a:t>Schema</a:t>
-            </a:r>
-          </a:p>
-        </p:txBody>
-      </p:sp>
       <p:pic>
         <p:nvPicPr>
           <p:cNvPr id="5" name="Picture 4">
             <a:extLst>
               <a:ext uri="{FF2B5EF4-FFF2-40B4-BE49-F238E27FC236}">
-                <a16:creationId xmlns:a16="http://schemas.microsoft.com/office/drawing/2014/main" id="{3DE1C741-C22F-4464-8E46-7B99349C3CAE}"/>
+                <a16:creationId xmlns:a16="http://schemas.microsoft.com/office/drawing/2014/main" id="{CC9E14EC-79C9-4B44-B0B4-45CCCB33A288}"/>
               </a:ext>
             </a:extLst>
           </p:cNvPr>
@@ -6610,8 +6561,8 @@
         </p:blipFill>
         <p:spPr>
           <a:xfrm>
-            <a:off x="2867024" y="895349"/>
-            <a:ext cx="7145097" cy="5330825"/>
+            <a:off x="1395412" y="152400"/>
+            <a:ext cx="9401175" cy="6553200"/>
           </a:xfrm>
           <a:prstGeom prst="rect">
             <a:avLst/>
@@ -6621,7 +6572,7 @@
     </p:spTree>
     <p:extLst>
       <p:ext uri="{BB962C8B-B14F-4D97-AF65-F5344CB8AC3E}">
-        <p14:creationId xmlns:p14="http://schemas.microsoft.com/office/powerpoint/2010/main" val="49194344"/>
+        <p14:creationId xmlns:p14="http://schemas.microsoft.com/office/powerpoint/2010/main" val="1011412001"/>
       </p:ext>
     </p:extLst>
   </p:cSld>
@@ -6648,51 +6599,12 @@
           <a:chExt cx="0" cy="0"/>
         </a:xfrm>
       </p:grpSpPr>
-      <p:sp>
-        <p:nvSpPr>
-          <p:cNvPr id="2" name="Title 1">
-            <a:extLst>
-              <a:ext uri="{FF2B5EF4-FFF2-40B4-BE49-F238E27FC236}">
-                <a16:creationId xmlns:a16="http://schemas.microsoft.com/office/drawing/2014/main" id="{5BFEF712-E659-408C-AD57-1F1A31B89F29}"/>
-              </a:ext>
-            </a:extLst>
-          </p:cNvPr>
-          <p:cNvSpPr>
-            <a:spLocks noGrp="1"/>
-          </p:cNvSpPr>
-          <p:nvPr>
-            <p:ph type="title"/>
-          </p:nvPr>
-        </p:nvSpPr>
-        <p:spPr>
-          <a:xfrm>
-            <a:off x="574040" y="273685"/>
-            <a:ext cx="10515600" cy="1325563"/>
-          </a:xfrm>
-        </p:spPr>
-        <p:txBody>
-          <a:bodyPr>
-            <a:normAutofit/>
-          </a:bodyPr>
-          <a:lstStyle/>
-          <a:p>
-            <a:r>
-              <a:rPr lang="en-US" sz="3600" dirty="0" err="1"/>
-              <a:t>pick_star</a:t>
-            </a:r>
-            <a:r>
-              <a:rPr lang="en-US" sz="3600" dirty="0"/>
-              <a:t> (view)</a:t>
-            </a:r>
-          </a:p>
-        </p:txBody>
-      </p:sp>
       <p:pic>
         <p:nvPicPr>
-          <p:cNvPr id="6" name="Picture 5">
-            <a:extLst>
-              <a:ext uri="{FF2B5EF4-FFF2-40B4-BE49-F238E27FC236}">
-                <a16:creationId xmlns:a16="http://schemas.microsoft.com/office/drawing/2014/main" id="{8F3CA879-D6D7-466B-9A97-2D257626F74E}"/>
+          <p:cNvPr id="2" name="Picture 1">
+            <a:extLst>
+              <a:ext uri="{FF2B5EF4-FFF2-40B4-BE49-F238E27FC236}">
+                <a16:creationId xmlns:a16="http://schemas.microsoft.com/office/drawing/2014/main" id="{0DFA72BE-78A3-49A1-A4DA-0BBAE851D12C}"/>
               </a:ext>
             </a:extLst>
           </p:cNvPr>
@@ -6709,110 +6621,18 @@
         </p:blipFill>
         <p:spPr>
           <a:xfrm>
-            <a:off x="4508500" y="179387"/>
-            <a:ext cx="7291387" cy="6579472"/>
+            <a:off x="1419225" y="114300"/>
+            <a:ext cx="9353550" cy="6629400"/>
           </a:xfrm>
           <a:prstGeom prst="rect">
             <a:avLst/>
           </a:prstGeom>
         </p:spPr>
       </p:pic>
-      <p:sp>
-        <p:nvSpPr>
-          <p:cNvPr id="7" name="Content Placeholder 2">
-            <a:extLst>
-              <a:ext uri="{FF2B5EF4-FFF2-40B4-BE49-F238E27FC236}">
-                <a16:creationId xmlns:a16="http://schemas.microsoft.com/office/drawing/2014/main" id="{A9AE85A0-04BE-4B0A-BF3D-FA8D4937F16E}"/>
-              </a:ext>
-            </a:extLst>
-          </p:cNvPr>
-          <p:cNvSpPr>
-            <a:spLocks noGrp="1"/>
-          </p:cNvSpPr>
-          <p:nvPr>
-            <p:ph idx="1"/>
-          </p:nvPr>
-        </p:nvSpPr>
-        <p:spPr>
-          <a:xfrm>
-            <a:off x="574040" y="1690688"/>
-            <a:ext cx="3327400" cy="4351338"/>
-          </a:xfrm>
-        </p:spPr>
-        <p:txBody>
-          <a:bodyPr>
-            <a:normAutofit/>
-          </a:bodyPr>
-          <a:lstStyle/>
-          <a:p>
-            <a:pPr marL="0" indent="0">
-              <a:buNone/>
-            </a:pPr>
-            <a:r>
-              <a:rPr lang="en-US" sz="2000" dirty="0"/>
-              <a:t>GET only (no template/POST)</a:t>
-            </a:r>
-          </a:p>
-          <a:p>
-            <a:pPr marL="0" indent="0">
-              <a:buNone/>
-            </a:pPr>
-            <a:endParaRPr lang="en-US" sz="2000" dirty="0"/>
-          </a:p>
-          <a:p>
-            <a:pPr marL="0" indent="0">
-              <a:buNone/>
-            </a:pPr>
-            <a:r>
-              <a:rPr lang="en-US" sz="2000" dirty="0"/>
-              <a:t>Display a list of stars to choose from</a:t>
-            </a:r>
-          </a:p>
-          <a:p>
-            <a:pPr marL="0" indent="0">
-              <a:buNone/>
-            </a:pPr>
-            <a:r>
-              <a:rPr lang="en-US" sz="2000" dirty="0"/>
-              <a:t>Chart one star (chosen by user from list)</a:t>
-            </a:r>
-          </a:p>
-          <a:p>
-            <a:pPr marL="0" indent="0">
-              <a:buNone/>
-            </a:pPr>
-            <a:endParaRPr lang="en-US" sz="2000" dirty="0"/>
-          </a:p>
-          <a:p>
-            <a:pPr marL="0" indent="0">
-              <a:buNone/>
-            </a:pPr>
-            <a:r>
-              <a:rPr lang="en-US" sz="2000" dirty="0"/>
-              <a:t>Two parameters on URL</a:t>
-            </a:r>
-          </a:p>
-          <a:p>
-            <a:r>
-              <a:rPr lang="en-US" sz="2000" dirty="0">
-                <a:hlinkClick r:id="rId3"/>
-              </a:rPr>
-              <a:t>http://...?p1=x&amp;p2=y</a:t>
-            </a:r>
-            <a:endParaRPr lang="en-US" sz="2000" dirty="0"/>
-          </a:p>
-          <a:p>
-            <a:pPr marL="0" indent="0">
-              <a:buNone/>
-            </a:pPr>
-            <a:endParaRPr lang="en-US" sz="2000" dirty="0"/>
-          </a:p>
-        </p:txBody>
-      </p:sp>
     </p:spTree>
     <p:extLst>
       <p:ext uri="{BB962C8B-B14F-4D97-AF65-F5344CB8AC3E}">
-        <p14:creationId xmlns:p14="http://schemas.microsoft.com/office/powerpoint/2010/main" val="3186765958"/>
+        <p14:creationId xmlns:p14="http://schemas.microsoft.com/office/powerpoint/2010/main" val="344971219"/>
       </p:ext>
     </p:extLst>
   </p:cSld>
@@ -6839,81 +6659,12 @@
           <a:chExt cx="0" cy="0"/>
         </a:xfrm>
       </p:grpSpPr>
-      <p:sp>
-        <p:nvSpPr>
-          <p:cNvPr id="2" name="Title 1">
-            <a:extLst>
-              <a:ext uri="{FF2B5EF4-FFF2-40B4-BE49-F238E27FC236}">
-                <a16:creationId xmlns:a16="http://schemas.microsoft.com/office/drawing/2014/main" id="{8D188AE6-8ACC-4973-A1BC-753DBFF50063}"/>
-              </a:ext>
-            </a:extLst>
-          </p:cNvPr>
-          <p:cNvSpPr>
-            <a:spLocks noGrp="1"/>
-          </p:cNvSpPr>
-          <p:nvPr>
-            <p:ph type="title"/>
-          </p:nvPr>
-        </p:nvSpPr>
-        <p:spPr>
-          <a:xfrm>
-            <a:off x="645160" y="164194"/>
-            <a:ext cx="10515600" cy="1325563"/>
-          </a:xfrm>
-        </p:spPr>
-        <p:txBody>
-          <a:bodyPr>
-            <a:normAutofit/>
-          </a:bodyPr>
-          <a:lstStyle/>
-          <a:p>
-            <a:r>
-              <a:rPr lang="en-US" sz="3600" dirty="0" err="1"/>
-              <a:t>pick_star</a:t>
-            </a:r>
-            <a:r>
-              <a:rPr lang="en-US" sz="3600" dirty="0"/>
-              <a:t> (html)</a:t>
-            </a:r>
-          </a:p>
-        </p:txBody>
-      </p:sp>
-      <p:sp>
-        <p:nvSpPr>
-          <p:cNvPr id="3" name="Content Placeholder 2">
-            <a:extLst>
-              <a:ext uri="{FF2B5EF4-FFF2-40B4-BE49-F238E27FC236}">
-                <a16:creationId xmlns:a16="http://schemas.microsoft.com/office/drawing/2014/main" id="{E893987B-A9DB-44AE-B00A-6AE5B5F134ED}"/>
-              </a:ext>
-            </a:extLst>
-          </p:cNvPr>
-          <p:cNvSpPr>
-            <a:spLocks noGrp="1"/>
-          </p:cNvSpPr>
-          <p:nvPr>
-            <p:ph idx="1"/>
-          </p:nvPr>
-        </p:nvSpPr>
-        <p:spPr>
-          <a:xfrm>
-            <a:off x="838200" y="1825625"/>
-            <a:ext cx="1742440" cy="4351338"/>
-          </a:xfrm>
-        </p:spPr>
-        <p:txBody>
-          <a:bodyPr/>
-          <a:lstStyle/>
-          <a:p>
-            <a:endParaRPr lang="en-US"/>
-          </a:p>
-        </p:txBody>
-      </p:sp>
       <p:pic>
         <p:nvPicPr>
-          <p:cNvPr id="6" name="Picture 5">
-            <a:extLst>
-              <a:ext uri="{FF2B5EF4-FFF2-40B4-BE49-F238E27FC236}">
-                <a16:creationId xmlns:a16="http://schemas.microsoft.com/office/drawing/2014/main" id="{040FCC22-248C-45A8-A5C6-B11AD322A375}"/>
+          <p:cNvPr id="3" name="Picture 2">
+            <a:extLst>
+              <a:ext uri="{FF2B5EF4-FFF2-40B4-BE49-F238E27FC236}">
+                <a16:creationId xmlns:a16="http://schemas.microsoft.com/office/drawing/2014/main" id="{C7E9301D-E90A-4041-B76E-B6D63D2CD1F3}"/>
               </a:ext>
             </a:extLst>
           </p:cNvPr>
@@ -6930,8 +6681,8 @@
         </p:blipFill>
         <p:spPr>
           <a:xfrm>
-            <a:off x="838200" y="1153889"/>
-            <a:ext cx="11233785" cy="5539646"/>
+            <a:off x="1404937" y="147637"/>
+            <a:ext cx="9382125" cy="6562725"/>
           </a:xfrm>
           <a:prstGeom prst="rect">
             <a:avLst/>
@@ -6941,7 +6692,7 @@
     </p:spTree>
     <p:extLst>
       <p:ext uri="{BB962C8B-B14F-4D97-AF65-F5344CB8AC3E}">
-        <p14:creationId xmlns:p14="http://schemas.microsoft.com/office/powerpoint/2010/main" val="3298365086"/>
+        <p14:creationId xmlns:p14="http://schemas.microsoft.com/office/powerpoint/2010/main" val="436434035"/>
       </p:ext>
     </p:extLst>
   </p:cSld>
@@ -6968,216 +6719,12 @@
           <a:chExt cx="0" cy="0"/>
         </a:xfrm>
       </p:grpSpPr>
-      <p:sp>
-        <p:nvSpPr>
-          <p:cNvPr id="2" name="Title 1">
-            <a:extLst>
-              <a:ext uri="{FF2B5EF4-FFF2-40B4-BE49-F238E27FC236}">
-                <a16:creationId xmlns:a16="http://schemas.microsoft.com/office/drawing/2014/main" id="{5BFEF712-E659-408C-AD57-1F1A31B89F29}"/>
-              </a:ext>
-            </a:extLst>
-          </p:cNvPr>
-          <p:cNvSpPr>
-            <a:spLocks noGrp="1"/>
-          </p:cNvSpPr>
-          <p:nvPr>
-            <p:ph type="title"/>
-          </p:nvPr>
-        </p:nvSpPr>
-        <p:spPr>
-          <a:xfrm>
-            <a:off x="574040" y="273685"/>
-            <a:ext cx="10515600" cy="1325563"/>
-          </a:xfrm>
-        </p:spPr>
-        <p:txBody>
-          <a:bodyPr>
-            <a:normAutofit/>
-          </a:bodyPr>
-          <a:lstStyle/>
-          <a:p>
-            <a:r>
-              <a:rPr lang="en-US" sz="3600" dirty="0" err="1"/>
-              <a:t>place_bets</a:t>
-            </a:r>
-            <a:r>
-              <a:rPr lang="en-US" sz="3600" dirty="0"/>
-              <a:t> (view)</a:t>
-            </a:r>
-          </a:p>
-        </p:txBody>
-      </p:sp>
-      <p:sp>
-        <p:nvSpPr>
-          <p:cNvPr id="7" name="Content Placeholder 2">
-            <a:extLst>
-              <a:ext uri="{FF2B5EF4-FFF2-40B4-BE49-F238E27FC236}">
-                <a16:creationId xmlns:a16="http://schemas.microsoft.com/office/drawing/2014/main" id="{A9AE85A0-04BE-4B0A-BF3D-FA8D4937F16E}"/>
-              </a:ext>
-            </a:extLst>
-          </p:cNvPr>
-          <p:cNvSpPr>
-            <a:spLocks noGrp="1"/>
-          </p:cNvSpPr>
-          <p:nvPr>
-            <p:ph idx="1"/>
-          </p:nvPr>
-        </p:nvSpPr>
-        <p:spPr>
-          <a:xfrm>
-            <a:off x="574040" y="1690688"/>
-            <a:ext cx="3969968" cy="4351338"/>
-          </a:xfrm>
-        </p:spPr>
-        <p:txBody>
-          <a:bodyPr>
-            <a:normAutofit fontScale="85000" lnSpcReduction="20000"/>
-          </a:bodyPr>
-          <a:lstStyle/>
-          <a:p>
-            <a:pPr marL="0" indent="0">
-              <a:buNone/>
-            </a:pPr>
-            <a:r>
-              <a:rPr lang="en-US" sz="2000" dirty="0"/>
-              <a:t>Template/POST</a:t>
-            </a:r>
-          </a:p>
-          <a:p>
-            <a:pPr marL="0" indent="0">
-              <a:buNone/>
-            </a:pPr>
-            <a:endParaRPr lang="en-US" sz="2000" dirty="0"/>
-          </a:p>
-          <a:p>
-            <a:pPr marL="0" indent="0">
-              <a:buNone/>
-            </a:pPr>
-            <a:r>
-              <a:rPr lang="en-US" sz="2000" dirty="0"/>
-              <a:t>Get:</a:t>
-            </a:r>
-          </a:p>
-          <a:p>
-            <a:pPr marL="0" indent="0">
-              <a:buNone/>
-            </a:pPr>
-            <a:r>
-              <a:rPr lang="en-US" sz="2000" dirty="0"/>
-              <a:t>Call ML modes for recommendations</a:t>
-            </a:r>
-          </a:p>
-          <a:p>
-            <a:pPr marL="0" indent="0">
-              <a:buNone/>
-            </a:pPr>
-            <a:r>
-              <a:rPr lang="en-US" sz="2000" dirty="0"/>
-              <a:t>Create form and populate</a:t>
-            </a:r>
-          </a:p>
-          <a:p>
-            <a:pPr marL="0" indent="0">
-              <a:buNone/>
-            </a:pPr>
-            <a:endParaRPr lang="en-US" sz="2000" dirty="0"/>
-          </a:p>
-          <a:p>
-            <a:pPr marL="0" indent="0">
-              <a:buNone/>
-            </a:pPr>
-            <a:r>
-              <a:rPr lang="en-US" sz="2000" dirty="0"/>
-              <a:t>POST</a:t>
-            </a:r>
-          </a:p>
-          <a:p>
-            <a:pPr marL="0" indent="0">
-              <a:buNone/>
-            </a:pPr>
-            <a:r>
-              <a:rPr lang="en-US" sz="2000" dirty="0"/>
-              <a:t>Receive filled in form from </a:t>
-            </a:r>
-            <a:r>
-              <a:rPr lang="en-US" sz="2000" dirty="0" err="1"/>
-              <a:t>request.POST</a:t>
-            </a:r>
-            <a:endParaRPr lang="en-US" sz="2000" dirty="0"/>
-          </a:p>
-          <a:p>
-            <a:pPr marL="0" indent="0">
-              <a:buNone/>
-            </a:pPr>
-            <a:r>
-              <a:rPr lang="en-US" sz="2000" dirty="0"/>
-              <a:t>Validate</a:t>
-            </a:r>
-          </a:p>
-          <a:p>
-            <a:pPr marL="0" indent="0">
-              <a:buNone/>
-            </a:pPr>
-            <a:r>
-              <a:rPr lang="en-US" sz="2000" dirty="0"/>
-              <a:t>Save and redirect, or</a:t>
-            </a:r>
-          </a:p>
-          <a:p>
-            <a:pPr marL="0" indent="0">
-              <a:buNone/>
-            </a:pPr>
-            <a:r>
-              <a:rPr lang="en-US" sz="2000" dirty="0"/>
-              <a:t>Re-display w/ errors from “</a:t>
-            </a:r>
-            <a:r>
-              <a:rPr lang="en-US" sz="2000" dirty="0" err="1"/>
-              <a:t>is_valid</a:t>
-            </a:r>
-            <a:r>
-              <a:rPr lang="en-US" sz="2000" dirty="0"/>
-              <a:t>()”</a:t>
-            </a:r>
-          </a:p>
-          <a:p>
-            <a:pPr marL="0" indent="0">
-              <a:buNone/>
-            </a:pPr>
-            <a:endParaRPr lang="en-US" sz="2000" dirty="0"/>
-          </a:p>
-          <a:p>
-            <a:pPr marL="0" indent="0">
-              <a:buNone/>
-            </a:pPr>
-            <a:r>
-              <a:rPr lang="en-US" sz="2000" dirty="0"/>
-              <a:t>URL has form</a:t>
-            </a:r>
-          </a:p>
-          <a:p>
-            <a:r>
-              <a:rPr lang="en-US" sz="2000" dirty="0">
-                <a:hlinkClick r:id="rId2"/>
-              </a:rPr>
-              <a:t>http://xyz.com/starid</a:t>
-            </a:r>
-            <a:endParaRPr lang="en-US" sz="2000" dirty="0"/>
-          </a:p>
-          <a:p>
-            <a:pPr marL="0" indent="0">
-              <a:buNone/>
-            </a:pPr>
-            <a:endParaRPr lang="en-US" sz="2000" dirty="0"/>
-          </a:p>
-        </p:txBody>
-      </p:sp>
       <p:pic>
         <p:nvPicPr>
-          <p:cNvPr id="5" name="Picture 4">
-            <a:extLst>
-              <a:ext uri="{FF2B5EF4-FFF2-40B4-BE49-F238E27FC236}">
-                <a16:creationId xmlns:a16="http://schemas.microsoft.com/office/drawing/2014/main" id="{4920017F-208F-4EE0-BDFE-06FB98DC4E79}"/>
+          <p:cNvPr id="2" name="Picture 1">
+            <a:extLst>
+              <a:ext uri="{FF2B5EF4-FFF2-40B4-BE49-F238E27FC236}">
+                <a16:creationId xmlns:a16="http://schemas.microsoft.com/office/drawing/2014/main" id="{D64D424F-5EEF-4D5D-AF1B-1C7CA1E0E6AE}"/>
               </a:ext>
             </a:extLst>
           </p:cNvPr>
@@ -7187,15 +6734,15 @@
           <p:nvPr/>
         </p:nvPicPr>
         <p:blipFill>
-          <a:blip r:embed="rId3"/>
+          <a:blip r:embed="rId2"/>
           <a:stretch>
             <a:fillRect/>
           </a:stretch>
         </p:blipFill>
         <p:spPr>
           <a:xfrm>
-            <a:off x="4838700" y="130175"/>
-            <a:ext cx="7213600" cy="6629400"/>
+            <a:off x="1409700" y="185737"/>
+            <a:ext cx="9372600" cy="6486525"/>
           </a:xfrm>
           <a:prstGeom prst="rect">
             <a:avLst/>
@@ -7205,7 +6752,7 @@
     </p:spTree>
     <p:extLst>
       <p:ext uri="{BB962C8B-B14F-4D97-AF65-F5344CB8AC3E}">
-        <p14:creationId xmlns:p14="http://schemas.microsoft.com/office/powerpoint/2010/main" val="1382881176"/>
+        <p14:creationId xmlns:p14="http://schemas.microsoft.com/office/powerpoint/2010/main" val="1011695919"/>
       </p:ext>
     </p:extLst>
   </p:cSld>
@@ -7324,7 +6871,16 @@
             <a:pPr lvl="1"/>
             <a:r>
               <a:rPr lang="en-US" dirty="0"/>
-              <a:t>Make it available for Anyone (with access to a browser)</a:t>
+              <a:t>A means to express your work (anyone with a browser) vs</a:t>
+            </a:r>
+          </a:p>
+          <a:p>
+            <a:pPr marL="914400" lvl="2" indent="0">
+              <a:buNone/>
+            </a:pPr>
+            <a:r>
+              <a:rPr lang="en-US" dirty="0"/>
+              <a:t>Jupyter Notebook, .ppt/.doc, Vimeo, Kaggle</a:t>
             </a:r>
           </a:p>
           <a:p>
@@ -7366,51 +6922,12 @@
           <a:chExt cx="0" cy="0"/>
         </a:xfrm>
       </p:grpSpPr>
-      <p:sp>
-        <p:nvSpPr>
-          <p:cNvPr id="2" name="Title 1">
-            <a:extLst>
-              <a:ext uri="{FF2B5EF4-FFF2-40B4-BE49-F238E27FC236}">
-                <a16:creationId xmlns:a16="http://schemas.microsoft.com/office/drawing/2014/main" id="{5BFEF712-E659-408C-AD57-1F1A31B89F29}"/>
-              </a:ext>
-            </a:extLst>
-          </p:cNvPr>
-          <p:cNvSpPr>
-            <a:spLocks noGrp="1"/>
-          </p:cNvSpPr>
-          <p:nvPr>
-            <p:ph type="title"/>
-          </p:nvPr>
-        </p:nvSpPr>
-        <p:spPr>
-          <a:xfrm>
-            <a:off x="574040" y="273685"/>
-            <a:ext cx="10515600" cy="1325563"/>
-          </a:xfrm>
-        </p:spPr>
-        <p:txBody>
-          <a:bodyPr>
-            <a:normAutofit/>
-          </a:bodyPr>
-          <a:lstStyle/>
-          <a:p>
-            <a:r>
-              <a:rPr lang="en-US" sz="3600" dirty="0" err="1"/>
-              <a:t>place_bets</a:t>
-            </a:r>
-            <a:r>
-              <a:rPr lang="en-US" sz="3600" dirty="0"/>
-              <a:t> (html)</a:t>
-            </a:r>
-          </a:p>
-        </p:txBody>
-      </p:sp>
       <p:pic>
         <p:nvPicPr>
-          <p:cNvPr id="6" name="Picture 5">
-            <a:extLst>
-              <a:ext uri="{FF2B5EF4-FFF2-40B4-BE49-F238E27FC236}">
-                <a16:creationId xmlns:a16="http://schemas.microsoft.com/office/drawing/2014/main" id="{7B2D3925-7B1F-487E-AEC5-82ABED514174}"/>
+          <p:cNvPr id="3" name="Picture 2">
+            <a:extLst>
+              <a:ext uri="{FF2B5EF4-FFF2-40B4-BE49-F238E27FC236}">
+                <a16:creationId xmlns:a16="http://schemas.microsoft.com/office/drawing/2014/main" id="{8788D567-D3DA-472A-ADAF-822186FA9373}"/>
               </a:ext>
             </a:extLst>
           </p:cNvPr>
@@ -7427,8 +6944,8 @@
         </p:blipFill>
         <p:spPr>
           <a:xfrm>
-            <a:off x="4366727" y="105734"/>
-            <a:ext cx="7615625" cy="6630953"/>
+            <a:off x="660000" y="0"/>
+            <a:ext cx="10872000" cy="6858000"/>
           </a:xfrm>
           <a:prstGeom prst="rect">
             <a:avLst/>
@@ -7438,7 +6955,7 @@
     </p:spTree>
     <p:extLst>
       <p:ext uri="{BB962C8B-B14F-4D97-AF65-F5344CB8AC3E}">
-        <p14:creationId xmlns:p14="http://schemas.microsoft.com/office/powerpoint/2010/main" val="4195361001"/>
+        <p14:creationId xmlns:p14="http://schemas.microsoft.com/office/powerpoint/2010/main" val="1667209782"/>
       </p:ext>
     </p:extLst>
   </p:cSld>
@@ -7465,63 +6982,40 @@
           <a:chExt cx="0" cy="0"/>
         </a:xfrm>
       </p:grpSpPr>
-      <p:sp>
-        <p:nvSpPr>
-          <p:cNvPr id="2" name="Title 1">
-            <a:extLst>
-              <a:ext uri="{FF2B5EF4-FFF2-40B4-BE49-F238E27FC236}">
-                <a16:creationId xmlns:a16="http://schemas.microsoft.com/office/drawing/2014/main" id="{6C24AB51-D0AE-47AF-A254-ED0A18910444}"/>
-              </a:ext>
-            </a:extLst>
-          </p:cNvPr>
-          <p:cNvSpPr>
-            <a:spLocks noGrp="1"/>
-          </p:cNvSpPr>
-          <p:nvPr>
-            <p:ph type="title"/>
-          </p:nvPr>
-        </p:nvSpPr>
-        <p:spPr/>
-        <p:txBody>
-          <a:bodyPr/>
-          <a:lstStyle/>
-          <a:p>
-            <a:r>
-              <a:rPr lang="en-US" dirty="0"/>
-              <a:t>What I did not expect...</a:t>
-            </a:r>
-          </a:p>
-        </p:txBody>
-      </p:sp>
-      <p:sp>
-        <p:nvSpPr>
-          <p:cNvPr id="3" name="Content Placeholder 2">
-            <a:extLst>
-              <a:ext uri="{FF2B5EF4-FFF2-40B4-BE49-F238E27FC236}">
-                <a16:creationId xmlns:a16="http://schemas.microsoft.com/office/drawing/2014/main" id="{CC3B6CE1-9DA5-4150-9A0C-898EA1CC56DA}"/>
-              </a:ext>
-            </a:extLst>
-          </p:cNvPr>
-          <p:cNvSpPr>
-            <a:spLocks noGrp="1"/>
-          </p:cNvSpPr>
-          <p:nvPr>
-            <p:ph idx="1"/>
-          </p:nvPr>
-        </p:nvSpPr>
-        <p:spPr/>
-        <p:txBody>
-          <a:bodyPr/>
-          <a:lstStyle/>
-          <a:p>
-            <a:endParaRPr lang="en-US"/>
-          </a:p>
-        </p:txBody>
-      </p:sp>
+      <p:pic>
+        <p:nvPicPr>
+          <p:cNvPr id="5" name="Picture 4">
+            <a:extLst>
+              <a:ext uri="{FF2B5EF4-FFF2-40B4-BE49-F238E27FC236}">
+                <a16:creationId xmlns:a16="http://schemas.microsoft.com/office/drawing/2014/main" id="{E70F4475-7C22-4453-A3D9-809BB3CFAACC}"/>
+              </a:ext>
+            </a:extLst>
+          </p:cNvPr>
+          <p:cNvPicPr>
+            <a:picLocks noChangeAspect="1"/>
+          </p:cNvPicPr>
+          <p:nvPr/>
+        </p:nvPicPr>
+        <p:blipFill>
+          <a:blip r:embed="rId2"/>
+          <a:stretch>
+            <a:fillRect/>
+          </a:stretch>
+        </p:blipFill>
+        <p:spPr>
+          <a:xfrm>
+            <a:off x="404812" y="133350"/>
+            <a:ext cx="11382375" cy="6591300"/>
+          </a:xfrm>
+          <a:prstGeom prst="rect">
+            <a:avLst/>
+          </a:prstGeom>
+        </p:spPr>
+      </p:pic>
     </p:spTree>
     <p:extLst>
       <p:ext uri="{BB962C8B-B14F-4D97-AF65-F5344CB8AC3E}">
-        <p14:creationId xmlns:p14="http://schemas.microsoft.com/office/powerpoint/2010/main" val="3164689895"/>
+        <p14:creationId xmlns:p14="http://schemas.microsoft.com/office/powerpoint/2010/main" val="854502903"/>
       </p:ext>
     </p:extLst>
   </p:cSld>
@@ -7553,7 +7047,7 @@
           <p:cNvPr id="2" name="Title 1">
             <a:extLst>
               <a:ext uri="{FF2B5EF4-FFF2-40B4-BE49-F238E27FC236}">
-                <a16:creationId xmlns:a16="http://schemas.microsoft.com/office/drawing/2014/main" id="{504B7C1F-E423-4587-AD63-A889BAE3F03F}"/>
+                <a16:creationId xmlns:a16="http://schemas.microsoft.com/office/drawing/2014/main" id="{72D37B68-95BF-47AD-AAA0-896D19432CAD}"/>
               </a:ext>
             </a:extLst>
           </p:cNvPr>
@@ -7564,56 +7058,20 @@
             <p:ph type="title"/>
           </p:nvPr>
         </p:nvSpPr>
-        <p:spPr/>
+        <p:spPr>
+          <a:xfrm>
+            <a:off x="673100" y="30954"/>
+            <a:ext cx="10515600" cy="1325563"/>
+          </a:xfrm>
+        </p:spPr>
         <p:txBody>
           <a:bodyPr/>
           <a:lstStyle/>
           <a:p>
             <a:r>
               <a:rPr lang="en-US" dirty="0"/>
-              <a:t>“Data Visualization”</a:t>
-            </a:r>
-          </a:p>
-        </p:txBody>
-      </p:sp>
-      <p:sp>
-        <p:nvSpPr>
-          <p:cNvPr id="3" name="Content Placeholder 2">
-            <a:extLst>
-              <a:ext uri="{FF2B5EF4-FFF2-40B4-BE49-F238E27FC236}">
-                <a16:creationId xmlns:a16="http://schemas.microsoft.com/office/drawing/2014/main" id="{069B53B7-D426-49E6-942F-CD87BB641717}"/>
-              </a:ext>
-            </a:extLst>
-          </p:cNvPr>
-          <p:cNvSpPr>
-            <a:spLocks noGrp="1"/>
-          </p:cNvSpPr>
-          <p:nvPr>
-            <p:ph idx="1"/>
-          </p:nvPr>
-        </p:nvSpPr>
-        <p:spPr>
-          <a:xfrm>
-            <a:off x="576942" y="1690688"/>
-            <a:ext cx="10515599" cy="595312"/>
-          </a:xfrm>
-        </p:spPr>
-        <p:txBody>
-          <a:bodyPr>
-            <a:normAutofit/>
-          </a:bodyPr>
-          <a:lstStyle/>
-          <a:p>
-            <a:r>
-              <a:rPr lang="en-US" dirty="0"/>
-              <a:t>Tons of libraries.  High end (D3.js) to basic (Google Charts)</a:t>
-            </a:r>
-          </a:p>
-          <a:p>
-            <a:pPr marL="0" indent="0">
-              <a:buNone/>
-            </a:pPr>
-            <a:endParaRPr lang="en-US" dirty="0"/>
+              <a:t>From last time</a:t>
+            </a:r>
           </a:p>
         </p:txBody>
       </p:sp>
@@ -7622,7 +7080,7 @@
           <p:cNvPr id="4" name="Picture 3">
             <a:extLst>
               <a:ext uri="{FF2B5EF4-FFF2-40B4-BE49-F238E27FC236}">
-                <a16:creationId xmlns:a16="http://schemas.microsoft.com/office/drawing/2014/main" id="{C3B25813-2046-484F-85F0-BAAD76DDEB7E}"/>
+                <a16:creationId xmlns:a16="http://schemas.microsoft.com/office/drawing/2014/main" id="{91B6CC8C-636B-460E-9C44-32957CA41EDB}"/>
               </a:ext>
             </a:extLst>
           </p:cNvPr>
@@ -7639,136 +7097,18 @@
         </p:blipFill>
         <p:spPr>
           <a:xfrm>
-            <a:off x="4182943" y="2286000"/>
-            <a:ext cx="7170857" cy="3462240"/>
+            <a:off x="1676400" y="1356517"/>
+            <a:ext cx="9648825" cy="5158342"/>
           </a:xfrm>
           <a:prstGeom prst="rect">
             <a:avLst/>
           </a:prstGeom>
         </p:spPr>
       </p:pic>
-      <p:sp>
-        <p:nvSpPr>
-          <p:cNvPr id="5" name="Rectangle 4">
-            <a:extLst>
-              <a:ext uri="{FF2B5EF4-FFF2-40B4-BE49-F238E27FC236}">
-                <a16:creationId xmlns:a16="http://schemas.microsoft.com/office/drawing/2014/main" id="{563B469A-08EF-4462-B54E-6D512F0937C6}"/>
-              </a:ext>
-            </a:extLst>
-          </p:cNvPr>
-          <p:cNvSpPr/>
-          <p:nvPr/>
-        </p:nvSpPr>
-        <p:spPr>
-          <a:xfrm>
-            <a:off x="753943" y="5938877"/>
-            <a:ext cx="10338598" cy="553998"/>
-          </a:xfrm>
-          <a:prstGeom prst="rect">
-            <a:avLst/>
-          </a:prstGeom>
-        </p:spPr>
-        <p:txBody>
-          <a:bodyPr wrap="square">
-            <a:spAutoFit/>
-          </a:bodyPr>
-          <a:lstStyle/>
-          <a:p>
-            <a:r>
-              <a:rPr lang="en-US" sz="1000" dirty="0"/>
-              <a:t>References:</a:t>
-            </a:r>
-          </a:p>
-          <a:p>
-            <a:pPr lvl="1"/>
-            <a:r>
-              <a:rPr lang="en-US" sz="1000" dirty="0">
-                <a:hlinkClick r:id="rId3"/>
-              </a:rPr>
-              <a:t>https://app.pluralsight.com/library/courses/build-first-data-visualization-google-charts</a:t>
-            </a:r>
-            <a:endParaRPr lang="en-US" sz="1000" dirty="0"/>
-          </a:p>
-          <a:p>
-            <a:pPr lvl="1"/>
-            <a:r>
-              <a:rPr lang="en-US" sz="1000" dirty="0">
-                <a:hlinkClick r:id="rId4"/>
-              </a:rPr>
-              <a:t>https://www.sitepoint.com/best-javascript-charting-libraries/</a:t>
-            </a:r>
-            <a:endParaRPr lang="en-US" sz="1000" dirty="0"/>
-          </a:p>
-        </p:txBody>
-      </p:sp>
-      <p:sp>
-        <p:nvSpPr>
-          <p:cNvPr id="6" name="Rectangle 5">
-            <a:extLst>
-              <a:ext uri="{FF2B5EF4-FFF2-40B4-BE49-F238E27FC236}">
-                <a16:creationId xmlns:a16="http://schemas.microsoft.com/office/drawing/2014/main" id="{86D4800D-C305-4570-B941-6DE0E4573E1F}"/>
-              </a:ext>
-            </a:extLst>
-          </p:cNvPr>
-          <p:cNvSpPr/>
-          <p:nvPr/>
-        </p:nvSpPr>
-        <p:spPr>
-          <a:xfrm>
-            <a:off x="576942" y="2496146"/>
-            <a:ext cx="3136642" cy="1938992"/>
-          </a:xfrm>
-          <a:prstGeom prst="rect">
-            <a:avLst/>
-          </a:prstGeom>
-        </p:spPr>
-        <p:txBody>
-          <a:bodyPr wrap="square">
-            <a:spAutoFit/>
-          </a:bodyPr>
-          <a:lstStyle/>
-          <a:p>
-            <a:pPr marL="285750" indent="-285750">
-              <a:buFont typeface="Arial" panose="020B0604020202020204" pitchFamily="34" charset="0"/>
-              <a:buChar char="•"/>
-            </a:pPr>
-            <a:r>
-              <a:rPr lang="en-US" sz="2000" dirty="0"/>
-              <a:t>Initial exploration is by Jupyter Notebook and/or Pandas/</a:t>
-            </a:r>
-            <a:r>
-              <a:rPr lang="en-US" sz="2000" dirty="0" err="1"/>
-              <a:t>MatplotLib</a:t>
-            </a:r>
-            <a:r>
-              <a:rPr lang="en-US" sz="2000" dirty="0"/>
-              <a:t>... see Titanic and </a:t>
-            </a:r>
-            <a:r>
-              <a:rPr lang="en-US" sz="2000" dirty="0" err="1"/>
-              <a:t>PLAsTiCC</a:t>
-            </a:r>
-            <a:r>
-              <a:rPr lang="en-US" sz="2000" dirty="0"/>
-              <a:t> #1</a:t>
-            </a:r>
-          </a:p>
-          <a:p>
-            <a:pPr marL="285750" indent="-285750">
-              <a:buFont typeface="Arial" panose="020B0604020202020204" pitchFamily="34" charset="0"/>
-              <a:buChar char="•"/>
-            </a:pPr>
-            <a:r>
-              <a:rPr lang="en-US" sz="2000" dirty="0"/>
-              <a:t>For Web App I went with Google Charts</a:t>
-            </a:r>
-          </a:p>
-        </p:txBody>
-      </p:sp>
     </p:spTree>
     <p:extLst>
       <p:ext uri="{BB962C8B-B14F-4D97-AF65-F5344CB8AC3E}">
-        <p14:creationId xmlns:p14="http://schemas.microsoft.com/office/powerpoint/2010/main" val="3004834643"/>
+        <p14:creationId xmlns:p14="http://schemas.microsoft.com/office/powerpoint/2010/main" val="3375098044"/>
       </p:ext>
     </p:extLst>
   </p:cSld>
@@ -7797,54 +7137,38 @@
       </p:grpSpPr>
       <p:sp>
         <p:nvSpPr>
-          <p:cNvPr id="5" name="Rectangle 4">
-            <a:extLst>
-              <a:ext uri="{FF2B5EF4-FFF2-40B4-BE49-F238E27FC236}">
-                <a16:creationId xmlns:a16="http://schemas.microsoft.com/office/drawing/2014/main" id="{563B469A-08EF-4462-B54E-6D512F0937C6}"/>
-              </a:ext>
-            </a:extLst>
-          </p:cNvPr>
-          <p:cNvSpPr/>
-          <p:nvPr/>
-        </p:nvSpPr>
-        <p:spPr>
-          <a:xfrm>
-            <a:off x="558068" y="6200623"/>
-            <a:ext cx="10338598" cy="400110"/>
-          </a:xfrm>
-          <a:prstGeom prst="rect">
-            <a:avLst/>
-          </a:prstGeom>
-        </p:spPr>
-        <p:txBody>
-          <a:bodyPr wrap="square">
-            <a:spAutoFit/>
-          </a:bodyPr>
+          <p:cNvPr id="2" name="Title 1">
+            <a:extLst>
+              <a:ext uri="{FF2B5EF4-FFF2-40B4-BE49-F238E27FC236}">
+                <a16:creationId xmlns:a16="http://schemas.microsoft.com/office/drawing/2014/main" id="{73235461-01C8-4E07-BF82-8BA3964040AC}"/>
+              </a:ext>
+            </a:extLst>
+          </p:cNvPr>
+          <p:cNvSpPr>
+            <a:spLocks noGrp="1"/>
+          </p:cNvSpPr>
+          <p:nvPr>
+            <p:ph type="title"/>
+          </p:nvPr>
+        </p:nvSpPr>
+        <p:spPr/>
+        <p:txBody>
+          <a:bodyPr/>
           <a:lstStyle/>
           <a:p>
             <a:r>
-              <a:rPr lang="en-US" sz="1000" dirty="0"/>
-              <a:t>Reference:</a:t>
-            </a:r>
-          </a:p>
-          <a:p>
-            <a:pPr lvl="1"/>
-            <a:r>
-              <a:rPr lang="en-US" sz="1000" dirty="0">
-                <a:hlinkClick r:id="rId2"/>
-              </a:rPr>
-              <a:t>https://app.pluralsight.com/library/courses/build-first-data-visualization-google-charts</a:t>
-            </a:r>
-            <a:endParaRPr lang="en-US" sz="1000" dirty="0"/>
+              <a:rPr lang="en-US" dirty="0"/>
+              <a:t>Schema</a:t>
+            </a:r>
           </a:p>
         </p:txBody>
       </p:sp>
       <p:pic>
         <p:nvPicPr>
-          <p:cNvPr id="9" name="Picture 8">
-            <a:extLst>
-              <a:ext uri="{FF2B5EF4-FFF2-40B4-BE49-F238E27FC236}">
-                <a16:creationId xmlns:a16="http://schemas.microsoft.com/office/drawing/2014/main" id="{21A6DBDE-E35C-4653-9AA3-7DE97C00B0F1}"/>
+          <p:cNvPr id="5" name="Picture 4">
+            <a:extLst>
+              <a:ext uri="{FF2B5EF4-FFF2-40B4-BE49-F238E27FC236}">
+                <a16:creationId xmlns:a16="http://schemas.microsoft.com/office/drawing/2014/main" id="{3DE1C741-C22F-4464-8E46-7B99349C3CAE}"/>
               </a:ext>
             </a:extLst>
           </p:cNvPr>
@@ -7854,58 +7178,25 @@
           <p:nvPr/>
         </p:nvPicPr>
         <p:blipFill>
-          <a:blip r:embed="rId3"/>
+          <a:blip r:embed="rId2"/>
           <a:stretch>
             <a:fillRect/>
           </a:stretch>
         </p:blipFill>
         <p:spPr>
           <a:xfrm>
-            <a:off x="3665156" y="325290"/>
-            <a:ext cx="7968776" cy="5948277"/>
+            <a:off x="2867024" y="895349"/>
+            <a:ext cx="7145097" cy="5330825"/>
           </a:xfrm>
           <a:prstGeom prst="rect">
             <a:avLst/>
           </a:prstGeom>
         </p:spPr>
       </p:pic>
-      <p:sp>
-        <p:nvSpPr>
-          <p:cNvPr id="4" name="Title 1">
-            <a:extLst>
-              <a:ext uri="{FF2B5EF4-FFF2-40B4-BE49-F238E27FC236}">
-                <a16:creationId xmlns:a16="http://schemas.microsoft.com/office/drawing/2014/main" id="{69641DD2-1D40-49F5-AD9B-1E325EB7E158}"/>
-              </a:ext>
-            </a:extLst>
-          </p:cNvPr>
-          <p:cNvSpPr>
-            <a:spLocks noGrp="1"/>
-          </p:cNvSpPr>
-          <p:nvPr>
-            <p:ph type="title"/>
-          </p:nvPr>
-        </p:nvSpPr>
-        <p:spPr>
-          <a:xfrm>
-            <a:off x="381066" y="102453"/>
-            <a:ext cx="2865473" cy="2011573"/>
-          </a:xfrm>
-        </p:spPr>
-        <p:txBody>
-          <a:bodyPr/>
-          <a:lstStyle/>
-          <a:p>
-            <a:r>
-              <a:rPr lang="en-US" dirty="0"/>
-              <a:t>Why this is important...</a:t>
-            </a:r>
-          </a:p>
-        </p:txBody>
-      </p:sp>
     </p:spTree>
     <p:extLst>
       <p:ext uri="{BB962C8B-B14F-4D97-AF65-F5344CB8AC3E}">
-        <p14:creationId xmlns:p14="http://schemas.microsoft.com/office/powerpoint/2010/main" val="3893797724"/>
+        <p14:creationId xmlns:p14="http://schemas.microsoft.com/office/powerpoint/2010/main" val="49194344"/>
       </p:ext>
     </p:extLst>
   </p:cSld>
@@ -7937,7 +7228,7 @@
           <p:cNvPr id="2" name="Title 1">
             <a:extLst>
               <a:ext uri="{FF2B5EF4-FFF2-40B4-BE49-F238E27FC236}">
-                <a16:creationId xmlns:a16="http://schemas.microsoft.com/office/drawing/2014/main" id="{81976E80-F021-4D53-88FC-5FCAF1B3A885}"/>
+                <a16:creationId xmlns:a16="http://schemas.microsoft.com/office/drawing/2014/main" id="{5BFEF712-E659-408C-AD57-1F1A31B89F29}"/>
               </a:ext>
             </a:extLst>
           </p:cNvPr>
@@ -7948,24 +7239,65 @@
             <p:ph type="title"/>
           </p:nvPr>
         </p:nvSpPr>
-        <p:spPr/>
-        <p:txBody>
-          <a:bodyPr/>
+        <p:spPr>
+          <a:xfrm>
+            <a:off x="574040" y="273685"/>
+            <a:ext cx="10515600" cy="1325563"/>
+          </a:xfrm>
+        </p:spPr>
+        <p:txBody>
+          <a:bodyPr>
+            <a:normAutofit/>
+          </a:bodyPr>
           <a:lstStyle/>
           <a:p>
             <a:r>
-              <a:rPr lang="en-US" dirty="0"/>
-              <a:t>AWS EB (Elastic Beanstalk) vs ES2</a:t>
-            </a:r>
-          </a:p>
-        </p:txBody>
-      </p:sp>
-      <p:sp>
-        <p:nvSpPr>
-          <p:cNvPr id="3" name="Content Placeholder 2">
-            <a:extLst>
-              <a:ext uri="{FF2B5EF4-FFF2-40B4-BE49-F238E27FC236}">
-                <a16:creationId xmlns:a16="http://schemas.microsoft.com/office/drawing/2014/main" id="{4AFECD66-B096-447E-83DD-6B0479CB19EB}"/>
+              <a:rPr lang="en-US" sz="3600" dirty="0" err="1"/>
+              <a:t>pick_star</a:t>
+            </a:r>
+            <a:r>
+              <a:rPr lang="en-US" sz="3600" dirty="0"/>
+              <a:t> (view)</a:t>
+            </a:r>
+          </a:p>
+        </p:txBody>
+      </p:sp>
+      <p:pic>
+        <p:nvPicPr>
+          <p:cNvPr id="6" name="Picture 5">
+            <a:extLst>
+              <a:ext uri="{FF2B5EF4-FFF2-40B4-BE49-F238E27FC236}">
+                <a16:creationId xmlns:a16="http://schemas.microsoft.com/office/drawing/2014/main" id="{8F3CA879-D6D7-466B-9A97-2D257626F74E}"/>
+              </a:ext>
+            </a:extLst>
+          </p:cNvPr>
+          <p:cNvPicPr>
+            <a:picLocks noChangeAspect="1"/>
+          </p:cNvPicPr>
+          <p:nvPr/>
+        </p:nvPicPr>
+        <p:blipFill>
+          <a:blip r:embed="rId2"/>
+          <a:stretch>
+            <a:fillRect/>
+          </a:stretch>
+        </p:blipFill>
+        <p:spPr>
+          <a:xfrm>
+            <a:off x="4508500" y="179387"/>
+            <a:ext cx="7291387" cy="6579472"/>
+          </a:xfrm>
+          <a:prstGeom prst="rect">
+            <a:avLst/>
+          </a:prstGeom>
+        </p:spPr>
+      </p:pic>
+      <p:sp>
+        <p:nvSpPr>
+          <p:cNvPr id="7" name="Content Placeholder 2">
+            <a:extLst>
+              <a:ext uri="{FF2B5EF4-FFF2-40B4-BE49-F238E27FC236}">
+                <a16:creationId xmlns:a16="http://schemas.microsoft.com/office/drawing/2014/main" id="{A9AE85A0-04BE-4B0A-BF3D-FA8D4937F16E}"/>
               </a:ext>
             </a:extLst>
           </p:cNvPr>
@@ -7978,86 +7310,84 @@
         </p:nvSpPr>
         <p:spPr>
           <a:xfrm>
-            <a:off x="838200" y="1696844"/>
-            <a:ext cx="6243735" cy="4351338"/>
-          </a:xfrm>
-        </p:spPr>
-        <p:txBody>
-          <a:bodyPr/>
+            <a:off x="574040" y="1690688"/>
+            <a:ext cx="3327400" cy="4351338"/>
+          </a:xfrm>
+        </p:spPr>
+        <p:txBody>
+          <a:bodyPr>
+            <a:normAutofit/>
+          </a:bodyPr>
           <a:lstStyle/>
           <a:p>
-            <a:r>
-              <a:rPr lang="en-US" dirty="0"/>
-              <a:t>EB = EC2 + RDS + S3</a:t>
-            </a:r>
-          </a:p>
-          <a:p>
-            <a:r>
-              <a:rPr lang="en-US" dirty="0"/>
-              <a:t>Scales with demand</a:t>
-            </a:r>
-          </a:p>
-          <a:p>
-            <a:r>
-              <a:rPr lang="en-US" dirty="0"/>
-              <a:t>Follow instructions from </a:t>
-            </a:r>
-            <a:r>
-              <a:rPr lang="en-US" sz="1200" dirty="0">
-                <a:hlinkClick r:id="rId2"/>
+            <a:pPr marL="0" indent="0">
+              <a:buNone/>
+            </a:pPr>
+            <a:r>
+              <a:rPr lang="en-US" sz="2000" dirty="0"/>
+              <a:t>GET only (no template/POST)</a:t>
+            </a:r>
+          </a:p>
+          <a:p>
+            <a:pPr marL="0" indent="0">
+              <a:buNone/>
+            </a:pPr>
+            <a:endParaRPr lang="en-US" sz="2000" dirty="0"/>
+          </a:p>
+          <a:p>
+            <a:pPr marL="0" indent="0">
+              <a:buNone/>
+            </a:pPr>
+            <a:r>
+              <a:rPr lang="en-US" sz="2000" dirty="0"/>
+              <a:t>Display a list of stars to choose from</a:t>
+            </a:r>
+          </a:p>
+          <a:p>
+            <a:pPr marL="0" indent="0">
+              <a:buNone/>
+            </a:pPr>
+            <a:r>
+              <a:rPr lang="en-US" sz="2000" dirty="0"/>
+              <a:t>Chart one star (chosen by user from list)</a:t>
+            </a:r>
+          </a:p>
+          <a:p>
+            <a:pPr marL="0" indent="0">
+              <a:buNone/>
+            </a:pPr>
+            <a:endParaRPr lang="en-US" sz="2000" dirty="0"/>
+          </a:p>
+          <a:p>
+            <a:pPr marL="0" indent="0">
+              <a:buNone/>
+            </a:pPr>
+            <a:r>
+              <a:rPr lang="en-US" sz="2000" dirty="0"/>
+              <a:t>Two parameters on URL</a:t>
+            </a:r>
+          </a:p>
+          <a:p>
+            <a:r>
+              <a:rPr lang="en-US" sz="2000" dirty="0">
+                <a:hlinkClick r:id="rId3"/>
               </a:rPr>
-              <a:t>https://realpython.com/deploying-a-django-app-and-postgresql-to-aws-elastic-beanstalk/</a:t>
-            </a:r>
-            <a:endParaRPr lang="en-US" sz="1200" dirty="0"/>
-          </a:p>
-          <a:p>
-            <a:r>
-              <a:rPr lang="en-US" dirty="0"/>
-              <a:t>Straightforward but not really...</a:t>
-            </a:r>
-          </a:p>
-          <a:p>
-            <a:r>
-              <a:rPr lang="en-US" dirty="0"/>
-              <a:t>Baseline = $8/day with no traffic and minimal data (ARRGH!)</a:t>
-            </a:r>
-          </a:p>
-        </p:txBody>
-      </p:sp>
-      <p:pic>
-        <p:nvPicPr>
-          <p:cNvPr id="4" name="Picture 3">
-            <a:extLst>
-              <a:ext uri="{FF2B5EF4-FFF2-40B4-BE49-F238E27FC236}">
-                <a16:creationId xmlns:a16="http://schemas.microsoft.com/office/drawing/2014/main" id="{605D59AB-7188-450C-B5B9-81A1F4DC716B}"/>
-              </a:ext>
-            </a:extLst>
-          </p:cNvPr>
-          <p:cNvPicPr>
-            <a:picLocks noChangeAspect="1"/>
-          </p:cNvPicPr>
-          <p:nvPr/>
-        </p:nvPicPr>
-        <p:blipFill>
-          <a:blip r:embed="rId3"/>
-          <a:stretch>
-            <a:fillRect/>
-          </a:stretch>
-        </p:blipFill>
-        <p:spPr>
-          <a:xfrm>
-            <a:off x="7164584" y="1570522"/>
-            <a:ext cx="4639806" cy="4222557"/>
-          </a:xfrm>
-          <a:prstGeom prst="rect">
-            <a:avLst/>
-          </a:prstGeom>
-        </p:spPr>
-      </p:pic>
+              <a:t>http://...?p1=x&amp;p2=y</a:t>
+            </a:r>
+            <a:endParaRPr lang="en-US" sz="2000" dirty="0"/>
+          </a:p>
+          <a:p>
+            <a:pPr marL="0" indent="0">
+              <a:buNone/>
+            </a:pPr>
+            <a:endParaRPr lang="en-US" sz="2000" dirty="0"/>
+          </a:p>
+        </p:txBody>
+      </p:sp>
     </p:spTree>
     <p:extLst>
       <p:ext uri="{BB962C8B-B14F-4D97-AF65-F5344CB8AC3E}">
-        <p14:creationId xmlns:p14="http://schemas.microsoft.com/office/powerpoint/2010/main" val="3749611798"/>
+        <p14:creationId xmlns:p14="http://schemas.microsoft.com/office/powerpoint/2010/main" val="3186765958"/>
       </p:ext>
     </p:extLst>
   </p:cSld>
@@ -8089,7 +7419,7 @@
           <p:cNvPr id="2" name="Title 1">
             <a:extLst>
               <a:ext uri="{FF2B5EF4-FFF2-40B4-BE49-F238E27FC236}">
-                <a16:creationId xmlns:a16="http://schemas.microsoft.com/office/drawing/2014/main" id="{26AC7FAF-3538-4288-8DB2-24E83170AC38}"/>
+                <a16:creationId xmlns:a16="http://schemas.microsoft.com/office/drawing/2014/main" id="{8D188AE6-8ACC-4973-A1BC-753DBFF50063}"/>
               </a:ext>
             </a:extLst>
           </p:cNvPr>
@@ -8100,24 +7430,65 @@
             <p:ph type="title"/>
           </p:nvPr>
         </p:nvSpPr>
-        <p:spPr/>
+        <p:spPr>
+          <a:xfrm>
+            <a:off x="645160" y="164194"/>
+            <a:ext cx="10515600" cy="1325563"/>
+          </a:xfrm>
+        </p:spPr>
+        <p:txBody>
+          <a:bodyPr>
+            <a:normAutofit/>
+          </a:bodyPr>
+          <a:lstStyle/>
+          <a:p>
+            <a:r>
+              <a:rPr lang="en-US" sz="3600" dirty="0" err="1"/>
+              <a:t>pick_star</a:t>
+            </a:r>
+            <a:r>
+              <a:rPr lang="en-US" sz="3600" dirty="0"/>
+              <a:t> (html)</a:t>
+            </a:r>
+          </a:p>
+        </p:txBody>
+      </p:sp>
+      <p:sp>
+        <p:nvSpPr>
+          <p:cNvPr id="3" name="Content Placeholder 2">
+            <a:extLst>
+              <a:ext uri="{FF2B5EF4-FFF2-40B4-BE49-F238E27FC236}">
+                <a16:creationId xmlns:a16="http://schemas.microsoft.com/office/drawing/2014/main" id="{E893987B-A9DB-44AE-B00A-6AE5B5F134ED}"/>
+              </a:ext>
+            </a:extLst>
+          </p:cNvPr>
+          <p:cNvSpPr>
+            <a:spLocks noGrp="1"/>
+          </p:cNvSpPr>
+          <p:nvPr>
+            <p:ph idx="1"/>
+          </p:nvPr>
+        </p:nvSpPr>
+        <p:spPr>
+          <a:xfrm>
+            <a:off x="838200" y="1825625"/>
+            <a:ext cx="1742440" cy="4351338"/>
+          </a:xfrm>
+        </p:spPr>
         <p:txBody>
           <a:bodyPr/>
           <a:lstStyle/>
           <a:p>
-            <a:r>
-              <a:rPr lang="en-US" dirty="0"/>
-              <a:t>Second Try: Postgres directly on EC2</a:t>
-            </a:r>
+            <a:endParaRPr lang="en-US"/>
           </a:p>
         </p:txBody>
       </p:sp>
       <p:pic>
         <p:nvPicPr>
-          <p:cNvPr id="5" name="Picture 4">
-            <a:extLst>
-              <a:ext uri="{FF2B5EF4-FFF2-40B4-BE49-F238E27FC236}">
-                <a16:creationId xmlns:a16="http://schemas.microsoft.com/office/drawing/2014/main" id="{09A91526-E233-4F1F-9C04-112E397E3619}"/>
+          <p:cNvPr id="6" name="Picture 5">
+            <a:extLst>
+              <a:ext uri="{FF2B5EF4-FFF2-40B4-BE49-F238E27FC236}">
+                <a16:creationId xmlns:a16="http://schemas.microsoft.com/office/drawing/2014/main" id="{040FCC22-248C-45A8-A5C6-B11AD322A375}"/>
               </a:ext>
             </a:extLst>
           </p:cNvPr>
@@ -8134,8 +7505,8 @@
         </p:blipFill>
         <p:spPr>
           <a:xfrm>
-            <a:off x="573087" y="1501775"/>
-            <a:ext cx="11249025" cy="4991100"/>
+            <a:off x="838200" y="1153889"/>
+            <a:ext cx="11233785" cy="5539646"/>
           </a:xfrm>
           <a:prstGeom prst="rect">
             <a:avLst/>
@@ -8145,7 +7516,7 @@
     </p:spTree>
     <p:extLst>
       <p:ext uri="{BB962C8B-B14F-4D97-AF65-F5344CB8AC3E}">
-        <p14:creationId xmlns:p14="http://schemas.microsoft.com/office/powerpoint/2010/main" val="732775024"/>
+        <p14:creationId xmlns:p14="http://schemas.microsoft.com/office/powerpoint/2010/main" val="3298365086"/>
       </p:ext>
     </p:extLst>
   </p:cSld>
@@ -8177,7 +7548,7 @@
           <p:cNvPr id="2" name="Title 1">
             <a:extLst>
               <a:ext uri="{FF2B5EF4-FFF2-40B4-BE49-F238E27FC236}">
-                <a16:creationId xmlns:a16="http://schemas.microsoft.com/office/drawing/2014/main" id="{7F7B68DA-473D-4B51-A38B-93A06DFF7DD5}"/>
+                <a16:creationId xmlns:a16="http://schemas.microsoft.com/office/drawing/2014/main" id="{5BFEF712-E659-408C-AD57-1F1A31B89F29}"/>
               </a:ext>
             </a:extLst>
           </p:cNvPr>
@@ -8188,24 +7559,35 @@
             <p:ph type="title"/>
           </p:nvPr>
         </p:nvSpPr>
-        <p:spPr/>
-        <p:txBody>
-          <a:bodyPr/>
+        <p:spPr>
+          <a:xfrm>
+            <a:off x="574040" y="273685"/>
+            <a:ext cx="10515600" cy="1325563"/>
+          </a:xfrm>
+        </p:spPr>
+        <p:txBody>
+          <a:bodyPr>
+            <a:normAutofit/>
+          </a:bodyPr>
           <a:lstStyle/>
           <a:p>
             <a:r>
-              <a:rPr lang="en-US" dirty="0"/>
-              <a:t>Go Play !</a:t>
-            </a:r>
-          </a:p>
-        </p:txBody>
-      </p:sp>
-      <p:sp>
-        <p:nvSpPr>
-          <p:cNvPr id="3" name="Content Placeholder 2">
-            <a:extLst>
-              <a:ext uri="{FF2B5EF4-FFF2-40B4-BE49-F238E27FC236}">
-                <a16:creationId xmlns:a16="http://schemas.microsoft.com/office/drawing/2014/main" id="{ACEB8B8B-6AA0-481C-A325-CA7EA058CF39}"/>
+              <a:rPr lang="en-US" sz="3600" dirty="0" err="1"/>
+              <a:t>place_bets</a:t>
+            </a:r>
+            <a:r>
+              <a:rPr lang="en-US" sz="3600" dirty="0"/>
+              <a:t> (view)</a:t>
+            </a:r>
+          </a:p>
+        </p:txBody>
+      </p:sp>
+      <p:sp>
+        <p:nvSpPr>
+          <p:cNvPr id="7" name="Content Placeholder 2">
+            <a:extLst>
+              <a:ext uri="{FF2B5EF4-FFF2-40B4-BE49-F238E27FC236}">
+                <a16:creationId xmlns:a16="http://schemas.microsoft.com/office/drawing/2014/main" id="{A9AE85A0-04BE-4B0A-BF3D-FA8D4937F16E}"/>
               </a:ext>
             </a:extLst>
           </p:cNvPr>
@@ -8216,51 +7598,189 @@
             <p:ph idx="1"/>
           </p:nvPr>
         </p:nvSpPr>
-        <p:spPr/>
-        <p:txBody>
-          <a:bodyPr/>
+        <p:spPr>
+          <a:xfrm>
+            <a:off x="574040" y="1690688"/>
+            <a:ext cx="3969968" cy="4351338"/>
+          </a:xfrm>
+        </p:spPr>
+        <p:txBody>
+          <a:bodyPr>
+            <a:normAutofit fontScale="85000" lnSpcReduction="20000"/>
+          </a:bodyPr>
           <a:lstStyle/>
           <a:p>
-            <a:r>
-              <a:rPr lang="en-US" dirty="0">
+            <a:pPr marL="0" indent="0">
+              <a:buNone/>
+            </a:pPr>
+            <a:r>
+              <a:rPr lang="en-US" sz="2000" dirty="0"/>
+              <a:t>Template/POST</a:t>
+            </a:r>
+          </a:p>
+          <a:p>
+            <a:pPr marL="0" indent="0">
+              <a:buNone/>
+            </a:pPr>
+            <a:endParaRPr lang="en-US" sz="2000" dirty="0"/>
+          </a:p>
+          <a:p>
+            <a:pPr marL="0" indent="0">
+              <a:buNone/>
+            </a:pPr>
+            <a:r>
+              <a:rPr lang="en-US" sz="2000" dirty="0"/>
+              <a:t>Get:</a:t>
+            </a:r>
+          </a:p>
+          <a:p>
+            <a:pPr marL="0" indent="0">
+              <a:buNone/>
+            </a:pPr>
+            <a:r>
+              <a:rPr lang="en-US" sz="2000" dirty="0"/>
+              <a:t>Call ML modes for recommendations</a:t>
+            </a:r>
+          </a:p>
+          <a:p>
+            <a:pPr marL="0" indent="0">
+              <a:buNone/>
+            </a:pPr>
+            <a:r>
+              <a:rPr lang="en-US" sz="2000" dirty="0"/>
+              <a:t>Create form and populate</a:t>
+            </a:r>
+          </a:p>
+          <a:p>
+            <a:pPr marL="0" indent="0">
+              <a:buNone/>
+            </a:pPr>
+            <a:endParaRPr lang="en-US" sz="2000" dirty="0"/>
+          </a:p>
+          <a:p>
+            <a:pPr marL="0" indent="0">
+              <a:buNone/>
+            </a:pPr>
+            <a:r>
+              <a:rPr lang="en-US" sz="2000" dirty="0"/>
+              <a:t>POST</a:t>
+            </a:r>
+          </a:p>
+          <a:p>
+            <a:pPr marL="0" indent="0">
+              <a:buNone/>
+            </a:pPr>
+            <a:r>
+              <a:rPr lang="en-US" sz="2000" dirty="0"/>
+              <a:t>Receive filled in form from </a:t>
+            </a:r>
+            <a:r>
+              <a:rPr lang="en-US" sz="2000" dirty="0" err="1"/>
+              <a:t>request.POST</a:t>
+            </a:r>
+            <a:endParaRPr lang="en-US" sz="2000" dirty="0"/>
+          </a:p>
+          <a:p>
+            <a:pPr marL="0" indent="0">
+              <a:buNone/>
+            </a:pPr>
+            <a:r>
+              <a:rPr lang="en-US" sz="2000" dirty="0"/>
+              <a:t>Validate</a:t>
+            </a:r>
+          </a:p>
+          <a:p>
+            <a:pPr marL="0" indent="0">
+              <a:buNone/>
+            </a:pPr>
+            <a:r>
+              <a:rPr lang="en-US" sz="2000" dirty="0"/>
+              <a:t>Save and redirect, or</a:t>
+            </a:r>
+          </a:p>
+          <a:p>
+            <a:pPr marL="0" indent="0">
+              <a:buNone/>
+            </a:pPr>
+            <a:r>
+              <a:rPr lang="en-US" sz="2000" dirty="0"/>
+              <a:t>Re-display w/ errors from “</a:t>
+            </a:r>
+            <a:r>
+              <a:rPr lang="en-US" sz="2000" dirty="0" err="1"/>
+              <a:t>is_valid</a:t>
+            </a:r>
+            <a:r>
+              <a:rPr lang="en-US" sz="2000" dirty="0"/>
+              <a:t>()”</a:t>
+            </a:r>
+          </a:p>
+          <a:p>
+            <a:pPr marL="0" indent="0">
+              <a:buNone/>
+            </a:pPr>
+            <a:endParaRPr lang="en-US" sz="2000" dirty="0"/>
+          </a:p>
+          <a:p>
+            <a:pPr marL="0" indent="0">
+              <a:buNone/>
+            </a:pPr>
+            <a:r>
+              <a:rPr lang="en-US" sz="2000" dirty="0"/>
+              <a:t>URL has form</a:t>
+            </a:r>
+          </a:p>
+          <a:p>
+            <a:r>
+              <a:rPr lang="en-US" sz="2000" dirty="0">
                 <a:hlinkClick r:id="rId2"/>
               </a:rPr>
-              <a:t>www.cwinsor.us</a:t>
-            </a:r>
-            <a:r>
-              <a:rPr lang="en-US" dirty="0"/>
-              <a:t> (look for </a:t>
-            </a:r>
-            <a:r>
-              <a:rPr lang="en-US" dirty="0" err="1"/>
-              <a:t>StarChaser</a:t>
-            </a:r>
-            <a:r>
-              <a:rPr lang="en-US" dirty="0"/>
-              <a:t>)</a:t>
-            </a:r>
-          </a:p>
-          <a:p>
-            <a:r>
-              <a:rPr lang="en-US" dirty="0"/>
-              <a:t>Or directly...</a:t>
-            </a:r>
-          </a:p>
-          <a:p>
-            <a:r>
-              <a:rPr lang="en-US" dirty="0">
-                <a:hlinkClick r:id="rId3"/>
-              </a:rPr>
-              <a:t>http://ec2-3-22-167-114.us-east-2.compute.amazonaws.com:8000/</a:t>
-            </a:r>
-            <a:endParaRPr lang="en-US" dirty="0"/>
-          </a:p>
-        </p:txBody>
-      </p:sp>
+              <a:t>http://xyz.com/starid</a:t>
+            </a:r>
+            <a:endParaRPr lang="en-US" sz="2000" dirty="0"/>
+          </a:p>
+          <a:p>
+            <a:pPr marL="0" indent="0">
+              <a:buNone/>
+            </a:pPr>
+            <a:endParaRPr lang="en-US" sz="2000" dirty="0"/>
+          </a:p>
+        </p:txBody>
+      </p:sp>
+      <p:pic>
+        <p:nvPicPr>
+          <p:cNvPr id="5" name="Picture 4">
+            <a:extLst>
+              <a:ext uri="{FF2B5EF4-FFF2-40B4-BE49-F238E27FC236}">
+                <a16:creationId xmlns:a16="http://schemas.microsoft.com/office/drawing/2014/main" id="{4920017F-208F-4EE0-BDFE-06FB98DC4E79}"/>
+              </a:ext>
+            </a:extLst>
+          </p:cNvPr>
+          <p:cNvPicPr>
+            <a:picLocks noChangeAspect="1"/>
+          </p:cNvPicPr>
+          <p:nvPr/>
+        </p:nvPicPr>
+        <p:blipFill>
+          <a:blip r:embed="rId3"/>
+          <a:stretch>
+            <a:fillRect/>
+          </a:stretch>
+        </p:blipFill>
+        <p:spPr>
+          <a:xfrm>
+            <a:off x="4838700" y="130175"/>
+            <a:ext cx="7213600" cy="6629400"/>
+          </a:xfrm>
+          <a:prstGeom prst="rect">
+            <a:avLst/>
+          </a:prstGeom>
+        </p:spPr>
+      </p:pic>
     </p:spTree>
     <p:extLst>
       <p:ext uri="{BB962C8B-B14F-4D97-AF65-F5344CB8AC3E}">
-        <p14:creationId xmlns:p14="http://schemas.microsoft.com/office/powerpoint/2010/main" val="3008425161"/>
+        <p14:creationId xmlns:p14="http://schemas.microsoft.com/office/powerpoint/2010/main" val="1382881176"/>
       </p:ext>
     </p:extLst>
   </p:cSld>
@@ -8292,7 +7812,7 @@
           <p:cNvPr id="2" name="Title 1">
             <a:extLst>
               <a:ext uri="{FF2B5EF4-FFF2-40B4-BE49-F238E27FC236}">
-                <a16:creationId xmlns:a16="http://schemas.microsoft.com/office/drawing/2014/main" id="{10B8E23F-5094-466C-A3B1-1F64FD237EA5}"/>
+                <a16:creationId xmlns:a16="http://schemas.microsoft.com/office/drawing/2014/main" id="{5BFEF712-E659-408C-AD57-1F1A31B89F29}"/>
               </a:ext>
             </a:extLst>
           </p:cNvPr>
@@ -8303,35 +7823,12 @@
             <p:ph type="title"/>
           </p:nvPr>
         </p:nvSpPr>
-        <p:spPr/>
-        <p:txBody>
-          <a:bodyPr/>
-          <a:lstStyle/>
-          <a:p>
-            <a:r>
-              <a:rPr lang="en-US" dirty="0"/>
-              <a:t>Level of Effort and Takeaways</a:t>
-            </a:r>
-          </a:p>
-        </p:txBody>
-      </p:sp>
-      <p:sp>
-        <p:nvSpPr>
-          <p:cNvPr id="3" name="Content Placeholder 2">
-            <a:extLst>
-              <a:ext uri="{FF2B5EF4-FFF2-40B4-BE49-F238E27FC236}">
-                <a16:creationId xmlns:a16="http://schemas.microsoft.com/office/drawing/2014/main" id="{00EB0048-9365-49CB-978F-C6FB3053D5D3}"/>
-              </a:ext>
-            </a:extLst>
-          </p:cNvPr>
-          <p:cNvSpPr>
-            <a:spLocks noGrp="1"/>
-          </p:cNvSpPr>
-          <p:nvPr>
-            <p:ph idx="1"/>
-          </p:nvPr>
-        </p:nvSpPr>
-        <p:spPr/>
+        <p:spPr>
+          <a:xfrm>
+            <a:off x="574040" y="273685"/>
+            <a:ext cx="10515600" cy="1325563"/>
+          </a:xfrm>
+        </p:spPr>
         <p:txBody>
           <a:bodyPr>
             <a:normAutofit/>
@@ -8339,62 +7836,50 @@
           <a:lstStyle/>
           <a:p>
             <a:r>
-              <a:rPr lang="en-US" dirty="0"/>
-              <a:t>A full featured Web App (admin, user accounts, Postgres, M.L., AWS)</a:t>
-            </a:r>
-          </a:p>
-          <a:p>
-            <a:r>
-              <a:rPr lang="en-US" dirty="0"/>
-              <a:t>2/23 to 5/22 (3 months).  Lots of learning curve</a:t>
-            </a:r>
-          </a:p>
-          <a:p>
-            <a:r>
-              <a:rPr lang="en-US" dirty="0"/>
-              <a:t>Started with Tic-tac-toe and:</a:t>
-            </a:r>
-          </a:p>
-          <a:p>
-            <a:pPr lvl="1"/>
-            <a:r>
-              <a:rPr lang="en-US" dirty="0"/>
-              <a:t>Replaced out-of-box database with Postgres</a:t>
-            </a:r>
-          </a:p>
-          <a:p>
-            <a:pPr lvl="1"/>
-            <a:r>
-              <a:rPr lang="en-US" dirty="0"/>
-              <a:t>Added external ML models, Kaggle dataset</a:t>
-            </a:r>
-          </a:p>
-          <a:p>
-            <a:pPr lvl="1"/>
-            <a:r>
-              <a:rPr lang="en-US" dirty="0"/>
-              <a:t>Added Google Charts</a:t>
-            </a:r>
-          </a:p>
-          <a:p>
-            <a:pPr lvl="1"/>
-            <a:r>
-              <a:rPr lang="en-US" dirty="0"/>
-              <a:t>Pushed to AWS</a:t>
-            </a:r>
-          </a:p>
-          <a:p>
-            <a:r>
-              <a:rPr lang="en-US" dirty="0"/>
-              <a:t>Wireframe and personas super important for focus</a:t>
-            </a:r>
-          </a:p>
-        </p:txBody>
-      </p:sp>
+              <a:rPr lang="en-US" sz="3600" dirty="0" err="1"/>
+              <a:t>place_bets</a:t>
+            </a:r>
+            <a:r>
+              <a:rPr lang="en-US" sz="3600" dirty="0"/>
+              <a:t> (html)</a:t>
+            </a:r>
+          </a:p>
+        </p:txBody>
+      </p:sp>
+      <p:pic>
+        <p:nvPicPr>
+          <p:cNvPr id="6" name="Picture 5">
+            <a:extLst>
+              <a:ext uri="{FF2B5EF4-FFF2-40B4-BE49-F238E27FC236}">
+                <a16:creationId xmlns:a16="http://schemas.microsoft.com/office/drawing/2014/main" id="{7B2D3925-7B1F-487E-AEC5-82ABED514174}"/>
+              </a:ext>
+            </a:extLst>
+          </p:cNvPr>
+          <p:cNvPicPr>
+            <a:picLocks noChangeAspect="1"/>
+          </p:cNvPicPr>
+          <p:nvPr/>
+        </p:nvPicPr>
+        <p:blipFill>
+          <a:blip r:embed="rId2"/>
+          <a:stretch>
+            <a:fillRect/>
+          </a:stretch>
+        </p:blipFill>
+        <p:spPr>
+          <a:xfrm>
+            <a:off x="4366727" y="105734"/>
+            <a:ext cx="7615625" cy="6630953"/>
+          </a:xfrm>
+          <a:prstGeom prst="rect">
+            <a:avLst/>
+          </a:prstGeom>
+        </p:spPr>
+      </p:pic>
     </p:spTree>
     <p:extLst>
       <p:ext uri="{BB962C8B-B14F-4D97-AF65-F5344CB8AC3E}">
-        <p14:creationId xmlns:p14="http://schemas.microsoft.com/office/powerpoint/2010/main" val="3978747642"/>
+        <p14:creationId xmlns:p14="http://schemas.microsoft.com/office/powerpoint/2010/main" val="4195361001"/>
       </p:ext>
     </p:extLst>
   </p:cSld>
@@ -8426,7 +7911,7 @@
           <p:cNvPr id="2" name="Title 1">
             <a:extLst>
               <a:ext uri="{FF2B5EF4-FFF2-40B4-BE49-F238E27FC236}">
-                <a16:creationId xmlns:a16="http://schemas.microsoft.com/office/drawing/2014/main" id="{10B8E23F-5094-466C-A3B1-1F64FD237EA5}"/>
+                <a16:creationId xmlns:a16="http://schemas.microsoft.com/office/drawing/2014/main" id="{504B7C1F-E423-4587-AD63-A889BAE3F03F}"/>
               </a:ext>
             </a:extLst>
           </p:cNvPr>
@@ -8444,7 +7929,7 @@
           <a:p>
             <a:r>
               <a:rPr lang="en-US" dirty="0"/>
-              <a:t>References</a:t>
+              <a:t>“Data Visualization”</a:t>
             </a:r>
           </a:p>
         </p:txBody>
@@ -8454,7 +7939,7 @@
           <p:cNvPr id="3" name="Content Placeholder 2">
             <a:extLst>
               <a:ext uri="{FF2B5EF4-FFF2-40B4-BE49-F238E27FC236}">
-                <a16:creationId xmlns:a16="http://schemas.microsoft.com/office/drawing/2014/main" id="{00EB0048-9365-49CB-978F-C6FB3053D5D3}"/>
+                <a16:creationId xmlns:a16="http://schemas.microsoft.com/office/drawing/2014/main" id="{069B53B7-D426-49E6-942F-CD87BB641717}"/>
               </a:ext>
             </a:extLst>
           </p:cNvPr>
@@ -8465,233 +7950,183 @@
             <p:ph idx="1"/>
           </p:nvPr>
         </p:nvSpPr>
-        <p:spPr/>
+        <p:spPr>
+          <a:xfrm>
+            <a:off x="576942" y="1690688"/>
+            <a:ext cx="10515599" cy="595312"/>
+          </a:xfrm>
+        </p:spPr>
         <p:txBody>
           <a:bodyPr>
-            <a:normAutofit fontScale="55000" lnSpcReduction="20000"/>
+            <a:normAutofit/>
           </a:bodyPr>
           <a:lstStyle/>
           <a:p>
             <a:r>
               <a:rPr lang="en-US" dirty="0"/>
-              <a:t>Django:</a:t>
+              <a:t>Tons of libraries.  High end (D3.js) to basic (Google Charts)</a:t>
+            </a:r>
+          </a:p>
+          <a:p>
+            <a:pPr marL="0" indent="0">
+              <a:buNone/>
+            </a:pPr>
+            <a:endParaRPr lang="en-US" dirty="0"/>
+          </a:p>
+        </p:txBody>
+      </p:sp>
+      <p:pic>
+        <p:nvPicPr>
+          <p:cNvPr id="4" name="Picture 3">
+            <a:extLst>
+              <a:ext uri="{FF2B5EF4-FFF2-40B4-BE49-F238E27FC236}">
+                <a16:creationId xmlns:a16="http://schemas.microsoft.com/office/drawing/2014/main" id="{C3B25813-2046-484F-85F0-BAAD76DDEB7E}"/>
+              </a:ext>
+            </a:extLst>
+          </p:cNvPr>
+          <p:cNvPicPr>
+            <a:picLocks noChangeAspect="1"/>
+          </p:cNvPicPr>
+          <p:nvPr/>
+        </p:nvPicPr>
+        <p:blipFill>
+          <a:blip r:embed="rId2"/>
+          <a:stretch>
+            <a:fillRect/>
+          </a:stretch>
+        </p:blipFill>
+        <p:spPr>
+          <a:xfrm>
+            <a:off x="4182943" y="2286000"/>
+            <a:ext cx="7170857" cy="3462240"/>
+          </a:xfrm>
+          <a:prstGeom prst="rect">
+            <a:avLst/>
+          </a:prstGeom>
+        </p:spPr>
+      </p:pic>
+      <p:sp>
+        <p:nvSpPr>
+          <p:cNvPr id="5" name="Rectangle 4">
+            <a:extLst>
+              <a:ext uri="{FF2B5EF4-FFF2-40B4-BE49-F238E27FC236}">
+                <a16:creationId xmlns:a16="http://schemas.microsoft.com/office/drawing/2014/main" id="{563B469A-08EF-4462-B54E-6D512F0937C6}"/>
+              </a:ext>
+            </a:extLst>
+          </p:cNvPr>
+          <p:cNvSpPr/>
+          <p:nvPr/>
+        </p:nvSpPr>
+        <p:spPr>
+          <a:xfrm>
+            <a:off x="753943" y="5938877"/>
+            <a:ext cx="10338598" cy="553998"/>
+          </a:xfrm>
+          <a:prstGeom prst="rect">
+            <a:avLst/>
+          </a:prstGeom>
+        </p:spPr>
+        <p:txBody>
+          <a:bodyPr wrap="square">
+            <a:spAutoFit/>
+          </a:bodyPr>
+          <a:lstStyle/>
+          <a:p>
+            <a:r>
+              <a:rPr lang="en-US" sz="1000" dirty="0"/>
+              <a:t>References:</a:t>
             </a:r>
           </a:p>
           <a:p>
             <a:pPr lvl="1"/>
             <a:r>
-              <a:rPr lang="en-US" dirty="0"/>
-              <a:t>Tic-Tac-Toe (Django Fundamentals by </a:t>
-            </a:r>
-            <a:r>
-              <a:rPr lang="en-US" dirty="0" err="1"/>
-              <a:t>Reindert</a:t>
-            </a:r>
-            <a:r>
-              <a:rPr lang="en-US" dirty="0"/>
-              <a:t>-Jan </a:t>
-            </a:r>
-            <a:r>
-              <a:rPr lang="en-US" dirty="0" err="1"/>
-              <a:t>Ekker</a:t>
-            </a:r>
-            <a:r>
-              <a:rPr lang="en-US" dirty="0"/>
-              <a:t> on Pluralsight) </a:t>
-            </a:r>
-            <a:r>
-              <a:rPr lang="en-US" dirty="0">
-                <a:hlinkClick r:id="rId2"/>
-              </a:rPr>
-              <a:t>https://app.pluralsight.com/library/courses/django-fundamentals-update/table-of-contents</a:t>
-            </a:r>
-            <a:endParaRPr lang="en-US" dirty="0"/>
-          </a:p>
-          <a:p>
-            <a:pPr lvl="1"/>
-            <a:endParaRPr lang="en-US" dirty="0"/>
-          </a:p>
-          <a:p>
-            <a:r>
-              <a:rPr lang="en-US" dirty="0"/>
-              <a:t>Web UX/UI:</a:t>
-            </a:r>
-          </a:p>
-          <a:p>
-            <a:pPr lvl="1"/>
-            <a:r>
-              <a:rPr lang="en-US" dirty="0"/>
-              <a:t>Getting Started in UX Design by Kurt </a:t>
-            </a:r>
-            <a:r>
-              <a:rPr lang="en-US" dirty="0" err="1"/>
-              <a:t>Krumme</a:t>
-            </a:r>
-            <a:r>
-              <a:rPr lang="en-US" dirty="0"/>
-              <a:t> </a:t>
-            </a:r>
-            <a:r>
-              <a:rPr lang="en-US" dirty="0">
+              <a:rPr lang="en-US" sz="1000" dirty="0">
                 <a:hlinkClick r:id="rId3"/>
               </a:rPr>
-              <a:t>https://app.pluralsight.com/library/courses/getting-started-ux-design/table-of-contents</a:t>
-            </a:r>
-            <a:endParaRPr lang="en-US" dirty="0"/>
+              <a:t>https://app.pluralsight.com/library/courses/build-first-data-visualization-google-charts</a:t>
+            </a:r>
+            <a:endParaRPr lang="en-US" sz="1000" dirty="0"/>
           </a:p>
           <a:p>
             <a:pPr lvl="1"/>
             <a:r>
-              <a:rPr lang="en-US" dirty="0"/>
-              <a:t>UX Design Creating Wireframes by Susan Simkins </a:t>
-            </a:r>
-            <a:r>
-              <a:rPr lang="en-US" dirty="0">
+              <a:rPr lang="en-US" sz="1000" dirty="0">
                 <a:hlinkClick r:id="rId4"/>
               </a:rPr>
-              <a:t>https://app.pluralsight.com/library/courses/ux-design-creating-wireframes/table-of-contents</a:t>
-            </a:r>
-            <a:endParaRPr lang="en-US" dirty="0"/>
-          </a:p>
-          <a:p>
-            <a:endParaRPr lang="en-US" dirty="0"/>
-          </a:p>
-          <a:p>
-            <a:r>
-              <a:rPr lang="en-US" dirty="0"/>
-              <a:t>Node, Postgres, Express (background only - could skim this)</a:t>
-            </a:r>
-          </a:p>
-          <a:p>
-            <a:pPr lvl="1"/>
-            <a:r>
-              <a:rPr lang="en-US" dirty="0"/>
-              <a:t>“Build a CRUD single page application with Node, Express, Angular, Postgres” (Michael Herman)</a:t>
-            </a:r>
-          </a:p>
-          <a:p>
-            <a:pPr lvl="1"/>
-            <a:r>
-              <a:rPr lang="en-US" dirty="0">
-                <a:solidFill>
-                  <a:schemeClr val="accent1"/>
-                </a:solidFill>
-                <a:hlinkClick r:id="rId5">
-                  <a:extLst>
-                    <a:ext uri="{A12FA001-AC4F-418D-AE19-62706E023703}">
-                      <ahyp:hlinkClr xmlns:ahyp="http://schemas.microsoft.com/office/drawing/2018/hyperlinkcolor" val="tx"/>
-                    </a:ext>
-                  </a:extLst>
-                </a:hlinkClick>
-              </a:rPr>
-              <a:t>https://mherman.org/blog/postgresql-and-nodejs/</a:t>
-            </a:r>
-            <a:r>
-              <a:rPr lang="en-US" dirty="0">
-                <a:solidFill>
-                  <a:schemeClr val="accent1"/>
-                </a:solidFill>
-              </a:rPr>
-              <a:t>   </a:t>
-            </a:r>
-            <a:r>
-              <a:rPr lang="en-US" dirty="0"/>
-              <a:t>This is an example frontend/backend </a:t>
-            </a:r>
-            <a:r>
-              <a:rPr lang="en-US" dirty="0" err="1"/>
-              <a:t>javascript</a:t>
-            </a:r>
-            <a:r>
-              <a:rPr lang="en-US" dirty="0"/>
-              <a:t> web app with </a:t>
-            </a:r>
-            <a:r>
-              <a:rPr lang="en-US" dirty="0" err="1"/>
-              <a:t>postgres</a:t>
-            </a:r>
-            <a:r>
-              <a:rPr lang="en-US" dirty="0"/>
-              <a:t> db.  It uses express web server/routing and (a little) angular on the front-end.  You will use </a:t>
-            </a:r>
-            <a:r>
-              <a:rPr lang="en-US" dirty="0" err="1"/>
-              <a:t>npm</a:t>
-            </a:r>
-            <a:r>
-              <a:rPr lang="en-US" dirty="0"/>
-              <a:t>, express, node, browser trace/debug features.  You will see </a:t>
-            </a:r>
-            <a:r>
-              <a:rPr lang="en-US" dirty="0" err="1"/>
-              <a:t>javascript</a:t>
-            </a:r>
-            <a:r>
-              <a:rPr lang="en-US" dirty="0"/>
-              <a:t> used on both client and server.  This is very standard (server-side </a:t>
-            </a:r>
-            <a:r>
-              <a:rPr lang="en-US" dirty="0" err="1"/>
-              <a:t>javascript</a:t>
-            </a:r>
-            <a:r>
-              <a:rPr lang="en-US" dirty="0"/>
-              <a:t>) architecture.</a:t>
-            </a:r>
-          </a:p>
-          <a:p>
-            <a:endParaRPr lang="en-US" dirty="0"/>
-          </a:p>
-          <a:p>
-            <a:r>
-              <a:rPr lang="en-US" dirty="0"/>
-              <a:t>Front-end (suspect this will be handy in the future)</a:t>
-            </a:r>
-          </a:p>
-          <a:p>
-            <a:pPr lvl="1"/>
-            <a:r>
-              <a:rPr lang="en-US" dirty="0"/>
-              <a:t>“Front-End Web Development Quick Start With HTML5, CSS, and JavaScript” (Shawn Wildermuth) </a:t>
-            </a:r>
-            <a:r>
-              <a:rPr lang="en-US" dirty="0">
-                <a:solidFill>
-                  <a:schemeClr val="accent1"/>
-                </a:solidFill>
-                <a:hlinkClick r:id="rId6">
-                  <a:extLst>
-                    <a:ext uri="{A12FA001-AC4F-418D-AE19-62706E023703}">
-                      <ahyp:hlinkClr xmlns:ahyp="http://schemas.microsoft.com/office/drawing/2018/hyperlinkcolor" val="tx"/>
-                    </a:ext>
-                  </a:extLst>
-                </a:hlinkClick>
-              </a:rPr>
-              <a:t>https://app.pluralsight.com/course-player?clipId=e5482b13-c204-4d52-89ec-94a1099592b0</a:t>
-            </a:r>
-            <a:r>
-              <a:rPr lang="en-US" dirty="0">
-                <a:solidFill>
-                  <a:schemeClr val="accent1"/>
-                </a:solidFill>
-              </a:rPr>
-              <a:t>  </a:t>
-            </a:r>
-            <a:r>
-              <a:rPr lang="en-US" dirty="0"/>
-              <a:t>Beginner HTML5, CSS, JavaScript – excellent</a:t>
-            </a:r>
-          </a:p>
-          <a:p>
-            <a:pPr lvl="1"/>
-            <a:endParaRPr lang="en-US" dirty="0"/>
+              <a:t>https://www.sitepoint.com/best-javascript-charting-libraries/</a:t>
+            </a:r>
+            <a:endParaRPr lang="en-US" sz="1000" dirty="0"/>
+          </a:p>
+        </p:txBody>
+      </p:sp>
+      <p:sp>
+        <p:nvSpPr>
+          <p:cNvPr id="6" name="Rectangle 5">
+            <a:extLst>
+              <a:ext uri="{FF2B5EF4-FFF2-40B4-BE49-F238E27FC236}">
+                <a16:creationId xmlns:a16="http://schemas.microsoft.com/office/drawing/2014/main" id="{86D4800D-C305-4570-B941-6DE0E4573E1F}"/>
+              </a:ext>
+            </a:extLst>
+          </p:cNvPr>
+          <p:cNvSpPr/>
+          <p:nvPr/>
+        </p:nvSpPr>
+        <p:spPr>
+          <a:xfrm>
+            <a:off x="576942" y="2496146"/>
+            <a:ext cx="3136642" cy="1938992"/>
+          </a:xfrm>
+          <a:prstGeom prst="rect">
+            <a:avLst/>
+          </a:prstGeom>
+        </p:spPr>
+        <p:txBody>
+          <a:bodyPr wrap="square">
+            <a:spAutoFit/>
+          </a:bodyPr>
+          <a:lstStyle/>
+          <a:p>
+            <a:pPr marL="285750" indent="-285750">
+              <a:buFont typeface="Arial" panose="020B0604020202020204" pitchFamily="34" charset="0"/>
+              <a:buChar char="•"/>
+            </a:pPr>
+            <a:r>
+              <a:rPr lang="en-US" sz="2000" dirty="0"/>
+              <a:t>Initial exploration is by Jupyter Notebook and/or Pandas/</a:t>
+            </a:r>
+            <a:r>
+              <a:rPr lang="en-US" sz="2000" dirty="0" err="1"/>
+              <a:t>MatplotLib</a:t>
+            </a:r>
+            <a:r>
+              <a:rPr lang="en-US" sz="2000" dirty="0"/>
+              <a:t>... see Titanic and </a:t>
+            </a:r>
+            <a:r>
+              <a:rPr lang="en-US" sz="2000" dirty="0" err="1"/>
+              <a:t>PLAsTiCC</a:t>
+            </a:r>
+            <a:r>
+              <a:rPr lang="en-US" sz="2000" dirty="0"/>
+              <a:t> #1</a:t>
+            </a:r>
+          </a:p>
+          <a:p>
+            <a:pPr marL="285750" indent="-285750">
+              <a:buFont typeface="Arial" panose="020B0604020202020204" pitchFamily="34" charset="0"/>
+              <a:buChar char="•"/>
+            </a:pPr>
+            <a:r>
+              <a:rPr lang="en-US" sz="2000" dirty="0"/>
+              <a:t>For Web App I went with Google Charts</a:t>
+            </a:r>
           </a:p>
         </p:txBody>
       </p:sp>
     </p:spTree>
     <p:extLst>
       <p:ext uri="{BB962C8B-B14F-4D97-AF65-F5344CB8AC3E}">
-        <p14:creationId xmlns:p14="http://schemas.microsoft.com/office/powerpoint/2010/main" val="2261134443"/>
+        <p14:creationId xmlns:p14="http://schemas.microsoft.com/office/powerpoint/2010/main" val="3004834643"/>
       </p:ext>
     </p:extLst>
   </p:cSld>
@@ -8720,10 +8155,84 @@
       </p:grpSpPr>
       <p:sp>
         <p:nvSpPr>
-          <p:cNvPr id="2" name="Title 1">
-            <a:extLst>
-              <a:ext uri="{FF2B5EF4-FFF2-40B4-BE49-F238E27FC236}">
-                <a16:creationId xmlns:a16="http://schemas.microsoft.com/office/drawing/2014/main" id="{F9B00A71-D9A5-48EF-B13D-3C64E072E5F9}"/>
+          <p:cNvPr id="5" name="Rectangle 4">
+            <a:extLst>
+              <a:ext uri="{FF2B5EF4-FFF2-40B4-BE49-F238E27FC236}">
+                <a16:creationId xmlns:a16="http://schemas.microsoft.com/office/drawing/2014/main" id="{563B469A-08EF-4462-B54E-6D512F0937C6}"/>
+              </a:ext>
+            </a:extLst>
+          </p:cNvPr>
+          <p:cNvSpPr/>
+          <p:nvPr/>
+        </p:nvSpPr>
+        <p:spPr>
+          <a:xfrm>
+            <a:off x="558068" y="6200623"/>
+            <a:ext cx="10338598" cy="400110"/>
+          </a:xfrm>
+          <a:prstGeom prst="rect">
+            <a:avLst/>
+          </a:prstGeom>
+        </p:spPr>
+        <p:txBody>
+          <a:bodyPr wrap="square">
+            <a:spAutoFit/>
+          </a:bodyPr>
+          <a:lstStyle/>
+          <a:p>
+            <a:r>
+              <a:rPr lang="en-US" sz="1000" dirty="0"/>
+              <a:t>Reference:</a:t>
+            </a:r>
+          </a:p>
+          <a:p>
+            <a:pPr lvl="1"/>
+            <a:r>
+              <a:rPr lang="en-US" sz="1000" dirty="0">
+                <a:hlinkClick r:id="rId2"/>
+              </a:rPr>
+              <a:t>https://app.pluralsight.com/library/courses/build-first-data-visualization-google-charts</a:t>
+            </a:r>
+            <a:endParaRPr lang="en-US" sz="1000" dirty="0"/>
+          </a:p>
+        </p:txBody>
+      </p:sp>
+      <p:pic>
+        <p:nvPicPr>
+          <p:cNvPr id="9" name="Picture 8">
+            <a:extLst>
+              <a:ext uri="{FF2B5EF4-FFF2-40B4-BE49-F238E27FC236}">
+                <a16:creationId xmlns:a16="http://schemas.microsoft.com/office/drawing/2014/main" id="{21A6DBDE-E35C-4653-9AA3-7DE97C00B0F1}"/>
+              </a:ext>
+            </a:extLst>
+          </p:cNvPr>
+          <p:cNvPicPr>
+            <a:picLocks noChangeAspect="1"/>
+          </p:cNvPicPr>
+          <p:nvPr/>
+        </p:nvPicPr>
+        <p:blipFill>
+          <a:blip r:embed="rId3"/>
+          <a:stretch>
+            <a:fillRect/>
+          </a:stretch>
+        </p:blipFill>
+        <p:spPr>
+          <a:xfrm>
+            <a:off x="3665156" y="325290"/>
+            <a:ext cx="7968776" cy="5948277"/>
+          </a:xfrm>
+          <a:prstGeom prst="rect">
+            <a:avLst/>
+          </a:prstGeom>
+        </p:spPr>
+      </p:pic>
+      <p:sp>
+        <p:nvSpPr>
+          <p:cNvPr id="4" name="Title 1">
+            <a:extLst>
+              <a:ext uri="{FF2B5EF4-FFF2-40B4-BE49-F238E27FC236}">
+                <a16:creationId xmlns:a16="http://schemas.microsoft.com/office/drawing/2014/main" id="{69641DD2-1D40-49F5-AD9B-1E325EB7E158}"/>
               </a:ext>
             </a:extLst>
           </p:cNvPr>
@@ -8736,18 +8245,17 @@
         </p:nvSpPr>
         <p:spPr>
           <a:xfrm>
-            <a:off x="4067962" y="2915378"/>
-            <a:ext cx="3465352" cy="1325563"/>
+            <a:off x="381066" y="102453"/>
+            <a:ext cx="2865473" cy="2011573"/>
           </a:xfrm>
         </p:spPr>
         <p:txBody>
           <a:bodyPr/>
           <a:lstStyle/>
           <a:p>
-            <a:pPr algn="ctr"/>
-            <a:r>
-              <a:rPr lang="en-US" dirty="0"/>
-              <a:t>Thank You</a:t>
+            <a:r>
+              <a:rPr lang="en-US" dirty="0"/>
+              <a:t>Why this is important...</a:t>
             </a:r>
           </a:p>
         </p:txBody>
@@ -8755,7 +8263,7 @@
     </p:spTree>
     <p:extLst>
       <p:ext uri="{BB962C8B-B14F-4D97-AF65-F5344CB8AC3E}">
-        <p14:creationId xmlns:p14="http://schemas.microsoft.com/office/powerpoint/2010/main" val="2844057254"/>
+        <p14:creationId xmlns:p14="http://schemas.microsoft.com/office/powerpoint/2010/main" val="3893797724"/>
       </p:ext>
     </p:extLst>
   </p:cSld>
@@ -10189,6 +9697,1136 @@
 </file>
 
 <file path=ppt/slides/slide40.xml><?xml version="1.0" encoding="utf-8"?>
+<p:sld xmlns:a="http://schemas.openxmlformats.org/drawingml/2006/main" xmlns:r="http://schemas.openxmlformats.org/officeDocument/2006/relationships" xmlns:p="http://schemas.openxmlformats.org/presentationml/2006/main">
+  <p:cSld>
+    <p:spTree>
+      <p:nvGrpSpPr>
+        <p:cNvPr id="1" name=""/>
+        <p:cNvGrpSpPr/>
+        <p:nvPr/>
+      </p:nvGrpSpPr>
+      <p:grpSpPr>
+        <a:xfrm>
+          <a:off x="0" y="0"/>
+          <a:ext cx="0" cy="0"/>
+          <a:chOff x="0" y="0"/>
+          <a:chExt cx="0" cy="0"/>
+        </a:xfrm>
+      </p:grpSpPr>
+      <p:sp>
+        <p:nvSpPr>
+          <p:cNvPr id="2" name="Title 1">
+            <a:extLst>
+              <a:ext uri="{FF2B5EF4-FFF2-40B4-BE49-F238E27FC236}">
+                <a16:creationId xmlns:a16="http://schemas.microsoft.com/office/drawing/2014/main" id="{81976E80-F021-4D53-88FC-5FCAF1B3A885}"/>
+              </a:ext>
+            </a:extLst>
+          </p:cNvPr>
+          <p:cNvSpPr>
+            <a:spLocks noGrp="1"/>
+          </p:cNvSpPr>
+          <p:nvPr>
+            <p:ph type="title"/>
+          </p:nvPr>
+        </p:nvSpPr>
+        <p:spPr/>
+        <p:txBody>
+          <a:bodyPr/>
+          <a:lstStyle/>
+          <a:p>
+            <a:r>
+              <a:rPr lang="en-US" dirty="0"/>
+              <a:t>AWS EB (Elastic Beanstalk) vs ES2</a:t>
+            </a:r>
+          </a:p>
+        </p:txBody>
+      </p:sp>
+      <p:sp>
+        <p:nvSpPr>
+          <p:cNvPr id="3" name="Content Placeholder 2">
+            <a:extLst>
+              <a:ext uri="{FF2B5EF4-FFF2-40B4-BE49-F238E27FC236}">
+                <a16:creationId xmlns:a16="http://schemas.microsoft.com/office/drawing/2014/main" id="{4AFECD66-B096-447E-83DD-6B0479CB19EB}"/>
+              </a:ext>
+            </a:extLst>
+          </p:cNvPr>
+          <p:cNvSpPr>
+            <a:spLocks noGrp="1"/>
+          </p:cNvSpPr>
+          <p:nvPr>
+            <p:ph idx="1"/>
+          </p:nvPr>
+        </p:nvSpPr>
+        <p:spPr>
+          <a:xfrm>
+            <a:off x="838200" y="1696844"/>
+            <a:ext cx="6243735" cy="4351338"/>
+          </a:xfrm>
+        </p:spPr>
+        <p:txBody>
+          <a:bodyPr/>
+          <a:lstStyle/>
+          <a:p>
+            <a:r>
+              <a:rPr lang="en-US" dirty="0"/>
+              <a:t>EB = EC2 + RDS + S3</a:t>
+            </a:r>
+          </a:p>
+          <a:p>
+            <a:r>
+              <a:rPr lang="en-US" dirty="0"/>
+              <a:t>Scales with demand</a:t>
+            </a:r>
+          </a:p>
+          <a:p>
+            <a:r>
+              <a:rPr lang="en-US" dirty="0"/>
+              <a:t>Follow instructions from </a:t>
+            </a:r>
+            <a:r>
+              <a:rPr lang="en-US" sz="1200" dirty="0">
+                <a:hlinkClick r:id="rId2"/>
+              </a:rPr>
+              <a:t>https://realpython.com/deploying-a-django-app-and-postgresql-to-aws-elastic-beanstalk/</a:t>
+            </a:r>
+            <a:endParaRPr lang="en-US" sz="1200" dirty="0"/>
+          </a:p>
+          <a:p>
+            <a:r>
+              <a:rPr lang="en-US" dirty="0"/>
+              <a:t>Straightforward but not really...</a:t>
+            </a:r>
+          </a:p>
+          <a:p>
+            <a:r>
+              <a:rPr lang="en-US" dirty="0"/>
+              <a:t>Baseline = $8/day with no traffic and minimal data (ARRGH!)</a:t>
+            </a:r>
+          </a:p>
+        </p:txBody>
+      </p:sp>
+      <p:pic>
+        <p:nvPicPr>
+          <p:cNvPr id="4" name="Picture 3">
+            <a:extLst>
+              <a:ext uri="{FF2B5EF4-FFF2-40B4-BE49-F238E27FC236}">
+                <a16:creationId xmlns:a16="http://schemas.microsoft.com/office/drawing/2014/main" id="{605D59AB-7188-450C-B5B9-81A1F4DC716B}"/>
+              </a:ext>
+            </a:extLst>
+          </p:cNvPr>
+          <p:cNvPicPr>
+            <a:picLocks noChangeAspect="1"/>
+          </p:cNvPicPr>
+          <p:nvPr/>
+        </p:nvPicPr>
+        <p:blipFill>
+          <a:blip r:embed="rId3"/>
+          <a:stretch>
+            <a:fillRect/>
+          </a:stretch>
+        </p:blipFill>
+        <p:spPr>
+          <a:xfrm>
+            <a:off x="7164584" y="1570522"/>
+            <a:ext cx="4639806" cy="4222557"/>
+          </a:xfrm>
+          <a:prstGeom prst="rect">
+            <a:avLst/>
+          </a:prstGeom>
+        </p:spPr>
+      </p:pic>
+    </p:spTree>
+    <p:extLst>
+      <p:ext uri="{BB962C8B-B14F-4D97-AF65-F5344CB8AC3E}">
+        <p14:creationId xmlns:p14="http://schemas.microsoft.com/office/powerpoint/2010/main" val="3749611798"/>
+      </p:ext>
+    </p:extLst>
+  </p:cSld>
+  <p:clrMapOvr>
+    <a:masterClrMapping/>
+  </p:clrMapOvr>
+</p:sld>
+</file>
+
+<file path=ppt/slides/slide41.xml><?xml version="1.0" encoding="utf-8"?>
+<p:sld xmlns:a="http://schemas.openxmlformats.org/drawingml/2006/main" xmlns:r="http://schemas.openxmlformats.org/officeDocument/2006/relationships" xmlns:p="http://schemas.openxmlformats.org/presentationml/2006/main">
+  <p:cSld>
+    <p:spTree>
+      <p:nvGrpSpPr>
+        <p:cNvPr id="1" name=""/>
+        <p:cNvGrpSpPr/>
+        <p:nvPr/>
+      </p:nvGrpSpPr>
+      <p:grpSpPr>
+        <a:xfrm>
+          <a:off x="0" y="0"/>
+          <a:ext cx="0" cy="0"/>
+          <a:chOff x="0" y="0"/>
+          <a:chExt cx="0" cy="0"/>
+        </a:xfrm>
+      </p:grpSpPr>
+      <p:sp>
+        <p:nvSpPr>
+          <p:cNvPr id="2" name="Title 1">
+            <a:extLst>
+              <a:ext uri="{FF2B5EF4-FFF2-40B4-BE49-F238E27FC236}">
+                <a16:creationId xmlns:a16="http://schemas.microsoft.com/office/drawing/2014/main" id="{26AC7FAF-3538-4288-8DB2-24E83170AC38}"/>
+              </a:ext>
+            </a:extLst>
+          </p:cNvPr>
+          <p:cNvSpPr>
+            <a:spLocks noGrp="1"/>
+          </p:cNvSpPr>
+          <p:nvPr>
+            <p:ph type="title"/>
+          </p:nvPr>
+        </p:nvSpPr>
+        <p:spPr/>
+        <p:txBody>
+          <a:bodyPr/>
+          <a:lstStyle/>
+          <a:p>
+            <a:r>
+              <a:rPr lang="en-US" dirty="0"/>
+              <a:t>Second Try: Postgres directly on EC2</a:t>
+            </a:r>
+          </a:p>
+        </p:txBody>
+      </p:sp>
+      <p:pic>
+        <p:nvPicPr>
+          <p:cNvPr id="5" name="Picture 4">
+            <a:extLst>
+              <a:ext uri="{FF2B5EF4-FFF2-40B4-BE49-F238E27FC236}">
+                <a16:creationId xmlns:a16="http://schemas.microsoft.com/office/drawing/2014/main" id="{09A91526-E233-4F1F-9C04-112E397E3619}"/>
+              </a:ext>
+            </a:extLst>
+          </p:cNvPr>
+          <p:cNvPicPr>
+            <a:picLocks noChangeAspect="1"/>
+          </p:cNvPicPr>
+          <p:nvPr/>
+        </p:nvPicPr>
+        <p:blipFill>
+          <a:blip r:embed="rId2"/>
+          <a:stretch>
+            <a:fillRect/>
+          </a:stretch>
+        </p:blipFill>
+        <p:spPr>
+          <a:xfrm>
+            <a:off x="573087" y="1501775"/>
+            <a:ext cx="11249025" cy="4991100"/>
+          </a:xfrm>
+          <a:prstGeom prst="rect">
+            <a:avLst/>
+          </a:prstGeom>
+        </p:spPr>
+      </p:pic>
+    </p:spTree>
+    <p:extLst>
+      <p:ext uri="{BB962C8B-B14F-4D97-AF65-F5344CB8AC3E}">
+        <p14:creationId xmlns:p14="http://schemas.microsoft.com/office/powerpoint/2010/main" val="732775024"/>
+      </p:ext>
+    </p:extLst>
+  </p:cSld>
+  <p:clrMapOvr>
+    <a:masterClrMapping/>
+  </p:clrMapOvr>
+</p:sld>
+</file>
+
+<file path=ppt/slides/slide42.xml><?xml version="1.0" encoding="utf-8"?>
+<p:sld xmlns:a="http://schemas.openxmlformats.org/drawingml/2006/main" xmlns:r="http://schemas.openxmlformats.org/officeDocument/2006/relationships" xmlns:p="http://schemas.openxmlformats.org/presentationml/2006/main">
+  <p:cSld>
+    <p:spTree>
+      <p:nvGrpSpPr>
+        <p:cNvPr id="1" name=""/>
+        <p:cNvGrpSpPr/>
+        <p:nvPr/>
+      </p:nvGrpSpPr>
+      <p:grpSpPr>
+        <a:xfrm>
+          <a:off x="0" y="0"/>
+          <a:ext cx="0" cy="0"/>
+          <a:chOff x="0" y="0"/>
+          <a:chExt cx="0" cy="0"/>
+        </a:xfrm>
+      </p:grpSpPr>
+      <p:sp>
+        <p:nvSpPr>
+          <p:cNvPr id="2" name="Title 1">
+            <a:extLst>
+              <a:ext uri="{FF2B5EF4-FFF2-40B4-BE49-F238E27FC236}">
+                <a16:creationId xmlns:a16="http://schemas.microsoft.com/office/drawing/2014/main" id="{7F7B68DA-473D-4B51-A38B-93A06DFF7DD5}"/>
+              </a:ext>
+            </a:extLst>
+          </p:cNvPr>
+          <p:cNvSpPr>
+            <a:spLocks noGrp="1"/>
+          </p:cNvSpPr>
+          <p:nvPr>
+            <p:ph type="title"/>
+          </p:nvPr>
+        </p:nvSpPr>
+        <p:spPr/>
+        <p:txBody>
+          <a:bodyPr/>
+          <a:lstStyle/>
+          <a:p>
+            <a:r>
+              <a:rPr lang="en-US" dirty="0"/>
+              <a:t>Go Play !</a:t>
+            </a:r>
+          </a:p>
+        </p:txBody>
+      </p:sp>
+      <p:sp>
+        <p:nvSpPr>
+          <p:cNvPr id="3" name="Content Placeholder 2">
+            <a:extLst>
+              <a:ext uri="{FF2B5EF4-FFF2-40B4-BE49-F238E27FC236}">
+                <a16:creationId xmlns:a16="http://schemas.microsoft.com/office/drawing/2014/main" id="{ACEB8B8B-6AA0-481C-A325-CA7EA058CF39}"/>
+              </a:ext>
+            </a:extLst>
+          </p:cNvPr>
+          <p:cNvSpPr>
+            <a:spLocks noGrp="1"/>
+          </p:cNvSpPr>
+          <p:nvPr>
+            <p:ph idx="1"/>
+          </p:nvPr>
+        </p:nvSpPr>
+        <p:spPr/>
+        <p:txBody>
+          <a:bodyPr/>
+          <a:lstStyle/>
+          <a:p>
+            <a:r>
+              <a:rPr lang="en-US" dirty="0">
+                <a:hlinkClick r:id="rId2"/>
+              </a:rPr>
+              <a:t>www.cwinsor.us</a:t>
+            </a:r>
+            <a:r>
+              <a:rPr lang="en-US" dirty="0"/>
+              <a:t> (look for </a:t>
+            </a:r>
+            <a:r>
+              <a:rPr lang="en-US" dirty="0" err="1"/>
+              <a:t>StarChaser</a:t>
+            </a:r>
+            <a:r>
+              <a:rPr lang="en-US" dirty="0"/>
+              <a:t>)</a:t>
+            </a:r>
+          </a:p>
+          <a:p>
+            <a:r>
+              <a:rPr lang="en-US" dirty="0"/>
+              <a:t>Or directly...</a:t>
+            </a:r>
+          </a:p>
+          <a:p>
+            <a:r>
+              <a:rPr lang="en-US" dirty="0">
+                <a:hlinkClick r:id="rId3"/>
+              </a:rPr>
+              <a:t>http://ec2-3-22-167-114.us-east-2.compute.amazonaws.com:8000/</a:t>
+            </a:r>
+            <a:endParaRPr lang="en-US" dirty="0"/>
+          </a:p>
+        </p:txBody>
+      </p:sp>
+    </p:spTree>
+    <p:extLst>
+      <p:ext uri="{BB962C8B-B14F-4D97-AF65-F5344CB8AC3E}">
+        <p14:creationId xmlns:p14="http://schemas.microsoft.com/office/powerpoint/2010/main" val="3008425161"/>
+      </p:ext>
+    </p:extLst>
+  </p:cSld>
+  <p:clrMapOvr>
+    <a:masterClrMapping/>
+  </p:clrMapOvr>
+</p:sld>
+</file>
+
+<file path=ppt/slides/slide43.xml><?xml version="1.0" encoding="utf-8"?>
+<p:sld xmlns:a="http://schemas.openxmlformats.org/drawingml/2006/main" xmlns:r="http://schemas.openxmlformats.org/officeDocument/2006/relationships" xmlns:p="http://schemas.openxmlformats.org/presentationml/2006/main">
+  <p:cSld>
+    <p:spTree>
+      <p:nvGrpSpPr>
+        <p:cNvPr id="1" name=""/>
+        <p:cNvGrpSpPr/>
+        <p:nvPr/>
+      </p:nvGrpSpPr>
+      <p:grpSpPr>
+        <a:xfrm>
+          <a:off x="0" y="0"/>
+          <a:ext cx="0" cy="0"/>
+          <a:chOff x="0" y="0"/>
+          <a:chExt cx="0" cy="0"/>
+        </a:xfrm>
+      </p:grpSpPr>
+      <p:sp>
+        <p:nvSpPr>
+          <p:cNvPr id="2" name="Title 1">
+            <a:extLst>
+              <a:ext uri="{FF2B5EF4-FFF2-40B4-BE49-F238E27FC236}">
+                <a16:creationId xmlns:a16="http://schemas.microsoft.com/office/drawing/2014/main" id="{10B8E23F-5094-466C-A3B1-1F64FD237EA5}"/>
+              </a:ext>
+            </a:extLst>
+          </p:cNvPr>
+          <p:cNvSpPr>
+            <a:spLocks noGrp="1"/>
+          </p:cNvSpPr>
+          <p:nvPr>
+            <p:ph type="title"/>
+          </p:nvPr>
+        </p:nvSpPr>
+        <p:spPr/>
+        <p:txBody>
+          <a:bodyPr/>
+          <a:lstStyle/>
+          <a:p>
+            <a:r>
+              <a:rPr lang="en-US" dirty="0"/>
+              <a:t>Level of Effort and Takeaways</a:t>
+            </a:r>
+          </a:p>
+        </p:txBody>
+      </p:sp>
+      <p:sp>
+        <p:nvSpPr>
+          <p:cNvPr id="3" name="Content Placeholder 2">
+            <a:extLst>
+              <a:ext uri="{FF2B5EF4-FFF2-40B4-BE49-F238E27FC236}">
+                <a16:creationId xmlns:a16="http://schemas.microsoft.com/office/drawing/2014/main" id="{00EB0048-9365-49CB-978F-C6FB3053D5D3}"/>
+              </a:ext>
+            </a:extLst>
+          </p:cNvPr>
+          <p:cNvSpPr>
+            <a:spLocks noGrp="1"/>
+          </p:cNvSpPr>
+          <p:nvPr>
+            <p:ph idx="1"/>
+          </p:nvPr>
+        </p:nvSpPr>
+        <p:spPr/>
+        <p:txBody>
+          <a:bodyPr>
+            <a:normAutofit/>
+          </a:bodyPr>
+          <a:lstStyle/>
+          <a:p>
+            <a:r>
+              <a:rPr lang="en-US" dirty="0"/>
+              <a:t>A full featured Web App (admin, user accounts, Postgres, M.L., AWS)</a:t>
+            </a:r>
+          </a:p>
+          <a:p>
+            <a:r>
+              <a:rPr lang="en-US" dirty="0"/>
+              <a:t>2/23 to 5/22 (3 months).  Lots of learning curve</a:t>
+            </a:r>
+          </a:p>
+          <a:p>
+            <a:r>
+              <a:rPr lang="en-US" dirty="0"/>
+              <a:t>Started with Tic-tac-toe and:</a:t>
+            </a:r>
+          </a:p>
+          <a:p>
+            <a:pPr lvl="1"/>
+            <a:r>
+              <a:rPr lang="en-US" dirty="0"/>
+              <a:t>Replaced out-of-box database with Postgres</a:t>
+            </a:r>
+          </a:p>
+          <a:p>
+            <a:pPr lvl="1"/>
+            <a:r>
+              <a:rPr lang="en-US" dirty="0"/>
+              <a:t>Added external ML models, Kaggle dataset</a:t>
+            </a:r>
+          </a:p>
+          <a:p>
+            <a:pPr lvl="1"/>
+            <a:r>
+              <a:rPr lang="en-US" dirty="0"/>
+              <a:t>Added Google Charts</a:t>
+            </a:r>
+          </a:p>
+          <a:p>
+            <a:pPr lvl="1"/>
+            <a:r>
+              <a:rPr lang="en-US" dirty="0"/>
+              <a:t>Pushed to AWS</a:t>
+            </a:r>
+          </a:p>
+          <a:p>
+            <a:r>
+              <a:rPr lang="en-US" dirty="0"/>
+              <a:t>Wireframe and personas super important for focus</a:t>
+            </a:r>
+          </a:p>
+        </p:txBody>
+      </p:sp>
+    </p:spTree>
+    <p:extLst>
+      <p:ext uri="{BB962C8B-B14F-4D97-AF65-F5344CB8AC3E}">
+        <p14:creationId xmlns:p14="http://schemas.microsoft.com/office/powerpoint/2010/main" val="3978747642"/>
+      </p:ext>
+    </p:extLst>
+  </p:cSld>
+  <p:clrMapOvr>
+    <a:masterClrMapping/>
+  </p:clrMapOvr>
+</p:sld>
+</file>
+
+<file path=ppt/slides/slide44.xml><?xml version="1.0" encoding="utf-8"?>
+<p:sld xmlns:a="http://schemas.openxmlformats.org/drawingml/2006/main" xmlns:r="http://schemas.openxmlformats.org/officeDocument/2006/relationships" xmlns:p="http://schemas.openxmlformats.org/presentationml/2006/main">
+  <p:cSld>
+    <p:spTree>
+      <p:nvGrpSpPr>
+        <p:cNvPr id="1" name=""/>
+        <p:cNvGrpSpPr/>
+        <p:nvPr/>
+      </p:nvGrpSpPr>
+      <p:grpSpPr>
+        <a:xfrm>
+          <a:off x="0" y="0"/>
+          <a:ext cx="0" cy="0"/>
+          <a:chOff x="0" y="0"/>
+          <a:chExt cx="0" cy="0"/>
+        </a:xfrm>
+      </p:grpSpPr>
+      <p:sp>
+        <p:nvSpPr>
+          <p:cNvPr id="2" name="Title 1">
+            <a:extLst>
+              <a:ext uri="{FF2B5EF4-FFF2-40B4-BE49-F238E27FC236}">
+                <a16:creationId xmlns:a16="http://schemas.microsoft.com/office/drawing/2014/main" id="{10B8E23F-5094-466C-A3B1-1F64FD237EA5}"/>
+              </a:ext>
+            </a:extLst>
+          </p:cNvPr>
+          <p:cNvSpPr>
+            <a:spLocks noGrp="1"/>
+          </p:cNvSpPr>
+          <p:nvPr>
+            <p:ph type="title"/>
+          </p:nvPr>
+        </p:nvSpPr>
+        <p:spPr/>
+        <p:txBody>
+          <a:bodyPr/>
+          <a:lstStyle/>
+          <a:p>
+            <a:r>
+              <a:rPr lang="en-US" dirty="0"/>
+              <a:t>References</a:t>
+            </a:r>
+          </a:p>
+        </p:txBody>
+      </p:sp>
+      <p:sp>
+        <p:nvSpPr>
+          <p:cNvPr id="3" name="Content Placeholder 2">
+            <a:extLst>
+              <a:ext uri="{FF2B5EF4-FFF2-40B4-BE49-F238E27FC236}">
+                <a16:creationId xmlns:a16="http://schemas.microsoft.com/office/drawing/2014/main" id="{00EB0048-9365-49CB-978F-C6FB3053D5D3}"/>
+              </a:ext>
+            </a:extLst>
+          </p:cNvPr>
+          <p:cNvSpPr>
+            <a:spLocks noGrp="1"/>
+          </p:cNvSpPr>
+          <p:nvPr>
+            <p:ph idx="1"/>
+          </p:nvPr>
+        </p:nvSpPr>
+        <p:spPr/>
+        <p:txBody>
+          <a:bodyPr>
+            <a:normAutofit fontScale="55000" lnSpcReduction="20000"/>
+          </a:bodyPr>
+          <a:lstStyle/>
+          <a:p>
+            <a:r>
+              <a:rPr lang="en-US" dirty="0"/>
+              <a:t>Django:</a:t>
+            </a:r>
+          </a:p>
+          <a:p>
+            <a:pPr lvl="1"/>
+            <a:r>
+              <a:rPr lang="en-US" dirty="0"/>
+              <a:t>Tic-Tac-Toe (Django Fundamentals by </a:t>
+            </a:r>
+            <a:r>
+              <a:rPr lang="en-US" dirty="0" err="1"/>
+              <a:t>Reindert</a:t>
+            </a:r>
+            <a:r>
+              <a:rPr lang="en-US" dirty="0"/>
+              <a:t>-Jan </a:t>
+            </a:r>
+            <a:r>
+              <a:rPr lang="en-US" dirty="0" err="1"/>
+              <a:t>Ekker</a:t>
+            </a:r>
+            <a:r>
+              <a:rPr lang="en-US" dirty="0"/>
+              <a:t> on Pluralsight) </a:t>
+            </a:r>
+            <a:r>
+              <a:rPr lang="en-US" dirty="0">
+                <a:hlinkClick r:id="rId2"/>
+              </a:rPr>
+              <a:t>https://app.pluralsight.com/library/courses/django-fundamentals-update/table-of-contents</a:t>
+            </a:r>
+            <a:endParaRPr lang="en-US" dirty="0"/>
+          </a:p>
+          <a:p>
+            <a:pPr lvl="1"/>
+            <a:endParaRPr lang="en-US" dirty="0"/>
+          </a:p>
+          <a:p>
+            <a:r>
+              <a:rPr lang="en-US" dirty="0"/>
+              <a:t>Web UX/UI:</a:t>
+            </a:r>
+          </a:p>
+          <a:p>
+            <a:pPr lvl="1"/>
+            <a:r>
+              <a:rPr lang="en-US" dirty="0"/>
+              <a:t>Getting Started in UX Design by Kurt </a:t>
+            </a:r>
+            <a:r>
+              <a:rPr lang="en-US" dirty="0" err="1"/>
+              <a:t>Krumme</a:t>
+            </a:r>
+            <a:r>
+              <a:rPr lang="en-US" dirty="0"/>
+              <a:t> </a:t>
+            </a:r>
+            <a:r>
+              <a:rPr lang="en-US" dirty="0">
+                <a:hlinkClick r:id="rId3"/>
+              </a:rPr>
+              <a:t>https://app.pluralsight.com/library/courses/getting-started-ux-design/table-of-contents</a:t>
+            </a:r>
+            <a:endParaRPr lang="en-US" dirty="0"/>
+          </a:p>
+          <a:p>
+            <a:pPr lvl="1"/>
+            <a:r>
+              <a:rPr lang="en-US" dirty="0"/>
+              <a:t>UX Design Creating Wireframes by Susan Simkins </a:t>
+            </a:r>
+            <a:r>
+              <a:rPr lang="en-US" dirty="0">
+                <a:hlinkClick r:id="rId4"/>
+              </a:rPr>
+              <a:t>https://app.pluralsight.com/library/courses/ux-design-creating-wireframes/table-of-contents</a:t>
+            </a:r>
+            <a:endParaRPr lang="en-US" dirty="0"/>
+          </a:p>
+          <a:p>
+            <a:endParaRPr lang="en-US" dirty="0"/>
+          </a:p>
+          <a:p>
+            <a:r>
+              <a:rPr lang="en-US" dirty="0"/>
+              <a:t>Node, Postgres, Express (background only - could skim this)</a:t>
+            </a:r>
+          </a:p>
+          <a:p>
+            <a:pPr lvl="1"/>
+            <a:r>
+              <a:rPr lang="en-US" dirty="0"/>
+              <a:t>“Build a CRUD single page application with Node, Express, Angular, Postgres” (Michael Herman)</a:t>
+            </a:r>
+          </a:p>
+          <a:p>
+            <a:pPr lvl="1"/>
+            <a:r>
+              <a:rPr lang="en-US" dirty="0">
+                <a:solidFill>
+                  <a:schemeClr val="accent1"/>
+                </a:solidFill>
+                <a:hlinkClick r:id="rId5">
+                  <a:extLst>
+                    <a:ext uri="{A12FA001-AC4F-418D-AE19-62706E023703}">
+                      <ahyp:hlinkClr xmlns:ahyp="http://schemas.microsoft.com/office/drawing/2018/hyperlinkcolor" val="tx"/>
+                    </a:ext>
+                  </a:extLst>
+                </a:hlinkClick>
+              </a:rPr>
+              <a:t>https://mherman.org/blog/postgresql-and-nodejs/</a:t>
+            </a:r>
+            <a:r>
+              <a:rPr lang="en-US" dirty="0">
+                <a:solidFill>
+                  <a:schemeClr val="accent1"/>
+                </a:solidFill>
+              </a:rPr>
+              <a:t>   </a:t>
+            </a:r>
+            <a:r>
+              <a:rPr lang="en-US" dirty="0"/>
+              <a:t>This is an example frontend/backend </a:t>
+            </a:r>
+            <a:r>
+              <a:rPr lang="en-US" dirty="0" err="1"/>
+              <a:t>javascript</a:t>
+            </a:r>
+            <a:r>
+              <a:rPr lang="en-US" dirty="0"/>
+              <a:t> web app with </a:t>
+            </a:r>
+            <a:r>
+              <a:rPr lang="en-US" dirty="0" err="1"/>
+              <a:t>postgres</a:t>
+            </a:r>
+            <a:r>
+              <a:rPr lang="en-US" dirty="0"/>
+              <a:t> db.  It uses express web server/routing and (a little) angular on the front-end.  You will use </a:t>
+            </a:r>
+            <a:r>
+              <a:rPr lang="en-US" dirty="0" err="1"/>
+              <a:t>npm</a:t>
+            </a:r>
+            <a:r>
+              <a:rPr lang="en-US" dirty="0"/>
+              <a:t>, express, node, browser trace/debug features.  You will see </a:t>
+            </a:r>
+            <a:r>
+              <a:rPr lang="en-US" dirty="0" err="1"/>
+              <a:t>javascript</a:t>
+            </a:r>
+            <a:r>
+              <a:rPr lang="en-US" dirty="0"/>
+              <a:t> used on both client and server.  This is very standard (server-side </a:t>
+            </a:r>
+            <a:r>
+              <a:rPr lang="en-US" dirty="0" err="1"/>
+              <a:t>javascript</a:t>
+            </a:r>
+            <a:r>
+              <a:rPr lang="en-US" dirty="0"/>
+              <a:t>) architecture.</a:t>
+            </a:r>
+          </a:p>
+          <a:p>
+            <a:endParaRPr lang="en-US" dirty="0"/>
+          </a:p>
+          <a:p>
+            <a:r>
+              <a:rPr lang="en-US" dirty="0"/>
+              <a:t>Front-end (suspect this will be handy in the future)</a:t>
+            </a:r>
+          </a:p>
+          <a:p>
+            <a:pPr lvl="1"/>
+            <a:r>
+              <a:rPr lang="en-US" dirty="0"/>
+              <a:t>“Front-End Web Development Quick Start With HTML5, CSS, and JavaScript” (Shawn Wildermuth) </a:t>
+            </a:r>
+            <a:r>
+              <a:rPr lang="en-US" dirty="0">
+                <a:solidFill>
+                  <a:schemeClr val="accent1"/>
+                </a:solidFill>
+                <a:hlinkClick r:id="rId6">
+                  <a:extLst>
+                    <a:ext uri="{A12FA001-AC4F-418D-AE19-62706E023703}">
+                      <ahyp:hlinkClr xmlns:ahyp="http://schemas.microsoft.com/office/drawing/2018/hyperlinkcolor" val="tx"/>
+                    </a:ext>
+                  </a:extLst>
+                </a:hlinkClick>
+              </a:rPr>
+              <a:t>https://app.pluralsight.com/course-player?clipId=e5482b13-c204-4d52-89ec-94a1099592b0</a:t>
+            </a:r>
+            <a:r>
+              <a:rPr lang="en-US" dirty="0">
+                <a:solidFill>
+                  <a:schemeClr val="accent1"/>
+                </a:solidFill>
+              </a:rPr>
+              <a:t>  </a:t>
+            </a:r>
+            <a:r>
+              <a:rPr lang="en-US" dirty="0"/>
+              <a:t>Beginner HTML5, CSS, JavaScript – excellent</a:t>
+            </a:r>
+          </a:p>
+          <a:p>
+            <a:pPr lvl="1"/>
+            <a:endParaRPr lang="en-US" dirty="0"/>
+          </a:p>
+        </p:txBody>
+      </p:sp>
+    </p:spTree>
+    <p:extLst>
+      <p:ext uri="{BB962C8B-B14F-4D97-AF65-F5344CB8AC3E}">
+        <p14:creationId xmlns:p14="http://schemas.microsoft.com/office/powerpoint/2010/main" val="2261134443"/>
+      </p:ext>
+    </p:extLst>
+  </p:cSld>
+  <p:clrMapOvr>
+    <a:masterClrMapping/>
+  </p:clrMapOvr>
+</p:sld>
+</file>
+
+<file path=ppt/slides/slide45.xml><?xml version="1.0" encoding="utf-8"?>
+<p:sld xmlns:a="http://schemas.openxmlformats.org/drawingml/2006/main" xmlns:r="http://schemas.openxmlformats.org/officeDocument/2006/relationships" xmlns:p="http://schemas.openxmlformats.org/presentationml/2006/main">
+  <p:cSld>
+    <p:spTree>
+      <p:nvGrpSpPr>
+        <p:cNvPr id="1" name=""/>
+        <p:cNvGrpSpPr/>
+        <p:nvPr/>
+      </p:nvGrpSpPr>
+      <p:grpSpPr>
+        <a:xfrm>
+          <a:off x="0" y="0"/>
+          <a:ext cx="0" cy="0"/>
+          <a:chOff x="0" y="0"/>
+          <a:chExt cx="0" cy="0"/>
+        </a:xfrm>
+      </p:grpSpPr>
+      <p:sp>
+        <p:nvSpPr>
+          <p:cNvPr id="2" name="Title 1">
+            <a:extLst>
+              <a:ext uri="{FF2B5EF4-FFF2-40B4-BE49-F238E27FC236}">
+                <a16:creationId xmlns:a16="http://schemas.microsoft.com/office/drawing/2014/main" id="{F9B00A71-D9A5-48EF-B13D-3C64E072E5F9}"/>
+              </a:ext>
+            </a:extLst>
+          </p:cNvPr>
+          <p:cNvSpPr>
+            <a:spLocks noGrp="1"/>
+          </p:cNvSpPr>
+          <p:nvPr>
+            <p:ph type="title"/>
+          </p:nvPr>
+        </p:nvSpPr>
+        <p:spPr>
+          <a:xfrm>
+            <a:off x="4067962" y="2915378"/>
+            <a:ext cx="3465352" cy="1325563"/>
+          </a:xfrm>
+        </p:spPr>
+        <p:txBody>
+          <a:bodyPr/>
+          <a:lstStyle/>
+          <a:p>
+            <a:pPr algn="ctr"/>
+            <a:r>
+              <a:rPr lang="en-US" dirty="0"/>
+              <a:t>Thank You</a:t>
+            </a:r>
+          </a:p>
+        </p:txBody>
+      </p:sp>
+    </p:spTree>
+    <p:extLst>
+      <p:ext uri="{BB962C8B-B14F-4D97-AF65-F5344CB8AC3E}">
+        <p14:creationId xmlns:p14="http://schemas.microsoft.com/office/powerpoint/2010/main" val="2844057254"/>
+      </p:ext>
+    </p:extLst>
+  </p:cSld>
+  <p:clrMapOvr>
+    <a:masterClrMapping/>
+  </p:clrMapOvr>
+</p:sld>
+</file>
+
+<file path=ppt/slides/slide46.xml><?xml version="1.0" encoding="utf-8"?>
+<p:sld xmlns:a="http://schemas.openxmlformats.org/drawingml/2006/main" xmlns:r="http://schemas.openxmlformats.org/officeDocument/2006/relationships" xmlns:p="http://schemas.openxmlformats.org/presentationml/2006/main">
+  <p:cSld>
+    <p:spTree>
+      <p:nvGrpSpPr>
+        <p:cNvPr id="1" name=""/>
+        <p:cNvGrpSpPr/>
+        <p:nvPr/>
+      </p:nvGrpSpPr>
+      <p:grpSpPr>
+        <a:xfrm>
+          <a:off x="0" y="0"/>
+          <a:ext cx="0" cy="0"/>
+          <a:chOff x="0" y="0"/>
+          <a:chExt cx="0" cy="0"/>
+        </a:xfrm>
+      </p:grpSpPr>
+      <p:sp>
+        <p:nvSpPr>
+          <p:cNvPr id="2" name="Title 1">
+            <a:extLst>
+              <a:ext uri="{FF2B5EF4-FFF2-40B4-BE49-F238E27FC236}">
+                <a16:creationId xmlns:a16="http://schemas.microsoft.com/office/drawing/2014/main" id="{F9B00A71-D9A5-48EF-B13D-3C64E072E5F9}"/>
+              </a:ext>
+            </a:extLst>
+          </p:cNvPr>
+          <p:cNvSpPr>
+            <a:spLocks noGrp="1"/>
+          </p:cNvSpPr>
+          <p:nvPr>
+            <p:ph type="title"/>
+          </p:nvPr>
+        </p:nvSpPr>
+        <p:spPr>
+          <a:xfrm>
+            <a:off x="3388454" y="2766218"/>
+            <a:ext cx="5940104" cy="1325563"/>
+          </a:xfrm>
+        </p:spPr>
+        <p:txBody>
+          <a:bodyPr/>
+          <a:lstStyle/>
+          <a:p>
+            <a:pPr algn="ctr"/>
+            <a:r>
+              <a:rPr lang="en-US" dirty="0"/>
+              <a:t>The Machine Learning</a:t>
+            </a:r>
+            <a:br>
+              <a:rPr lang="en-US" dirty="0"/>
+            </a:br>
+            <a:r>
+              <a:rPr lang="en-US" dirty="0"/>
+              <a:t>B. Trotta, K. Boone</a:t>
+            </a:r>
+          </a:p>
+        </p:txBody>
+      </p:sp>
+    </p:spTree>
+    <p:extLst>
+      <p:ext uri="{BB962C8B-B14F-4D97-AF65-F5344CB8AC3E}">
+        <p14:creationId xmlns:p14="http://schemas.microsoft.com/office/powerpoint/2010/main" val="2205188347"/>
+      </p:ext>
+    </p:extLst>
+  </p:cSld>
+  <p:clrMapOvr>
+    <a:masterClrMapping/>
+  </p:clrMapOvr>
+</p:sld>
+</file>
+
+<file path=ppt/slides/slide47.xml><?xml version="1.0" encoding="utf-8"?>
+<p:sld xmlns:a="http://schemas.openxmlformats.org/drawingml/2006/main" xmlns:r="http://schemas.openxmlformats.org/officeDocument/2006/relationships" xmlns:p="http://schemas.openxmlformats.org/presentationml/2006/main">
+  <p:cSld>
+    <p:spTree>
+      <p:nvGrpSpPr>
+        <p:cNvPr id="1" name=""/>
+        <p:cNvGrpSpPr/>
+        <p:nvPr/>
+      </p:nvGrpSpPr>
+      <p:grpSpPr>
+        <a:xfrm>
+          <a:off x="0" y="0"/>
+          <a:ext cx="0" cy="0"/>
+          <a:chOff x="0" y="0"/>
+          <a:chExt cx="0" cy="0"/>
+        </a:xfrm>
+      </p:grpSpPr>
+      <p:sp>
+        <p:nvSpPr>
+          <p:cNvPr id="2" name="Title 1">
+            <a:extLst>
+              <a:ext uri="{FF2B5EF4-FFF2-40B4-BE49-F238E27FC236}">
+                <a16:creationId xmlns:a16="http://schemas.microsoft.com/office/drawing/2014/main" id="{6C24AB51-D0AE-47AF-A254-ED0A18910444}"/>
+              </a:ext>
+            </a:extLst>
+          </p:cNvPr>
+          <p:cNvSpPr>
+            <a:spLocks noGrp="1"/>
+          </p:cNvSpPr>
+          <p:nvPr>
+            <p:ph type="title"/>
+          </p:nvPr>
+        </p:nvSpPr>
+        <p:spPr/>
+        <p:txBody>
+          <a:bodyPr/>
+          <a:lstStyle/>
+          <a:p>
+            <a:r>
+              <a:rPr lang="en-US" dirty="0"/>
+              <a:t>Best Pandas methods...</a:t>
+            </a:r>
+          </a:p>
+        </p:txBody>
+      </p:sp>
+      <p:sp>
+        <p:nvSpPr>
+          <p:cNvPr id="3" name="Content Placeholder 2">
+            <a:extLst>
+              <a:ext uri="{FF2B5EF4-FFF2-40B4-BE49-F238E27FC236}">
+                <a16:creationId xmlns:a16="http://schemas.microsoft.com/office/drawing/2014/main" id="{CC3B6CE1-9DA5-4150-9A0C-898EA1CC56DA}"/>
+              </a:ext>
+            </a:extLst>
+          </p:cNvPr>
+          <p:cNvSpPr>
+            <a:spLocks noGrp="1"/>
+          </p:cNvSpPr>
+          <p:nvPr>
+            <p:ph idx="1"/>
+          </p:nvPr>
+        </p:nvSpPr>
+        <p:spPr>
+          <a:xfrm>
+            <a:off x="838200" y="1825625"/>
+            <a:ext cx="5982478" cy="4351338"/>
+          </a:xfrm>
+        </p:spPr>
+        <p:txBody>
+          <a:bodyPr>
+            <a:normAutofit/>
+          </a:bodyPr>
+          <a:lstStyle/>
+          <a:p>
+            <a:pPr marL="0" indent="0">
+              <a:buNone/>
+            </a:pPr>
+            <a:r>
+              <a:rPr lang="en-US" dirty="0"/>
+              <a:t>.pivot()     </a:t>
+            </a:r>
+            <a:r>
+              <a:rPr lang="en-US" sz="2400" dirty="0"/>
+              <a:t>given a nominal attribute, create an attribute for each value</a:t>
+            </a:r>
+            <a:endParaRPr lang="en-US" dirty="0"/>
+          </a:p>
+          <a:p>
+            <a:pPr marL="0" indent="0">
+              <a:buNone/>
+            </a:pPr>
+            <a:endParaRPr lang="en-US" dirty="0"/>
+          </a:p>
+          <a:p>
+            <a:pPr marL="0" indent="0">
+              <a:buNone/>
+            </a:pPr>
+            <a:r>
+              <a:rPr lang="en-US" dirty="0"/>
+              <a:t>.merge()   merges two </a:t>
+            </a:r>
+            <a:r>
+              <a:rPr lang="en-US" dirty="0" err="1"/>
+              <a:t>DataFrames</a:t>
+            </a:r>
+            <a:endParaRPr lang="en-US" dirty="0"/>
+          </a:p>
+          <a:p>
+            <a:pPr marL="457200" lvl="1" indent="0">
+              <a:buNone/>
+            </a:pPr>
+            <a:r>
+              <a:rPr lang="en-US" sz="1800" dirty="0">
+                <a:latin typeface="Courier New" panose="02070309020205020404" pitchFamily="49" charset="0"/>
+                <a:cs typeface="Courier New" panose="02070309020205020404" pitchFamily="49" charset="0"/>
+              </a:rPr>
+              <a:t>(example...)</a:t>
+            </a:r>
+          </a:p>
+          <a:p>
+            <a:endParaRPr lang="en-US" dirty="0"/>
+          </a:p>
+          <a:p>
+            <a:pPr marL="0" indent="0">
+              <a:buNone/>
+            </a:pPr>
+            <a:r>
+              <a:rPr lang="en-US" dirty="0"/>
+              <a:t>Boolean indexing...</a:t>
+            </a:r>
+          </a:p>
+          <a:p>
+            <a:pPr marL="457200" lvl="1" indent="0">
+              <a:buNone/>
+            </a:pPr>
+            <a:r>
+              <a:rPr lang="en-US" sz="2000" dirty="0">
+                <a:latin typeface="Courier New" panose="02070309020205020404" pitchFamily="49" charset="0"/>
+                <a:cs typeface="Courier New" panose="02070309020205020404" pitchFamily="49" charset="0"/>
+              </a:rPr>
+              <a:t>filter = reviews['score'] &gt; 6.95</a:t>
+            </a:r>
+          </a:p>
+          <a:p>
+            <a:pPr marL="457200" lvl="1" indent="0">
+              <a:buNone/>
+            </a:pPr>
+            <a:r>
+              <a:rPr lang="en-US" sz="2000" dirty="0" err="1">
+                <a:latin typeface="Courier New" panose="02070309020205020404" pitchFamily="49" charset="0"/>
+                <a:cs typeface="Courier New" panose="02070309020205020404" pitchFamily="49" charset="0"/>
+              </a:rPr>
+              <a:t>reviews.loc</a:t>
+            </a:r>
+            <a:r>
+              <a:rPr lang="en-US" sz="2000" dirty="0">
+                <a:latin typeface="Courier New" panose="02070309020205020404" pitchFamily="49" charset="0"/>
+                <a:cs typeface="Courier New" panose="02070309020205020404" pitchFamily="49" charset="0"/>
+              </a:rPr>
+              <a:t>[filter]</a:t>
+            </a:r>
+          </a:p>
+          <a:p>
+            <a:endParaRPr lang="en-US" dirty="0"/>
+          </a:p>
+        </p:txBody>
+      </p:sp>
+      <p:pic>
+        <p:nvPicPr>
+          <p:cNvPr id="5" name="Picture 4">
+            <a:extLst>
+              <a:ext uri="{FF2B5EF4-FFF2-40B4-BE49-F238E27FC236}">
+                <a16:creationId xmlns:a16="http://schemas.microsoft.com/office/drawing/2014/main" id="{BF5CA4D9-B39B-4766-A5D1-7FA534CB0A8D}"/>
+              </a:ext>
+            </a:extLst>
+          </p:cNvPr>
+          <p:cNvPicPr>
+            <a:picLocks noChangeAspect="1"/>
+          </p:cNvPicPr>
+          <p:nvPr/>
+        </p:nvPicPr>
+        <p:blipFill>
+          <a:blip r:embed="rId2"/>
+          <a:stretch>
+            <a:fillRect/>
+          </a:stretch>
+        </p:blipFill>
+        <p:spPr>
+          <a:xfrm>
+            <a:off x="7040821" y="439770"/>
+            <a:ext cx="4791075" cy="3371850"/>
+          </a:xfrm>
+          <a:prstGeom prst="rect">
+            <a:avLst/>
+          </a:prstGeom>
+        </p:spPr>
+      </p:pic>
+    </p:spTree>
+    <p:extLst>
+      <p:ext uri="{BB962C8B-B14F-4D97-AF65-F5344CB8AC3E}">
+        <p14:creationId xmlns:p14="http://schemas.microsoft.com/office/powerpoint/2010/main" val="3164689895"/>
+      </p:ext>
+    </p:extLst>
+  </p:cSld>
+  <p:clrMapOvr>
+    <a:masterClrMapping/>
+  </p:clrMapOvr>
+</p:sld>
+</file>
+
+<file path=ppt/slides/slide48.xml><?xml version="1.0" encoding="utf-8"?>
 <p:sld xmlns:a="http://schemas.openxmlformats.org/drawingml/2006/main" xmlns:r="http://schemas.openxmlformats.org/officeDocument/2006/relationships" xmlns:p="http://schemas.openxmlformats.org/presentationml/2006/main">
   <p:cSld>
     <p:spTree>

--- a/presentation.pptx
+++ b/presentation.pptx
@@ -50,9 +50,8 @@
     <p:sldId id="274" r:id="rId44"/>
     <p:sldId id="280" r:id="rId45"/>
     <p:sldId id="267" r:id="rId46"/>
-    <p:sldId id="303" r:id="rId47"/>
-    <p:sldId id="301" r:id="rId48"/>
-    <p:sldId id="285" r:id="rId49"/>
+    <p:sldId id="301" r:id="rId47"/>
+    <p:sldId id="285" r:id="rId48"/>
   </p:sldIdLst>
   <p:sldSz cx="12192000" cy="6858000"/>
   <p:notesSz cx="6858000" cy="9144000"/>
@@ -306,7 +305,7 @@
           <a:p>
             <a:fld id="{90B9546A-7969-4B1B-92AE-0EBC43C27576}" type="datetimeFigureOut">
               <a:rPr lang="en-US" smtClean="0"/>
-              <a:t>5/24/2020</a:t>
+              <a:t>6/13/2020</a:t>
             </a:fld>
             <a:endParaRPr lang="en-US"/>
           </a:p>
@@ -504,7 +503,7 @@
           <a:p>
             <a:fld id="{90B9546A-7969-4B1B-92AE-0EBC43C27576}" type="datetimeFigureOut">
               <a:rPr lang="en-US" smtClean="0"/>
-              <a:t>5/24/2020</a:t>
+              <a:t>6/13/2020</a:t>
             </a:fld>
             <a:endParaRPr lang="en-US"/>
           </a:p>
@@ -712,7 +711,7 @@
           <a:p>
             <a:fld id="{90B9546A-7969-4B1B-92AE-0EBC43C27576}" type="datetimeFigureOut">
               <a:rPr lang="en-US" smtClean="0"/>
-              <a:t>5/24/2020</a:t>
+              <a:t>6/13/2020</a:t>
             </a:fld>
             <a:endParaRPr lang="en-US"/>
           </a:p>
@@ -910,7 +909,7 @@
           <a:p>
             <a:fld id="{90B9546A-7969-4B1B-92AE-0EBC43C27576}" type="datetimeFigureOut">
               <a:rPr lang="en-US" smtClean="0"/>
-              <a:t>5/24/2020</a:t>
+              <a:t>6/13/2020</a:t>
             </a:fld>
             <a:endParaRPr lang="en-US"/>
           </a:p>
@@ -1185,7 +1184,7 @@
           <a:p>
             <a:fld id="{90B9546A-7969-4B1B-92AE-0EBC43C27576}" type="datetimeFigureOut">
               <a:rPr lang="en-US" smtClean="0"/>
-              <a:t>5/24/2020</a:t>
+              <a:t>6/13/2020</a:t>
             </a:fld>
             <a:endParaRPr lang="en-US"/>
           </a:p>
@@ -1450,7 +1449,7 @@
           <a:p>
             <a:fld id="{90B9546A-7969-4B1B-92AE-0EBC43C27576}" type="datetimeFigureOut">
               <a:rPr lang="en-US" smtClean="0"/>
-              <a:t>5/24/2020</a:t>
+              <a:t>6/13/2020</a:t>
             </a:fld>
             <a:endParaRPr lang="en-US"/>
           </a:p>
@@ -1862,7 +1861,7 @@
           <a:p>
             <a:fld id="{90B9546A-7969-4B1B-92AE-0EBC43C27576}" type="datetimeFigureOut">
               <a:rPr lang="en-US" smtClean="0"/>
-              <a:t>5/24/2020</a:t>
+              <a:t>6/13/2020</a:t>
             </a:fld>
             <a:endParaRPr lang="en-US"/>
           </a:p>
@@ -2003,7 +2002,7 @@
           <a:p>
             <a:fld id="{90B9546A-7969-4B1B-92AE-0EBC43C27576}" type="datetimeFigureOut">
               <a:rPr lang="en-US" smtClean="0"/>
-              <a:t>5/24/2020</a:t>
+              <a:t>6/13/2020</a:t>
             </a:fld>
             <a:endParaRPr lang="en-US"/>
           </a:p>
@@ -2116,7 +2115,7 @@
           <a:p>
             <a:fld id="{90B9546A-7969-4B1B-92AE-0EBC43C27576}" type="datetimeFigureOut">
               <a:rPr lang="en-US" smtClean="0"/>
-              <a:t>5/24/2020</a:t>
+              <a:t>6/13/2020</a:t>
             </a:fld>
             <a:endParaRPr lang="en-US"/>
           </a:p>
@@ -2427,7 +2426,7 @@
           <a:p>
             <a:fld id="{90B9546A-7969-4B1B-92AE-0EBC43C27576}" type="datetimeFigureOut">
               <a:rPr lang="en-US" smtClean="0"/>
-              <a:t>5/24/2020</a:t>
+              <a:t>6/13/2020</a:t>
             </a:fld>
             <a:endParaRPr lang="en-US"/>
           </a:p>
@@ -2715,7 +2714,7 @@
           <a:p>
             <a:fld id="{90B9546A-7969-4B1B-92AE-0EBC43C27576}" type="datetimeFigureOut">
               <a:rPr lang="en-US" smtClean="0"/>
-              <a:t>5/24/2020</a:t>
+              <a:t>6/13/2020</a:t>
             </a:fld>
             <a:endParaRPr lang="en-US"/>
           </a:p>
@@ -2956,7 +2955,7 @@
           <a:p>
             <a:fld id="{90B9546A-7969-4B1B-92AE-0EBC43C27576}" type="datetimeFigureOut">
               <a:rPr lang="en-US" smtClean="0"/>
-              <a:t>5/24/2020</a:t>
+              <a:t>6/13/2020</a:t>
             </a:fld>
             <a:endParaRPr lang="en-US"/>
           </a:p>
@@ -10568,77 +10567,6 @@
           <p:cNvPr id="2" name="Title 1">
             <a:extLst>
               <a:ext uri="{FF2B5EF4-FFF2-40B4-BE49-F238E27FC236}">
-                <a16:creationId xmlns:a16="http://schemas.microsoft.com/office/drawing/2014/main" id="{F9B00A71-D9A5-48EF-B13D-3C64E072E5F9}"/>
-              </a:ext>
-            </a:extLst>
-          </p:cNvPr>
-          <p:cNvSpPr>
-            <a:spLocks noGrp="1"/>
-          </p:cNvSpPr>
-          <p:nvPr>
-            <p:ph type="title"/>
-          </p:nvPr>
-        </p:nvSpPr>
-        <p:spPr>
-          <a:xfrm>
-            <a:off x="3388454" y="2766218"/>
-            <a:ext cx="5940104" cy="1325563"/>
-          </a:xfrm>
-        </p:spPr>
-        <p:txBody>
-          <a:bodyPr/>
-          <a:lstStyle/>
-          <a:p>
-            <a:pPr algn="ctr"/>
-            <a:r>
-              <a:rPr lang="en-US" dirty="0"/>
-              <a:t>The Machine Learning</a:t>
-            </a:r>
-            <a:br>
-              <a:rPr lang="en-US" dirty="0"/>
-            </a:br>
-            <a:r>
-              <a:rPr lang="en-US" dirty="0"/>
-              <a:t>B. Trotta, K. Boone</a:t>
-            </a:r>
-          </a:p>
-        </p:txBody>
-      </p:sp>
-    </p:spTree>
-    <p:extLst>
-      <p:ext uri="{BB962C8B-B14F-4D97-AF65-F5344CB8AC3E}">
-        <p14:creationId xmlns:p14="http://schemas.microsoft.com/office/powerpoint/2010/main" val="2205188347"/>
-      </p:ext>
-    </p:extLst>
-  </p:cSld>
-  <p:clrMapOvr>
-    <a:masterClrMapping/>
-  </p:clrMapOvr>
-</p:sld>
-</file>
-
-<file path=ppt/slides/slide47.xml><?xml version="1.0" encoding="utf-8"?>
-<p:sld xmlns:a="http://schemas.openxmlformats.org/drawingml/2006/main" xmlns:r="http://schemas.openxmlformats.org/officeDocument/2006/relationships" xmlns:p="http://schemas.openxmlformats.org/presentationml/2006/main">
-  <p:cSld>
-    <p:spTree>
-      <p:nvGrpSpPr>
-        <p:cNvPr id="1" name=""/>
-        <p:cNvGrpSpPr/>
-        <p:nvPr/>
-      </p:nvGrpSpPr>
-      <p:grpSpPr>
-        <a:xfrm>
-          <a:off x="0" y="0"/>
-          <a:ext cx="0" cy="0"/>
-          <a:chOff x="0" y="0"/>
-          <a:chExt cx="0" cy="0"/>
-        </a:xfrm>
-      </p:grpSpPr>
-      <p:sp>
-        <p:nvSpPr>
-          <p:cNvPr id="2" name="Title 1">
-            <a:extLst>
-              <a:ext uri="{FF2B5EF4-FFF2-40B4-BE49-F238E27FC236}">
                 <a16:creationId xmlns:a16="http://schemas.microsoft.com/office/drawing/2014/main" id="{6C24AB51-D0AE-47AF-A254-ED0A18910444}"/>
               </a:ext>
             </a:extLst>
@@ -10826,7 +10754,7 @@
 </p:sld>
 </file>
 
-<file path=ppt/slides/slide48.xml><?xml version="1.0" encoding="utf-8"?>
+<file path=ppt/slides/slide47.xml><?xml version="1.0" encoding="utf-8"?>
 <p:sld xmlns:a="http://schemas.openxmlformats.org/drawingml/2006/main" xmlns:r="http://schemas.openxmlformats.org/officeDocument/2006/relationships" xmlns:p="http://schemas.openxmlformats.org/presentationml/2006/main">
   <p:cSld>
     <p:spTree>
@@ -11027,7 +10955,7 @@
         </p:spPr>
         <p:txBody>
           <a:bodyPr>
-            <a:normAutofit fontScale="92500" lnSpcReduction="20000"/>
+            <a:normAutofit fontScale="85000" lnSpcReduction="20000"/>
           </a:bodyPr>
           <a:lstStyle/>
           <a:p>
@@ -11060,7 +10988,14 @@
             <a:pPr lvl="1"/>
             <a:r>
               <a:rPr lang="en-US" dirty="0"/>
-              <a:t>Back-end “smarts” (database, ML model)</a:t>
+              <a:t>POST data to back-end</a:t>
+            </a:r>
+          </a:p>
+          <a:p>
+            <a:pPr lvl="1"/>
+            <a:r>
+              <a:rPr lang="en-US" dirty="0"/>
+              <a:t>GET classifications/recommendations from backend database, ML model</a:t>
             </a:r>
           </a:p>
           <a:p>
